--- a/src/ss04_lop_doi_tuong_java/ve UML.pptx
+++ b/src/ss04_lop_doi_tuong_java/ve UML.pptx
@@ -2,18 +2,19 @@
 <file path=ppt/presentation.xml><?xml version="1.0" encoding="utf-8"?>
 <p:presentation xmlns:a="http://schemas.openxmlformats.org/drawingml/2006/main" xmlns:r="http://schemas.openxmlformats.org/officeDocument/2006/relationships" xmlns:p="http://schemas.openxmlformats.org/presentationml/2006/main" saveSubsetFonts="1">
   <p:sldMasterIdLst>
-    <p:sldMasterId id="2147483648" r:id="rId1"/>
+    <p:sldMasterId id="2147483672" r:id="rId1"/>
   </p:sldMasterIdLst>
   <p:sldIdLst>
-    <p:sldId id="256" r:id="rId2"/>
+    <p:sldId id="257" r:id="rId2"/>
+    <p:sldId id="258" r:id="rId3"/>
   </p:sldIdLst>
-  <p:sldSz cx="12192000" cy="6858000"/>
+  <p:sldSz cx="6858000" cy="9906000" type="A4"/>
   <p:notesSz cx="6858000" cy="9144000"/>
   <p:defaultTextStyle>
     <a:defPPr>
       <a:defRPr lang="en-US"/>
     </a:defPPr>
-    <a:lvl1pPr marL="0" algn="l" defTabSz="914400" rtl="0" eaLnBrk="1" latinLnBrk="0" hangingPunct="1">
+    <a:lvl1pPr marL="0" algn="l" defTabSz="457200" rtl="0" eaLnBrk="1" latinLnBrk="0" hangingPunct="1">
       <a:defRPr sz="1800" kern="1200">
         <a:solidFill>
           <a:schemeClr val="tx1"/>
@@ -23,7 +24,7 @@
         <a:cs typeface="+mn-cs"/>
       </a:defRPr>
     </a:lvl1pPr>
-    <a:lvl2pPr marL="457200" algn="l" defTabSz="914400" rtl="0" eaLnBrk="1" latinLnBrk="0" hangingPunct="1">
+    <a:lvl2pPr marL="457200" algn="l" defTabSz="457200" rtl="0" eaLnBrk="1" latinLnBrk="0" hangingPunct="1">
       <a:defRPr sz="1800" kern="1200">
         <a:solidFill>
           <a:schemeClr val="tx1"/>
@@ -33,7 +34,7 @@
         <a:cs typeface="+mn-cs"/>
       </a:defRPr>
     </a:lvl2pPr>
-    <a:lvl3pPr marL="914400" algn="l" defTabSz="914400" rtl="0" eaLnBrk="1" latinLnBrk="0" hangingPunct="1">
+    <a:lvl3pPr marL="914400" algn="l" defTabSz="457200" rtl="0" eaLnBrk="1" latinLnBrk="0" hangingPunct="1">
       <a:defRPr sz="1800" kern="1200">
         <a:solidFill>
           <a:schemeClr val="tx1"/>
@@ -43,7 +44,7 @@
         <a:cs typeface="+mn-cs"/>
       </a:defRPr>
     </a:lvl3pPr>
-    <a:lvl4pPr marL="1371600" algn="l" defTabSz="914400" rtl="0" eaLnBrk="1" latinLnBrk="0" hangingPunct="1">
+    <a:lvl4pPr marL="1371600" algn="l" defTabSz="457200" rtl="0" eaLnBrk="1" latinLnBrk="0" hangingPunct="1">
       <a:defRPr sz="1800" kern="1200">
         <a:solidFill>
           <a:schemeClr val="tx1"/>
@@ -53,7 +54,7 @@
         <a:cs typeface="+mn-cs"/>
       </a:defRPr>
     </a:lvl4pPr>
-    <a:lvl5pPr marL="1828800" algn="l" defTabSz="914400" rtl="0" eaLnBrk="1" latinLnBrk="0" hangingPunct="1">
+    <a:lvl5pPr marL="1828800" algn="l" defTabSz="457200" rtl="0" eaLnBrk="1" latinLnBrk="0" hangingPunct="1">
       <a:defRPr sz="1800" kern="1200">
         <a:solidFill>
           <a:schemeClr val="tx1"/>
@@ -63,7 +64,7 @@
         <a:cs typeface="+mn-cs"/>
       </a:defRPr>
     </a:lvl5pPr>
-    <a:lvl6pPr marL="2286000" algn="l" defTabSz="914400" rtl="0" eaLnBrk="1" latinLnBrk="0" hangingPunct="1">
+    <a:lvl6pPr marL="2286000" algn="l" defTabSz="457200" rtl="0" eaLnBrk="1" latinLnBrk="0" hangingPunct="1">
       <a:defRPr sz="1800" kern="1200">
         <a:solidFill>
           <a:schemeClr val="tx1"/>
@@ -73,7 +74,7 @@
         <a:cs typeface="+mn-cs"/>
       </a:defRPr>
     </a:lvl6pPr>
-    <a:lvl7pPr marL="2743200" algn="l" defTabSz="914400" rtl="0" eaLnBrk="1" latinLnBrk="0" hangingPunct="1">
+    <a:lvl7pPr marL="2743200" algn="l" defTabSz="457200" rtl="0" eaLnBrk="1" latinLnBrk="0" hangingPunct="1">
       <a:defRPr sz="1800" kern="1200">
         <a:solidFill>
           <a:schemeClr val="tx1"/>
@@ -83,7 +84,7 @@
         <a:cs typeface="+mn-cs"/>
       </a:defRPr>
     </a:lvl7pPr>
-    <a:lvl8pPr marL="3200400" algn="l" defTabSz="914400" rtl="0" eaLnBrk="1" latinLnBrk="0" hangingPunct="1">
+    <a:lvl8pPr marL="3200400" algn="l" defTabSz="457200" rtl="0" eaLnBrk="1" latinLnBrk="0" hangingPunct="1">
       <a:defRPr sz="1800" kern="1200">
         <a:solidFill>
           <a:schemeClr val="tx1"/>
@@ -93,7 +94,7 @@
         <a:cs typeface="+mn-cs"/>
       </a:defRPr>
     </a:lvl8pPr>
-    <a:lvl9pPr marL="3657600" algn="l" defTabSz="914400" rtl="0" eaLnBrk="1" latinLnBrk="0" hangingPunct="1">
+    <a:lvl9pPr marL="3657600" algn="l" defTabSz="457200" rtl="0" eaLnBrk="1" latinLnBrk="0" hangingPunct="1">
       <a:defRPr sz="1800" kern="1200">
         <a:solidFill>
           <a:schemeClr val="tx1"/>
@@ -104,6 +105,11 @@
       </a:defRPr>
     </a:lvl9pPr>
   </p:defaultTextStyle>
+  <p:extLst>
+    <p:ext uri="{EFAFB233-063F-42B5-8137-9DF3F51BA10A}">
+      <p15:sldGuideLst xmlns:p15="http://schemas.microsoft.com/office/powerpoint/2012/main"/>
+    </p:ext>
+  </p:extLst>
 </p:presentation>
 </file>
 
@@ -126,13 +132,7 @@
       </p:grpSpPr>
       <p:sp>
         <p:nvSpPr>
-          <p:cNvPr id="2" name="Title 1">
-            <a:extLst>
-              <a:ext uri="{FF2B5EF4-FFF2-40B4-BE49-F238E27FC236}">
-                <a16:creationId xmlns:a16="http://schemas.microsoft.com/office/drawing/2014/main" id="{D1171DA3-0944-4AEE-BA7D-1246AA4F1229}"/>
-              </a:ext>
-            </a:extLst>
-          </p:cNvPr>
+          <p:cNvPr id="2" name="Title 1"/>
           <p:cNvSpPr>
             <a:spLocks noGrp="1"/>
           </p:cNvSpPr>
@@ -142,15 +142,15 @@
         </p:nvSpPr>
         <p:spPr>
           <a:xfrm>
-            <a:off x="1524000" y="1122363"/>
-            <a:ext cx="9144000" cy="2387600"/>
+            <a:off x="514350" y="1621191"/>
+            <a:ext cx="5829300" cy="3448756"/>
           </a:xfrm>
         </p:spPr>
         <p:txBody>
           <a:bodyPr anchor="b"/>
           <a:lstStyle>
             <a:lvl1pPr algn="ctr">
-              <a:defRPr sz="6000"/>
+              <a:defRPr sz="4500"/>
             </a:lvl1pPr>
           </a:lstStyle>
           <a:p>
@@ -158,18 +158,13 @@
               <a:rPr lang="en-US"/>
               <a:t>Click to edit Master title style</a:t>
             </a:r>
-          </a:p>
-        </p:txBody>
-      </p:sp>
-      <p:sp>
-        <p:nvSpPr>
-          <p:cNvPr id="3" name="Subtitle 2">
-            <a:extLst>
-              <a:ext uri="{FF2B5EF4-FFF2-40B4-BE49-F238E27FC236}">
-                <a16:creationId xmlns:a16="http://schemas.microsoft.com/office/drawing/2014/main" id="{00CA9B6E-8AC9-4996-959A-E3FDC54CC68D}"/>
-              </a:ext>
-            </a:extLst>
-          </p:cNvPr>
+            <a:endParaRPr lang="en-US" dirty="0"/>
+          </a:p>
+        </p:txBody>
+      </p:sp>
+      <p:sp>
+        <p:nvSpPr>
+          <p:cNvPr id="3" name="Subtitle 2"/>
           <p:cNvSpPr>
             <a:spLocks noGrp="1"/>
           </p:cNvSpPr>
@@ -179,8 +174,8 @@
         </p:nvSpPr>
         <p:spPr>
           <a:xfrm>
-            <a:off x="1524000" y="3602038"/>
-            <a:ext cx="9144000" cy="1655762"/>
+            <a:off x="857250" y="5202944"/>
+            <a:ext cx="5143500" cy="2391656"/>
           </a:xfrm>
         </p:spPr>
         <p:txBody>
@@ -188,39 +183,39 @@
           <a:lstStyle>
             <a:lvl1pPr marL="0" indent="0" algn="ctr">
               <a:buNone/>
-              <a:defRPr sz="2400"/>
+              <a:defRPr sz="1800"/>
             </a:lvl1pPr>
-            <a:lvl2pPr marL="457200" indent="0" algn="ctr">
-              <a:buNone/>
-              <a:defRPr sz="2000"/>
+            <a:lvl2pPr marL="342900" indent="0" algn="ctr">
+              <a:buNone/>
+              <a:defRPr sz="1500"/>
             </a:lvl2pPr>
-            <a:lvl3pPr marL="914400" indent="0" algn="ctr">
-              <a:buNone/>
-              <a:defRPr sz="1800"/>
+            <a:lvl3pPr marL="685800" indent="0" algn="ctr">
+              <a:buNone/>
+              <a:defRPr sz="1350"/>
             </a:lvl3pPr>
-            <a:lvl4pPr marL="1371600" indent="0" algn="ctr">
-              <a:buNone/>
-              <a:defRPr sz="1600"/>
+            <a:lvl4pPr marL="1028700" indent="0" algn="ctr">
+              <a:buNone/>
+              <a:defRPr sz="1200"/>
             </a:lvl4pPr>
-            <a:lvl5pPr marL="1828800" indent="0" algn="ctr">
-              <a:buNone/>
-              <a:defRPr sz="1600"/>
+            <a:lvl5pPr marL="1371600" indent="0" algn="ctr">
+              <a:buNone/>
+              <a:defRPr sz="1200"/>
             </a:lvl5pPr>
-            <a:lvl6pPr marL="2286000" indent="0" algn="ctr">
-              <a:buNone/>
-              <a:defRPr sz="1600"/>
+            <a:lvl6pPr marL="1714500" indent="0" algn="ctr">
+              <a:buNone/>
+              <a:defRPr sz="1200"/>
             </a:lvl6pPr>
-            <a:lvl7pPr marL="2743200" indent="0" algn="ctr">
-              <a:buNone/>
-              <a:defRPr sz="1600"/>
+            <a:lvl7pPr marL="2057400" indent="0" algn="ctr">
+              <a:buNone/>
+              <a:defRPr sz="1200"/>
             </a:lvl7pPr>
-            <a:lvl8pPr marL="3200400" indent="0" algn="ctr">
-              <a:buNone/>
-              <a:defRPr sz="1600"/>
+            <a:lvl8pPr marL="2400300" indent="0" algn="ctr">
+              <a:buNone/>
+              <a:defRPr sz="1200"/>
             </a:lvl8pPr>
-            <a:lvl9pPr marL="3657600" indent="0" algn="ctr">
-              <a:buNone/>
-              <a:defRPr sz="1600"/>
+            <a:lvl9pPr marL="2743200" indent="0" algn="ctr">
+              <a:buNone/>
+              <a:defRPr sz="1200"/>
             </a:lvl9pPr>
           </a:lstStyle>
           <a:p>
@@ -228,18 +223,13 @@
               <a:rPr lang="en-US"/>
               <a:t>Click to edit Master subtitle style</a:t>
             </a:r>
-          </a:p>
-        </p:txBody>
-      </p:sp>
-      <p:sp>
-        <p:nvSpPr>
-          <p:cNvPr id="4" name="Date Placeholder 3">
-            <a:extLst>
-              <a:ext uri="{FF2B5EF4-FFF2-40B4-BE49-F238E27FC236}">
-                <a16:creationId xmlns:a16="http://schemas.microsoft.com/office/drawing/2014/main" id="{21295C80-674A-40DB-8950-6D05B7D2AF98}"/>
-              </a:ext>
-            </a:extLst>
-          </p:cNvPr>
+            <a:endParaRPr lang="en-US" dirty="0"/>
+          </a:p>
+        </p:txBody>
+      </p:sp>
+      <p:sp>
+        <p:nvSpPr>
+          <p:cNvPr id="4" name="Date Placeholder 3"/>
           <p:cNvSpPr>
             <a:spLocks noGrp="1"/>
           </p:cNvSpPr>
@@ -254,7 +244,7 @@
           <a:p>
             <a:fld id="{304DB6B7-848F-4A9B-8BD5-23855C3D30D0}" type="datetimeFigureOut">
               <a:rPr lang="en-US" smtClean="0"/>
-              <a:t>07-Jul-23</a:t>
+              <a:t>09-Jul-23</a:t>
             </a:fld>
             <a:endParaRPr lang="en-US"/>
           </a:p>
@@ -262,13 +252,7 @@
       </p:sp>
       <p:sp>
         <p:nvSpPr>
-          <p:cNvPr id="5" name="Footer Placeholder 4">
-            <a:extLst>
-              <a:ext uri="{FF2B5EF4-FFF2-40B4-BE49-F238E27FC236}">
-                <a16:creationId xmlns:a16="http://schemas.microsoft.com/office/drawing/2014/main" id="{991A9B4B-4CFC-47F2-BE20-A26160A7507D}"/>
-              </a:ext>
-            </a:extLst>
-          </p:cNvPr>
+          <p:cNvPr id="5" name="Footer Placeholder 4"/>
           <p:cNvSpPr>
             <a:spLocks noGrp="1"/>
           </p:cNvSpPr>
@@ -287,13 +271,7 @@
       </p:sp>
       <p:sp>
         <p:nvSpPr>
-          <p:cNvPr id="6" name="Slide Number Placeholder 5">
-            <a:extLst>
-              <a:ext uri="{FF2B5EF4-FFF2-40B4-BE49-F238E27FC236}">
-                <a16:creationId xmlns:a16="http://schemas.microsoft.com/office/drawing/2014/main" id="{6FAA25A6-A2A6-4D30-94FC-73DCEC9F6B02}"/>
-              </a:ext>
-            </a:extLst>
-          </p:cNvPr>
+          <p:cNvPr id="6" name="Slide Number Placeholder 5"/>
           <p:cNvSpPr>
             <a:spLocks noGrp="1"/>
           </p:cNvSpPr>
@@ -317,7 +295,7 @@
     </p:spTree>
     <p:extLst>
       <p:ext uri="{BB962C8B-B14F-4D97-AF65-F5344CB8AC3E}">
-        <p14:creationId xmlns:p14="http://schemas.microsoft.com/office/powerpoint/2010/main" val="3924226229"/>
+        <p14:creationId xmlns:p14="http://schemas.microsoft.com/office/powerpoint/2010/main" val="2843507939"/>
       </p:ext>
     </p:extLst>
   </p:cSld>
@@ -346,13 +324,7 @@
       </p:grpSpPr>
       <p:sp>
         <p:nvSpPr>
-          <p:cNvPr id="2" name="Title 1">
-            <a:extLst>
-              <a:ext uri="{FF2B5EF4-FFF2-40B4-BE49-F238E27FC236}">
-                <a16:creationId xmlns:a16="http://schemas.microsoft.com/office/drawing/2014/main" id="{9BEB83DA-663C-42FD-B99C-8D0801DC4FCA}"/>
-              </a:ext>
-            </a:extLst>
-          </p:cNvPr>
+          <p:cNvPr id="2" name="Title 1"/>
           <p:cNvSpPr>
             <a:spLocks noGrp="1"/>
           </p:cNvSpPr>
@@ -369,18 +341,13 @@
               <a:rPr lang="en-US"/>
               <a:t>Click to edit Master title style</a:t>
             </a:r>
-          </a:p>
-        </p:txBody>
-      </p:sp>
-      <p:sp>
-        <p:nvSpPr>
-          <p:cNvPr id="3" name="Vertical Text Placeholder 2">
-            <a:extLst>
-              <a:ext uri="{FF2B5EF4-FFF2-40B4-BE49-F238E27FC236}">
-                <a16:creationId xmlns:a16="http://schemas.microsoft.com/office/drawing/2014/main" id="{0364BEF0-9759-4676-8191-33C7708AB423}"/>
-              </a:ext>
-            </a:extLst>
-          </p:cNvPr>
+            <a:endParaRPr lang="en-US" dirty="0"/>
+          </a:p>
+        </p:txBody>
+      </p:sp>
+      <p:sp>
+        <p:nvSpPr>
+          <p:cNvPr id="3" name="Vertical Text Placeholder 2"/>
           <p:cNvSpPr>
             <a:spLocks noGrp="1"/>
           </p:cNvSpPr>
@@ -426,18 +393,13 @@
               <a:rPr lang="en-US"/>
               <a:t>Fifth level</a:t>
             </a:r>
-          </a:p>
-        </p:txBody>
-      </p:sp>
-      <p:sp>
-        <p:nvSpPr>
-          <p:cNvPr id="4" name="Date Placeholder 3">
-            <a:extLst>
-              <a:ext uri="{FF2B5EF4-FFF2-40B4-BE49-F238E27FC236}">
-                <a16:creationId xmlns:a16="http://schemas.microsoft.com/office/drawing/2014/main" id="{8F1395D3-4EA9-4113-8EC4-2644955B5E6B}"/>
-              </a:ext>
-            </a:extLst>
-          </p:cNvPr>
+            <a:endParaRPr lang="en-US" dirty="0"/>
+          </a:p>
+        </p:txBody>
+      </p:sp>
+      <p:sp>
+        <p:nvSpPr>
+          <p:cNvPr id="4" name="Date Placeholder 3"/>
           <p:cNvSpPr>
             <a:spLocks noGrp="1"/>
           </p:cNvSpPr>
@@ -452,7 +414,7 @@
           <a:p>
             <a:fld id="{304DB6B7-848F-4A9B-8BD5-23855C3D30D0}" type="datetimeFigureOut">
               <a:rPr lang="en-US" smtClean="0"/>
-              <a:t>07-Jul-23</a:t>
+              <a:t>09-Jul-23</a:t>
             </a:fld>
             <a:endParaRPr lang="en-US"/>
           </a:p>
@@ -460,13 +422,7 @@
       </p:sp>
       <p:sp>
         <p:nvSpPr>
-          <p:cNvPr id="5" name="Footer Placeholder 4">
-            <a:extLst>
-              <a:ext uri="{FF2B5EF4-FFF2-40B4-BE49-F238E27FC236}">
-                <a16:creationId xmlns:a16="http://schemas.microsoft.com/office/drawing/2014/main" id="{E5268036-B09D-46FF-B0CC-A040041FA102}"/>
-              </a:ext>
-            </a:extLst>
-          </p:cNvPr>
+          <p:cNvPr id="5" name="Footer Placeholder 4"/>
           <p:cNvSpPr>
             <a:spLocks noGrp="1"/>
           </p:cNvSpPr>
@@ -485,13 +441,7 @@
       </p:sp>
       <p:sp>
         <p:nvSpPr>
-          <p:cNvPr id="6" name="Slide Number Placeholder 5">
-            <a:extLst>
-              <a:ext uri="{FF2B5EF4-FFF2-40B4-BE49-F238E27FC236}">
-                <a16:creationId xmlns:a16="http://schemas.microsoft.com/office/drawing/2014/main" id="{574A1F54-19AF-4B44-B4D4-E5461405CA9A}"/>
-              </a:ext>
-            </a:extLst>
-          </p:cNvPr>
+          <p:cNvPr id="6" name="Slide Number Placeholder 5"/>
           <p:cNvSpPr>
             <a:spLocks noGrp="1"/>
           </p:cNvSpPr>
@@ -515,7 +465,7 @@
     </p:spTree>
     <p:extLst>
       <p:ext uri="{BB962C8B-B14F-4D97-AF65-F5344CB8AC3E}">
-        <p14:creationId xmlns:p14="http://schemas.microsoft.com/office/powerpoint/2010/main" val="3715508711"/>
+        <p14:creationId xmlns:p14="http://schemas.microsoft.com/office/powerpoint/2010/main" val="2777605879"/>
       </p:ext>
     </p:extLst>
   </p:cSld>
@@ -544,13 +494,7 @@
       </p:grpSpPr>
       <p:sp>
         <p:nvSpPr>
-          <p:cNvPr id="2" name="Vertical Title 1">
-            <a:extLst>
-              <a:ext uri="{FF2B5EF4-FFF2-40B4-BE49-F238E27FC236}">
-                <a16:creationId xmlns:a16="http://schemas.microsoft.com/office/drawing/2014/main" id="{9719A6C9-2E33-466E-840E-27AF44FEFAC6}"/>
-              </a:ext>
-            </a:extLst>
-          </p:cNvPr>
+          <p:cNvPr id="2" name="Vertical Title 1"/>
           <p:cNvSpPr>
             <a:spLocks noGrp="1"/>
           </p:cNvSpPr>
@@ -560,8 +504,8 @@
         </p:nvSpPr>
         <p:spPr>
           <a:xfrm>
-            <a:off x="8724900" y="365125"/>
-            <a:ext cx="2628900" cy="5811838"/>
+            <a:off x="4907757" y="527403"/>
+            <a:ext cx="1478756" cy="8394877"/>
           </a:xfrm>
         </p:spPr>
         <p:txBody>
@@ -572,18 +516,13 @@
               <a:rPr lang="en-US"/>
               <a:t>Click to edit Master title style</a:t>
             </a:r>
-          </a:p>
-        </p:txBody>
-      </p:sp>
-      <p:sp>
-        <p:nvSpPr>
-          <p:cNvPr id="3" name="Vertical Text Placeholder 2">
-            <a:extLst>
-              <a:ext uri="{FF2B5EF4-FFF2-40B4-BE49-F238E27FC236}">
-                <a16:creationId xmlns:a16="http://schemas.microsoft.com/office/drawing/2014/main" id="{ADEAF581-3244-400B-9BB0-5364380FABFF}"/>
-              </a:ext>
-            </a:extLst>
-          </p:cNvPr>
+            <a:endParaRPr lang="en-US" dirty="0"/>
+          </a:p>
+        </p:txBody>
+      </p:sp>
+      <p:sp>
+        <p:nvSpPr>
+          <p:cNvPr id="3" name="Vertical Text Placeholder 2"/>
           <p:cNvSpPr>
             <a:spLocks noGrp="1"/>
           </p:cNvSpPr>
@@ -593,8 +532,8 @@
         </p:nvSpPr>
         <p:spPr>
           <a:xfrm>
-            <a:off x="838200" y="365125"/>
-            <a:ext cx="7734300" cy="5811838"/>
+            <a:off x="471488" y="527403"/>
+            <a:ext cx="4350544" cy="8394877"/>
           </a:xfrm>
         </p:spPr>
         <p:txBody>
@@ -634,18 +573,13 @@
               <a:rPr lang="en-US"/>
               <a:t>Fifth level</a:t>
             </a:r>
-          </a:p>
-        </p:txBody>
-      </p:sp>
-      <p:sp>
-        <p:nvSpPr>
-          <p:cNvPr id="4" name="Date Placeholder 3">
-            <a:extLst>
-              <a:ext uri="{FF2B5EF4-FFF2-40B4-BE49-F238E27FC236}">
-                <a16:creationId xmlns:a16="http://schemas.microsoft.com/office/drawing/2014/main" id="{724CF751-300D-4ADD-B732-FC9498011DB0}"/>
-              </a:ext>
-            </a:extLst>
-          </p:cNvPr>
+            <a:endParaRPr lang="en-US" dirty="0"/>
+          </a:p>
+        </p:txBody>
+      </p:sp>
+      <p:sp>
+        <p:nvSpPr>
+          <p:cNvPr id="4" name="Date Placeholder 3"/>
           <p:cNvSpPr>
             <a:spLocks noGrp="1"/>
           </p:cNvSpPr>
@@ -660,7 +594,7 @@
           <a:p>
             <a:fld id="{304DB6B7-848F-4A9B-8BD5-23855C3D30D0}" type="datetimeFigureOut">
               <a:rPr lang="en-US" smtClean="0"/>
-              <a:t>07-Jul-23</a:t>
+              <a:t>09-Jul-23</a:t>
             </a:fld>
             <a:endParaRPr lang="en-US"/>
           </a:p>
@@ -668,13 +602,7 @@
       </p:sp>
       <p:sp>
         <p:nvSpPr>
-          <p:cNvPr id="5" name="Footer Placeholder 4">
-            <a:extLst>
-              <a:ext uri="{FF2B5EF4-FFF2-40B4-BE49-F238E27FC236}">
-                <a16:creationId xmlns:a16="http://schemas.microsoft.com/office/drawing/2014/main" id="{DD9DD462-B139-402C-BE15-1ECD0E493D53}"/>
-              </a:ext>
-            </a:extLst>
-          </p:cNvPr>
+          <p:cNvPr id="5" name="Footer Placeholder 4"/>
           <p:cNvSpPr>
             <a:spLocks noGrp="1"/>
           </p:cNvSpPr>
@@ -693,13 +621,7 @@
       </p:sp>
       <p:sp>
         <p:nvSpPr>
-          <p:cNvPr id="6" name="Slide Number Placeholder 5">
-            <a:extLst>
-              <a:ext uri="{FF2B5EF4-FFF2-40B4-BE49-F238E27FC236}">
-                <a16:creationId xmlns:a16="http://schemas.microsoft.com/office/drawing/2014/main" id="{89031863-D2EB-4325-8F17-F04E736055B0}"/>
-              </a:ext>
-            </a:extLst>
-          </p:cNvPr>
+          <p:cNvPr id="6" name="Slide Number Placeholder 5"/>
           <p:cNvSpPr>
             <a:spLocks noGrp="1"/>
           </p:cNvSpPr>
@@ -723,7 +645,7 @@
     </p:spTree>
     <p:extLst>
       <p:ext uri="{BB962C8B-B14F-4D97-AF65-F5344CB8AC3E}">
-        <p14:creationId xmlns:p14="http://schemas.microsoft.com/office/powerpoint/2010/main" val="1000088785"/>
+        <p14:creationId xmlns:p14="http://schemas.microsoft.com/office/powerpoint/2010/main" val="1321499064"/>
       </p:ext>
     </p:extLst>
   </p:cSld>
@@ -752,13 +674,7 @@
       </p:grpSpPr>
       <p:sp>
         <p:nvSpPr>
-          <p:cNvPr id="2" name="Title 1">
-            <a:extLst>
-              <a:ext uri="{FF2B5EF4-FFF2-40B4-BE49-F238E27FC236}">
-                <a16:creationId xmlns:a16="http://schemas.microsoft.com/office/drawing/2014/main" id="{ABF64E75-D6C6-4609-8601-E95DE044537F}"/>
-              </a:ext>
-            </a:extLst>
-          </p:cNvPr>
+          <p:cNvPr id="2" name="Title 1"/>
           <p:cNvSpPr>
             <a:spLocks noGrp="1"/>
           </p:cNvSpPr>
@@ -775,18 +691,13 @@
               <a:rPr lang="en-US"/>
               <a:t>Click to edit Master title style</a:t>
             </a:r>
-          </a:p>
-        </p:txBody>
-      </p:sp>
-      <p:sp>
-        <p:nvSpPr>
-          <p:cNvPr id="3" name="Content Placeholder 2">
-            <a:extLst>
-              <a:ext uri="{FF2B5EF4-FFF2-40B4-BE49-F238E27FC236}">
-                <a16:creationId xmlns:a16="http://schemas.microsoft.com/office/drawing/2014/main" id="{DBEF4005-9FD0-4B0A-A791-EACCA6BF6BE4}"/>
-              </a:ext>
-            </a:extLst>
-          </p:cNvPr>
+            <a:endParaRPr lang="en-US" dirty="0"/>
+          </a:p>
+        </p:txBody>
+      </p:sp>
+      <p:sp>
+        <p:nvSpPr>
+          <p:cNvPr id="3" name="Content Placeholder 2"/>
           <p:cNvSpPr>
             <a:spLocks noGrp="1"/>
           </p:cNvSpPr>
@@ -832,18 +743,13 @@
               <a:rPr lang="en-US"/>
               <a:t>Fifth level</a:t>
             </a:r>
-          </a:p>
-        </p:txBody>
-      </p:sp>
-      <p:sp>
-        <p:nvSpPr>
-          <p:cNvPr id="4" name="Date Placeholder 3">
-            <a:extLst>
-              <a:ext uri="{FF2B5EF4-FFF2-40B4-BE49-F238E27FC236}">
-                <a16:creationId xmlns:a16="http://schemas.microsoft.com/office/drawing/2014/main" id="{4EB4D6C4-E3CD-45C4-8308-41B10F9F2A39}"/>
-              </a:ext>
-            </a:extLst>
-          </p:cNvPr>
+            <a:endParaRPr lang="en-US" dirty="0"/>
+          </a:p>
+        </p:txBody>
+      </p:sp>
+      <p:sp>
+        <p:nvSpPr>
+          <p:cNvPr id="4" name="Date Placeholder 3"/>
           <p:cNvSpPr>
             <a:spLocks noGrp="1"/>
           </p:cNvSpPr>
@@ -858,7 +764,7 @@
           <a:p>
             <a:fld id="{304DB6B7-848F-4A9B-8BD5-23855C3D30D0}" type="datetimeFigureOut">
               <a:rPr lang="en-US" smtClean="0"/>
-              <a:t>07-Jul-23</a:t>
+              <a:t>09-Jul-23</a:t>
             </a:fld>
             <a:endParaRPr lang="en-US"/>
           </a:p>
@@ -866,13 +772,7 @@
       </p:sp>
       <p:sp>
         <p:nvSpPr>
-          <p:cNvPr id="5" name="Footer Placeholder 4">
-            <a:extLst>
-              <a:ext uri="{FF2B5EF4-FFF2-40B4-BE49-F238E27FC236}">
-                <a16:creationId xmlns:a16="http://schemas.microsoft.com/office/drawing/2014/main" id="{7663B795-8ED8-4ADF-828C-4CC6509DE57E}"/>
-              </a:ext>
-            </a:extLst>
-          </p:cNvPr>
+          <p:cNvPr id="5" name="Footer Placeholder 4"/>
           <p:cNvSpPr>
             <a:spLocks noGrp="1"/>
           </p:cNvSpPr>
@@ -891,13 +791,7 @@
       </p:sp>
       <p:sp>
         <p:nvSpPr>
-          <p:cNvPr id="6" name="Slide Number Placeholder 5">
-            <a:extLst>
-              <a:ext uri="{FF2B5EF4-FFF2-40B4-BE49-F238E27FC236}">
-                <a16:creationId xmlns:a16="http://schemas.microsoft.com/office/drawing/2014/main" id="{ED8F5438-9867-46B4-AA5B-019267E50813}"/>
-              </a:ext>
-            </a:extLst>
-          </p:cNvPr>
+          <p:cNvPr id="6" name="Slide Number Placeholder 5"/>
           <p:cNvSpPr>
             <a:spLocks noGrp="1"/>
           </p:cNvSpPr>
@@ -921,7 +815,7 @@
     </p:spTree>
     <p:extLst>
       <p:ext uri="{BB962C8B-B14F-4D97-AF65-F5344CB8AC3E}">
-        <p14:creationId xmlns:p14="http://schemas.microsoft.com/office/powerpoint/2010/main" val="3435850047"/>
+        <p14:creationId xmlns:p14="http://schemas.microsoft.com/office/powerpoint/2010/main" val="1523527662"/>
       </p:ext>
     </p:extLst>
   </p:cSld>
@@ -950,13 +844,7 @@
       </p:grpSpPr>
       <p:sp>
         <p:nvSpPr>
-          <p:cNvPr id="2" name="Title 1">
-            <a:extLst>
-              <a:ext uri="{FF2B5EF4-FFF2-40B4-BE49-F238E27FC236}">
-                <a16:creationId xmlns:a16="http://schemas.microsoft.com/office/drawing/2014/main" id="{091ACB3A-FB6D-4896-BAF4-CEAD8428347A}"/>
-              </a:ext>
-            </a:extLst>
-          </p:cNvPr>
+          <p:cNvPr id="2" name="Title 1"/>
           <p:cNvSpPr>
             <a:spLocks noGrp="1"/>
           </p:cNvSpPr>
@@ -966,15 +854,15 @@
         </p:nvSpPr>
         <p:spPr>
           <a:xfrm>
-            <a:off x="831850" y="1709738"/>
-            <a:ext cx="10515600" cy="2852737"/>
+            <a:off x="467916" y="2469624"/>
+            <a:ext cx="5915025" cy="4120620"/>
           </a:xfrm>
         </p:spPr>
         <p:txBody>
           <a:bodyPr anchor="b"/>
           <a:lstStyle>
             <a:lvl1pPr>
-              <a:defRPr sz="6000"/>
+              <a:defRPr sz="4500"/>
             </a:lvl1pPr>
           </a:lstStyle>
           <a:p>
@@ -982,18 +870,13 @@
               <a:rPr lang="en-US"/>
               <a:t>Click to edit Master title style</a:t>
             </a:r>
-          </a:p>
-        </p:txBody>
-      </p:sp>
-      <p:sp>
-        <p:nvSpPr>
-          <p:cNvPr id="3" name="Text Placeholder 2">
-            <a:extLst>
-              <a:ext uri="{FF2B5EF4-FFF2-40B4-BE49-F238E27FC236}">
-                <a16:creationId xmlns:a16="http://schemas.microsoft.com/office/drawing/2014/main" id="{766625B6-DB44-4E00-AC5D-D7515D3F6F47}"/>
-              </a:ext>
-            </a:extLst>
-          </p:cNvPr>
+            <a:endParaRPr lang="en-US" dirty="0"/>
+          </a:p>
+        </p:txBody>
+      </p:sp>
+      <p:sp>
+        <p:nvSpPr>
+          <p:cNvPr id="3" name="Text Placeholder 2"/>
           <p:cNvSpPr>
             <a:spLocks noGrp="1"/>
           </p:cNvSpPr>
@@ -1003,8 +886,8 @@
         </p:nvSpPr>
         <p:spPr>
           <a:xfrm>
-            <a:off x="831850" y="4589463"/>
-            <a:ext cx="10515600" cy="1500187"/>
+            <a:off x="467916" y="6629226"/>
+            <a:ext cx="5915025" cy="2166937"/>
           </a:xfrm>
         </p:spPr>
         <p:txBody>
@@ -1012,17 +895,15 @@
           <a:lstStyle>
             <a:lvl1pPr marL="0" indent="0">
               <a:buNone/>
-              <a:defRPr sz="2400">
+              <a:defRPr sz="1800">
                 <a:solidFill>
-                  <a:schemeClr val="tx1">
-                    <a:tint val="75000"/>
-                  </a:schemeClr>
+                  <a:schemeClr val="tx1"/>
                 </a:solidFill>
               </a:defRPr>
             </a:lvl1pPr>
-            <a:lvl2pPr marL="457200" indent="0">
-              <a:buNone/>
-              <a:defRPr sz="2000">
+            <a:lvl2pPr marL="342900" indent="0">
+              <a:buNone/>
+              <a:defRPr sz="1500">
                 <a:solidFill>
                   <a:schemeClr val="tx1">
                     <a:tint val="75000"/>
@@ -1030,9 +911,9 @@
                 </a:solidFill>
               </a:defRPr>
             </a:lvl2pPr>
-            <a:lvl3pPr marL="914400" indent="0">
-              <a:buNone/>
-              <a:defRPr sz="1800">
+            <a:lvl3pPr marL="685800" indent="0">
+              <a:buNone/>
+              <a:defRPr sz="1350">
                 <a:solidFill>
                   <a:schemeClr val="tx1">
                     <a:tint val="75000"/>
@@ -1040,9 +921,9 @@
                 </a:solidFill>
               </a:defRPr>
             </a:lvl3pPr>
-            <a:lvl4pPr marL="1371600" indent="0">
-              <a:buNone/>
-              <a:defRPr sz="1600">
+            <a:lvl4pPr marL="1028700" indent="0">
+              <a:buNone/>
+              <a:defRPr sz="1200">
                 <a:solidFill>
                   <a:schemeClr val="tx1">
                     <a:tint val="75000"/>
@@ -1050,9 +931,9 @@
                 </a:solidFill>
               </a:defRPr>
             </a:lvl4pPr>
-            <a:lvl5pPr marL="1828800" indent="0">
-              <a:buNone/>
-              <a:defRPr sz="1600">
+            <a:lvl5pPr marL="1371600" indent="0">
+              <a:buNone/>
+              <a:defRPr sz="1200">
                 <a:solidFill>
                   <a:schemeClr val="tx1">
                     <a:tint val="75000"/>
@@ -1060,9 +941,9 @@
                 </a:solidFill>
               </a:defRPr>
             </a:lvl5pPr>
-            <a:lvl6pPr marL="2286000" indent="0">
-              <a:buNone/>
-              <a:defRPr sz="1600">
+            <a:lvl6pPr marL="1714500" indent="0">
+              <a:buNone/>
+              <a:defRPr sz="1200">
                 <a:solidFill>
                   <a:schemeClr val="tx1">
                     <a:tint val="75000"/>
@@ -1070,9 +951,9 @@
                 </a:solidFill>
               </a:defRPr>
             </a:lvl6pPr>
-            <a:lvl7pPr marL="2743200" indent="0">
-              <a:buNone/>
-              <a:defRPr sz="1600">
+            <a:lvl7pPr marL="2057400" indent="0">
+              <a:buNone/>
+              <a:defRPr sz="1200">
                 <a:solidFill>
                   <a:schemeClr val="tx1">
                     <a:tint val="75000"/>
@@ -1080,9 +961,9 @@
                 </a:solidFill>
               </a:defRPr>
             </a:lvl7pPr>
-            <a:lvl8pPr marL="3200400" indent="0">
-              <a:buNone/>
-              <a:defRPr sz="1600">
+            <a:lvl8pPr marL="2400300" indent="0">
+              <a:buNone/>
+              <a:defRPr sz="1200">
                 <a:solidFill>
                   <a:schemeClr val="tx1">
                     <a:tint val="75000"/>
@@ -1090,9 +971,9 @@
                 </a:solidFill>
               </a:defRPr>
             </a:lvl8pPr>
-            <a:lvl9pPr marL="3657600" indent="0">
-              <a:buNone/>
-              <a:defRPr sz="1600">
+            <a:lvl9pPr marL="2743200" indent="0">
+              <a:buNone/>
+              <a:defRPr sz="1200">
                 <a:solidFill>
                   <a:schemeClr val="tx1">
                     <a:tint val="75000"/>
@@ -1112,13 +993,7 @@
       </p:sp>
       <p:sp>
         <p:nvSpPr>
-          <p:cNvPr id="4" name="Date Placeholder 3">
-            <a:extLst>
-              <a:ext uri="{FF2B5EF4-FFF2-40B4-BE49-F238E27FC236}">
-                <a16:creationId xmlns:a16="http://schemas.microsoft.com/office/drawing/2014/main" id="{68CF9BAA-5122-4399-AA43-C573ED9E4357}"/>
-              </a:ext>
-            </a:extLst>
-          </p:cNvPr>
+          <p:cNvPr id="4" name="Date Placeholder 3"/>
           <p:cNvSpPr>
             <a:spLocks noGrp="1"/>
           </p:cNvSpPr>
@@ -1133,7 +1008,7 @@
           <a:p>
             <a:fld id="{304DB6B7-848F-4A9B-8BD5-23855C3D30D0}" type="datetimeFigureOut">
               <a:rPr lang="en-US" smtClean="0"/>
-              <a:t>07-Jul-23</a:t>
+              <a:t>09-Jul-23</a:t>
             </a:fld>
             <a:endParaRPr lang="en-US"/>
           </a:p>
@@ -1141,13 +1016,7 @@
       </p:sp>
       <p:sp>
         <p:nvSpPr>
-          <p:cNvPr id="5" name="Footer Placeholder 4">
-            <a:extLst>
-              <a:ext uri="{FF2B5EF4-FFF2-40B4-BE49-F238E27FC236}">
-                <a16:creationId xmlns:a16="http://schemas.microsoft.com/office/drawing/2014/main" id="{A028A0EF-71AB-443C-872C-15EBB57BB3AD}"/>
-              </a:ext>
-            </a:extLst>
-          </p:cNvPr>
+          <p:cNvPr id="5" name="Footer Placeholder 4"/>
           <p:cNvSpPr>
             <a:spLocks noGrp="1"/>
           </p:cNvSpPr>
@@ -1166,13 +1035,7 @@
       </p:sp>
       <p:sp>
         <p:nvSpPr>
-          <p:cNvPr id="6" name="Slide Number Placeholder 5">
-            <a:extLst>
-              <a:ext uri="{FF2B5EF4-FFF2-40B4-BE49-F238E27FC236}">
-                <a16:creationId xmlns:a16="http://schemas.microsoft.com/office/drawing/2014/main" id="{28ACD3E1-A8B7-408B-98BA-1D2720676E28}"/>
-              </a:ext>
-            </a:extLst>
-          </p:cNvPr>
+          <p:cNvPr id="6" name="Slide Number Placeholder 5"/>
           <p:cNvSpPr>
             <a:spLocks noGrp="1"/>
           </p:cNvSpPr>
@@ -1196,7 +1059,7 @@
     </p:spTree>
     <p:extLst>
       <p:ext uri="{BB962C8B-B14F-4D97-AF65-F5344CB8AC3E}">
-        <p14:creationId xmlns:p14="http://schemas.microsoft.com/office/powerpoint/2010/main" val="4203155923"/>
+        <p14:creationId xmlns:p14="http://schemas.microsoft.com/office/powerpoint/2010/main" val="430293501"/>
       </p:ext>
     </p:extLst>
   </p:cSld>
@@ -1225,13 +1088,7 @@
       </p:grpSpPr>
       <p:sp>
         <p:nvSpPr>
-          <p:cNvPr id="2" name="Title 1">
-            <a:extLst>
-              <a:ext uri="{FF2B5EF4-FFF2-40B4-BE49-F238E27FC236}">
-                <a16:creationId xmlns:a16="http://schemas.microsoft.com/office/drawing/2014/main" id="{F31780EC-E718-4040-9E2E-6496F61CF288}"/>
-              </a:ext>
-            </a:extLst>
-          </p:cNvPr>
+          <p:cNvPr id="2" name="Title 1"/>
           <p:cNvSpPr>
             <a:spLocks noGrp="1"/>
           </p:cNvSpPr>
@@ -1248,18 +1105,13 @@
               <a:rPr lang="en-US"/>
               <a:t>Click to edit Master title style</a:t>
             </a:r>
-          </a:p>
-        </p:txBody>
-      </p:sp>
-      <p:sp>
-        <p:nvSpPr>
-          <p:cNvPr id="3" name="Content Placeholder 2">
-            <a:extLst>
-              <a:ext uri="{FF2B5EF4-FFF2-40B4-BE49-F238E27FC236}">
-                <a16:creationId xmlns:a16="http://schemas.microsoft.com/office/drawing/2014/main" id="{7CE4329C-FF2F-43BF-AB00-55B1DDC960FB}"/>
-              </a:ext>
-            </a:extLst>
-          </p:cNvPr>
+            <a:endParaRPr lang="en-US" dirty="0"/>
+          </a:p>
+        </p:txBody>
+      </p:sp>
+      <p:sp>
+        <p:nvSpPr>
+          <p:cNvPr id="3" name="Content Placeholder 2"/>
           <p:cNvSpPr>
             <a:spLocks noGrp="1"/>
           </p:cNvSpPr>
@@ -1269,8 +1121,8 @@
         </p:nvSpPr>
         <p:spPr>
           <a:xfrm>
-            <a:off x="838200" y="1825625"/>
-            <a:ext cx="5181600" cy="4351338"/>
+            <a:off x="471488" y="2637014"/>
+            <a:ext cx="2914650" cy="6285266"/>
           </a:xfrm>
         </p:spPr>
         <p:txBody>
@@ -1310,18 +1162,13 @@
               <a:rPr lang="en-US"/>
               <a:t>Fifth level</a:t>
             </a:r>
-          </a:p>
-        </p:txBody>
-      </p:sp>
-      <p:sp>
-        <p:nvSpPr>
-          <p:cNvPr id="4" name="Content Placeholder 3">
-            <a:extLst>
-              <a:ext uri="{FF2B5EF4-FFF2-40B4-BE49-F238E27FC236}">
-                <a16:creationId xmlns:a16="http://schemas.microsoft.com/office/drawing/2014/main" id="{5FBB8186-8467-4B02-8541-6F296A483AA9}"/>
-              </a:ext>
-            </a:extLst>
-          </p:cNvPr>
+            <a:endParaRPr lang="en-US" dirty="0"/>
+          </a:p>
+        </p:txBody>
+      </p:sp>
+      <p:sp>
+        <p:nvSpPr>
+          <p:cNvPr id="4" name="Content Placeholder 3"/>
           <p:cNvSpPr>
             <a:spLocks noGrp="1"/>
           </p:cNvSpPr>
@@ -1331,8 +1178,8 @@
         </p:nvSpPr>
         <p:spPr>
           <a:xfrm>
-            <a:off x="6172200" y="1825625"/>
-            <a:ext cx="5181600" cy="4351338"/>
+            <a:off x="3471863" y="2637014"/>
+            <a:ext cx="2914650" cy="6285266"/>
           </a:xfrm>
         </p:spPr>
         <p:txBody>
@@ -1372,18 +1219,13 @@
               <a:rPr lang="en-US"/>
               <a:t>Fifth level</a:t>
             </a:r>
-          </a:p>
-        </p:txBody>
-      </p:sp>
-      <p:sp>
-        <p:nvSpPr>
-          <p:cNvPr id="5" name="Date Placeholder 4">
-            <a:extLst>
-              <a:ext uri="{FF2B5EF4-FFF2-40B4-BE49-F238E27FC236}">
-                <a16:creationId xmlns:a16="http://schemas.microsoft.com/office/drawing/2014/main" id="{32ABA48B-B1E5-474C-AAE5-92E223880D1D}"/>
-              </a:ext>
-            </a:extLst>
-          </p:cNvPr>
+            <a:endParaRPr lang="en-US" dirty="0"/>
+          </a:p>
+        </p:txBody>
+      </p:sp>
+      <p:sp>
+        <p:nvSpPr>
+          <p:cNvPr id="5" name="Date Placeholder 4"/>
           <p:cNvSpPr>
             <a:spLocks noGrp="1"/>
           </p:cNvSpPr>
@@ -1398,7 +1240,7 @@
           <a:p>
             <a:fld id="{304DB6B7-848F-4A9B-8BD5-23855C3D30D0}" type="datetimeFigureOut">
               <a:rPr lang="en-US" smtClean="0"/>
-              <a:t>07-Jul-23</a:t>
+              <a:t>09-Jul-23</a:t>
             </a:fld>
             <a:endParaRPr lang="en-US"/>
           </a:p>
@@ -1406,13 +1248,7 @@
       </p:sp>
       <p:sp>
         <p:nvSpPr>
-          <p:cNvPr id="6" name="Footer Placeholder 5">
-            <a:extLst>
-              <a:ext uri="{FF2B5EF4-FFF2-40B4-BE49-F238E27FC236}">
-                <a16:creationId xmlns:a16="http://schemas.microsoft.com/office/drawing/2014/main" id="{8ACD63EC-7C75-48AB-89BE-35B3B269C56E}"/>
-              </a:ext>
-            </a:extLst>
-          </p:cNvPr>
+          <p:cNvPr id="6" name="Footer Placeholder 5"/>
           <p:cNvSpPr>
             <a:spLocks noGrp="1"/>
           </p:cNvSpPr>
@@ -1431,13 +1267,7 @@
       </p:sp>
       <p:sp>
         <p:nvSpPr>
-          <p:cNvPr id="7" name="Slide Number Placeholder 6">
-            <a:extLst>
-              <a:ext uri="{FF2B5EF4-FFF2-40B4-BE49-F238E27FC236}">
-                <a16:creationId xmlns:a16="http://schemas.microsoft.com/office/drawing/2014/main" id="{AF10FDFE-F62B-419C-A392-6840BCF52ECA}"/>
-              </a:ext>
-            </a:extLst>
-          </p:cNvPr>
+          <p:cNvPr id="7" name="Slide Number Placeholder 6"/>
           <p:cNvSpPr>
             <a:spLocks noGrp="1"/>
           </p:cNvSpPr>
@@ -1461,7 +1291,7 @@
     </p:spTree>
     <p:extLst>
       <p:ext uri="{BB962C8B-B14F-4D97-AF65-F5344CB8AC3E}">
-        <p14:creationId xmlns:p14="http://schemas.microsoft.com/office/powerpoint/2010/main" val="2338329960"/>
+        <p14:creationId xmlns:p14="http://schemas.microsoft.com/office/powerpoint/2010/main" val="2394842102"/>
       </p:ext>
     </p:extLst>
   </p:cSld>
@@ -1490,13 +1320,7 @@
       </p:grpSpPr>
       <p:sp>
         <p:nvSpPr>
-          <p:cNvPr id="2" name="Title 1">
-            <a:extLst>
-              <a:ext uri="{FF2B5EF4-FFF2-40B4-BE49-F238E27FC236}">
-                <a16:creationId xmlns:a16="http://schemas.microsoft.com/office/drawing/2014/main" id="{45AC3B47-B04D-4485-AA79-8D82F9AC4718}"/>
-              </a:ext>
-            </a:extLst>
-          </p:cNvPr>
+          <p:cNvPr id="2" name="Title 1"/>
           <p:cNvSpPr>
             <a:spLocks noGrp="1"/>
           </p:cNvSpPr>
@@ -1506,8 +1330,8 @@
         </p:nvSpPr>
         <p:spPr>
           <a:xfrm>
-            <a:off x="839788" y="365125"/>
-            <a:ext cx="10515600" cy="1325563"/>
+            <a:off x="472381" y="527405"/>
+            <a:ext cx="5915025" cy="1914702"/>
           </a:xfrm>
         </p:spPr>
         <p:txBody>
@@ -1518,18 +1342,13 @@
               <a:rPr lang="en-US"/>
               <a:t>Click to edit Master title style</a:t>
             </a:r>
-          </a:p>
-        </p:txBody>
-      </p:sp>
-      <p:sp>
-        <p:nvSpPr>
-          <p:cNvPr id="3" name="Text Placeholder 2">
-            <a:extLst>
-              <a:ext uri="{FF2B5EF4-FFF2-40B4-BE49-F238E27FC236}">
-                <a16:creationId xmlns:a16="http://schemas.microsoft.com/office/drawing/2014/main" id="{CB2B3284-1A86-4EE7-A7AB-1A62E152EA24}"/>
-              </a:ext>
-            </a:extLst>
-          </p:cNvPr>
+            <a:endParaRPr lang="en-US" dirty="0"/>
+          </a:p>
+        </p:txBody>
+      </p:sp>
+      <p:sp>
+        <p:nvSpPr>
+          <p:cNvPr id="3" name="Text Placeholder 2"/>
           <p:cNvSpPr>
             <a:spLocks noGrp="1"/>
           </p:cNvSpPr>
@@ -1539,8 +1358,8 @@
         </p:nvSpPr>
         <p:spPr>
           <a:xfrm>
-            <a:off x="839788" y="1681163"/>
-            <a:ext cx="5157787" cy="823912"/>
+            <a:off x="472381" y="2428347"/>
+            <a:ext cx="2901255" cy="1190095"/>
           </a:xfrm>
         </p:spPr>
         <p:txBody>
@@ -1548,39 +1367,39 @@
           <a:lstStyle>
             <a:lvl1pPr marL="0" indent="0">
               <a:buNone/>
-              <a:defRPr sz="2400" b="1"/>
+              <a:defRPr sz="1800" b="1"/>
             </a:lvl1pPr>
-            <a:lvl2pPr marL="457200" indent="0">
-              <a:buNone/>
-              <a:defRPr sz="2000" b="1"/>
+            <a:lvl2pPr marL="342900" indent="0">
+              <a:buNone/>
+              <a:defRPr sz="1500" b="1"/>
             </a:lvl2pPr>
-            <a:lvl3pPr marL="914400" indent="0">
-              <a:buNone/>
-              <a:defRPr sz="1800" b="1"/>
+            <a:lvl3pPr marL="685800" indent="0">
+              <a:buNone/>
+              <a:defRPr sz="1350" b="1"/>
             </a:lvl3pPr>
-            <a:lvl4pPr marL="1371600" indent="0">
-              <a:buNone/>
-              <a:defRPr sz="1600" b="1"/>
+            <a:lvl4pPr marL="1028700" indent="0">
+              <a:buNone/>
+              <a:defRPr sz="1200" b="1"/>
             </a:lvl4pPr>
-            <a:lvl5pPr marL="1828800" indent="0">
-              <a:buNone/>
-              <a:defRPr sz="1600" b="1"/>
+            <a:lvl5pPr marL="1371600" indent="0">
+              <a:buNone/>
+              <a:defRPr sz="1200" b="1"/>
             </a:lvl5pPr>
-            <a:lvl6pPr marL="2286000" indent="0">
-              <a:buNone/>
-              <a:defRPr sz="1600" b="1"/>
+            <a:lvl6pPr marL="1714500" indent="0">
+              <a:buNone/>
+              <a:defRPr sz="1200" b="1"/>
             </a:lvl6pPr>
-            <a:lvl7pPr marL="2743200" indent="0">
-              <a:buNone/>
-              <a:defRPr sz="1600" b="1"/>
+            <a:lvl7pPr marL="2057400" indent="0">
+              <a:buNone/>
+              <a:defRPr sz="1200" b="1"/>
             </a:lvl7pPr>
-            <a:lvl8pPr marL="3200400" indent="0">
-              <a:buNone/>
-              <a:defRPr sz="1600" b="1"/>
+            <a:lvl8pPr marL="2400300" indent="0">
+              <a:buNone/>
+              <a:defRPr sz="1200" b="1"/>
             </a:lvl8pPr>
-            <a:lvl9pPr marL="3657600" indent="0">
-              <a:buNone/>
-              <a:defRPr sz="1600" b="1"/>
+            <a:lvl9pPr marL="2743200" indent="0">
+              <a:buNone/>
+              <a:defRPr sz="1200" b="1"/>
             </a:lvl9pPr>
           </a:lstStyle>
           <a:p>
@@ -1594,13 +1413,7 @@
       </p:sp>
       <p:sp>
         <p:nvSpPr>
-          <p:cNvPr id="4" name="Content Placeholder 3">
-            <a:extLst>
-              <a:ext uri="{FF2B5EF4-FFF2-40B4-BE49-F238E27FC236}">
-                <a16:creationId xmlns:a16="http://schemas.microsoft.com/office/drawing/2014/main" id="{FEBEEBEE-8B55-4C92-A5D5-23B0FA61D326}"/>
-              </a:ext>
-            </a:extLst>
-          </p:cNvPr>
+          <p:cNvPr id="4" name="Content Placeholder 3"/>
           <p:cNvSpPr>
             <a:spLocks noGrp="1"/>
           </p:cNvSpPr>
@@ -1610,8 +1423,8 @@
         </p:nvSpPr>
         <p:spPr>
           <a:xfrm>
-            <a:off x="839788" y="2505075"/>
-            <a:ext cx="5157787" cy="3684588"/>
+            <a:off x="472381" y="3618442"/>
+            <a:ext cx="2901255" cy="5322183"/>
           </a:xfrm>
         </p:spPr>
         <p:txBody>
@@ -1651,18 +1464,13 @@
               <a:rPr lang="en-US"/>
               <a:t>Fifth level</a:t>
             </a:r>
-          </a:p>
-        </p:txBody>
-      </p:sp>
-      <p:sp>
-        <p:nvSpPr>
-          <p:cNvPr id="5" name="Text Placeholder 4">
-            <a:extLst>
-              <a:ext uri="{FF2B5EF4-FFF2-40B4-BE49-F238E27FC236}">
-                <a16:creationId xmlns:a16="http://schemas.microsoft.com/office/drawing/2014/main" id="{420F8F5E-DB25-46F7-98A4-EFA0FF92FBB3}"/>
-              </a:ext>
-            </a:extLst>
-          </p:cNvPr>
+            <a:endParaRPr lang="en-US" dirty="0"/>
+          </a:p>
+        </p:txBody>
+      </p:sp>
+      <p:sp>
+        <p:nvSpPr>
+          <p:cNvPr id="5" name="Text Placeholder 4"/>
           <p:cNvSpPr>
             <a:spLocks noGrp="1"/>
           </p:cNvSpPr>
@@ -1672,8 +1480,8 @@
         </p:nvSpPr>
         <p:spPr>
           <a:xfrm>
-            <a:off x="6172200" y="1681163"/>
-            <a:ext cx="5183188" cy="823912"/>
+            <a:off x="3471863" y="2428347"/>
+            <a:ext cx="2915543" cy="1190095"/>
           </a:xfrm>
         </p:spPr>
         <p:txBody>
@@ -1681,39 +1489,39 @@
           <a:lstStyle>
             <a:lvl1pPr marL="0" indent="0">
               <a:buNone/>
-              <a:defRPr sz="2400" b="1"/>
+              <a:defRPr sz="1800" b="1"/>
             </a:lvl1pPr>
-            <a:lvl2pPr marL="457200" indent="0">
-              <a:buNone/>
-              <a:defRPr sz="2000" b="1"/>
+            <a:lvl2pPr marL="342900" indent="0">
+              <a:buNone/>
+              <a:defRPr sz="1500" b="1"/>
             </a:lvl2pPr>
-            <a:lvl3pPr marL="914400" indent="0">
-              <a:buNone/>
-              <a:defRPr sz="1800" b="1"/>
+            <a:lvl3pPr marL="685800" indent="0">
+              <a:buNone/>
+              <a:defRPr sz="1350" b="1"/>
             </a:lvl3pPr>
-            <a:lvl4pPr marL="1371600" indent="0">
-              <a:buNone/>
-              <a:defRPr sz="1600" b="1"/>
+            <a:lvl4pPr marL="1028700" indent="0">
+              <a:buNone/>
+              <a:defRPr sz="1200" b="1"/>
             </a:lvl4pPr>
-            <a:lvl5pPr marL="1828800" indent="0">
-              <a:buNone/>
-              <a:defRPr sz="1600" b="1"/>
+            <a:lvl5pPr marL="1371600" indent="0">
+              <a:buNone/>
+              <a:defRPr sz="1200" b="1"/>
             </a:lvl5pPr>
-            <a:lvl6pPr marL="2286000" indent="0">
-              <a:buNone/>
-              <a:defRPr sz="1600" b="1"/>
+            <a:lvl6pPr marL="1714500" indent="0">
+              <a:buNone/>
+              <a:defRPr sz="1200" b="1"/>
             </a:lvl6pPr>
-            <a:lvl7pPr marL="2743200" indent="0">
-              <a:buNone/>
-              <a:defRPr sz="1600" b="1"/>
+            <a:lvl7pPr marL="2057400" indent="0">
+              <a:buNone/>
+              <a:defRPr sz="1200" b="1"/>
             </a:lvl7pPr>
-            <a:lvl8pPr marL="3200400" indent="0">
-              <a:buNone/>
-              <a:defRPr sz="1600" b="1"/>
+            <a:lvl8pPr marL="2400300" indent="0">
+              <a:buNone/>
+              <a:defRPr sz="1200" b="1"/>
             </a:lvl8pPr>
-            <a:lvl9pPr marL="3657600" indent="0">
-              <a:buNone/>
-              <a:defRPr sz="1600" b="1"/>
+            <a:lvl9pPr marL="2743200" indent="0">
+              <a:buNone/>
+              <a:defRPr sz="1200" b="1"/>
             </a:lvl9pPr>
           </a:lstStyle>
           <a:p>
@@ -1727,13 +1535,7 @@
       </p:sp>
       <p:sp>
         <p:nvSpPr>
-          <p:cNvPr id="6" name="Content Placeholder 5">
-            <a:extLst>
-              <a:ext uri="{FF2B5EF4-FFF2-40B4-BE49-F238E27FC236}">
-                <a16:creationId xmlns:a16="http://schemas.microsoft.com/office/drawing/2014/main" id="{A3B685A5-30B2-4481-971E-71C005F3C98F}"/>
-              </a:ext>
-            </a:extLst>
-          </p:cNvPr>
+          <p:cNvPr id="6" name="Content Placeholder 5"/>
           <p:cNvSpPr>
             <a:spLocks noGrp="1"/>
           </p:cNvSpPr>
@@ -1743,8 +1545,8 @@
         </p:nvSpPr>
         <p:spPr>
           <a:xfrm>
-            <a:off x="6172200" y="2505075"/>
-            <a:ext cx="5183188" cy="3684588"/>
+            <a:off x="3471863" y="3618442"/>
+            <a:ext cx="2915543" cy="5322183"/>
           </a:xfrm>
         </p:spPr>
         <p:txBody>
@@ -1784,18 +1586,13 @@
               <a:rPr lang="en-US"/>
               <a:t>Fifth level</a:t>
             </a:r>
-          </a:p>
-        </p:txBody>
-      </p:sp>
-      <p:sp>
-        <p:nvSpPr>
-          <p:cNvPr id="7" name="Date Placeholder 6">
-            <a:extLst>
-              <a:ext uri="{FF2B5EF4-FFF2-40B4-BE49-F238E27FC236}">
-                <a16:creationId xmlns:a16="http://schemas.microsoft.com/office/drawing/2014/main" id="{5281A040-4DEB-4FCE-864F-D4ECACB4A3B4}"/>
-              </a:ext>
-            </a:extLst>
-          </p:cNvPr>
+            <a:endParaRPr lang="en-US" dirty="0"/>
+          </a:p>
+        </p:txBody>
+      </p:sp>
+      <p:sp>
+        <p:nvSpPr>
+          <p:cNvPr id="7" name="Date Placeholder 6"/>
           <p:cNvSpPr>
             <a:spLocks noGrp="1"/>
           </p:cNvSpPr>
@@ -1810,7 +1607,7 @@
           <a:p>
             <a:fld id="{304DB6B7-848F-4A9B-8BD5-23855C3D30D0}" type="datetimeFigureOut">
               <a:rPr lang="en-US" smtClean="0"/>
-              <a:t>07-Jul-23</a:t>
+              <a:t>09-Jul-23</a:t>
             </a:fld>
             <a:endParaRPr lang="en-US"/>
           </a:p>
@@ -1818,13 +1615,7 @@
       </p:sp>
       <p:sp>
         <p:nvSpPr>
-          <p:cNvPr id="8" name="Footer Placeholder 7">
-            <a:extLst>
-              <a:ext uri="{FF2B5EF4-FFF2-40B4-BE49-F238E27FC236}">
-                <a16:creationId xmlns:a16="http://schemas.microsoft.com/office/drawing/2014/main" id="{4536BB0F-19DB-45AF-B9AB-0D9168E5CAE5}"/>
-              </a:ext>
-            </a:extLst>
-          </p:cNvPr>
+          <p:cNvPr id="8" name="Footer Placeholder 7"/>
           <p:cNvSpPr>
             <a:spLocks noGrp="1"/>
           </p:cNvSpPr>
@@ -1843,13 +1634,7 @@
       </p:sp>
       <p:sp>
         <p:nvSpPr>
-          <p:cNvPr id="9" name="Slide Number Placeholder 8">
-            <a:extLst>
-              <a:ext uri="{FF2B5EF4-FFF2-40B4-BE49-F238E27FC236}">
-                <a16:creationId xmlns:a16="http://schemas.microsoft.com/office/drawing/2014/main" id="{D31AD36B-7862-4703-B56D-844ABA303F71}"/>
-              </a:ext>
-            </a:extLst>
-          </p:cNvPr>
+          <p:cNvPr id="9" name="Slide Number Placeholder 8"/>
           <p:cNvSpPr>
             <a:spLocks noGrp="1"/>
           </p:cNvSpPr>
@@ -1873,7 +1658,7 @@
     </p:spTree>
     <p:extLst>
       <p:ext uri="{BB962C8B-B14F-4D97-AF65-F5344CB8AC3E}">
-        <p14:creationId xmlns:p14="http://schemas.microsoft.com/office/powerpoint/2010/main" val="3233391431"/>
+        <p14:creationId xmlns:p14="http://schemas.microsoft.com/office/powerpoint/2010/main" val="3344679575"/>
       </p:ext>
     </p:extLst>
   </p:cSld>
@@ -1902,13 +1687,7 @@
       </p:grpSpPr>
       <p:sp>
         <p:nvSpPr>
-          <p:cNvPr id="2" name="Title 1">
-            <a:extLst>
-              <a:ext uri="{FF2B5EF4-FFF2-40B4-BE49-F238E27FC236}">
-                <a16:creationId xmlns:a16="http://schemas.microsoft.com/office/drawing/2014/main" id="{210544B7-14AC-46D0-A68F-DC760F8364C0}"/>
-              </a:ext>
-            </a:extLst>
-          </p:cNvPr>
+          <p:cNvPr id="2" name="Title 1"/>
           <p:cNvSpPr>
             <a:spLocks noGrp="1"/>
           </p:cNvSpPr>
@@ -1925,18 +1704,13 @@
               <a:rPr lang="en-US"/>
               <a:t>Click to edit Master title style</a:t>
             </a:r>
-          </a:p>
-        </p:txBody>
-      </p:sp>
-      <p:sp>
-        <p:nvSpPr>
-          <p:cNvPr id="3" name="Date Placeholder 2">
-            <a:extLst>
-              <a:ext uri="{FF2B5EF4-FFF2-40B4-BE49-F238E27FC236}">
-                <a16:creationId xmlns:a16="http://schemas.microsoft.com/office/drawing/2014/main" id="{BAC65409-9AFE-4D85-BCBB-D6EE2C4B047B}"/>
-              </a:ext>
-            </a:extLst>
-          </p:cNvPr>
+            <a:endParaRPr lang="en-US" dirty="0"/>
+          </a:p>
+        </p:txBody>
+      </p:sp>
+      <p:sp>
+        <p:nvSpPr>
+          <p:cNvPr id="3" name="Date Placeholder 2"/>
           <p:cNvSpPr>
             <a:spLocks noGrp="1"/>
           </p:cNvSpPr>
@@ -1951,7 +1725,7 @@
           <a:p>
             <a:fld id="{304DB6B7-848F-4A9B-8BD5-23855C3D30D0}" type="datetimeFigureOut">
               <a:rPr lang="en-US" smtClean="0"/>
-              <a:t>07-Jul-23</a:t>
+              <a:t>09-Jul-23</a:t>
             </a:fld>
             <a:endParaRPr lang="en-US"/>
           </a:p>
@@ -1959,13 +1733,7 @@
       </p:sp>
       <p:sp>
         <p:nvSpPr>
-          <p:cNvPr id="4" name="Footer Placeholder 3">
-            <a:extLst>
-              <a:ext uri="{FF2B5EF4-FFF2-40B4-BE49-F238E27FC236}">
-                <a16:creationId xmlns:a16="http://schemas.microsoft.com/office/drawing/2014/main" id="{EDEDD9C2-63E9-4980-8CFB-9F8361A79E24}"/>
-              </a:ext>
-            </a:extLst>
-          </p:cNvPr>
+          <p:cNvPr id="4" name="Footer Placeholder 3"/>
           <p:cNvSpPr>
             <a:spLocks noGrp="1"/>
           </p:cNvSpPr>
@@ -1984,13 +1752,7 @@
       </p:sp>
       <p:sp>
         <p:nvSpPr>
-          <p:cNvPr id="5" name="Slide Number Placeholder 4">
-            <a:extLst>
-              <a:ext uri="{FF2B5EF4-FFF2-40B4-BE49-F238E27FC236}">
-                <a16:creationId xmlns:a16="http://schemas.microsoft.com/office/drawing/2014/main" id="{4257663D-86A3-4191-809F-9A3A3B64AFB5}"/>
-              </a:ext>
-            </a:extLst>
-          </p:cNvPr>
+          <p:cNvPr id="5" name="Slide Number Placeholder 4"/>
           <p:cNvSpPr>
             <a:spLocks noGrp="1"/>
           </p:cNvSpPr>
@@ -2014,7 +1776,7 @@
     </p:spTree>
     <p:extLst>
       <p:ext uri="{BB962C8B-B14F-4D97-AF65-F5344CB8AC3E}">
-        <p14:creationId xmlns:p14="http://schemas.microsoft.com/office/powerpoint/2010/main" val="2810118189"/>
+        <p14:creationId xmlns:p14="http://schemas.microsoft.com/office/powerpoint/2010/main" val="2646036578"/>
       </p:ext>
     </p:extLst>
   </p:cSld>
@@ -2043,13 +1805,7 @@
       </p:grpSpPr>
       <p:sp>
         <p:nvSpPr>
-          <p:cNvPr id="2" name="Date Placeholder 1">
-            <a:extLst>
-              <a:ext uri="{FF2B5EF4-FFF2-40B4-BE49-F238E27FC236}">
-                <a16:creationId xmlns:a16="http://schemas.microsoft.com/office/drawing/2014/main" id="{DBB59ADF-9FA6-459E-A2C6-9B885C9C8FC8}"/>
-              </a:ext>
-            </a:extLst>
-          </p:cNvPr>
+          <p:cNvPr id="2" name="Date Placeholder 1"/>
           <p:cNvSpPr>
             <a:spLocks noGrp="1"/>
           </p:cNvSpPr>
@@ -2064,7 +1820,7 @@
           <a:p>
             <a:fld id="{304DB6B7-848F-4A9B-8BD5-23855C3D30D0}" type="datetimeFigureOut">
               <a:rPr lang="en-US" smtClean="0"/>
-              <a:t>07-Jul-23</a:t>
+              <a:t>09-Jul-23</a:t>
             </a:fld>
             <a:endParaRPr lang="en-US"/>
           </a:p>
@@ -2072,13 +1828,7 @@
       </p:sp>
       <p:sp>
         <p:nvSpPr>
-          <p:cNvPr id="3" name="Footer Placeholder 2">
-            <a:extLst>
-              <a:ext uri="{FF2B5EF4-FFF2-40B4-BE49-F238E27FC236}">
-                <a16:creationId xmlns:a16="http://schemas.microsoft.com/office/drawing/2014/main" id="{680D385B-2983-43F0-A9E9-047BEAFB6D8F}"/>
-              </a:ext>
-            </a:extLst>
-          </p:cNvPr>
+          <p:cNvPr id="3" name="Footer Placeholder 2"/>
           <p:cNvSpPr>
             <a:spLocks noGrp="1"/>
           </p:cNvSpPr>
@@ -2097,13 +1847,7 @@
       </p:sp>
       <p:sp>
         <p:nvSpPr>
-          <p:cNvPr id="4" name="Slide Number Placeholder 3">
-            <a:extLst>
-              <a:ext uri="{FF2B5EF4-FFF2-40B4-BE49-F238E27FC236}">
-                <a16:creationId xmlns:a16="http://schemas.microsoft.com/office/drawing/2014/main" id="{BA7D7071-BE04-4AE9-B432-5477AC2DEA2F}"/>
-              </a:ext>
-            </a:extLst>
-          </p:cNvPr>
+          <p:cNvPr id="4" name="Slide Number Placeholder 3"/>
           <p:cNvSpPr>
             <a:spLocks noGrp="1"/>
           </p:cNvSpPr>
@@ -2127,7 +1871,7 @@
     </p:spTree>
     <p:extLst>
       <p:ext uri="{BB962C8B-B14F-4D97-AF65-F5344CB8AC3E}">
-        <p14:creationId xmlns:p14="http://schemas.microsoft.com/office/powerpoint/2010/main" val="1930914155"/>
+        <p14:creationId xmlns:p14="http://schemas.microsoft.com/office/powerpoint/2010/main" val="2381524992"/>
       </p:ext>
     </p:extLst>
   </p:cSld>
@@ -2156,13 +1900,7 @@
       </p:grpSpPr>
       <p:sp>
         <p:nvSpPr>
-          <p:cNvPr id="2" name="Title 1">
-            <a:extLst>
-              <a:ext uri="{FF2B5EF4-FFF2-40B4-BE49-F238E27FC236}">
-                <a16:creationId xmlns:a16="http://schemas.microsoft.com/office/drawing/2014/main" id="{0EAC5243-A6D4-4E5E-B60E-05C601A86E24}"/>
-              </a:ext>
-            </a:extLst>
-          </p:cNvPr>
+          <p:cNvPr id="2" name="Title 1"/>
           <p:cNvSpPr>
             <a:spLocks noGrp="1"/>
           </p:cNvSpPr>
@@ -2172,15 +1910,15 @@
         </p:nvSpPr>
         <p:spPr>
           <a:xfrm>
-            <a:off x="839788" y="457200"/>
-            <a:ext cx="3932237" cy="1600200"/>
+            <a:off x="472381" y="660400"/>
+            <a:ext cx="2211884" cy="2311400"/>
           </a:xfrm>
         </p:spPr>
         <p:txBody>
           <a:bodyPr anchor="b"/>
           <a:lstStyle>
             <a:lvl1pPr>
-              <a:defRPr sz="3200"/>
+              <a:defRPr sz="2400"/>
             </a:lvl1pPr>
           </a:lstStyle>
           <a:p>
@@ -2188,18 +1926,13 @@
               <a:rPr lang="en-US"/>
               <a:t>Click to edit Master title style</a:t>
             </a:r>
-          </a:p>
-        </p:txBody>
-      </p:sp>
-      <p:sp>
-        <p:nvSpPr>
-          <p:cNvPr id="3" name="Content Placeholder 2">
-            <a:extLst>
-              <a:ext uri="{FF2B5EF4-FFF2-40B4-BE49-F238E27FC236}">
-                <a16:creationId xmlns:a16="http://schemas.microsoft.com/office/drawing/2014/main" id="{23012B1F-20DA-42AF-8DC5-948D3ED85E8B}"/>
-              </a:ext>
-            </a:extLst>
-          </p:cNvPr>
+            <a:endParaRPr lang="en-US" dirty="0"/>
+          </a:p>
+        </p:txBody>
+      </p:sp>
+      <p:sp>
+        <p:nvSpPr>
+          <p:cNvPr id="3" name="Content Placeholder 2"/>
           <p:cNvSpPr>
             <a:spLocks noGrp="1"/>
           </p:cNvSpPr>
@@ -2209,39 +1942,39 @@
         </p:nvSpPr>
         <p:spPr>
           <a:xfrm>
-            <a:off x="5183188" y="987425"/>
-            <a:ext cx="6172200" cy="4873625"/>
+            <a:off x="2915543" y="1426283"/>
+            <a:ext cx="3471863" cy="7039681"/>
           </a:xfrm>
         </p:spPr>
         <p:txBody>
           <a:bodyPr/>
           <a:lstStyle>
             <a:lvl1pPr>
-              <a:defRPr sz="3200"/>
+              <a:defRPr sz="2400"/>
             </a:lvl1pPr>
             <a:lvl2pPr>
-              <a:defRPr sz="2800"/>
+              <a:defRPr sz="2100"/>
             </a:lvl2pPr>
             <a:lvl3pPr>
-              <a:defRPr sz="2400"/>
+              <a:defRPr sz="1800"/>
             </a:lvl3pPr>
             <a:lvl4pPr>
-              <a:defRPr sz="2000"/>
+              <a:defRPr sz="1500"/>
             </a:lvl4pPr>
             <a:lvl5pPr>
-              <a:defRPr sz="2000"/>
+              <a:defRPr sz="1500"/>
             </a:lvl5pPr>
             <a:lvl6pPr>
-              <a:defRPr sz="2000"/>
+              <a:defRPr sz="1500"/>
             </a:lvl6pPr>
             <a:lvl7pPr>
-              <a:defRPr sz="2000"/>
+              <a:defRPr sz="1500"/>
             </a:lvl7pPr>
             <a:lvl8pPr>
-              <a:defRPr sz="2000"/>
+              <a:defRPr sz="1500"/>
             </a:lvl8pPr>
             <a:lvl9pPr>
-              <a:defRPr sz="2000"/>
+              <a:defRPr sz="1500"/>
             </a:lvl9pPr>
           </a:lstStyle>
           <a:p>
@@ -2278,18 +2011,13 @@
               <a:rPr lang="en-US"/>
               <a:t>Fifth level</a:t>
             </a:r>
-          </a:p>
-        </p:txBody>
-      </p:sp>
-      <p:sp>
-        <p:nvSpPr>
-          <p:cNvPr id="4" name="Text Placeholder 3">
-            <a:extLst>
-              <a:ext uri="{FF2B5EF4-FFF2-40B4-BE49-F238E27FC236}">
-                <a16:creationId xmlns:a16="http://schemas.microsoft.com/office/drawing/2014/main" id="{7A6E49A0-2B33-45F6-A82C-83FEF821A8F0}"/>
-              </a:ext>
-            </a:extLst>
-          </p:cNvPr>
+            <a:endParaRPr lang="en-US" dirty="0"/>
+          </a:p>
+        </p:txBody>
+      </p:sp>
+      <p:sp>
+        <p:nvSpPr>
+          <p:cNvPr id="4" name="Text Placeholder 3"/>
           <p:cNvSpPr>
             <a:spLocks noGrp="1"/>
           </p:cNvSpPr>
@@ -2299,8 +2027,8 @@
         </p:nvSpPr>
         <p:spPr>
           <a:xfrm>
-            <a:off x="839788" y="2057400"/>
-            <a:ext cx="3932237" cy="3811588"/>
+            <a:off x="472381" y="2971800"/>
+            <a:ext cx="2211884" cy="5505627"/>
           </a:xfrm>
         </p:spPr>
         <p:txBody>
@@ -2308,39 +2036,39 @@
           <a:lstStyle>
             <a:lvl1pPr marL="0" indent="0">
               <a:buNone/>
-              <a:defRPr sz="1600"/>
+              <a:defRPr sz="1200"/>
             </a:lvl1pPr>
-            <a:lvl2pPr marL="457200" indent="0">
-              <a:buNone/>
-              <a:defRPr sz="1400"/>
+            <a:lvl2pPr marL="342900" indent="0">
+              <a:buNone/>
+              <a:defRPr sz="1050"/>
             </a:lvl2pPr>
-            <a:lvl3pPr marL="914400" indent="0">
-              <a:buNone/>
-              <a:defRPr sz="1200"/>
+            <a:lvl3pPr marL="685800" indent="0">
+              <a:buNone/>
+              <a:defRPr sz="900"/>
             </a:lvl3pPr>
-            <a:lvl4pPr marL="1371600" indent="0">
-              <a:buNone/>
-              <a:defRPr sz="1000"/>
+            <a:lvl4pPr marL="1028700" indent="0">
+              <a:buNone/>
+              <a:defRPr sz="750"/>
             </a:lvl4pPr>
-            <a:lvl5pPr marL="1828800" indent="0">
-              <a:buNone/>
-              <a:defRPr sz="1000"/>
+            <a:lvl5pPr marL="1371600" indent="0">
+              <a:buNone/>
+              <a:defRPr sz="750"/>
             </a:lvl5pPr>
-            <a:lvl6pPr marL="2286000" indent="0">
-              <a:buNone/>
-              <a:defRPr sz="1000"/>
+            <a:lvl6pPr marL="1714500" indent="0">
+              <a:buNone/>
+              <a:defRPr sz="750"/>
             </a:lvl6pPr>
-            <a:lvl7pPr marL="2743200" indent="0">
-              <a:buNone/>
-              <a:defRPr sz="1000"/>
+            <a:lvl7pPr marL="2057400" indent="0">
+              <a:buNone/>
+              <a:defRPr sz="750"/>
             </a:lvl7pPr>
-            <a:lvl8pPr marL="3200400" indent="0">
-              <a:buNone/>
-              <a:defRPr sz="1000"/>
+            <a:lvl8pPr marL="2400300" indent="0">
+              <a:buNone/>
+              <a:defRPr sz="750"/>
             </a:lvl8pPr>
-            <a:lvl9pPr marL="3657600" indent="0">
-              <a:buNone/>
-              <a:defRPr sz="1000"/>
+            <a:lvl9pPr marL="2743200" indent="0">
+              <a:buNone/>
+              <a:defRPr sz="750"/>
             </a:lvl9pPr>
           </a:lstStyle>
           <a:p>
@@ -2354,13 +2082,7 @@
       </p:sp>
       <p:sp>
         <p:nvSpPr>
-          <p:cNvPr id="5" name="Date Placeholder 4">
-            <a:extLst>
-              <a:ext uri="{FF2B5EF4-FFF2-40B4-BE49-F238E27FC236}">
-                <a16:creationId xmlns:a16="http://schemas.microsoft.com/office/drawing/2014/main" id="{133B5F98-CBBA-4CC1-83D5-FDD6A54B2AB4}"/>
-              </a:ext>
-            </a:extLst>
-          </p:cNvPr>
+          <p:cNvPr id="5" name="Date Placeholder 4"/>
           <p:cNvSpPr>
             <a:spLocks noGrp="1"/>
           </p:cNvSpPr>
@@ -2375,7 +2097,7 @@
           <a:p>
             <a:fld id="{304DB6B7-848F-4A9B-8BD5-23855C3D30D0}" type="datetimeFigureOut">
               <a:rPr lang="en-US" smtClean="0"/>
-              <a:t>07-Jul-23</a:t>
+              <a:t>09-Jul-23</a:t>
             </a:fld>
             <a:endParaRPr lang="en-US"/>
           </a:p>
@@ -2383,13 +2105,7 @@
       </p:sp>
       <p:sp>
         <p:nvSpPr>
-          <p:cNvPr id="6" name="Footer Placeholder 5">
-            <a:extLst>
-              <a:ext uri="{FF2B5EF4-FFF2-40B4-BE49-F238E27FC236}">
-                <a16:creationId xmlns:a16="http://schemas.microsoft.com/office/drawing/2014/main" id="{A1A7BF63-2D64-4ABB-9EF1-305DE930D339}"/>
-              </a:ext>
-            </a:extLst>
-          </p:cNvPr>
+          <p:cNvPr id="6" name="Footer Placeholder 5"/>
           <p:cNvSpPr>
             <a:spLocks noGrp="1"/>
           </p:cNvSpPr>
@@ -2408,13 +2124,7 @@
       </p:sp>
       <p:sp>
         <p:nvSpPr>
-          <p:cNvPr id="7" name="Slide Number Placeholder 6">
-            <a:extLst>
-              <a:ext uri="{FF2B5EF4-FFF2-40B4-BE49-F238E27FC236}">
-                <a16:creationId xmlns:a16="http://schemas.microsoft.com/office/drawing/2014/main" id="{865C25D3-40AA-4DAE-A3B6-4FAE57FBEF96}"/>
-              </a:ext>
-            </a:extLst>
-          </p:cNvPr>
+          <p:cNvPr id="7" name="Slide Number Placeholder 6"/>
           <p:cNvSpPr>
             <a:spLocks noGrp="1"/>
           </p:cNvSpPr>
@@ -2438,7 +2148,7 @@
     </p:spTree>
     <p:extLst>
       <p:ext uri="{BB962C8B-B14F-4D97-AF65-F5344CB8AC3E}">
-        <p14:creationId xmlns:p14="http://schemas.microsoft.com/office/powerpoint/2010/main" val="1285909609"/>
+        <p14:creationId xmlns:p14="http://schemas.microsoft.com/office/powerpoint/2010/main" val="3865964169"/>
       </p:ext>
     </p:extLst>
   </p:cSld>
@@ -2467,13 +2177,7 @@
       </p:grpSpPr>
       <p:sp>
         <p:nvSpPr>
-          <p:cNvPr id="2" name="Title 1">
-            <a:extLst>
-              <a:ext uri="{FF2B5EF4-FFF2-40B4-BE49-F238E27FC236}">
-                <a16:creationId xmlns:a16="http://schemas.microsoft.com/office/drawing/2014/main" id="{FF538097-A0DF-4096-BA37-E36F6FF65C59}"/>
-              </a:ext>
-            </a:extLst>
-          </p:cNvPr>
+          <p:cNvPr id="2" name="Title 1"/>
           <p:cNvSpPr>
             <a:spLocks noGrp="1"/>
           </p:cNvSpPr>
@@ -2483,15 +2187,15 @@
         </p:nvSpPr>
         <p:spPr>
           <a:xfrm>
-            <a:off x="839788" y="457200"/>
-            <a:ext cx="3932237" cy="1600200"/>
+            <a:off x="472381" y="660400"/>
+            <a:ext cx="2211884" cy="2311400"/>
           </a:xfrm>
         </p:spPr>
         <p:txBody>
           <a:bodyPr anchor="b"/>
           <a:lstStyle>
             <a:lvl1pPr>
-              <a:defRPr sz="3200"/>
+              <a:defRPr sz="2400"/>
             </a:lvl1pPr>
           </a:lstStyle>
           <a:p>
@@ -2499,20 +2203,15 @@
               <a:rPr lang="en-US"/>
               <a:t>Click to edit Master title style</a:t>
             </a:r>
-          </a:p>
-        </p:txBody>
-      </p:sp>
-      <p:sp>
-        <p:nvSpPr>
-          <p:cNvPr id="3" name="Picture Placeholder 2">
-            <a:extLst>
-              <a:ext uri="{FF2B5EF4-FFF2-40B4-BE49-F238E27FC236}">
-                <a16:creationId xmlns:a16="http://schemas.microsoft.com/office/drawing/2014/main" id="{91021D1A-3500-4C47-A2B6-64F7A3F25167}"/>
-              </a:ext>
-            </a:extLst>
-          </p:cNvPr>
-          <p:cNvSpPr>
-            <a:spLocks noGrp="1"/>
+            <a:endParaRPr lang="en-US" dirty="0"/>
+          </a:p>
+        </p:txBody>
+      </p:sp>
+      <p:sp>
+        <p:nvSpPr>
+          <p:cNvPr id="3" name="Picture Placeholder 2"/>
+          <p:cNvSpPr>
+            <a:spLocks noGrp="1" noChangeAspect="1"/>
           </p:cNvSpPr>
           <p:nvPr>
             <p:ph type="pic" idx="1"/>
@@ -2520,8 +2219,73 @@
         </p:nvSpPr>
         <p:spPr>
           <a:xfrm>
-            <a:off x="5183188" y="987425"/>
-            <a:ext cx="6172200" cy="4873625"/>
+            <a:off x="2915543" y="1426283"/>
+            <a:ext cx="3471863" cy="7039681"/>
+          </a:xfrm>
+        </p:spPr>
+        <p:txBody>
+          <a:bodyPr anchor="t"/>
+          <a:lstStyle>
+            <a:lvl1pPr marL="0" indent="0">
+              <a:buNone/>
+              <a:defRPr sz="2400"/>
+            </a:lvl1pPr>
+            <a:lvl2pPr marL="342900" indent="0">
+              <a:buNone/>
+              <a:defRPr sz="2100"/>
+            </a:lvl2pPr>
+            <a:lvl3pPr marL="685800" indent="0">
+              <a:buNone/>
+              <a:defRPr sz="1800"/>
+            </a:lvl3pPr>
+            <a:lvl4pPr marL="1028700" indent="0">
+              <a:buNone/>
+              <a:defRPr sz="1500"/>
+            </a:lvl4pPr>
+            <a:lvl5pPr marL="1371600" indent="0">
+              <a:buNone/>
+              <a:defRPr sz="1500"/>
+            </a:lvl5pPr>
+            <a:lvl6pPr marL="1714500" indent="0">
+              <a:buNone/>
+              <a:defRPr sz="1500"/>
+            </a:lvl6pPr>
+            <a:lvl7pPr marL="2057400" indent="0">
+              <a:buNone/>
+              <a:defRPr sz="1500"/>
+            </a:lvl7pPr>
+            <a:lvl8pPr marL="2400300" indent="0">
+              <a:buNone/>
+              <a:defRPr sz="1500"/>
+            </a:lvl8pPr>
+            <a:lvl9pPr marL="2743200" indent="0">
+              <a:buNone/>
+              <a:defRPr sz="1500"/>
+            </a:lvl9pPr>
+          </a:lstStyle>
+          <a:p>
+            <a:r>
+              <a:rPr lang="en-US"/>
+              <a:t>Click icon to add picture</a:t>
+            </a:r>
+            <a:endParaRPr lang="en-US" dirty="0"/>
+          </a:p>
+        </p:txBody>
+      </p:sp>
+      <p:sp>
+        <p:nvSpPr>
+          <p:cNvPr id="4" name="Text Placeholder 3"/>
+          <p:cNvSpPr>
+            <a:spLocks noGrp="1"/>
+          </p:cNvSpPr>
+          <p:nvPr>
+            <p:ph type="body" sz="half" idx="2"/>
+          </p:nvPr>
+        </p:nvSpPr>
+        <p:spPr>
+          <a:xfrm>
+            <a:off x="472381" y="2971800"/>
+            <a:ext cx="2211884" cy="5505627"/>
           </a:xfrm>
         </p:spPr>
         <p:txBody>
@@ -2529,109 +2293,42 @@
           <a:lstStyle>
             <a:lvl1pPr marL="0" indent="0">
               <a:buNone/>
-              <a:defRPr sz="3200"/>
+              <a:defRPr sz="1200"/>
             </a:lvl1pPr>
-            <a:lvl2pPr marL="457200" indent="0">
-              <a:buNone/>
-              <a:defRPr sz="2800"/>
+            <a:lvl2pPr marL="342900" indent="0">
+              <a:buNone/>
+              <a:defRPr sz="1050"/>
             </a:lvl2pPr>
-            <a:lvl3pPr marL="914400" indent="0">
-              <a:buNone/>
-              <a:defRPr sz="2400"/>
+            <a:lvl3pPr marL="685800" indent="0">
+              <a:buNone/>
+              <a:defRPr sz="900"/>
             </a:lvl3pPr>
-            <a:lvl4pPr marL="1371600" indent="0">
-              <a:buNone/>
-              <a:defRPr sz="2000"/>
+            <a:lvl4pPr marL="1028700" indent="0">
+              <a:buNone/>
+              <a:defRPr sz="750"/>
             </a:lvl4pPr>
-            <a:lvl5pPr marL="1828800" indent="0">
-              <a:buNone/>
-              <a:defRPr sz="2000"/>
+            <a:lvl5pPr marL="1371600" indent="0">
+              <a:buNone/>
+              <a:defRPr sz="750"/>
             </a:lvl5pPr>
-            <a:lvl6pPr marL="2286000" indent="0">
-              <a:buNone/>
-              <a:defRPr sz="2000"/>
+            <a:lvl6pPr marL="1714500" indent="0">
+              <a:buNone/>
+              <a:defRPr sz="750"/>
             </a:lvl6pPr>
-            <a:lvl7pPr marL="2743200" indent="0">
-              <a:buNone/>
-              <a:defRPr sz="2000"/>
+            <a:lvl7pPr marL="2057400" indent="0">
+              <a:buNone/>
+              <a:defRPr sz="750"/>
             </a:lvl7pPr>
-            <a:lvl8pPr marL="3200400" indent="0">
-              <a:buNone/>
-              <a:defRPr sz="2000"/>
+            <a:lvl8pPr marL="2400300" indent="0">
+              <a:buNone/>
+              <a:defRPr sz="750"/>
             </a:lvl8pPr>
-            <a:lvl9pPr marL="3657600" indent="0">
-              <a:buNone/>
-              <a:defRPr sz="2000"/>
+            <a:lvl9pPr marL="2743200" indent="0">
+              <a:buNone/>
+              <a:defRPr sz="750"/>
             </a:lvl9pPr>
           </a:lstStyle>
           <a:p>
-            <a:endParaRPr lang="en-US"/>
-          </a:p>
-        </p:txBody>
-      </p:sp>
-      <p:sp>
-        <p:nvSpPr>
-          <p:cNvPr id="4" name="Text Placeholder 3">
-            <a:extLst>
-              <a:ext uri="{FF2B5EF4-FFF2-40B4-BE49-F238E27FC236}">
-                <a16:creationId xmlns:a16="http://schemas.microsoft.com/office/drawing/2014/main" id="{CE49E2A0-B135-4F50-B436-6B3A1E3C680E}"/>
-              </a:ext>
-            </a:extLst>
-          </p:cNvPr>
-          <p:cNvSpPr>
-            <a:spLocks noGrp="1"/>
-          </p:cNvSpPr>
-          <p:nvPr>
-            <p:ph type="body" sz="half" idx="2"/>
-          </p:nvPr>
-        </p:nvSpPr>
-        <p:spPr>
-          <a:xfrm>
-            <a:off x="839788" y="2057400"/>
-            <a:ext cx="3932237" cy="3811588"/>
-          </a:xfrm>
-        </p:spPr>
-        <p:txBody>
-          <a:bodyPr/>
-          <a:lstStyle>
-            <a:lvl1pPr marL="0" indent="0">
-              <a:buNone/>
-              <a:defRPr sz="1600"/>
-            </a:lvl1pPr>
-            <a:lvl2pPr marL="457200" indent="0">
-              <a:buNone/>
-              <a:defRPr sz="1400"/>
-            </a:lvl2pPr>
-            <a:lvl3pPr marL="914400" indent="0">
-              <a:buNone/>
-              <a:defRPr sz="1200"/>
-            </a:lvl3pPr>
-            <a:lvl4pPr marL="1371600" indent="0">
-              <a:buNone/>
-              <a:defRPr sz="1000"/>
-            </a:lvl4pPr>
-            <a:lvl5pPr marL="1828800" indent="0">
-              <a:buNone/>
-              <a:defRPr sz="1000"/>
-            </a:lvl5pPr>
-            <a:lvl6pPr marL="2286000" indent="0">
-              <a:buNone/>
-              <a:defRPr sz="1000"/>
-            </a:lvl6pPr>
-            <a:lvl7pPr marL="2743200" indent="0">
-              <a:buNone/>
-              <a:defRPr sz="1000"/>
-            </a:lvl7pPr>
-            <a:lvl8pPr marL="3200400" indent="0">
-              <a:buNone/>
-              <a:defRPr sz="1000"/>
-            </a:lvl8pPr>
-            <a:lvl9pPr marL="3657600" indent="0">
-              <a:buNone/>
-              <a:defRPr sz="1000"/>
-            </a:lvl9pPr>
-          </a:lstStyle>
-          <a:p>
             <a:pPr lvl="0"/>
             <a:r>
               <a:rPr lang="en-US"/>
@@ -2642,13 +2339,7 @@
       </p:sp>
       <p:sp>
         <p:nvSpPr>
-          <p:cNvPr id="5" name="Date Placeholder 4">
-            <a:extLst>
-              <a:ext uri="{FF2B5EF4-FFF2-40B4-BE49-F238E27FC236}">
-                <a16:creationId xmlns:a16="http://schemas.microsoft.com/office/drawing/2014/main" id="{FEB231F0-0C97-4088-A192-0DA074710AC6}"/>
-              </a:ext>
-            </a:extLst>
-          </p:cNvPr>
+          <p:cNvPr id="5" name="Date Placeholder 4"/>
           <p:cNvSpPr>
             <a:spLocks noGrp="1"/>
           </p:cNvSpPr>
@@ -2663,7 +2354,7 @@
           <a:p>
             <a:fld id="{304DB6B7-848F-4A9B-8BD5-23855C3D30D0}" type="datetimeFigureOut">
               <a:rPr lang="en-US" smtClean="0"/>
-              <a:t>07-Jul-23</a:t>
+              <a:t>09-Jul-23</a:t>
             </a:fld>
             <a:endParaRPr lang="en-US"/>
           </a:p>
@@ -2671,13 +2362,7 @@
       </p:sp>
       <p:sp>
         <p:nvSpPr>
-          <p:cNvPr id="6" name="Footer Placeholder 5">
-            <a:extLst>
-              <a:ext uri="{FF2B5EF4-FFF2-40B4-BE49-F238E27FC236}">
-                <a16:creationId xmlns:a16="http://schemas.microsoft.com/office/drawing/2014/main" id="{C6D2C261-99CC-4FD7-B507-791F4C9698E4}"/>
-              </a:ext>
-            </a:extLst>
-          </p:cNvPr>
+          <p:cNvPr id="6" name="Footer Placeholder 5"/>
           <p:cNvSpPr>
             <a:spLocks noGrp="1"/>
           </p:cNvSpPr>
@@ -2696,13 +2381,7 @@
       </p:sp>
       <p:sp>
         <p:nvSpPr>
-          <p:cNvPr id="7" name="Slide Number Placeholder 6">
-            <a:extLst>
-              <a:ext uri="{FF2B5EF4-FFF2-40B4-BE49-F238E27FC236}">
-                <a16:creationId xmlns:a16="http://schemas.microsoft.com/office/drawing/2014/main" id="{D6E8681F-FF89-443C-86B7-BEBF6281A720}"/>
-              </a:ext>
-            </a:extLst>
-          </p:cNvPr>
+          <p:cNvPr id="7" name="Slide Number Placeholder 6"/>
           <p:cNvSpPr>
             <a:spLocks noGrp="1"/>
           </p:cNvSpPr>
@@ -2726,7 +2405,7 @@
     </p:spTree>
     <p:extLst>
       <p:ext uri="{BB962C8B-B14F-4D97-AF65-F5344CB8AC3E}">
-        <p14:creationId xmlns:p14="http://schemas.microsoft.com/office/powerpoint/2010/main" val="3720590315"/>
+        <p14:creationId xmlns:p14="http://schemas.microsoft.com/office/powerpoint/2010/main" val="2411418462"/>
       </p:ext>
     </p:extLst>
   </p:cSld>
@@ -2760,13 +2439,7 @@
       </p:grpSpPr>
       <p:sp>
         <p:nvSpPr>
-          <p:cNvPr id="2" name="Title Placeholder 1">
-            <a:extLst>
-              <a:ext uri="{FF2B5EF4-FFF2-40B4-BE49-F238E27FC236}">
-                <a16:creationId xmlns:a16="http://schemas.microsoft.com/office/drawing/2014/main" id="{23C1EEEE-4FF9-4B28-88E2-26291D8221DA}"/>
-              </a:ext>
-            </a:extLst>
-          </p:cNvPr>
+          <p:cNvPr id="2" name="Title Placeholder 1"/>
           <p:cNvSpPr>
             <a:spLocks noGrp="1"/>
           </p:cNvSpPr>
@@ -2776,8 +2449,8 @@
         </p:nvSpPr>
         <p:spPr>
           <a:xfrm>
-            <a:off x="838200" y="365125"/>
-            <a:ext cx="10515600" cy="1325563"/>
+            <a:off x="471488" y="527405"/>
+            <a:ext cx="5915025" cy="1914702"/>
           </a:xfrm>
           <a:prstGeom prst="rect">
             <a:avLst/>
@@ -2793,18 +2466,13 @@
               <a:rPr lang="en-US"/>
               <a:t>Click to edit Master title style</a:t>
             </a:r>
-          </a:p>
-        </p:txBody>
-      </p:sp>
-      <p:sp>
-        <p:nvSpPr>
-          <p:cNvPr id="3" name="Text Placeholder 2">
-            <a:extLst>
-              <a:ext uri="{FF2B5EF4-FFF2-40B4-BE49-F238E27FC236}">
-                <a16:creationId xmlns:a16="http://schemas.microsoft.com/office/drawing/2014/main" id="{B3D72F49-EC25-4B1E-9BB2-1F5D488BE0C3}"/>
-              </a:ext>
-            </a:extLst>
-          </p:cNvPr>
+            <a:endParaRPr lang="en-US" dirty="0"/>
+          </a:p>
+        </p:txBody>
+      </p:sp>
+      <p:sp>
+        <p:nvSpPr>
+          <p:cNvPr id="3" name="Text Placeholder 2"/>
           <p:cNvSpPr>
             <a:spLocks noGrp="1"/>
           </p:cNvSpPr>
@@ -2814,8 +2482,8 @@
         </p:nvSpPr>
         <p:spPr>
           <a:xfrm>
-            <a:off x="838200" y="1825625"/>
-            <a:ext cx="10515600" cy="4351338"/>
+            <a:off x="471488" y="2637014"/>
+            <a:ext cx="5915025" cy="6285266"/>
           </a:xfrm>
           <a:prstGeom prst="rect">
             <a:avLst/>
@@ -2860,18 +2528,13 @@
               <a:rPr lang="en-US"/>
               <a:t>Fifth level</a:t>
             </a:r>
-          </a:p>
-        </p:txBody>
-      </p:sp>
-      <p:sp>
-        <p:nvSpPr>
-          <p:cNvPr id="4" name="Date Placeholder 3">
-            <a:extLst>
-              <a:ext uri="{FF2B5EF4-FFF2-40B4-BE49-F238E27FC236}">
-                <a16:creationId xmlns:a16="http://schemas.microsoft.com/office/drawing/2014/main" id="{BF84E146-DB0D-4B71-826A-D4A0B39BE6DD}"/>
-              </a:ext>
-            </a:extLst>
-          </p:cNvPr>
+            <a:endParaRPr lang="en-US" dirty="0"/>
+          </a:p>
+        </p:txBody>
+      </p:sp>
+      <p:sp>
+        <p:nvSpPr>
+          <p:cNvPr id="4" name="Date Placeholder 3"/>
           <p:cNvSpPr>
             <a:spLocks noGrp="1"/>
           </p:cNvSpPr>
@@ -2881,8 +2544,8 @@
         </p:nvSpPr>
         <p:spPr>
           <a:xfrm>
-            <a:off x="838200" y="6356350"/>
-            <a:ext cx="2743200" cy="365125"/>
+            <a:off x="471488" y="9181397"/>
+            <a:ext cx="1543050" cy="527403"/>
           </a:xfrm>
           <a:prstGeom prst="rect">
             <a:avLst/>
@@ -2892,7 +2555,7 @@
           <a:bodyPr vert="horz" lIns="91440" tIns="45720" rIns="91440" bIns="45720" rtlCol="0" anchor="ctr"/>
           <a:lstStyle>
             <a:lvl1pPr algn="l">
-              <a:defRPr sz="1200">
+              <a:defRPr sz="900">
                 <a:solidFill>
                   <a:schemeClr val="tx1">
                     <a:tint val="75000"/>
@@ -2904,7 +2567,7 @@
           <a:p>
             <a:fld id="{304DB6B7-848F-4A9B-8BD5-23855C3D30D0}" type="datetimeFigureOut">
               <a:rPr lang="en-US" smtClean="0"/>
-              <a:t>07-Jul-23</a:t>
+              <a:t>09-Jul-23</a:t>
             </a:fld>
             <a:endParaRPr lang="en-US"/>
           </a:p>
@@ -2912,13 +2575,7 @@
       </p:sp>
       <p:sp>
         <p:nvSpPr>
-          <p:cNvPr id="5" name="Footer Placeholder 4">
-            <a:extLst>
-              <a:ext uri="{FF2B5EF4-FFF2-40B4-BE49-F238E27FC236}">
-                <a16:creationId xmlns:a16="http://schemas.microsoft.com/office/drawing/2014/main" id="{CFFA2B4C-9160-4308-A8E7-28A9241E19F4}"/>
-              </a:ext>
-            </a:extLst>
-          </p:cNvPr>
+          <p:cNvPr id="5" name="Footer Placeholder 4"/>
           <p:cNvSpPr>
             <a:spLocks noGrp="1"/>
           </p:cNvSpPr>
@@ -2928,8 +2585,8 @@
         </p:nvSpPr>
         <p:spPr>
           <a:xfrm>
-            <a:off x="4038600" y="6356350"/>
-            <a:ext cx="4114800" cy="365125"/>
+            <a:off x="2271713" y="9181397"/>
+            <a:ext cx="2314575" cy="527403"/>
           </a:xfrm>
           <a:prstGeom prst="rect">
             <a:avLst/>
@@ -2939,7 +2596,7 @@
           <a:bodyPr vert="horz" lIns="91440" tIns="45720" rIns="91440" bIns="45720" rtlCol="0" anchor="ctr"/>
           <a:lstStyle>
             <a:lvl1pPr algn="ctr">
-              <a:defRPr sz="1200">
+              <a:defRPr sz="900">
                 <a:solidFill>
                   <a:schemeClr val="tx1">
                     <a:tint val="75000"/>
@@ -2955,13 +2612,7 @@
       </p:sp>
       <p:sp>
         <p:nvSpPr>
-          <p:cNvPr id="6" name="Slide Number Placeholder 5">
-            <a:extLst>
-              <a:ext uri="{FF2B5EF4-FFF2-40B4-BE49-F238E27FC236}">
-                <a16:creationId xmlns:a16="http://schemas.microsoft.com/office/drawing/2014/main" id="{CC27DC67-CD48-4BB6-AAAE-42C1C4E21BFD}"/>
-              </a:ext>
-            </a:extLst>
-          </p:cNvPr>
+          <p:cNvPr id="6" name="Slide Number Placeholder 5"/>
           <p:cNvSpPr>
             <a:spLocks noGrp="1"/>
           </p:cNvSpPr>
@@ -2971,8 +2622,8 @@
         </p:nvSpPr>
         <p:spPr>
           <a:xfrm>
-            <a:off x="8610600" y="6356350"/>
-            <a:ext cx="2743200" cy="365125"/>
+            <a:off x="4843463" y="9181397"/>
+            <a:ext cx="1543050" cy="527403"/>
           </a:xfrm>
           <a:prstGeom prst="rect">
             <a:avLst/>
@@ -2982,7 +2633,7 @@
           <a:bodyPr vert="horz" lIns="91440" tIns="45720" rIns="91440" bIns="45720" rtlCol="0" anchor="ctr"/>
           <a:lstStyle>
             <a:lvl1pPr algn="r">
-              <a:defRPr sz="1200">
+              <a:defRPr sz="900">
                 <a:solidFill>
                   <a:schemeClr val="tx1">
                     <a:tint val="75000"/>
@@ -3003,27 +2654,27 @@
     </p:spTree>
     <p:extLst>
       <p:ext uri="{BB962C8B-B14F-4D97-AF65-F5344CB8AC3E}">
-        <p14:creationId xmlns:p14="http://schemas.microsoft.com/office/powerpoint/2010/main" val="347377714"/>
+        <p14:creationId xmlns:p14="http://schemas.microsoft.com/office/powerpoint/2010/main" val="3283865328"/>
       </p:ext>
     </p:extLst>
   </p:cSld>
   <p:clrMap bg1="lt1" tx1="dk1" bg2="lt2" tx2="dk2" accent1="accent1" accent2="accent2" accent3="accent3" accent4="accent4" accent5="accent5" accent6="accent6" hlink="hlink" folHlink="folHlink"/>
   <p:sldLayoutIdLst>
-    <p:sldLayoutId id="2147483649" r:id="rId1"/>
-    <p:sldLayoutId id="2147483650" r:id="rId2"/>
-    <p:sldLayoutId id="2147483651" r:id="rId3"/>
-    <p:sldLayoutId id="2147483652" r:id="rId4"/>
-    <p:sldLayoutId id="2147483653" r:id="rId5"/>
-    <p:sldLayoutId id="2147483654" r:id="rId6"/>
-    <p:sldLayoutId id="2147483655" r:id="rId7"/>
-    <p:sldLayoutId id="2147483656" r:id="rId8"/>
-    <p:sldLayoutId id="2147483657" r:id="rId9"/>
-    <p:sldLayoutId id="2147483658" r:id="rId10"/>
-    <p:sldLayoutId id="2147483659" r:id="rId11"/>
+    <p:sldLayoutId id="2147483673" r:id="rId1"/>
+    <p:sldLayoutId id="2147483674" r:id="rId2"/>
+    <p:sldLayoutId id="2147483675" r:id="rId3"/>
+    <p:sldLayoutId id="2147483676" r:id="rId4"/>
+    <p:sldLayoutId id="2147483677" r:id="rId5"/>
+    <p:sldLayoutId id="2147483678" r:id="rId6"/>
+    <p:sldLayoutId id="2147483679" r:id="rId7"/>
+    <p:sldLayoutId id="2147483680" r:id="rId8"/>
+    <p:sldLayoutId id="2147483681" r:id="rId9"/>
+    <p:sldLayoutId id="2147483682" r:id="rId10"/>
+    <p:sldLayoutId id="2147483683" r:id="rId11"/>
   </p:sldLayoutIdLst>
   <p:txStyles>
     <p:titleStyle>
-      <a:lvl1pPr algn="l" defTabSz="914400" rtl="0" eaLnBrk="1" latinLnBrk="0" hangingPunct="1">
+      <a:lvl1pPr algn="l" defTabSz="685800" rtl="0" eaLnBrk="1" latinLnBrk="0" hangingPunct="1">
         <a:lnSpc>
           <a:spcPct val="90000"/>
         </a:lnSpc>
@@ -3031,7 +2682,7 @@
           <a:spcPct val="0"/>
         </a:spcBef>
         <a:buNone/>
-        <a:defRPr sz="4400" kern="1200">
+        <a:defRPr sz="3300" kern="1200">
           <a:solidFill>
             <a:schemeClr val="tx1"/>
           </a:solidFill>
@@ -3042,16 +2693,16 @@
       </a:lvl1pPr>
     </p:titleStyle>
     <p:bodyStyle>
-      <a:lvl1pPr marL="228600" indent="-228600" algn="l" defTabSz="914400" rtl="0" eaLnBrk="1" latinLnBrk="0" hangingPunct="1">
+      <a:lvl1pPr marL="171450" indent="-171450" algn="l" defTabSz="685800" rtl="0" eaLnBrk="1" latinLnBrk="0" hangingPunct="1">
         <a:lnSpc>
           <a:spcPct val="90000"/>
         </a:lnSpc>
         <a:spcBef>
-          <a:spcPts val="1000"/>
+          <a:spcPts val="750"/>
         </a:spcBef>
         <a:buFont typeface="Arial" panose="020B0604020202020204" pitchFamily="34" charset="0"/>
         <a:buChar char="•"/>
-        <a:defRPr sz="2800" kern="1200">
+        <a:defRPr sz="2100" kern="1200">
           <a:solidFill>
             <a:schemeClr val="tx1"/>
           </a:solidFill>
@@ -3060,48 +2711,12 @@
           <a:cs typeface="+mn-cs"/>
         </a:defRPr>
       </a:lvl1pPr>
-      <a:lvl2pPr marL="685800" indent="-228600" algn="l" defTabSz="914400" rtl="0" eaLnBrk="1" latinLnBrk="0" hangingPunct="1">
+      <a:lvl2pPr marL="514350" indent="-171450" algn="l" defTabSz="685800" rtl="0" eaLnBrk="1" latinLnBrk="0" hangingPunct="1">
         <a:lnSpc>
           <a:spcPct val="90000"/>
         </a:lnSpc>
         <a:spcBef>
-          <a:spcPts val="500"/>
-        </a:spcBef>
-        <a:buFont typeface="Arial" panose="020B0604020202020204" pitchFamily="34" charset="0"/>
-        <a:buChar char="•"/>
-        <a:defRPr sz="2400" kern="1200">
-          <a:solidFill>
-            <a:schemeClr val="tx1"/>
-          </a:solidFill>
-          <a:latin typeface="+mn-lt"/>
-          <a:ea typeface="+mn-ea"/>
-          <a:cs typeface="+mn-cs"/>
-        </a:defRPr>
-      </a:lvl2pPr>
-      <a:lvl3pPr marL="1143000" indent="-228600" algn="l" defTabSz="914400" rtl="0" eaLnBrk="1" latinLnBrk="0" hangingPunct="1">
-        <a:lnSpc>
-          <a:spcPct val="90000"/>
-        </a:lnSpc>
-        <a:spcBef>
-          <a:spcPts val="500"/>
-        </a:spcBef>
-        <a:buFont typeface="Arial" panose="020B0604020202020204" pitchFamily="34" charset="0"/>
-        <a:buChar char="•"/>
-        <a:defRPr sz="2000" kern="1200">
-          <a:solidFill>
-            <a:schemeClr val="tx1"/>
-          </a:solidFill>
-          <a:latin typeface="+mn-lt"/>
-          <a:ea typeface="+mn-ea"/>
-          <a:cs typeface="+mn-cs"/>
-        </a:defRPr>
-      </a:lvl3pPr>
-      <a:lvl4pPr marL="1600200" indent="-228600" algn="l" defTabSz="914400" rtl="0" eaLnBrk="1" latinLnBrk="0" hangingPunct="1">
-        <a:lnSpc>
-          <a:spcPct val="90000"/>
-        </a:lnSpc>
-        <a:spcBef>
-          <a:spcPts val="500"/>
+          <a:spcPts val="375"/>
         </a:spcBef>
         <a:buFont typeface="Arial" panose="020B0604020202020204" pitchFamily="34" charset="0"/>
         <a:buChar char="•"/>
@@ -3113,17 +2728,53 @@
           <a:ea typeface="+mn-ea"/>
           <a:cs typeface="+mn-cs"/>
         </a:defRPr>
-      </a:lvl4pPr>
-      <a:lvl5pPr marL="2057400" indent="-228600" algn="l" defTabSz="914400" rtl="0" eaLnBrk="1" latinLnBrk="0" hangingPunct="1">
+      </a:lvl2pPr>
+      <a:lvl3pPr marL="857250" indent="-171450" algn="l" defTabSz="685800" rtl="0" eaLnBrk="1" latinLnBrk="0" hangingPunct="1">
         <a:lnSpc>
           <a:spcPct val="90000"/>
         </a:lnSpc>
         <a:spcBef>
-          <a:spcPts val="500"/>
+          <a:spcPts val="375"/>
         </a:spcBef>
         <a:buFont typeface="Arial" panose="020B0604020202020204" pitchFamily="34" charset="0"/>
         <a:buChar char="•"/>
-        <a:defRPr sz="1800" kern="1200">
+        <a:defRPr sz="1500" kern="1200">
+          <a:solidFill>
+            <a:schemeClr val="tx1"/>
+          </a:solidFill>
+          <a:latin typeface="+mn-lt"/>
+          <a:ea typeface="+mn-ea"/>
+          <a:cs typeface="+mn-cs"/>
+        </a:defRPr>
+      </a:lvl3pPr>
+      <a:lvl4pPr marL="1200150" indent="-171450" algn="l" defTabSz="685800" rtl="0" eaLnBrk="1" latinLnBrk="0" hangingPunct="1">
+        <a:lnSpc>
+          <a:spcPct val="90000"/>
+        </a:lnSpc>
+        <a:spcBef>
+          <a:spcPts val="375"/>
+        </a:spcBef>
+        <a:buFont typeface="Arial" panose="020B0604020202020204" pitchFamily="34" charset="0"/>
+        <a:buChar char="•"/>
+        <a:defRPr sz="1350" kern="1200">
+          <a:solidFill>
+            <a:schemeClr val="tx1"/>
+          </a:solidFill>
+          <a:latin typeface="+mn-lt"/>
+          <a:ea typeface="+mn-ea"/>
+          <a:cs typeface="+mn-cs"/>
+        </a:defRPr>
+      </a:lvl4pPr>
+      <a:lvl5pPr marL="1543050" indent="-171450" algn="l" defTabSz="685800" rtl="0" eaLnBrk="1" latinLnBrk="0" hangingPunct="1">
+        <a:lnSpc>
+          <a:spcPct val="90000"/>
+        </a:lnSpc>
+        <a:spcBef>
+          <a:spcPts val="375"/>
+        </a:spcBef>
+        <a:buFont typeface="Arial" panose="020B0604020202020204" pitchFamily="34" charset="0"/>
+        <a:buChar char="•"/>
+        <a:defRPr sz="1350" kern="1200">
           <a:solidFill>
             <a:schemeClr val="tx1"/>
           </a:solidFill>
@@ -3132,16 +2783,16 @@
           <a:cs typeface="+mn-cs"/>
         </a:defRPr>
       </a:lvl5pPr>
-      <a:lvl6pPr marL="2514600" indent="-228600" algn="l" defTabSz="914400" rtl="0" eaLnBrk="1" latinLnBrk="0" hangingPunct="1">
+      <a:lvl6pPr marL="1885950" indent="-171450" algn="l" defTabSz="685800" rtl="0" eaLnBrk="1" latinLnBrk="0" hangingPunct="1">
         <a:lnSpc>
           <a:spcPct val="90000"/>
         </a:lnSpc>
         <a:spcBef>
-          <a:spcPts val="500"/>
+          <a:spcPts val="375"/>
         </a:spcBef>
         <a:buFont typeface="Arial" panose="020B0604020202020204" pitchFamily="34" charset="0"/>
         <a:buChar char="•"/>
-        <a:defRPr sz="1800" kern="1200">
+        <a:defRPr sz="1350" kern="1200">
           <a:solidFill>
             <a:schemeClr val="tx1"/>
           </a:solidFill>
@@ -3150,16 +2801,16 @@
           <a:cs typeface="+mn-cs"/>
         </a:defRPr>
       </a:lvl6pPr>
-      <a:lvl7pPr marL="2971800" indent="-228600" algn="l" defTabSz="914400" rtl="0" eaLnBrk="1" latinLnBrk="0" hangingPunct="1">
+      <a:lvl7pPr marL="2228850" indent="-171450" algn="l" defTabSz="685800" rtl="0" eaLnBrk="1" latinLnBrk="0" hangingPunct="1">
         <a:lnSpc>
           <a:spcPct val="90000"/>
         </a:lnSpc>
         <a:spcBef>
-          <a:spcPts val="500"/>
+          <a:spcPts val="375"/>
         </a:spcBef>
         <a:buFont typeface="Arial" panose="020B0604020202020204" pitchFamily="34" charset="0"/>
         <a:buChar char="•"/>
-        <a:defRPr sz="1800" kern="1200">
+        <a:defRPr sz="1350" kern="1200">
           <a:solidFill>
             <a:schemeClr val="tx1"/>
           </a:solidFill>
@@ -3168,16 +2819,16 @@
           <a:cs typeface="+mn-cs"/>
         </a:defRPr>
       </a:lvl7pPr>
-      <a:lvl8pPr marL="3429000" indent="-228600" algn="l" defTabSz="914400" rtl="0" eaLnBrk="1" latinLnBrk="0" hangingPunct="1">
+      <a:lvl8pPr marL="2571750" indent="-171450" algn="l" defTabSz="685800" rtl="0" eaLnBrk="1" latinLnBrk="0" hangingPunct="1">
         <a:lnSpc>
           <a:spcPct val="90000"/>
         </a:lnSpc>
         <a:spcBef>
-          <a:spcPts val="500"/>
+          <a:spcPts val="375"/>
         </a:spcBef>
         <a:buFont typeface="Arial" panose="020B0604020202020204" pitchFamily="34" charset="0"/>
         <a:buChar char="•"/>
-        <a:defRPr sz="1800" kern="1200">
+        <a:defRPr sz="1350" kern="1200">
           <a:solidFill>
             <a:schemeClr val="tx1"/>
           </a:solidFill>
@@ -3186,16 +2837,16 @@
           <a:cs typeface="+mn-cs"/>
         </a:defRPr>
       </a:lvl8pPr>
-      <a:lvl9pPr marL="3886200" indent="-228600" algn="l" defTabSz="914400" rtl="0" eaLnBrk="1" latinLnBrk="0" hangingPunct="1">
+      <a:lvl9pPr marL="2914650" indent="-171450" algn="l" defTabSz="685800" rtl="0" eaLnBrk="1" latinLnBrk="0" hangingPunct="1">
         <a:lnSpc>
           <a:spcPct val="90000"/>
         </a:lnSpc>
         <a:spcBef>
-          <a:spcPts val="500"/>
+          <a:spcPts val="375"/>
         </a:spcBef>
         <a:buFont typeface="Arial" panose="020B0604020202020204" pitchFamily="34" charset="0"/>
         <a:buChar char="•"/>
-        <a:defRPr sz="1800" kern="1200">
+        <a:defRPr sz="1350" kern="1200">
           <a:solidFill>
             <a:schemeClr val="tx1"/>
           </a:solidFill>
@@ -3209,8 +2860,8 @@
       <a:defPPr>
         <a:defRPr lang="en-US"/>
       </a:defPPr>
-      <a:lvl1pPr marL="0" algn="l" defTabSz="914400" rtl="0" eaLnBrk="1" latinLnBrk="0" hangingPunct="1">
-        <a:defRPr sz="1800" kern="1200">
+      <a:lvl1pPr marL="0" algn="l" defTabSz="685800" rtl="0" eaLnBrk="1" latinLnBrk="0" hangingPunct="1">
+        <a:defRPr sz="1350" kern="1200">
           <a:solidFill>
             <a:schemeClr val="tx1"/>
           </a:solidFill>
@@ -3219,8 +2870,8 @@
           <a:cs typeface="+mn-cs"/>
         </a:defRPr>
       </a:lvl1pPr>
-      <a:lvl2pPr marL="457200" algn="l" defTabSz="914400" rtl="0" eaLnBrk="1" latinLnBrk="0" hangingPunct="1">
-        <a:defRPr sz="1800" kern="1200">
+      <a:lvl2pPr marL="342900" algn="l" defTabSz="685800" rtl="0" eaLnBrk="1" latinLnBrk="0" hangingPunct="1">
+        <a:defRPr sz="1350" kern="1200">
           <a:solidFill>
             <a:schemeClr val="tx1"/>
           </a:solidFill>
@@ -3229,8 +2880,8 @@
           <a:cs typeface="+mn-cs"/>
         </a:defRPr>
       </a:lvl2pPr>
-      <a:lvl3pPr marL="914400" algn="l" defTabSz="914400" rtl="0" eaLnBrk="1" latinLnBrk="0" hangingPunct="1">
-        <a:defRPr sz="1800" kern="1200">
+      <a:lvl3pPr marL="685800" algn="l" defTabSz="685800" rtl="0" eaLnBrk="1" latinLnBrk="0" hangingPunct="1">
+        <a:defRPr sz="1350" kern="1200">
           <a:solidFill>
             <a:schemeClr val="tx1"/>
           </a:solidFill>
@@ -3239,8 +2890,8 @@
           <a:cs typeface="+mn-cs"/>
         </a:defRPr>
       </a:lvl3pPr>
-      <a:lvl4pPr marL="1371600" algn="l" defTabSz="914400" rtl="0" eaLnBrk="1" latinLnBrk="0" hangingPunct="1">
-        <a:defRPr sz="1800" kern="1200">
+      <a:lvl4pPr marL="1028700" algn="l" defTabSz="685800" rtl="0" eaLnBrk="1" latinLnBrk="0" hangingPunct="1">
+        <a:defRPr sz="1350" kern="1200">
           <a:solidFill>
             <a:schemeClr val="tx1"/>
           </a:solidFill>
@@ -3249,8 +2900,8 @@
           <a:cs typeface="+mn-cs"/>
         </a:defRPr>
       </a:lvl4pPr>
-      <a:lvl5pPr marL="1828800" algn="l" defTabSz="914400" rtl="0" eaLnBrk="1" latinLnBrk="0" hangingPunct="1">
-        <a:defRPr sz="1800" kern="1200">
+      <a:lvl5pPr marL="1371600" algn="l" defTabSz="685800" rtl="0" eaLnBrk="1" latinLnBrk="0" hangingPunct="1">
+        <a:defRPr sz="1350" kern="1200">
           <a:solidFill>
             <a:schemeClr val="tx1"/>
           </a:solidFill>
@@ -3259,8 +2910,8 @@
           <a:cs typeface="+mn-cs"/>
         </a:defRPr>
       </a:lvl5pPr>
-      <a:lvl6pPr marL="2286000" algn="l" defTabSz="914400" rtl="0" eaLnBrk="1" latinLnBrk="0" hangingPunct="1">
-        <a:defRPr sz="1800" kern="1200">
+      <a:lvl6pPr marL="1714500" algn="l" defTabSz="685800" rtl="0" eaLnBrk="1" latinLnBrk="0" hangingPunct="1">
+        <a:defRPr sz="1350" kern="1200">
           <a:solidFill>
             <a:schemeClr val="tx1"/>
           </a:solidFill>
@@ -3269,8 +2920,8 @@
           <a:cs typeface="+mn-cs"/>
         </a:defRPr>
       </a:lvl6pPr>
-      <a:lvl7pPr marL="2743200" algn="l" defTabSz="914400" rtl="0" eaLnBrk="1" latinLnBrk="0" hangingPunct="1">
-        <a:defRPr sz="1800" kern="1200">
+      <a:lvl7pPr marL="2057400" algn="l" defTabSz="685800" rtl="0" eaLnBrk="1" latinLnBrk="0" hangingPunct="1">
+        <a:defRPr sz="1350" kern="1200">
           <a:solidFill>
             <a:schemeClr val="tx1"/>
           </a:solidFill>
@@ -3279,8 +2930,8 @@
           <a:cs typeface="+mn-cs"/>
         </a:defRPr>
       </a:lvl7pPr>
-      <a:lvl8pPr marL="3200400" algn="l" defTabSz="914400" rtl="0" eaLnBrk="1" latinLnBrk="0" hangingPunct="1">
-        <a:defRPr sz="1800" kern="1200">
+      <a:lvl8pPr marL="2400300" algn="l" defTabSz="685800" rtl="0" eaLnBrk="1" latinLnBrk="0" hangingPunct="1">
+        <a:defRPr sz="1350" kern="1200">
           <a:solidFill>
             <a:schemeClr val="tx1"/>
           </a:solidFill>
@@ -3289,8 +2940,8 @@
           <a:cs typeface="+mn-cs"/>
         </a:defRPr>
       </a:lvl8pPr>
-      <a:lvl9pPr marL="3657600" algn="l" defTabSz="914400" rtl="0" eaLnBrk="1" latinLnBrk="0" hangingPunct="1">
-        <a:defRPr sz="1800" kern="1200">
+      <a:lvl9pPr marL="2743200" algn="l" defTabSz="685800" rtl="0" eaLnBrk="1" latinLnBrk="0" hangingPunct="1">
+        <a:defRPr sz="1350" kern="1200">
           <a:solidFill>
             <a:schemeClr val="tx1"/>
           </a:solidFill>
@@ -3321,320 +2972,2031 @@
           <a:chExt cx="0" cy="0"/>
         </a:xfrm>
       </p:grpSpPr>
-      <p:sp>
-        <p:nvSpPr>
-          <p:cNvPr id="4" name="Rectangle 3">
+      <p:grpSp>
+        <p:nvGrpSpPr>
+          <p:cNvPr id="2" name="Group 1">
             <a:extLst>
               <a:ext uri="{FF2B5EF4-FFF2-40B4-BE49-F238E27FC236}">
-                <a16:creationId xmlns:a16="http://schemas.microsoft.com/office/drawing/2014/main" id="{8B95115E-0740-444B-BA0A-02737C605543}"/>
+                <a16:creationId xmlns:a16="http://schemas.microsoft.com/office/drawing/2014/main" id="{51160711-7741-4402-A5C9-AEF12F7B3982}"/>
               </a:ext>
             </a:extLst>
           </p:cNvPr>
-          <p:cNvSpPr/>
+          <p:cNvGrpSpPr/>
           <p:nvPr/>
-        </p:nvSpPr>
+        </p:nvGrpSpPr>
+        <p:grpSpPr>
+          <a:xfrm>
+            <a:off x="2266922" y="181196"/>
+            <a:ext cx="2545289" cy="1553406"/>
+            <a:chOff x="1571043" y="484816"/>
+            <a:chExt cx="4524957" cy="2761611"/>
+          </a:xfrm>
+        </p:grpSpPr>
+        <p:sp>
+          <p:nvSpPr>
+            <p:cNvPr id="4" name="Rectangle 3">
+              <a:extLst>
+                <a:ext uri="{FF2B5EF4-FFF2-40B4-BE49-F238E27FC236}">
+                  <a16:creationId xmlns:a16="http://schemas.microsoft.com/office/drawing/2014/main" id="{8B95115E-0740-444B-BA0A-02737C605543}"/>
+                </a:ext>
+              </a:extLst>
+            </p:cNvPr>
+            <p:cNvSpPr/>
+            <p:nvPr/>
+          </p:nvSpPr>
+          <p:spPr>
+            <a:xfrm>
+              <a:off x="1571049" y="484816"/>
+              <a:ext cx="2681829" cy="472542"/>
+            </a:xfrm>
+            <a:prstGeom prst="rect">
+              <a:avLst/>
+            </a:prstGeom>
+            <a:ln/>
+          </p:spPr>
+          <p:style>
+            <a:lnRef idx="2">
+              <a:schemeClr val="dk1"/>
+            </a:lnRef>
+            <a:fillRef idx="1">
+              <a:schemeClr val="lt1"/>
+            </a:fillRef>
+            <a:effectRef idx="0">
+              <a:schemeClr val="dk1"/>
+            </a:effectRef>
+            <a:fontRef idx="minor">
+              <a:schemeClr val="dk1"/>
+            </a:fontRef>
+          </p:style>
+          <p:txBody>
+            <a:bodyPr rtlCol="0" anchor="ctr"/>
+            <a:lstStyle/>
+            <a:p>
+              <a:pPr algn="ctr"/>
+              <a:r>
+                <a:rPr lang="en-US" sz="1125" b="1"/>
+                <a:t>Shape</a:t>
+              </a:r>
+            </a:p>
+          </p:txBody>
+        </p:sp>
+        <p:sp>
+          <p:nvSpPr>
+            <p:cNvPr id="5" name="Rectangle 4">
+              <a:extLst>
+                <a:ext uri="{FF2B5EF4-FFF2-40B4-BE49-F238E27FC236}">
+                  <a16:creationId xmlns:a16="http://schemas.microsoft.com/office/drawing/2014/main" id="{2473B9C6-7D8D-4705-9249-D9E2DBE48A03}"/>
+                </a:ext>
+              </a:extLst>
+            </p:cNvPr>
+            <p:cNvSpPr/>
+            <p:nvPr/>
+          </p:nvSpPr>
+          <p:spPr>
+            <a:xfrm>
+              <a:off x="1571044" y="957358"/>
+              <a:ext cx="2681831" cy="718019"/>
+            </a:xfrm>
+            <a:prstGeom prst="rect">
+              <a:avLst/>
+            </a:prstGeom>
+            <a:ln/>
+          </p:spPr>
+          <p:style>
+            <a:lnRef idx="2">
+              <a:schemeClr val="dk1"/>
+            </a:lnRef>
+            <a:fillRef idx="1">
+              <a:schemeClr val="lt1"/>
+            </a:fillRef>
+            <a:effectRef idx="0">
+              <a:schemeClr val="dk1"/>
+            </a:effectRef>
+            <a:fontRef idx="minor">
+              <a:schemeClr val="dk1"/>
+            </a:fontRef>
+          </p:style>
+          <p:txBody>
+            <a:bodyPr rtlCol="0" anchor="t"/>
+            <a:lstStyle/>
+            <a:p>
+              <a:pPr indent="-80999">
+                <a:buFont typeface="Calibri" panose="020F0502020204030204" pitchFamily="34" charset="0"/>
+                <a:buChar char="-"/>
+              </a:pPr>
+              <a:r>
+                <a:rPr lang="en-US" sz="788">
+                  <a:solidFill>
+                    <a:schemeClr val="tx1"/>
+                  </a:solidFill>
+                  <a:latin typeface="Courier New" panose="02070309020205020404" pitchFamily="49" charset="0"/>
+                  <a:cs typeface="Courier New" panose="02070309020205020404" pitchFamily="49" charset="0"/>
+                </a:rPr>
+                <a:t>color: String</a:t>
+              </a:r>
+            </a:p>
+            <a:p>
+              <a:pPr indent="-80999">
+                <a:buFont typeface="Calibri" panose="020F0502020204030204" pitchFamily="34" charset="0"/>
+                <a:buChar char="-"/>
+              </a:pPr>
+              <a:r>
+                <a:rPr lang="en-US" sz="788">
+                  <a:solidFill>
+                    <a:schemeClr val="tx1"/>
+                  </a:solidFill>
+                  <a:latin typeface="Courier New" panose="02070309020205020404" pitchFamily="49" charset="0"/>
+                  <a:cs typeface="Courier New" panose="02070309020205020404" pitchFamily="49" charset="0"/>
+                </a:rPr>
+                <a:t>filled: boolean</a:t>
+              </a:r>
+            </a:p>
+          </p:txBody>
+        </p:sp>
+        <p:sp>
+          <p:nvSpPr>
+            <p:cNvPr id="7" name="Rectangle 6">
+              <a:extLst>
+                <a:ext uri="{FF2B5EF4-FFF2-40B4-BE49-F238E27FC236}">
+                  <a16:creationId xmlns:a16="http://schemas.microsoft.com/office/drawing/2014/main" id="{058AA2F9-FE60-4B7B-9DE1-43938975AA76}"/>
+                </a:ext>
+              </a:extLst>
+            </p:cNvPr>
+            <p:cNvSpPr/>
+            <p:nvPr/>
+          </p:nvSpPr>
+          <p:spPr>
+            <a:xfrm>
+              <a:off x="1571043" y="1675377"/>
+              <a:ext cx="4524957" cy="1571050"/>
+            </a:xfrm>
+            <a:prstGeom prst="rect">
+              <a:avLst/>
+            </a:prstGeom>
+            <a:ln/>
+          </p:spPr>
+          <p:style>
+            <a:lnRef idx="2">
+              <a:schemeClr val="dk1"/>
+            </a:lnRef>
+            <a:fillRef idx="1">
+              <a:schemeClr val="lt1"/>
+            </a:fillRef>
+            <a:effectRef idx="0">
+              <a:schemeClr val="dk1"/>
+            </a:effectRef>
+            <a:fontRef idx="minor">
+              <a:schemeClr val="dk1"/>
+            </a:fontRef>
+          </p:style>
+          <p:txBody>
+            <a:bodyPr rtlCol="0" anchor="t"/>
+            <a:lstStyle/>
+            <a:p>
+              <a:pPr indent="-80999">
+                <a:buFont typeface="Calibri" panose="020F0502020204030204" pitchFamily="34" charset="0"/>
+                <a:buChar char="+"/>
+              </a:pPr>
+              <a:r>
+                <a:rPr lang="en-US" sz="788">
+                  <a:solidFill>
+                    <a:schemeClr val="tx1"/>
+                  </a:solidFill>
+                  <a:latin typeface="Courier New" panose="02070309020205020404" pitchFamily="49" charset="0"/>
+                  <a:cs typeface="Courier New" panose="02070309020205020404" pitchFamily="49" charset="0"/>
+                </a:rPr>
+                <a:t>Shape()</a:t>
+              </a:r>
+            </a:p>
+            <a:p>
+              <a:pPr indent="-80999">
+                <a:buFont typeface="Calibri" panose="020F0502020204030204" pitchFamily="34" charset="0"/>
+                <a:buChar char="+"/>
+              </a:pPr>
+              <a:r>
+                <a:rPr lang="en-US" sz="788">
+                  <a:solidFill>
+                    <a:schemeClr val="tx1"/>
+                  </a:solidFill>
+                  <a:latin typeface="Courier New" panose="02070309020205020404" pitchFamily="49" charset="0"/>
+                  <a:cs typeface="Courier New" panose="02070309020205020404" pitchFamily="49" charset="0"/>
+                </a:rPr>
+                <a:t>Shape(color:String, filled: boolean)</a:t>
+              </a:r>
+            </a:p>
+            <a:p>
+              <a:pPr indent="-80999">
+                <a:buFont typeface="Calibri" panose="020F0502020204030204" pitchFamily="34" charset="0"/>
+                <a:buChar char="+"/>
+              </a:pPr>
+              <a:r>
+                <a:rPr lang="en-US" sz="788">
+                  <a:solidFill>
+                    <a:schemeClr val="tx1"/>
+                  </a:solidFill>
+                  <a:latin typeface="Courier New" panose="02070309020205020404" pitchFamily="49" charset="0"/>
+                  <a:cs typeface="Courier New" panose="02070309020205020404" pitchFamily="49" charset="0"/>
+                </a:rPr>
+                <a:t>getColor(): String</a:t>
+              </a:r>
+            </a:p>
+            <a:p>
+              <a:pPr indent="-80999">
+                <a:buFont typeface="Calibri" panose="020F0502020204030204" pitchFamily="34" charset="0"/>
+                <a:buChar char="+"/>
+              </a:pPr>
+              <a:r>
+                <a:rPr lang="en-US" sz="788">
+                  <a:solidFill>
+                    <a:schemeClr val="tx1"/>
+                  </a:solidFill>
+                  <a:latin typeface="Courier New" panose="02070309020205020404" pitchFamily="49" charset="0"/>
+                  <a:cs typeface="Courier New" panose="02070309020205020404" pitchFamily="49" charset="0"/>
+                </a:rPr>
+                <a:t>setColor(color: String): void</a:t>
+              </a:r>
+            </a:p>
+            <a:p>
+              <a:pPr indent="-80999">
+                <a:buFont typeface="Calibri" panose="020F0502020204030204" pitchFamily="34" charset="0"/>
+                <a:buChar char="+"/>
+              </a:pPr>
+              <a:r>
+                <a:rPr lang="en-US" sz="788">
+                  <a:solidFill>
+                    <a:schemeClr val="tx1"/>
+                  </a:solidFill>
+                  <a:latin typeface="Courier New" panose="02070309020205020404" pitchFamily="49" charset="0"/>
+                  <a:cs typeface="Courier New" panose="02070309020205020404" pitchFamily="49" charset="0"/>
+                </a:rPr>
+                <a:t>isFilled(): String</a:t>
+              </a:r>
+            </a:p>
+            <a:p>
+              <a:pPr indent="-80999">
+                <a:buFont typeface="Calibri" panose="020F0502020204030204" pitchFamily="34" charset="0"/>
+                <a:buChar char="+"/>
+              </a:pPr>
+              <a:r>
+                <a:rPr lang="en-US" sz="788">
+                  <a:solidFill>
+                    <a:schemeClr val="tx1"/>
+                  </a:solidFill>
+                  <a:latin typeface="Courier New" panose="02070309020205020404" pitchFamily="49" charset="0"/>
+                  <a:cs typeface="Courier New" panose="02070309020205020404" pitchFamily="49" charset="0"/>
+                </a:rPr>
+                <a:t>setFilled(filled: boolean): void</a:t>
+              </a:r>
+            </a:p>
+            <a:p>
+              <a:pPr indent="-80999">
+                <a:buFont typeface="Calibri" panose="020F0502020204030204" pitchFamily="34" charset="0"/>
+                <a:buChar char="+"/>
+              </a:pPr>
+              <a:r>
+                <a:rPr lang="en-US" sz="788" b="1">
+                  <a:solidFill>
+                    <a:schemeClr val="tx1"/>
+                  </a:solidFill>
+                  <a:latin typeface="Courier New" panose="02070309020205020404" pitchFamily="49" charset="0"/>
+                  <a:cs typeface="Courier New" panose="02070309020205020404" pitchFamily="49" charset="0"/>
+                </a:rPr>
+                <a:t>toString(): String</a:t>
+              </a:r>
+            </a:p>
+          </p:txBody>
+        </p:sp>
+      </p:grpSp>
+      <p:grpSp>
+        <p:nvGrpSpPr>
+          <p:cNvPr id="6" name="Group 5">
+            <a:extLst>
+              <a:ext uri="{FF2B5EF4-FFF2-40B4-BE49-F238E27FC236}">
+                <a16:creationId xmlns:a16="http://schemas.microsoft.com/office/drawing/2014/main" id="{98084269-1E3B-4E41-BD24-5D1E0A9444FE}"/>
+              </a:ext>
+            </a:extLst>
+          </p:cNvPr>
+          <p:cNvGrpSpPr/>
+          <p:nvPr/>
+        </p:nvGrpSpPr>
+        <p:grpSpPr>
+          <a:xfrm>
+            <a:off x="292432" y="2288787"/>
+            <a:ext cx="2357712" cy="1670439"/>
+            <a:chOff x="1566476" y="484816"/>
+            <a:chExt cx="4191486" cy="2969671"/>
+          </a:xfrm>
+        </p:grpSpPr>
+        <p:sp>
+          <p:nvSpPr>
+            <p:cNvPr id="8" name="Rectangle 7">
+              <a:extLst>
+                <a:ext uri="{FF2B5EF4-FFF2-40B4-BE49-F238E27FC236}">
+                  <a16:creationId xmlns:a16="http://schemas.microsoft.com/office/drawing/2014/main" id="{64E8A500-D506-4073-9038-DF70BED3962B}"/>
+                </a:ext>
+              </a:extLst>
+            </p:cNvPr>
+            <p:cNvSpPr/>
+            <p:nvPr/>
+          </p:nvSpPr>
+          <p:spPr>
+            <a:xfrm>
+              <a:off x="1571049" y="484816"/>
+              <a:ext cx="2681829" cy="472542"/>
+            </a:xfrm>
+            <a:prstGeom prst="rect">
+              <a:avLst/>
+            </a:prstGeom>
+            <a:ln/>
+          </p:spPr>
+          <p:style>
+            <a:lnRef idx="2">
+              <a:schemeClr val="dk1"/>
+            </a:lnRef>
+            <a:fillRef idx="1">
+              <a:schemeClr val="lt1"/>
+            </a:fillRef>
+            <a:effectRef idx="0">
+              <a:schemeClr val="dk1"/>
+            </a:effectRef>
+            <a:fontRef idx="minor">
+              <a:schemeClr val="dk1"/>
+            </a:fontRef>
+          </p:style>
+          <p:txBody>
+            <a:bodyPr rtlCol="0" anchor="ctr"/>
+            <a:lstStyle/>
+            <a:p>
+              <a:pPr algn="ctr"/>
+              <a:r>
+                <a:rPr lang="en-US" sz="1125" b="1"/>
+                <a:t>Circle</a:t>
+              </a:r>
+            </a:p>
+          </p:txBody>
+        </p:sp>
+        <p:sp>
+          <p:nvSpPr>
+            <p:cNvPr id="9" name="Rectangle 8">
+              <a:extLst>
+                <a:ext uri="{FF2B5EF4-FFF2-40B4-BE49-F238E27FC236}">
+                  <a16:creationId xmlns:a16="http://schemas.microsoft.com/office/drawing/2014/main" id="{D0B598EA-1C84-461F-8EE0-F8B686750092}"/>
+                </a:ext>
+              </a:extLst>
+            </p:cNvPr>
+            <p:cNvSpPr/>
+            <p:nvPr/>
+          </p:nvSpPr>
+          <p:spPr>
+            <a:xfrm>
+              <a:off x="1571045" y="957358"/>
+              <a:ext cx="2681830" cy="472542"/>
+            </a:xfrm>
+            <a:prstGeom prst="rect">
+              <a:avLst/>
+            </a:prstGeom>
+            <a:ln/>
+          </p:spPr>
+          <p:style>
+            <a:lnRef idx="2">
+              <a:schemeClr val="dk1"/>
+            </a:lnRef>
+            <a:fillRef idx="1">
+              <a:schemeClr val="lt1"/>
+            </a:fillRef>
+            <a:effectRef idx="0">
+              <a:schemeClr val="dk1"/>
+            </a:effectRef>
+            <a:fontRef idx="minor">
+              <a:schemeClr val="dk1"/>
+            </a:fontRef>
+          </p:style>
+          <p:txBody>
+            <a:bodyPr rtlCol="0" anchor="t"/>
+            <a:lstStyle/>
+            <a:p>
+              <a:pPr indent="-80999">
+                <a:buFont typeface="Calibri" panose="020F0502020204030204" pitchFamily="34" charset="0"/>
+                <a:buChar char="-"/>
+              </a:pPr>
+              <a:r>
+                <a:rPr lang="en-US" sz="788">
+                  <a:solidFill>
+                    <a:schemeClr val="tx1"/>
+                  </a:solidFill>
+                  <a:latin typeface="Courier New" panose="02070309020205020404" pitchFamily="49" charset="0"/>
+                  <a:cs typeface="Courier New" panose="02070309020205020404" pitchFamily="49" charset="0"/>
+                </a:rPr>
+                <a:t>radius: double = 1.0 </a:t>
+              </a:r>
+            </a:p>
+          </p:txBody>
+        </p:sp>
+        <p:sp>
+          <p:nvSpPr>
+            <p:cNvPr id="10" name="Rectangle 9">
+              <a:extLst>
+                <a:ext uri="{FF2B5EF4-FFF2-40B4-BE49-F238E27FC236}">
+                  <a16:creationId xmlns:a16="http://schemas.microsoft.com/office/drawing/2014/main" id="{D5CE27D1-3015-42F7-8F43-B3D2C84C7080}"/>
+                </a:ext>
+              </a:extLst>
+            </p:cNvPr>
+            <p:cNvSpPr/>
+            <p:nvPr/>
+          </p:nvSpPr>
+          <p:spPr>
+            <a:xfrm>
+              <a:off x="1566476" y="1429903"/>
+              <a:ext cx="4191486" cy="2024584"/>
+            </a:xfrm>
+            <a:prstGeom prst="rect">
+              <a:avLst/>
+            </a:prstGeom>
+            <a:ln/>
+          </p:spPr>
+          <p:style>
+            <a:lnRef idx="2">
+              <a:schemeClr val="dk1"/>
+            </a:lnRef>
+            <a:fillRef idx="1">
+              <a:schemeClr val="lt1"/>
+            </a:fillRef>
+            <a:effectRef idx="0">
+              <a:schemeClr val="dk1"/>
+            </a:effectRef>
+            <a:fontRef idx="minor">
+              <a:schemeClr val="dk1"/>
+            </a:fontRef>
+          </p:style>
+          <p:txBody>
+            <a:bodyPr rtlCol="0" anchor="t"/>
+            <a:lstStyle/>
+            <a:p>
+              <a:pPr indent="-80999">
+                <a:buFont typeface="Calibri" panose="020F0502020204030204" pitchFamily="34" charset="0"/>
+                <a:buChar char="+"/>
+              </a:pPr>
+              <a:r>
+                <a:rPr lang="en-US" sz="788">
+                  <a:solidFill>
+                    <a:schemeClr val="tx1"/>
+                  </a:solidFill>
+                  <a:latin typeface="Courier New" panose="02070309020205020404" pitchFamily="49" charset="0"/>
+                  <a:cs typeface="Courier New" panose="02070309020205020404" pitchFamily="49" charset="0"/>
+                </a:rPr>
+                <a:t>Circle()</a:t>
+              </a:r>
+            </a:p>
+            <a:p>
+              <a:pPr indent="-80999">
+                <a:buFont typeface="Calibri" panose="020F0502020204030204" pitchFamily="34" charset="0"/>
+                <a:buChar char="+"/>
+              </a:pPr>
+              <a:r>
+                <a:rPr lang="en-US" sz="788">
+                  <a:solidFill>
+                    <a:schemeClr val="tx1"/>
+                  </a:solidFill>
+                  <a:latin typeface="Courier New" panose="02070309020205020404" pitchFamily="49" charset="0"/>
+                  <a:cs typeface="Courier New" panose="02070309020205020404" pitchFamily="49" charset="0"/>
+                </a:rPr>
+                <a:t>Circle(radius: double)</a:t>
+              </a:r>
+            </a:p>
+            <a:p>
+              <a:pPr indent="-80999">
+                <a:buFont typeface="Calibri" panose="020F0502020204030204" pitchFamily="34" charset="0"/>
+                <a:buChar char="+"/>
+              </a:pPr>
+              <a:r>
+                <a:rPr lang="en-US" sz="788">
+                  <a:solidFill>
+                    <a:schemeClr val="tx1"/>
+                  </a:solidFill>
+                  <a:latin typeface="Courier New" panose="02070309020205020404" pitchFamily="49" charset="0"/>
+                  <a:cs typeface="Courier New" panose="02070309020205020404" pitchFamily="49" charset="0"/>
+                </a:rPr>
+                <a:t>Circle(radius: double, color:String, filled: boolean)</a:t>
+              </a:r>
+            </a:p>
+            <a:p>
+              <a:pPr indent="-80999">
+                <a:buFont typeface="Calibri" panose="020F0502020204030204" pitchFamily="34" charset="0"/>
+                <a:buChar char="+"/>
+              </a:pPr>
+              <a:r>
+                <a:rPr lang="en-US" sz="788">
+                  <a:solidFill>
+                    <a:schemeClr val="tx1"/>
+                  </a:solidFill>
+                  <a:latin typeface="Courier New" panose="02070309020205020404" pitchFamily="49" charset="0"/>
+                  <a:cs typeface="Courier New" panose="02070309020205020404" pitchFamily="49" charset="0"/>
+                </a:rPr>
+                <a:t>getRadius(): double</a:t>
+              </a:r>
+            </a:p>
+            <a:p>
+              <a:pPr indent="-80999">
+                <a:buFont typeface="Calibri" panose="020F0502020204030204" pitchFamily="34" charset="0"/>
+                <a:buChar char="+"/>
+              </a:pPr>
+              <a:r>
+                <a:rPr lang="en-US" sz="788">
+                  <a:solidFill>
+                    <a:schemeClr val="tx1"/>
+                  </a:solidFill>
+                  <a:latin typeface="Courier New" panose="02070309020205020404" pitchFamily="49" charset="0"/>
+                  <a:cs typeface="Courier New" panose="02070309020205020404" pitchFamily="49" charset="0"/>
+                </a:rPr>
+                <a:t>setRadius(radius: double): void</a:t>
+              </a:r>
+            </a:p>
+            <a:p>
+              <a:pPr indent="-80999">
+                <a:buFont typeface="Calibri" panose="020F0502020204030204" pitchFamily="34" charset="0"/>
+                <a:buChar char="+"/>
+              </a:pPr>
+              <a:r>
+                <a:rPr lang="en-US" sz="788">
+                  <a:solidFill>
+                    <a:schemeClr val="tx1"/>
+                  </a:solidFill>
+                  <a:latin typeface="Courier New" panose="02070309020205020404" pitchFamily="49" charset="0"/>
+                  <a:cs typeface="Courier New" panose="02070309020205020404" pitchFamily="49" charset="0"/>
+                </a:rPr>
+                <a:t>getArea(): double</a:t>
+              </a:r>
+            </a:p>
+            <a:p>
+              <a:pPr indent="-80999">
+                <a:buFont typeface="Calibri" panose="020F0502020204030204" pitchFamily="34" charset="0"/>
+                <a:buChar char="+"/>
+              </a:pPr>
+              <a:r>
+                <a:rPr lang="en-US" sz="788">
+                  <a:solidFill>
+                    <a:schemeClr val="tx1"/>
+                  </a:solidFill>
+                  <a:latin typeface="Courier New" panose="02070309020205020404" pitchFamily="49" charset="0"/>
+                  <a:cs typeface="Courier New" panose="02070309020205020404" pitchFamily="49" charset="0"/>
+                </a:rPr>
+                <a:t>getPerimeter(): double</a:t>
+              </a:r>
+            </a:p>
+            <a:p>
+              <a:pPr indent="-80999">
+                <a:buFont typeface="Calibri" panose="020F0502020204030204" pitchFamily="34" charset="0"/>
+                <a:buChar char="+"/>
+              </a:pPr>
+              <a:r>
+                <a:rPr lang="en-US" sz="788" b="1">
+                  <a:solidFill>
+                    <a:schemeClr val="tx1"/>
+                  </a:solidFill>
+                  <a:latin typeface="Courier New" panose="02070309020205020404" pitchFamily="49" charset="0"/>
+                  <a:cs typeface="Courier New" panose="02070309020205020404" pitchFamily="49" charset="0"/>
+                </a:rPr>
+                <a:t>toString(): String (@override)</a:t>
+              </a:r>
+            </a:p>
+          </p:txBody>
+        </p:sp>
+      </p:grpSp>
+      <p:cxnSp>
+        <p:nvCxnSpPr>
+          <p:cNvPr id="11" name="Connector: Elbow 10">
+            <a:extLst>
+              <a:ext uri="{FF2B5EF4-FFF2-40B4-BE49-F238E27FC236}">
+                <a16:creationId xmlns:a16="http://schemas.microsoft.com/office/drawing/2014/main" id="{C3128354-B6D7-4F4B-B009-4CC345B93F9B}"/>
+              </a:ext>
+            </a:extLst>
+          </p:cNvPr>
+          <p:cNvCxnSpPr>
+            <a:cxnSpLocks/>
+            <a:stCxn id="8" idx="0"/>
+            <a:endCxn id="7" idx="2"/>
+          </p:cNvCxnSpPr>
+          <p:nvPr/>
+        </p:nvCxnSpPr>
         <p:spPr>
-          <a:xfrm>
-            <a:off x="1571049" y="484816"/>
-            <a:ext cx="2681829" cy="552322"/>
+          <a:xfrm rot="5400000" flipH="1" flipV="1">
+            <a:off x="2017326" y="766546"/>
+            <a:ext cx="554185" cy="2490298"/>
           </a:xfrm>
-          <a:prstGeom prst="rect">
+          <a:prstGeom prst="bentConnector3">
             <a:avLst/>
           </a:prstGeom>
+          <a:ln>
+            <a:tailEnd type="triangle" w="lg" len="lg"/>
+          </a:ln>
         </p:spPr>
         <p:style>
-          <a:lnRef idx="2">
-            <a:schemeClr val="accent1">
-              <a:shade val="50000"/>
-            </a:schemeClr>
+          <a:lnRef idx="1">
+            <a:schemeClr val="accent1"/>
           </a:lnRef>
-          <a:fillRef idx="1">
+          <a:fillRef idx="0">
             <a:schemeClr val="accent1"/>
           </a:fillRef>
           <a:effectRef idx="0">
             <a:schemeClr val="accent1"/>
           </a:effectRef>
           <a:fontRef idx="minor">
-            <a:schemeClr val="lt1"/>
+            <a:schemeClr val="tx1"/>
           </a:fontRef>
         </p:style>
-        <p:txBody>
-          <a:bodyPr rtlCol="0" anchor="ctr"/>
-          <a:lstStyle/>
-          <a:p>
-            <a:pPr algn="ctr"/>
-            <a:r>
-              <a:rPr lang="en-US"/>
-              <a:t>(C) FanV</a:t>
-            </a:r>
-          </a:p>
-        </p:txBody>
-      </p:sp>
-      <p:sp>
-        <p:nvSpPr>
-          <p:cNvPr id="5" name="Rectangle 4">
+      </p:cxnSp>
+      <p:grpSp>
+        <p:nvGrpSpPr>
+          <p:cNvPr id="13" name="Group 12">
             <a:extLst>
               <a:ext uri="{FF2B5EF4-FFF2-40B4-BE49-F238E27FC236}">
-                <a16:creationId xmlns:a16="http://schemas.microsoft.com/office/drawing/2014/main" id="{2473B9C6-7D8D-4705-9249-D9E2DBE48A03}"/>
+                <a16:creationId xmlns:a16="http://schemas.microsoft.com/office/drawing/2014/main" id="{78834FF3-DD41-478B-B626-30A62728ABB4}"/>
               </a:ext>
             </a:extLst>
           </p:cNvPr>
-          <p:cNvSpPr/>
+          <p:cNvGrpSpPr/>
           <p:nvPr/>
-        </p:nvSpPr>
+        </p:nvGrpSpPr>
+        <p:grpSpPr>
+          <a:xfrm>
+            <a:off x="3676726" y="2288787"/>
+            <a:ext cx="2946084" cy="2092713"/>
+            <a:chOff x="1571045" y="484816"/>
+            <a:chExt cx="4191486" cy="3720382"/>
+          </a:xfrm>
+        </p:grpSpPr>
+        <p:sp>
+          <p:nvSpPr>
+            <p:cNvPr id="14" name="Rectangle 13">
+              <a:extLst>
+                <a:ext uri="{FF2B5EF4-FFF2-40B4-BE49-F238E27FC236}">
+                  <a16:creationId xmlns:a16="http://schemas.microsoft.com/office/drawing/2014/main" id="{B16D9EDE-69F4-43F9-AEE1-6D2DADD2A270}"/>
+                </a:ext>
+              </a:extLst>
+            </p:cNvPr>
+            <p:cNvSpPr/>
+            <p:nvPr/>
+          </p:nvSpPr>
+          <p:spPr>
+            <a:xfrm>
+              <a:off x="1571049" y="484816"/>
+              <a:ext cx="2681829" cy="472542"/>
+            </a:xfrm>
+            <a:prstGeom prst="rect">
+              <a:avLst/>
+            </a:prstGeom>
+            <a:ln/>
+          </p:spPr>
+          <p:style>
+            <a:lnRef idx="2">
+              <a:schemeClr val="dk1"/>
+            </a:lnRef>
+            <a:fillRef idx="1">
+              <a:schemeClr val="lt1"/>
+            </a:fillRef>
+            <a:effectRef idx="0">
+              <a:schemeClr val="dk1"/>
+            </a:effectRef>
+            <a:fontRef idx="minor">
+              <a:schemeClr val="dk1"/>
+            </a:fontRef>
+          </p:style>
+          <p:txBody>
+            <a:bodyPr rtlCol="0" anchor="ctr"/>
+            <a:lstStyle/>
+            <a:p>
+              <a:pPr algn="ctr"/>
+              <a:r>
+                <a:rPr lang="en-US" sz="1125" b="1"/>
+                <a:t>Rectangle</a:t>
+              </a:r>
+            </a:p>
+          </p:txBody>
+        </p:sp>
+        <p:sp>
+          <p:nvSpPr>
+            <p:cNvPr id="15" name="Rectangle 14">
+              <a:extLst>
+                <a:ext uri="{FF2B5EF4-FFF2-40B4-BE49-F238E27FC236}">
+                  <a16:creationId xmlns:a16="http://schemas.microsoft.com/office/drawing/2014/main" id="{D4E4583D-B274-4F63-8291-7DE67CE2DDAF}"/>
+                </a:ext>
+              </a:extLst>
+            </p:cNvPr>
+            <p:cNvSpPr/>
+            <p:nvPr/>
+          </p:nvSpPr>
+          <p:spPr>
+            <a:xfrm>
+              <a:off x="1571045" y="957358"/>
+              <a:ext cx="2681830" cy="714610"/>
+            </a:xfrm>
+            <a:prstGeom prst="rect">
+              <a:avLst/>
+            </a:prstGeom>
+            <a:ln/>
+          </p:spPr>
+          <p:style>
+            <a:lnRef idx="2">
+              <a:schemeClr val="dk1"/>
+            </a:lnRef>
+            <a:fillRef idx="1">
+              <a:schemeClr val="lt1"/>
+            </a:fillRef>
+            <a:effectRef idx="0">
+              <a:schemeClr val="dk1"/>
+            </a:effectRef>
+            <a:fontRef idx="minor">
+              <a:schemeClr val="dk1"/>
+            </a:fontRef>
+          </p:style>
+          <p:txBody>
+            <a:bodyPr rtlCol="0" anchor="t"/>
+            <a:lstStyle/>
+            <a:p>
+              <a:pPr indent="-80999">
+                <a:buFont typeface="Calibri" panose="020F0502020204030204" pitchFamily="34" charset="0"/>
+                <a:buChar char="-"/>
+              </a:pPr>
+              <a:r>
+                <a:rPr lang="en-US" sz="788">
+                  <a:solidFill>
+                    <a:schemeClr val="tx1"/>
+                  </a:solidFill>
+                  <a:latin typeface="Courier New" panose="02070309020205020404" pitchFamily="49" charset="0"/>
+                  <a:cs typeface="Courier New" panose="02070309020205020404" pitchFamily="49" charset="0"/>
+                </a:rPr>
+                <a:t>width: double = 1.0</a:t>
+              </a:r>
+            </a:p>
+            <a:p>
+              <a:pPr indent="-80999">
+                <a:buFont typeface="Calibri" panose="020F0502020204030204" pitchFamily="34" charset="0"/>
+                <a:buChar char="-"/>
+              </a:pPr>
+              <a:r>
+                <a:rPr lang="en-US" sz="788">
+                  <a:solidFill>
+                    <a:schemeClr val="tx1"/>
+                  </a:solidFill>
+                  <a:latin typeface="Courier New" panose="02070309020205020404" pitchFamily="49" charset="0"/>
+                  <a:cs typeface="Courier New" panose="02070309020205020404" pitchFamily="49" charset="0"/>
+                </a:rPr>
+                <a:t>height: double = 1.0</a:t>
+              </a:r>
+            </a:p>
+          </p:txBody>
+        </p:sp>
+        <p:sp>
+          <p:nvSpPr>
+            <p:cNvPr id="16" name="Rectangle 15">
+              <a:extLst>
+                <a:ext uri="{FF2B5EF4-FFF2-40B4-BE49-F238E27FC236}">
+                  <a16:creationId xmlns:a16="http://schemas.microsoft.com/office/drawing/2014/main" id="{028417DD-5744-4E32-8014-7ADC0343030A}"/>
+                </a:ext>
+              </a:extLst>
+            </p:cNvPr>
+            <p:cNvSpPr/>
+            <p:nvPr/>
+          </p:nvSpPr>
+          <p:spPr>
+            <a:xfrm>
+              <a:off x="1571045" y="1671969"/>
+              <a:ext cx="4191486" cy="2533229"/>
+            </a:xfrm>
+            <a:prstGeom prst="rect">
+              <a:avLst/>
+            </a:prstGeom>
+            <a:ln/>
+          </p:spPr>
+          <p:style>
+            <a:lnRef idx="2">
+              <a:schemeClr val="dk1"/>
+            </a:lnRef>
+            <a:fillRef idx="1">
+              <a:schemeClr val="lt1"/>
+            </a:fillRef>
+            <a:effectRef idx="0">
+              <a:schemeClr val="dk1"/>
+            </a:effectRef>
+            <a:fontRef idx="minor">
+              <a:schemeClr val="dk1"/>
+            </a:fontRef>
+          </p:style>
+          <p:txBody>
+            <a:bodyPr rtlCol="0" anchor="t"/>
+            <a:lstStyle/>
+            <a:p>
+              <a:pPr indent="-80999">
+                <a:buFont typeface="Calibri" panose="020F0502020204030204" pitchFamily="34" charset="0"/>
+                <a:buChar char="+"/>
+              </a:pPr>
+              <a:r>
+                <a:rPr lang="en-US" sz="788">
+                  <a:solidFill>
+                    <a:schemeClr val="tx1"/>
+                  </a:solidFill>
+                  <a:latin typeface="Courier New" panose="02070309020205020404" pitchFamily="49" charset="0"/>
+                  <a:cs typeface="Courier New" panose="02070309020205020404" pitchFamily="49" charset="0"/>
+                </a:rPr>
+                <a:t>Rectangle()</a:t>
+              </a:r>
+            </a:p>
+            <a:p>
+              <a:pPr indent="-80999">
+                <a:buFont typeface="Calibri" panose="020F0502020204030204" pitchFamily="34" charset="0"/>
+                <a:buChar char="+"/>
+              </a:pPr>
+              <a:r>
+                <a:rPr lang="en-US" sz="788">
+                  <a:solidFill>
+                    <a:schemeClr val="tx1"/>
+                  </a:solidFill>
+                  <a:latin typeface="Courier New" panose="02070309020205020404" pitchFamily="49" charset="0"/>
+                  <a:cs typeface="Courier New" panose="02070309020205020404" pitchFamily="49" charset="0"/>
+                </a:rPr>
+                <a:t>Rectangle(width: double, height: double)</a:t>
+              </a:r>
+            </a:p>
+            <a:p>
+              <a:pPr indent="-80999">
+                <a:buFont typeface="Calibri" panose="020F0502020204030204" pitchFamily="34" charset="0"/>
+                <a:buChar char="+"/>
+              </a:pPr>
+              <a:r>
+                <a:rPr lang="en-US" sz="788">
+                  <a:solidFill>
+                    <a:schemeClr val="tx1"/>
+                  </a:solidFill>
+                  <a:latin typeface="Courier New" panose="02070309020205020404" pitchFamily="49" charset="0"/>
+                  <a:cs typeface="Courier New" panose="02070309020205020404" pitchFamily="49" charset="0"/>
+                </a:rPr>
+                <a:t>Rectangle(width: double, height: double, color:String, filled: boolean)</a:t>
+              </a:r>
+            </a:p>
+            <a:p>
+              <a:pPr indent="-80999">
+                <a:buFont typeface="Calibri" panose="020F0502020204030204" pitchFamily="34" charset="0"/>
+                <a:buChar char="+"/>
+              </a:pPr>
+              <a:r>
+                <a:rPr lang="en-US" sz="788">
+                  <a:solidFill>
+                    <a:schemeClr val="tx1"/>
+                  </a:solidFill>
+                  <a:latin typeface="Courier New" panose="02070309020205020404" pitchFamily="49" charset="0"/>
+                  <a:cs typeface="Courier New" panose="02070309020205020404" pitchFamily="49" charset="0"/>
+                </a:rPr>
+                <a:t>getWidth(): double</a:t>
+              </a:r>
+            </a:p>
+            <a:p>
+              <a:pPr indent="-80999">
+                <a:buFont typeface="Calibri" panose="020F0502020204030204" pitchFamily="34" charset="0"/>
+                <a:buChar char="+"/>
+              </a:pPr>
+              <a:r>
+                <a:rPr lang="en-US" sz="788">
+                  <a:solidFill>
+                    <a:schemeClr val="tx1"/>
+                  </a:solidFill>
+                  <a:latin typeface="Courier New" panose="02070309020205020404" pitchFamily="49" charset="0"/>
+                  <a:cs typeface="Courier New" panose="02070309020205020404" pitchFamily="49" charset="0"/>
+                </a:rPr>
+                <a:t>setWidth(width: double): void</a:t>
+              </a:r>
+            </a:p>
+            <a:p>
+              <a:pPr indent="-80999">
+                <a:buFont typeface="Calibri" panose="020F0502020204030204" pitchFamily="34" charset="0"/>
+                <a:buChar char="+"/>
+              </a:pPr>
+              <a:r>
+                <a:rPr lang="en-US" sz="788">
+                  <a:solidFill>
+                    <a:schemeClr val="tx1"/>
+                  </a:solidFill>
+                  <a:latin typeface="Courier New" panose="02070309020205020404" pitchFamily="49" charset="0"/>
+                  <a:cs typeface="Courier New" panose="02070309020205020404" pitchFamily="49" charset="0"/>
+                </a:rPr>
+                <a:t>getHeight(): double</a:t>
+              </a:r>
+            </a:p>
+            <a:p>
+              <a:pPr indent="-80999">
+                <a:buFont typeface="Calibri" panose="020F0502020204030204" pitchFamily="34" charset="0"/>
+                <a:buChar char="+"/>
+              </a:pPr>
+              <a:r>
+                <a:rPr lang="en-US" sz="788">
+                  <a:solidFill>
+                    <a:schemeClr val="tx1"/>
+                  </a:solidFill>
+                  <a:latin typeface="Courier New" panose="02070309020205020404" pitchFamily="49" charset="0"/>
+                  <a:cs typeface="Courier New" panose="02070309020205020404" pitchFamily="49" charset="0"/>
+                </a:rPr>
+                <a:t>setHeight(height: double): void</a:t>
+              </a:r>
+            </a:p>
+            <a:p>
+              <a:pPr indent="-80999">
+                <a:buFont typeface="Calibri" panose="020F0502020204030204" pitchFamily="34" charset="0"/>
+                <a:buChar char="+"/>
+              </a:pPr>
+              <a:r>
+                <a:rPr lang="en-US" sz="788">
+                  <a:solidFill>
+                    <a:schemeClr val="tx1"/>
+                  </a:solidFill>
+                  <a:latin typeface="Courier New" panose="02070309020205020404" pitchFamily="49" charset="0"/>
+                  <a:cs typeface="Courier New" panose="02070309020205020404" pitchFamily="49" charset="0"/>
+                </a:rPr>
+                <a:t>getArea(): double</a:t>
+              </a:r>
+            </a:p>
+            <a:p>
+              <a:pPr indent="-80999">
+                <a:buFont typeface="Calibri" panose="020F0502020204030204" pitchFamily="34" charset="0"/>
+                <a:buChar char="+"/>
+              </a:pPr>
+              <a:r>
+                <a:rPr lang="en-US" sz="788">
+                  <a:solidFill>
+                    <a:schemeClr val="tx1"/>
+                  </a:solidFill>
+                  <a:latin typeface="Courier New" panose="02070309020205020404" pitchFamily="49" charset="0"/>
+                  <a:cs typeface="Courier New" panose="02070309020205020404" pitchFamily="49" charset="0"/>
+                </a:rPr>
+                <a:t>getPerimeter(): double</a:t>
+              </a:r>
+            </a:p>
+            <a:p>
+              <a:pPr indent="-80999">
+                <a:buFont typeface="Calibri" panose="020F0502020204030204" pitchFamily="34" charset="0"/>
+                <a:buChar char="+"/>
+              </a:pPr>
+              <a:r>
+                <a:rPr lang="en-US" sz="788" b="1">
+                  <a:solidFill>
+                    <a:schemeClr val="tx1"/>
+                  </a:solidFill>
+                  <a:latin typeface="Courier New" panose="02070309020205020404" pitchFamily="49" charset="0"/>
+                  <a:cs typeface="Courier New" panose="02070309020205020404" pitchFamily="49" charset="0"/>
+                </a:rPr>
+                <a:t>toString(): String (@override)</a:t>
+              </a:r>
+            </a:p>
+          </p:txBody>
+        </p:sp>
+      </p:grpSp>
+      <p:cxnSp>
+        <p:nvCxnSpPr>
+          <p:cNvPr id="17" name="Connector: Elbow 16">
+            <a:extLst>
+              <a:ext uri="{FF2B5EF4-FFF2-40B4-BE49-F238E27FC236}">
+                <a16:creationId xmlns:a16="http://schemas.microsoft.com/office/drawing/2014/main" id="{19D04A0A-C2A9-4A3D-8C82-E23ACFE9DA48}"/>
+              </a:ext>
+            </a:extLst>
+          </p:cNvPr>
+          <p:cNvCxnSpPr>
+            <a:cxnSpLocks/>
+            <a:stCxn id="14" idx="0"/>
+            <a:endCxn id="7" idx="2"/>
+          </p:cNvCxnSpPr>
+          <p:nvPr/>
+        </p:nvCxnSpPr>
         <p:spPr>
-          <a:xfrm>
-            <a:off x="1571048" y="1143512"/>
-            <a:ext cx="2681831" cy="2136668"/>
+          <a:xfrm rot="16200000" flipV="1">
+            <a:off x="3802303" y="1471867"/>
+            <a:ext cx="554185" cy="1079655"/>
           </a:xfrm>
-          <a:prstGeom prst="rect">
-            <a:avLst/>
+          <a:prstGeom prst="bentConnector3">
+            <a:avLst>
+              <a:gd name="adj1" fmla="val 50000"/>
+            </a:avLst>
           </a:prstGeom>
+          <a:ln>
+            <a:tailEnd type="triangle" w="lg" len="lg"/>
+          </a:ln>
         </p:spPr>
         <p:style>
-          <a:lnRef idx="2">
-            <a:schemeClr val="accent1">
-              <a:shade val="50000"/>
-            </a:schemeClr>
+          <a:lnRef idx="1">
+            <a:schemeClr val="accent1"/>
           </a:lnRef>
-          <a:fillRef idx="1">
+          <a:fillRef idx="0">
             <a:schemeClr val="accent1"/>
           </a:fillRef>
           <a:effectRef idx="0">
             <a:schemeClr val="accent1"/>
           </a:effectRef>
           <a:fontRef idx="minor">
-            <a:schemeClr val="lt1"/>
+            <a:schemeClr val="tx1"/>
           </a:fontRef>
         </p:style>
-        <p:txBody>
-          <a:bodyPr rtlCol="0" anchor="t"/>
-          <a:lstStyle/>
-          <a:p>
-            <a:pPr marL="285750" indent="-285750">
-              <a:buFont typeface="Calibri" panose="020F0502020204030204" pitchFamily="34" charset="0"/>
-              <a:buChar char="−"/>
-            </a:pPr>
-            <a:r>
-              <a:rPr lang="en-US"/>
-              <a:t>SLOW: final int</a:t>
-            </a:r>
-          </a:p>
-          <a:p>
-            <a:pPr marL="285750" indent="-285750">
-              <a:buFont typeface="Calibri" panose="020F0502020204030204" pitchFamily="34" charset="0"/>
-              <a:buChar char="−"/>
-            </a:pPr>
-            <a:r>
-              <a:rPr lang="en-US"/>
-              <a:t>MEDIUM: final int</a:t>
-            </a:r>
-          </a:p>
-          <a:p>
-            <a:pPr marL="285750" indent="-285750">
-              <a:buFont typeface="Calibri" panose="020F0502020204030204" pitchFamily="34" charset="0"/>
-              <a:buChar char="−"/>
-            </a:pPr>
-            <a:r>
-              <a:rPr lang="en-US"/>
-              <a:t>FAST: final int</a:t>
-            </a:r>
-          </a:p>
-          <a:p>
-            <a:pPr marL="285750" indent="-285750">
-              <a:buFont typeface="Calibri" panose="020F0502020204030204" pitchFamily="34" charset="0"/>
-              <a:buChar char="−"/>
-            </a:pPr>
-            <a:r>
-              <a:rPr lang="en-US"/>
-              <a:t>speed: int</a:t>
-            </a:r>
-          </a:p>
-          <a:p>
-            <a:pPr marL="285750" indent="-285750">
-              <a:buFont typeface="Calibri" panose="020F0502020204030204" pitchFamily="34" charset="0"/>
-              <a:buChar char="−"/>
-            </a:pPr>
-            <a:r>
-              <a:rPr lang="en-US"/>
-              <a:t>on: boolean</a:t>
-            </a:r>
-          </a:p>
-          <a:p>
-            <a:pPr marL="285750" indent="-285750">
-              <a:buFont typeface="Calibri" panose="020F0502020204030204" pitchFamily="34" charset="0"/>
-              <a:buChar char="−"/>
-            </a:pPr>
-            <a:r>
-              <a:rPr lang="en-US"/>
-              <a:t>radius: double</a:t>
-            </a:r>
-          </a:p>
-          <a:p>
-            <a:pPr marL="285750" indent="-285750">
-              <a:buFont typeface="Calibri" panose="020F0502020204030204" pitchFamily="34" charset="0"/>
-              <a:buChar char="−"/>
-            </a:pPr>
-            <a:r>
-              <a:rPr lang="en-US"/>
-              <a:t>color: String</a:t>
-            </a:r>
-          </a:p>
-        </p:txBody>
-      </p:sp>
-      <p:sp>
-        <p:nvSpPr>
-          <p:cNvPr id="7" name="Rectangle 6">
+      </p:cxnSp>
+      <p:grpSp>
+        <p:nvGrpSpPr>
+          <p:cNvPr id="21" name="Group 20">
             <a:extLst>
               <a:ext uri="{FF2B5EF4-FFF2-40B4-BE49-F238E27FC236}">
-                <a16:creationId xmlns:a16="http://schemas.microsoft.com/office/drawing/2014/main" id="{058AA2F9-FE60-4B7B-9DE1-43938975AA76}"/>
+                <a16:creationId xmlns:a16="http://schemas.microsoft.com/office/drawing/2014/main" id="{313AE6C0-1E83-4A42-B681-5FCBFD080233}"/>
               </a:ext>
             </a:extLst>
           </p:cNvPr>
-          <p:cNvSpPr/>
+          <p:cNvGrpSpPr/>
           <p:nvPr/>
-        </p:nvSpPr>
+        </p:nvGrpSpPr>
+        <p:grpSpPr>
+          <a:xfrm>
+            <a:off x="3676726" y="4856728"/>
+            <a:ext cx="2946084" cy="1707902"/>
+            <a:chOff x="1571045" y="484816"/>
+            <a:chExt cx="4191486" cy="3036273"/>
+          </a:xfrm>
+        </p:grpSpPr>
+        <p:sp>
+          <p:nvSpPr>
+            <p:cNvPr id="22" name="Rectangle 21">
+              <a:extLst>
+                <a:ext uri="{FF2B5EF4-FFF2-40B4-BE49-F238E27FC236}">
+                  <a16:creationId xmlns:a16="http://schemas.microsoft.com/office/drawing/2014/main" id="{9073643B-C00C-4AE6-BF65-D996CA090DFC}"/>
+                </a:ext>
+              </a:extLst>
+            </p:cNvPr>
+            <p:cNvSpPr/>
+            <p:nvPr/>
+          </p:nvSpPr>
+          <p:spPr>
+            <a:xfrm>
+              <a:off x="1571049" y="484816"/>
+              <a:ext cx="2681829" cy="472542"/>
+            </a:xfrm>
+            <a:prstGeom prst="rect">
+              <a:avLst/>
+            </a:prstGeom>
+            <a:ln/>
+          </p:spPr>
+          <p:style>
+            <a:lnRef idx="2">
+              <a:schemeClr val="dk1"/>
+            </a:lnRef>
+            <a:fillRef idx="1">
+              <a:schemeClr val="lt1"/>
+            </a:fillRef>
+            <a:effectRef idx="0">
+              <a:schemeClr val="dk1"/>
+            </a:effectRef>
+            <a:fontRef idx="minor">
+              <a:schemeClr val="dk1"/>
+            </a:fontRef>
+          </p:style>
+          <p:txBody>
+            <a:bodyPr rtlCol="0" anchor="ctr"/>
+            <a:lstStyle/>
+            <a:p>
+              <a:pPr algn="ctr"/>
+              <a:r>
+                <a:rPr lang="en-US" sz="1125" b="1"/>
+                <a:t>Square</a:t>
+              </a:r>
+            </a:p>
+          </p:txBody>
+        </p:sp>
+        <p:sp>
+          <p:nvSpPr>
+            <p:cNvPr id="23" name="Rectangle 22">
+              <a:extLst>
+                <a:ext uri="{FF2B5EF4-FFF2-40B4-BE49-F238E27FC236}">
+                  <a16:creationId xmlns:a16="http://schemas.microsoft.com/office/drawing/2014/main" id="{2A6F2100-900A-4C3C-B342-539B1692E7C1}"/>
+                </a:ext>
+              </a:extLst>
+            </p:cNvPr>
+            <p:cNvSpPr/>
+            <p:nvPr/>
+          </p:nvSpPr>
+          <p:spPr>
+            <a:xfrm>
+              <a:off x="1571045" y="957359"/>
+              <a:ext cx="2681830" cy="472543"/>
+            </a:xfrm>
+            <a:prstGeom prst="rect">
+              <a:avLst/>
+            </a:prstGeom>
+            <a:ln/>
+          </p:spPr>
+          <p:style>
+            <a:lnRef idx="2">
+              <a:schemeClr val="dk1"/>
+            </a:lnRef>
+            <a:fillRef idx="1">
+              <a:schemeClr val="lt1"/>
+            </a:fillRef>
+            <a:effectRef idx="0">
+              <a:schemeClr val="dk1"/>
+            </a:effectRef>
+            <a:fontRef idx="minor">
+              <a:schemeClr val="dk1"/>
+            </a:fontRef>
+          </p:style>
+          <p:txBody>
+            <a:bodyPr rtlCol="0" anchor="t"/>
+            <a:lstStyle/>
+            <a:p>
+              <a:r>
+                <a:rPr lang="en-US" sz="788">
+                  <a:solidFill>
+                    <a:schemeClr val="tx1"/>
+                  </a:solidFill>
+                  <a:latin typeface="Courier New" panose="02070309020205020404" pitchFamily="49" charset="0"/>
+                  <a:cs typeface="Courier New" panose="02070309020205020404" pitchFamily="49" charset="0"/>
+                </a:rPr>
+                <a:t>(no additional attributed)</a:t>
+              </a:r>
+            </a:p>
+          </p:txBody>
+        </p:sp>
+        <p:sp>
+          <p:nvSpPr>
+            <p:cNvPr id="24" name="Rectangle 23">
+              <a:extLst>
+                <a:ext uri="{FF2B5EF4-FFF2-40B4-BE49-F238E27FC236}">
+                  <a16:creationId xmlns:a16="http://schemas.microsoft.com/office/drawing/2014/main" id="{7BFF3AE5-B4F6-4C94-9C70-E98FB3E13D88}"/>
+                </a:ext>
+              </a:extLst>
+            </p:cNvPr>
+            <p:cNvSpPr/>
+            <p:nvPr/>
+          </p:nvSpPr>
+          <p:spPr>
+            <a:xfrm>
+              <a:off x="1571045" y="1429901"/>
+              <a:ext cx="4191486" cy="2091188"/>
+            </a:xfrm>
+            <a:prstGeom prst="rect">
+              <a:avLst/>
+            </a:prstGeom>
+            <a:ln/>
+          </p:spPr>
+          <p:style>
+            <a:lnRef idx="2">
+              <a:schemeClr val="dk1"/>
+            </a:lnRef>
+            <a:fillRef idx="1">
+              <a:schemeClr val="lt1"/>
+            </a:fillRef>
+            <a:effectRef idx="0">
+              <a:schemeClr val="dk1"/>
+            </a:effectRef>
+            <a:fontRef idx="minor">
+              <a:schemeClr val="dk1"/>
+            </a:fontRef>
+          </p:style>
+          <p:txBody>
+            <a:bodyPr rtlCol="0" anchor="t"/>
+            <a:lstStyle/>
+            <a:p>
+              <a:pPr indent="-80999">
+                <a:buFont typeface="Calibri" panose="020F0502020204030204" pitchFamily="34" charset="0"/>
+                <a:buChar char="+"/>
+              </a:pPr>
+              <a:r>
+                <a:rPr lang="en-US" sz="788">
+                  <a:solidFill>
+                    <a:schemeClr val="tx1"/>
+                  </a:solidFill>
+                  <a:latin typeface="Courier New" panose="02070309020205020404" pitchFamily="49" charset="0"/>
+                  <a:cs typeface="Courier New" panose="02070309020205020404" pitchFamily="49" charset="0"/>
+                </a:rPr>
+                <a:t>Square()</a:t>
+              </a:r>
+            </a:p>
+            <a:p>
+              <a:pPr indent="-80999">
+                <a:buFont typeface="Calibri" panose="020F0502020204030204" pitchFamily="34" charset="0"/>
+                <a:buChar char="+"/>
+              </a:pPr>
+              <a:r>
+                <a:rPr lang="en-US" sz="788">
+                  <a:solidFill>
+                    <a:schemeClr val="tx1"/>
+                  </a:solidFill>
+                  <a:latin typeface="Courier New" panose="02070309020205020404" pitchFamily="49" charset="0"/>
+                  <a:cs typeface="Courier New" panose="02070309020205020404" pitchFamily="49" charset="0"/>
+                </a:rPr>
+                <a:t>Square(side: double)</a:t>
+              </a:r>
+            </a:p>
+            <a:p>
+              <a:pPr indent="-80999">
+                <a:buFont typeface="Calibri" panose="020F0502020204030204" pitchFamily="34" charset="0"/>
+                <a:buChar char="+"/>
+              </a:pPr>
+              <a:r>
+                <a:rPr lang="en-US" sz="788">
+                  <a:solidFill>
+                    <a:schemeClr val="tx1"/>
+                  </a:solidFill>
+                  <a:latin typeface="Courier New" panose="02070309020205020404" pitchFamily="49" charset="0"/>
+                  <a:cs typeface="Courier New" panose="02070309020205020404" pitchFamily="49" charset="0"/>
+                </a:rPr>
+                <a:t>Square(side: double, color:String, filled: boolean)</a:t>
+              </a:r>
+            </a:p>
+            <a:p>
+              <a:pPr indent="-80999">
+                <a:buFont typeface="Calibri" panose="020F0502020204030204" pitchFamily="34" charset="0"/>
+                <a:buChar char="+"/>
+              </a:pPr>
+              <a:r>
+                <a:rPr lang="en-US" sz="788">
+                  <a:solidFill>
+                    <a:schemeClr val="tx1"/>
+                  </a:solidFill>
+                  <a:latin typeface="Courier New" panose="02070309020205020404" pitchFamily="49" charset="0"/>
+                  <a:cs typeface="Courier New" panose="02070309020205020404" pitchFamily="49" charset="0"/>
+                </a:rPr>
+                <a:t>getSide(): double</a:t>
+              </a:r>
+            </a:p>
+            <a:p>
+              <a:pPr indent="-80999">
+                <a:buFont typeface="Calibri" panose="020F0502020204030204" pitchFamily="34" charset="0"/>
+                <a:buChar char="+"/>
+              </a:pPr>
+              <a:r>
+                <a:rPr lang="en-US" sz="788">
+                  <a:solidFill>
+                    <a:schemeClr val="tx1"/>
+                  </a:solidFill>
+                  <a:latin typeface="Courier New" panose="02070309020205020404" pitchFamily="49" charset="0"/>
+                  <a:cs typeface="Courier New" panose="02070309020205020404" pitchFamily="49" charset="0"/>
+                </a:rPr>
+                <a:t>setSide(side: double): void</a:t>
+              </a:r>
+            </a:p>
+            <a:p>
+              <a:pPr indent="-80999">
+                <a:buFont typeface="Calibri" panose="020F0502020204030204" pitchFamily="34" charset="0"/>
+                <a:buChar char="+"/>
+              </a:pPr>
+              <a:r>
+                <a:rPr lang="en-US" sz="788">
+                  <a:solidFill>
+                    <a:schemeClr val="tx1"/>
+                  </a:solidFill>
+                  <a:latin typeface="Courier New" panose="02070309020205020404" pitchFamily="49" charset="0"/>
+                  <a:cs typeface="Courier New" panose="02070309020205020404" pitchFamily="49" charset="0"/>
+                </a:rPr>
+                <a:t>setWidth(side: double): void</a:t>
+              </a:r>
+            </a:p>
+            <a:p>
+              <a:pPr indent="-80999">
+                <a:buFont typeface="Calibri" panose="020F0502020204030204" pitchFamily="34" charset="0"/>
+                <a:buChar char="+"/>
+              </a:pPr>
+              <a:r>
+                <a:rPr lang="en-US" sz="788">
+                  <a:solidFill>
+                    <a:schemeClr val="tx1"/>
+                  </a:solidFill>
+                  <a:latin typeface="Courier New" panose="02070309020205020404" pitchFamily="49" charset="0"/>
+                  <a:cs typeface="Courier New" panose="02070309020205020404" pitchFamily="49" charset="0"/>
+                </a:rPr>
+                <a:t>setHeight(side : double): void</a:t>
+              </a:r>
+            </a:p>
+            <a:p>
+              <a:pPr indent="-80999">
+                <a:buFont typeface="Calibri" panose="020F0502020204030204" pitchFamily="34" charset="0"/>
+                <a:buChar char="+"/>
+              </a:pPr>
+              <a:r>
+                <a:rPr lang="en-US" sz="788" b="1">
+                  <a:solidFill>
+                    <a:schemeClr val="tx1"/>
+                  </a:solidFill>
+                  <a:latin typeface="Courier New" panose="02070309020205020404" pitchFamily="49" charset="0"/>
+                  <a:cs typeface="Courier New" panose="02070309020205020404" pitchFamily="49" charset="0"/>
+                </a:rPr>
+                <a:t>toString(): String (@override)</a:t>
+              </a:r>
+            </a:p>
+          </p:txBody>
+        </p:sp>
+      </p:grpSp>
+      <p:cxnSp>
+        <p:nvCxnSpPr>
+          <p:cNvPr id="25" name="Connector: Elbow 24">
+            <a:extLst>
+              <a:ext uri="{FF2B5EF4-FFF2-40B4-BE49-F238E27FC236}">
+                <a16:creationId xmlns:a16="http://schemas.microsoft.com/office/drawing/2014/main" id="{0A83197D-6A96-4F16-9093-91BC667F640D}"/>
+              </a:ext>
+            </a:extLst>
+          </p:cNvPr>
+          <p:cNvCxnSpPr>
+            <a:cxnSpLocks/>
+            <a:stCxn id="22" idx="0"/>
+          </p:cNvCxnSpPr>
+          <p:nvPr/>
+        </p:nvCxnSpPr>
         <p:spPr>
-          <a:xfrm>
-            <a:off x="1571048" y="3429000"/>
-            <a:ext cx="3148238" cy="2893554"/>
+          <a:xfrm rot="5400000" flipH="1" flipV="1">
+            <a:off x="4381608" y="4619114"/>
+            <a:ext cx="475228" cy="1"/>
           </a:xfrm>
-          <a:prstGeom prst="rect">
-            <a:avLst/>
+          <a:prstGeom prst="bentConnector3">
+            <a:avLst>
+              <a:gd name="adj1" fmla="val 50000"/>
+            </a:avLst>
           </a:prstGeom>
+          <a:ln>
+            <a:tailEnd type="triangle" w="lg" len="lg"/>
+          </a:ln>
         </p:spPr>
         <p:style>
-          <a:lnRef idx="2">
-            <a:schemeClr val="accent1">
-              <a:shade val="50000"/>
-            </a:schemeClr>
+          <a:lnRef idx="1">
+            <a:schemeClr val="accent1"/>
           </a:lnRef>
-          <a:fillRef idx="1">
+          <a:fillRef idx="0">
             <a:schemeClr val="accent1"/>
           </a:fillRef>
           <a:effectRef idx="0">
             <a:schemeClr val="accent1"/>
           </a:effectRef>
           <a:fontRef idx="minor">
-            <a:schemeClr val="lt1"/>
+            <a:schemeClr val="tx1"/>
           </a:fontRef>
         </p:style>
-        <p:txBody>
-          <a:bodyPr rtlCol="0" anchor="t"/>
-          <a:lstStyle/>
-          <a:p>
-            <a:pPr marL="285750" indent="-285750">
-              <a:buFont typeface="Calibri" panose="020F0502020204030204" pitchFamily="34" charset="0"/>
-              <a:buChar char="+"/>
-            </a:pPr>
-            <a:r>
-              <a:rPr lang="en-US"/>
-              <a:t>FanV()</a:t>
-            </a:r>
-          </a:p>
-          <a:p>
-            <a:pPr marL="285750" indent="-285750">
-              <a:buFont typeface="Calibri" panose="020F0502020204030204" pitchFamily="34" charset="0"/>
-              <a:buChar char="+"/>
-            </a:pPr>
-            <a:r>
-              <a:rPr lang="en-US"/>
-              <a:t>getSpeed()</a:t>
-            </a:r>
-          </a:p>
-          <a:p>
-            <a:pPr marL="285750" indent="-285750">
-              <a:buFont typeface="Calibri" panose="020F0502020204030204" pitchFamily="34" charset="0"/>
-              <a:buChar char="+"/>
-            </a:pPr>
-            <a:r>
-              <a:rPr lang="en-US"/>
-              <a:t>setSpeed()</a:t>
-            </a:r>
-          </a:p>
-          <a:p>
-            <a:pPr marL="285750" indent="-285750">
-              <a:buFont typeface="Calibri" panose="020F0502020204030204" pitchFamily="34" charset="0"/>
-              <a:buChar char="+"/>
-            </a:pPr>
-            <a:r>
-              <a:rPr lang="en-US"/>
-              <a:t>isOn()</a:t>
-            </a:r>
-          </a:p>
-          <a:p>
-            <a:pPr marL="285750" indent="-285750">
-              <a:buFont typeface="Calibri" panose="020F0502020204030204" pitchFamily="34" charset="0"/>
-              <a:buChar char="+"/>
-            </a:pPr>
-            <a:r>
-              <a:rPr lang="en-US"/>
-              <a:t>setOn()</a:t>
-            </a:r>
-          </a:p>
-          <a:p>
-            <a:pPr marL="285750" indent="-285750">
-              <a:buFont typeface="Calibri" panose="020F0502020204030204" pitchFamily="34" charset="0"/>
-              <a:buChar char="+"/>
-            </a:pPr>
-            <a:r>
-              <a:rPr lang="en-US"/>
-              <a:t>getRadius()</a:t>
-            </a:r>
-          </a:p>
-          <a:p>
-            <a:pPr marL="285750" indent="-285750">
-              <a:buFont typeface="Calibri" panose="020F0502020204030204" pitchFamily="34" charset="0"/>
-              <a:buChar char="+"/>
-            </a:pPr>
-            <a:r>
-              <a:rPr lang="en-US"/>
-              <a:t>setRadius()</a:t>
-            </a:r>
-          </a:p>
-          <a:p>
-            <a:pPr marL="285750" indent="-285750">
-              <a:buFont typeface="Calibri" panose="020F0502020204030204" pitchFamily="34" charset="0"/>
-              <a:buChar char="+"/>
-            </a:pPr>
-            <a:r>
-              <a:rPr lang="en-US"/>
-              <a:t>getColor()</a:t>
-            </a:r>
-          </a:p>
-          <a:p>
-            <a:pPr marL="285750" indent="-285750">
-              <a:buFont typeface="Calibri" panose="020F0502020204030204" pitchFamily="34" charset="0"/>
-              <a:buChar char="+"/>
-            </a:pPr>
-            <a:r>
-              <a:rPr lang="en-US"/>
-              <a:t>setColor()</a:t>
-            </a:r>
-          </a:p>
-          <a:p>
-            <a:pPr marL="285750" indent="-285750">
-              <a:buFont typeface="Calibri" panose="020F0502020204030204" pitchFamily="34" charset="0"/>
-              <a:buChar char="+"/>
-            </a:pPr>
-            <a:r>
-              <a:rPr lang="en-US"/>
-              <a:t>toStringInfo()</a:t>
-            </a:r>
-          </a:p>
-          <a:p>
-            <a:pPr marL="285750" indent="-285750">
-              <a:buFont typeface="Calibri" panose="020F0502020204030204" pitchFamily="34" charset="0"/>
-              <a:buChar char="+"/>
-            </a:pPr>
-            <a:endParaRPr lang="en-US"/>
-          </a:p>
-        </p:txBody>
-      </p:sp>
+      </p:cxnSp>
     </p:spTree>
     <p:extLst>
       <p:ext uri="{BB962C8B-B14F-4D97-AF65-F5344CB8AC3E}">
-        <p14:creationId xmlns:p14="http://schemas.microsoft.com/office/powerpoint/2010/main" val="1584411166"/>
+        <p14:creationId xmlns:p14="http://schemas.microsoft.com/office/powerpoint/2010/main" val="3066220155"/>
+      </p:ext>
+    </p:extLst>
+  </p:cSld>
+  <p:clrMapOvr>
+    <a:masterClrMapping/>
+  </p:clrMapOvr>
+</p:sld>
+</file>
+
+<file path=ppt/slides/slide2.xml><?xml version="1.0" encoding="utf-8"?>
+<p:sld xmlns:a="http://schemas.openxmlformats.org/drawingml/2006/main" xmlns:r="http://schemas.openxmlformats.org/officeDocument/2006/relationships" xmlns:p="http://schemas.openxmlformats.org/presentationml/2006/main">
+  <p:cSld>
+    <p:spTree>
+      <p:nvGrpSpPr>
+        <p:cNvPr id="1" name=""/>
+        <p:cNvGrpSpPr/>
+        <p:nvPr/>
+      </p:nvGrpSpPr>
+      <p:grpSpPr>
+        <a:xfrm>
+          <a:off x="0" y="0"/>
+          <a:ext cx="0" cy="0"/>
+          <a:chOff x="0" y="0"/>
+          <a:chExt cx="0" cy="0"/>
+        </a:xfrm>
+      </p:grpSpPr>
+      <p:grpSp>
+        <p:nvGrpSpPr>
+          <p:cNvPr id="2" name="Group 1">
+            <a:extLst>
+              <a:ext uri="{FF2B5EF4-FFF2-40B4-BE49-F238E27FC236}">
+                <a16:creationId xmlns:a16="http://schemas.microsoft.com/office/drawing/2014/main" id="{51160711-7741-4402-A5C9-AEF12F7B3982}"/>
+              </a:ext>
+            </a:extLst>
+          </p:cNvPr>
+          <p:cNvGrpSpPr/>
+          <p:nvPr/>
+        </p:nvGrpSpPr>
+        <p:grpSpPr>
+          <a:xfrm>
+            <a:off x="2289148" y="1614062"/>
+            <a:ext cx="2545289" cy="1589513"/>
+            <a:chOff x="1571045" y="484816"/>
+            <a:chExt cx="4524957" cy="3266066"/>
+          </a:xfrm>
+        </p:grpSpPr>
+        <p:sp>
+          <p:nvSpPr>
+            <p:cNvPr id="4" name="Rectangle 3">
+              <a:extLst>
+                <a:ext uri="{FF2B5EF4-FFF2-40B4-BE49-F238E27FC236}">
+                  <a16:creationId xmlns:a16="http://schemas.microsoft.com/office/drawing/2014/main" id="{8B95115E-0740-444B-BA0A-02737C605543}"/>
+                </a:ext>
+              </a:extLst>
+            </p:cNvPr>
+            <p:cNvSpPr/>
+            <p:nvPr/>
+          </p:nvSpPr>
+          <p:spPr>
+            <a:xfrm>
+              <a:off x="1571049" y="484816"/>
+              <a:ext cx="2681829" cy="472542"/>
+            </a:xfrm>
+            <a:prstGeom prst="rect">
+              <a:avLst/>
+            </a:prstGeom>
+            <a:ln/>
+          </p:spPr>
+          <p:style>
+            <a:lnRef idx="2">
+              <a:schemeClr val="dk1"/>
+            </a:lnRef>
+            <a:fillRef idx="1">
+              <a:schemeClr val="lt1"/>
+            </a:fillRef>
+            <a:effectRef idx="0">
+              <a:schemeClr val="dk1"/>
+            </a:effectRef>
+            <a:fontRef idx="minor">
+              <a:schemeClr val="dk1"/>
+            </a:fontRef>
+          </p:style>
+          <p:txBody>
+            <a:bodyPr rtlCol="0" anchor="ctr"/>
+            <a:lstStyle/>
+            <a:p>
+              <a:pPr algn="ctr"/>
+              <a:r>
+                <a:rPr lang="en-US" sz="1125" b="1"/>
+                <a:t>Circle</a:t>
+              </a:r>
+            </a:p>
+          </p:txBody>
+        </p:sp>
+        <p:sp>
+          <p:nvSpPr>
+            <p:cNvPr id="5" name="Rectangle 4">
+              <a:extLst>
+                <a:ext uri="{FF2B5EF4-FFF2-40B4-BE49-F238E27FC236}">
+                  <a16:creationId xmlns:a16="http://schemas.microsoft.com/office/drawing/2014/main" id="{2473B9C6-7D8D-4705-9249-D9E2DBE48A03}"/>
+                </a:ext>
+              </a:extLst>
+            </p:cNvPr>
+            <p:cNvSpPr/>
+            <p:nvPr/>
+          </p:nvSpPr>
+          <p:spPr>
+            <a:xfrm>
+              <a:off x="1571045" y="957355"/>
+              <a:ext cx="2681830" cy="653695"/>
+            </a:xfrm>
+            <a:prstGeom prst="rect">
+              <a:avLst/>
+            </a:prstGeom>
+            <a:ln/>
+          </p:spPr>
+          <p:style>
+            <a:lnRef idx="2">
+              <a:schemeClr val="dk1"/>
+            </a:lnRef>
+            <a:fillRef idx="1">
+              <a:schemeClr val="lt1"/>
+            </a:fillRef>
+            <a:effectRef idx="0">
+              <a:schemeClr val="dk1"/>
+            </a:effectRef>
+            <a:fontRef idx="minor">
+              <a:schemeClr val="dk1"/>
+            </a:fontRef>
+          </p:style>
+          <p:txBody>
+            <a:bodyPr rtlCol="0" anchor="t"/>
+            <a:lstStyle/>
+            <a:p>
+              <a:pPr indent="-80999">
+                <a:buFont typeface="Calibri" panose="020F0502020204030204" pitchFamily="34" charset="0"/>
+                <a:buChar char="-"/>
+              </a:pPr>
+              <a:r>
+                <a:rPr lang="en-US" sz="788">
+                  <a:solidFill>
+                    <a:schemeClr val="tx1"/>
+                  </a:solidFill>
+                  <a:latin typeface="Courier New" panose="02070309020205020404" pitchFamily="49" charset="0"/>
+                  <a:cs typeface="Courier New" panose="02070309020205020404" pitchFamily="49" charset="0"/>
+                </a:rPr>
+                <a:t>radius: double</a:t>
+              </a:r>
+            </a:p>
+            <a:p>
+              <a:pPr indent="-80999">
+                <a:buFont typeface="Calibri" panose="020F0502020204030204" pitchFamily="34" charset="0"/>
+                <a:buChar char="-"/>
+              </a:pPr>
+              <a:r>
+                <a:rPr lang="en-US" sz="788">
+                  <a:solidFill>
+                    <a:schemeClr val="tx1"/>
+                  </a:solidFill>
+                  <a:latin typeface="Courier New" panose="02070309020205020404" pitchFamily="49" charset="0"/>
+                  <a:cs typeface="Courier New" panose="02070309020205020404" pitchFamily="49" charset="0"/>
+                </a:rPr>
+                <a:t>color: String</a:t>
+              </a:r>
+            </a:p>
+          </p:txBody>
+        </p:sp>
+        <p:sp>
+          <p:nvSpPr>
+            <p:cNvPr id="7" name="Rectangle 6">
+              <a:extLst>
+                <a:ext uri="{FF2B5EF4-FFF2-40B4-BE49-F238E27FC236}">
+                  <a16:creationId xmlns:a16="http://schemas.microsoft.com/office/drawing/2014/main" id="{058AA2F9-FE60-4B7B-9DE1-43938975AA76}"/>
+                </a:ext>
+              </a:extLst>
+            </p:cNvPr>
+            <p:cNvSpPr/>
+            <p:nvPr/>
+          </p:nvSpPr>
+          <p:spPr>
+            <a:xfrm>
+              <a:off x="1571045" y="1611054"/>
+              <a:ext cx="4524957" cy="2139828"/>
+            </a:xfrm>
+            <a:prstGeom prst="rect">
+              <a:avLst/>
+            </a:prstGeom>
+            <a:ln/>
+          </p:spPr>
+          <p:style>
+            <a:lnRef idx="2">
+              <a:schemeClr val="dk1"/>
+            </a:lnRef>
+            <a:fillRef idx="1">
+              <a:schemeClr val="lt1"/>
+            </a:fillRef>
+            <a:effectRef idx="0">
+              <a:schemeClr val="dk1"/>
+            </a:effectRef>
+            <a:fontRef idx="minor">
+              <a:schemeClr val="dk1"/>
+            </a:fontRef>
+          </p:style>
+          <p:txBody>
+            <a:bodyPr rtlCol="0" anchor="t"/>
+            <a:lstStyle/>
+            <a:p>
+              <a:pPr indent="-80999">
+                <a:buFont typeface="Calibri" panose="020F0502020204030204" pitchFamily="34" charset="0"/>
+                <a:buChar char="+"/>
+              </a:pPr>
+              <a:r>
+                <a:rPr lang="en-US" sz="788">
+                  <a:solidFill>
+                    <a:schemeClr val="tx1"/>
+                  </a:solidFill>
+                  <a:latin typeface="Courier New" panose="02070309020205020404" pitchFamily="49" charset="0"/>
+                  <a:cs typeface="Courier New" panose="02070309020205020404" pitchFamily="49" charset="0"/>
+                </a:rPr>
+                <a:t>Cirle()</a:t>
+              </a:r>
+            </a:p>
+            <a:p>
+              <a:pPr indent="-80999">
+                <a:buFont typeface="Calibri" panose="020F0502020204030204" pitchFamily="34" charset="0"/>
+                <a:buChar char="+"/>
+              </a:pPr>
+              <a:r>
+                <a:rPr lang="en-US" sz="788">
+                  <a:solidFill>
+                    <a:schemeClr val="tx1"/>
+                  </a:solidFill>
+                  <a:latin typeface="Courier New" panose="02070309020205020404" pitchFamily="49" charset="0"/>
+                  <a:cs typeface="Courier New" panose="02070309020205020404" pitchFamily="49" charset="0"/>
+                </a:rPr>
+                <a:t>Cirle(radius: double, color: String)</a:t>
+              </a:r>
+            </a:p>
+            <a:p>
+              <a:pPr indent="-80999">
+                <a:buFont typeface="Calibri" panose="020F0502020204030204" pitchFamily="34" charset="0"/>
+                <a:buChar char="+"/>
+              </a:pPr>
+              <a:r>
+                <a:rPr lang="en-US" sz="788">
+                  <a:solidFill>
+                    <a:schemeClr val="tx1"/>
+                  </a:solidFill>
+                  <a:latin typeface="Courier New" panose="02070309020205020404" pitchFamily="49" charset="0"/>
+                  <a:cs typeface="Courier New" panose="02070309020205020404" pitchFamily="49" charset="0"/>
+                </a:rPr>
+                <a:t>getRadius(): double</a:t>
+              </a:r>
+            </a:p>
+            <a:p>
+              <a:pPr indent="-80999">
+                <a:buFont typeface="Calibri" panose="020F0502020204030204" pitchFamily="34" charset="0"/>
+                <a:buChar char="+"/>
+              </a:pPr>
+              <a:r>
+                <a:rPr lang="en-US" sz="788">
+                  <a:solidFill>
+                    <a:schemeClr val="tx1"/>
+                  </a:solidFill>
+                  <a:latin typeface="Courier New" panose="02070309020205020404" pitchFamily="49" charset="0"/>
+                  <a:cs typeface="Courier New" panose="02070309020205020404" pitchFamily="49" charset="0"/>
+                </a:rPr>
+                <a:t>setRadius(radius: double): void</a:t>
+              </a:r>
+            </a:p>
+            <a:p>
+              <a:pPr indent="-80999">
+                <a:buFont typeface="Calibri" panose="020F0502020204030204" pitchFamily="34" charset="0"/>
+                <a:buChar char="+"/>
+              </a:pPr>
+              <a:r>
+                <a:rPr lang="en-US" sz="788">
+                  <a:solidFill>
+                    <a:schemeClr val="tx1"/>
+                  </a:solidFill>
+                  <a:latin typeface="Courier New" panose="02070309020205020404" pitchFamily="49" charset="0"/>
+                  <a:cs typeface="Courier New" panose="02070309020205020404" pitchFamily="49" charset="0"/>
+                </a:rPr>
+                <a:t>getColor(): String</a:t>
+              </a:r>
+            </a:p>
+            <a:p>
+              <a:pPr indent="-80999">
+                <a:buFont typeface="Calibri" panose="020F0502020204030204" pitchFamily="34" charset="0"/>
+                <a:buChar char="+"/>
+              </a:pPr>
+              <a:r>
+                <a:rPr lang="en-US" sz="788">
+                  <a:solidFill>
+                    <a:schemeClr val="tx1"/>
+                  </a:solidFill>
+                  <a:latin typeface="Courier New" panose="02070309020205020404" pitchFamily="49" charset="0"/>
+                  <a:cs typeface="Courier New" panose="02070309020205020404" pitchFamily="49" charset="0"/>
+                </a:rPr>
+                <a:t>setColor(color: String):void</a:t>
+              </a:r>
+            </a:p>
+            <a:p>
+              <a:pPr indent="-80999">
+                <a:buFont typeface="Calibri" panose="020F0502020204030204" pitchFamily="34" charset="0"/>
+                <a:buChar char="+"/>
+              </a:pPr>
+              <a:r>
+                <a:rPr lang="en-US" sz="788">
+                  <a:solidFill>
+                    <a:schemeClr val="tx1"/>
+                  </a:solidFill>
+                  <a:latin typeface="Courier New" panose="02070309020205020404" pitchFamily="49" charset="0"/>
+                  <a:cs typeface="Courier New" panose="02070309020205020404" pitchFamily="49" charset="0"/>
+                </a:rPr>
+                <a:t>getArea(): double</a:t>
+              </a:r>
+            </a:p>
+            <a:p>
+              <a:pPr indent="-80999">
+                <a:buFont typeface="Calibri" panose="020F0502020204030204" pitchFamily="34" charset="0"/>
+                <a:buChar char="+"/>
+              </a:pPr>
+              <a:r>
+                <a:rPr lang="en-US" sz="788" b="1">
+                  <a:solidFill>
+                    <a:schemeClr val="tx1"/>
+                  </a:solidFill>
+                  <a:latin typeface="Courier New" panose="02070309020205020404" pitchFamily="49" charset="0"/>
+                  <a:cs typeface="Courier New" panose="02070309020205020404" pitchFamily="49" charset="0"/>
+                </a:rPr>
+                <a:t>toString(): String</a:t>
+              </a:r>
+            </a:p>
+          </p:txBody>
+        </p:sp>
+      </p:grpSp>
+      <p:grpSp>
+        <p:nvGrpSpPr>
+          <p:cNvPr id="27" name="Group 26">
+            <a:extLst>
+              <a:ext uri="{FF2B5EF4-FFF2-40B4-BE49-F238E27FC236}">
+                <a16:creationId xmlns:a16="http://schemas.microsoft.com/office/drawing/2014/main" id="{043BD784-16BF-40C9-8CB9-A3CA318ED0E5}"/>
+              </a:ext>
+            </a:extLst>
+          </p:cNvPr>
+          <p:cNvGrpSpPr/>
+          <p:nvPr/>
+        </p:nvGrpSpPr>
+        <p:grpSpPr>
+          <a:xfrm>
+            <a:off x="2289147" y="3727970"/>
+            <a:ext cx="2545289" cy="1522210"/>
+            <a:chOff x="1571045" y="484816"/>
+            <a:chExt cx="4524957" cy="3127774"/>
+          </a:xfrm>
+        </p:grpSpPr>
+        <p:sp>
+          <p:nvSpPr>
+            <p:cNvPr id="28" name="Rectangle 27">
+              <a:extLst>
+                <a:ext uri="{FF2B5EF4-FFF2-40B4-BE49-F238E27FC236}">
+                  <a16:creationId xmlns:a16="http://schemas.microsoft.com/office/drawing/2014/main" id="{3839C9D3-2F27-4594-9B6C-E60B1E166091}"/>
+                </a:ext>
+              </a:extLst>
+            </p:cNvPr>
+            <p:cNvSpPr/>
+            <p:nvPr/>
+          </p:nvSpPr>
+          <p:spPr>
+            <a:xfrm>
+              <a:off x="1571049" y="484816"/>
+              <a:ext cx="2681829" cy="472542"/>
+            </a:xfrm>
+            <a:prstGeom prst="rect">
+              <a:avLst/>
+            </a:prstGeom>
+            <a:ln/>
+          </p:spPr>
+          <p:style>
+            <a:lnRef idx="2">
+              <a:schemeClr val="dk1"/>
+            </a:lnRef>
+            <a:fillRef idx="1">
+              <a:schemeClr val="lt1"/>
+            </a:fillRef>
+            <a:effectRef idx="0">
+              <a:schemeClr val="dk1"/>
+            </a:effectRef>
+            <a:fontRef idx="minor">
+              <a:schemeClr val="dk1"/>
+            </a:fontRef>
+          </p:style>
+          <p:txBody>
+            <a:bodyPr rtlCol="0" anchor="ctr"/>
+            <a:lstStyle/>
+            <a:p>
+              <a:pPr algn="ctr"/>
+              <a:r>
+                <a:rPr lang="en-US" sz="1125" b="1"/>
+                <a:t>Cylinder</a:t>
+              </a:r>
+            </a:p>
+          </p:txBody>
+        </p:sp>
+        <p:sp>
+          <p:nvSpPr>
+            <p:cNvPr id="29" name="Rectangle 28">
+              <a:extLst>
+                <a:ext uri="{FF2B5EF4-FFF2-40B4-BE49-F238E27FC236}">
+                  <a16:creationId xmlns:a16="http://schemas.microsoft.com/office/drawing/2014/main" id="{6703116E-3AD9-4E38-9223-D163FE5E57F9}"/>
+                </a:ext>
+              </a:extLst>
+            </p:cNvPr>
+            <p:cNvSpPr/>
+            <p:nvPr/>
+          </p:nvSpPr>
+          <p:spPr>
+            <a:xfrm>
+              <a:off x="1571045" y="957355"/>
+              <a:ext cx="2681830" cy="416247"/>
+            </a:xfrm>
+            <a:prstGeom prst="rect">
+              <a:avLst/>
+            </a:prstGeom>
+            <a:ln/>
+          </p:spPr>
+          <p:style>
+            <a:lnRef idx="2">
+              <a:schemeClr val="dk1"/>
+            </a:lnRef>
+            <a:fillRef idx="1">
+              <a:schemeClr val="lt1"/>
+            </a:fillRef>
+            <a:effectRef idx="0">
+              <a:schemeClr val="dk1"/>
+            </a:effectRef>
+            <a:fontRef idx="minor">
+              <a:schemeClr val="dk1"/>
+            </a:fontRef>
+          </p:style>
+          <p:txBody>
+            <a:bodyPr rtlCol="0" anchor="t"/>
+            <a:lstStyle/>
+            <a:p>
+              <a:pPr indent="-80999">
+                <a:buFont typeface="Calibri" panose="020F0502020204030204" pitchFamily="34" charset="0"/>
+                <a:buChar char="-"/>
+              </a:pPr>
+              <a:r>
+                <a:rPr lang="en-US" sz="788">
+                  <a:solidFill>
+                    <a:schemeClr val="tx1"/>
+                  </a:solidFill>
+                  <a:latin typeface="Courier New" panose="02070309020205020404" pitchFamily="49" charset="0"/>
+                  <a:cs typeface="Courier New" panose="02070309020205020404" pitchFamily="49" charset="0"/>
+                </a:rPr>
+                <a:t>height: double</a:t>
+              </a:r>
+            </a:p>
+          </p:txBody>
+        </p:sp>
+        <p:sp>
+          <p:nvSpPr>
+            <p:cNvPr id="30" name="Rectangle 29">
+              <a:extLst>
+                <a:ext uri="{FF2B5EF4-FFF2-40B4-BE49-F238E27FC236}">
+                  <a16:creationId xmlns:a16="http://schemas.microsoft.com/office/drawing/2014/main" id="{5F39012E-7D36-422D-B5BD-FE76984F8115}"/>
+                </a:ext>
+              </a:extLst>
+            </p:cNvPr>
+            <p:cNvSpPr/>
+            <p:nvPr/>
+          </p:nvSpPr>
+          <p:spPr>
+            <a:xfrm>
+              <a:off x="1571045" y="1373602"/>
+              <a:ext cx="4524957" cy="2238988"/>
+            </a:xfrm>
+            <a:prstGeom prst="rect">
+              <a:avLst/>
+            </a:prstGeom>
+            <a:ln/>
+          </p:spPr>
+          <p:style>
+            <a:lnRef idx="2">
+              <a:schemeClr val="dk1"/>
+            </a:lnRef>
+            <a:fillRef idx="1">
+              <a:schemeClr val="lt1"/>
+            </a:fillRef>
+            <a:effectRef idx="0">
+              <a:schemeClr val="dk1"/>
+            </a:effectRef>
+            <a:fontRef idx="minor">
+              <a:schemeClr val="dk1"/>
+            </a:fontRef>
+          </p:style>
+          <p:txBody>
+            <a:bodyPr rtlCol="0" anchor="t"/>
+            <a:lstStyle/>
+            <a:p>
+              <a:pPr indent="-80999">
+                <a:buFont typeface="Calibri" panose="020F0502020204030204" pitchFamily="34" charset="0"/>
+                <a:buChar char="+"/>
+              </a:pPr>
+              <a:r>
+                <a:rPr lang="en-US" sz="788">
+                  <a:solidFill>
+                    <a:schemeClr val="tx1"/>
+                  </a:solidFill>
+                  <a:latin typeface="Courier New" panose="02070309020205020404" pitchFamily="49" charset="0"/>
+                  <a:cs typeface="Courier New" panose="02070309020205020404" pitchFamily="49" charset="0"/>
+                </a:rPr>
+                <a:t>Cylinder()</a:t>
+              </a:r>
+            </a:p>
+            <a:p>
+              <a:pPr indent="-80999">
+                <a:buFont typeface="Calibri" panose="020F0502020204030204" pitchFamily="34" charset="0"/>
+                <a:buChar char="+"/>
+              </a:pPr>
+              <a:r>
+                <a:rPr lang="en-US" sz="788">
+                  <a:solidFill>
+                    <a:schemeClr val="tx1"/>
+                  </a:solidFill>
+                  <a:latin typeface="Courier New" panose="02070309020205020404" pitchFamily="49" charset="0"/>
+                  <a:cs typeface="Courier New" panose="02070309020205020404" pitchFamily="49" charset="0"/>
+                </a:rPr>
+                <a:t>Cylinder(height: double)</a:t>
+              </a:r>
+            </a:p>
+            <a:p>
+              <a:pPr indent="-80999">
+                <a:buFont typeface="Calibri" panose="020F0502020204030204" pitchFamily="34" charset="0"/>
+                <a:buChar char="+"/>
+              </a:pPr>
+              <a:r>
+                <a:rPr lang="en-US" sz="788">
+                  <a:solidFill>
+                    <a:schemeClr val="tx1"/>
+                  </a:solidFill>
+                  <a:latin typeface="Courier New" panose="02070309020205020404" pitchFamily="49" charset="0"/>
+                  <a:cs typeface="Courier New" panose="02070309020205020404" pitchFamily="49" charset="0"/>
+                </a:rPr>
+                <a:t>Cylinder(radius: double, color: String, height: double)</a:t>
+              </a:r>
+            </a:p>
+            <a:p>
+              <a:pPr indent="-80999">
+                <a:buFont typeface="Calibri" panose="020F0502020204030204" pitchFamily="34" charset="0"/>
+                <a:buChar char="+"/>
+              </a:pPr>
+              <a:r>
+                <a:rPr lang="en-US" sz="788">
+                  <a:solidFill>
+                    <a:schemeClr val="tx1"/>
+                  </a:solidFill>
+                  <a:latin typeface="Courier New" panose="02070309020205020404" pitchFamily="49" charset="0"/>
+                  <a:cs typeface="Courier New" panose="02070309020205020404" pitchFamily="49" charset="0"/>
+                </a:rPr>
+                <a:t>getHeight(): double</a:t>
+              </a:r>
+            </a:p>
+            <a:p>
+              <a:pPr indent="-80999">
+                <a:buFont typeface="Calibri" panose="020F0502020204030204" pitchFamily="34" charset="0"/>
+                <a:buChar char="+"/>
+              </a:pPr>
+              <a:r>
+                <a:rPr lang="en-US" sz="788">
+                  <a:solidFill>
+                    <a:schemeClr val="tx1"/>
+                  </a:solidFill>
+                  <a:latin typeface="Courier New" panose="02070309020205020404" pitchFamily="49" charset="0"/>
+                  <a:cs typeface="Courier New" panose="02070309020205020404" pitchFamily="49" charset="0"/>
+                </a:rPr>
+                <a:t>setHeight(height: double): void</a:t>
+              </a:r>
+            </a:p>
+            <a:p>
+              <a:pPr indent="-80999">
+                <a:buFont typeface="Calibri" panose="020F0502020204030204" pitchFamily="34" charset="0"/>
+                <a:buChar char="+"/>
+              </a:pPr>
+              <a:r>
+                <a:rPr lang="en-US" sz="788">
+                  <a:solidFill>
+                    <a:schemeClr val="tx1"/>
+                  </a:solidFill>
+                  <a:latin typeface="Courier New" panose="02070309020205020404" pitchFamily="49" charset="0"/>
+                  <a:cs typeface="Courier New" panose="02070309020205020404" pitchFamily="49" charset="0"/>
+                </a:rPr>
+                <a:t>getVolume(): double</a:t>
+              </a:r>
+            </a:p>
+            <a:p>
+              <a:pPr indent="-80999">
+                <a:buFont typeface="Calibri" panose="020F0502020204030204" pitchFamily="34" charset="0"/>
+                <a:buChar char="+"/>
+              </a:pPr>
+              <a:r>
+                <a:rPr lang="en-US" sz="788" b="1">
+                  <a:solidFill>
+                    <a:schemeClr val="tx1"/>
+                  </a:solidFill>
+                  <a:latin typeface="Courier New" panose="02070309020205020404" pitchFamily="49" charset="0"/>
+                  <a:cs typeface="Courier New" panose="02070309020205020404" pitchFamily="49" charset="0"/>
+                </a:rPr>
+                <a:t>toString(): String</a:t>
+              </a:r>
+            </a:p>
+          </p:txBody>
+        </p:sp>
+      </p:grpSp>
+      <p:cxnSp>
+        <p:nvCxnSpPr>
+          <p:cNvPr id="31" name="Connector: Elbow 30">
+            <a:extLst>
+              <a:ext uri="{FF2B5EF4-FFF2-40B4-BE49-F238E27FC236}">
+                <a16:creationId xmlns:a16="http://schemas.microsoft.com/office/drawing/2014/main" id="{7B6602A6-2DC1-4CDE-9182-6F29B0F81B40}"/>
+              </a:ext>
+            </a:extLst>
+          </p:cNvPr>
+          <p:cNvCxnSpPr>
+            <a:cxnSpLocks/>
+            <a:stCxn id="28" idx="0"/>
+            <a:endCxn id="7" idx="2"/>
+          </p:cNvCxnSpPr>
+          <p:nvPr/>
+        </p:nvCxnSpPr>
+        <p:spPr>
+          <a:xfrm rot="5400000" flipH="1" flipV="1">
+            <a:off x="3040406" y="3206584"/>
+            <a:ext cx="524395" cy="518379"/>
+          </a:xfrm>
+          <a:prstGeom prst="bentConnector3">
+            <a:avLst>
+              <a:gd name="adj1" fmla="val 50000"/>
+            </a:avLst>
+          </a:prstGeom>
+          <a:ln>
+            <a:tailEnd type="triangle" w="lg" len="lg"/>
+          </a:ln>
+        </p:spPr>
+        <p:style>
+          <a:lnRef idx="1">
+            <a:schemeClr val="accent1"/>
+          </a:lnRef>
+          <a:fillRef idx="0">
+            <a:schemeClr val="accent1"/>
+          </a:fillRef>
+          <a:effectRef idx="0">
+            <a:schemeClr val="accent1"/>
+          </a:effectRef>
+          <a:fontRef idx="minor">
+            <a:schemeClr val="tx1"/>
+          </a:fontRef>
+        </p:style>
+      </p:cxnSp>
+    </p:spTree>
+    <p:extLst>
+      <p:ext uri="{BB962C8B-B14F-4D97-AF65-F5344CB8AC3E}">
+        <p14:creationId xmlns:p14="http://schemas.microsoft.com/office/powerpoint/2010/main" val="52885917"/>
       </p:ext>
     </p:extLst>
   </p:cSld>
@@ -3647,7 +5009,7 @@
 <file path=ppt/theme/theme1.xml><?xml version="1.0" encoding="utf-8"?>
 <a:theme xmlns:a="http://schemas.openxmlformats.org/drawingml/2006/main" name="Office Theme">
   <a:themeElements>
-    <a:clrScheme name="Office">
+    <a:clrScheme name="Office Theme">
       <a:dk1>
         <a:sysClr val="windowText" lastClr="000000"/>
       </a:dk1>
@@ -3685,7 +5047,7 @@
         <a:srgbClr val="954F72"/>
       </a:folHlink>
     </a:clrScheme>
-    <a:fontScheme name="Office">
+    <a:fontScheme name="Office Theme">
       <a:majorFont>
         <a:latin typeface="Calibri Light" panose="020F0302020204030204"/>
         <a:ea typeface=""/>
@@ -3720,23 +5082,6 @@
         <a:font script="Viet" typeface="Times New Roman"/>
         <a:font script="Uigh" typeface="Microsoft Uighur"/>
         <a:font script="Geor" typeface="Sylfaen"/>
-        <a:font script="Armn" typeface="Arial"/>
-        <a:font script="Bugi" typeface="Leelawadee UI"/>
-        <a:font script="Bopo" typeface="Microsoft JhengHei"/>
-        <a:font script="Java" typeface="Javanese Text"/>
-        <a:font script="Lisu" typeface="Segoe UI"/>
-        <a:font script="Mymr" typeface="Myanmar Text"/>
-        <a:font script="Nkoo" typeface="Ebrima"/>
-        <a:font script="Olck" typeface="Nirmala UI"/>
-        <a:font script="Osma" typeface="Ebrima"/>
-        <a:font script="Phag" typeface="Phagspa"/>
-        <a:font script="Syrn" typeface="Estrangelo Edessa"/>
-        <a:font script="Syrj" typeface="Estrangelo Edessa"/>
-        <a:font script="Syre" typeface="Estrangelo Edessa"/>
-        <a:font script="Sora" typeface="Nirmala UI"/>
-        <a:font script="Tale" typeface="Microsoft Tai Le"/>
-        <a:font script="Talu" typeface="Microsoft New Tai Lue"/>
-        <a:font script="Tfng" typeface="Ebrima"/>
       </a:majorFont>
       <a:minorFont>
         <a:latin typeface="Calibri" panose="020F0502020204030204"/>
@@ -3772,26 +5117,9 @@
         <a:font script="Viet" typeface="Arial"/>
         <a:font script="Uigh" typeface="Microsoft Uighur"/>
         <a:font script="Geor" typeface="Sylfaen"/>
-        <a:font script="Armn" typeface="Arial"/>
-        <a:font script="Bugi" typeface="Leelawadee UI"/>
-        <a:font script="Bopo" typeface="Microsoft JhengHei"/>
-        <a:font script="Java" typeface="Javanese Text"/>
-        <a:font script="Lisu" typeface="Segoe UI"/>
-        <a:font script="Mymr" typeface="Myanmar Text"/>
-        <a:font script="Nkoo" typeface="Ebrima"/>
-        <a:font script="Olck" typeface="Nirmala UI"/>
-        <a:font script="Osma" typeface="Ebrima"/>
-        <a:font script="Phag" typeface="Phagspa"/>
-        <a:font script="Syrn" typeface="Estrangelo Edessa"/>
-        <a:font script="Syrj" typeface="Estrangelo Edessa"/>
-        <a:font script="Syre" typeface="Estrangelo Edessa"/>
-        <a:font script="Sora" typeface="Nirmala UI"/>
-        <a:font script="Tale" typeface="Microsoft Tai Le"/>
-        <a:font script="Talu" typeface="Microsoft New Tai Lue"/>
-        <a:font script="Tfng" typeface="Ebrima"/>
       </a:minorFont>
     </a:fontScheme>
-    <a:fmtScheme name="Office">
+    <a:fmtScheme name="Office Theme">
       <a:fillStyleLst>
         <a:solidFill>
           <a:schemeClr val="phClr"/>

--- a/src/ss04_lop_doi_tuong_java/ve UML.pptx
+++ b/src/ss04_lop_doi_tuong_java/ve UML.pptx
@@ -7,6 +7,7 @@
   <p:sldIdLst>
     <p:sldId id="257" r:id="rId2"/>
     <p:sldId id="258" r:id="rId3"/>
+    <p:sldId id="259" r:id="rId4"/>
   </p:sldIdLst>
   <p:sldSz cx="6858000" cy="9906000" type="A4"/>
   <p:notesSz cx="6858000" cy="9144000"/>
@@ -244,7 +245,7 @@
           <a:p>
             <a:fld id="{304DB6B7-848F-4A9B-8BD5-23855C3D30D0}" type="datetimeFigureOut">
               <a:rPr lang="en-US" smtClean="0"/>
-              <a:t>09-Jul-23</a:t>
+              <a:t>10-Jul-23</a:t>
             </a:fld>
             <a:endParaRPr lang="en-US"/>
           </a:p>
@@ -414,7 +415,7 @@
           <a:p>
             <a:fld id="{304DB6B7-848F-4A9B-8BD5-23855C3D30D0}" type="datetimeFigureOut">
               <a:rPr lang="en-US" smtClean="0"/>
-              <a:t>09-Jul-23</a:t>
+              <a:t>10-Jul-23</a:t>
             </a:fld>
             <a:endParaRPr lang="en-US"/>
           </a:p>
@@ -594,7 +595,7 @@
           <a:p>
             <a:fld id="{304DB6B7-848F-4A9B-8BD5-23855C3D30D0}" type="datetimeFigureOut">
               <a:rPr lang="en-US" smtClean="0"/>
-              <a:t>09-Jul-23</a:t>
+              <a:t>10-Jul-23</a:t>
             </a:fld>
             <a:endParaRPr lang="en-US"/>
           </a:p>
@@ -764,7 +765,7 @@
           <a:p>
             <a:fld id="{304DB6B7-848F-4A9B-8BD5-23855C3D30D0}" type="datetimeFigureOut">
               <a:rPr lang="en-US" smtClean="0"/>
-              <a:t>09-Jul-23</a:t>
+              <a:t>10-Jul-23</a:t>
             </a:fld>
             <a:endParaRPr lang="en-US"/>
           </a:p>
@@ -1008,7 +1009,7 @@
           <a:p>
             <a:fld id="{304DB6B7-848F-4A9B-8BD5-23855C3D30D0}" type="datetimeFigureOut">
               <a:rPr lang="en-US" smtClean="0"/>
-              <a:t>09-Jul-23</a:t>
+              <a:t>10-Jul-23</a:t>
             </a:fld>
             <a:endParaRPr lang="en-US"/>
           </a:p>
@@ -1240,7 +1241,7 @@
           <a:p>
             <a:fld id="{304DB6B7-848F-4A9B-8BD5-23855C3D30D0}" type="datetimeFigureOut">
               <a:rPr lang="en-US" smtClean="0"/>
-              <a:t>09-Jul-23</a:t>
+              <a:t>10-Jul-23</a:t>
             </a:fld>
             <a:endParaRPr lang="en-US"/>
           </a:p>
@@ -1607,7 +1608,7 @@
           <a:p>
             <a:fld id="{304DB6B7-848F-4A9B-8BD5-23855C3D30D0}" type="datetimeFigureOut">
               <a:rPr lang="en-US" smtClean="0"/>
-              <a:t>09-Jul-23</a:t>
+              <a:t>10-Jul-23</a:t>
             </a:fld>
             <a:endParaRPr lang="en-US"/>
           </a:p>
@@ -1725,7 +1726,7 @@
           <a:p>
             <a:fld id="{304DB6B7-848F-4A9B-8BD5-23855C3D30D0}" type="datetimeFigureOut">
               <a:rPr lang="en-US" smtClean="0"/>
-              <a:t>09-Jul-23</a:t>
+              <a:t>10-Jul-23</a:t>
             </a:fld>
             <a:endParaRPr lang="en-US"/>
           </a:p>
@@ -1820,7 +1821,7 @@
           <a:p>
             <a:fld id="{304DB6B7-848F-4A9B-8BD5-23855C3D30D0}" type="datetimeFigureOut">
               <a:rPr lang="en-US" smtClean="0"/>
-              <a:t>09-Jul-23</a:t>
+              <a:t>10-Jul-23</a:t>
             </a:fld>
             <a:endParaRPr lang="en-US"/>
           </a:p>
@@ -2097,7 +2098,7 @@
           <a:p>
             <a:fld id="{304DB6B7-848F-4A9B-8BD5-23855C3D30D0}" type="datetimeFigureOut">
               <a:rPr lang="en-US" smtClean="0"/>
-              <a:t>09-Jul-23</a:t>
+              <a:t>10-Jul-23</a:t>
             </a:fld>
             <a:endParaRPr lang="en-US"/>
           </a:p>
@@ -2354,7 +2355,7 @@
           <a:p>
             <a:fld id="{304DB6B7-848F-4A9B-8BD5-23855C3D30D0}" type="datetimeFigureOut">
               <a:rPr lang="en-US" smtClean="0"/>
-              <a:t>09-Jul-23</a:t>
+              <a:t>10-Jul-23</a:t>
             </a:fld>
             <a:endParaRPr lang="en-US"/>
           </a:p>
@@ -2567,7 +2568,7 @@
           <a:p>
             <a:fld id="{304DB6B7-848F-4A9B-8BD5-23855C3D30D0}" type="datetimeFigureOut">
               <a:rPr lang="en-US" smtClean="0"/>
-              <a:t>09-Jul-23</a:t>
+              <a:t>10-Jul-23</a:t>
             </a:fld>
             <a:endParaRPr lang="en-US"/>
           </a:p>
@@ -5006,6 +5007,703 @@
 </p:sld>
 </file>
 
+<file path=ppt/slides/slide3.xml><?xml version="1.0" encoding="utf-8"?>
+<p:sld xmlns:a="http://schemas.openxmlformats.org/drawingml/2006/main" xmlns:r="http://schemas.openxmlformats.org/officeDocument/2006/relationships" xmlns:p="http://schemas.openxmlformats.org/presentationml/2006/main">
+  <p:cSld>
+    <p:spTree>
+      <p:nvGrpSpPr>
+        <p:cNvPr id="1" name=""/>
+        <p:cNvGrpSpPr/>
+        <p:nvPr/>
+      </p:nvGrpSpPr>
+      <p:grpSpPr>
+        <a:xfrm>
+          <a:off x="0" y="0"/>
+          <a:ext cx="0" cy="0"/>
+          <a:chOff x="0" y="0"/>
+          <a:chExt cx="0" cy="0"/>
+        </a:xfrm>
+      </p:grpSpPr>
+      <p:grpSp>
+        <p:nvGrpSpPr>
+          <p:cNvPr id="4" name="Group 3">
+            <a:extLst>
+              <a:ext uri="{FF2B5EF4-FFF2-40B4-BE49-F238E27FC236}">
+                <a16:creationId xmlns:a16="http://schemas.microsoft.com/office/drawing/2014/main" id="{F879DE1E-BE89-42A1-9F50-FB5BDD019B12}"/>
+              </a:ext>
+            </a:extLst>
+          </p:cNvPr>
+          <p:cNvGrpSpPr/>
+          <p:nvPr/>
+        </p:nvGrpSpPr>
+        <p:grpSpPr>
+          <a:xfrm>
+            <a:off x="2099282" y="2642456"/>
+            <a:ext cx="2545289" cy="1553406"/>
+            <a:chOff x="1571043" y="484816"/>
+            <a:chExt cx="4524957" cy="2761611"/>
+          </a:xfrm>
+        </p:grpSpPr>
+        <p:sp>
+          <p:nvSpPr>
+            <p:cNvPr id="5" name="Rectangle 4">
+              <a:extLst>
+                <a:ext uri="{FF2B5EF4-FFF2-40B4-BE49-F238E27FC236}">
+                  <a16:creationId xmlns:a16="http://schemas.microsoft.com/office/drawing/2014/main" id="{ABD66C25-697A-4798-B0B0-7D7062ADBE57}"/>
+                </a:ext>
+              </a:extLst>
+            </p:cNvPr>
+            <p:cNvSpPr/>
+            <p:nvPr/>
+          </p:nvSpPr>
+          <p:spPr>
+            <a:xfrm>
+              <a:off x="1571049" y="484816"/>
+              <a:ext cx="2681829" cy="472542"/>
+            </a:xfrm>
+            <a:prstGeom prst="rect">
+              <a:avLst/>
+            </a:prstGeom>
+            <a:ln/>
+          </p:spPr>
+          <p:style>
+            <a:lnRef idx="2">
+              <a:schemeClr val="dk1"/>
+            </a:lnRef>
+            <a:fillRef idx="1">
+              <a:schemeClr val="lt1"/>
+            </a:fillRef>
+            <a:effectRef idx="0">
+              <a:schemeClr val="dk1"/>
+            </a:effectRef>
+            <a:fontRef idx="minor">
+              <a:schemeClr val="dk1"/>
+            </a:fontRef>
+          </p:style>
+          <p:txBody>
+            <a:bodyPr rtlCol="0" anchor="ctr"/>
+            <a:lstStyle/>
+            <a:p>
+              <a:pPr algn="ctr"/>
+              <a:r>
+                <a:rPr lang="en-US" sz="1125" b="1"/>
+                <a:t>Shape</a:t>
+              </a:r>
+            </a:p>
+          </p:txBody>
+        </p:sp>
+        <p:sp>
+          <p:nvSpPr>
+            <p:cNvPr id="6" name="Rectangle 5">
+              <a:extLst>
+                <a:ext uri="{FF2B5EF4-FFF2-40B4-BE49-F238E27FC236}">
+                  <a16:creationId xmlns:a16="http://schemas.microsoft.com/office/drawing/2014/main" id="{4CF1B31C-0002-4DDC-9096-B41164663AC5}"/>
+                </a:ext>
+              </a:extLst>
+            </p:cNvPr>
+            <p:cNvSpPr/>
+            <p:nvPr/>
+          </p:nvSpPr>
+          <p:spPr>
+            <a:xfrm>
+              <a:off x="1571044" y="957358"/>
+              <a:ext cx="2681831" cy="718019"/>
+            </a:xfrm>
+            <a:prstGeom prst="rect">
+              <a:avLst/>
+            </a:prstGeom>
+            <a:ln/>
+          </p:spPr>
+          <p:style>
+            <a:lnRef idx="2">
+              <a:schemeClr val="dk1"/>
+            </a:lnRef>
+            <a:fillRef idx="1">
+              <a:schemeClr val="lt1"/>
+            </a:fillRef>
+            <a:effectRef idx="0">
+              <a:schemeClr val="dk1"/>
+            </a:effectRef>
+            <a:fontRef idx="minor">
+              <a:schemeClr val="dk1"/>
+            </a:fontRef>
+          </p:style>
+          <p:txBody>
+            <a:bodyPr rtlCol="0" anchor="t"/>
+            <a:lstStyle/>
+            <a:p>
+              <a:pPr indent="-80999">
+                <a:buFont typeface="Calibri" panose="020F0502020204030204" pitchFamily="34" charset="0"/>
+                <a:buChar char="-"/>
+              </a:pPr>
+              <a:r>
+                <a:rPr lang="en-US" sz="788">
+                  <a:solidFill>
+                    <a:schemeClr val="tx1"/>
+                  </a:solidFill>
+                  <a:latin typeface="Courier New" panose="02070309020205020404" pitchFamily="49" charset="0"/>
+                  <a:cs typeface="Courier New" panose="02070309020205020404" pitchFamily="49" charset="0"/>
+                </a:rPr>
+                <a:t>color: String</a:t>
+              </a:r>
+            </a:p>
+            <a:p>
+              <a:pPr indent="-80999">
+                <a:buFont typeface="Calibri" panose="020F0502020204030204" pitchFamily="34" charset="0"/>
+                <a:buChar char="-"/>
+              </a:pPr>
+              <a:r>
+                <a:rPr lang="en-US" sz="788">
+                  <a:solidFill>
+                    <a:schemeClr val="tx1"/>
+                  </a:solidFill>
+                  <a:latin typeface="Courier New" panose="02070309020205020404" pitchFamily="49" charset="0"/>
+                  <a:cs typeface="Courier New" panose="02070309020205020404" pitchFamily="49" charset="0"/>
+                </a:rPr>
+                <a:t>filled: boolean</a:t>
+              </a:r>
+            </a:p>
+          </p:txBody>
+        </p:sp>
+        <p:sp>
+          <p:nvSpPr>
+            <p:cNvPr id="7" name="Rectangle 6">
+              <a:extLst>
+                <a:ext uri="{FF2B5EF4-FFF2-40B4-BE49-F238E27FC236}">
+                  <a16:creationId xmlns:a16="http://schemas.microsoft.com/office/drawing/2014/main" id="{153C0B76-E72A-4002-8077-25604A44F71F}"/>
+                </a:ext>
+              </a:extLst>
+            </p:cNvPr>
+            <p:cNvSpPr/>
+            <p:nvPr/>
+          </p:nvSpPr>
+          <p:spPr>
+            <a:xfrm>
+              <a:off x="1571043" y="1675377"/>
+              <a:ext cx="4524957" cy="1571050"/>
+            </a:xfrm>
+            <a:prstGeom prst="rect">
+              <a:avLst/>
+            </a:prstGeom>
+            <a:ln/>
+          </p:spPr>
+          <p:style>
+            <a:lnRef idx="2">
+              <a:schemeClr val="dk1"/>
+            </a:lnRef>
+            <a:fillRef idx="1">
+              <a:schemeClr val="lt1"/>
+            </a:fillRef>
+            <a:effectRef idx="0">
+              <a:schemeClr val="dk1"/>
+            </a:effectRef>
+            <a:fontRef idx="minor">
+              <a:schemeClr val="dk1"/>
+            </a:fontRef>
+          </p:style>
+          <p:txBody>
+            <a:bodyPr rtlCol="0" anchor="t"/>
+            <a:lstStyle/>
+            <a:p>
+              <a:pPr indent="-80999">
+                <a:buFont typeface="Calibri" panose="020F0502020204030204" pitchFamily="34" charset="0"/>
+                <a:buChar char="+"/>
+              </a:pPr>
+              <a:r>
+                <a:rPr lang="en-US" sz="788">
+                  <a:solidFill>
+                    <a:schemeClr val="tx1"/>
+                  </a:solidFill>
+                  <a:latin typeface="Courier New" panose="02070309020205020404" pitchFamily="49" charset="0"/>
+                  <a:cs typeface="Courier New" panose="02070309020205020404" pitchFamily="49" charset="0"/>
+                </a:rPr>
+                <a:t>Shape()</a:t>
+              </a:r>
+            </a:p>
+            <a:p>
+              <a:pPr indent="-80999">
+                <a:buFont typeface="Calibri" panose="020F0502020204030204" pitchFamily="34" charset="0"/>
+                <a:buChar char="+"/>
+              </a:pPr>
+              <a:r>
+                <a:rPr lang="en-US" sz="788">
+                  <a:solidFill>
+                    <a:schemeClr val="tx1"/>
+                  </a:solidFill>
+                  <a:latin typeface="Courier New" panose="02070309020205020404" pitchFamily="49" charset="0"/>
+                  <a:cs typeface="Courier New" panose="02070309020205020404" pitchFamily="49" charset="0"/>
+                </a:rPr>
+                <a:t>Shape(color:String, filled: boolean)</a:t>
+              </a:r>
+            </a:p>
+            <a:p>
+              <a:pPr indent="-80999">
+                <a:buFont typeface="Calibri" panose="020F0502020204030204" pitchFamily="34" charset="0"/>
+                <a:buChar char="+"/>
+              </a:pPr>
+              <a:r>
+                <a:rPr lang="en-US" sz="788">
+                  <a:solidFill>
+                    <a:schemeClr val="tx1"/>
+                  </a:solidFill>
+                  <a:latin typeface="Courier New" panose="02070309020205020404" pitchFamily="49" charset="0"/>
+                  <a:cs typeface="Courier New" panose="02070309020205020404" pitchFamily="49" charset="0"/>
+                </a:rPr>
+                <a:t>getColor(): String</a:t>
+              </a:r>
+            </a:p>
+            <a:p>
+              <a:pPr indent="-80999">
+                <a:buFont typeface="Calibri" panose="020F0502020204030204" pitchFamily="34" charset="0"/>
+                <a:buChar char="+"/>
+              </a:pPr>
+              <a:r>
+                <a:rPr lang="en-US" sz="788">
+                  <a:solidFill>
+                    <a:schemeClr val="tx1"/>
+                  </a:solidFill>
+                  <a:latin typeface="Courier New" panose="02070309020205020404" pitchFamily="49" charset="0"/>
+                  <a:cs typeface="Courier New" panose="02070309020205020404" pitchFamily="49" charset="0"/>
+                </a:rPr>
+                <a:t>setColor(color: String): void</a:t>
+              </a:r>
+            </a:p>
+            <a:p>
+              <a:pPr indent="-80999">
+                <a:buFont typeface="Calibri" panose="020F0502020204030204" pitchFamily="34" charset="0"/>
+                <a:buChar char="+"/>
+              </a:pPr>
+              <a:r>
+                <a:rPr lang="en-US" sz="788">
+                  <a:solidFill>
+                    <a:schemeClr val="tx1"/>
+                  </a:solidFill>
+                  <a:latin typeface="Courier New" panose="02070309020205020404" pitchFamily="49" charset="0"/>
+                  <a:cs typeface="Courier New" panose="02070309020205020404" pitchFamily="49" charset="0"/>
+                </a:rPr>
+                <a:t>isFilled(): String</a:t>
+              </a:r>
+            </a:p>
+            <a:p>
+              <a:pPr indent="-80999">
+                <a:buFont typeface="Calibri" panose="020F0502020204030204" pitchFamily="34" charset="0"/>
+                <a:buChar char="+"/>
+              </a:pPr>
+              <a:r>
+                <a:rPr lang="en-US" sz="788">
+                  <a:solidFill>
+                    <a:schemeClr val="tx1"/>
+                  </a:solidFill>
+                  <a:latin typeface="Courier New" panose="02070309020205020404" pitchFamily="49" charset="0"/>
+                  <a:cs typeface="Courier New" panose="02070309020205020404" pitchFamily="49" charset="0"/>
+                </a:rPr>
+                <a:t>setFilled(filled: boolean): void</a:t>
+              </a:r>
+            </a:p>
+            <a:p>
+              <a:pPr indent="-80999">
+                <a:buFont typeface="Calibri" panose="020F0502020204030204" pitchFamily="34" charset="0"/>
+                <a:buChar char="+"/>
+              </a:pPr>
+              <a:r>
+                <a:rPr lang="en-US" sz="788" b="1">
+                  <a:solidFill>
+                    <a:schemeClr val="tx1"/>
+                  </a:solidFill>
+                  <a:latin typeface="Courier New" panose="02070309020205020404" pitchFamily="49" charset="0"/>
+                  <a:cs typeface="Courier New" panose="02070309020205020404" pitchFamily="49" charset="0"/>
+                </a:rPr>
+                <a:t>toString(): String</a:t>
+              </a:r>
+            </a:p>
+          </p:txBody>
+        </p:sp>
+      </p:grpSp>
+      <p:grpSp>
+        <p:nvGrpSpPr>
+          <p:cNvPr id="8" name="Group 7">
+            <a:extLst>
+              <a:ext uri="{FF2B5EF4-FFF2-40B4-BE49-F238E27FC236}">
+                <a16:creationId xmlns:a16="http://schemas.microsoft.com/office/drawing/2014/main" id="{FFA95B1D-8A52-4D9E-B5EF-4AAE424C0AC3}"/>
+              </a:ext>
+            </a:extLst>
+          </p:cNvPr>
+          <p:cNvGrpSpPr/>
+          <p:nvPr/>
+        </p:nvGrpSpPr>
+        <p:grpSpPr>
+          <a:xfrm>
+            <a:off x="2099282" y="4654797"/>
+            <a:ext cx="2946084" cy="2279403"/>
+            <a:chOff x="1571045" y="484816"/>
+            <a:chExt cx="4191486" cy="4052277"/>
+          </a:xfrm>
+        </p:grpSpPr>
+        <p:sp>
+          <p:nvSpPr>
+            <p:cNvPr id="9" name="Rectangle 8">
+              <a:extLst>
+                <a:ext uri="{FF2B5EF4-FFF2-40B4-BE49-F238E27FC236}">
+                  <a16:creationId xmlns:a16="http://schemas.microsoft.com/office/drawing/2014/main" id="{B5FB2FEE-06DA-4DF8-B6D3-FC3B61641366}"/>
+                </a:ext>
+              </a:extLst>
+            </p:cNvPr>
+            <p:cNvSpPr/>
+            <p:nvPr/>
+          </p:nvSpPr>
+          <p:spPr>
+            <a:xfrm>
+              <a:off x="1571049" y="484816"/>
+              <a:ext cx="2681829" cy="472542"/>
+            </a:xfrm>
+            <a:prstGeom prst="rect">
+              <a:avLst/>
+            </a:prstGeom>
+            <a:ln/>
+          </p:spPr>
+          <p:style>
+            <a:lnRef idx="2">
+              <a:schemeClr val="dk1"/>
+            </a:lnRef>
+            <a:fillRef idx="1">
+              <a:schemeClr val="lt1"/>
+            </a:fillRef>
+            <a:effectRef idx="0">
+              <a:schemeClr val="dk1"/>
+            </a:effectRef>
+            <a:fontRef idx="minor">
+              <a:schemeClr val="dk1"/>
+            </a:fontRef>
+          </p:style>
+          <p:txBody>
+            <a:bodyPr rtlCol="0" anchor="ctr"/>
+            <a:lstStyle/>
+            <a:p>
+              <a:pPr algn="ctr"/>
+              <a:r>
+                <a:rPr lang="en-US" sz="1125" b="1"/>
+                <a:t>Triangle</a:t>
+              </a:r>
+            </a:p>
+          </p:txBody>
+        </p:sp>
+        <p:sp>
+          <p:nvSpPr>
+            <p:cNvPr id="10" name="Rectangle 9">
+              <a:extLst>
+                <a:ext uri="{FF2B5EF4-FFF2-40B4-BE49-F238E27FC236}">
+                  <a16:creationId xmlns:a16="http://schemas.microsoft.com/office/drawing/2014/main" id="{E6FD0229-77A7-46C4-80F7-DE18A1109AEE}"/>
+                </a:ext>
+              </a:extLst>
+            </p:cNvPr>
+            <p:cNvSpPr/>
+            <p:nvPr/>
+          </p:nvSpPr>
+          <p:spPr>
+            <a:xfrm>
+              <a:off x="1571045" y="957359"/>
+              <a:ext cx="2681830" cy="843304"/>
+            </a:xfrm>
+            <a:prstGeom prst="rect">
+              <a:avLst/>
+            </a:prstGeom>
+            <a:ln/>
+          </p:spPr>
+          <p:style>
+            <a:lnRef idx="2">
+              <a:schemeClr val="dk1"/>
+            </a:lnRef>
+            <a:fillRef idx="1">
+              <a:schemeClr val="lt1"/>
+            </a:fillRef>
+            <a:effectRef idx="0">
+              <a:schemeClr val="dk1"/>
+            </a:effectRef>
+            <a:fontRef idx="minor">
+              <a:schemeClr val="dk1"/>
+            </a:fontRef>
+          </p:style>
+          <p:txBody>
+            <a:bodyPr rtlCol="0" anchor="t"/>
+            <a:lstStyle/>
+            <a:p>
+              <a:pPr indent="-80999">
+                <a:buFont typeface="Calibri" panose="020F0502020204030204" pitchFamily="34" charset="0"/>
+                <a:buChar char="-"/>
+              </a:pPr>
+              <a:r>
+                <a:rPr lang="en-US" sz="788">
+                  <a:solidFill>
+                    <a:schemeClr val="tx1"/>
+                  </a:solidFill>
+                  <a:latin typeface="Courier New" panose="02070309020205020404" pitchFamily="49" charset="0"/>
+                  <a:cs typeface="Courier New" panose="02070309020205020404" pitchFamily="49" charset="0"/>
+                </a:rPr>
+                <a:t>side1: double = 1.0</a:t>
+              </a:r>
+            </a:p>
+            <a:p>
+              <a:pPr indent="-80999">
+                <a:buFont typeface="Calibri" panose="020F0502020204030204" pitchFamily="34" charset="0"/>
+                <a:buChar char="-"/>
+              </a:pPr>
+              <a:r>
+                <a:rPr lang="en-US" sz="788">
+                  <a:solidFill>
+                    <a:schemeClr val="tx1"/>
+                  </a:solidFill>
+                  <a:latin typeface="Courier New" panose="02070309020205020404" pitchFamily="49" charset="0"/>
+                  <a:cs typeface="Courier New" panose="02070309020205020404" pitchFamily="49" charset="0"/>
+                </a:rPr>
+                <a:t>side2: double = 1.0</a:t>
+              </a:r>
+            </a:p>
+            <a:p>
+              <a:pPr indent="-80999">
+                <a:buFont typeface="Calibri" panose="020F0502020204030204" pitchFamily="34" charset="0"/>
+                <a:buChar char="-"/>
+              </a:pPr>
+              <a:r>
+                <a:rPr lang="en-US" sz="788">
+                  <a:solidFill>
+                    <a:schemeClr val="tx1"/>
+                  </a:solidFill>
+                  <a:latin typeface="Courier New" panose="02070309020205020404" pitchFamily="49" charset="0"/>
+                  <a:cs typeface="Courier New" panose="02070309020205020404" pitchFamily="49" charset="0"/>
+                </a:rPr>
+                <a:t>side3: double = 1.0</a:t>
+              </a:r>
+            </a:p>
+          </p:txBody>
+        </p:sp>
+        <p:sp>
+          <p:nvSpPr>
+            <p:cNvPr id="11" name="Rectangle 10">
+              <a:extLst>
+                <a:ext uri="{FF2B5EF4-FFF2-40B4-BE49-F238E27FC236}">
+                  <a16:creationId xmlns:a16="http://schemas.microsoft.com/office/drawing/2014/main" id="{DD1A0101-B7E6-4CB3-8A71-B74ADF36F044}"/>
+                </a:ext>
+              </a:extLst>
+            </p:cNvPr>
+            <p:cNvSpPr/>
+            <p:nvPr/>
+          </p:nvSpPr>
+          <p:spPr>
+            <a:xfrm>
+              <a:off x="1571045" y="1800663"/>
+              <a:ext cx="4191486" cy="2736430"/>
+            </a:xfrm>
+            <a:prstGeom prst="rect">
+              <a:avLst/>
+            </a:prstGeom>
+            <a:ln/>
+          </p:spPr>
+          <p:style>
+            <a:lnRef idx="2">
+              <a:schemeClr val="dk1"/>
+            </a:lnRef>
+            <a:fillRef idx="1">
+              <a:schemeClr val="lt1"/>
+            </a:fillRef>
+            <a:effectRef idx="0">
+              <a:schemeClr val="dk1"/>
+            </a:effectRef>
+            <a:fontRef idx="minor">
+              <a:schemeClr val="dk1"/>
+            </a:fontRef>
+          </p:style>
+          <p:txBody>
+            <a:bodyPr rtlCol="0" anchor="t"/>
+            <a:lstStyle/>
+            <a:p>
+              <a:pPr indent="-80999">
+                <a:buFont typeface="Calibri" panose="020F0502020204030204" pitchFamily="34" charset="0"/>
+                <a:buChar char="+"/>
+              </a:pPr>
+              <a:r>
+                <a:rPr lang="en-US" sz="788">
+                  <a:solidFill>
+                    <a:schemeClr val="tx1"/>
+                  </a:solidFill>
+                  <a:latin typeface="Courier New" panose="02070309020205020404" pitchFamily="49" charset="0"/>
+                  <a:cs typeface="Courier New" panose="02070309020205020404" pitchFamily="49" charset="0"/>
+                </a:rPr>
+                <a:t>Triangle()</a:t>
+              </a:r>
+            </a:p>
+            <a:p>
+              <a:pPr indent="-80999">
+                <a:buFont typeface="Calibri" panose="020F0502020204030204" pitchFamily="34" charset="0"/>
+                <a:buChar char="+"/>
+              </a:pPr>
+              <a:r>
+                <a:rPr lang="en-US" sz="788">
+                  <a:solidFill>
+                    <a:schemeClr val="tx1"/>
+                  </a:solidFill>
+                  <a:latin typeface="Courier New" panose="02070309020205020404" pitchFamily="49" charset="0"/>
+                  <a:cs typeface="Courier New" panose="02070309020205020404" pitchFamily="49" charset="0"/>
+                </a:rPr>
+                <a:t>Rectangle(side1: double, side2: double, side3: double)</a:t>
+              </a:r>
+            </a:p>
+            <a:p>
+              <a:pPr indent="-80999">
+                <a:buFont typeface="Calibri" panose="020F0502020204030204" pitchFamily="34" charset="0"/>
+                <a:buChar char="+"/>
+              </a:pPr>
+              <a:r>
+                <a:rPr lang="en-US" sz="788">
+                  <a:solidFill>
+                    <a:schemeClr val="tx1"/>
+                  </a:solidFill>
+                  <a:latin typeface="Courier New" panose="02070309020205020404" pitchFamily="49" charset="0"/>
+                  <a:cs typeface="Courier New" panose="02070309020205020404" pitchFamily="49" charset="0"/>
+                </a:rPr>
+                <a:t>Rectangle(side1: double, side2: double,side3: double, color:String, filled: boolean)</a:t>
+              </a:r>
+            </a:p>
+            <a:p>
+              <a:pPr indent="-80999">
+                <a:buFont typeface="Calibri" panose="020F0502020204030204" pitchFamily="34" charset="0"/>
+                <a:buChar char="+"/>
+              </a:pPr>
+              <a:r>
+                <a:rPr lang="en-US" sz="788">
+                  <a:solidFill>
+                    <a:schemeClr val="tx1"/>
+                  </a:solidFill>
+                  <a:latin typeface="Courier New" panose="02070309020205020404" pitchFamily="49" charset="0"/>
+                  <a:cs typeface="Courier New" panose="02070309020205020404" pitchFamily="49" charset="0"/>
+                </a:rPr>
+                <a:t>getSides(): arr</a:t>
+              </a:r>
+            </a:p>
+            <a:p>
+              <a:pPr indent="-80999">
+                <a:buFont typeface="Calibri" panose="020F0502020204030204" pitchFamily="34" charset="0"/>
+                <a:buChar char="+"/>
+              </a:pPr>
+              <a:r>
+                <a:rPr lang="en-US" sz="788">
+                  <a:solidFill>
+                    <a:schemeClr val="tx1"/>
+                  </a:solidFill>
+                  <a:latin typeface="Courier New" panose="02070309020205020404" pitchFamily="49" charset="0"/>
+                  <a:cs typeface="Courier New" panose="02070309020205020404" pitchFamily="49" charset="0"/>
+                </a:rPr>
+                <a:t>setSides(side1: double, side2: double, side3: double): void</a:t>
+              </a:r>
+            </a:p>
+            <a:p>
+              <a:pPr indent="-80999">
+                <a:buFont typeface="Calibri" panose="020F0502020204030204" pitchFamily="34" charset="0"/>
+                <a:buChar char="+"/>
+              </a:pPr>
+              <a:r>
+                <a:rPr lang="en-US" sz="788">
+                  <a:solidFill>
+                    <a:schemeClr val="tx1"/>
+                  </a:solidFill>
+                  <a:latin typeface="Courier New" panose="02070309020205020404" pitchFamily="49" charset="0"/>
+                  <a:cs typeface="Courier New" panose="02070309020205020404" pitchFamily="49" charset="0"/>
+                </a:rPr>
+                <a:t>getArea(): double</a:t>
+              </a:r>
+            </a:p>
+            <a:p>
+              <a:pPr indent="-80999">
+                <a:buFont typeface="Calibri" panose="020F0502020204030204" pitchFamily="34" charset="0"/>
+                <a:buChar char="+"/>
+              </a:pPr>
+              <a:r>
+                <a:rPr lang="en-US" sz="788">
+                  <a:solidFill>
+                    <a:schemeClr val="tx1"/>
+                  </a:solidFill>
+                  <a:latin typeface="Courier New" panose="02070309020205020404" pitchFamily="49" charset="0"/>
+                  <a:cs typeface="Courier New" panose="02070309020205020404" pitchFamily="49" charset="0"/>
+                </a:rPr>
+                <a:t>getPerimeter(): double</a:t>
+              </a:r>
+            </a:p>
+            <a:p>
+              <a:pPr indent="-80999">
+                <a:buFont typeface="Calibri" panose="020F0502020204030204" pitchFamily="34" charset="0"/>
+                <a:buChar char="+"/>
+              </a:pPr>
+              <a:r>
+                <a:rPr lang="en-US" sz="788" b="1">
+                  <a:solidFill>
+                    <a:schemeClr val="tx1"/>
+                  </a:solidFill>
+                  <a:latin typeface="Courier New" panose="02070309020205020404" pitchFamily="49" charset="0"/>
+                  <a:cs typeface="Courier New" panose="02070309020205020404" pitchFamily="49" charset="0"/>
+                </a:rPr>
+                <a:t>toString(): String (@override)</a:t>
+              </a:r>
+            </a:p>
+          </p:txBody>
+        </p:sp>
+      </p:grpSp>
+      <p:cxnSp>
+        <p:nvCxnSpPr>
+          <p:cNvPr id="12" name="Connector: Elbow 11">
+            <a:extLst>
+              <a:ext uri="{FF2B5EF4-FFF2-40B4-BE49-F238E27FC236}">
+                <a16:creationId xmlns:a16="http://schemas.microsoft.com/office/drawing/2014/main" id="{768E6B9C-E9FE-4040-BA11-633E77893A88}"/>
+              </a:ext>
+            </a:extLst>
+          </p:cNvPr>
+          <p:cNvCxnSpPr>
+            <a:cxnSpLocks/>
+            <a:stCxn id="9" idx="0"/>
+            <a:endCxn id="7" idx="2"/>
+          </p:cNvCxnSpPr>
+          <p:nvPr/>
+        </p:nvCxnSpPr>
+        <p:spPr>
+          <a:xfrm rot="5400000" flipH="1" flipV="1">
+            <a:off x="2977385" y="4260256"/>
+            <a:ext cx="458935" cy="330149"/>
+          </a:xfrm>
+          <a:prstGeom prst="bentConnector3">
+            <a:avLst>
+              <a:gd name="adj1" fmla="val 50000"/>
+            </a:avLst>
+          </a:prstGeom>
+          <a:ln>
+            <a:tailEnd type="triangle" w="lg" len="lg"/>
+          </a:ln>
+        </p:spPr>
+        <p:style>
+          <a:lnRef idx="1">
+            <a:schemeClr val="accent1"/>
+          </a:lnRef>
+          <a:fillRef idx="0">
+            <a:schemeClr val="accent1"/>
+          </a:fillRef>
+          <a:effectRef idx="0">
+            <a:schemeClr val="accent1"/>
+          </a:effectRef>
+          <a:fontRef idx="minor">
+            <a:schemeClr val="tx1"/>
+          </a:fontRef>
+        </p:style>
+      </p:cxnSp>
+    </p:spTree>
+    <p:extLst>
+      <p:ext uri="{BB962C8B-B14F-4D97-AF65-F5344CB8AC3E}">
+        <p14:creationId xmlns:p14="http://schemas.microsoft.com/office/powerpoint/2010/main" val="606349823"/>
+      </p:ext>
+    </p:extLst>
+  </p:cSld>
+  <p:clrMapOvr>
+    <a:masterClrMapping/>
+  </p:clrMapOvr>
+</p:sld>
+</file>
+
 <file path=ppt/theme/theme1.xml><?xml version="1.0" encoding="utf-8"?>
 <a:theme xmlns:a="http://schemas.openxmlformats.org/drawingml/2006/main" name="Office Theme">
   <a:themeElements>

--- a/src/ss04_lop_doi_tuong_java/ve UML.pptx
+++ b/src/ss04_lop_doi_tuong_java/ve UML.pptx
@@ -8,6 +8,7 @@
     <p:sldId id="257" r:id="rId2"/>
     <p:sldId id="258" r:id="rId3"/>
     <p:sldId id="259" r:id="rId4"/>
+    <p:sldId id="260" r:id="rId5"/>
   </p:sldIdLst>
   <p:sldSz cx="6858000" cy="9906000" type="A4"/>
   <p:notesSz cx="6858000" cy="9144000"/>
@@ -245,7 +246,7 @@
           <a:p>
             <a:fld id="{304DB6B7-848F-4A9B-8BD5-23855C3D30D0}" type="datetimeFigureOut">
               <a:rPr lang="en-US" smtClean="0"/>
-              <a:t>10-Jul-23</a:t>
+              <a:t>11-Jul-23</a:t>
             </a:fld>
             <a:endParaRPr lang="en-US"/>
           </a:p>
@@ -415,7 +416,7 @@
           <a:p>
             <a:fld id="{304DB6B7-848F-4A9B-8BD5-23855C3D30D0}" type="datetimeFigureOut">
               <a:rPr lang="en-US" smtClean="0"/>
-              <a:t>10-Jul-23</a:t>
+              <a:t>11-Jul-23</a:t>
             </a:fld>
             <a:endParaRPr lang="en-US"/>
           </a:p>
@@ -595,7 +596,7 @@
           <a:p>
             <a:fld id="{304DB6B7-848F-4A9B-8BD5-23855C3D30D0}" type="datetimeFigureOut">
               <a:rPr lang="en-US" smtClean="0"/>
-              <a:t>10-Jul-23</a:t>
+              <a:t>11-Jul-23</a:t>
             </a:fld>
             <a:endParaRPr lang="en-US"/>
           </a:p>
@@ -765,7 +766,7 @@
           <a:p>
             <a:fld id="{304DB6B7-848F-4A9B-8BD5-23855C3D30D0}" type="datetimeFigureOut">
               <a:rPr lang="en-US" smtClean="0"/>
-              <a:t>10-Jul-23</a:t>
+              <a:t>11-Jul-23</a:t>
             </a:fld>
             <a:endParaRPr lang="en-US"/>
           </a:p>
@@ -1009,7 +1010,7 @@
           <a:p>
             <a:fld id="{304DB6B7-848F-4A9B-8BD5-23855C3D30D0}" type="datetimeFigureOut">
               <a:rPr lang="en-US" smtClean="0"/>
-              <a:t>10-Jul-23</a:t>
+              <a:t>11-Jul-23</a:t>
             </a:fld>
             <a:endParaRPr lang="en-US"/>
           </a:p>
@@ -1241,7 +1242,7 @@
           <a:p>
             <a:fld id="{304DB6B7-848F-4A9B-8BD5-23855C3D30D0}" type="datetimeFigureOut">
               <a:rPr lang="en-US" smtClean="0"/>
-              <a:t>10-Jul-23</a:t>
+              <a:t>11-Jul-23</a:t>
             </a:fld>
             <a:endParaRPr lang="en-US"/>
           </a:p>
@@ -1608,7 +1609,7 @@
           <a:p>
             <a:fld id="{304DB6B7-848F-4A9B-8BD5-23855C3D30D0}" type="datetimeFigureOut">
               <a:rPr lang="en-US" smtClean="0"/>
-              <a:t>10-Jul-23</a:t>
+              <a:t>11-Jul-23</a:t>
             </a:fld>
             <a:endParaRPr lang="en-US"/>
           </a:p>
@@ -1726,7 +1727,7 @@
           <a:p>
             <a:fld id="{304DB6B7-848F-4A9B-8BD5-23855C3D30D0}" type="datetimeFigureOut">
               <a:rPr lang="en-US" smtClean="0"/>
-              <a:t>10-Jul-23</a:t>
+              <a:t>11-Jul-23</a:t>
             </a:fld>
             <a:endParaRPr lang="en-US"/>
           </a:p>
@@ -1821,7 +1822,7 @@
           <a:p>
             <a:fld id="{304DB6B7-848F-4A9B-8BD5-23855C3D30D0}" type="datetimeFigureOut">
               <a:rPr lang="en-US" smtClean="0"/>
-              <a:t>10-Jul-23</a:t>
+              <a:t>11-Jul-23</a:t>
             </a:fld>
             <a:endParaRPr lang="en-US"/>
           </a:p>
@@ -2098,7 +2099,7 @@
           <a:p>
             <a:fld id="{304DB6B7-848F-4A9B-8BD5-23855C3D30D0}" type="datetimeFigureOut">
               <a:rPr lang="en-US" smtClean="0"/>
-              <a:t>10-Jul-23</a:t>
+              <a:t>11-Jul-23</a:t>
             </a:fld>
             <a:endParaRPr lang="en-US"/>
           </a:p>
@@ -2355,7 +2356,7 @@
           <a:p>
             <a:fld id="{304DB6B7-848F-4A9B-8BD5-23855C3D30D0}" type="datetimeFigureOut">
               <a:rPr lang="en-US" smtClean="0"/>
-              <a:t>10-Jul-23</a:t>
+              <a:t>11-Jul-23</a:t>
             </a:fld>
             <a:endParaRPr lang="en-US"/>
           </a:p>
@@ -2568,7 +2569,7 @@
           <a:p>
             <a:fld id="{304DB6B7-848F-4A9B-8BD5-23855C3D30D0}" type="datetimeFigureOut">
               <a:rPr lang="en-US" smtClean="0"/>
-              <a:t>10-Jul-23</a:t>
+              <a:t>11-Jul-23</a:t>
             </a:fld>
             <a:endParaRPr lang="en-US"/>
           </a:p>
@@ -5704,6 +5705,1589 @@
 </p:sld>
 </file>
 
+<file path=ppt/slides/slide4.xml><?xml version="1.0" encoding="utf-8"?>
+<p:sld xmlns:a="http://schemas.openxmlformats.org/drawingml/2006/main" xmlns:r="http://schemas.openxmlformats.org/officeDocument/2006/relationships" xmlns:p="http://schemas.openxmlformats.org/presentationml/2006/main">
+  <p:cSld>
+    <p:spTree>
+      <p:nvGrpSpPr>
+        <p:cNvPr id="1" name=""/>
+        <p:cNvGrpSpPr/>
+        <p:nvPr/>
+      </p:nvGrpSpPr>
+      <p:grpSpPr>
+        <a:xfrm>
+          <a:off x="0" y="0"/>
+          <a:ext cx="0" cy="0"/>
+          <a:chOff x="0" y="0"/>
+          <a:chExt cx="0" cy="0"/>
+        </a:xfrm>
+      </p:grpSpPr>
+      <p:grpSp>
+        <p:nvGrpSpPr>
+          <p:cNvPr id="4" name="Group 3">
+            <a:extLst>
+              <a:ext uri="{FF2B5EF4-FFF2-40B4-BE49-F238E27FC236}">
+                <a16:creationId xmlns:a16="http://schemas.microsoft.com/office/drawing/2014/main" id="{EDFA0216-CA1B-4797-AB66-C01187134CF6}"/>
+              </a:ext>
+            </a:extLst>
+          </p:cNvPr>
+          <p:cNvGrpSpPr/>
+          <p:nvPr/>
+        </p:nvGrpSpPr>
+        <p:grpSpPr>
+          <a:xfrm>
+            <a:off x="3843446" y="1327371"/>
+            <a:ext cx="1508533" cy="681148"/>
+            <a:chOff x="1571043" y="484816"/>
+            <a:chExt cx="2681835" cy="1210930"/>
+          </a:xfrm>
+        </p:grpSpPr>
+        <p:sp>
+          <p:nvSpPr>
+            <p:cNvPr id="5" name="Rectangle 4">
+              <a:extLst>
+                <a:ext uri="{FF2B5EF4-FFF2-40B4-BE49-F238E27FC236}">
+                  <a16:creationId xmlns:a16="http://schemas.microsoft.com/office/drawing/2014/main" id="{3A99F930-C761-432C-A178-DE87B75E8F00}"/>
+                </a:ext>
+              </a:extLst>
+            </p:cNvPr>
+            <p:cNvSpPr/>
+            <p:nvPr/>
+          </p:nvSpPr>
+          <p:spPr>
+            <a:xfrm>
+              <a:off x="1571048" y="484816"/>
+              <a:ext cx="2681830" cy="472542"/>
+            </a:xfrm>
+            <a:prstGeom prst="rect">
+              <a:avLst/>
+            </a:prstGeom>
+            <a:ln/>
+          </p:spPr>
+          <p:style>
+            <a:lnRef idx="2">
+              <a:schemeClr val="dk1"/>
+            </a:lnRef>
+            <a:fillRef idx="1">
+              <a:schemeClr val="lt1"/>
+            </a:fillRef>
+            <a:effectRef idx="0">
+              <a:schemeClr val="dk1"/>
+            </a:effectRef>
+            <a:fontRef idx="minor">
+              <a:schemeClr val="dk1"/>
+            </a:fontRef>
+          </p:style>
+          <p:txBody>
+            <a:bodyPr rtlCol="0" anchor="ctr"/>
+            <a:lstStyle/>
+            <a:p>
+              <a:pPr algn="ctr"/>
+              <a:r>
+                <a:rPr lang="en-US" sz="1125" b="1">
+                  <a:highlight>
+                    <a:srgbClr val="008000"/>
+                  </a:highlight>
+                </a:rPr>
+                <a:t>(A)</a:t>
+              </a:r>
+              <a:r>
+                <a:rPr lang="en-US" sz="1125" b="1" i="1"/>
+                <a:t> Animal</a:t>
+              </a:r>
+            </a:p>
+          </p:txBody>
+        </p:sp>
+        <p:sp>
+          <p:nvSpPr>
+            <p:cNvPr id="6" name="Rectangle 5">
+              <a:extLst>
+                <a:ext uri="{FF2B5EF4-FFF2-40B4-BE49-F238E27FC236}">
+                  <a16:creationId xmlns:a16="http://schemas.microsoft.com/office/drawing/2014/main" id="{F789F5A9-623B-4EED-9A59-F54985BAAEB0}"/>
+                </a:ext>
+              </a:extLst>
+            </p:cNvPr>
+            <p:cNvSpPr/>
+            <p:nvPr/>
+          </p:nvSpPr>
+          <p:spPr>
+            <a:xfrm>
+              <a:off x="1571045" y="957358"/>
+              <a:ext cx="2681831" cy="333092"/>
+            </a:xfrm>
+            <a:prstGeom prst="rect">
+              <a:avLst/>
+            </a:prstGeom>
+            <a:ln/>
+          </p:spPr>
+          <p:style>
+            <a:lnRef idx="2">
+              <a:schemeClr val="dk1"/>
+            </a:lnRef>
+            <a:fillRef idx="1">
+              <a:schemeClr val="lt1"/>
+            </a:fillRef>
+            <a:effectRef idx="0">
+              <a:schemeClr val="dk1"/>
+            </a:effectRef>
+            <a:fontRef idx="minor">
+              <a:schemeClr val="dk1"/>
+            </a:fontRef>
+          </p:style>
+          <p:txBody>
+            <a:bodyPr rtlCol="0" anchor="t"/>
+            <a:lstStyle/>
+            <a:p>
+              <a:pPr indent="-80999">
+                <a:buFont typeface="Calibri" panose="020F0502020204030204" pitchFamily="34" charset="0"/>
+                <a:buChar char="-"/>
+              </a:pPr>
+              <a:endParaRPr lang="en-US" sz="788" i="1">
+                <a:solidFill>
+                  <a:schemeClr val="tx1"/>
+                </a:solidFill>
+                <a:latin typeface="Courier New" panose="02070309020205020404" pitchFamily="49" charset="0"/>
+                <a:cs typeface="Courier New" panose="02070309020205020404" pitchFamily="49" charset="0"/>
+              </a:endParaRPr>
+            </a:p>
+          </p:txBody>
+        </p:sp>
+        <p:sp>
+          <p:nvSpPr>
+            <p:cNvPr id="7" name="Rectangle 6">
+              <a:extLst>
+                <a:ext uri="{FF2B5EF4-FFF2-40B4-BE49-F238E27FC236}">
+                  <a16:creationId xmlns:a16="http://schemas.microsoft.com/office/drawing/2014/main" id="{F161D36F-D2D6-4008-B7D0-AEC15255A1FC}"/>
+                </a:ext>
+              </a:extLst>
+            </p:cNvPr>
+            <p:cNvSpPr/>
+            <p:nvPr/>
+          </p:nvSpPr>
+          <p:spPr>
+            <a:xfrm>
+              <a:off x="1571043" y="1290450"/>
+              <a:ext cx="2681830" cy="405296"/>
+            </a:xfrm>
+            <a:prstGeom prst="rect">
+              <a:avLst/>
+            </a:prstGeom>
+            <a:ln/>
+          </p:spPr>
+          <p:style>
+            <a:lnRef idx="2">
+              <a:schemeClr val="dk1"/>
+            </a:lnRef>
+            <a:fillRef idx="1">
+              <a:schemeClr val="lt1"/>
+            </a:fillRef>
+            <a:effectRef idx="0">
+              <a:schemeClr val="dk1"/>
+            </a:effectRef>
+            <a:fontRef idx="minor">
+              <a:schemeClr val="dk1"/>
+            </a:fontRef>
+          </p:style>
+          <p:txBody>
+            <a:bodyPr rtlCol="0" anchor="t"/>
+            <a:lstStyle/>
+            <a:p>
+              <a:pPr marL="90451" indent="-171450">
+                <a:buFont typeface="Courier New" panose="02070309020205020404" pitchFamily="49" charset="0"/>
+                <a:buChar char="o"/>
+              </a:pPr>
+              <a:r>
+                <a:rPr lang="en-US" sz="788" b="1" i="1">
+                  <a:solidFill>
+                    <a:schemeClr val="tx1"/>
+                  </a:solidFill>
+                  <a:latin typeface="Courier New" panose="02070309020205020404" pitchFamily="49" charset="0"/>
+                  <a:cs typeface="Courier New" panose="02070309020205020404" pitchFamily="49" charset="0"/>
+                </a:rPr>
+                <a:t>makeSound(): String</a:t>
+              </a:r>
+            </a:p>
+          </p:txBody>
+        </p:sp>
+      </p:grpSp>
+      <p:grpSp>
+        <p:nvGrpSpPr>
+          <p:cNvPr id="8" name="Group 7">
+            <a:extLst>
+              <a:ext uri="{FF2B5EF4-FFF2-40B4-BE49-F238E27FC236}">
+                <a16:creationId xmlns:a16="http://schemas.microsoft.com/office/drawing/2014/main" id="{CED6C4FB-001E-4DD6-B689-2499CB6C0CE8}"/>
+              </a:ext>
+            </a:extLst>
+          </p:cNvPr>
+          <p:cNvGrpSpPr/>
+          <p:nvPr/>
+        </p:nvGrpSpPr>
+        <p:grpSpPr>
+          <a:xfrm>
+            <a:off x="4754163" y="2619983"/>
+            <a:ext cx="1009423" cy="681148"/>
+            <a:chOff x="1571043" y="484816"/>
+            <a:chExt cx="2681835" cy="1210930"/>
+          </a:xfrm>
+        </p:grpSpPr>
+        <p:sp>
+          <p:nvSpPr>
+            <p:cNvPr id="9" name="Rectangle 8">
+              <a:extLst>
+                <a:ext uri="{FF2B5EF4-FFF2-40B4-BE49-F238E27FC236}">
+                  <a16:creationId xmlns:a16="http://schemas.microsoft.com/office/drawing/2014/main" id="{C091035A-C292-4D37-BE92-64786732FAB5}"/>
+                </a:ext>
+              </a:extLst>
+            </p:cNvPr>
+            <p:cNvSpPr/>
+            <p:nvPr/>
+          </p:nvSpPr>
+          <p:spPr>
+            <a:xfrm>
+              <a:off x="1571048" y="484816"/>
+              <a:ext cx="2681830" cy="472542"/>
+            </a:xfrm>
+            <a:prstGeom prst="rect">
+              <a:avLst/>
+            </a:prstGeom>
+            <a:ln/>
+          </p:spPr>
+          <p:style>
+            <a:lnRef idx="2">
+              <a:schemeClr val="dk1"/>
+            </a:lnRef>
+            <a:fillRef idx="1">
+              <a:schemeClr val="lt1"/>
+            </a:fillRef>
+            <a:effectRef idx="0">
+              <a:schemeClr val="dk1"/>
+            </a:effectRef>
+            <a:fontRef idx="minor">
+              <a:schemeClr val="dk1"/>
+            </a:fontRef>
+          </p:style>
+          <p:txBody>
+            <a:bodyPr rtlCol="0" anchor="ctr"/>
+            <a:lstStyle/>
+            <a:p>
+              <a:pPr algn="ctr"/>
+              <a:r>
+                <a:rPr lang="en-US" sz="1125" b="1">
+                  <a:highlight>
+                    <a:srgbClr val="008000"/>
+                  </a:highlight>
+                </a:rPr>
+                <a:t>(C)</a:t>
+              </a:r>
+              <a:r>
+                <a:rPr lang="en-US" sz="1125" b="1" i="1"/>
+                <a:t> Tiger</a:t>
+              </a:r>
+            </a:p>
+          </p:txBody>
+        </p:sp>
+        <p:sp>
+          <p:nvSpPr>
+            <p:cNvPr id="10" name="Rectangle 9">
+              <a:extLst>
+                <a:ext uri="{FF2B5EF4-FFF2-40B4-BE49-F238E27FC236}">
+                  <a16:creationId xmlns:a16="http://schemas.microsoft.com/office/drawing/2014/main" id="{ECF583DC-D121-4A97-B8E4-174DDCA60C1C}"/>
+                </a:ext>
+              </a:extLst>
+            </p:cNvPr>
+            <p:cNvSpPr/>
+            <p:nvPr/>
+          </p:nvSpPr>
+          <p:spPr>
+            <a:xfrm>
+              <a:off x="1571045" y="957358"/>
+              <a:ext cx="2681831" cy="333092"/>
+            </a:xfrm>
+            <a:prstGeom prst="rect">
+              <a:avLst/>
+            </a:prstGeom>
+            <a:ln/>
+          </p:spPr>
+          <p:style>
+            <a:lnRef idx="2">
+              <a:schemeClr val="dk1"/>
+            </a:lnRef>
+            <a:fillRef idx="1">
+              <a:schemeClr val="lt1"/>
+            </a:fillRef>
+            <a:effectRef idx="0">
+              <a:schemeClr val="dk1"/>
+            </a:effectRef>
+            <a:fontRef idx="minor">
+              <a:schemeClr val="dk1"/>
+            </a:fontRef>
+          </p:style>
+          <p:txBody>
+            <a:bodyPr rtlCol="0" anchor="t"/>
+            <a:lstStyle/>
+            <a:p>
+              <a:pPr indent="-80999">
+                <a:buFont typeface="Calibri" panose="020F0502020204030204" pitchFamily="34" charset="0"/>
+                <a:buChar char="-"/>
+              </a:pPr>
+              <a:endParaRPr lang="en-US" sz="788" i="1">
+                <a:solidFill>
+                  <a:schemeClr val="tx1"/>
+                </a:solidFill>
+                <a:latin typeface="Courier New" panose="02070309020205020404" pitchFamily="49" charset="0"/>
+                <a:cs typeface="Courier New" panose="02070309020205020404" pitchFamily="49" charset="0"/>
+              </a:endParaRPr>
+            </a:p>
+          </p:txBody>
+        </p:sp>
+        <p:sp>
+          <p:nvSpPr>
+            <p:cNvPr id="11" name="Rectangle 10">
+              <a:extLst>
+                <a:ext uri="{FF2B5EF4-FFF2-40B4-BE49-F238E27FC236}">
+                  <a16:creationId xmlns:a16="http://schemas.microsoft.com/office/drawing/2014/main" id="{374F19DC-4BF5-4FBA-824B-F7EA2F321E32}"/>
+                </a:ext>
+              </a:extLst>
+            </p:cNvPr>
+            <p:cNvSpPr/>
+            <p:nvPr/>
+          </p:nvSpPr>
+          <p:spPr>
+            <a:xfrm>
+              <a:off x="1571043" y="1290450"/>
+              <a:ext cx="2681830" cy="405296"/>
+            </a:xfrm>
+            <a:prstGeom prst="rect">
+              <a:avLst/>
+            </a:prstGeom>
+            <a:ln/>
+          </p:spPr>
+          <p:style>
+            <a:lnRef idx="2">
+              <a:schemeClr val="dk1"/>
+            </a:lnRef>
+            <a:fillRef idx="1">
+              <a:schemeClr val="lt1"/>
+            </a:fillRef>
+            <a:effectRef idx="0">
+              <a:schemeClr val="dk1"/>
+            </a:effectRef>
+            <a:fontRef idx="minor">
+              <a:schemeClr val="dk1"/>
+            </a:fontRef>
+          </p:style>
+          <p:txBody>
+            <a:bodyPr rtlCol="0" anchor="t"/>
+            <a:lstStyle/>
+            <a:p>
+              <a:pPr marL="90451" indent="-171450">
+                <a:buFont typeface="Courier New" panose="02070309020205020404" pitchFamily="49" charset="0"/>
+                <a:buChar char="o"/>
+              </a:pPr>
+              <a:endParaRPr lang="en-US" sz="788" b="1" i="1">
+                <a:solidFill>
+                  <a:schemeClr val="tx1"/>
+                </a:solidFill>
+                <a:latin typeface="Courier New" panose="02070309020205020404" pitchFamily="49" charset="0"/>
+                <a:cs typeface="Courier New" panose="02070309020205020404" pitchFamily="49" charset="0"/>
+              </a:endParaRPr>
+            </a:p>
+          </p:txBody>
+        </p:sp>
+      </p:grpSp>
+      <p:grpSp>
+        <p:nvGrpSpPr>
+          <p:cNvPr id="12" name="Group 11">
+            <a:extLst>
+              <a:ext uri="{FF2B5EF4-FFF2-40B4-BE49-F238E27FC236}">
+                <a16:creationId xmlns:a16="http://schemas.microsoft.com/office/drawing/2014/main" id="{4B00231A-AD3D-4D20-95D0-6646FDC321A7}"/>
+              </a:ext>
+            </a:extLst>
+          </p:cNvPr>
+          <p:cNvGrpSpPr/>
+          <p:nvPr/>
+        </p:nvGrpSpPr>
+        <p:grpSpPr>
+          <a:xfrm>
+            <a:off x="3528291" y="2626581"/>
+            <a:ext cx="1009421" cy="681148"/>
+            <a:chOff x="1571043" y="484816"/>
+            <a:chExt cx="2681835" cy="1210930"/>
+          </a:xfrm>
+        </p:grpSpPr>
+        <p:sp>
+          <p:nvSpPr>
+            <p:cNvPr id="13" name="Rectangle 12">
+              <a:extLst>
+                <a:ext uri="{FF2B5EF4-FFF2-40B4-BE49-F238E27FC236}">
+                  <a16:creationId xmlns:a16="http://schemas.microsoft.com/office/drawing/2014/main" id="{FB7E8AA9-5258-4FCA-9C44-49FA687398A6}"/>
+                </a:ext>
+              </a:extLst>
+            </p:cNvPr>
+            <p:cNvSpPr/>
+            <p:nvPr/>
+          </p:nvSpPr>
+          <p:spPr>
+            <a:xfrm>
+              <a:off x="1571048" y="484816"/>
+              <a:ext cx="2681830" cy="472542"/>
+            </a:xfrm>
+            <a:prstGeom prst="rect">
+              <a:avLst/>
+            </a:prstGeom>
+            <a:ln/>
+          </p:spPr>
+          <p:style>
+            <a:lnRef idx="2">
+              <a:schemeClr val="dk1"/>
+            </a:lnRef>
+            <a:fillRef idx="1">
+              <a:schemeClr val="lt1"/>
+            </a:fillRef>
+            <a:effectRef idx="0">
+              <a:schemeClr val="dk1"/>
+            </a:effectRef>
+            <a:fontRef idx="minor">
+              <a:schemeClr val="dk1"/>
+            </a:fontRef>
+          </p:style>
+          <p:txBody>
+            <a:bodyPr rtlCol="0" anchor="ctr"/>
+            <a:lstStyle/>
+            <a:p>
+              <a:pPr algn="ctr"/>
+              <a:r>
+                <a:rPr lang="en-US" sz="1125" b="1">
+                  <a:highlight>
+                    <a:srgbClr val="008000"/>
+                  </a:highlight>
+                </a:rPr>
+                <a:t>(C)</a:t>
+              </a:r>
+              <a:r>
+                <a:rPr lang="en-US" sz="1125" b="1" i="1"/>
+                <a:t> Chicken</a:t>
+              </a:r>
+            </a:p>
+          </p:txBody>
+        </p:sp>
+        <p:sp>
+          <p:nvSpPr>
+            <p:cNvPr id="14" name="Rectangle 13">
+              <a:extLst>
+                <a:ext uri="{FF2B5EF4-FFF2-40B4-BE49-F238E27FC236}">
+                  <a16:creationId xmlns:a16="http://schemas.microsoft.com/office/drawing/2014/main" id="{C5E3848D-79AA-4C16-8E0F-552A7196F7B0}"/>
+                </a:ext>
+              </a:extLst>
+            </p:cNvPr>
+            <p:cNvSpPr/>
+            <p:nvPr/>
+          </p:nvSpPr>
+          <p:spPr>
+            <a:xfrm>
+              <a:off x="1571045" y="957358"/>
+              <a:ext cx="2681831" cy="333092"/>
+            </a:xfrm>
+            <a:prstGeom prst="rect">
+              <a:avLst/>
+            </a:prstGeom>
+            <a:ln/>
+          </p:spPr>
+          <p:style>
+            <a:lnRef idx="2">
+              <a:schemeClr val="dk1"/>
+            </a:lnRef>
+            <a:fillRef idx="1">
+              <a:schemeClr val="lt1"/>
+            </a:fillRef>
+            <a:effectRef idx="0">
+              <a:schemeClr val="dk1"/>
+            </a:effectRef>
+            <a:fontRef idx="minor">
+              <a:schemeClr val="dk1"/>
+            </a:fontRef>
+          </p:style>
+          <p:txBody>
+            <a:bodyPr rtlCol="0" anchor="t"/>
+            <a:lstStyle/>
+            <a:p>
+              <a:pPr indent="-80999">
+                <a:buFont typeface="Calibri" panose="020F0502020204030204" pitchFamily="34" charset="0"/>
+                <a:buChar char="-"/>
+              </a:pPr>
+              <a:endParaRPr lang="en-US" sz="788" i="1">
+                <a:solidFill>
+                  <a:schemeClr val="tx1"/>
+                </a:solidFill>
+                <a:latin typeface="Courier New" panose="02070309020205020404" pitchFamily="49" charset="0"/>
+                <a:cs typeface="Courier New" panose="02070309020205020404" pitchFamily="49" charset="0"/>
+              </a:endParaRPr>
+            </a:p>
+          </p:txBody>
+        </p:sp>
+        <p:sp>
+          <p:nvSpPr>
+            <p:cNvPr id="15" name="Rectangle 14">
+              <a:extLst>
+                <a:ext uri="{FF2B5EF4-FFF2-40B4-BE49-F238E27FC236}">
+                  <a16:creationId xmlns:a16="http://schemas.microsoft.com/office/drawing/2014/main" id="{2F55F3CA-B3B3-4E5E-9670-7C1DBA1E1649}"/>
+                </a:ext>
+              </a:extLst>
+            </p:cNvPr>
+            <p:cNvSpPr/>
+            <p:nvPr/>
+          </p:nvSpPr>
+          <p:spPr>
+            <a:xfrm>
+              <a:off x="1571043" y="1290450"/>
+              <a:ext cx="2681830" cy="405296"/>
+            </a:xfrm>
+            <a:prstGeom prst="rect">
+              <a:avLst/>
+            </a:prstGeom>
+            <a:ln/>
+          </p:spPr>
+          <p:style>
+            <a:lnRef idx="2">
+              <a:schemeClr val="dk1"/>
+            </a:lnRef>
+            <a:fillRef idx="1">
+              <a:schemeClr val="lt1"/>
+            </a:fillRef>
+            <a:effectRef idx="0">
+              <a:schemeClr val="dk1"/>
+            </a:effectRef>
+            <a:fontRef idx="minor">
+              <a:schemeClr val="dk1"/>
+            </a:fontRef>
+          </p:style>
+          <p:txBody>
+            <a:bodyPr rtlCol="0" anchor="t"/>
+            <a:lstStyle/>
+            <a:p>
+              <a:pPr marL="90451" indent="-171450">
+                <a:buFont typeface="Courier New" panose="02070309020205020404" pitchFamily="49" charset="0"/>
+                <a:buChar char="o"/>
+              </a:pPr>
+              <a:endParaRPr lang="en-US" sz="788" b="1" i="1">
+                <a:solidFill>
+                  <a:schemeClr val="tx1"/>
+                </a:solidFill>
+                <a:latin typeface="Courier New" panose="02070309020205020404" pitchFamily="49" charset="0"/>
+                <a:cs typeface="Courier New" panose="02070309020205020404" pitchFamily="49" charset="0"/>
+              </a:endParaRPr>
+            </a:p>
+          </p:txBody>
+        </p:sp>
+      </p:grpSp>
+      <p:grpSp>
+        <p:nvGrpSpPr>
+          <p:cNvPr id="16" name="Group 15">
+            <a:extLst>
+              <a:ext uri="{FF2B5EF4-FFF2-40B4-BE49-F238E27FC236}">
+                <a16:creationId xmlns:a16="http://schemas.microsoft.com/office/drawing/2014/main" id="{31B4FD75-81E9-498C-8570-B47713C0BEEC}"/>
+              </a:ext>
+            </a:extLst>
+          </p:cNvPr>
+          <p:cNvGrpSpPr/>
+          <p:nvPr/>
+        </p:nvGrpSpPr>
+        <p:grpSpPr>
+          <a:xfrm>
+            <a:off x="1664126" y="1327371"/>
+            <a:ext cx="1508533" cy="681148"/>
+            <a:chOff x="1571043" y="484816"/>
+            <a:chExt cx="2681835" cy="1210930"/>
+          </a:xfrm>
+        </p:grpSpPr>
+        <p:sp>
+          <p:nvSpPr>
+            <p:cNvPr id="17" name="Rectangle 16">
+              <a:extLst>
+                <a:ext uri="{FF2B5EF4-FFF2-40B4-BE49-F238E27FC236}">
+                  <a16:creationId xmlns:a16="http://schemas.microsoft.com/office/drawing/2014/main" id="{AB39986E-4C7C-4785-A5E2-6575EE73CCCA}"/>
+                </a:ext>
+              </a:extLst>
+            </p:cNvPr>
+            <p:cNvSpPr/>
+            <p:nvPr/>
+          </p:nvSpPr>
+          <p:spPr>
+            <a:xfrm>
+              <a:off x="1571048" y="484816"/>
+              <a:ext cx="2681830" cy="472542"/>
+            </a:xfrm>
+            <a:prstGeom prst="rect">
+              <a:avLst/>
+            </a:prstGeom>
+            <a:ln/>
+          </p:spPr>
+          <p:style>
+            <a:lnRef idx="2">
+              <a:schemeClr val="dk1"/>
+            </a:lnRef>
+            <a:fillRef idx="1">
+              <a:schemeClr val="lt1"/>
+            </a:fillRef>
+            <a:effectRef idx="0">
+              <a:schemeClr val="dk1"/>
+            </a:effectRef>
+            <a:fontRef idx="minor">
+              <a:schemeClr val="dk1"/>
+            </a:fontRef>
+          </p:style>
+          <p:txBody>
+            <a:bodyPr rtlCol="0" anchor="ctr"/>
+            <a:lstStyle/>
+            <a:p>
+              <a:pPr algn="ctr"/>
+              <a:r>
+                <a:rPr lang="en-US" sz="1125" b="1">
+                  <a:highlight>
+                    <a:srgbClr val="008000"/>
+                  </a:highlight>
+                </a:rPr>
+                <a:t>(I)</a:t>
+              </a:r>
+              <a:r>
+                <a:rPr lang="en-US" sz="1125" b="1" i="1"/>
+                <a:t> Edible</a:t>
+              </a:r>
+            </a:p>
+          </p:txBody>
+        </p:sp>
+        <p:sp>
+          <p:nvSpPr>
+            <p:cNvPr id="18" name="Rectangle 17">
+              <a:extLst>
+                <a:ext uri="{FF2B5EF4-FFF2-40B4-BE49-F238E27FC236}">
+                  <a16:creationId xmlns:a16="http://schemas.microsoft.com/office/drawing/2014/main" id="{55D67796-E189-4ABF-8B57-95B24C1B5844}"/>
+                </a:ext>
+              </a:extLst>
+            </p:cNvPr>
+            <p:cNvSpPr/>
+            <p:nvPr/>
+          </p:nvSpPr>
+          <p:spPr>
+            <a:xfrm>
+              <a:off x="1571045" y="957358"/>
+              <a:ext cx="2681831" cy="333092"/>
+            </a:xfrm>
+            <a:prstGeom prst="rect">
+              <a:avLst/>
+            </a:prstGeom>
+            <a:ln/>
+          </p:spPr>
+          <p:style>
+            <a:lnRef idx="2">
+              <a:schemeClr val="dk1"/>
+            </a:lnRef>
+            <a:fillRef idx="1">
+              <a:schemeClr val="lt1"/>
+            </a:fillRef>
+            <a:effectRef idx="0">
+              <a:schemeClr val="dk1"/>
+            </a:effectRef>
+            <a:fontRef idx="minor">
+              <a:schemeClr val="dk1"/>
+            </a:fontRef>
+          </p:style>
+          <p:txBody>
+            <a:bodyPr rtlCol="0" anchor="t"/>
+            <a:lstStyle/>
+            <a:p>
+              <a:pPr indent="-80999">
+                <a:buFont typeface="Calibri" panose="020F0502020204030204" pitchFamily="34" charset="0"/>
+                <a:buChar char="-"/>
+              </a:pPr>
+              <a:endParaRPr lang="en-US" sz="788" i="1">
+                <a:solidFill>
+                  <a:schemeClr val="tx1"/>
+                </a:solidFill>
+                <a:latin typeface="Courier New" panose="02070309020205020404" pitchFamily="49" charset="0"/>
+                <a:cs typeface="Courier New" panose="02070309020205020404" pitchFamily="49" charset="0"/>
+              </a:endParaRPr>
+            </a:p>
+          </p:txBody>
+        </p:sp>
+        <p:sp>
+          <p:nvSpPr>
+            <p:cNvPr id="19" name="Rectangle 18">
+              <a:extLst>
+                <a:ext uri="{FF2B5EF4-FFF2-40B4-BE49-F238E27FC236}">
+                  <a16:creationId xmlns:a16="http://schemas.microsoft.com/office/drawing/2014/main" id="{67B82056-7681-41F1-9840-9F49FFCD943F}"/>
+                </a:ext>
+              </a:extLst>
+            </p:cNvPr>
+            <p:cNvSpPr/>
+            <p:nvPr/>
+          </p:nvSpPr>
+          <p:spPr>
+            <a:xfrm>
+              <a:off x="1571043" y="1290450"/>
+              <a:ext cx="2681830" cy="405296"/>
+            </a:xfrm>
+            <a:prstGeom prst="rect">
+              <a:avLst/>
+            </a:prstGeom>
+            <a:ln/>
+          </p:spPr>
+          <p:style>
+            <a:lnRef idx="2">
+              <a:schemeClr val="dk1"/>
+            </a:lnRef>
+            <a:fillRef idx="1">
+              <a:schemeClr val="lt1"/>
+            </a:fillRef>
+            <a:effectRef idx="0">
+              <a:schemeClr val="dk1"/>
+            </a:effectRef>
+            <a:fontRef idx="minor">
+              <a:schemeClr val="dk1"/>
+            </a:fontRef>
+          </p:style>
+          <p:txBody>
+            <a:bodyPr rtlCol="0" anchor="t"/>
+            <a:lstStyle/>
+            <a:p>
+              <a:pPr marL="90451" indent="-171450">
+                <a:buFont typeface="Courier New" panose="02070309020205020404" pitchFamily="49" charset="0"/>
+                <a:buChar char="o"/>
+              </a:pPr>
+              <a:r>
+                <a:rPr lang="en-US" sz="788" b="1" i="1">
+                  <a:solidFill>
+                    <a:schemeClr val="tx1"/>
+                  </a:solidFill>
+                  <a:latin typeface="Courier New" panose="02070309020205020404" pitchFamily="49" charset="0"/>
+                  <a:cs typeface="Courier New" panose="02070309020205020404" pitchFamily="49" charset="0"/>
+                </a:rPr>
+                <a:t>howToEat(): String</a:t>
+              </a:r>
+            </a:p>
+          </p:txBody>
+        </p:sp>
+      </p:grpSp>
+      <p:grpSp>
+        <p:nvGrpSpPr>
+          <p:cNvPr id="20" name="Group 19">
+            <a:extLst>
+              <a:ext uri="{FF2B5EF4-FFF2-40B4-BE49-F238E27FC236}">
+                <a16:creationId xmlns:a16="http://schemas.microsoft.com/office/drawing/2014/main" id="{F69EEB0B-588F-40A6-84C3-EED2603C686F}"/>
+              </a:ext>
+            </a:extLst>
+          </p:cNvPr>
+          <p:cNvGrpSpPr/>
+          <p:nvPr/>
+        </p:nvGrpSpPr>
+        <p:grpSpPr>
+          <a:xfrm>
+            <a:off x="1656506" y="2631208"/>
+            <a:ext cx="1009423" cy="681148"/>
+            <a:chOff x="1571043" y="484816"/>
+            <a:chExt cx="2681835" cy="1210930"/>
+          </a:xfrm>
+        </p:grpSpPr>
+        <p:sp>
+          <p:nvSpPr>
+            <p:cNvPr id="21" name="Rectangle 20">
+              <a:extLst>
+                <a:ext uri="{FF2B5EF4-FFF2-40B4-BE49-F238E27FC236}">
+                  <a16:creationId xmlns:a16="http://schemas.microsoft.com/office/drawing/2014/main" id="{B11A9626-5CBB-4D12-9FFA-74A1C83217D6}"/>
+                </a:ext>
+              </a:extLst>
+            </p:cNvPr>
+            <p:cNvSpPr/>
+            <p:nvPr/>
+          </p:nvSpPr>
+          <p:spPr>
+            <a:xfrm>
+              <a:off x="1571048" y="484816"/>
+              <a:ext cx="2681830" cy="472542"/>
+            </a:xfrm>
+            <a:prstGeom prst="rect">
+              <a:avLst/>
+            </a:prstGeom>
+            <a:ln/>
+          </p:spPr>
+          <p:style>
+            <a:lnRef idx="2">
+              <a:schemeClr val="dk1"/>
+            </a:lnRef>
+            <a:fillRef idx="1">
+              <a:schemeClr val="lt1"/>
+            </a:fillRef>
+            <a:effectRef idx="0">
+              <a:schemeClr val="dk1"/>
+            </a:effectRef>
+            <a:fontRef idx="minor">
+              <a:schemeClr val="dk1"/>
+            </a:fontRef>
+          </p:style>
+          <p:txBody>
+            <a:bodyPr rtlCol="0" anchor="ctr"/>
+            <a:lstStyle/>
+            <a:p>
+              <a:pPr algn="ctr"/>
+              <a:r>
+                <a:rPr lang="en-US" sz="1125" b="1">
+                  <a:highlight>
+                    <a:srgbClr val="008000"/>
+                  </a:highlight>
+                </a:rPr>
+                <a:t>(A)</a:t>
+              </a:r>
+              <a:r>
+                <a:rPr lang="en-US" sz="1125" b="1" i="1"/>
+                <a:t> Fruit</a:t>
+              </a:r>
+            </a:p>
+          </p:txBody>
+        </p:sp>
+        <p:sp>
+          <p:nvSpPr>
+            <p:cNvPr id="22" name="Rectangle 21">
+              <a:extLst>
+                <a:ext uri="{FF2B5EF4-FFF2-40B4-BE49-F238E27FC236}">
+                  <a16:creationId xmlns:a16="http://schemas.microsoft.com/office/drawing/2014/main" id="{AA3E253D-DEBB-4193-94E4-E7534EA9F5C3}"/>
+                </a:ext>
+              </a:extLst>
+            </p:cNvPr>
+            <p:cNvSpPr/>
+            <p:nvPr/>
+          </p:nvSpPr>
+          <p:spPr>
+            <a:xfrm>
+              <a:off x="1571045" y="957358"/>
+              <a:ext cx="2681831" cy="333092"/>
+            </a:xfrm>
+            <a:prstGeom prst="rect">
+              <a:avLst/>
+            </a:prstGeom>
+            <a:ln/>
+          </p:spPr>
+          <p:style>
+            <a:lnRef idx="2">
+              <a:schemeClr val="dk1"/>
+            </a:lnRef>
+            <a:fillRef idx="1">
+              <a:schemeClr val="lt1"/>
+            </a:fillRef>
+            <a:effectRef idx="0">
+              <a:schemeClr val="dk1"/>
+            </a:effectRef>
+            <a:fontRef idx="minor">
+              <a:schemeClr val="dk1"/>
+            </a:fontRef>
+          </p:style>
+          <p:txBody>
+            <a:bodyPr rtlCol="0" anchor="t"/>
+            <a:lstStyle/>
+            <a:p>
+              <a:pPr indent="-80999">
+                <a:buFont typeface="Calibri" panose="020F0502020204030204" pitchFamily="34" charset="0"/>
+                <a:buChar char="-"/>
+              </a:pPr>
+              <a:endParaRPr lang="en-US" sz="788" i="1">
+                <a:solidFill>
+                  <a:schemeClr val="tx1"/>
+                </a:solidFill>
+                <a:latin typeface="Courier New" panose="02070309020205020404" pitchFamily="49" charset="0"/>
+                <a:cs typeface="Courier New" panose="02070309020205020404" pitchFamily="49" charset="0"/>
+              </a:endParaRPr>
+            </a:p>
+          </p:txBody>
+        </p:sp>
+        <p:sp>
+          <p:nvSpPr>
+            <p:cNvPr id="23" name="Rectangle 22">
+              <a:extLst>
+                <a:ext uri="{FF2B5EF4-FFF2-40B4-BE49-F238E27FC236}">
+                  <a16:creationId xmlns:a16="http://schemas.microsoft.com/office/drawing/2014/main" id="{EA524849-FD64-41EF-A954-68C59E7FAC40}"/>
+                </a:ext>
+              </a:extLst>
+            </p:cNvPr>
+            <p:cNvSpPr/>
+            <p:nvPr/>
+          </p:nvSpPr>
+          <p:spPr>
+            <a:xfrm>
+              <a:off x="1571043" y="1290450"/>
+              <a:ext cx="2681830" cy="405296"/>
+            </a:xfrm>
+            <a:prstGeom prst="rect">
+              <a:avLst/>
+            </a:prstGeom>
+            <a:ln/>
+          </p:spPr>
+          <p:style>
+            <a:lnRef idx="2">
+              <a:schemeClr val="dk1"/>
+            </a:lnRef>
+            <a:fillRef idx="1">
+              <a:schemeClr val="lt1"/>
+            </a:fillRef>
+            <a:effectRef idx="0">
+              <a:schemeClr val="dk1"/>
+            </a:effectRef>
+            <a:fontRef idx="minor">
+              <a:schemeClr val="dk1"/>
+            </a:fontRef>
+          </p:style>
+          <p:txBody>
+            <a:bodyPr rtlCol="0" anchor="t"/>
+            <a:lstStyle/>
+            <a:p>
+              <a:pPr marL="90451" indent="-171450">
+                <a:buFont typeface="Courier New" panose="02070309020205020404" pitchFamily="49" charset="0"/>
+                <a:buChar char="o"/>
+              </a:pPr>
+              <a:endParaRPr lang="en-US" sz="788" b="1" i="1">
+                <a:solidFill>
+                  <a:schemeClr val="tx1"/>
+                </a:solidFill>
+                <a:latin typeface="Courier New" panose="02070309020205020404" pitchFamily="49" charset="0"/>
+                <a:cs typeface="Courier New" panose="02070309020205020404" pitchFamily="49" charset="0"/>
+              </a:endParaRPr>
+            </a:p>
+          </p:txBody>
+        </p:sp>
+      </p:grpSp>
+      <p:grpSp>
+        <p:nvGrpSpPr>
+          <p:cNvPr id="24" name="Group 23">
+            <a:extLst>
+              <a:ext uri="{FF2B5EF4-FFF2-40B4-BE49-F238E27FC236}">
+                <a16:creationId xmlns:a16="http://schemas.microsoft.com/office/drawing/2014/main" id="{4267F2B2-401A-4716-A7E3-A4E189533385}"/>
+              </a:ext>
+            </a:extLst>
+          </p:cNvPr>
+          <p:cNvGrpSpPr/>
+          <p:nvPr/>
+        </p:nvGrpSpPr>
+        <p:grpSpPr>
+          <a:xfrm>
+            <a:off x="905936" y="3717601"/>
+            <a:ext cx="1009423" cy="681148"/>
+            <a:chOff x="1571043" y="484816"/>
+            <a:chExt cx="2681835" cy="1210930"/>
+          </a:xfrm>
+        </p:grpSpPr>
+        <p:sp>
+          <p:nvSpPr>
+            <p:cNvPr id="25" name="Rectangle 24">
+              <a:extLst>
+                <a:ext uri="{FF2B5EF4-FFF2-40B4-BE49-F238E27FC236}">
+                  <a16:creationId xmlns:a16="http://schemas.microsoft.com/office/drawing/2014/main" id="{7C7F7C07-3032-4645-AFBA-8CEFA32D42CE}"/>
+                </a:ext>
+              </a:extLst>
+            </p:cNvPr>
+            <p:cNvSpPr/>
+            <p:nvPr/>
+          </p:nvSpPr>
+          <p:spPr>
+            <a:xfrm>
+              <a:off x="1571048" y="484816"/>
+              <a:ext cx="2681830" cy="472542"/>
+            </a:xfrm>
+            <a:prstGeom prst="rect">
+              <a:avLst/>
+            </a:prstGeom>
+            <a:ln/>
+          </p:spPr>
+          <p:style>
+            <a:lnRef idx="2">
+              <a:schemeClr val="dk1"/>
+            </a:lnRef>
+            <a:fillRef idx="1">
+              <a:schemeClr val="lt1"/>
+            </a:fillRef>
+            <a:effectRef idx="0">
+              <a:schemeClr val="dk1"/>
+            </a:effectRef>
+            <a:fontRef idx="minor">
+              <a:schemeClr val="dk1"/>
+            </a:fontRef>
+          </p:style>
+          <p:txBody>
+            <a:bodyPr rtlCol="0" anchor="ctr"/>
+            <a:lstStyle/>
+            <a:p>
+              <a:pPr algn="ctr"/>
+              <a:r>
+                <a:rPr lang="en-US" sz="1125" b="1">
+                  <a:highlight>
+                    <a:srgbClr val="008000"/>
+                  </a:highlight>
+                </a:rPr>
+                <a:t>(C)</a:t>
+              </a:r>
+              <a:r>
+                <a:rPr lang="en-US" sz="1125" b="1" i="1"/>
+                <a:t> Orange</a:t>
+              </a:r>
+            </a:p>
+          </p:txBody>
+        </p:sp>
+        <p:sp>
+          <p:nvSpPr>
+            <p:cNvPr id="26" name="Rectangle 25">
+              <a:extLst>
+                <a:ext uri="{FF2B5EF4-FFF2-40B4-BE49-F238E27FC236}">
+                  <a16:creationId xmlns:a16="http://schemas.microsoft.com/office/drawing/2014/main" id="{A5CF3D4A-3ADD-48EB-A749-7D73D0C58F11}"/>
+                </a:ext>
+              </a:extLst>
+            </p:cNvPr>
+            <p:cNvSpPr/>
+            <p:nvPr/>
+          </p:nvSpPr>
+          <p:spPr>
+            <a:xfrm>
+              <a:off x="1571045" y="957358"/>
+              <a:ext cx="2681831" cy="333092"/>
+            </a:xfrm>
+            <a:prstGeom prst="rect">
+              <a:avLst/>
+            </a:prstGeom>
+            <a:ln/>
+          </p:spPr>
+          <p:style>
+            <a:lnRef idx="2">
+              <a:schemeClr val="dk1"/>
+            </a:lnRef>
+            <a:fillRef idx="1">
+              <a:schemeClr val="lt1"/>
+            </a:fillRef>
+            <a:effectRef idx="0">
+              <a:schemeClr val="dk1"/>
+            </a:effectRef>
+            <a:fontRef idx="minor">
+              <a:schemeClr val="dk1"/>
+            </a:fontRef>
+          </p:style>
+          <p:txBody>
+            <a:bodyPr rtlCol="0" anchor="t"/>
+            <a:lstStyle/>
+            <a:p>
+              <a:pPr indent="-80999">
+                <a:buFont typeface="Calibri" panose="020F0502020204030204" pitchFamily="34" charset="0"/>
+                <a:buChar char="-"/>
+              </a:pPr>
+              <a:endParaRPr lang="en-US" sz="788" i="1">
+                <a:solidFill>
+                  <a:schemeClr val="tx1"/>
+                </a:solidFill>
+                <a:latin typeface="Courier New" panose="02070309020205020404" pitchFamily="49" charset="0"/>
+                <a:cs typeface="Courier New" panose="02070309020205020404" pitchFamily="49" charset="0"/>
+              </a:endParaRPr>
+            </a:p>
+          </p:txBody>
+        </p:sp>
+        <p:sp>
+          <p:nvSpPr>
+            <p:cNvPr id="27" name="Rectangle 26">
+              <a:extLst>
+                <a:ext uri="{FF2B5EF4-FFF2-40B4-BE49-F238E27FC236}">
+                  <a16:creationId xmlns:a16="http://schemas.microsoft.com/office/drawing/2014/main" id="{FF1C05B4-EA3A-41F8-AE73-822123E19F42}"/>
+                </a:ext>
+              </a:extLst>
+            </p:cNvPr>
+            <p:cNvSpPr/>
+            <p:nvPr/>
+          </p:nvSpPr>
+          <p:spPr>
+            <a:xfrm>
+              <a:off x="1571043" y="1290450"/>
+              <a:ext cx="2681830" cy="405296"/>
+            </a:xfrm>
+            <a:prstGeom prst="rect">
+              <a:avLst/>
+            </a:prstGeom>
+            <a:ln/>
+          </p:spPr>
+          <p:style>
+            <a:lnRef idx="2">
+              <a:schemeClr val="dk1"/>
+            </a:lnRef>
+            <a:fillRef idx="1">
+              <a:schemeClr val="lt1"/>
+            </a:fillRef>
+            <a:effectRef idx="0">
+              <a:schemeClr val="dk1"/>
+            </a:effectRef>
+            <a:fontRef idx="minor">
+              <a:schemeClr val="dk1"/>
+            </a:fontRef>
+          </p:style>
+          <p:txBody>
+            <a:bodyPr rtlCol="0" anchor="t"/>
+            <a:lstStyle/>
+            <a:p>
+              <a:pPr marL="90451" indent="-171450">
+                <a:buFont typeface="Courier New" panose="02070309020205020404" pitchFamily="49" charset="0"/>
+                <a:buChar char="o"/>
+              </a:pPr>
+              <a:endParaRPr lang="en-US" sz="788" b="1" i="1">
+                <a:solidFill>
+                  <a:schemeClr val="tx1"/>
+                </a:solidFill>
+                <a:latin typeface="Courier New" panose="02070309020205020404" pitchFamily="49" charset="0"/>
+                <a:cs typeface="Courier New" panose="02070309020205020404" pitchFamily="49" charset="0"/>
+              </a:endParaRPr>
+            </a:p>
+          </p:txBody>
+        </p:sp>
+      </p:grpSp>
+      <p:grpSp>
+        <p:nvGrpSpPr>
+          <p:cNvPr id="28" name="Group 27">
+            <a:extLst>
+              <a:ext uri="{FF2B5EF4-FFF2-40B4-BE49-F238E27FC236}">
+                <a16:creationId xmlns:a16="http://schemas.microsoft.com/office/drawing/2014/main" id="{981814DA-0D50-4FAD-8131-1ABC5CC92A6A}"/>
+              </a:ext>
+            </a:extLst>
+          </p:cNvPr>
+          <p:cNvGrpSpPr/>
+          <p:nvPr/>
+        </p:nvGrpSpPr>
+        <p:grpSpPr>
+          <a:xfrm>
+            <a:off x="2083223" y="3717601"/>
+            <a:ext cx="1009421" cy="681148"/>
+            <a:chOff x="1571043" y="484816"/>
+            <a:chExt cx="2681835" cy="1210930"/>
+          </a:xfrm>
+        </p:grpSpPr>
+        <p:sp>
+          <p:nvSpPr>
+            <p:cNvPr id="29" name="Rectangle 28">
+              <a:extLst>
+                <a:ext uri="{FF2B5EF4-FFF2-40B4-BE49-F238E27FC236}">
+                  <a16:creationId xmlns:a16="http://schemas.microsoft.com/office/drawing/2014/main" id="{ABBEF3FB-E4B8-4159-B6A5-847CD1560D70}"/>
+                </a:ext>
+              </a:extLst>
+            </p:cNvPr>
+            <p:cNvSpPr/>
+            <p:nvPr/>
+          </p:nvSpPr>
+          <p:spPr>
+            <a:xfrm>
+              <a:off x="1571048" y="484816"/>
+              <a:ext cx="2681830" cy="472542"/>
+            </a:xfrm>
+            <a:prstGeom prst="rect">
+              <a:avLst/>
+            </a:prstGeom>
+            <a:ln/>
+          </p:spPr>
+          <p:style>
+            <a:lnRef idx="2">
+              <a:schemeClr val="dk1"/>
+            </a:lnRef>
+            <a:fillRef idx="1">
+              <a:schemeClr val="lt1"/>
+            </a:fillRef>
+            <a:effectRef idx="0">
+              <a:schemeClr val="dk1"/>
+            </a:effectRef>
+            <a:fontRef idx="minor">
+              <a:schemeClr val="dk1"/>
+            </a:fontRef>
+          </p:style>
+          <p:txBody>
+            <a:bodyPr rtlCol="0" anchor="ctr"/>
+            <a:lstStyle/>
+            <a:p>
+              <a:pPr algn="ctr"/>
+              <a:r>
+                <a:rPr lang="en-US" sz="1125" b="1">
+                  <a:highlight>
+                    <a:srgbClr val="008000"/>
+                  </a:highlight>
+                </a:rPr>
+                <a:t>(C)</a:t>
+              </a:r>
+              <a:r>
+                <a:rPr lang="en-US" sz="1125" b="1" i="1"/>
+                <a:t> Apple</a:t>
+              </a:r>
+            </a:p>
+          </p:txBody>
+        </p:sp>
+        <p:sp>
+          <p:nvSpPr>
+            <p:cNvPr id="30" name="Rectangle 29">
+              <a:extLst>
+                <a:ext uri="{FF2B5EF4-FFF2-40B4-BE49-F238E27FC236}">
+                  <a16:creationId xmlns:a16="http://schemas.microsoft.com/office/drawing/2014/main" id="{7A851DBE-7902-49DF-B101-D06211F5B994}"/>
+                </a:ext>
+              </a:extLst>
+            </p:cNvPr>
+            <p:cNvSpPr/>
+            <p:nvPr/>
+          </p:nvSpPr>
+          <p:spPr>
+            <a:xfrm>
+              <a:off x="1571045" y="957358"/>
+              <a:ext cx="2681831" cy="333092"/>
+            </a:xfrm>
+            <a:prstGeom prst="rect">
+              <a:avLst/>
+            </a:prstGeom>
+            <a:ln/>
+          </p:spPr>
+          <p:style>
+            <a:lnRef idx="2">
+              <a:schemeClr val="dk1"/>
+            </a:lnRef>
+            <a:fillRef idx="1">
+              <a:schemeClr val="lt1"/>
+            </a:fillRef>
+            <a:effectRef idx="0">
+              <a:schemeClr val="dk1"/>
+            </a:effectRef>
+            <a:fontRef idx="minor">
+              <a:schemeClr val="dk1"/>
+            </a:fontRef>
+          </p:style>
+          <p:txBody>
+            <a:bodyPr rtlCol="0" anchor="t"/>
+            <a:lstStyle/>
+            <a:p>
+              <a:pPr indent="-80999">
+                <a:buFont typeface="Calibri" panose="020F0502020204030204" pitchFamily="34" charset="0"/>
+                <a:buChar char="-"/>
+              </a:pPr>
+              <a:endParaRPr lang="en-US" sz="788" i="1">
+                <a:solidFill>
+                  <a:schemeClr val="tx1"/>
+                </a:solidFill>
+                <a:latin typeface="Courier New" panose="02070309020205020404" pitchFamily="49" charset="0"/>
+                <a:cs typeface="Courier New" panose="02070309020205020404" pitchFamily="49" charset="0"/>
+              </a:endParaRPr>
+            </a:p>
+          </p:txBody>
+        </p:sp>
+        <p:sp>
+          <p:nvSpPr>
+            <p:cNvPr id="31" name="Rectangle 30">
+              <a:extLst>
+                <a:ext uri="{FF2B5EF4-FFF2-40B4-BE49-F238E27FC236}">
+                  <a16:creationId xmlns:a16="http://schemas.microsoft.com/office/drawing/2014/main" id="{708F8161-6A83-495C-B2D7-AE45ACB5E1FC}"/>
+                </a:ext>
+              </a:extLst>
+            </p:cNvPr>
+            <p:cNvSpPr/>
+            <p:nvPr/>
+          </p:nvSpPr>
+          <p:spPr>
+            <a:xfrm>
+              <a:off x="1571043" y="1290450"/>
+              <a:ext cx="2681830" cy="405296"/>
+            </a:xfrm>
+            <a:prstGeom prst="rect">
+              <a:avLst/>
+            </a:prstGeom>
+            <a:ln/>
+          </p:spPr>
+          <p:style>
+            <a:lnRef idx="2">
+              <a:schemeClr val="dk1"/>
+            </a:lnRef>
+            <a:fillRef idx="1">
+              <a:schemeClr val="lt1"/>
+            </a:fillRef>
+            <a:effectRef idx="0">
+              <a:schemeClr val="dk1"/>
+            </a:effectRef>
+            <a:fontRef idx="minor">
+              <a:schemeClr val="dk1"/>
+            </a:fontRef>
+          </p:style>
+          <p:txBody>
+            <a:bodyPr rtlCol="0" anchor="t"/>
+            <a:lstStyle/>
+            <a:p>
+              <a:pPr marL="90451" indent="-171450">
+                <a:buFont typeface="Courier New" panose="02070309020205020404" pitchFamily="49" charset="0"/>
+                <a:buChar char="o"/>
+              </a:pPr>
+              <a:endParaRPr lang="en-US" sz="788" b="1" i="1">
+                <a:solidFill>
+                  <a:schemeClr val="tx1"/>
+                </a:solidFill>
+                <a:latin typeface="Courier New" panose="02070309020205020404" pitchFamily="49" charset="0"/>
+                <a:cs typeface="Courier New" panose="02070309020205020404" pitchFamily="49" charset="0"/>
+              </a:endParaRPr>
+            </a:p>
+          </p:txBody>
+        </p:sp>
+      </p:grpSp>
+      <p:cxnSp>
+        <p:nvCxnSpPr>
+          <p:cNvPr id="44" name="Straight Arrow Connector 43">
+            <a:extLst>
+              <a:ext uri="{FF2B5EF4-FFF2-40B4-BE49-F238E27FC236}">
+                <a16:creationId xmlns:a16="http://schemas.microsoft.com/office/drawing/2014/main" id="{2B89FAAF-0F80-4C01-B4FA-31354F241E78}"/>
+              </a:ext>
+            </a:extLst>
+          </p:cNvPr>
+          <p:cNvCxnSpPr>
+            <a:cxnSpLocks/>
+          </p:cNvCxnSpPr>
+          <p:nvPr/>
+        </p:nvCxnSpPr>
+        <p:spPr>
+          <a:xfrm flipV="1">
+            <a:off x="2004477" y="2012174"/>
+            <a:ext cx="168052" cy="619034"/>
+          </a:xfrm>
+          <a:prstGeom prst="straightConnector1">
+            <a:avLst/>
+          </a:prstGeom>
+          <a:ln>
+            <a:prstDash val="lgDash"/>
+            <a:tailEnd type="triangle" w="lg" len="lg"/>
+          </a:ln>
+        </p:spPr>
+        <p:style>
+          <a:lnRef idx="1">
+            <a:schemeClr val="accent1"/>
+          </a:lnRef>
+          <a:fillRef idx="0">
+            <a:schemeClr val="accent1"/>
+          </a:fillRef>
+          <a:effectRef idx="0">
+            <a:schemeClr val="accent1"/>
+          </a:effectRef>
+          <a:fontRef idx="minor">
+            <a:schemeClr val="tx1"/>
+          </a:fontRef>
+        </p:style>
+      </p:cxnSp>
+      <p:cxnSp>
+        <p:nvCxnSpPr>
+          <p:cNvPr id="45" name="Straight Arrow Connector 44">
+            <a:extLst>
+              <a:ext uri="{FF2B5EF4-FFF2-40B4-BE49-F238E27FC236}">
+                <a16:creationId xmlns:a16="http://schemas.microsoft.com/office/drawing/2014/main" id="{2B4D4C83-2F6F-4DF7-B6AF-DE11D8982E66}"/>
+              </a:ext>
+            </a:extLst>
+          </p:cNvPr>
+          <p:cNvCxnSpPr>
+            <a:cxnSpLocks/>
+            <a:endCxn id="19" idx="2"/>
+          </p:cNvCxnSpPr>
+          <p:nvPr/>
+        </p:nvCxnSpPr>
+        <p:spPr>
+          <a:xfrm flipH="1" flipV="1">
+            <a:off x="2418391" y="2008519"/>
+            <a:ext cx="1368749" cy="612071"/>
+          </a:xfrm>
+          <a:prstGeom prst="straightConnector1">
+            <a:avLst/>
+          </a:prstGeom>
+          <a:ln>
+            <a:prstDash val="lgDash"/>
+            <a:tailEnd type="triangle" w="lg" len="lg"/>
+          </a:ln>
+        </p:spPr>
+        <p:style>
+          <a:lnRef idx="1">
+            <a:schemeClr val="accent1"/>
+          </a:lnRef>
+          <a:fillRef idx="0">
+            <a:schemeClr val="accent1"/>
+          </a:fillRef>
+          <a:effectRef idx="0">
+            <a:schemeClr val="accent1"/>
+          </a:effectRef>
+          <a:fontRef idx="minor">
+            <a:schemeClr val="tx1"/>
+          </a:fontRef>
+        </p:style>
+      </p:cxnSp>
+      <p:cxnSp>
+        <p:nvCxnSpPr>
+          <p:cNvPr id="51" name="Straight Arrow Connector 50">
+            <a:extLst>
+              <a:ext uri="{FF2B5EF4-FFF2-40B4-BE49-F238E27FC236}">
+                <a16:creationId xmlns:a16="http://schemas.microsoft.com/office/drawing/2014/main" id="{933A47B0-D3B3-49C5-93E5-DF622AD86955}"/>
+              </a:ext>
+            </a:extLst>
+          </p:cNvPr>
+          <p:cNvCxnSpPr>
+            <a:cxnSpLocks/>
+            <a:stCxn id="25" idx="0"/>
+          </p:cNvCxnSpPr>
+          <p:nvPr/>
+        </p:nvCxnSpPr>
+        <p:spPr>
+          <a:xfrm flipV="1">
+            <a:off x="1410649" y="3307729"/>
+            <a:ext cx="593828" cy="409872"/>
+          </a:xfrm>
+          <a:prstGeom prst="straightConnector1">
+            <a:avLst/>
+          </a:prstGeom>
+          <a:ln>
+            <a:tailEnd type="triangle" w="lg" len="lg"/>
+          </a:ln>
+        </p:spPr>
+        <p:style>
+          <a:lnRef idx="1">
+            <a:schemeClr val="accent1"/>
+          </a:lnRef>
+          <a:fillRef idx="0">
+            <a:schemeClr val="accent1"/>
+          </a:fillRef>
+          <a:effectRef idx="0">
+            <a:schemeClr val="accent1"/>
+          </a:effectRef>
+          <a:fontRef idx="minor">
+            <a:schemeClr val="tx1"/>
+          </a:fontRef>
+        </p:style>
+      </p:cxnSp>
+      <p:cxnSp>
+        <p:nvCxnSpPr>
+          <p:cNvPr id="54" name="Straight Arrow Connector 53">
+            <a:extLst>
+              <a:ext uri="{FF2B5EF4-FFF2-40B4-BE49-F238E27FC236}">
+                <a16:creationId xmlns:a16="http://schemas.microsoft.com/office/drawing/2014/main" id="{95D5AA84-C294-42DA-BEBE-DAE48A29276A}"/>
+              </a:ext>
+            </a:extLst>
+          </p:cNvPr>
+          <p:cNvCxnSpPr>
+            <a:cxnSpLocks/>
+            <a:stCxn id="29" idx="0"/>
+          </p:cNvCxnSpPr>
+          <p:nvPr/>
+        </p:nvCxnSpPr>
+        <p:spPr>
+          <a:xfrm flipH="1" flipV="1">
+            <a:off x="2346961" y="3308649"/>
+            <a:ext cx="240974" cy="408952"/>
+          </a:xfrm>
+          <a:prstGeom prst="straightConnector1">
+            <a:avLst/>
+          </a:prstGeom>
+          <a:ln>
+            <a:tailEnd type="triangle" w="lg" len="lg"/>
+          </a:ln>
+        </p:spPr>
+        <p:style>
+          <a:lnRef idx="1">
+            <a:schemeClr val="accent1"/>
+          </a:lnRef>
+          <a:fillRef idx="0">
+            <a:schemeClr val="accent1"/>
+          </a:fillRef>
+          <a:effectRef idx="0">
+            <a:schemeClr val="accent1"/>
+          </a:effectRef>
+          <a:fontRef idx="minor">
+            <a:schemeClr val="tx1"/>
+          </a:fontRef>
+        </p:style>
+      </p:cxnSp>
+      <p:cxnSp>
+        <p:nvCxnSpPr>
+          <p:cNvPr id="57" name="Straight Arrow Connector 56">
+            <a:extLst>
+              <a:ext uri="{FF2B5EF4-FFF2-40B4-BE49-F238E27FC236}">
+                <a16:creationId xmlns:a16="http://schemas.microsoft.com/office/drawing/2014/main" id="{FCFA2BC5-5F01-4963-AC90-72B824300690}"/>
+              </a:ext>
+            </a:extLst>
+          </p:cNvPr>
+          <p:cNvCxnSpPr>
+            <a:cxnSpLocks/>
+            <a:stCxn id="9" idx="0"/>
+          </p:cNvCxnSpPr>
+          <p:nvPr/>
+        </p:nvCxnSpPr>
+        <p:spPr>
+          <a:xfrm flipH="1" flipV="1">
+            <a:off x="4838700" y="2020014"/>
+            <a:ext cx="420176" cy="599969"/>
+          </a:xfrm>
+          <a:prstGeom prst="straightConnector1">
+            <a:avLst/>
+          </a:prstGeom>
+          <a:ln>
+            <a:tailEnd type="triangle" w="lg" len="lg"/>
+          </a:ln>
+        </p:spPr>
+        <p:style>
+          <a:lnRef idx="1">
+            <a:schemeClr val="accent1"/>
+          </a:lnRef>
+          <a:fillRef idx="0">
+            <a:schemeClr val="accent1"/>
+          </a:fillRef>
+          <a:effectRef idx="0">
+            <a:schemeClr val="accent1"/>
+          </a:effectRef>
+          <a:fontRef idx="minor">
+            <a:schemeClr val="tx1"/>
+          </a:fontRef>
+        </p:style>
+      </p:cxnSp>
+      <p:cxnSp>
+        <p:nvCxnSpPr>
+          <p:cNvPr id="59" name="Straight Arrow Connector 58">
+            <a:extLst>
+              <a:ext uri="{FF2B5EF4-FFF2-40B4-BE49-F238E27FC236}">
+                <a16:creationId xmlns:a16="http://schemas.microsoft.com/office/drawing/2014/main" id="{AC08742B-6DF7-486D-8124-3383730F5CEC}"/>
+              </a:ext>
+            </a:extLst>
+          </p:cNvPr>
+          <p:cNvCxnSpPr>
+            <a:cxnSpLocks/>
+          </p:cNvCxnSpPr>
+          <p:nvPr/>
+        </p:nvCxnSpPr>
+        <p:spPr>
+          <a:xfrm flipV="1">
+            <a:off x="4104816" y="2001921"/>
+            <a:ext cx="353112" cy="618062"/>
+          </a:xfrm>
+          <a:prstGeom prst="straightConnector1">
+            <a:avLst/>
+          </a:prstGeom>
+          <a:ln>
+            <a:tailEnd type="triangle" w="lg" len="lg"/>
+          </a:ln>
+        </p:spPr>
+        <p:style>
+          <a:lnRef idx="1">
+            <a:schemeClr val="accent1"/>
+          </a:lnRef>
+          <a:fillRef idx="0">
+            <a:schemeClr val="accent1"/>
+          </a:fillRef>
+          <a:effectRef idx="0">
+            <a:schemeClr val="accent1"/>
+          </a:effectRef>
+          <a:fontRef idx="minor">
+            <a:schemeClr val="tx1"/>
+          </a:fontRef>
+        </p:style>
+      </p:cxnSp>
+    </p:spTree>
+    <p:extLst>
+      <p:ext uri="{BB962C8B-B14F-4D97-AF65-F5344CB8AC3E}">
+        <p14:creationId xmlns:p14="http://schemas.microsoft.com/office/powerpoint/2010/main" val="629321923"/>
+      </p:ext>
+    </p:extLst>
+  </p:cSld>
+  <p:clrMapOvr>
+    <a:masterClrMapping/>
+  </p:clrMapOvr>
+</p:sld>
+</file>
+
 <file path=ppt/theme/theme1.xml><?xml version="1.0" encoding="utf-8"?>
 <a:theme xmlns:a="http://schemas.openxmlformats.org/drawingml/2006/main" name="Office Theme">
   <a:themeElements>

--- a/src/ss04_lop_doi_tuong_java/ve UML.pptx
+++ b/src/ss04_lop_doi_tuong_java/ve UML.pptx
@@ -2,15 +2,16 @@
 <file path=ppt/presentation.xml><?xml version="1.0" encoding="utf-8"?>
 <p:presentation xmlns:a="http://schemas.openxmlformats.org/drawingml/2006/main" xmlns:r="http://schemas.openxmlformats.org/officeDocument/2006/relationships" xmlns:p="http://schemas.openxmlformats.org/presentationml/2006/main" saveSubsetFonts="1">
   <p:sldMasterIdLst>
-    <p:sldMasterId id="2147483672" r:id="rId1"/>
+    <p:sldMasterId id="2147483684" r:id="rId1"/>
   </p:sldMasterIdLst>
   <p:sldIdLst>
     <p:sldId id="257" r:id="rId2"/>
     <p:sldId id="258" r:id="rId3"/>
     <p:sldId id="259" r:id="rId4"/>
     <p:sldId id="260" r:id="rId5"/>
+    <p:sldId id="261" r:id="rId6"/>
   </p:sldIdLst>
-  <p:sldSz cx="6858000" cy="9906000" type="A4"/>
+  <p:sldSz cx="9906000" cy="6858000" type="A4"/>
   <p:notesSz cx="6858000" cy="9144000"/>
   <p:defaultTextStyle>
     <a:defPPr>
@@ -144,15 +145,15 @@
         </p:nvSpPr>
         <p:spPr>
           <a:xfrm>
-            <a:off x="514350" y="1621191"/>
-            <a:ext cx="5829300" cy="3448756"/>
+            <a:off x="742950" y="1122363"/>
+            <a:ext cx="8420100" cy="2387600"/>
           </a:xfrm>
         </p:spPr>
         <p:txBody>
           <a:bodyPr anchor="b"/>
           <a:lstStyle>
             <a:lvl1pPr algn="ctr">
-              <a:defRPr sz="4500"/>
+              <a:defRPr sz="6000"/>
             </a:lvl1pPr>
           </a:lstStyle>
           <a:p>
@@ -176,8 +177,8 @@
         </p:nvSpPr>
         <p:spPr>
           <a:xfrm>
-            <a:off x="857250" y="5202944"/>
-            <a:ext cx="5143500" cy="2391656"/>
+            <a:off x="1238250" y="3602038"/>
+            <a:ext cx="7429500" cy="1655762"/>
           </a:xfrm>
         </p:spPr>
         <p:txBody>
@@ -185,39 +186,39 @@
           <a:lstStyle>
             <a:lvl1pPr marL="0" indent="0" algn="ctr">
               <a:buNone/>
+              <a:defRPr sz="2400"/>
+            </a:lvl1pPr>
+            <a:lvl2pPr marL="457200" indent="0" algn="ctr">
+              <a:buNone/>
+              <a:defRPr sz="2000"/>
+            </a:lvl2pPr>
+            <a:lvl3pPr marL="914400" indent="0" algn="ctr">
+              <a:buNone/>
               <a:defRPr sz="1800"/>
-            </a:lvl1pPr>
-            <a:lvl2pPr marL="342900" indent="0" algn="ctr">
+            </a:lvl3pPr>
+            <a:lvl4pPr marL="1371600" indent="0" algn="ctr">
               <a:buNone/>
-              <a:defRPr sz="1500"/>
-            </a:lvl2pPr>
-            <a:lvl3pPr marL="685800" indent="0" algn="ctr">
+              <a:defRPr sz="1600"/>
+            </a:lvl4pPr>
+            <a:lvl5pPr marL="1828800" indent="0" algn="ctr">
               <a:buNone/>
-              <a:defRPr sz="1350"/>
-            </a:lvl3pPr>
-            <a:lvl4pPr marL="1028700" indent="0" algn="ctr">
+              <a:defRPr sz="1600"/>
+            </a:lvl5pPr>
+            <a:lvl6pPr marL="2286000" indent="0" algn="ctr">
               <a:buNone/>
-              <a:defRPr sz="1200"/>
-            </a:lvl4pPr>
-            <a:lvl5pPr marL="1371600" indent="0" algn="ctr">
+              <a:defRPr sz="1600"/>
+            </a:lvl6pPr>
+            <a:lvl7pPr marL="2743200" indent="0" algn="ctr">
               <a:buNone/>
-              <a:defRPr sz="1200"/>
-            </a:lvl5pPr>
-            <a:lvl6pPr marL="1714500" indent="0" algn="ctr">
+              <a:defRPr sz="1600"/>
+            </a:lvl7pPr>
+            <a:lvl8pPr marL="3200400" indent="0" algn="ctr">
               <a:buNone/>
-              <a:defRPr sz="1200"/>
-            </a:lvl6pPr>
-            <a:lvl7pPr marL="2057400" indent="0" algn="ctr">
+              <a:defRPr sz="1600"/>
+            </a:lvl8pPr>
+            <a:lvl9pPr marL="3657600" indent="0" algn="ctr">
               <a:buNone/>
-              <a:defRPr sz="1200"/>
-            </a:lvl7pPr>
-            <a:lvl8pPr marL="2400300" indent="0" algn="ctr">
-              <a:buNone/>
-              <a:defRPr sz="1200"/>
-            </a:lvl8pPr>
-            <a:lvl9pPr marL="2743200" indent="0" algn="ctr">
-              <a:buNone/>
-              <a:defRPr sz="1200"/>
+              <a:defRPr sz="1600"/>
             </a:lvl9pPr>
           </a:lstStyle>
           <a:p>
@@ -246,7 +247,7 @@
           <a:p>
             <a:fld id="{304DB6B7-848F-4A9B-8BD5-23855C3D30D0}" type="datetimeFigureOut">
               <a:rPr lang="en-US" smtClean="0"/>
-              <a:t>11-Jul-23</a:t>
+              <a:t>12-Jul-23</a:t>
             </a:fld>
             <a:endParaRPr lang="en-US"/>
           </a:p>
@@ -297,7 +298,7 @@
     </p:spTree>
     <p:extLst>
       <p:ext uri="{BB962C8B-B14F-4D97-AF65-F5344CB8AC3E}">
-        <p14:creationId xmlns:p14="http://schemas.microsoft.com/office/powerpoint/2010/main" val="2843507939"/>
+        <p14:creationId xmlns:p14="http://schemas.microsoft.com/office/powerpoint/2010/main" val="1663180109"/>
       </p:ext>
     </p:extLst>
   </p:cSld>
@@ -416,7 +417,7 @@
           <a:p>
             <a:fld id="{304DB6B7-848F-4A9B-8BD5-23855C3D30D0}" type="datetimeFigureOut">
               <a:rPr lang="en-US" smtClean="0"/>
-              <a:t>11-Jul-23</a:t>
+              <a:t>12-Jul-23</a:t>
             </a:fld>
             <a:endParaRPr lang="en-US"/>
           </a:p>
@@ -467,7 +468,7 @@
     </p:spTree>
     <p:extLst>
       <p:ext uri="{BB962C8B-B14F-4D97-AF65-F5344CB8AC3E}">
-        <p14:creationId xmlns:p14="http://schemas.microsoft.com/office/powerpoint/2010/main" val="2777605879"/>
+        <p14:creationId xmlns:p14="http://schemas.microsoft.com/office/powerpoint/2010/main" val="1684382989"/>
       </p:ext>
     </p:extLst>
   </p:cSld>
@@ -506,8 +507,8 @@
         </p:nvSpPr>
         <p:spPr>
           <a:xfrm>
-            <a:off x="4907757" y="527403"/>
-            <a:ext cx="1478756" cy="8394877"/>
+            <a:off x="7088982" y="365125"/>
+            <a:ext cx="2135981" cy="5811838"/>
           </a:xfrm>
         </p:spPr>
         <p:txBody>
@@ -534,8 +535,8 @@
         </p:nvSpPr>
         <p:spPr>
           <a:xfrm>
-            <a:off x="471488" y="527403"/>
-            <a:ext cx="4350544" cy="8394877"/>
+            <a:off x="681038" y="365125"/>
+            <a:ext cx="6284119" cy="5811838"/>
           </a:xfrm>
         </p:spPr>
         <p:txBody>
@@ -596,7 +597,7 @@
           <a:p>
             <a:fld id="{304DB6B7-848F-4A9B-8BD5-23855C3D30D0}" type="datetimeFigureOut">
               <a:rPr lang="en-US" smtClean="0"/>
-              <a:t>11-Jul-23</a:t>
+              <a:t>12-Jul-23</a:t>
             </a:fld>
             <a:endParaRPr lang="en-US"/>
           </a:p>
@@ -647,7 +648,7 @@
     </p:spTree>
     <p:extLst>
       <p:ext uri="{BB962C8B-B14F-4D97-AF65-F5344CB8AC3E}">
-        <p14:creationId xmlns:p14="http://schemas.microsoft.com/office/powerpoint/2010/main" val="1321499064"/>
+        <p14:creationId xmlns:p14="http://schemas.microsoft.com/office/powerpoint/2010/main" val="1434279234"/>
       </p:ext>
     </p:extLst>
   </p:cSld>
@@ -766,7 +767,7 @@
           <a:p>
             <a:fld id="{304DB6B7-848F-4A9B-8BD5-23855C3D30D0}" type="datetimeFigureOut">
               <a:rPr lang="en-US" smtClean="0"/>
-              <a:t>11-Jul-23</a:t>
+              <a:t>12-Jul-23</a:t>
             </a:fld>
             <a:endParaRPr lang="en-US"/>
           </a:p>
@@ -817,7 +818,7 @@
     </p:spTree>
     <p:extLst>
       <p:ext uri="{BB962C8B-B14F-4D97-AF65-F5344CB8AC3E}">
-        <p14:creationId xmlns:p14="http://schemas.microsoft.com/office/powerpoint/2010/main" val="1523527662"/>
+        <p14:creationId xmlns:p14="http://schemas.microsoft.com/office/powerpoint/2010/main" val="129831588"/>
       </p:ext>
     </p:extLst>
   </p:cSld>
@@ -856,15 +857,15 @@
         </p:nvSpPr>
         <p:spPr>
           <a:xfrm>
-            <a:off x="467916" y="2469624"/>
-            <a:ext cx="5915025" cy="4120620"/>
+            <a:off x="675879" y="1709740"/>
+            <a:ext cx="8543925" cy="2852737"/>
           </a:xfrm>
         </p:spPr>
         <p:txBody>
           <a:bodyPr anchor="b"/>
           <a:lstStyle>
             <a:lvl1pPr>
-              <a:defRPr sz="4500"/>
+              <a:defRPr sz="6000"/>
             </a:lvl1pPr>
           </a:lstStyle>
           <a:p>
@@ -888,8 +889,8 @@
         </p:nvSpPr>
         <p:spPr>
           <a:xfrm>
-            <a:off x="467916" y="6629226"/>
-            <a:ext cx="5915025" cy="2166937"/>
+            <a:off x="675879" y="4589465"/>
+            <a:ext cx="8543925" cy="1500187"/>
           </a:xfrm>
         </p:spPr>
         <p:txBody>
@@ -897,15 +898,15 @@
           <a:lstStyle>
             <a:lvl1pPr marL="0" indent="0">
               <a:buNone/>
-              <a:defRPr sz="1800">
+              <a:defRPr sz="2400">
                 <a:solidFill>
                   <a:schemeClr val="tx1"/>
                 </a:solidFill>
               </a:defRPr>
             </a:lvl1pPr>
-            <a:lvl2pPr marL="342900" indent="0">
+            <a:lvl2pPr marL="457200" indent="0">
               <a:buNone/>
-              <a:defRPr sz="1500">
+              <a:defRPr sz="2000">
                 <a:solidFill>
                   <a:schemeClr val="tx1">
                     <a:tint val="75000"/>
@@ -913,9 +914,9 @@
                 </a:solidFill>
               </a:defRPr>
             </a:lvl2pPr>
-            <a:lvl3pPr marL="685800" indent="0">
+            <a:lvl3pPr marL="914400" indent="0">
               <a:buNone/>
-              <a:defRPr sz="1350">
+              <a:defRPr sz="1800">
                 <a:solidFill>
                   <a:schemeClr val="tx1">
                     <a:tint val="75000"/>
@@ -923,9 +924,9 @@
                 </a:solidFill>
               </a:defRPr>
             </a:lvl3pPr>
-            <a:lvl4pPr marL="1028700" indent="0">
+            <a:lvl4pPr marL="1371600" indent="0">
               <a:buNone/>
-              <a:defRPr sz="1200">
+              <a:defRPr sz="1600">
                 <a:solidFill>
                   <a:schemeClr val="tx1">
                     <a:tint val="75000"/>
@@ -933,9 +934,9 @@
                 </a:solidFill>
               </a:defRPr>
             </a:lvl4pPr>
-            <a:lvl5pPr marL="1371600" indent="0">
+            <a:lvl5pPr marL="1828800" indent="0">
               <a:buNone/>
-              <a:defRPr sz="1200">
+              <a:defRPr sz="1600">
                 <a:solidFill>
                   <a:schemeClr val="tx1">
                     <a:tint val="75000"/>
@@ -943,9 +944,9 @@
                 </a:solidFill>
               </a:defRPr>
             </a:lvl5pPr>
-            <a:lvl6pPr marL="1714500" indent="0">
+            <a:lvl6pPr marL="2286000" indent="0">
               <a:buNone/>
-              <a:defRPr sz="1200">
+              <a:defRPr sz="1600">
                 <a:solidFill>
                   <a:schemeClr val="tx1">
                     <a:tint val="75000"/>
@@ -953,9 +954,9 @@
                 </a:solidFill>
               </a:defRPr>
             </a:lvl6pPr>
-            <a:lvl7pPr marL="2057400" indent="0">
+            <a:lvl7pPr marL="2743200" indent="0">
               <a:buNone/>
-              <a:defRPr sz="1200">
+              <a:defRPr sz="1600">
                 <a:solidFill>
                   <a:schemeClr val="tx1">
                     <a:tint val="75000"/>
@@ -963,9 +964,9 @@
                 </a:solidFill>
               </a:defRPr>
             </a:lvl7pPr>
-            <a:lvl8pPr marL="2400300" indent="0">
+            <a:lvl8pPr marL="3200400" indent="0">
               <a:buNone/>
-              <a:defRPr sz="1200">
+              <a:defRPr sz="1600">
                 <a:solidFill>
                   <a:schemeClr val="tx1">
                     <a:tint val="75000"/>
@@ -973,9 +974,9 @@
                 </a:solidFill>
               </a:defRPr>
             </a:lvl8pPr>
-            <a:lvl9pPr marL="2743200" indent="0">
+            <a:lvl9pPr marL="3657600" indent="0">
               <a:buNone/>
-              <a:defRPr sz="1200">
+              <a:defRPr sz="1600">
                 <a:solidFill>
                   <a:schemeClr val="tx1">
                     <a:tint val="75000"/>
@@ -1010,7 +1011,7 @@
           <a:p>
             <a:fld id="{304DB6B7-848F-4A9B-8BD5-23855C3D30D0}" type="datetimeFigureOut">
               <a:rPr lang="en-US" smtClean="0"/>
-              <a:t>11-Jul-23</a:t>
+              <a:t>12-Jul-23</a:t>
             </a:fld>
             <a:endParaRPr lang="en-US"/>
           </a:p>
@@ -1061,7 +1062,7 @@
     </p:spTree>
     <p:extLst>
       <p:ext uri="{BB962C8B-B14F-4D97-AF65-F5344CB8AC3E}">
-        <p14:creationId xmlns:p14="http://schemas.microsoft.com/office/powerpoint/2010/main" val="430293501"/>
+        <p14:creationId xmlns:p14="http://schemas.microsoft.com/office/powerpoint/2010/main" val="463870910"/>
       </p:ext>
     </p:extLst>
   </p:cSld>
@@ -1123,8 +1124,8 @@
         </p:nvSpPr>
         <p:spPr>
           <a:xfrm>
-            <a:off x="471488" y="2637014"/>
-            <a:ext cx="2914650" cy="6285266"/>
+            <a:off x="681038" y="1825625"/>
+            <a:ext cx="4210050" cy="4351338"/>
           </a:xfrm>
         </p:spPr>
         <p:txBody>
@@ -1180,8 +1181,8 @@
         </p:nvSpPr>
         <p:spPr>
           <a:xfrm>
-            <a:off x="3471863" y="2637014"/>
-            <a:ext cx="2914650" cy="6285266"/>
+            <a:off x="5014913" y="1825625"/>
+            <a:ext cx="4210050" cy="4351338"/>
           </a:xfrm>
         </p:spPr>
         <p:txBody>
@@ -1242,7 +1243,7 @@
           <a:p>
             <a:fld id="{304DB6B7-848F-4A9B-8BD5-23855C3D30D0}" type="datetimeFigureOut">
               <a:rPr lang="en-US" smtClean="0"/>
-              <a:t>11-Jul-23</a:t>
+              <a:t>12-Jul-23</a:t>
             </a:fld>
             <a:endParaRPr lang="en-US"/>
           </a:p>
@@ -1293,7 +1294,7 @@
     </p:spTree>
     <p:extLst>
       <p:ext uri="{BB962C8B-B14F-4D97-AF65-F5344CB8AC3E}">
-        <p14:creationId xmlns:p14="http://schemas.microsoft.com/office/powerpoint/2010/main" val="2394842102"/>
+        <p14:creationId xmlns:p14="http://schemas.microsoft.com/office/powerpoint/2010/main" val="350640673"/>
       </p:ext>
     </p:extLst>
   </p:cSld>
@@ -1332,8 +1333,8 @@
         </p:nvSpPr>
         <p:spPr>
           <a:xfrm>
-            <a:off x="472381" y="527405"/>
-            <a:ext cx="5915025" cy="1914702"/>
+            <a:off x="682328" y="365127"/>
+            <a:ext cx="8543925" cy="1325563"/>
           </a:xfrm>
         </p:spPr>
         <p:txBody>
@@ -1360,8 +1361,8 @@
         </p:nvSpPr>
         <p:spPr>
           <a:xfrm>
-            <a:off x="472381" y="2428347"/>
-            <a:ext cx="2901255" cy="1190095"/>
+            <a:off x="682329" y="1681163"/>
+            <a:ext cx="4190702" cy="823912"/>
           </a:xfrm>
         </p:spPr>
         <p:txBody>
@@ -1369,39 +1370,39 @@
           <a:lstStyle>
             <a:lvl1pPr marL="0" indent="0">
               <a:buNone/>
+              <a:defRPr sz="2400" b="1"/>
+            </a:lvl1pPr>
+            <a:lvl2pPr marL="457200" indent="0">
+              <a:buNone/>
+              <a:defRPr sz="2000" b="1"/>
+            </a:lvl2pPr>
+            <a:lvl3pPr marL="914400" indent="0">
+              <a:buNone/>
               <a:defRPr sz="1800" b="1"/>
-            </a:lvl1pPr>
-            <a:lvl2pPr marL="342900" indent="0">
+            </a:lvl3pPr>
+            <a:lvl4pPr marL="1371600" indent="0">
               <a:buNone/>
-              <a:defRPr sz="1500" b="1"/>
-            </a:lvl2pPr>
-            <a:lvl3pPr marL="685800" indent="0">
+              <a:defRPr sz="1600" b="1"/>
+            </a:lvl4pPr>
+            <a:lvl5pPr marL="1828800" indent="0">
               <a:buNone/>
-              <a:defRPr sz="1350" b="1"/>
-            </a:lvl3pPr>
-            <a:lvl4pPr marL="1028700" indent="0">
+              <a:defRPr sz="1600" b="1"/>
+            </a:lvl5pPr>
+            <a:lvl6pPr marL="2286000" indent="0">
               <a:buNone/>
-              <a:defRPr sz="1200" b="1"/>
-            </a:lvl4pPr>
-            <a:lvl5pPr marL="1371600" indent="0">
+              <a:defRPr sz="1600" b="1"/>
+            </a:lvl6pPr>
+            <a:lvl7pPr marL="2743200" indent="0">
               <a:buNone/>
-              <a:defRPr sz="1200" b="1"/>
-            </a:lvl5pPr>
-            <a:lvl6pPr marL="1714500" indent="0">
+              <a:defRPr sz="1600" b="1"/>
+            </a:lvl7pPr>
+            <a:lvl8pPr marL="3200400" indent="0">
               <a:buNone/>
-              <a:defRPr sz="1200" b="1"/>
-            </a:lvl6pPr>
-            <a:lvl7pPr marL="2057400" indent="0">
+              <a:defRPr sz="1600" b="1"/>
+            </a:lvl8pPr>
+            <a:lvl9pPr marL="3657600" indent="0">
               <a:buNone/>
-              <a:defRPr sz="1200" b="1"/>
-            </a:lvl7pPr>
-            <a:lvl8pPr marL="2400300" indent="0">
-              <a:buNone/>
-              <a:defRPr sz="1200" b="1"/>
-            </a:lvl8pPr>
-            <a:lvl9pPr marL="2743200" indent="0">
-              <a:buNone/>
-              <a:defRPr sz="1200" b="1"/>
+              <a:defRPr sz="1600" b="1"/>
             </a:lvl9pPr>
           </a:lstStyle>
           <a:p>
@@ -1425,8 +1426,8 @@
         </p:nvSpPr>
         <p:spPr>
           <a:xfrm>
-            <a:off x="472381" y="3618442"/>
-            <a:ext cx="2901255" cy="5322183"/>
+            <a:off x="682329" y="2505075"/>
+            <a:ext cx="4190702" cy="3684588"/>
           </a:xfrm>
         </p:spPr>
         <p:txBody>
@@ -1482,8 +1483,8 @@
         </p:nvSpPr>
         <p:spPr>
           <a:xfrm>
-            <a:off x="3471863" y="2428347"/>
-            <a:ext cx="2915543" cy="1190095"/>
+            <a:off x="5014913" y="1681163"/>
+            <a:ext cx="4211340" cy="823912"/>
           </a:xfrm>
         </p:spPr>
         <p:txBody>
@@ -1491,39 +1492,39 @@
           <a:lstStyle>
             <a:lvl1pPr marL="0" indent="0">
               <a:buNone/>
+              <a:defRPr sz="2400" b="1"/>
+            </a:lvl1pPr>
+            <a:lvl2pPr marL="457200" indent="0">
+              <a:buNone/>
+              <a:defRPr sz="2000" b="1"/>
+            </a:lvl2pPr>
+            <a:lvl3pPr marL="914400" indent="0">
+              <a:buNone/>
               <a:defRPr sz="1800" b="1"/>
-            </a:lvl1pPr>
-            <a:lvl2pPr marL="342900" indent="0">
+            </a:lvl3pPr>
+            <a:lvl4pPr marL="1371600" indent="0">
               <a:buNone/>
-              <a:defRPr sz="1500" b="1"/>
-            </a:lvl2pPr>
-            <a:lvl3pPr marL="685800" indent="0">
+              <a:defRPr sz="1600" b="1"/>
+            </a:lvl4pPr>
+            <a:lvl5pPr marL="1828800" indent="0">
               <a:buNone/>
-              <a:defRPr sz="1350" b="1"/>
-            </a:lvl3pPr>
-            <a:lvl4pPr marL="1028700" indent="0">
+              <a:defRPr sz="1600" b="1"/>
+            </a:lvl5pPr>
+            <a:lvl6pPr marL="2286000" indent="0">
               <a:buNone/>
-              <a:defRPr sz="1200" b="1"/>
-            </a:lvl4pPr>
-            <a:lvl5pPr marL="1371600" indent="0">
+              <a:defRPr sz="1600" b="1"/>
+            </a:lvl6pPr>
+            <a:lvl7pPr marL="2743200" indent="0">
               <a:buNone/>
-              <a:defRPr sz="1200" b="1"/>
-            </a:lvl5pPr>
-            <a:lvl6pPr marL="1714500" indent="0">
+              <a:defRPr sz="1600" b="1"/>
+            </a:lvl7pPr>
+            <a:lvl8pPr marL="3200400" indent="0">
               <a:buNone/>
-              <a:defRPr sz="1200" b="1"/>
-            </a:lvl6pPr>
-            <a:lvl7pPr marL="2057400" indent="0">
+              <a:defRPr sz="1600" b="1"/>
+            </a:lvl8pPr>
+            <a:lvl9pPr marL="3657600" indent="0">
               <a:buNone/>
-              <a:defRPr sz="1200" b="1"/>
-            </a:lvl7pPr>
-            <a:lvl8pPr marL="2400300" indent="0">
-              <a:buNone/>
-              <a:defRPr sz="1200" b="1"/>
-            </a:lvl8pPr>
-            <a:lvl9pPr marL="2743200" indent="0">
-              <a:buNone/>
-              <a:defRPr sz="1200" b="1"/>
+              <a:defRPr sz="1600" b="1"/>
             </a:lvl9pPr>
           </a:lstStyle>
           <a:p>
@@ -1547,8 +1548,8 @@
         </p:nvSpPr>
         <p:spPr>
           <a:xfrm>
-            <a:off x="3471863" y="3618442"/>
-            <a:ext cx="2915543" cy="5322183"/>
+            <a:off x="5014913" y="2505075"/>
+            <a:ext cx="4211340" cy="3684588"/>
           </a:xfrm>
         </p:spPr>
         <p:txBody>
@@ -1609,7 +1610,7 @@
           <a:p>
             <a:fld id="{304DB6B7-848F-4A9B-8BD5-23855C3D30D0}" type="datetimeFigureOut">
               <a:rPr lang="en-US" smtClean="0"/>
-              <a:t>11-Jul-23</a:t>
+              <a:t>12-Jul-23</a:t>
             </a:fld>
             <a:endParaRPr lang="en-US"/>
           </a:p>
@@ -1660,7 +1661,7 @@
     </p:spTree>
     <p:extLst>
       <p:ext uri="{BB962C8B-B14F-4D97-AF65-F5344CB8AC3E}">
-        <p14:creationId xmlns:p14="http://schemas.microsoft.com/office/powerpoint/2010/main" val="3344679575"/>
+        <p14:creationId xmlns:p14="http://schemas.microsoft.com/office/powerpoint/2010/main" val="2539679358"/>
       </p:ext>
     </p:extLst>
   </p:cSld>
@@ -1727,7 +1728,7 @@
           <a:p>
             <a:fld id="{304DB6B7-848F-4A9B-8BD5-23855C3D30D0}" type="datetimeFigureOut">
               <a:rPr lang="en-US" smtClean="0"/>
-              <a:t>11-Jul-23</a:t>
+              <a:t>12-Jul-23</a:t>
             </a:fld>
             <a:endParaRPr lang="en-US"/>
           </a:p>
@@ -1778,7 +1779,7 @@
     </p:spTree>
     <p:extLst>
       <p:ext uri="{BB962C8B-B14F-4D97-AF65-F5344CB8AC3E}">
-        <p14:creationId xmlns:p14="http://schemas.microsoft.com/office/powerpoint/2010/main" val="2646036578"/>
+        <p14:creationId xmlns:p14="http://schemas.microsoft.com/office/powerpoint/2010/main" val="3249640060"/>
       </p:ext>
     </p:extLst>
   </p:cSld>
@@ -1822,7 +1823,7 @@
           <a:p>
             <a:fld id="{304DB6B7-848F-4A9B-8BD5-23855C3D30D0}" type="datetimeFigureOut">
               <a:rPr lang="en-US" smtClean="0"/>
-              <a:t>11-Jul-23</a:t>
+              <a:t>12-Jul-23</a:t>
             </a:fld>
             <a:endParaRPr lang="en-US"/>
           </a:p>
@@ -1873,7 +1874,7 @@
     </p:spTree>
     <p:extLst>
       <p:ext uri="{BB962C8B-B14F-4D97-AF65-F5344CB8AC3E}">
-        <p14:creationId xmlns:p14="http://schemas.microsoft.com/office/powerpoint/2010/main" val="2381524992"/>
+        <p14:creationId xmlns:p14="http://schemas.microsoft.com/office/powerpoint/2010/main" val="805286773"/>
       </p:ext>
     </p:extLst>
   </p:cSld>
@@ -1912,15 +1913,15 @@
         </p:nvSpPr>
         <p:spPr>
           <a:xfrm>
-            <a:off x="472381" y="660400"/>
-            <a:ext cx="2211884" cy="2311400"/>
+            <a:off x="682328" y="457200"/>
+            <a:ext cx="3194943" cy="1600200"/>
           </a:xfrm>
         </p:spPr>
         <p:txBody>
           <a:bodyPr anchor="b"/>
           <a:lstStyle>
             <a:lvl1pPr>
-              <a:defRPr sz="2400"/>
+              <a:defRPr sz="3200"/>
             </a:lvl1pPr>
           </a:lstStyle>
           <a:p>
@@ -1944,39 +1945,39 @@
         </p:nvSpPr>
         <p:spPr>
           <a:xfrm>
-            <a:off x="2915543" y="1426283"/>
-            <a:ext cx="3471863" cy="7039681"/>
+            <a:off x="4211340" y="987427"/>
+            <a:ext cx="5014913" cy="4873625"/>
           </a:xfrm>
         </p:spPr>
         <p:txBody>
           <a:bodyPr/>
           <a:lstStyle>
             <a:lvl1pPr>
-              <a:defRPr sz="2400"/>
+              <a:defRPr sz="3200"/>
             </a:lvl1pPr>
             <a:lvl2pPr>
-              <a:defRPr sz="2100"/>
+              <a:defRPr sz="2800"/>
             </a:lvl2pPr>
             <a:lvl3pPr>
-              <a:defRPr sz="1800"/>
+              <a:defRPr sz="2400"/>
             </a:lvl3pPr>
             <a:lvl4pPr>
-              <a:defRPr sz="1500"/>
+              <a:defRPr sz="2000"/>
             </a:lvl4pPr>
             <a:lvl5pPr>
-              <a:defRPr sz="1500"/>
+              <a:defRPr sz="2000"/>
             </a:lvl5pPr>
             <a:lvl6pPr>
-              <a:defRPr sz="1500"/>
+              <a:defRPr sz="2000"/>
             </a:lvl6pPr>
             <a:lvl7pPr>
-              <a:defRPr sz="1500"/>
+              <a:defRPr sz="2000"/>
             </a:lvl7pPr>
             <a:lvl8pPr>
-              <a:defRPr sz="1500"/>
+              <a:defRPr sz="2000"/>
             </a:lvl8pPr>
             <a:lvl9pPr>
-              <a:defRPr sz="1500"/>
+              <a:defRPr sz="2000"/>
             </a:lvl9pPr>
           </a:lstStyle>
           <a:p>
@@ -2029,8 +2030,8 @@
         </p:nvSpPr>
         <p:spPr>
           <a:xfrm>
-            <a:off x="472381" y="2971800"/>
-            <a:ext cx="2211884" cy="5505627"/>
+            <a:off x="682328" y="2057400"/>
+            <a:ext cx="3194943" cy="3811588"/>
           </a:xfrm>
         </p:spPr>
         <p:txBody>
@@ -2038,39 +2039,39 @@
           <a:lstStyle>
             <a:lvl1pPr marL="0" indent="0">
               <a:buNone/>
+              <a:defRPr sz="1600"/>
+            </a:lvl1pPr>
+            <a:lvl2pPr marL="457200" indent="0">
+              <a:buNone/>
+              <a:defRPr sz="1400"/>
+            </a:lvl2pPr>
+            <a:lvl3pPr marL="914400" indent="0">
+              <a:buNone/>
               <a:defRPr sz="1200"/>
-            </a:lvl1pPr>
-            <a:lvl2pPr marL="342900" indent="0">
+            </a:lvl3pPr>
+            <a:lvl4pPr marL="1371600" indent="0">
               <a:buNone/>
-              <a:defRPr sz="1050"/>
-            </a:lvl2pPr>
-            <a:lvl3pPr marL="685800" indent="0">
+              <a:defRPr sz="1000"/>
+            </a:lvl4pPr>
+            <a:lvl5pPr marL="1828800" indent="0">
               <a:buNone/>
-              <a:defRPr sz="900"/>
-            </a:lvl3pPr>
-            <a:lvl4pPr marL="1028700" indent="0">
+              <a:defRPr sz="1000"/>
+            </a:lvl5pPr>
+            <a:lvl6pPr marL="2286000" indent="0">
               <a:buNone/>
-              <a:defRPr sz="750"/>
-            </a:lvl4pPr>
-            <a:lvl5pPr marL="1371600" indent="0">
+              <a:defRPr sz="1000"/>
+            </a:lvl6pPr>
+            <a:lvl7pPr marL="2743200" indent="0">
               <a:buNone/>
-              <a:defRPr sz="750"/>
-            </a:lvl5pPr>
-            <a:lvl6pPr marL="1714500" indent="0">
+              <a:defRPr sz="1000"/>
+            </a:lvl7pPr>
+            <a:lvl8pPr marL="3200400" indent="0">
               <a:buNone/>
-              <a:defRPr sz="750"/>
-            </a:lvl6pPr>
-            <a:lvl7pPr marL="2057400" indent="0">
+              <a:defRPr sz="1000"/>
+            </a:lvl8pPr>
+            <a:lvl9pPr marL="3657600" indent="0">
               <a:buNone/>
-              <a:defRPr sz="750"/>
-            </a:lvl7pPr>
-            <a:lvl8pPr marL="2400300" indent="0">
-              <a:buNone/>
-              <a:defRPr sz="750"/>
-            </a:lvl8pPr>
-            <a:lvl9pPr marL="2743200" indent="0">
-              <a:buNone/>
-              <a:defRPr sz="750"/>
+              <a:defRPr sz="1000"/>
             </a:lvl9pPr>
           </a:lstStyle>
           <a:p>
@@ -2099,7 +2100,7 @@
           <a:p>
             <a:fld id="{304DB6B7-848F-4A9B-8BD5-23855C3D30D0}" type="datetimeFigureOut">
               <a:rPr lang="en-US" smtClean="0"/>
-              <a:t>11-Jul-23</a:t>
+              <a:t>12-Jul-23</a:t>
             </a:fld>
             <a:endParaRPr lang="en-US"/>
           </a:p>
@@ -2150,7 +2151,7 @@
     </p:spTree>
     <p:extLst>
       <p:ext uri="{BB962C8B-B14F-4D97-AF65-F5344CB8AC3E}">
-        <p14:creationId xmlns:p14="http://schemas.microsoft.com/office/powerpoint/2010/main" val="3865964169"/>
+        <p14:creationId xmlns:p14="http://schemas.microsoft.com/office/powerpoint/2010/main" val="3215792548"/>
       </p:ext>
     </p:extLst>
   </p:cSld>
@@ -2189,15 +2190,15 @@
         </p:nvSpPr>
         <p:spPr>
           <a:xfrm>
-            <a:off x="472381" y="660400"/>
-            <a:ext cx="2211884" cy="2311400"/>
+            <a:off x="682328" y="457200"/>
+            <a:ext cx="3194943" cy="1600200"/>
           </a:xfrm>
         </p:spPr>
         <p:txBody>
           <a:bodyPr anchor="b"/>
           <a:lstStyle>
             <a:lvl1pPr>
-              <a:defRPr sz="2400"/>
+              <a:defRPr sz="3200"/>
             </a:lvl1pPr>
           </a:lstStyle>
           <a:p>
@@ -2221,8 +2222,8 @@
         </p:nvSpPr>
         <p:spPr>
           <a:xfrm>
-            <a:off x="2915543" y="1426283"/>
-            <a:ext cx="3471863" cy="7039681"/>
+            <a:off x="4211340" y="987427"/>
+            <a:ext cx="5014913" cy="4873625"/>
           </a:xfrm>
         </p:spPr>
         <p:txBody>
@@ -2230,39 +2231,39 @@
           <a:lstStyle>
             <a:lvl1pPr marL="0" indent="0">
               <a:buNone/>
+              <a:defRPr sz="3200"/>
+            </a:lvl1pPr>
+            <a:lvl2pPr marL="457200" indent="0">
+              <a:buNone/>
+              <a:defRPr sz="2800"/>
+            </a:lvl2pPr>
+            <a:lvl3pPr marL="914400" indent="0">
+              <a:buNone/>
               <a:defRPr sz="2400"/>
-            </a:lvl1pPr>
-            <a:lvl2pPr marL="342900" indent="0">
+            </a:lvl3pPr>
+            <a:lvl4pPr marL="1371600" indent="0">
               <a:buNone/>
-              <a:defRPr sz="2100"/>
-            </a:lvl2pPr>
-            <a:lvl3pPr marL="685800" indent="0">
+              <a:defRPr sz="2000"/>
+            </a:lvl4pPr>
+            <a:lvl5pPr marL="1828800" indent="0">
               <a:buNone/>
-              <a:defRPr sz="1800"/>
-            </a:lvl3pPr>
-            <a:lvl4pPr marL="1028700" indent="0">
+              <a:defRPr sz="2000"/>
+            </a:lvl5pPr>
+            <a:lvl6pPr marL="2286000" indent="0">
               <a:buNone/>
-              <a:defRPr sz="1500"/>
-            </a:lvl4pPr>
-            <a:lvl5pPr marL="1371600" indent="0">
+              <a:defRPr sz="2000"/>
+            </a:lvl6pPr>
+            <a:lvl7pPr marL="2743200" indent="0">
               <a:buNone/>
-              <a:defRPr sz="1500"/>
-            </a:lvl5pPr>
-            <a:lvl6pPr marL="1714500" indent="0">
+              <a:defRPr sz="2000"/>
+            </a:lvl7pPr>
+            <a:lvl8pPr marL="3200400" indent="0">
               <a:buNone/>
-              <a:defRPr sz="1500"/>
-            </a:lvl6pPr>
-            <a:lvl7pPr marL="2057400" indent="0">
+              <a:defRPr sz="2000"/>
+            </a:lvl8pPr>
+            <a:lvl9pPr marL="3657600" indent="0">
               <a:buNone/>
-              <a:defRPr sz="1500"/>
-            </a:lvl7pPr>
-            <a:lvl8pPr marL="2400300" indent="0">
-              <a:buNone/>
-              <a:defRPr sz="1500"/>
-            </a:lvl8pPr>
-            <a:lvl9pPr marL="2743200" indent="0">
-              <a:buNone/>
-              <a:defRPr sz="1500"/>
+              <a:defRPr sz="2000"/>
             </a:lvl9pPr>
           </a:lstStyle>
           <a:p>
@@ -2286,8 +2287,8 @@
         </p:nvSpPr>
         <p:spPr>
           <a:xfrm>
-            <a:off x="472381" y="2971800"/>
-            <a:ext cx="2211884" cy="5505627"/>
+            <a:off x="682328" y="2057400"/>
+            <a:ext cx="3194943" cy="3811588"/>
           </a:xfrm>
         </p:spPr>
         <p:txBody>
@@ -2295,39 +2296,39 @@
           <a:lstStyle>
             <a:lvl1pPr marL="0" indent="0">
               <a:buNone/>
+              <a:defRPr sz="1600"/>
+            </a:lvl1pPr>
+            <a:lvl2pPr marL="457200" indent="0">
+              <a:buNone/>
+              <a:defRPr sz="1400"/>
+            </a:lvl2pPr>
+            <a:lvl3pPr marL="914400" indent="0">
+              <a:buNone/>
               <a:defRPr sz="1200"/>
-            </a:lvl1pPr>
-            <a:lvl2pPr marL="342900" indent="0">
+            </a:lvl3pPr>
+            <a:lvl4pPr marL="1371600" indent="0">
               <a:buNone/>
-              <a:defRPr sz="1050"/>
-            </a:lvl2pPr>
-            <a:lvl3pPr marL="685800" indent="0">
+              <a:defRPr sz="1000"/>
+            </a:lvl4pPr>
+            <a:lvl5pPr marL="1828800" indent="0">
               <a:buNone/>
-              <a:defRPr sz="900"/>
-            </a:lvl3pPr>
-            <a:lvl4pPr marL="1028700" indent="0">
+              <a:defRPr sz="1000"/>
+            </a:lvl5pPr>
+            <a:lvl6pPr marL="2286000" indent="0">
               <a:buNone/>
-              <a:defRPr sz="750"/>
-            </a:lvl4pPr>
-            <a:lvl5pPr marL="1371600" indent="0">
+              <a:defRPr sz="1000"/>
+            </a:lvl6pPr>
+            <a:lvl7pPr marL="2743200" indent="0">
               <a:buNone/>
-              <a:defRPr sz="750"/>
-            </a:lvl5pPr>
-            <a:lvl6pPr marL="1714500" indent="0">
+              <a:defRPr sz="1000"/>
+            </a:lvl7pPr>
+            <a:lvl8pPr marL="3200400" indent="0">
               <a:buNone/>
-              <a:defRPr sz="750"/>
-            </a:lvl6pPr>
-            <a:lvl7pPr marL="2057400" indent="0">
+              <a:defRPr sz="1000"/>
+            </a:lvl8pPr>
+            <a:lvl9pPr marL="3657600" indent="0">
               <a:buNone/>
-              <a:defRPr sz="750"/>
-            </a:lvl7pPr>
-            <a:lvl8pPr marL="2400300" indent="0">
-              <a:buNone/>
-              <a:defRPr sz="750"/>
-            </a:lvl8pPr>
-            <a:lvl9pPr marL="2743200" indent="0">
-              <a:buNone/>
-              <a:defRPr sz="750"/>
+              <a:defRPr sz="1000"/>
             </a:lvl9pPr>
           </a:lstStyle>
           <a:p>
@@ -2356,7 +2357,7 @@
           <a:p>
             <a:fld id="{304DB6B7-848F-4A9B-8BD5-23855C3D30D0}" type="datetimeFigureOut">
               <a:rPr lang="en-US" smtClean="0"/>
-              <a:t>11-Jul-23</a:t>
+              <a:t>12-Jul-23</a:t>
             </a:fld>
             <a:endParaRPr lang="en-US"/>
           </a:p>
@@ -2407,7 +2408,7 @@
     </p:spTree>
     <p:extLst>
       <p:ext uri="{BB962C8B-B14F-4D97-AF65-F5344CB8AC3E}">
-        <p14:creationId xmlns:p14="http://schemas.microsoft.com/office/powerpoint/2010/main" val="2411418462"/>
+        <p14:creationId xmlns:p14="http://schemas.microsoft.com/office/powerpoint/2010/main" val="3756917885"/>
       </p:ext>
     </p:extLst>
   </p:cSld>
@@ -2451,8 +2452,8 @@
         </p:nvSpPr>
         <p:spPr>
           <a:xfrm>
-            <a:off x="471488" y="527405"/>
-            <a:ext cx="5915025" cy="1914702"/>
+            <a:off x="681038" y="365127"/>
+            <a:ext cx="8543925" cy="1325563"/>
           </a:xfrm>
           <a:prstGeom prst="rect">
             <a:avLst/>
@@ -2484,8 +2485,8 @@
         </p:nvSpPr>
         <p:spPr>
           <a:xfrm>
-            <a:off x="471488" y="2637014"/>
-            <a:ext cx="5915025" cy="6285266"/>
+            <a:off x="681038" y="1825625"/>
+            <a:ext cx="8543925" cy="4351338"/>
           </a:xfrm>
           <a:prstGeom prst="rect">
             <a:avLst/>
@@ -2546,8 +2547,8 @@
         </p:nvSpPr>
         <p:spPr>
           <a:xfrm>
-            <a:off x="471488" y="9181397"/>
-            <a:ext cx="1543050" cy="527403"/>
+            <a:off x="681038" y="6356352"/>
+            <a:ext cx="2228850" cy="365125"/>
           </a:xfrm>
           <a:prstGeom prst="rect">
             <a:avLst/>
@@ -2557,7 +2558,7 @@
           <a:bodyPr vert="horz" lIns="91440" tIns="45720" rIns="91440" bIns="45720" rtlCol="0" anchor="ctr"/>
           <a:lstStyle>
             <a:lvl1pPr algn="l">
-              <a:defRPr sz="900">
+              <a:defRPr sz="1200">
                 <a:solidFill>
                   <a:schemeClr val="tx1">
                     <a:tint val="75000"/>
@@ -2569,7 +2570,7 @@
           <a:p>
             <a:fld id="{304DB6B7-848F-4A9B-8BD5-23855C3D30D0}" type="datetimeFigureOut">
               <a:rPr lang="en-US" smtClean="0"/>
-              <a:t>11-Jul-23</a:t>
+              <a:t>12-Jul-23</a:t>
             </a:fld>
             <a:endParaRPr lang="en-US"/>
           </a:p>
@@ -2587,8 +2588,8 @@
         </p:nvSpPr>
         <p:spPr>
           <a:xfrm>
-            <a:off x="2271713" y="9181397"/>
-            <a:ext cx="2314575" cy="527403"/>
+            <a:off x="3281363" y="6356352"/>
+            <a:ext cx="3343275" cy="365125"/>
           </a:xfrm>
           <a:prstGeom prst="rect">
             <a:avLst/>
@@ -2598,7 +2599,7 @@
           <a:bodyPr vert="horz" lIns="91440" tIns="45720" rIns="91440" bIns="45720" rtlCol="0" anchor="ctr"/>
           <a:lstStyle>
             <a:lvl1pPr algn="ctr">
-              <a:defRPr sz="900">
+              <a:defRPr sz="1200">
                 <a:solidFill>
                   <a:schemeClr val="tx1">
                     <a:tint val="75000"/>
@@ -2624,8 +2625,8 @@
         </p:nvSpPr>
         <p:spPr>
           <a:xfrm>
-            <a:off x="4843463" y="9181397"/>
-            <a:ext cx="1543050" cy="527403"/>
+            <a:off x="6996113" y="6356352"/>
+            <a:ext cx="2228850" cy="365125"/>
           </a:xfrm>
           <a:prstGeom prst="rect">
             <a:avLst/>
@@ -2635,7 +2636,7 @@
           <a:bodyPr vert="horz" lIns="91440" tIns="45720" rIns="91440" bIns="45720" rtlCol="0" anchor="ctr"/>
           <a:lstStyle>
             <a:lvl1pPr algn="r">
-              <a:defRPr sz="900">
+              <a:defRPr sz="1200">
                 <a:solidFill>
                   <a:schemeClr val="tx1">
                     <a:tint val="75000"/>
@@ -2656,27 +2657,27 @@
     </p:spTree>
     <p:extLst>
       <p:ext uri="{BB962C8B-B14F-4D97-AF65-F5344CB8AC3E}">
-        <p14:creationId xmlns:p14="http://schemas.microsoft.com/office/powerpoint/2010/main" val="3283865328"/>
+        <p14:creationId xmlns:p14="http://schemas.microsoft.com/office/powerpoint/2010/main" val="4285894527"/>
       </p:ext>
     </p:extLst>
   </p:cSld>
   <p:clrMap bg1="lt1" tx1="dk1" bg2="lt2" tx2="dk2" accent1="accent1" accent2="accent2" accent3="accent3" accent4="accent4" accent5="accent5" accent6="accent6" hlink="hlink" folHlink="folHlink"/>
   <p:sldLayoutIdLst>
-    <p:sldLayoutId id="2147483673" r:id="rId1"/>
-    <p:sldLayoutId id="2147483674" r:id="rId2"/>
-    <p:sldLayoutId id="2147483675" r:id="rId3"/>
-    <p:sldLayoutId id="2147483676" r:id="rId4"/>
-    <p:sldLayoutId id="2147483677" r:id="rId5"/>
-    <p:sldLayoutId id="2147483678" r:id="rId6"/>
-    <p:sldLayoutId id="2147483679" r:id="rId7"/>
-    <p:sldLayoutId id="2147483680" r:id="rId8"/>
-    <p:sldLayoutId id="2147483681" r:id="rId9"/>
-    <p:sldLayoutId id="2147483682" r:id="rId10"/>
-    <p:sldLayoutId id="2147483683" r:id="rId11"/>
+    <p:sldLayoutId id="2147483685" r:id="rId1"/>
+    <p:sldLayoutId id="2147483686" r:id="rId2"/>
+    <p:sldLayoutId id="2147483687" r:id="rId3"/>
+    <p:sldLayoutId id="2147483688" r:id="rId4"/>
+    <p:sldLayoutId id="2147483689" r:id="rId5"/>
+    <p:sldLayoutId id="2147483690" r:id="rId6"/>
+    <p:sldLayoutId id="2147483691" r:id="rId7"/>
+    <p:sldLayoutId id="2147483692" r:id="rId8"/>
+    <p:sldLayoutId id="2147483693" r:id="rId9"/>
+    <p:sldLayoutId id="2147483694" r:id="rId10"/>
+    <p:sldLayoutId id="2147483695" r:id="rId11"/>
   </p:sldLayoutIdLst>
   <p:txStyles>
     <p:titleStyle>
-      <a:lvl1pPr algn="l" defTabSz="685800" rtl="0" eaLnBrk="1" latinLnBrk="0" hangingPunct="1">
+      <a:lvl1pPr algn="l" defTabSz="914400" rtl="0" eaLnBrk="1" latinLnBrk="0" hangingPunct="1">
         <a:lnSpc>
           <a:spcPct val="90000"/>
         </a:lnSpc>
@@ -2684,7 +2685,7 @@
           <a:spcPct val="0"/>
         </a:spcBef>
         <a:buNone/>
-        <a:defRPr sz="3300" kern="1200">
+        <a:defRPr sz="4400" kern="1200">
           <a:solidFill>
             <a:schemeClr val="tx1"/>
           </a:solidFill>
@@ -2695,16 +2696,16 @@
       </a:lvl1pPr>
     </p:titleStyle>
     <p:bodyStyle>
-      <a:lvl1pPr marL="171450" indent="-171450" algn="l" defTabSz="685800" rtl="0" eaLnBrk="1" latinLnBrk="0" hangingPunct="1">
+      <a:lvl1pPr marL="228600" indent="-228600" algn="l" defTabSz="914400" rtl="0" eaLnBrk="1" latinLnBrk="0" hangingPunct="1">
         <a:lnSpc>
           <a:spcPct val="90000"/>
         </a:lnSpc>
         <a:spcBef>
-          <a:spcPts val="750"/>
+          <a:spcPts val="1000"/>
         </a:spcBef>
         <a:buFont typeface="Arial" panose="020B0604020202020204" pitchFamily="34" charset="0"/>
         <a:buChar char="•"/>
-        <a:defRPr sz="2100" kern="1200">
+        <a:defRPr sz="2800" kern="1200">
           <a:solidFill>
             <a:schemeClr val="tx1"/>
           </a:solidFill>
@@ -2713,12 +2714,48 @@
           <a:cs typeface="+mn-cs"/>
         </a:defRPr>
       </a:lvl1pPr>
-      <a:lvl2pPr marL="514350" indent="-171450" algn="l" defTabSz="685800" rtl="0" eaLnBrk="1" latinLnBrk="0" hangingPunct="1">
+      <a:lvl2pPr marL="685800" indent="-228600" algn="l" defTabSz="914400" rtl="0" eaLnBrk="1" latinLnBrk="0" hangingPunct="1">
         <a:lnSpc>
           <a:spcPct val="90000"/>
         </a:lnSpc>
         <a:spcBef>
-          <a:spcPts val="375"/>
+          <a:spcPts val="500"/>
+        </a:spcBef>
+        <a:buFont typeface="Arial" panose="020B0604020202020204" pitchFamily="34" charset="0"/>
+        <a:buChar char="•"/>
+        <a:defRPr sz="2400" kern="1200">
+          <a:solidFill>
+            <a:schemeClr val="tx1"/>
+          </a:solidFill>
+          <a:latin typeface="+mn-lt"/>
+          <a:ea typeface="+mn-ea"/>
+          <a:cs typeface="+mn-cs"/>
+        </a:defRPr>
+      </a:lvl2pPr>
+      <a:lvl3pPr marL="1143000" indent="-228600" algn="l" defTabSz="914400" rtl="0" eaLnBrk="1" latinLnBrk="0" hangingPunct="1">
+        <a:lnSpc>
+          <a:spcPct val="90000"/>
+        </a:lnSpc>
+        <a:spcBef>
+          <a:spcPts val="500"/>
+        </a:spcBef>
+        <a:buFont typeface="Arial" panose="020B0604020202020204" pitchFamily="34" charset="0"/>
+        <a:buChar char="•"/>
+        <a:defRPr sz="2000" kern="1200">
+          <a:solidFill>
+            <a:schemeClr val="tx1"/>
+          </a:solidFill>
+          <a:latin typeface="+mn-lt"/>
+          <a:ea typeface="+mn-ea"/>
+          <a:cs typeface="+mn-cs"/>
+        </a:defRPr>
+      </a:lvl3pPr>
+      <a:lvl4pPr marL="1600200" indent="-228600" algn="l" defTabSz="914400" rtl="0" eaLnBrk="1" latinLnBrk="0" hangingPunct="1">
+        <a:lnSpc>
+          <a:spcPct val="90000"/>
+        </a:lnSpc>
+        <a:spcBef>
+          <a:spcPts val="500"/>
         </a:spcBef>
         <a:buFont typeface="Arial" panose="020B0604020202020204" pitchFamily="34" charset="0"/>
         <a:buChar char="•"/>
@@ -2730,53 +2767,17 @@
           <a:ea typeface="+mn-ea"/>
           <a:cs typeface="+mn-cs"/>
         </a:defRPr>
-      </a:lvl2pPr>
-      <a:lvl3pPr marL="857250" indent="-171450" algn="l" defTabSz="685800" rtl="0" eaLnBrk="1" latinLnBrk="0" hangingPunct="1">
+      </a:lvl4pPr>
+      <a:lvl5pPr marL="2057400" indent="-228600" algn="l" defTabSz="914400" rtl="0" eaLnBrk="1" latinLnBrk="0" hangingPunct="1">
         <a:lnSpc>
           <a:spcPct val="90000"/>
         </a:lnSpc>
         <a:spcBef>
-          <a:spcPts val="375"/>
+          <a:spcPts val="500"/>
         </a:spcBef>
         <a:buFont typeface="Arial" panose="020B0604020202020204" pitchFamily="34" charset="0"/>
         <a:buChar char="•"/>
-        <a:defRPr sz="1500" kern="1200">
-          <a:solidFill>
-            <a:schemeClr val="tx1"/>
-          </a:solidFill>
-          <a:latin typeface="+mn-lt"/>
-          <a:ea typeface="+mn-ea"/>
-          <a:cs typeface="+mn-cs"/>
-        </a:defRPr>
-      </a:lvl3pPr>
-      <a:lvl4pPr marL="1200150" indent="-171450" algn="l" defTabSz="685800" rtl="0" eaLnBrk="1" latinLnBrk="0" hangingPunct="1">
-        <a:lnSpc>
-          <a:spcPct val="90000"/>
-        </a:lnSpc>
-        <a:spcBef>
-          <a:spcPts val="375"/>
-        </a:spcBef>
-        <a:buFont typeface="Arial" panose="020B0604020202020204" pitchFamily="34" charset="0"/>
-        <a:buChar char="•"/>
-        <a:defRPr sz="1350" kern="1200">
-          <a:solidFill>
-            <a:schemeClr val="tx1"/>
-          </a:solidFill>
-          <a:latin typeface="+mn-lt"/>
-          <a:ea typeface="+mn-ea"/>
-          <a:cs typeface="+mn-cs"/>
-        </a:defRPr>
-      </a:lvl4pPr>
-      <a:lvl5pPr marL="1543050" indent="-171450" algn="l" defTabSz="685800" rtl="0" eaLnBrk="1" latinLnBrk="0" hangingPunct="1">
-        <a:lnSpc>
-          <a:spcPct val="90000"/>
-        </a:lnSpc>
-        <a:spcBef>
-          <a:spcPts val="375"/>
-        </a:spcBef>
-        <a:buFont typeface="Arial" panose="020B0604020202020204" pitchFamily="34" charset="0"/>
-        <a:buChar char="•"/>
-        <a:defRPr sz="1350" kern="1200">
+        <a:defRPr sz="1800" kern="1200">
           <a:solidFill>
             <a:schemeClr val="tx1"/>
           </a:solidFill>
@@ -2785,16 +2786,16 @@
           <a:cs typeface="+mn-cs"/>
         </a:defRPr>
       </a:lvl5pPr>
-      <a:lvl6pPr marL="1885950" indent="-171450" algn="l" defTabSz="685800" rtl="0" eaLnBrk="1" latinLnBrk="0" hangingPunct="1">
+      <a:lvl6pPr marL="2514600" indent="-228600" algn="l" defTabSz="914400" rtl="0" eaLnBrk="1" latinLnBrk="0" hangingPunct="1">
         <a:lnSpc>
           <a:spcPct val="90000"/>
         </a:lnSpc>
         <a:spcBef>
-          <a:spcPts val="375"/>
+          <a:spcPts val="500"/>
         </a:spcBef>
         <a:buFont typeface="Arial" panose="020B0604020202020204" pitchFamily="34" charset="0"/>
         <a:buChar char="•"/>
-        <a:defRPr sz="1350" kern="1200">
+        <a:defRPr sz="1800" kern="1200">
           <a:solidFill>
             <a:schemeClr val="tx1"/>
           </a:solidFill>
@@ -2803,16 +2804,16 @@
           <a:cs typeface="+mn-cs"/>
         </a:defRPr>
       </a:lvl6pPr>
-      <a:lvl7pPr marL="2228850" indent="-171450" algn="l" defTabSz="685800" rtl="0" eaLnBrk="1" latinLnBrk="0" hangingPunct="1">
+      <a:lvl7pPr marL="2971800" indent="-228600" algn="l" defTabSz="914400" rtl="0" eaLnBrk="1" latinLnBrk="0" hangingPunct="1">
         <a:lnSpc>
           <a:spcPct val="90000"/>
         </a:lnSpc>
         <a:spcBef>
-          <a:spcPts val="375"/>
+          <a:spcPts val="500"/>
         </a:spcBef>
         <a:buFont typeface="Arial" panose="020B0604020202020204" pitchFamily="34" charset="0"/>
         <a:buChar char="•"/>
-        <a:defRPr sz="1350" kern="1200">
+        <a:defRPr sz="1800" kern="1200">
           <a:solidFill>
             <a:schemeClr val="tx1"/>
           </a:solidFill>
@@ -2821,16 +2822,16 @@
           <a:cs typeface="+mn-cs"/>
         </a:defRPr>
       </a:lvl7pPr>
-      <a:lvl8pPr marL="2571750" indent="-171450" algn="l" defTabSz="685800" rtl="0" eaLnBrk="1" latinLnBrk="0" hangingPunct="1">
+      <a:lvl8pPr marL="3429000" indent="-228600" algn="l" defTabSz="914400" rtl="0" eaLnBrk="1" latinLnBrk="0" hangingPunct="1">
         <a:lnSpc>
           <a:spcPct val="90000"/>
         </a:lnSpc>
         <a:spcBef>
-          <a:spcPts val="375"/>
+          <a:spcPts val="500"/>
         </a:spcBef>
         <a:buFont typeface="Arial" panose="020B0604020202020204" pitchFamily="34" charset="0"/>
         <a:buChar char="•"/>
-        <a:defRPr sz="1350" kern="1200">
+        <a:defRPr sz="1800" kern="1200">
           <a:solidFill>
             <a:schemeClr val="tx1"/>
           </a:solidFill>
@@ -2839,16 +2840,16 @@
           <a:cs typeface="+mn-cs"/>
         </a:defRPr>
       </a:lvl8pPr>
-      <a:lvl9pPr marL="2914650" indent="-171450" algn="l" defTabSz="685800" rtl="0" eaLnBrk="1" latinLnBrk="0" hangingPunct="1">
+      <a:lvl9pPr marL="3886200" indent="-228600" algn="l" defTabSz="914400" rtl="0" eaLnBrk="1" latinLnBrk="0" hangingPunct="1">
         <a:lnSpc>
           <a:spcPct val="90000"/>
         </a:lnSpc>
         <a:spcBef>
-          <a:spcPts val="375"/>
+          <a:spcPts val="500"/>
         </a:spcBef>
         <a:buFont typeface="Arial" panose="020B0604020202020204" pitchFamily="34" charset="0"/>
         <a:buChar char="•"/>
-        <a:defRPr sz="1350" kern="1200">
+        <a:defRPr sz="1800" kern="1200">
           <a:solidFill>
             <a:schemeClr val="tx1"/>
           </a:solidFill>
@@ -2862,8 +2863,8 @@
       <a:defPPr>
         <a:defRPr lang="en-US"/>
       </a:defPPr>
-      <a:lvl1pPr marL="0" algn="l" defTabSz="685800" rtl="0" eaLnBrk="1" latinLnBrk="0" hangingPunct="1">
-        <a:defRPr sz="1350" kern="1200">
+      <a:lvl1pPr marL="0" algn="l" defTabSz="914400" rtl="0" eaLnBrk="1" latinLnBrk="0" hangingPunct="1">
+        <a:defRPr sz="1800" kern="1200">
           <a:solidFill>
             <a:schemeClr val="tx1"/>
           </a:solidFill>
@@ -2872,8 +2873,8 @@
           <a:cs typeface="+mn-cs"/>
         </a:defRPr>
       </a:lvl1pPr>
-      <a:lvl2pPr marL="342900" algn="l" defTabSz="685800" rtl="0" eaLnBrk="1" latinLnBrk="0" hangingPunct="1">
-        <a:defRPr sz="1350" kern="1200">
+      <a:lvl2pPr marL="457200" algn="l" defTabSz="914400" rtl="0" eaLnBrk="1" latinLnBrk="0" hangingPunct="1">
+        <a:defRPr sz="1800" kern="1200">
           <a:solidFill>
             <a:schemeClr val="tx1"/>
           </a:solidFill>
@@ -2882,8 +2883,8 @@
           <a:cs typeface="+mn-cs"/>
         </a:defRPr>
       </a:lvl2pPr>
-      <a:lvl3pPr marL="685800" algn="l" defTabSz="685800" rtl="0" eaLnBrk="1" latinLnBrk="0" hangingPunct="1">
-        <a:defRPr sz="1350" kern="1200">
+      <a:lvl3pPr marL="914400" algn="l" defTabSz="914400" rtl="0" eaLnBrk="1" latinLnBrk="0" hangingPunct="1">
+        <a:defRPr sz="1800" kern="1200">
           <a:solidFill>
             <a:schemeClr val="tx1"/>
           </a:solidFill>
@@ -2892,8 +2893,8 @@
           <a:cs typeface="+mn-cs"/>
         </a:defRPr>
       </a:lvl3pPr>
-      <a:lvl4pPr marL="1028700" algn="l" defTabSz="685800" rtl="0" eaLnBrk="1" latinLnBrk="0" hangingPunct="1">
-        <a:defRPr sz="1350" kern="1200">
+      <a:lvl4pPr marL="1371600" algn="l" defTabSz="914400" rtl="0" eaLnBrk="1" latinLnBrk="0" hangingPunct="1">
+        <a:defRPr sz="1800" kern="1200">
           <a:solidFill>
             <a:schemeClr val="tx1"/>
           </a:solidFill>
@@ -2902,8 +2903,8 @@
           <a:cs typeface="+mn-cs"/>
         </a:defRPr>
       </a:lvl4pPr>
-      <a:lvl5pPr marL="1371600" algn="l" defTabSz="685800" rtl="0" eaLnBrk="1" latinLnBrk="0" hangingPunct="1">
-        <a:defRPr sz="1350" kern="1200">
+      <a:lvl5pPr marL="1828800" algn="l" defTabSz="914400" rtl="0" eaLnBrk="1" latinLnBrk="0" hangingPunct="1">
+        <a:defRPr sz="1800" kern="1200">
           <a:solidFill>
             <a:schemeClr val="tx1"/>
           </a:solidFill>
@@ -2912,8 +2913,8 @@
           <a:cs typeface="+mn-cs"/>
         </a:defRPr>
       </a:lvl5pPr>
-      <a:lvl6pPr marL="1714500" algn="l" defTabSz="685800" rtl="0" eaLnBrk="1" latinLnBrk="0" hangingPunct="1">
-        <a:defRPr sz="1350" kern="1200">
+      <a:lvl6pPr marL="2286000" algn="l" defTabSz="914400" rtl="0" eaLnBrk="1" latinLnBrk="0" hangingPunct="1">
+        <a:defRPr sz="1800" kern="1200">
           <a:solidFill>
             <a:schemeClr val="tx1"/>
           </a:solidFill>
@@ -2922,8 +2923,8 @@
           <a:cs typeface="+mn-cs"/>
         </a:defRPr>
       </a:lvl6pPr>
-      <a:lvl7pPr marL="2057400" algn="l" defTabSz="685800" rtl="0" eaLnBrk="1" latinLnBrk="0" hangingPunct="1">
-        <a:defRPr sz="1350" kern="1200">
+      <a:lvl7pPr marL="2743200" algn="l" defTabSz="914400" rtl="0" eaLnBrk="1" latinLnBrk="0" hangingPunct="1">
+        <a:defRPr sz="1800" kern="1200">
           <a:solidFill>
             <a:schemeClr val="tx1"/>
           </a:solidFill>
@@ -2932,8 +2933,8 @@
           <a:cs typeface="+mn-cs"/>
         </a:defRPr>
       </a:lvl7pPr>
-      <a:lvl8pPr marL="2400300" algn="l" defTabSz="685800" rtl="0" eaLnBrk="1" latinLnBrk="0" hangingPunct="1">
-        <a:defRPr sz="1350" kern="1200">
+      <a:lvl8pPr marL="3200400" algn="l" defTabSz="914400" rtl="0" eaLnBrk="1" latinLnBrk="0" hangingPunct="1">
+        <a:defRPr sz="1800" kern="1200">
           <a:solidFill>
             <a:schemeClr val="tx1"/>
           </a:solidFill>
@@ -2942,8 +2943,8 @@
           <a:cs typeface="+mn-cs"/>
         </a:defRPr>
       </a:lvl8pPr>
-      <a:lvl9pPr marL="2743200" algn="l" defTabSz="685800" rtl="0" eaLnBrk="1" latinLnBrk="0" hangingPunct="1">
-        <a:defRPr sz="1350" kern="1200">
+      <a:lvl9pPr marL="3657600" algn="l" defTabSz="914400" rtl="0" eaLnBrk="1" latinLnBrk="0" hangingPunct="1">
+        <a:defRPr sz="1800" kern="1200">
           <a:solidFill>
             <a:schemeClr val="tx1"/>
           </a:solidFill>
@@ -2988,8 +2989,8 @@
         </p:nvGrpSpPr>
         <p:grpSpPr>
           <a:xfrm>
-            <a:off x="2266922" y="181196"/>
-            <a:ext cx="2545289" cy="1553406"/>
+            <a:off x="4148485" y="125443"/>
+            <a:ext cx="1762123" cy="1075435"/>
             <a:chOff x="1571043" y="484816"/>
             <a:chExt cx="4524957" cy="2761611"/>
           </a:xfrm>
@@ -3036,7 +3037,7 @@
             <a:p>
               <a:pPr algn="ctr"/>
               <a:r>
-                <a:rPr lang="en-US" sz="1125" b="1"/>
+                <a:rPr lang="en-US" sz="779" b="1"/>
                 <a:t>Shape</a:t>
               </a:r>
             </a:p>
@@ -3082,12 +3083,12 @@
             <a:bodyPr rtlCol="0" anchor="t"/>
             <a:lstStyle/>
             <a:p>
-              <a:pPr indent="-80999">
+              <a:pPr indent="-56076">
                 <a:buFont typeface="Calibri" panose="020F0502020204030204" pitchFamily="34" charset="0"/>
                 <a:buChar char="-"/>
               </a:pPr>
               <a:r>
-                <a:rPr lang="en-US" sz="788">
+                <a:rPr lang="en-US" sz="546">
                   <a:solidFill>
                     <a:schemeClr val="tx1"/>
                   </a:solidFill>
@@ -3098,12 +3099,12 @@
               </a:r>
             </a:p>
             <a:p>
-              <a:pPr indent="-80999">
+              <a:pPr indent="-56076">
                 <a:buFont typeface="Calibri" panose="020F0502020204030204" pitchFamily="34" charset="0"/>
                 <a:buChar char="-"/>
               </a:pPr>
               <a:r>
-                <a:rPr lang="en-US" sz="788">
+                <a:rPr lang="en-US" sz="546">
                   <a:solidFill>
                     <a:schemeClr val="tx1"/>
                   </a:solidFill>
@@ -3155,12 +3156,12 @@
             <a:bodyPr rtlCol="0" anchor="t"/>
             <a:lstStyle/>
             <a:p>
-              <a:pPr indent="-80999">
-                <a:buFont typeface="Calibri" panose="020F0502020204030204" pitchFamily="34" charset="0"/>
-                <a:buChar char="+"/>
-              </a:pPr>
-              <a:r>
-                <a:rPr lang="en-US" sz="788">
+              <a:pPr indent="-56076">
+                <a:buFont typeface="Calibri" panose="020F0502020204030204" pitchFamily="34" charset="0"/>
+                <a:buChar char="+"/>
+              </a:pPr>
+              <a:r>
+                <a:rPr lang="en-US" sz="546">
                   <a:solidFill>
                     <a:schemeClr val="tx1"/>
                   </a:solidFill>
@@ -3171,12 +3172,12 @@
               </a:r>
             </a:p>
             <a:p>
-              <a:pPr indent="-80999">
-                <a:buFont typeface="Calibri" panose="020F0502020204030204" pitchFamily="34" charset="0"/>
-                <a:buChar char="+"/>
-              </a:pPr>
-              <a:r>
-                <a:rPr lang="en-US" sz="788">
+              <a:pPr indent="-56076">
+                <a:buFont typeface="Calibri" panose="020F0502020204030204" pitchFamily="34" charset="0"/>
+                <a:buChar char="+"/>
+              </a:pPr>
+              <a:r>
+                <a:rPr lang="en-US" sz="546">
                   <a:solidFill>
                     <a:schemeClr val="tx1"/>
                   </a:solidFill>
@@ -3187,12 +3188,12 @@
               </a:r>
             </a:p>
             <a:p>
-              <a:pPr indent="-80999">
-                <a:buFont typeface="Calibri" panose="020F0502020204030204" pitchFamily="34" charset="0"/>
-                <a:buChar char="+"/>
-              </a:pPr>
-              <a:r>
-                <a:rPr lang="en-US" sz="788">
+              <a:pPr indent="-56076">
+                <a:buFont typeface="Calibri" panose="020F0502020204030204" pitchFamily="34" charset="0"/>
+                <a:buChar char="+"/>
+              </a:pPr>
+              <a:r>
+                <a:rPr lang="en-US" sz="546">
                   <a:solidFill>
                     <a:schemeClr val="tx1"/>
                   </a:solidFill>
@@ -3203,12 +3204,12 @@
               </a:r>
             </a:p>
             <a:p>
-              <a:pPr indent="-80999">
-                <a:buFont typeface="Calibri" panose="020F0502020204030204" pitchFamily="34" charset="0"/>
-                <a:buChar char="+"/>
-              </a:pPr>
-              <a:r>
-                <a:rPr lang="en-US" sz="788">
+              <a:pPr indent="-56076">
+                <a:buFont typeface="Calibri" panose="020F0502020204030204" pitchFamily="34" charset="0"/>
+                <a:buChar char="+"/>
+              </a:pPr>
+              <a:r>
+                <a:rPr lang="en-US" sz="546">
                   <a:solidFill>
                     <a:schemeClr val="tx1"/>
                   </a:solidFill>
@@ -3219,12 +3220,12 @@
               </a:r>
             </a:p>
             <a:p>
-              <a:pPr indent="-80999">
-                <a:buFont typeface="Calibri" panose="020F0502020204030204" pitchFamily="34" charset="0"/>
-                <a:buChar char="+"/>
-              </a:pPr>
-              <a:r>
-                <a:rPr lang="en-US" sz="788">
+              <a:pPr indent="-56076">
+                <a:buFont typeface="Calibri" panose="020F0502020204030204" pitchFamily="34" charset="0"/>
+                <a:buChar char="+"/>
+              </a:pPr>
+              <a:r>
+                <a:rPr lang="en-US" sz="546">
                   <a:solidFill>
                     <a:schemeClr val="tx1"/>
                   </a:solidFill>
@@ -3235,12 +3236,12 @@
               </a:r>
             </a:p>
             <a:p>
-              <a:pPr indent="-80999">
-                <a:buFont typeface="Calibri" panose="020F0502020204030204" pitchFamily="34" charset="0"/>
-                <a:buChar char="+"/>
-              </a:pPr>
-              <a:r>
-                <a:rPr lang="en-US" sz="788">
+              <a:pPr indent="-56076">
+                <a:buFont typeface="Calibri" panose="020F0502020204030204" pitchFamily="34" charset="0"/>
+                <a:buChar char="+"/>
+              </a:pPr>
+              <a:r>
+                <a:rPr lang="en-US" sz="546">
                   <a:solidFill>
                     <a:schemeClr val="tx1"/>
                   </a:solidFill>
@@ -3251,12 +3252,12 @@
               </a:r>
             </a:p>
             <a:p>
-              <a:pPr indent="-80999">
-                <a:buFont typeface="Calibri" panose="020F0502020204030204" pitchFamily="34" charset="0"/>
-                <a:buChar char="+"/>
-              </a:pPr>
-              <a:r>
-                <a:rPr lang="en-US" sz="788" b="1">
+              <a:pPr indent="-56076">
+                <a:buFont typeface="Calibri" panose="020F0502020204030204" pitchFamily="34" charset="0"/>
+                <a:buChar char="+"/>
+              </a:pPr>
+              <a:r>
+                <a:rPr lang="en-US" sz="546" b="1">
                   <a:solidFill>
                     <a:schemeClr val="tx1"/>
                   </a:solidFill>
@@ -3283,8 +3284,8 @@
         </p:nvGrpSpPr>
         <p:grpSpPr>
           <a:xfrm>
-            <a:off x="292432" y="2288787"/>
-            <a:ext cx="2357712" cy="1670439"/>
+            <a:off x="2781530" y="1584545"/>
+            <a:ext cx="1632262" cy="1156458"/>
             <a:chOff x="1566476" y="484816"/>
             <a:chExt cx="4191486" cy="2969671"/>
           </a:xfrm>
@@ -3331,7 +3332,7 @@
             <a:p>
               <a:pPr algn="ctr"/>
               <a:r>
-                <a:rPr lang="en-US" sz="1125" b="1"/>
+                <a:rPr lang="en-US" sz="779" b="1"/>
                 <a:t>Circle</a:t>
               </a:r>
             </a:p>
@@ -3377,12 +3378,12 @@
             <a:bodyPr rtlCol="0" anchor="t"/>
             <a:lstStyle/>
             <a:p>
-              <a:pPr indent="-80999">
+              <a:pPr indent="-56076">
                 <a:buFont typeface="Calibri" panose="020F0502020204030204" pitchFamily="34" charset="0"/>
                 <a:buChar char="-"/>
               </a:pPr>
               <a:r>
-                <a:rPr lang="en-US" sz="788">
+                <a:rPr lang="en-US" sz="546">
                   <a:solidFill>
                     <a:schemeClr val="tx1"/>
                   </a:solidFill>
@@ -3434,12 +3435,12 @@
             <a:bodyPr rtlCol="0" anchor="t"/>
             <a:lstStyle/>
             <a:p>
-              <a:pPr indent="-80999">
-                <a:buFont typeface="Calibri" panose="020F0502020204030204" pitchFamily="34" charset="0"/>
-                <a:buChar char="+"/>
-              </a:pPr>
-              <a:r>
-                <a:rPr lang="en-US" sz="788">
+              <a:pPr indent="-56076">
+                <a:buFont typeface="Calibri" panose="020F0502020204030204" pitchFamily="34" charset="0"/>
+                <a:buChar char="+"/>
+              </a:pPr>
+              <a:r>
+                <a:rPr lang="en-US" sz="546">
                   <a:solidFill>
                     <a:schemeClr val="tx1"/>
                   </a:solidFill>
@@ -3450,12 +3451,12 @@
               </a:r>
             </a:p>
             <a:p>
-              <a:pPr indent="-80999">
-                <a:buFont typeface="Calibri" panose="020F0502020204030204" pitchFamily="34" charset="0"/>
-                <a:buChar char="+"/>
-              </a:pPr>
-              <a:r>
-                <a:rPr lang="en-US" sz="788">
+              <a:pPr indent="-56076">
+                <a:buFont typeface="Calibri" panose="020F0502020204030204" pitchFamily="34" charset="0"/>
+                <a:buChar char="+"/>
+              </a:pPr>
+              <a:r>
+                <a:rPr lang="en-US" sz="546">
                   <a:solidFill>
                     <a:schemeClr val="tx1"/>
                   </a:solidFill>
@@ -3466,12 +3467,12 @@
               </a:r>
             </a:p>
             <a:p>
-              <a:pPr indent="-80999">
-                <a:buFont typeface="Calibri" panose="020F0502020204030204" pitchFamily="34" charset="0"/>
-                <a:buChar char="+"/>
-              </a:pPr>
-              <a:r>
-                <a:rPr lang="en-US" sz="788">
+              <a:pPr indent="-56076">
+                <a:buFont typeface="Calibri" panose="020F0502020204030204" pitchFamily="34" charset="0"/>
+                <a:buChar char="+"/>
+              </a:pPr>
+              <a:r>
+                <a:rPr lang="en-US" sz="546">
                   <a:solidFill>
                     <a:schemeClr val="tx1"/>
                   </a:solidFill>
@@ -3482,12 +3483,12 @@
               </a:r>
             </a:p>
             <a:p>
-              <a:pPr indent="-80999">
-                <a:buFont typeface="Calibri" panose="020F0502020204030204" pitchFamily="34" charset="0"/>
-                <a:buChar char="+"/>
-              </a:pPr>
-              <a:r>
-                <a:rPr lang="en-US" sz="788">
+              <a:pPr indent="-56076">
+                <a:buFont typeface="Calibri" panose="020F0502020204030204" pitchFamily="34" charset="0"/>
+                <a:buChar char="+"/>
+              </a:pPr>
+              <a:r>
+                <a:rPr lang="en-US" sz="546">
                   <a:solidFill>
                     <a:schemeClr val="tx1"/>
                   </a:solidFill>
@@ -3498,12 +3499,12 @@
               </a:r>
             </a:p>
             <a:p>
-              <a:pPr indent="-80999">
-                <a:buFont typeface="Calibri" panose="020F0502020204030204" pitchFamily="34" charset="0"/>
-                <a:buChar char="+"/>
-              </a:pPr>
-              <a:r>
-                <a:rPr lang="en-US" sz="788">
+              <a:pPr indent="-56076">
+                <a:buFont typeface="Calibri" panose="020F0502020204030204" pitchFamily="34" charset="0"/>
+                <a:buChar char="+"/>
+              </a:pPr>
+              <a:r>
+                <a:rPr lang="en-US" sz="546">
                   <a:solidFill>
                     <a:schemeClr val="tx1"/>
                   </a:solidFill>
@@ -3514,12 +3515,12 @@
               </a:r>
             </a:p>
             <a:p>
-              <a:pPr indent="-80999">
-                <a:buFont typeface="Calibri" panose="020F0502020204030204" pitchFamily="34" charset="0"/>
-                <a:buChar char="+"/>
-              </a:pPr>
-              <a:r>
-                <a:rPr lang="en-US" sz="788">
+              <a:pPr indent="-56076">
+                <a:buFont typeface="Calibri" panose="020F0502020204030204" pitchFamily="34" charset="0"/>
+                <a:buChar char="+"/>
+              </a:pPr>
+              <a:r>
+                <a:rPr lang="en-US" sz="546">
                   <a:solidFill>
                     <a:schemeClr val="tx1"/>
                   </a:solidFill>
@@ -3530,12 +3531,12 @@
               </a:r>
             </a:p>
             <a:p>
-              <a:pPr indent="-80999">
-                <a:buFont typeface="Calibri" panose="020F0502020204030204" pitchFamily="34" charset="0"/>
-                <a:buChar char="+"/>
-              </a:pPr>
-              <a:r>
-                <a:rPr lang="en-US" sz="788">
+              <a:pPr indent="-56076">
+                <a:buFont typeface="Calibri" panose="020F0502020204030204" pitchFamily="34" charset="0"/>
+                <a:buChar char="+"/>
+              </a:pPr>
+              <a:r>
+                <a:rPr lang="en-US" sz="546">
                   <a:solidFill>
                     <a:schemeClr val="tx1"/>
                   </a:solidFill>
@@ -3546,12 +3547,12 @@
               </a:r>
             </a:p>
             <a:p>
-              <a:pPr indent="-80999">
-                <a:buFont typeface="Calibri" panose="020F0502020204030204" pitchFamily="34" charset="0"/>
-                <a:buChar char="+"/>
-              </a:pPr>
-              <a:r>
-                <a:rPr lang="en-US" sz="788" b="1">
+              <a:pPr indent="-56076">
+                <a:buFont typeface="Calibri" panose="020F0502020204030204" pitchFamily="34" charset="0"/>
+                <a:buChar char="+"/>
+              </a:pPr>
+              <a:r>
+                <a:rPr lang="en-US" sz="546" b="1">
                   <a:solidFill>
                     <a:schemeClr val="tx1"/>
                   </a:solidFill>
@@ -3582,8 +3583,8 @@
         </p:nvCxnSpPr>
         <p:spPr>
           <a:xfrm rot="5400000" flipH="1" flipV="1">
-            <a:off x="2017326" y="766546"/>
-            <a:ext cx="554185" cy="2490298"/>
+            <a:off x="3975687" y="530686"/>
+            <a:ext cx="383667" cy="1724052"/>
           </a:xfrm>
           <a:prstGeom prst="bentConnector3">
             <a:avLst/>
@@ -3621,8 +3622,8 @@
         </p:nvGrpSpPr>
         <p:grpSpPr>
           <a:xfrm>
-            <a:off x="3676726" y="2288787"/>
-            <a:ext cx="2946084" cy="2092713"/>
+            <a:off x="5124502" y="1584545"/>
+            <a:ext cx="2039597" cy="1448801"/>
             <a:chOff x="1571045" y="484816"/>
             <a:chExt cx="4191486" cy="3720382"/>
           </a:xfrm>
@@ -3669,7 +3670,7 @@
             <a:p>
               <a:pPr algn="ctr"/>
               <a:r>
-                <a:rPr lang="en-US" sz="1125" b="1"/>
+                <a:rPr lang="en-US" sz="779" b="1"/>
                 <a:t>Rectangle</a:t>
               </a:r>
             </a:p>
@@ -3715,12 +3716,12 @@
             <a:bodyPr rtlCol="0" anchor="t"/>
             <a:lstStyle/>
             <a:p>
-              <a:pPr indent="-80999">
+              <a:pPr indent="-56076">
                 <a:buFont typeface="Calibri" panose="020F0502020204030204" pitchFamily="34" charset="0"/>
                 <a:buChar char="-"/>
               </a:pPr>
               <a:r>
-                <a:rPr lang="en-US" sz="788">
+                <a:rPr lang="en-US" sz="546">
                   <a:solidFill>
                     <a:schemeClr val="tx1"/>
                   </a:solidFill>
@@ -3731,12 +3732,12 @@
               </a:r>
             </a:p>
             <a:p>
-              <a:pPr indent="-80999">
+              <a:pPr indent="-56076">
                 <a:buFont typeface="Calibri" panose="020F0502020204030204" pitchFamily="34" charset="0"/>
                 <a:buChar char="-"/>
               </a:pPr>
               <a:r>
-                <a:rPr lang="en-US" sz="788">
+                <a:rPr lang="en-US" sz="546">
                   <a:solidFill>
                     <a:schemeClr val="tx1"/>
                   </a:solidFill>
@@ -3788,12 +3789,12 @@
             <a:bodyPr rtlCol="0" anchor="t"/>
             <a:lstStyle/>
             <a:p>
-              <a:pPr indent="-80999">
-                <a:buFont typeface="Calibri" panose="020F0502020204030204" pitchFamily="34" charset="0"/>
-                <a:buChar char="+"/>
-              </a:pPr>
-              <a:r>
-                <a:rPr lang="en-US" sz="788">
+              <a:pPr indent="-56076">
+                <a:buFont typeface="Calibri" panose="020F0502020204030204" pitchFamily="34" charset="0"/>
+                <a:buChar char="+"/>
+              </a:pPr>
+              <a:r>
+                <a:rPr lang="en-US" sz="546">
                   <a:solidFill>
                     <a:schemeClr val="tx1"/>
                   </a:solidFill>
@@ -3804,12 +3805,12 @@
               </a:r>
             </a:p>
             <a:p>
-              <a:pPr indent="-80999">
-                <a:buFont typeface="Calibri" panose="020F0502020204030204" pitchFamily="34" charset="0"/>
-                <a:buChar char="+"/>
-              </a:pPr>
-              <a:r>
-                <a:rPr lang="en-US" sz="788">
+              <a:pPr indent="-56076">
+                <a:buFont typeface="Calibri" panose="020F0502020204030204" pitchFamily="34" charset="0"/>
+                <a:buChar char="+"/>
+              </a:pPr>
+              <a:r>
+                <a:rPr lang="en-US" sz="546">
                   <a:solidFill>
                     <a:schemeClr val="tx1"/>
                   </a:solidFill>
@@ -3820,12 +3821,12 @@
               </a:r>
             </a:p>
             <a:p>
-              <a:pPr indent="-80999">
-                <a:buFont typeface="Calibri" panose="020F0502020204030204" pitchFamily="34" charset="0"/>
-                <a:buChar char="+"/>
-              </a:pPr>
-              <a:r>
-                <a:rPr lang="en-US" sz="788">
+              <a:pPr indent="-56076">
+                <a:buFont typeface="Calibri" panose="020F0502020204030204" pitchFamily="34" charset="0"/>
+                <a:buChar char="+"/>
+              </a:pPr>
+              <a:r>
+                <a:rPr lang="en-US" sz="546">
                   <a:solidFill>
                     <a:schemeClr val="tx1"/>
                   </a:solidFill>
@@ -3836,12 +3837,12 @@
               </a:r>
             </a:p>
             <a:p>
-              <a:pPr indent="-80999">
-                <a:buFont typeface="Calibri" panose="020F0502020204030204" pitchFamily="34" charset="0"/>
-                <a:buChar char="+"/>
-              </a:pPr>
-              <a:r>
-                <a:rPr lang="en-US" sz="788">
+              <a:pPr indent="-56076">
+                <a:buFont typeface="Calibri" panose="020F0502020204030204" pitchFamily="34" charset="0"/>
+                <a:buChar char="+"/>
+              </a:pPr>
+              <a:r>
+                <a:rPr lang="en-US" sz="546">
                   <a:solidFill>
                     <a:schemeClr val="tx1"/>
                   </a:solidFill>
@@ -3852,12 +3853,12 @@
               </a:r>
             </a:p>
             <a:p>
-              <a:pPr indent="-80999">
-                <a:buFont typeface="Calibri" panose="020F0502020204030204" pitchFamily="34" charset="0"/>
-                <a:buChar char="+"/>
-              </a:pPr>
-              <a:r>
-                <a:rPr lang="en-US" sz="788">
+              <a:pPr indent="-56076">
+                <a:buFont typeface="Calibri" panose="020F0502020204030204" pitchFamily="34" charset="0"/>
+                <a:buChar char="+"/>
+              </a:pPr>
+              <a:r>
+                <a:rPr lang="en-US" sz="546">
                   <a:solidFill>
                     <a:schemeClr val="tx1"/>
                   </a:solidFill>
@@ -3868,12 +3869,12 @@
               </a:r>
             </a:p>
             <a:p>
-              <a:pPr indent="-80999">
-                <a:buFont typeface="Calibri" panose="020F0502020204030204" pitchFamily="34" charset="0"/>
-                <a:buChar char="+"/>
-              </a:pPr>
-              <a:r>
-                <a:rPr lang="en-US" sz="788">
+              <a:pPr indent="-56076">
+                <a:buFont typeface="Calibri" panose="020F0502020204030204" pitchFamily="34" charset="0"/>
+                <a:buChar char="+"/>
+              </a:pPr>
+              <a:r>
+                <a:rPr lang="en-US" sz="546">
                   <a:solidFill>
                     <a:schemeClr val="tx1"/>
                   </a:solidFill>
@@ -3884,12 +3885,12 @@
               </a:r>
             </a:p>
             <a:p>
-              <a:pPr indent="-80999">
-                <a:buFont typeface="Calibri" panose="020F0502020204030204" pitchFamily="34" charset="0"/>
-                <a:buChar char="+"/>
-              </a:pPr>
-              <a:r>
-                <a:rPr lang="en-US" sz="788">
+              <a:pPr indent="-56076">
+                <a:buFont typeface="Calibri" panose="020F0502020204030204" pitchFamily="34" charset="0"/>
+                <a:buChar char="+"/>
+              </a:pPr>
+              <a:r>
+                <a:rPr lang="en-US" sz="546">
                   <a:solidFill>
                     <a:schemeClr val="tx1"/>
                   </a:solidFill>
@@ -3900,12 +3901,12 @@
               </a:r>
             </a:p>
             <a:p>
-              <a:pPr indent="-80999">
-                <a:buFont typeface="Calibri" panose="020F0502020204030204" pitchFamily="34" charset="0"/>
-                <a:buChar char="+"/>
-              </a:pPr>
-              <a:r>
-                <a:rPr lang="en-US" sz="788">
+              <a:pPr indent="-56076">
+                <a:buFont typeface="Calibri" panose="020F0502020204030204" pitchFamily="34" charset="0"/>
+                <a:buChar char="+"/>
+              </a:pPr>
+              <a:r>
+                <a:rPr lang="en-US" sz="546">
                   <a:solidFill>
                     <a:schemeClr val="tx1"/>
                   </a:solidFill>
@@ -3916,12 +3917,12 @@
               </a:r>
             </a:p>
             <a:p>
-              <a:pPr indent="-80999">
-                <a:buFont typeface="Calibri" panose="020F0502020204030204" pitchFamily="34" charset="0"/>
-                <a:buChar char="+"/>
-              </a:pPr>
-              <a:r>
-                <a:rPr lang="en-US" sz="788">
+              <a:pPr indent="-56076">
+                <a:buFont typeface="Calibri" panose="020F0502020204030204" pitchFamily="34" charset="0"/>
+                <a:buChar char="+"/>
+              </a:pPr>
+              <a:r>
+                <a:rPr lang="en-US" sz="546">
                   <a:solidFill>
                     <a:schemeClr val="tx1"/>
                   </a:solidFill>
@@ -3932,12 +3933,12 @@
               </a:r>
             </a:p>
             <a:p>
-              <a:pPr indent="-80999">
-                <a:buFont typeface="Calibri" panose="020F0502020204030204" pitchFamily="34" charset="0"/>
-                <a:buChar char="+"/>
-              </a:pPr>
-              <a:r>
-                <a:rPr lang="en-US" sz="788" b="1">
+              <a:pPr indent="-56076">
+                <a:buFont typeface="Calibri" panose="020F0502020204030204" pitchFamily="34" charset="0"/>
+                <a:buChar char="+"/>
+              </a:pPr>
+              <a:r>
+                <a:rPr lang="en-US" sz="546" b="1">
                   <a:solidFill>
                     <a:schemeClr val="tx1"/>
                   </a:solidFill>
@@ -3968,8 +3969,8 @@
         </p:nvCxnSpPr>
         <p:spPr>
           <a:xfrm rot="16200000" flipV="1">
-            <a:off x="3802303" y="1471867"/>
-            <a:ext cx="554185" cy="1079655"/>
+            <a:off x="5211441" y="1018985"/>
+            <a:ext cx="383667" cy="747453"/>
           </a:xfrm>
           <a:prstGeom prst="bentConnector3">
             <a:avLst>
@@ -4009,8 +4010,8 @@
         </p:nvGrpSpPr>
         <p:grpSpPr>
           <a:xfrm>
-            <a:off x="3676726" y="4856728"/>
-            <a:ext cx="2946084" cy="1707902"/>
+            <a:off x="5124502" y="3362350"/>
+            <a:ext cx="2039597" cy="1182394"/>
             <a:chOff x="1571045" y="484816"/>
             <a:chExt cx="4191486" cy="3036273"/>
           </a:xfrm>
@@ -4057,7 +4058,7 @@
             <a:p>
               <a:pPr algn="ctr"/>
               <a:r>
-                <a:rPr lang="en-US" sz="1125" b="1"/>
+                <a:rPr lang="en-US" sz="779" b="1"/>
                 <a:t>Square</a:t>
               </a:r>
             </a:p>
@@ -4104,7 +4105,7 @@
             <a:lstStyle/>
             <a:p>
               <a:r>
-                <a:rPr lang="en-US" sz="788">
+                <a:rPr lang="en-US" sz="546">
                   <a:solidFill>
                     <a:schemeClr val="tx1"/>
                   </a:solidFill>
@@ -4156,12 +4157,12 @@
             <a:bodyPr rtlCol="0" anchor="t"/>
             <a:lstStyle/>
             <a:p>
-              <a:pPr indent="-80999">
-                <a:buFont typeface="Calibri" panose="020F0502020204030204" pitchFamily="34" charset="0"/>
-                <a:buChar char="+"/>
-              </a:pPr>
-              <a:r>
-                <a:rPr lang="en-US" sz="788">
+              <a:pPr indent="-56076">
+                <a:buFont typeface="Calibri" panose="020F0502020204030204" pitchFamily="34" charset="0"/>
+                <a:buChar char="+"/>
+              </a:pPr>
+              <a:r>
+                <a:rPr lang="en-US" sz="546">
                   <a:solidFill>
                     <a:schemeClr val="tx1"/>
                   </a:solidFill>
@@ -4172,12 +4173,12 @@
               </a:r>
             </a:p>
             <a:p>
-              <a:pPr indent="-80999">
-                <a:buFont typeface="Calibri" panose="020F0502020204030204" pitchFamily="34" charset="0"/>
-                <a:buChar char="+"/>
-              </a:pPr>
-              <a:r>
-                <a:rPr lang="en-US" sz="788">
+              <a:pPr indent="-56076">
+                <a:buFont typeface="Calibri" panose="020F0502020204030204" pitchFamily="34" charset="0"/>
+                <a:buChar char="+"/>
+              </a:pPr>
+              <a:r>
+                <a:rPr lang="en-US" sz="546">
                   <a:solidFill>
                     <a:schemeClr val="tx1"/>
                   </a:solidFill>
@@ -4188,12 +4189,12 @@
               </a:r>
             </a:p>
             <a:p>
-              <a:pPr indent="-80999">
-                <a:buFont typeface="Calibri" panose="020F0502020204030204" pitchFamily="34" charset="0"/>
-                <a:buChar char="+"/>
-              </a:pPr>
-              <a:r>
-                <a:rPr lang="en-US" sz="788">
+              <a:pPr indent="-56076">
+                <a:buFont typeface="Calibri" panose="020F0502020204030204" pitchFamily="34" charset="0"/>
+                <a:buChar char="+"/>
+              </a:pPr>
+              <a:r>
+                <a:rPr lang="en-US" sz="546">
                   <a:solidFill>
                     <a:schemeClr val="tx1"/>
                   </a:solidFill>
@@ -4204,12 +4205,12 @@
               </a:r>
             </a:p>
             <a:p>
-              <a:pPr indent="-80999">
-                <a:buFont typeface="Calibri" panose="020F0502020204030204" pitchFamily="34" charset="0"/>
-                <a:buChar char="+"/>
-              </a:pPr>
-              <a:r>
-                <a:rPr lang="en-US" sz="788">
+              <a:pPr indent="-56076">
+                <a:buFont typeface="Calibri" panose="020F0502020204030204" pitchFamily="34" charset="0"/>
+                <a:buChar char="+"/>
+              </a:pPr>
+              <a:r>
+                <a:rPr lang="en-US" sz="546">
                   <a:solidFill>
                     <a:schemeClr val="tx1"/>
                   </a:solidFill>
@@ -4220,12 +4221,12 @@
               </a:r>
             </a:p>
             <a:p>
-              <a:pPr indent="-80999">
-                <a:buFont typeface="Calibri" panose="020F0502020204030204" pitchFamily="34" charset="0"/>
-                <a:buChar char="+"/>
-              </a:pPr>
-              <a:r>
-                <a:rPr lang="en-US" sz="788">
+              <a:pPr indent="-56076">
+                <a:buFont typeface="Calibri" panose="020F0502020204030204" pitchFamily="34" charset="0"/>
+                <a:buChar char="+"/>
+              </a:pPr>
+              <a:r>
+                <a:rPr lang="en-US" sz="546">
                   <a:solidFill>
                     <a:schemeClr val="tx1"/>
                   </a:solidFill>
@@ -4236,12 +4237,12 @@
               </a:r>
             </a:p>
             <a:p>
-              <a:pPr indent="-80999">
-                <a:buFont typeface="Calibri" panose="020F0502020204030204" pitchFamily="34" charset="0"/>
-                <a:buChar char="+"/>
-              </a:pPr>
-              <a:r>
-                <a:rPr lang="en-US" sz="788">
+              <a:pPr indent="-56076">
+                <a:buFont typeface="Calibri" panose="020F0502020204030204" pitchFamily="34" charset="0"/>
+                <a:buChar char="+"/>
+              </a:pPr>
+              <a:r>
+                <a:rPr lang="en-US" sz="546">
                   <a:solidFill>
                     <a:schemeClr val="tx1"/>
                   </a:solidFill>
@@ -4252,12 +4253,12 @@
               </a:r>
             </a:p>
             <a:p>
-              <a:pPr indent="-80999">
-                <a:buFont typeface="Calibri" panose="020F0502020204030204" pitchFamily="34" charset="0"/>
-                <a:buChar char="+"/>
-              </a:pPr>
-              <a:r>
-                <a:rPr lang="en-US" sz="788">
+              <a:pPr indent="-56076">
+                <a:buFont typeface="Calibri" panose="020F0502020204030204" pitchFamily="34" charset="0"/>
+                <a:buChar char="+"/>
+              </a:pPr>
+              <a:r>
+                <a:rPr lang="en-US" sz="546">
                   <a:solidFill>
                     <a:schemeClr val="tx1"/>
                   </a:solidFill>
@@ -4268,12 +4269,12 @@
               </a:r>
             </a:p>
             <a:p>
-              <a:pPr indent="-80999">
-                <a:buFont typeface="Calibri" panose="020F0502020204030204" pitchFamily="34" charset="0"/>
-                <a:buChar char="+"/>
-              </a:pPr>
-              <a:r>
-                <a:rPr lang="en-US" sz="788" b="1">
+              <a:pPr indent="-56076">
+                <a:buFont typeface="Calibri" panose="020F0502020204030204" pitchFamily="34" charset="0"/>
+                <a:buChar char="+"/>
+              </a:pPr>
+              <a:r>
+                <a:rPr lang="en-US" sz="546" b="1">
                   <a:solidFill>
                     <a:schemeClr val="tx1"/>
                   </a:solidFill>
@@ -4303,8 +4304,8 @@
         </p:nvCxnSpPr>
         <p:spPr>
           <a:xfrm rot="5400000" flipH="1" flipV="1">
-            <a:off x="4381608" y="4619114"/>
-            <a:ext cx="475228" cy="1"/>
+            <a:off x="5612498" y="3197848"/>
+            <a:ext cx="329004" cy="1"/>
           </a:xfrm>
           <a:prstGeom prst="bentConnector3">
             <a:avLst>
@@ -4374,8 +4375,8 @@
         </p:nvGrpSpPr>
         <p:grpSpPr>
           <a:xfrm>
-            <a:off x="2289148" y="1614062"/>
-            <a:ext cx="2545289" cy="1589513"/>
+            <a:off x="4163872" y="1117428"/>
+            <a:ext cx="1762123" cy="1100432"/>
             <a:chOff x="1571045" y="484816"/>
             <a:chExt cx="4524957" cy="3266066"/>
           </a:xfrm>
@@ -4422,7 +4423,7 @@
             <a:p>
               <a:pPr algn="ctr"/>
               <a:r>
-                <a:rPr lang="en-US" sz="1125" b="1"/>
+                <a:rPr lang="en-US" sz="779" b="1"/>
                 <a:t>Circle</a:t>
               </a:r>
             </a:p>
@@ -4468,12 +4469,12 @@
             <a:bodyPr rtlCol="0" anchor="t"/>
             <a:lstStyle/>
             <a:p>
-              <a:pPr indent="-80999">
+              <a:pPr indent="-56076">
                 <a:buFont typeface="Calibri" panose="020F0502020204030204" pitchFamily="34" charset="0"/>
                 <a:buChar char="-"/>
               </a:pPr>
               <a:r>
-                <a:rPr lang="en-US" sz="788">
+                <a:rPr lang="en-US" sz="546">
                   <a:solidFill>
                     <a:schemeClr val="tx1"/>
                   </a:solidFill>
@@ -4484,12 +4485,12 @@
               </a:r>
             </a:p>
             <a:p>
-              <a:pPr indent="-80999">
+              <a:pPr indent="-56076">
                 <a:buFont typeface="Calibri" panose="020F0502020204030204" pitchFamily="34" charset="0"/>
                 <a:buChar char="-"/>
               </a:pPr>
               <a:r>
-                <a:rPr lang="en-US" sz="788">
+                <a:rPr lang="en-US" sz="546">
                   <a:solidFill>
                     <a:schemeClr val="tx1"/>
                   </a:solidFill>
@@ -4541,12 +4542,12 @@
             <a:bodyPr rtlCol="0" anchor="t"/>
             <a:lstStyle/>
             <a:p>
-              <a:pPr indent="-80999">
-                <a:buFont typeface="Calibri" panose="020F0502020204030204" pitchFamily="34" charset="0"/>
-                <a:buChar char="+"/>
-              </a:pPr>
-              <a:r>
-                <a:rPr lang="en-US" sz="788">
+              <a:pPr indent="-56076">
+                <a:buFont typeface="Calibri" panose="020F0502020204030204" pitchFamily="34" charset="0"/>
+                <a:buChar char="+"/>
+              </a:pPr>
+              <a:r>
+                <a:rPr lang="en-US" sz="546">
                   <a:solidFill>
                     <a:schemeClr val="tx1"/>
                   </a:solidFill>
@@ -4557,12 +4558,12 @@
               </a:r>
             </a:p>
             <a:p>
-              <a:pPr indent="-80999">
-                <a:buFont typeface="Calibri" panose="020F0502020204030204" pitchFamily="34" charset="0"/>
-                <a:buChar char="+"/>
-              </a:pPr>
-              <a:r>
-                <a:rPr lang="en-US" sz="788">
+              <a:pPr indent="-56076">
+                <a:buFont typeface="Calibri" panose="020F0502020204030204" pitchFamily="34" charset="0"/>
+                <a:buChar char="+"/>
+              </a:pPr>
+              <a:r>
+                <a:rPr lang="en-US" sz="546">
                   <a:solidFill>
                     <a:schemeClr val="tx1"/>
                   </a:solidFill>
@@ -4573,12 +4574,12 @@
               </a:r>
             </a:p>
             <a:p>
-              <a:pPr indent="-80999">
-                <a:buFont typeface="Calibri" panose="020F0502020204030204" pitchFamily="34" charset="0"/>
-                <a:buChar char="+"/>
-              </a:pPr>
-              <a:r>
-                <a:rPr lang="en-US" sz="788">
+              <a:pPr indent="-56076">
+                <a:buFont typeface="Calibri" panose="020F0502020204030204" pitchFamily="34" charset="0"/>
+                <a:buChar char="+"/>
+              </a:pPr>
+              <a:r>
+                <a:rPr lang="en-US" sz="546">
                   <a:solidFill>
                     <a:schemeClr val="tx1"/>
                   </a:solidFill>
@@ -4589,12 +4590,12 @@
               </a:r>
             </a:p>
             <a:p>
-              <a:pPr indent="-80999">
-                <a:buFont typeface="Calibri" panose="020F0502020204030204" pitchFamily="34" charset="0"/>
-                <a:buChar char="+"/>
-              </a:pPr>
-              <a:r>
-                <a:rPr lang="en-US" sz="788">
+              <a:pPr indent="-56076">
+                <a:buFont typeface="Calibri" panose="020F0502020204030204" pitchFamily="34" charset="0"/>
+                <a:buChar char="+"/>
+              </a:pPr>
+              <a:r>
+                <a:rPr lang="en-US" sz="546">
                   <a:solidFill>
                     <a:schemeClr val="tx1"/>
                   </a:solidFill>
@@ -4605,12 +4606,12 @@
               </a:r>
             </a:p>
             <a:p>
-              <a:pPr indent="-80999">
-                <a:buFont typeface="Calibri" panose="020F0502020204030204" pitchFamily="34" charset="0"/>
-                <a:buChar char="+"/>
-              </a:pPr>
-              <a:r>
-                <a:rPr lang="en-US" sz="788">
+              <a:pPr indent="-56076">
+                <a:buFont typeface="Calibri" panose="020F0502020204030204" pitchFamily="34" charset="0"/>
+                <a:buChar char="+"/>
+              </a:pPr>
+              <a:r>
+                <a:rPr lang="en-US" sz="546">
                   <a:solidFill>
                     <a:schemeClr val="tx1"/>
                   </a:solidFill>
@@ -4621,12 +4622,12 @@
               </a:r>
             </a:p>
             <a:p>
-              <a:pPr indent="-80999">
-                <a:buFont typeface="Calibri" panose="020F0502020204030204" pitchFamily="34" charset="0"/>
-                <a:buChar char="+"/>
-              </a:pPr>
-              <a:r>
-                <a:rPr lang="en-US" sz="788">
+              <a:pPr indent="-56076">
+                <a:buFont typeface="Calibri" panose="020F0502020204030204" pitchFamily="34" charset="0"/>
+                <a:buChar char="+"/>
+              </a:pPr>
+              <a:r>
+                <a:rPr lang="en-US" sz="546">
                   <a:solidFill>
                     <a:schemeClr val="tx1"/>
                   </a:solidFill>
@@ -4637,12 +4638,12 @@
               </a:r>
             </a:p>
             <a:p>
-              <a:pPr indent="-80999">
-                <a:buFont typeface="Calibri" panose="020F0502020204030204" pitchFamily="34" charset="0"/>
-                <a:buChar char="+"/>
-              </a:pPr>
-              <a:r>
-                <a:rPr lang="en-US" sz="788">
+              <a:pPr indent="-56076">
+                <a:buFont typeface="Calibri" panose="020F0502020204030204" pitchFamily="34" charset="0"/>
+                <a:buChar char="+"/>
+              </a:pPr>
+              <a:r>
+                <a:rPr lang="en-US" sz="546">
                   <a:solidFill>
                     <a:schemeClr val="tx1"/>
                   </a:solidFill>
@@ -4653,12 +4654,12 @@
               </a:r>
             </a:p>
             <a:p>
-              <a:pPr indent="-80999">
-                <a:buFont typeface="Calibri" panose="020F0502020204030204" pitchFamily="34" charset="0"/>
-                <a:buChar char="+"/>
-              </a:pPr>
-              <a:r>
-                <a:rPr lang="en-US" sz="788" b="1">
+              <a:pPr indent="-56076">
+                <a:buFont typeface="Calibri" panose="020F0502020204030204" pitchFamily="34" charset="0"/>
+                <a:buChar char="+"/>
+              </a:pPr>
+              <a:r>
+                <a:rPr lang="en-US" sz="546" b="1">
                   <a:solidFill>
                     <a:schemeClr val="tx1"/>
                   </a:solidFill>
@@ -4685,8 +4686,8 @@
         </p:nvGrpSpPr>
         <p:grpSpPr>
           <a:xfrm>
-            <a:off x="2289147" y="3727970"/>
-            <a:ext cx="2545289" cy="1522210"/>
+            <a:off x="4163871" y="2580902"/>
+            <a:ext cx="1762123" cy="1053838"/>
             <a:chOff x="1571045" y="484816"/>
             <a:chExt cx="4524957" cy="3127774"/>
           </a:xfrm>
@@ -4733,7 +4734,7 @@
             <a:p>
               <a:pPr algn="ctr"/>
               <a:r>
-                <a:rPr lang="en-US" sz="1125" b="1"/>
+                <a:rPr lang="en-US" sz="779" b="1"/>
                 <a:t>Cylinder</a:t>
               </a:r>
             </a:p>
@@ -4779,12 +4780,12 @@
             <a:bodyPr rtlCol="0" anchor="t"/>
             <a:lstStyle/>
             <a:p>
-              <a:pPr indent="-80999">
+              <a:pPr indent="-56076">
                 <a:buFont typeface="Calibri" panose="020F0502020204030204" pitchFamily="34" charset="0"/>
                 <a:buChar char="-"/>
               </a:pPr>
               <a:r>
-                <a:rPr lang="en-US" sz="788">
+                <a:rPr lang="en-US" sz="546">
                   <a:solidFill>
                     <a:schemeClr val="tx1"/>
                   </a:solidFill>
@@ -4836,12 +4837,12 @@
             <a:bodyPr rtlCol="0" anchor="t"/>
             <a:lstStyle/>
             <a:p>
-              <a:pPr indent="-80999">
-                <a:buFont typeface="Calibri" panose="020F0502020204030204" pitchFamily="34" charset="0"/>
-                <a:buChar char="+"/>
-              </a:pPr>
-              <a:r>
-                <a:rPr lang="en-US" sz="788">
+              <a:pPr indent="-56076">
+                <a:buFont typeface="Calibri" panose="020F0502020204030204" pitchFamily="34" charset="0"/>
+                <a:buChar char="+"/>
+              </a:pPr>
+              <a:r>
+                <a:rPr lang="en-US" sz="546">
                   <a:solidFill>
                     <a:schemeClr val="tx1"/>
                   </a:solidFill>
@@ -4852,12 +4853,12 @@
               </a:r>
             </a:p>
             <a:p>
-              <a:pPr indent="-80999">
-                <a:buFont typeface="Calibri" panose="020F0502020204030204" pitchFamily="34" charset="0"/>
-                <a:buChar char="+"/>
-              </a:pPr>
-              <a:r>
-                <a:rPr lang="en-US" sz="788">
+              <a:pPr indent="-56076">
+                <a:buFont typeface="Calibri" panose="020F0502020204030204" pitchFamily="34" charset="0"/>
+                <a:buChar char="+"/>
+              </a:pPr>
+              <a:r>
+                <a:rPr lang="en-US" sz="546">
                   <a:solidFill>
                     <a:schemeClr val="tx1"/>
                   </a:solidFill>
@@ -4868,12 +4869,12 @@
               </a:r>
             </a:p>
             <a:p>
-              <a:pPr indent="-80999">
-                <a:buFont typeface="Calibri" panose="020F0502020204030204" pitchFamily="34" charset="0"/>
-                <a:buChar char="+"/>
-              </a:pPr>
-              <a:r>
-                <a:rPr lang="en-US" sz="788">
+              <a:pPr indent="-56076">
+                <a:buFont typeface="Calibri" panose="020F0502020204030204" pitchFamily="34" charset="0"/>
+                <a:buChar char="+"/>
+              </a:pPr>
+              <a:r>
+                <a:rPr lang="en-US" sz="546">
                   <a:solidFill>
                     <a:schemeClr val="tx1"/>
                   </a:solidFill>
@@ -4884,12 +4885,12 @@
               </a:r>
             </a:p>
             <a:p>
-              <a:pPr indent="-80999">
-                <a:buFont typeface="Calibri" panose="020F0502020204030204" pitchFamily="34" charset="0"/>
-                <a:buChar char="+"/>
-              </a:pPr>
-              <a:r>
-                <a:rPr lang="en-US" sz="788">
+              <a:pPr indent="-56076">
+                <a:buFont typeface="Calibri" panose="020F0502020204030204" pitchFamily="34" charset="0"/>
+                <a:buChar char="+"/>
+              </a:pPr>
+              <a:r>
+                <a:rPr lang="en-US" sz="546">
                   <a:solidFill>
                     <a:schemeClr val="tx1"/>
                   </a:solidFill>
@@ -4900,12 +4901,12 @@
               </a:r>
             </a:p>
             <a:p>
-              <a:pPr indent="-80999">
-                <a:buFont typeface="Calibri" panose="020F0502020204030204" pitchFamily="34" charset="0"/>
-                <a:buChar char="+"/>
-              </a:pPr>
-              <a:r>
-                <a:rPr lang="en-US" sz="788">
+              <a:pPr indent="-56076">
+                <a:buFont typeface="Calibri" panose="020F0502020204030204" pitchFamily="34" charset="0"/>
+                <a:buChar char="+"/>
+              </a:pPr>
+              <a:r>
+                <a:rPr lang="en-US" sz="546">
                   <a:solidFill>
                     <a:schemeClr val="tx1"/>
                   </a:solidFill>
@@ -4916,12 +4917,12 @@
               </a:r>
             </a:p>
             <a:p>
-              <a:pPr indent="-80999">
-                <a:buFont typeface="Calibri" panose="020F0502020204030204" pitchFamily="34" charset="0"/>
-                <a:buChar char="+"/>
-              </a:pPr>
-              <a:r>
-                <a:rPr lang="en-US" sz="788">
+              <a:pPr indent="-56076">
+                <a:buFont typeface="Calibri" panose="020F0502020204030204" pitchFamily="34" charset="0"/>
+                <a:buChar char="+"/>
+              </a:pPr>
+              <a:r>
+                <a:rPr lang="en-US" sz="546">
                   <a:solidFill>
                     <a:schemeClr val="tx1"/>
                   </a:solidFill>
@@ -4932,12 +4933,12 @@
               </a:r>
             </a:p>
             <a:p>
-              <a:pPr indent="-80999">
-                <a:buFont typeface="Calibri" panose="020F0502020204030204" pitchFamily="34" charset="0"/>
-                <a:buChar char="+"/>
-              </a:pPr>
-              <a:r>
-                <a:rPr lang="en-US" sz="788" b="1">
+              <a:pPr indent="-56076">
+                <a:buFont typeface="Calibri" panose="020F0502020204030204" pitchFamily="34" charset="0"/>
+                <a:buChar char="+"/>
+              </a:pPr>
+              <a:r>
+                <a:rPr lang="en-US" sz="546" b="1">
                   <a:solidFill>
                     <a:schemeClr val="tx1"/>
                   </a:solidFill>
@@ -4968,8 +4969,8 @@
         </p:nvCxnSpPr>
         <p:spPr>
           <a:xfrm rot="5400000" flipH="1" flipV="1">
-            <a:off x="3040406" y="3206584"/>
-            <a:ext cx="524395" cy="518379"/>
+            <a:off x="4683974" y="2219943"/>
+            <a:ext cx="363043" cy="358878"/>
           </a:xfrm>
           <a:prstGeom prst="bentConnector3">
             <a:avLst>
@@ -5039,8 +5040,8 @@
         </p:nvGrpSpPr>
         <p:grpSpPr>
           <a:xfrm>
-            <a:off x="2099282" y="2642456"/>
-            <a:ext cx="2545289" cy="1553406"/>
+            <a:off x="4032426" y="1829393"/>
+            <a:ext cx="1762123" cy="1075435"/>
             <a:chOff x="1571043" y="484816"/>
             <a:chExt cx="4524957" cy="2761611"/>
           </a:xfrm>
@@ -5087,7 +5088,7 @@
             <a:p>
               <a:pPr algn="ctr"/>
               <a:r>
-                <a:rPr lang="en-US" sz="1125" b="1"/>
+                <a:rPr lang="en-US" sz="779" b="1"/>
                 <a:t>Shape</a:t>
               </a:r>
             </a:p>
@@ -5133,12 +5134,12 @@
             <a:bodyPr rtlCol="0" anchor="t"/>
             <a:lstStyle/>
             <a:p>
-              <a:pPr indent="-80999">
+              <a:pPr indent="-56076">
                 <a:buFont typeface="Calibri" panose="020F0502020204030204" pitchFamily="34" charset="0"/>
                 <a:buChar char="-"/>
               </a:pPr>
               <a:r>
-                <a:rPr lang="en-US" sz="788">
+                <a:rPr lang="en-US" sz="546">
                   <a:solidFill>
                     <a:schemeClr val="tx1"/>
                   </a:solidFill>
@@ -5149,12 +5150,12 @@
               </a:r>
             </a:p>
             <a:p>
-              <a:pPr indent="-80999">
+              <a:pPr indent="-56076">
                 <a:buFont typeface="Calibri" panose="020F0502020204030204" pitchFamily="34" charset="0"/>
                 <a:buChar char="-"/>
               </a:pPr>
               <a:r>
-                <a:rPr lang="en-US" sz="788">
+                <a:rPr lang="en-US" sz="546">
                   <a:solidFill>
                     <a:schemeClr val="tx1"/>
                   </a:solidFill>
@@ -5206,12 +5207,12 @@
             <a:bodyPr rtlCol="0" anchor="t"/>
             <a:lstStyle/>
             <a:p>
-              <a:pPr indent="-80999">
-                <a:buFont typeface="Calibri" panose="020F0502020204030204" pitchFamily="34" charset="0"/>
-                <a:buChar char="+"/>
-              </a:pPr>
-              <a:r>
-                <a:rPr lang="en-US" sz="788">
+              <a:pPr indent="-56076">
+                <a:buFont typeface="Calibri" panose="020F0502020204030204" pitchFamily="34" charset="0"/>
+                <a:buChar char="+"/>
+              </a:pPr>
+              <a:r>
+                <a:rPr lang="en-US" sz="546">
                   <a:solidFill>
                     <a:schemeClr val="tx1"/>
                   </a:solidFill>
@@ -5222,12 +5223,12 @@
               </a:r>
             </a:p>
             <a:p>
-              <a:pPr indent="-80999">
-                <a:buFont typeface="Calibri" panose="020F0502020204030204" pitchFamily="34" charset="0"/>
-                <a:buChar char="+"/>
-              </a:pPr>
-              <a:r>
-                <a:rPr lang="en-US" sz="788">
+              <a:pPr indent="-56076">
+                <a:buFont typeface="Calibri" panose="020F0502020204030204" pitchFamily="34" charset="0"/>
+                <a:buChar char="+"/>
+              </a:pPr>
+              <a:r>
+                <a:rPr lang="en-US" sz="546">
                   <a:solidFill>
                     <a:schemeClr val="tx1"/>
                   </a:solidFill>
@@ -5238,12 +5239,12 @@
               </a:r>
             </a:p>
             <a:p>
-              <a:pPr indent="-80999">
-                <a:buFont typeface="Calibri" panose="020F0502020204030204" pitchFamily="34" charset="0"/>
-                <a:buChar char="+"/>
-              </a:pPr>
-              <a:r>
-                <a:rPr lang="en-US" sz="788">
+              <a:pPr indent="-56076">
+                <a:buFont typeface="Calibri" panose="020F0502020204030204" pitchFamily="34" charset="0"/>
+                <a:buChar char="+"/>
+              </a:pPr>
+              <a:r>
+                <a:rPr lang="en-US" sz="546">
                   <a:solidFill>
                     <a:schemeClr val="tx1"/>
                   </a:solidFill>
@@ -5254,12 +5255,12 @@
               </a:r>
             </a:p>
             <a:p>
-              <a:pPr indent="-80999">
-                <a:buFont typeface="Calibri" panose="020F0502020204030204" pitchFamily="34" charset="0"/>
-                <a:buChar char="+"/>
-              </a:pPr>
-              <a:r>
-                <a:rPr lang="en-US" sz="788">
+              <a:pPr indent="-56076">
+                <a:buFont typeface="Calibri" panose="020F0502020204030204" pitchFamily="34" charset="0"/>
+                <a:buChar char="+"/>
+              </a:pPr>
+              <a:r>
+                <a:rPr lang="en-US" sz="546">
                   <a:solidFill>
                     <a:schemeClr val="tx1"/>
                   </a:solidFill>
@@ -5270,12 +5271,12 @@
               </a:r>
             </a:p>
             <a:p>
-              <a:pPr indent="-80999">
-                <a:buFont typeface="Calibri" panose="020F0502020204030204" pitchFamily="34" charset="0"/>
-                <a:buChar char="+"/>
-              </a:pPr>
-              <a:r>
-                <a:rPr lang="en-US" sz="788">
+              <a:pPr indent="-56076">
+                <a:buFont typeface="Calibri" panose="020F0502020204030204" pitchFamily="34" charset="0"/>
+                <a:buChar char="+"/>
+              </a:pPr>
+              <a:r>
+                <a:rPr lang="en-US" sz="546">
                   <a:solidFill>
                     <a:schemeClr val="tx1"/>
                   </a:solidFill>
@@ -5286,12 +5287,12 @@
               </a:r>
             </a:p>
             <a:p>
-              <a:pPr indent="-80999">
-                <a:buFont typeface="Calibri" panose="020F0502020204030204" pitchFamily="34" charset="0"/>
-                <a:buChar char="+"/>
-              </a:pPr>
-              <a:r>
-                <a:rPr lang="en-US" sz="788">
+              <a:pPr indent="-56076">
+                <a:buFont typeface="Calibri" panose="020F0502020204030204" pitchFamily="34" charset="0"/>
+                <a:buChar char="+"/>
+              </a:pPr>
+              <a:r>
+                <a:rPr lang="en-US" sz="546">
                   <a:solidFill>
                     <a:schemeClr val="tx1"/>
                   </a:solidFill>
@@ -5302,12 +5303,12 @@
               </a:r>
             </a:p>
             <a:p>
-              <a:pPr indent="-80999">
-                <a:buFont typeface="Calibri" panose="020F0502020204030204" pitchFamily="34" charset="0"/>
-                <a:buChar char="+"/>
-              </a:pPr>
-              <a:r>
-                <a:rPr lang="en-US" sz="788" b="1">
+              <a:pPr indent="-56076">
+                <a:buFont typeface="Calibri" panose="020F0502020204030204" pitchFamily="34" charset="0"/>
+                <a:buChar char="+"/>
+              </a:pPr>
+              <a:r>
+                <a:rPr lang="en-US" sz="546" b="1">
                   <a:solidFill>
                     <a:schemeClr val="tx1"/>
                   </a:solidFill>
@@ -5334,8 +5335,8 @@
         </p:nvGrpSpPr>
         <p:grpSpPr>
           <a:xfrm>
-            <a:off x="2099282" y="4654797"/>
-            <a:ext cx="2946084" cy="2279403"/>
+            <a:off x="4032426" y="3222552"/>
+            <a:ext cx="2039597" cy="1578048"/>
             <a:chOff x="1571045" y="484816"/>
             <a:chExt cx="4191486" cy="4052277"/>
           </a:xfrm>
@@ -5382,7 +5383,7 @@
             <a:p>
               <a:pPr algn="ctr"/>
               <a:r>
-                <a:rPr lang="en-US" sz="1125" b="1"/>
+                <a:rPr lang="en-US" sz="779" b="1"/>
                 <a:t>Triangle</a:t>
               </a:r>
             </a:p>
@@ -5428,12 +5429,12 @@
             <a:bodyPr rtlCol="0" anchor="t"/>
             <a:lstStyle/>
             <a:p>
-              <a:pPr indent="-80999">
+              <a:pPr indent="-56076">
                 <a:buFont typeface="Calibri" panose="020F0502020204030204" pitchFamily="34" charset="0"/>
                 <a:buChar char="-"/>
               </a:pPr>
               <a:r>
-                <a:rPr lang="en-US" sz="788">
+                <a:rPr lang="en-US" sz="546">
                   <a:solidFill>
                     <a:schemeClr val="tx1"/>
                   </a:solidFill>
@@ -5444,12 +5445,12 @@
               </a:r>
             </a:p>
             <a:p>
-              <a:pPr indent="-80999">
+              <a:pPr indent="-56076">
                 <a:buFont typeface="Calibri" panose="020F0502020204030204" pitchFamily="34" charset="0"/>
                 <a:buChar char="-"/>
               </a:pPr>
               <a:r>
-                <a:rPr lang="en-US" sz="788">
+                <a:rPr lang="en-US" sz="546">
                   <a:solidFill>
                     <a:schemeClr val="tx1"/>
                   </a:solidFill>
@@ -5460,12 +5461,12 @@
               </a:r>
             </a:p>
             <a:p>
-              <a:pPr indent="-80999">
+              <a:pPr indent="-56076">
                 <a:buFont typeface="Calibri" panose="020F0502020204030204" pitchFamily="34" charset="0"/>
                 <a:buChar char="-"/>
               </a:pPr>
               <a:r>
-                <a:rPr lang="en-US" sz="788">
+                <a:rPr lang="en-US" sz="546">
                   <a:solidFill>
                     <a:schemeClr val="tx1"/>
                   </a:solidFill>
@@ -5517,12 +5518,12 @@
             <a:bodyPr rtlCol="0" anchor="t"/>
             <a:lstStyle/>
             <a:p>
-              <a:pPr indent="-80999">
-                <a:buFont typeface="Calibri" panose="020F0502020204030204" pitchFamily="34" charset="0"/>
-                <a:buChar char="+"/>
-              </a:pPr>
-              <a:r>
-                <a:rPr lang="en-US" sz="788">
+              <a:pPr indent="-56076">
+                <a:buFont typeface="Calibri" panose="020F0502020204030204" pitchFamily="34" charset="0"/>
+                <a:buChar char="+"/>
+              </a:pPr>
+              <a:r>
+                <a:rPr lang="en-US" sz="546">
                   <a:solidFill>
                     <a:schemeClr val="tx1"/>
                   </a:solidFill>
@@ -5533,12 +5534,12 @@
               </a:r>
             </a:p>
             <a:p>
-              <a:pPr indent="-80999">
-                <a:buFont typeface="Calibri" panose="020F0502020204030204" pitchFamily="34" charset="0"/>
-                <a:buChar char="+"/>
-              </a:pPr>
-              <a:r>
-                <a:rPr lang="en-US" sz="788">
+              <a:pPr indent="-56076">
+                <a:buFont typeface="Calibri" panose="020F0502020204030204" pitchFamily="34" charset="0"/>
+                <a:buChar char="+"/>
+              </a:pPr>
+              <a:r>
+                <a:rPr lang="en-US" sz="546">
                   <a:solidFill>
                     <a:schemeClr val="tx1"/>
                   </a:solidFill>
@@ -5549,12 +5550,12 @@
               </a:r>
             </a:p>
             <a:p>
-              <a:pPr indent="-80999">
-                <a:buFont typeface="Calibri" panose="020F0502020204030204" pitchFamily="34" charset="0"/>
-                <a:buChar char="+"/>
-              </a:pPr>
-              <a:r>
-                <a:rPr lang="en-US" sz="788">
+              <a:pPr indent="-56076">
+                <a:buFont typeface="Calibri" panose="020F0502020204030204" pitchFamily="34" charset="0"/>
+                <a:buChar char="+"/>
+              </a:pPr>
+              <a:r>
+                <a:rPr lang="en-US" sz="546">
                   <a:solidFill>
                     <a:schemeClr val="tx1"/>
                   </a:solidFill>
@@ -5565,12 +5566,12 @@
               </a:r>
             </a:p>
             <a:p>
-              <a:pPr indent="-80999">
-                <a:buFont typeface="Calibri" panose="020F0502020204030204" pitchFamily="34" charset="0"/>
-                <a:buChar char="+"/>
-              </a:pPr>
-              <a:r>
-                <a:rPr lang="en-US" sz="788">
+              <a:pPr indent="-56076">
+                <a:buFont typeface="Calibri" panose="020F0502020204030204" pitchFamily="34" charset="0"/>
+                <a:buChar char="+"/>
+              </a:pPr>
+              <a:r>
+                <a:rPr lang="en-US" sz="546">
                   <a:solidFill>
                     <a:schemeClr val="tx1"/>
                   </a:solidFill>
@@ -5581,12 +5582,12 @@
               </a:r>
             </a:p>
             <a:p>
-              <a:pPr indent="-80999">
-                <a:buFont typeface="Calibri" panose="020F0502020204030204" pitchFamily="34" charset="0"/>
-                <a:buChar char="+"/>
-              </a:pPr>
-              <a:r>
-                <a:rPr lang="en-US" sz="788">
+              <a:pPr indent="-56076">
+                <a:buFont typeface="Calibri" panose="020F0502020204030204" pitchFamily="34" charset="0"/>
+                <a:buChar char="+"/>
+              </a:pPr>
+              <a:r>
+                <a:rPr lang="en-US" sz="546">
                   <a:solidFill>
                     <a:schemeClr val="tx1"/>
                   </a:solidFill>
@@ -5597,12 +5598,12 @@
               </a:r>
             </a:p>
             <a:p>
-              <a:pPr indent="-80999">
-                <a:buFont typeface="Calibri" panose="020F0502020204030204" pitchFamily="34" charset="0"/>
-                <a:buChar char="+"/>
-              </a:pPr>
-              <a:r>
-                <a:rPr lang="en-US" sz="788">
+              <a:pPr indent="-56076">
+                <a:buFont typeface="Calibri" panose="020F0502020204030204" pitchFamily="34" charset="0"/>
+                <a:buChar char="+"/>
+              </a:pPr>
+              <a:r>
+                <a:rPr lang="en-US" sz="546">
                   <a:solidFill>
                     <a:schemeClr val="tx1"/>
                   </a:solidFill>
@@ -5613,12 +5614,12 @@
               </a:r>
             </a:p>
             <a:p>
-              <a:pPr indent="-80999">
-                <a:buFont typeface="Calibri" panose="020F0502020204030204" pitchFamily="34" charset="0"/>
-                <a:buChar char="+"/>
-              </a:pPr>
-              <a:r>
-                <a:rPr lang="en-US" sz="788">
+              <a:pPr indent="-56076">
+                <a:buFont typeface="Calibri" panose="020F0502020204030204" pitchFamily="34" charset="0"/>
+                <a:buChar char="+"/>
+              </a:pPr>
+              <a:r>
+                <a:rPr lang="en-US" sz="546">
                   <a:solidFill>
                     <a:schemeClr val="tx1"/>
                   </a:solidFill>
@@ -5629,12 +5630,12 @@
               </a:r>
             </a:p>
             <a:p>
-              <a:pPr indent="-80999">
-                <a:buFont typeface="Calibri" panose="020F0502020204030204" pitchFamily="34" charset="0"/>
-                <a:buChar char="+"/>
-              </a:pPr>
-              <a:r>
-                <a:rPr lang="en-US" sz="788" b="1">
+              <a:pPr indent="-56076">
+                <a:buFont typeface="Calibri" panose="020F0502020204030204" pitchFamily="34" charset="0"/>
+                <a:buChar char="+"/>
+              </a:pPr>
+              <a:r>
+                <a:rPr lang="en-US" sz="546" b="1">
                   <a:solidFill>
                     <a:schemeClr val="tx1"/>
                   </a:solidFill>
@@ -5665,8 +5666,8 @@
         </p:nvCxnSpPr>
         <p:spPr>
           <a:xfrm rot="5400000" flipH="1" flipV="1">
-            <a:off x="2977385" y="4260256"/>
-            <a:ext cx="458935" cy="330149"/>
+            <a:off x="4640344" y="2949408"/>
+            <a:ext cx="317724" cy="228565"/>
           </a:xfrm>
           <a:prstGeom prst="bentConnector3">
             <a:avLst>
@@ -5736,10 +5737,10 @@
         </p:nvGrpSpPr>
         <p:grpSpPr>
           <a:xfrm>
-            <a:off x="3843446" y="1327371"/>
-            <a:ext cx="1508533" cy="681148"/>
+            <a:off x="5231014" y="775176"/>
+            <a:ext cx="1191762" cy="569754"/>
             <a:chOff x="1571043" y="484816"/>
-            <a:chExt cx="2681835" cy="1210930"/>
+            <a:chExt cx="2681835" cy="1463072"/>
           </a:xfrm>
         </p:grpSpPr>
         <p:sp>
@@ -5784,7 +5785,7 @@
             <a:p>
               <a:pPr algn="ctr"/>
               <a:r>
-                <a:rPr lang="en-US" sz="1125" b="1">
+                <a:rPr lang="en-US" sz="779" b="1">
                   <a:highlight>
                     <a:srgbClr val="008000"/>
                   </a:highlight>
@@ -5792,7 +5793,7 @@
                 <a:t>(A)</a:t>
               </a:r>
               <a:r>
-                <a:rPr lang="en-US" sz="1125" b="1" i="1"/>
+                <a:rPr lang="en-US" sz="779" b="1" i="1"/>
                 <a:t> Animal</a:t>
               </a:r>
             </a:p>
@@ -5838,11 +5839,11 @@
             <a:bodyPr rtlCol="0" anchor="t"/>
             <a:lstStyle/>
             <a:p>
-              <a:pPr indent="-80999">
+              <a:pPr indent="-56076">
                 <a:buFont typeface="Calibri" panose="020F0502020204030204" pitchFamily="34" charset="0"/>
                 <a:buChar char="-"/>
               </a:pPr>
-              <a:endParaRPr lang="en-US" sz="788" i="1">
+              <a:endParaRPr lang="en-US" sz="546" i="1">
                 <a:solidFill>
                   <a:schemeClr val="tx1"/>
                 </a:solidFill>
@@ -5866,8 +5867,8 @@
           </p:nvSpPr>
           <p:spPr>
             <a:xfrm>
-              <a:off x="1571043" y="1290450"/>
-              <a:ext cx="2681830" cy="405296"/>
+              <a:off x="1571043" y="1290449"/>
+              <a:ext cx="2681830" cy="657439"/>
             </a:xfrm>
             <a:prstGeom prst="rect">
               <a:avLst/>
@@ -5892,12 +5893,12 @@
             <a:bodyPr rtlCol="0" anchor="t"/>
             <a:lstStyle/>
             <a:p>
-              <a:pPr marL="90451" indent="-171450">
+              <a:pPr marL="62619" indent="-118695">
                 <a:buFont typeface="Courier New" panose="02070309020205020404" pitchFamily="49" charset="0"/>
                 <a:buChar char="o"/>
               </a:pPr>
               <a:r>
-                <a:rPr lang="en-US" sz="788" b="1" i="1">
+                <a:rPr lang="en-US" sz="546" b="1" i="1">
                   <a:solidFill>
                     <a:schemeClr val="tx1"/>
                   </a:solidFill>
@@ -5924,8 +5925,8 @@
         </p:nvGrpSpPr>
         <p:grpSpPr>
           <a:xfrm>
-            <a:off x="4754163" y="2619983"/>
-            <a:ext cx="1009423" cy="681148"/>
+            <a:off x="5870421" y="1813834"/>
+            <a:ext cx="698831" cy="471564"/>
             <a:chOff x="1571043" y="484816"/>
             <a:chExt cx="2681835" cy="1210930"/>
           </a:xfrm>
@@ -5972,7 +5973,7 @@
             <a:p>
               <a:pPr algn="ctr"/>
               <a:r>
-                <a:rPr lang="en-US" sz="1125" b="1">
+                <a:rPr lang="en-US" sz="779" b="1">
                   <a:highlight>
                     <a:srgbClr val="008000"/>
                   </a:highlight>
@@ -5980,7 +5981,7 @@
                 <a:t>(C)</a:t>
               </a:r>
               <a:r>
-                <a:rPr lang="en-US" sz="1125" b="1" i="1"/>
+                <a:rPr lang="en-US" sz="779" b="1" i="1"/>
                 <a:t> Tiger</a:t>
               </a:r>
             </a:p>
@@ -6026,11 +6027,11 @@
             <a:bodyPr rtlCol="0" anchor="t"/>
             <a:lstStyle/>
             <a:p>
-              <a:pPr indent="-80999">
+              <a:pPr indent="-56076">
                 <a:buFont typeface="Calibri" panose="020F0502020204030204" pitchFamily="34" charset="0"/>
                 <a:buChar char="-"/>
               </a:pPr>
-              <a:endParaRPr lang="en-US" sz="788" i="1">
+              <a:endParaRPr lang="en-US" sz="546" i="1">
                 <a:solidFill>
                   <a:schemeClr val="tx1"/>
                 </a:solidFill>
@@ -6080,11 +6081,11 @@
             <a:bodyPr rtlCol="0" anchor="t"/>
             <a:lstStyle/>
             <a:p>
-              <a:pPr marL="90451" indent="-171450">
+              <a:pPr marL="62619" indent="-118695">
                 <a:buFont typeface="Courier New" panose="02070309020205020404" pitchFamily="49" charset="0"/>
                 <a:buChar char="o"/>
               </a:pPr>
-              <a:endParaRPr lang="en-US" sz="788" b="1" i="1">
+              <a:endParaRPr lang="en-US" sz="546" b="1" i="1">
                 <a:solidFill>
                   <a:schemeClr val="tx1"/>
                 </a:solidFill>
@@ -6109,8 +6110,8 @@
         </p:nvGrpSpPr>
         <p:grpSpPr>
           <a:xfrm>
-            <a:off x="3528291" y="2626581"/>
-            <a:ext cx="1009421" cy="681148"/>
+            <a:off x="5021740" y="1818402"/>
+            <a:ext cx="698830" cy="471564"/>
             <a:chOff x="1571043" y="484816"/>
             <a:chExt cx="2681835" cy="1210930"/>
           </a:xfrm>
@@ -6157,7 +6158,7 @@
             <a:p>
               <a:pPr algn="ctr"/>
               <a:r>
-                <a:rPr lang="en-US" sz="1125" b="1">
+                <a:rPr lang="en-US" sz="779" b="1">
                   <a:highlight>
                     <a:srgbClr val="008000"/>
                   </a:highlight>
@@ -6165,7 +6166,7 @@
                 <a:t>(C)</a:t>
               </a:r>
               <a:r>
-                <a:rPr lang="en-US" sz="1125" b="1" i="1"/>
+                <a:rPr lang="en-US" sz="779" b="1" i="1"/>
                 <a:t> Chicken</a:t>
               </a:r>
             </a:p>
@@ -6211,11 +6212,11 @@
             <a:bodyPr rtlCol="0" anchor="t"/>
             <a:lstStyle/>
             <a:p>
-              <a:pPr indent="-80999">
+              <a:pPr indent="-56076">
                 <a:buFont typeface="Calibri" panose="020F0502020204030204" pitchFamily="34" charset="0"/>
                 <a:buChar char="-"/>
               </a:pPr>
-              <a:endParaRPr lang="en-US" sz="788" i="1">
+              <a:endParaRPr lang="en-US" sz="546" i="1">
                 <a:solidFill>
                   <a:schemeClr val="tx1"/>
                 </a:solidFill>
@@ -6265,11 +6266,11 @@
             <a:bodyPr rtlCol="0" anchor="t"/>
             <a:lstStyle/>
             <a:p>
-              <a:pPr marL="90451" indent="-171450">
+              <a:pPr marL="62619" indent="-118695">
                 <a:buFont typeface="Courier New" panose="02070309020205020404" pitchFamily="49" charset="0"/>
                 <a:buChar char="o"/>
               </a:pPr>
-              <a:endParaRPr lang="en-US" sz="788" b="1" i="1">
+              <a:endParaRPr lang="en-US" sz="546" b="1" i="1">
                 <a:solidFill>
                   <a:schemeClr val="tx1"/>
                 </a:solidFill>
@@ -6294,10 +6295,10 @@
         </p:nvGrpSpPr>
         <p:grpSpPr>
           <a:xfrm>
-            <a:off x="1664126" y="1327371"/>
-            <a:ext cx="1508533" cy="681148"/>
+            <a:off x="3761236" y="775176"/>
+            <a:ext cx="1191764" cy="569752"/>
             <a:chOff x="1571043" y="484816"/>
-            <a:chExt cx="2681835" cy="1210930"/>
+            <a:chExt cx="2681835" cy="1463067"/>
           </a:xfrm>
         </p:grpSpPr>
         <p:sp>
@@ -6342,7 +6343,7 @@
             <a:p>
               <a:pPr algn="ctr"/>
               <a:r>
-                <a:rPr lang="en-US" sz="1125" b="1">
+                <a:rPr lang="en-US" sz="779" b="1">
                   <a:highlight>
                     <a:srgbClr val="008000"/>
                   </a:highlight>
@@ -6350,7 +6351,7 @@
                 <a:t>(I)</a:t>
               </a:r>
               <a:r>
-                <a:rPr lang="en-US" sz="1125" b="1" i="1"/>
+                <a:rPr lang="en-US" sz="779" b="1" i="1"/>
                 <a:t> Edible</a:t>
               </a:r>
             </a:p>
@@ -6396,11 +6397,11 @@
             <a:bodyPr rtlCol="0" anchor="t"/>
             <a:lstStyle/>
             <a:p>
-              <a:pPr indent="-80999">
+              <a:pPr indent="-56076">
                 <a:buFont typeface="Calibri" panose="020F0502020204030204" pitchFamily="34" charset="0"/>
                 <a:buChar char="-"/>
               </a:pPr>
-              <a:endParaRPr lang="en-US" sz="788" i="1">
+              <a:endParaRPr lang="en-US" sz="546" i="1">
                 <a:solidFill>
                   <a:schemeClr val="tx1"/>
                 </a:solidFill>
@@ -6424,8 +6425,8 @@
           </p:nvSpPr>
           <p:spPr>
             <a:xfrm>
-              <a:off x="1571043" y="1290450"/>
-              <a:ext cx="2681830" cy="405296"/>
+              <a:off x="1571043" y="1290446"/>
+              <a:ext cx="2681830" cy="657437"/>
             </a:xfrm>
             <a:prstGeom prst="rect">
               <a:avLst/>
@@ -6450,12 +6451,12 @@
             <a:bodyPr rtlCol="0" anchor="t"/>
             <a:lstStyle/>
             <a:p>
-              <a:pPr marL="90451" indent="-171450">
+              <a:pPr marL="62619" indent="-118695">
                 <a:buFont typeface="Courier New" panose="02070309020205020404" pitchFamily="49" charset="0"/>
                 <a:buChar char="o"/>
               </a:pPr>
               <a:r>
-                <a:rPr lang="en-US" sz="788" b="1" i="1">
+                <a:rPr lang="en-US" sz="546" b="1" i="1">
                   <a:solidFill>
                     <a:schemeClr val="tx1"/>
                   </a:solidFill>
@@ -6482,8 +6483,8 @@
         </p:nvGrpSpPr>
         <p:grpSpPr>
           <a:xfrm>
-            <a:off x="1656506" y="2631208"/>
-            <a:ext cx="1009423" cy="681148"/>
+            <a:off x="3725889" y="1821606"/>
+            <a:ext cx="698831" cy="471564"/>
             <a:chOff x="1571043" y="484816"/>
             <a:chExt cx="2681835" cy="1210930"/>
           </a:xfrm>
@@ -6530,7 +6531,7 @@
             <a:p>
               <a:pPr algn="ctr"/>
               <a:r>
-                <a:rPr lang="en-US" sz="1125" b="1">
+                <a:rPr lang="en-US" sz="779" b="1">
                   <a:highlight>
                     <a:srgbClr val="008000"/>
                   </a:highlight>
@@ -6538,7 +6539,7 @@
                 <a:t>(A)</a:t>
               </a:r>
               <a:r>
-                <a:rPr lang="en-US" sz="1125" b="1" i="1"/>
+                <a:rPr lang="en-US" sz="779" b="1" i="1"/>
                 <a:t> Fruit</a:t>
               </a:r>
             </a:p>
@@ -6584,11 +6585,11 @@
             <a:bodyPr rtlCol="0" anchor="t"/>
             <a:lstStyle/>
             <a:p>
-              <a:pPr indent="-80999">
+              <a:pPr indent="-56076">
                 <a:buFont typeface="Calibri" panose="020F0502020204030204" pitchFamily="34" charset="0"/>
                 <a:buChar char="-"/>
               </a:pPr>
-              <a:endParaRPr lang="en-US" sz="788" i="1">
+              <a:endParaRPr lang="en-US" sz="546" i="1">
                 <a:solidFill>
                   <a:schemeClr val="tx1"/>
                 </a:solidFill>
@@ -6638,11 +6639,11 @@
             <a:bodyPr rtlCol="0" anchor="t"/>
             <a:lstStyle/>
             <a:p>
-              <a:pPr marL="90451" indent="-171450">
+              <a:pPr marL="62619" indent="-118695">
                 <a:buFont typeface="Courier New" panose="02070309020205020404" pitchFamily="49" charset="0"/>
                 <a:buChar char="o"/>
               </a:pPr>
-              <a:endParaRPr lang="en-US" sz="788" b="1" i="1">
+              <a:endParaRPr lang="en-US" sz="546" b="1" i="1">
                 <a:solidFill>
                   <a:schemeClr val="tx1"/>
                 </a:solidFill>
@@ -6667,8 +6668,8 @@
         </p:nvGrpSpPr>
         <p:grpSpPr>
           <a:xfrm>
-            <a:off x="905936" y="3717601"/>
-            <a:ext cx="1009423" cy="681148"/>
+            <a:off x="3206264" y="2573724"/>
+            <a:ext cx="698831" cy="471564"/>
             <a:chOff x="1571043" y="484816"/>
             <a:chExt cx="2681835" cy="1210930"/>
           </a:xfrm>
@@ -6715,7 +6716,7 @@
             <a:p>
               <a:pPr algn="ctr"/>
               <a:r>
-                <a:rPr lang="en-US" sz="1125" b="1">
+                <a:rPr lang="en-US" sz="779" b="1">
                   <a:highlight>
                     <a:srgbClr val="008000"/>
                   </a:highlight>
@@ -6723,7 +6724,7 @@
                 <a:t>(C)</a:t>
               </a:r>
               <a:r>
-                <a:rPr lang="en-US" sz="1125" b="1" i="1"/>
+                <a:rPr lang="en-US" sz="779" b="1" i="1"/>
                 <a:t> Orange</a:t>
               </a:r>
             </a:p>
@@ -6769,11 +6770,11 @@
             <a:bodyPr rtlCol="0" anchor="t"/>
             <a:lstStyle/>
             <a:p>
-              <a:pPr indent="-80999">
+              <a:pPr indent="-56076">
                 <a:buFont typeface="Calibri" panose="020F0502020204030204" pitchFamily="34" charset="0"/>
                 <a:buChar char="-"/>
               </a:pPr>
-              <a:endParaRPr lang="en-US" sz="788" i="1">
+              <a:endParaRPr lang="en-US" sz="546" i="1">
                 <a:solidFill>
                   <a:schemeClr val="tx1"/>
                 </a:solidFill>
@@ -6823,11 +6824,11 @@
             <a:bodyPr rtlCol="0" anchor="t"/>
             <a:lstStyle/>
             <a:p>
-              <a:pPr marL="90451" indent="-171450">
+              <a:pPr marL="62619" indent="-118695">
                 <a:buFont typeface="Courier New" panose="02070309020205020404" pitchFamily="49" charset="0"/>
                 <a:buChar char="o"/>
               </a:pPr>
-              <a:endParaRPr lang="en-US" sz="788" b="1" i="1">
+              <a:endParaRPr lang="en-US" sz="546" b="1" i="1">
                 <a:solidFill>
                   <a:schemeClr val="tx1"/>
                 </a:solidFill>
@@ -6852,8 +6853,8 @@
         </p:nvGrpSpPr>
         <p:grpSpPr>
           <a:xfrm>
-            <a:off x="2083223" y="3717601"/>
-            <a:ext cx="1009421" cy="681148"/>
+            <a:off x="4021309" y="2573724"/>
+            <a:ext cx="698830" cy="471564"/>
             <a:chOff x="1571043" y="484816"/>
             <a:chExt cx="2681835" cy="1210930"/>
           </a:xfrm>
@@ -6900,7 +6901,7 @@
             <a:p>
               <a:pPr algn="ctr"/>
               <a:r>
-                <a:rPr lang="en-US" sz="1125" b="1">
+                <a:rPr lang="en-US" sz="779" b="1">
                   <a:highlight>
                     <a:srgbClr val="008000"/>
                   </a:highlight>
@@ -6908,7 +6909,7 @@
                 <a:t>(C)</a:t>
               </a:r>
               <a:r>
-                <a:rPr lang="en-US" sz="1125" b="1" i="1"/>
+                <a:rPr lang="en-US" sz="779" b="1" i="1"/>
                 <a:t> Apple</a:t>
               </a:r>
             </a:p>
@@ -6954,11 +6955,11 @@
             <a:bodyPr rtlCol="0" anchor="t"/>
             <a:lstStyle/>
             <a:p>
-              <a:pPr indent="-80999">
+              <a:pPr indent="-56076">
                 <a:buFont typeface="Calibri" panose="020F0502020204030204" pitchFamily="34" charset="0"/>
                 <a:buChar char="-"/>
               </a:pPr>
-              <a:endParaRPr lang="en-US" sz="788" i="1">
+              <a:endParaRPr lang="en-US" sz="546" i="1">
                 <a:solidFill>
                   <a:schemeClr val="tx1"/>
                 </a:solidFill>
@@ -7008,11 +7009,11 @@
             <a:bodyPr rtlCol="0" anchor="t"/>
             <a:lstStyle/>
             <a:p>
-              <a:pPr marL="90451" indent="-171450">
+              <a:pPr marL="62619" indent="-118695">
                 <a:buFont typeface="Courier New" panose="02070309020205020404" pitchFamily="49" charset="0"/>
                 <a:buChar char="o"/>
               </a:pPr>
-              <a:endParaRPr lang="en-US" sz="788" b="1" i="1">
+              <a:endParaRPr lang="en-US" sz="546" b="1" i="1">
                 <a:solidFill>
                   <a:schemeClr val="tx1"/>
                 </a:solidFill>
@@ -7039,8 +7040,8 @@
         </p:nvCxnSpPr>
         <p:spPr>
           <a:xfrm flipV="1">
-            <a:off x="2004477" y="2012174"/>
-            <a:ext cx="168052" cy="619034"/>
+            <a:off x="3966792" y="1393044"/>
+            <a:ext cx="116344" cy="428562"/>
           </a:xfrm>
           <a:prstGeom prst="straightConnector1">
             <a:avLst/>
@@ -7082,8 +7083,8 @@
         </p:nvCxnSpPr>
         <p:spPr>
           <a:xfrm flipH="1" flipV="1">
-            <a:off x="2418391" y="2008519"/>
-            <a:ext cx="1368749" cy="612071"/>
+            <a:off x="4357117" y="1344928"/>
+            <a:ext cx="757555" cy="427889"/>
           </a:xfrm>
           <a:prstGeom prst="straightConnector1">
             <a:avLst/>
@@ -7125,8 +7126,8 @@
         </p:nvCxnSpPr>
         <p:spPr>
           <a:xfrm flipV="1">
-            <a:off x="1410649" y="3307729"/>
-            <a:ext cx="593828" cy="409872"/>
+            <a:off x="3555680" y="2289966"/>
+            <a:ext cx="411112" cy="283758"/>
           </a:xfrm>
           <a:prstGeom prst="straightConnector1">
             <a:avLst/>
@@ -7167,8 +7168,8 @@
         </p:nvCxnSpPr>
         <p:spPr>
           <a:xfrm flipH="1" flipV="1">
-            <a:off x="2346961" y="3308649"/>
-            <a:ext cx="240974" cy="408952"/>
+            <a:off x="4203896" y="2290603"/>
+            <a:ext cx="166828" cy="283121"/>
           </a:xfrm>
           <a:prstGeom prst="straightConnector1">
             <a:avLst/>
@@ -7209,8 +7210,8 @@
         </p:nvCxnSpPr>
         <p:spPr>
           <a:xfrm flipH="1" flipV="1">
-            <a:off x="4838700" y="2020014"/>
-            <a:ext cx="420176" cy="599969"/>
+            <a:off x="5928946" y="1398472"/>
+            <a:ext cx="290891" cy="415363"/>
           </a:xfrm>
           <a:prstGeom prst="straightConnector1">
             <a:avLst/>
@@ -7250,8 +7251,8 @@
         </p:nvCxnSpPr>
         <p:spPr>
           <a:xfrm flipV="1">
-            <a:off x="4104816" y="2001921"/>
-            <a:ext cx="353112" cy="618062"/>
+            <a:off x="5420873" y="1385945"/>
+            <a:ext cx="244462" cy="427889"/>
           </a:xfrm>
           <a:prstGeom prst="straightConnector1">
             <a:avLst/>
@@ -7279,6 +7280,1705 @@
     <p:extLst>
       <p:ext uri="{BB962C8B-B14F-4D97-AF65-F5344CB8AC3E}">
         <p14:creationId xmlns:p14="http://schemas.microsoft.com/office/powerpoint/2010/main" val="629321923"/>
+      </p:ext>
+    </p:extLst>
+  </p:cSld>
+  <p:clrMapOvr>
+    <a:masterClrMapping/>
+  </p:clrMapOvr>
+</p:sld>
+</file>
+
+<file path=ppt/slides/slide5.xml><?xml version="1.0" encoding="utf-8"?>
+<p:sld xmlns:a="http://schemas.openxmlformats.org/drawingml/2006/main" xmlns:r="http://schemas.openxmlformats.org/officeDocument/2006/relationships" xmlns:p="http://schemas.openxmlformats.org/presentationml/2006/main">
+  <p:cSld>
+    <p:spTree>
+      <p:nvGrpSpPr>
+        <p:cNvPr id="1" name=""/>
+        <p:cNvGrpSpPr/>
+        <p:nvPr/>
+      </p:nvGrpSpPr>
+      <p:grpSpPr>
+        <a:xfrm>
+          <a:off x="0" y="0"/>
+          <a:ext cx="0" cy="0"/>
+          <a:chOff x="0" y="0"/>
+          <a:chExt cx="0" cy="0"/>
+        </a:xfrm>
+      </p:grpSpPr>
+      <p:grpSp>
+        <p:nvGrpSpPr>
+          <p:cNvPr id="2" name="Group 1">
+            <a:extLst>
+              <a:ext uri="{FF2B5EF4-FFF2-40B4-BE49-F238E27FC236}">
+                <a16:creationId xmlns:a16="http://schemas.microsoft.com/office/drawing/2014/main" id="{51160711-7741-4402-A5C9-AEF12F7B3982}"/>
+              </a:ext>
+            </a:extLst>
+          </p:cNvPr>
+          <p:cNvGrpSpPr/>
+          <p:nvPr/>
+        </p:nvGrpSpPr>
+        <p:grpSpPr>
+          <a:xfrm>
+            <a:off x="2038342" y="688195"/>
+            <a:ext cx="1762123" cy="1319802"/>
+            <a:chOff x="1571043" y="484816"/>
+            <a:chExt cx="4524957" cy="3389120"/>
+          </a:xfrm>
+        </p:grpSpPr>
+        <p:sp>
+          <p:nvSpPr>
+            <p:cNvPr id="4" name="Rectangle 3">
+              <a:extLst>
+                <a:ext uri="{FF2B5EF4-FFF2-40B4-BE49-F238E27FC236}">
+                  <a16:creationId xmlns:a16="http://schemas.microsoft.com/office/drawing/2014/main" id="{8B95115E-0740-444B-BA0A-02737C605543}"/>
+                </a:ext>
+              </a:extLst>
+            </p:cNvPr>
+            <p:cNvSpPr/>
+            <p:nvPr/>
+          </p:nvSpPr>
+          <p:spPr>
+            <a:xfrm>
+              <a:off x="1571049" y="484816"/>
+              <a:ext cx="2681829" cy="472542"/>
+            </a:xfrm>
+            <a:prstGeom prst="rect">
+              <a:avLst/>
+            </a:prstGeom>
+            <a:ln/>
+          </p:spPr>
+          <p:style>
+            <a:lnRef idx="2">
+              <a:schemeClr val="dk1"/>
+            </a:lnRef>
+            <a:fillRef idx="1">
+              <a:schemeClr val="lt1"/>
+            </a:fillRef>
+            <a:effectRef idx="0">
+              <a:schemeClr val="dk1"/>
+            </a:effectRef>
+            <a:fontRef idx="minor">
+              <a:schemeClr val="dk1"/>
+            </a:fontRef>
+          </p:style>
+          <p:txBody>
+            <a:bodyPr rtlCol="0" anchor="ctr"/>
+            <a:lstStyle/>
+            <a:p>
+              <a:pPr algn="ctr"/>
+              <a:r>
+                <a:rPr lang="en-US" sz="831" b="1">
+                  <a:solidFill>
+                    <a:srgbClr val="202122"/>
+                  </a:solidFill>
+                  <a:latin typeface="Arial" panose="020B0604020202020204" pitchFamily="34" charset="0"/>
+                </a:rPr>
+                <a:t>Ⓐ</a:t>
+              </a:r>
+              <a:r>
+                <a:rPr lang="en-US" sz="779" b="1"/>
+                <a:t> Shape</a:t>
+              </a:r>
+            </a:p>
+          </p:txBody>
+        </p:sp>
+        <p:sp>
+          <p:nvSpPr>
+            <p:cNvPr id="5" name="Rectangle 4">
+              <a:extLst>
+                <a:ext uri="{FF2B5EF4-FFF2-40B4-BE49-F238E27FC236}">
+                  <a16:creationId xmlns:a16="http://schemas.microsoft.com/office/drawing/2014/main" id="{2473B9C6-7D8D-4705-9249-D9E2DBE48A03}"/>
+                </a:ext>
+              </a:extLst>
+            </p:cNvPr>
+            <p:cNvSpPr/>
+            <p:nvPr/>
+          </p:nvSpPr>
+          <p:spPr>
+            <a:xfrm>
+              <a:off x="1571044" y="957358"/>
+              <a:ext cx="2681831" cy="718019"/>
+            </a:xfrm>
+            <a:prstGeom prst="rect">
+              <a:avLst/>
+            </a:prstGeom>
+            <a:ln/>
+          </p:spPr>
+          <p:style>
+            <a:lnRef idx="2">
+              <a:schemeClr val="dk1"/>
+            </a:lnRef>
+            <a:fillRef idx="1">
+              <a:schemeClr val="lt1"/>
+            </a:fillRef>
+            <a:effectRef idx="0">
+              <a:schemeClr val="dk1"/>
+            </a:effectRef>
+            <a:fontRef idx="minor">
+              <a:schemeClr val="dk1"/>
+            </a:fontRef>
+          </p:style>
+          <p:txBody>
+            <a:bodyPr rtlCol="0" anchor="t"/>
+            <a:lstStyle/>
+            <a:p>
+              <a:pPr indent="-56076">
+                <a:buFont typeface="Calibri" panose="020F0502020204030204" pitchFamily="34" charset="0"/>
+                <a:buChar char="-"/>
+              </a:pPr>
+              <a:r>
+                <a:rPr lang="en-US" sz="546">
+                  <a:solidFill>
+                    <a:schemeClr val="tx1"/>
+                  </a:solidFill>
+                  <a:latin typeface="Courier New" panose="02070309020205020404" pitchFamily="49" charset="0"/>
+                  <a:cs typeface="Courier New" panose="02070309020205020404" pitchFamily="49" charset="0"/>
+                </a:rPr>
+                <a:t>color: String</a:t>
+              </a:r>
+            </a:p>
+            <a:p>
+              <a:pPr indent="-56076">
+                <a:buFont typeface="Calibri" panose="020F0502020204030204" pitchFamily="34" charset="0"/>
+                <a:buChar char="-"/>
+              </a:pPr>
+              <a:r>
+                <a:rPr lang="en-US" sz="546">
+                  <a:solidFill>
+                    <a:schemeClr val="tx1"/>
+                  </a:solidFill>
+                  <a:latin typeface="Courier New" panose="02070309020205020404" pitchFamily="49" charset="0"/>
+                  <a:cs typeface="Courier New" panose="02070309020205020404" pitchFamily="49" charset="0"/>
+                </a:rPr>
+                <a:t>filled: boolean</a:t>
+              </a:r>
+            </a:p>
+          </p:txBody>
+        </p:sp>
+        <p:sp>
+          <p:nvSpPr>
+            <p:cNvPr id="7" name="Rectangle 6">
+              <a:extLst>
+                <a:ext uri="{FF2B5EF4-FFF2-40B4-BE49-F238E27FC236}">
+                  <a16:creationId xmlns:a16="http://schemas.microsoft.com/office/drawing/2014/main" id="{058AA2F9-FE60-4B7B-9DE1-43938975AA76}"/>
+                </a:ext>
+              </a:extLst>
+            </p:cNvPr>
+            <p:cNvSpPr/>
+            <p:nvPr/>
+          </p:nvSpPr>
+          <p:spPr>
+            <a:xfrm>
+              <a:off x="1571043" y="1675376"/>
+              <a:ext cx="4524957" cy="2198560"/>
+            </a:xfrm>
+            <a:prstGeom prst="rect">
+              <a:avLst/>
+            </a:prstGeom>
+            <a:ln/>
+          </p:spPr>
+          <p:style>
+            <a:lnRef idx="2">
+              <a:schemeClr val="dk1"/>
+            </a:lnRef>
+            <a:fillRef idx="1">
+              <a:schemeClr val="lt1"/>
+            </a:fillRef>
+            <a:effectRef idx="0">
+              <a:schemeClr val="dk1"/>
+            </a:effectRef>
+            <a:fontRef idx="minor">
+              <a:schemeClr val="dk1"/>
+            </a:fontRef>
+          </p:style>
+          <p:txBody>
+            <a:bodyPr rtlCol="0" anchor="t"/>
+            <a:lstStyle/>
+            <a:p>
+              <a:pPr indent="-56076">
+                <a:buFont typeface="Calibri" panose="020F0502020204030204" pitchFamily="34" charset="0"/>
+                <a:buChar char="+"/>
+              </a:pPr>
+              <a:r>
+                <a:rPr lang="en-US" sz="546">
+                  <a:solidFill>
+                    <a:schemeClr val="tx1"/>
+                  </a:solidFill>
+                  <a:latin typeface="Courier New" panose="02070309020205020404" pitchFamily="49" charset="0"/>
+                  <a:cs typeface="Courier New" panose="02070309020205020404" pitchFamily="49" charset="0"/>
+                </a:rPr>
+                <a:t>Shape()</a:t>
+              </a:r>
+            </a:p>
+            <a:p>
+              <a:pPr indent="-56076">
+                <a:buFont typeface="Calibri" panose="020F0502020204030204" pitchFamily="34" charset="0"/>
+                <a:buChar char="+"/>
+              </a:pPr>
+              <a:r>
+                <a:rPr lang="en-US" sz="546">
+                  <a:solidFill>
+                    <a:schemeClr val="tx1"/>
+                  </a:solidFill>
+                  <a:latin typeface="Courier New" panose="02070309020205020404" pitchFamily="49" charset="0"/>
+                  <a:cs typeface="Courier New" panose="02070309020205020404" pitchFamily="49" charset="0"/>
+                </a:rPr>
+                <a:t>Shape(color:String, filled: boolean)</a:t>
+              </a:r>
+            </a:p>
+            <a:p>
+              <a:pPr indent="-56076">
+                <a:buFont typeface="Calibri" panose="020F0502020204030204" pitchFamily="34" charset="0"/>
+                <a:buChar char="+"/>
+              </a:pPr>
+              <a:r>
+                <a:rPr lang="en-US" sz="546">
+                  <a:solidFill>
+                    <a:schemeClr val="tx1"/>
+                  </a:solidFill>
+                  <a:latin typeface="Courier New" panose="02070309020205020404" pitchFamily="49" charset="0"/>
+                  <a:cs typeface="Courier New" panose="02070309020205020404" pitchFamily="49" charset="0"/>
+                </a:rPr>
+                <a:t>getColor(): String</a:t>
+              </a:r>
+            </a:p>
+            <a:p>
+              <a:pPr indent="-56076">
+                <a:buFont typeface="Calibri" panose="020F0502020204030204" pitchFamily="34" charset="0"/>
+                <a:buChar char="+"/>
+              </a:pPr>
+              <a:r>
+                <a:rPr lang="en-US" sz="546">
+                  <a:solidFill>
+                    <a:schemeClr val="tx1"/>
+                  </a:solidFill>
+                  <a:latin typeface="Courier New" panose="02070309020205020404" pitchFamily="49" charset="0"/>
+                  <a:cs typeface="Courier New" panose="02070309020205020404" pitchFamily="49" charset="0"/>
+                </a:rPr>
+                <a:t>setColor(color: String): void</a:t>
+              </a:r>
+            </a:p>
+            <a:p>
+              <a:pPr indent="-57322">
+                <a:buFont typeface="Courier New" panose="02070309020205020404" pitchFamily="49" charset="0"/>
+                <a:buChar char="○"/>
+              </a:pPr>
+              <a:r>
+                <a:rPr lang="en-US" sz="546">
+                  <a:solidFill>
+                    <a:schemeClr val="tx1"/>
+                  </a:solidFill>
+                  <a:latin typeface="Courier New" panose="02070309020205020404" pitchFamily="49" charset="0"/>
+                  <a:cs typeface="Courier New" panose="02070309020205020404" pitchFamily="49" charset="0"/>
+                </a:rPr>
+                <a:t>getArea(): double</a:t>
+              </a:r>
+            </a:p>
+            <a:p>
+              <a:pPr indent="-56076">
+                <a:buFont typeface="Calibri" panose="020F0502020204030204" pitchFamily="34" charset="0"/>
+                <a:buChar char="+"/>
+              </a:pPr>
+              <a:r>
+                <a:rPr lang="en-US" sz="546">
+                  <a:solidFill>
+                    <a:schemeClr val="tx1"/>
+                  </a:solidFill>
+                  <a:latin typeface="Courier New" panose="02070309020205020404" pitchFamily="49" charset="0"/>
+                  <a:cs typeface="Courier New" panose="02070309020205020404" pitchFamily="49" charset="0"/>
+                </a:rPr>
+                <a:t>isFilled(): String</a:t>
+              </a:r>
+            </a:p>
+            <a:p>
+              <a:pPr indent="-56076">
+                <a:buFont typeface="Calibri" panose="020F0502020204030204" pitchFamily="34" charset="0"/>
+                <a:buChar char="+"/>
+              </a:pPr>
+              <a:r>
+                <a:rPr lang="en-US" sz="546">
+                  <a:solidFill>
+                    <a:schemeClr val="tx1"/>
+                  </a:solidFill>
+                  <a:latin typeface="Courier New" panose="02070309020205020404" pitchFamily="49" charset="0"/>
+                  <a:cs typeface="Courier New" panose="02070309020205020404" pitchFamily="49" charset="0"/>
+                </a:rPr>
+                <a:t>setFilled(filled: boolean): void</a:t>
+              </a:r>
+            </a:p>
+            <a:p>
+              <a:pPr indent="-56076">
+                <a:buFont typeface="Calibri" panose="020F0502020204030204" pitchFamily="34" charset="0"/>
+                <a:buChar char="+"/>
+              </a:pPr>
+              <a:r>
+                <a:rPr lang="en-US" sz="546" b="1">
+                  <a:solidFill>
+                    <a:schemeClr val="tx1"/>
+                  </a:solidFill>
+                  <a:latin typeface="Courier New" panose="02070309020205020404" pitchFamily="49" charset="0"/>
+                  <a:cs typeface="Courier New" panose="02070309020205020404" pitchFamily="49" charset="0"/>
+                </a:rPr>
+                <a:t>toString(): String</a:t>
+              </a:r>
+            </a:p>
+          </p:txBody>
+        </p:sp>
+      </p:grpSp>
+      <p:grpSp>
+        <p:nvGrpSpPr>
+          <p:cNvPr id="6" name="Group 5">
+            <a:extLst>
+              <a:ext uri="{FF2B5EF4-FFF2-40B4-BE49-F238E27FC236}">
+                <a16:creationId xmlns:a16="http://schemas.microsoft.com/office/drawing/2014/main" id="{98084269-1E3B-4E41-BD24-5D1E0A9444FE}"/>
+              </a:ext>
+            </a:extLst>
+          </p:cNvPr>
+          <p:cNvGrpSpPr/>
+          <p:nvPr/>
+        </p:nvGrpSpPr>
+        <p:grpSpPr>
+          <a:xfrm>
+            <a:off x="1873257" y="2623232"/>
+            <a:ext cx="1632262" cy="1156458"/>
+            <a:chOff x="1566476" y="484816"/>
+            <a:chExt cx="4191486" cy="2969671"/>
+          </a:xfrm>
+        </p:grpSpPr>
+        <p:sp>
+          <p:nvSpPr>
+            <p:cNvPr id="8" name="Rectangle 7">
+              <a:extLst>
+                <a:ext uri="{FF2B5EF4-FFF2-40B4-BE49-F238E27FC236}">
+                  <a16:creationId xmlns:a16="http://schemas.microsoft.com/office/drawing/2014/main" id="{64E8A500-D506-4073-9038-DF70BED3962B}"/>
+                </a:ext>
+              </a:extLst>
+            </p:cNvPr>
+            <p:cNvSpPr/>
+            <p:nvPr/>
+          </p:nvSpPr>
+          <p:spPr>
+            <a:xfrm>
+              <a:off x="1571049" y="484816"/>
+              <a:ext cx="2681829" cy="472542"/>
+            </a:xfrm>
+            <a:prstGeom prst="rect">
+              <a:avLst/>
+            </a:prstGeom>
+            <a:ln/>
+          </p:spPr>
+          <p:style>
+            <a:lnRef idx="2">
+              <a:schemeClr val="dk1"/>
+            </a:lnRef>
+            <a:fillRef idx="1">
+              <a:schemeClr val="lt1"/>
+            </a:fillRef>
+            <a:effectRef idx="0">
+              <a:schemeClr val="dk1"/>
+            </a:effectRef>
+            <a:fontRef idx="minor">
+              <a:schemeClr val="dk1"/>
+            </a:fontRef>
+          </p:style>
+          <p:txBody>
+            <a:bodyPr rtlCol="0" anchor="ctr"/>
+            <a:lstStyle/>
+            <a:p>
+              <a:pPr algn="ctr"/>
+              <a:r>
+                <a:rPr lang="en-US" sz="831" b="1">
+                  <a:solidFill>
+                    <a:srgbClr val="202122"/>
+                  </a:solidFill>
+                  <a:latin typeface="Arial" panose="020B0604020202020204" pitchFamily="34" charset="0"/>
+                </a:rPr>
+                <a:t>Ⓒ </a:t>
+              </a:r>
+              <a:r>
+                <a:rPr lang="en-US" sz="779" b="1"/>
+                <a:t>Circle</a:t>
+              </a:r>
+            </a:p>
+          </p:txBody>
+        </p:sp>
+        <p:sp>
+          <p:nvSpPr>
+            <p:cNvPr id="9" name="Rectangle 8">
+              <a:extLst>
+                <a:ext uri="{FF2B5EF4-FFF2-40B4-BE49-F238E27FC236}">
+                  <a16:creationId xmlns:a16="http://schemas.microsoft.com/office/drawing/2014/main" id="{D0B598EA-1C84-461F-8EE0-F8B686750092}"/>
+                </a:ext>
+              </a:extLst>
+            </p:cNvPr>
+            <p:cNvSpPr/>
+            <p:nvPr/>
+          </p:nvSpPr>
+          <p:spPr>
+            <a:xfrm>
+              <a:off x="1571045" y="957358"/>
+              <a:ext cx="2681830" cy="472542"/>
+            </a:xfrm>
+            <a:prstGeom prst="rect">
+              <a:avLst/>
+            </a:prstGeom>
+            <a:ln/>
+          </p:spPr>
+          <p:style>
+            <a:lnRef idx="2">
+              <a:schemeClr val="dk1"/>
+            </a:lnRef>
+            <a:fillRef idx="1">
+              <a:schemeClr val="lt1"/>
+            </a:fillRef>
+            <a:effectRef idx="0">
+              <a:schemeClr val="dk1"/>
+            </a:effectRef>
+            <a:fontRef idx="minor">
+              <a:schemeClr val="dk1"/>
+            </a:fontRef>
+          </p:style>
+          <p:txBody>
+            <a:bodyPr rtlCol="0" anchor="t"/>
+            <a:lstStyle/>
+            <a:p>
+              <a:pPr indent="-56076">
+                <a:buFont typeface="Calibri" panose="020F0502020204030204" pitchFamily="34" charset="0"/>
+                <a:buChar char="-"/>
+              </a:pPr>
+              <a:r>
+                <a:rPr lang="en-US" sz="546">
+                  <a:solidFill>
+                    <a:schemeClr val="tx1"/>
+                  </a:solidFill>
+                  <a:latin typeface="Courier New" panose="02070309020205020404" pitchFamily="49" charset="0"/>
+                  <a:cs typeface="Courier New" panose="02070309020205020404" pitchFamily="49" charset="0"/>
+                </a:rPr>
+                <a:t>radius: double = 1.0 </a:t>
+              </a:r>
+            </a:p>
+          </p:txBody>
+        </p:sp>
+        <p:sp>
+          <p:nvSpPr>
+            <p:cNvPr id="10" name="Rectangle 9">
+              <a:extLst>
+                <a:ext uri="{FF2B5EF4-FFF2-40B4-BE49-F238E27FC236}">
+                  <a16:creationId xmlns:a16="http://schemas.microsoft.com/office/drawing/2014/main" id="{D5CE27D1-3015-42F7-8F43-B3D2C84C7080}"/>
+                </a:ext>
+              </a:extLst>
+            </p:cNvPr>
+            <p:cNvSpPr/>
+            <p:nvPr/>
+          </p:nvSpPr>
+          <p:spPr>
+            <a:xfrm>
+              <a:off x="1566476" y="1429903"/>
+              <a:ext cx="4191486" cy="2024584"/>
+            </a:xfrm>
+            <a:prstGeom prst="rect">
+              <a:avLst/>
+            </a:prstGeom>
+            <a:ln/>
+          </p:spPr>
+          <p:style>
+            <a:lnRef idx="2">
+              <a:schemeClr val="dk1"/>
+            </a:lnRef>
+            <a:fillRef idx="1">
+              <a:schemeClr val="lt1"/>
+            </a:fillRef>
+            <a:effectRef idx="0">
+              <a:schemeClr val="dk1"/>
+            </a:effectRef>
+            <a:fontRef idx="minor">
+              <a:schemeClr val="dk1"/>
+            </a:fontRef>
+          </p:style>
+          <p:txBody>
+            <a:bodyPr rtlCol="0" anchor="t"/>
+            <a:lstStyle/>
+            <a:p>
+              <a:pPr indent="-56076">
+                <a:buFont typeface="Calibri" panose="020F0502020204030204" pitchFamily="34" charset="0"/>
+                <a:buChar char="+"/>
+              </a:pPr>
+              <a:r>
+                <a:rPr lang="en-US" sz="546">
+                  <a:solidFill>
+                    <a:schemeClr val="tx1"/>
+                  </a:solidFill>
+                  <a:latin typeface="Courier New" panose="02070309020205020404" pitchFamily="49" charset="0"/>
+                  <a:cs typeface="Courier New" panose="02070309020205020404" pitchFamily="49" charset="0"/>
+                </a:rPr>
+                <a:t>Circle()</a:t>
+              </a:r>
+            </a:p>
+            <a:p>
+              <a:pPr indent="-56076">
+                <a:buFont typeface="Calibri" panose="020F0502020204030204" pitchFamily="34" charset="0"/>
+                <a:buChar char="+"/>
+              </a:pPr>
+              <a:r>
+                <a:rPr lang="en-US" sz="546">
+                  <a:solidFill>
+                    <a:schemeClr val="tx1"/>
+                  </a:solidFill>
+                  <a:latin typeface="Courier New" panose="02070309020205020404" pitchFamily="49" charset="0"/>
+                  <a:cs typeface="Courier New" panose="02070309020205020404" pitchFamily="49" charset="0"/>
+                </a:rPr>
+                <a:t>Circle(radius: double)</a:t>
+              </a:r>
+            </a:p>
+            <a:p>
+              <a:pPr indent="-56076">
+                <a:buFont typeface="Calibri" panose="020F0502020204030204" pitchFamily="34" charset="0"/>
+                <a:buChar char="+"/>
+              </a:pPr>
+              <a:r>
+                <a:rPr lang="en-US" sz="546">
+                  <a:solidFill>
+                    <a:schemeClr val="tx1"/>
+                  </a:solidFill>
+                  <a:latin typeface="Courier New" panose="02070309020205020404" pitchFamily="49" charset="0"/>
+                  <a:cs typeface="Courier New" panose="02070309020205020404" pitchFamily="49" charset="0"/>
+                </a:rPr>
+                <a:t>Circle(radius: double, color:String, filled: boolean)</a:t>
+              </a:r>
+            </a:p>
+            <a:p>
+              <a:pPr indent="-56076">
+                <a:buFont typeface="Calibri" panose="020F0502020204030204" pitchFamily="34" charset="0"/>
+                <a:buChar char="+"/>
+              </a:pPr>
+              <a:r>
+                <a:rPr lang="en-US" sz="546">
+                  <a:solidFill>
+                    <a:schemeClr val="tx1"/>
+                  </a:solidFill>
+                  <a:latin typeface="Courier New" panose="02070309020205020404" pitchFamily="49" charset="0"/>
+                  <a:cs typeface="Courier New" panose="02070309020205020404" pitchFamily="49" charset="0"/>
+                </a:rPr>
+                <a:t>getRadius(): double</a:t>
+              </a:r>
+            </a:p>
+            <a:p>
+              <a:pPr indent="-56076">
+                <a:buFont typeface="Calibri" panose="020F0502020204030204" pitchFamily="34" charset="0"/>
+                <a:buChar char="+"/>
+              </a:pPr>
+              <a:r>
+                <a:rPr lang="en-US" sz="546">
+                  <a:solidFill>
+                    <a:schemeClr val="tx1"/>
+                  </a:solidFill>
+                  <a:latin typeface="Courier New" panose="02070309020205020404" pitchFamily="49" charset="0"/>
+                  <a:cs typeface="Courier New" panose="02070309020205020404" pitchFamily="49" charset="0"/>
+                </a:rPr>
+                <a:t>setRadius(radius: double): void</a:t>
+              </a:r>
+            </a:p>
+            <a:p>
+              <a:pPr indent="-56076">
+                <a:buFont typeface="Calibri" panose="020F0502020204030204" pitchFamily="34" charset="0"/>
+                <a:buChar char="+"/>
+              </a:pPr>
+              <a:r>
+                <a:rPr lang="en-US" sz="546">
+                  <a:solidFill>
+                    <a:schemeClr val="tx1"/>
+                  </a:solidFill>
+                  <a:latin typeface="Courier New" panose="02070309020205020404" pitchFamily="49" charset="0"/>
+                  <a:cs typeface="Courier New" panose="02070309020205020404" pitchFamily="49" charset="0"/>
+                </a:rPr>
+                <a:t>getArea(): double</a:t>
+              </a:r>
+            </a:p>
+            <a:p>
+              <a:pPr indent="-56076">
+                <a:buFont typeface="Calibri" panose="020F0502020204030204" pitchFamily="34" charset="0"/>
+                <a:buChar char="+"/>
+              </a:pPr>
+              <a:r>
+                <a:rPr lang="en-US" sz="546">
+                  <a:solidFill>
+                    <a:schemeClr val="tx1"/>
+                  </a:solidFill>
+                  <a:latin typeface="Courier New" panose="02070309020205020404" pitchFamily="49" charset="0"/>
+                  <a:cs typeface="Courier New" panose="02070309020205020404" pitchFamily="49" charset="0"/>
+                </a:rPr>
+                <a:t>getPerimeter(): double</a:t>
+              </a:r>
+            </a:p>
+            <a:p>
+              <a:pPr indent="-56076">
+                <a:buFont typeface="Calibri" panose="020F0502020204030204" pitchFamily="34" charset="0"/>
+                <a:buChar char="+"/>
+              </a:pPr>
+              <a:r>
+                <a:rPr lang="en-US" sz="546" b="1">
+                  <a:solidFill>
+                    <a:schemeClr val="tx1"/>
+                  </a:solidFill>
+                  <a:latin typeface="Courier New" panose="02070309020205020404" pitchFamily="49" charset="0"/>
+                  <a:cs typeface="Courier New" panose="02070309020205020404" pitchFamily="49" charset="0"/>
+                </a:rPr>
+                <a:t>toString(): String (@override)</a:t>
+              </a:r>
+            </a:p>
+          </p:txBody>
+        </p:sp>
+      </p:grpSp>
+      <p:cxnSp>
+        <p:nvCxnSpPr>
+          <p:cNvPr id="11" name="Connector: Elbow 10">
+            <a:extLst>
+              <a:ext uri="{FF2B5EF4-FFF2-40B4-BE49-F238E27FC236}">
+                <a16:creationId xmlns:a16="http://schemas.microsoft.com/office/drawing/2014/main" id="{C3128354-B6D7-4F4B-B009-4CC345B93F9B}"/>
+              </a:ext>
+            </a:extLst>
+          </p:cNvPr>
+          <p:cNvCxnSpPr>
+            <a:cxnSpLocks/>
+            <a:stCxn id="8" idx="0"/>
+            <a:endCxn id="7" idx="2"/>
+          </p:cNvCxnSpPr>
+          <p:nvPr/>
+        </p:nvCxnSpPr>
+        <p:spPr>
+          <a:xfrm rot="5400000" flipH="1" flipV="1">
+            <a:off x="2350695" y="2054525"/>
+            <a:ext cx="615235" cy="522182"/>
+          </a:xfrm>
+          <a:prstGeom prst="bentConnector3">
+            <a:avLst/>
+          </a:prstGeom>
+          <a:ln>
+            <a:tailEnd type="triangle" w="lg" len="lg"/>
+          </a:ln>
+        </p:spPr>
+        <p:style>
+          <a:lnRef idx="1">
+            <a:schemeClr val="accent1"/>
+          </a:lnRef>
+          <a:fillRef idx="0">
+            <a:schemeClr val="accent1"/>
+          </a:fillRef>
+          <a:effectRef idx="0">
+            <a:schemeClr val="accent1"/>
+          </a:effectRef>
+          <a:fontRef idx="minor">
+            <a:schemeClr val="tx1"/>
+          </a:fontRef>
+        </p:style>
+      </p:cxnSp>
+      <p:grpSp>
+        <p:nvGrpSpPr>
+          <p:cNvPr id="13" name="Group 12">
+            <a:extLst>
+              <a:ext uri="{FF2B5EF4-FFF2-40B4-BE49-F238E27FC236}">
+                <a16:creationId xmlns:a16="http://schemas.microsoft.com/office/drawing/2014/main" id="{78834FF3-DD41-478B-B626-30A62728ABB4}"/>
+              </a:ext>
+            </a:extLst>
+          </p:cNvPr>
+          <p:cNvGrpSpPr/>
+          <p:nvPr/>
+        </p:nvGrpSpPr>
+        <p:grpSpPr>
+          <a:xfrm>
+            <a:off x="3664928" y="2623233"/>
+            <a:ext cx="1804152" cy="1586832"/>
+            <a:chOff x="1571045" y="484816"/>
+            <a:chExt cx="3707635" cy="4074832"/>
+          </a:xfrm>
+        </p:grpSpPr>
+        <p:sp>
+          <p:nvSpPr>
+            <p:cNvPr id="14" name="Rectangle 13">
+              <a:extLst>
+                <a:ext uri="{FF2B5EF4-FFF2-40B4-BE49-F238E27FC236}">
+                  <a16:creationId xmlns:a16="http://schemas.microsoft.com/office/drawing/2014/main" id="{B16D9EDE-69F4-43F9-AEE1-6D2DADD2A270}"/>
+                </a:ext>
+              </a:extLst>
+            </p:cNvPr>
+            <p:cNvSpPr/>
+            <p:nvPr/>
+          </p:nvSpPr>
+          <p:spPr>
+            <a:xfrm>
+              <a:off x="1571049" y="484816"/>
+              <a:ext cx="2681829" cy="472542"/>
+            </a:xfrm>
+            <a:prstGeom prst="rect">
+              <a:avLst/>
+            </a:prstGeom>
+            <a:ln/>
+          </p:spPr>
+          <p:style>
+            <a:lnRef idx="2">
+              <a:schemeClr val="dk1"/>
+            </a:lnRef>
+            <a:fillRef idx="1">
+              <a:schemeClr val="lt1"/>
+            </a:fillRef>
+            <a:effectRef idx="0">
+              <a:schemeClr val="dk1"/>
+            </a:effectRef>
+            <a:fontRef idx="minor">
+              <a:schemeClr val="dk1"/>
+            </a:fontRef>
+          </p:style>
+          <p:txBody>
+            <a:bodyPr rtlCol="0" anchor="ctr"/>
+            <a:lstStyle/>
+            <a:p>
+              <a:pPr algn="ctr"/>
+              <a:r>
+                <a:rPr lang="en-US" sz="831" b="1">
+                  <a:solidFill>
+                    <a:srgbClr val="202122"/>
+                  </a:solidFill>
+                  <a:latin typeface="Arial" panose="020B0604020202020204" pitchFamily="34" charset="0"/>
+                </a:rPr>
+                <a:t>Ⓒ </a:t>
+              </a:r>
+              <a:r>
+                <a:rPr lang="en-US" sz="779" b="1"/>
+                <a:t>Rectangle</a:t>
+              </a:r>
+            </a:p>
+          </p:txBody>
+        </p:sp>
+        <p:sp>
+          <p:nvSpPr>
+            <p:cNvPr id="15" name="Rectangle 14">
+              <a:extLst>
+                <a:ext uri="{FF2B5EF4-FFF2-40B4-BE49-F238E27FC236}">
+                  <a16:creationId xmlns:a16="http://schemas.microsoft.com/office/drawing/2014/main" id="{D4E4583D-B274-4F63-8291-7DE67CE2DDAF}"/>
+                </a:ext>
+              </a:extLst>
+            </p:cNvPr>
+            <p:cNvSpPr/>
+            <p:nvPr/>
+          </p:nvSpPr>
+          <p:spPr>
+            <a:xfrm>
+              <a:off x="1571045" y="957358"/>
+              <a:ext cx="2681830" cy="714610"/>
+            </a:xfrm>
+            <a:prstGeom prst="rect">
+              <a:avLst/>
+            </a:prstGeom>
+            <a:ln/>
+          </p:spPr>
+          <p:style>
+            <a:lnRef idx="2">
+              <a:schemeClr val="dk1"/>
+            </a:lnRef>
+            <a:fillRef idx="1">
+              <a:schemeClr val="lt1"/>
+            </a:fillRef>
+            <a:effectRef idx="0">
+              <a:schemeClr val="dk1"/>
+            </a:effectRef>
+            <a:fontRef idx="minor">
+              <a:schemeClr val="dk1"/>
+            </a:fontRef>
+          </p:style>
+          <p:txBody>
+            <a:bodyPr rtlCol="0" anchor="t"/>
+            <a:lstStyle/>
+            <a:p>
+              <a:pPr indent="-56076">
+                <a:buFont typeface="Calibri" panose="020F0502020204030204" pitchFamily="34" charset="0"/>
+                <a:buChar char="-"/>
+              </a:pPr>
+              <a:r>
+                <a:rPr lang="en-US" sz="546">
+                  <a:solidFill>
+                    <a:schemeClr val="tx1"/>
+                  </a:solidFill>
+                  <a:latin typeface="Courier New" panose="02070309020205020404" pitchFamily="49" charset="0"/>
+                  <a:cs typeface="Courier New" panose="02070309020205020404" pitchFamily="49" charset="0"/>
+                </a:rPr>
+                <a:t>width: double = 1.0</a:t>
+              </a:r>
+            </a:p>
+            <a:p>
+              <a:pPr indent="-56076">
+                <a:buFont typeface="Calibri" panose="020F0502020204030204" pitchFamily="34" charset="0"/>
+                <a:buChar char="-"/>
+              </a:pPr>
+              <a:r>
+                <a:rPr lang="en-US" sz="546">
+                  <a:solidFill>
+                    <a:schemeClr val="tx1"/>
+                  </a:solidFill>
+                  <a:latin typeface="Courier New" panose="02070309020205020404" pitchFamily="49" charset="0"/>
+                  <a:cs typeface="Courier New" panose="02070309020205020404" pitchFamily="49" charset="0"/>
+                </a:rPr>
+                <a:t>height: double = 1.0</a:t>
+              </a:r>
+            </a:p>
+          </p:txBody>
+        </p:sp>
+        <p:sp>
+          <p:nvSpPr>
+            <p:cNvPr id="16" name="Rectangle 15">
+              <a:extLst>
+                <a:ext uri="{FF2B5EF4-FFF2-40B4-BE49-F238E27FC236}">
+                  <a16:creationId xmlns:a16="http://schemas.microsoft.com/office/drawing/2014/main" id="{028417DD-5744-4E32-8014-7ADC0343030A}"/>
+                </a:ext>
+              </a:extLst>
+            </p:cNvPr>
+            <p:cNvSpPr/>
+            <p:nvPr/>
+          </p:nvSpPr>
+          <p:spPr>
+            <a:xfrm>
+              <a:off x="1571045" y="1671969"/>
+              <a:ext cx="3707635" cy="2887679"/>
+            </a:xfrm>
+            <a:prstGeom prst="rect">
+              <a:avLst/>
+            </a:prstGeom>
+            <a:ln/>
+          </p:spPr>
+          <p:style>
+            <a:lnRef idx="2">
+              <a:schemeClr val="dk1"/>
+            </a:lnRef>
+            <a:fillRef idx="1">
+              <a:schemeClr val="lt1"/>
+            </a:fillRef>
+            <a:effectRef idx="0">
+              <a:schemeClr val="dk1"/>
+            </a:effectRef>
+            <a:fontRef idx="minor">
+              <a:schemeClr val="dk1"/>
+            </a:fontRef>
+          </p:style>
+          <p:txBody>
+            <a:bodyPr rtlCol="0" anchor="t"/>
+            <a:lstStyle/>
+            <a:p>
+              <a:pPr indent="-56076">
+                <a:buFont typeface="Calibri" panose="020F0502020204030204" pitchFamily="34" charset="0"/>
+                <a:buChar char="+"/>
+              </a:pPr>
+              <a:r>
+                <a:rPr lang="en-US" sz="546">
+                  <a:solidFill>
+                    <a:schemeClr val="tx1"/>
+                  </a:solidFill>
+                  <a:latin typeface="Courier New" panose="02070309020205020404" pitchFamily="49" charset="0"/>
+                  <a:cs typeface="Courier New" panose="02070309020205020404" pitchFamily="49" charset="0"/>
+                </a:rPr>
+                <a:t>Rectangle()</a:t>
+              </a:r>
+            </a:p>
+            <a:p>
+              <a:pPr indent="-56076">
+                <a:buFont typeface="Calibri" panose="020F0502020204030204" pitchFamily="34" charset="0"/>
+                <a:buChar char="+"/>
+              </a:pPr>
+              <a:r>
+                <a:rPr lang="en-US" sz="546">
+                  <a:solidFill>
+                    <a:schemeClr val="tx1"/>
+                  </a:solidFill>
+                  <a:latin typeface="Courier New" panose="02070309020205020404" pitchFamily="49" charset="0"/>
+                  <a:cs typeface="Courier New" panose="02070309020205020404" pitchFamily="49" charset="0"/>
+                </a:rPr>
+                <a:t>Rectangle(width: double, height: double)</a:t>
+              </a:r>
+            </a:p>
+            <a:p>
+              <a:pPr indent="-56076">
+                <a:buFont typeface="Calibri" panose="020F0502020204030204" pitchFamily="34" charset="0"/>
+                <a:buChar char="+"/>
+              </a:pPr>
+              <a:r>
+                <a:rPr lang="en-US" sz="546">
+                  <a:solidFill>
+                    <a:schemeClr val="tx1"/>
+                  </a:solidFill>
+                  <a:latin typeface="Courier New" panose="02070309020205020404" pitchFamily="49" charset="0"/>
+                  <a:cs typeface="Courier New" panose="02070309020205020404" pitchFamily="49" charset="0"/>
+                </a:rPr>
+                <a:t>Rectangle(width: double, height: double, color:String, filled: boolean)</a:t>
+              </a:r>
+            </a:p>
+            <a:p>
+              <a:pPr indent="-56076">
+                <a:buFont typeface="Calibri" panose="020F0502020204030204" pitchFamily="34" charset="0"/>
+                <a:buChar char="+"/>
+              </a:pPr>
+              <a:r>
+                <a:rPr lang="en-US" sz="546">
+                  <a:solidFill>
+                    <a:schemeClr val="tx1"/>
+                  </a:solidFill>
+                  <a:latin typeface="Courier New" panose="02070309020205020404" pitchFamily="49" charset="0"/>
+                  <a:cs typeface="Courier New" panose="02070309020205020404" pitchFamily="49" charset="0"/>
+                </a:rPr>
+                <a:t>getWidth(): double</a:t>
+              </a:r>
+            </a:p>
+            <a:p>
+              <a:pPr indent="-56076">
+                <a:buFont typeface="Calibri" panose="020F0502020204030204" pitchFamily="34" charset="0"/>
+                <a:buChar char="+"/>
+              </a:pPr>
+              <a:r>
+                <a:rPr lang="en-US" sz="546">
+                  <a:solidFill>
+                    <a:schemeClr val="tx1"/>
+                  </a:solidFill>
+                  <a:latin typeface="Courier New" panose="02070309020205020404" pitchFamily="49" charset="0"/>
+                  <a:cs typeface="Courier New" panose="02070309020205020404" pitchFamily="49" charset="0"/>
+                </a:rPr>
+                <a:t>setWidth(width: double): void</a:t>
+              </a:r>
+            </a:p>
+            <a:p>
+              <a:pPr indent="-56076">
+                <a:buFont typeface="Calibri" panose="020F0502020204030204" pitchFamily="34" charset="0"/>
+                <a:buChar char="+"/>
+              </a:pPr>
+              <a:r>
+                <a:rPr lang="en-US" sz="546">
+                  <a:solidFill>
+                    <a:schemeClr val="tx1"/>
+                  </a:solidFill>
+                  <a:latin typeface="Courier New" panose="02070309020205020404" pitchFamily="49" charset="0"/>
+                  <a:cs typeface="Courier New" panose="02070309020205020404" pitchFamily="49" charset="0"/>
+                </a:rPr>
+                <a:t>getHeight(): double</a:t>
+              </a:r>
+            </a:p>
+            <a:p>
+              <a:pPr indent="-56076">
+                <a:buFont typeface="Calibri" panose="020F0502020204030204" pitchFamily="34" charset="0"/>
+                <a:buChar char="+"/>
+              </a:pPr>
+              <a:r>
+                <a:rPr lang="en-US" sz="546">
+                  <a:solidFill>
+                    <a:schemeClr val="tx1"/>
+                  </a:solidFill>
+                  <a:latin typeface="Courier New" panose="02070309020205020404" pitchFamily="49" charset="0"/>
+                  <a:cs typeface="Courier New" panose="02070309020205020404" pitchFamily="49" charset="0"/>
+                </a:rPr>
+                <a:t>setHeight(height: double): void</a:t>
+              </a:r>
+            </a:p>
+            <a:p>
+              <a:pPr indent="-56076">
+                <a:buFont typeface="Calibri" panose="020F0502020204030204" pitchFamily="34" charset="0"/>
+                <a:buChar char="+"/>
+              </a:pPr>
+              <a:r>
+                <a:rPr lang="en-US" sz="546">
+                  <a:solidFill>
+                    <a:schemeClr val="tx1"/>
+                  </a:solidFill>
+                  <a:latin typeface="Courier New" panose="02070309020205020404" pitchFamily="49" charset="0"/>
+                  <a:cs typeface="Courier New" panose="02070309020205020404" pitchFamily="49" charset="0"/>
+                </a:rPr>
+                <a:t>getArea(): double</a:t>
+              </a:r>
+            </a:p>
+            <a:p>
+              <a:pPr indent="-56076">
+                <a:buFont typeface="Calibri" panose="020F0502020204030204" pitchFamily="34" charset="0"/>
+                <a:buChar char="+"/>
+              </a:pPr>
+              <a:r>
+                <a:rPr lang="en-US" sz="546">
+                  <a:solidFill>
+                    <a:schemeClr val="tx1"/>
+                  </a:solidFill>
+                  <a:latin typeface="Courier New" panose="02070309020205020404" pitchFamily="49" charset="0"/>
+                  <a:cs typeface="Courier New" panose="02070309020205020404" pitchFamily="49" charset="0"/>
+                </a:rPr>
+                <a:t>getPerimeter(): double</a:t>
+              </a:r>
+            </a:p>
+            <a:p>
+              <a:pPr indent="-56076">
+                <a:buFont typeface="Calibri" panose="020F0502020204030204" pitchFamily="34" charset="0"/>
+                <a:buChar char="+"/>
+              </a:pPr>
+              <a:r>
+                <a:rPr lang="en-US" sz="546" b="1">
+                  <a:solidFill>
+                    <a:schemeClr val="tx1"/>
+                  </a:solidFill>
+                  <a:latin typeface="Courier New" panose="02070309020205020404" pitchFamily="49" charset="0"/>
+                  <a:cs typeface="Courier New" panose="02070309020205020404" pitchFamily="49" charset="0"/>
+                </a:rPr>
+                <a:t>toString(): String (@override)</a:t>
+              </a:r>
+            </a:p>
+          </p:txBody>
+        </p:sp>
+      </p:grpSp>
+      <p:cxnSp>
+        <p:nvCxnSpPr>
+          <p:cNvPr id="17" name="Connector: Elbow 16">
+            <a:extLst>
+              <a:ext uri="{FF2B5EF4-FFF2-40B4-BE49-F238E27FC236}">
+                <a16:creationId xmlns:a16="http://schemas.microsoft.com/office/drawing/2014/main" id="{19D04A0A-C2A9-4A3D-8C82-E23ACFE9DA48}"/>
+              </a:ext>
+            </a:extLst>
+          </p:cNvPr>
+          <p:cNvCxnSpPr>
+            <a:cxnSpLocks/>
+            <a:stCxn id="14" idx="0"/>
+            <a:endCxn id="7" idx="2"/>
+          </p:cNvCxnSpPr>
+          <p:nvPr/>
+        </p:nvCxnSpPr>
+        <p:spPr>
+          <a:xfrm rot="16200000" flipV="1">
+            <a:off x="3310798" y="1616604"/>
+            <a:ext cx="615235" cy="1398022"/>
+          </a:xfrm>
+          <a:prstGeom prst="bentConnector3">
+            <a:avLst>
+              <a:gd name="adj1" fmla="val 50000"/>
+            </a:avLst>
+          </a:prstGeom>
+          <a:ln>
+            <a:tailEnd type="triangle" w="lg" len="lg"/>
+          </a:ln>
+        </p:spPr>
+        <p:style>
+          <a:lnRef idx="1">
+            <a:schemeClr val="accent1"/>
+          </a:lnRef>
+          <a:fillRef idx="0">
+            <a:schemeClr val="accent1"/>
+          </a:fillRef>
+          <a:effectRef idx="0">
+            <a:schemeClr val="accent1"/>
+          </a:effectRef>
+          <a:fontRef idx="minor">
+            <a:schemeClr val="tx1"/>
+          </a:fontRef>
+        </p:style>
+      </p:cxnSp>
+      <p:grpSp>
+        <p:nvGrpSpPr>
+          <p:cNvPr id="21" name="Group 20">
+            <a:extLst>
+              <a:ext uri="{FF2B5EF4-FFF2-40B4-BE49-F238E27FC236}">
+                <a16:creationId xmlns:a16="http://schemas.microsoft.com/office/drawing/2014/main" id="{313AE6C0-1E83-4A42-B681-5FCBFD080233}"/>
+              </a:ext>
+            </a:extLst>
+          </p:cNvPr>
+          <p:cNvGrpSpPr/>
+          <p:nvPr/>
+        </p:nvGrpSpPr>
+        <p:grpSpPr>
+          <a:xfrm>
+            <a:off x="4234668" y="4571577"/>
+            <a:ext cx="1683076" cy="1397423"/>
+            <a:chOff x="1571045" y="484816"/>
+            <a:chExt cx="3458816" cy="3203691"/>
+          </a:xfrm>
+        </p:grpSpPr>
+        <p:sp>
+          <p:nvSpPr>
+            <p:cNvPr id="22" name="Rectangle 21">
+              <a:extLst>
+                <a:ext uri="{FF2B5EF4-FFF2-40B4-BE49-F238E27FC236}">
+                  <a16:creationId xmlns:a16="http://schemas.microsoft.com/office/drawing/2014/main" id="{9073643B-C00C-4AE6-BF65-D996CA090DFC}"/>
+                </a:ext>
+              </a:extLst>
+            </p:cNvPr>
+            <p:cNvSpPr/>
+            <p:nvPr/>
+          </p:nvSpPr>
+          <p:spPr>
+            <a:xfrm>
+              <a:off x="1571049" y="484816"/>
+              <a:ext cx="2681829" cy="472542"/>
+            </a:xfrm>
+            <a:prstGeom prst="rect">
+              <a:avLst/>
+            </a:prstGeom>
+            <a:ln/>
+          </p:spPr>
+          <p:style>
+            <a:lnRef idx="2">
+              <a:schemeClr val="dk1"/>
+            </a:lnRef>
+            <a:fillRef idx="1">
+              <a:schemeClr val="lt1"/>
+            </a:fillRef>
+            <a:effectRef idx="0">
+              <a:schemeClr val="dk1"/>
+            </a:effectRef>
+            <a:fontRef idx="minor">
+              <a:schemeClr val="dk1"/>
+            </a:fontRef>
+          </p:style>
+          <p:txBody>
+            <a:bodyPr rtlCol="0" anchor="ctr"/>
+            <a:lstStyle/>
+            <a:p>
+              <a:pPr algn="ctr"/>
+              <a:r>
+                <a:rPr lang="en-US" sz="831" b="1">
+                  <a:solidFill>
+                    <a:srgbClr val="202122"/>
+                  </a:solidFill>
+                  <a:latin typeface="Arial" panose="020B0604020202020204" pitchFamily="34" charset="0"/>
+                </a:rPr>
+                <a:t>Ⓒ </a:t>
+              </a:r>
+              <a:r>
+                <a:rPr lang="en-US" sz="779" b="1"/>
+                <a:t>Square</a:t>
+              </a:r>
+            </a:p>
+          </p:txBody>
+        </p:sp>
+        <p:sp>
+          <p:nvSpPr>
+            <p:cNvPr id="23" name="Rectangle 22">
+              <a:extLst>
+                <a:ext uri="{FF2B5EF4-FFF2-40B4-BE49-F238E27FC236}">
+                  <a16:creationId xmlns:a16="http://schemas.microsoft.com/office/drawing/2014/main" id="{2A6F2100-900A-4C3C-B342-539B1692E7C1}"/>
+                </a:ext>
+              </a:extLst>
+            </p:cNvPr>
+            <p:cNvSpPr/>
+            <p:nvPr/>
+          </p:nvSpPr>
+          <p:spPr>
+            <a:xfrm>
+              <a:off x="1571045" y="957359"/>
+              <a:ext cx="2681830" cy="472543"/>
+            </a:xfrm>
+            <a:prstGeom prst="rect">
+              <a:avLst/>
+            </a:prstGeom>
+            <a:ln/>
+          </p:spPr>
+          <p:style>
+            <a:lnRef idx="2">
+              <a:schemeClr val="dk1"/>
+            </a:lnRef>
+            <a:fillRef idx="1">
+              <a:schemeClr val="lt1"/>
+            </a:fillRef>
+            <a:effectRef idx="0">
+              <a:schemeClr val="dk1"/>
+            </a:effectRef>
+            <a:fontRef idx="minor">
+              <a:schemeClr val="dk1"/>
+            </a:fontRef>
+          </p:style>
+          <p:txBody>
+            <a:bodyPr rtlCol="0" anchor="t"/>
+            <a:lstStyle/>
+            <a:p>
+              <a:r>
+                <a:rPr lang="en-US" sz="546">
+                  <a:solidFill>
+                    <a:schemeClr val="tx1"/>
+                  </a:solidFill>
+                  <a:latin typeface="Courier New" panose="02070309020205020404" pitchFamily="49" charset="0"/>
+                  <a:cs typeface="Courier New" panose="02070309020205020404" pitchFamily="49" charset="0"/>
+                </a:rPr>
+                <a:t>(no additional attributed)</a:t>
+              </a:r>
+            </a:p>
+          </p:txBody>
+        </p:sp>
+        <p:sp>
+          <p:nvSpPr>
+            <p:cNvPr id="24" name="Rectangle 23">
+              <a:extLst>
+                <a:ext uri="{FF2B5EF4-FFF2-40B4-BE49-F238E27FC236}">
+                  <a16:creationId xmlns:a16="http://schemas.microsoft.com/office/drawing/2014/main" id="{7BFF3AE5-B4F6-4C94-9C70-E98FB3E13D88}"/>
+                </a:ext>
+              </a:extLst>
+            </p:cNvPr>
+            <p:cNvSpPr/>
+            <p:nvPr/>
+          </p:nvSpPr>
+          <p:spPr>
+            <a:xfrm>
+              <a:off x="1571045" y="1429901"/>
+              <a:ext cx="3458816" cy="2258606"/>
+            </a:xfrm>
+            <a:prstGeom prst="rect">
+              <a:avLst/>
+            </a:prstGeom>
+            <a:ln/>
+          </p:spPr>
+          <p:style>
+            <a:lnRef idx="2">
+              <a:schemeClr val="dk1"/>
+            </a:lnRef>
+            <a:fillRef idx="1">
+              <a:schemeClr val="lt1"/>
+            </a:fillRef>
+            <a:effectRef idx="0">
+              <a:schemeClr val="dk1"/>
+            </a:effectRef>
+            <a:fontRef idx="minor">
+              <a:schemeClr val="dk1"/>
+            </a:fontRef>
+          </p:style>
+          <p:txBody>
+            <a:bodyPr rtlCol="0" anchor="t"/>
+            <a:lstStyle/>
+            <a:p>
+              <a:pPr indent="-56076">
+                <a:buFont typeface="Calibri" panose="020F0502020204030204" pitchFamily="34" charset="0"/>
+                <a:buChar char="+"/>
+              </a:pPr>
+              <a:r>
+                <a:rPr lang="en-US" sz="546">
+                  <a:solidFill>
+                    <a:schemeClr val="tx1"/>
+                  </a:solidFill>
+                  <a:latin typeface="Courier New" panose="02070309020205020404" pitchFamily="49" charset="0"/>
+                  <a:cs typeface="Courier New" panose="02070309020205020404" pitchFamily="49" charset="0"/>
+                </a:rPr>
+                <a:t>Square()</a:t>
+              </a:r>
+            </a:p>
+            <a:p>
+              <a:pPr indent="-56076">
+                <a:buFont typeface="Calibri" panose="020F0502020204030204" pitchFamily="34" charset="0"/>
+                <a:buChar char="+"/>
+              </a:pPr>
+              <a:r>
+                <a:rPr lang="en-US" sz="546">
+                  <a:solidFill>
+                    <a:schemeClr val="tx1"/>
+                  </a:solidFill>
+                  <a:latin typeface="Courier New" panose="02070309020205020404" pitchFamily="49" charset="0"/>
+                  <a:cs typeface="Courier New" panose="02070309020205020404" pitchFamily="49" charset="0"/>
+                </a:rPr>
+                <a:t>Square(side: double)</a:t>
+              </a:r>
+            </a:p>
+            <a:p>
+              <a:pPr indent="-56076">
+                <a:buFont typeface="Calibri" panose="020F0502020204030204" pitchFamily="34" charset="0"/>
+                <a:buChar char="+"/>
+              </a:pPr>
+              <a:r>
+                <a:rPr lang="en-US" sz="546">
+                  <a:solidFill>
+                    <a:schemeClr val="tx1"/>
+                  </a:solidFill>
+                  <a:latin typeface="Courier New" panose="02070309020205020404" pitchFamily="49" charset="0"/>
+                  <a:cs typeface="Courier New" panose="02070309020205020404" pitchFamily="49" charset="0"/>
+                </a:rPr>
+                <a:t>Square(side: double, color:String, filled: boolean)</a:t>
+              </a:r>
+            </a:p>
+            <a:p>
+              <a:pPr indent="-56076">
+                <a:buFont typeface="Calibri" panose="020F0502020204030204" pitchFamily="34" charset="0"/>
+                <a:buChar char="+"/>
+              </a:pPr>
+              <a:r>
+                <a:rPr lang="en-US" sz="546">
+                  <a:solidFill>
+                    <a:schemeClr val="tx1"/>
+                  </a:solidFill>
+                  <a:latin typeface="Courier New" panose="02070309020205020404" pitchFamily="49" charset="0"/>
+                  <a:cs typeface="Courier New" panose="02070309020205020404" pitchFamily="49" charset="0"/>
+                </a:rPr>
+                <a:t>getSide(): double</a:t>
+              </a:r>
+            </a:p>
+            <a:p>
+              <a:pPr indent="-56076">
+                <a:buFont typeface="Calibri" panose="020F0502020204030204" pitchFamily="34" charset="0"/>
+                <a:buChar char="+"/>
+              </a:pPr>
+              <a:r>
+                <a:rPr lang="en-US" sz="546">
+                  <a:solidFill>
+                    <a:schemeClr val="tx1"/>
+                  </a:solidFill>
+                  <a:latin typeface="Courier New" panose="02070309020205020404" pitchFamily="49" charset="0"/>
+                  <a:cs typeface="Courier New" panose="02070309020205020404" pitchFamily="49" charset="0"/>
+                </a:rPr>
+                <a:t>setSide(side: double): void</a:t>
+              </a:r>
+            </a:p>
+            <a:p>
+              <a:pPr indent="-56076">
+                <a:buFont typeface="Calibri" panose="020F0502020204030204" pitchFamily="34" charset="0"/>
+                <a:buChar char="+"/>
+              </a:pPr>
+              <a:r>
+                <a:rPr lang="en-US" sz="546">
+                  <a:solidFill>
+                    <a:schemeClr val="tx1"/>
+                  </a:solidFill>
+                  <a:latin typeface="Courier New" panose="02070309020205020404" pitchFamily="49" charset="0"/>
+                  <a:cs typeface="Courier New" panose="02070309020205020404" pitchFamily="49" charset="0"/>
+                </a:rPr>
+                <a:t>setWidth(side: double): void</a:t>
+              </a:r>
+            </a:p>
+            <a:p>
+              <a:pPr indent="-56076">
+                <a:buFont typeface="Calibri" panose="020F0502020204030204" pitchFamily="34" charset="0"/>
+                <a:buChar char="+"/>
+              </a:pPr>
+              <a:r>
+                <a:rPr lang="en-US" sz="546">
+                  <a:solidFill>
+                    <a:schemeClr val="tx1"/>
+                  </a:solidFill>
+                  <a:latin typeface="Courier New" panose="02070309020205020404" pitchFamily="49" charset="0"/>
+                  <a:cs typeface="Courier New" panose="02070309020205020404" pitchFamily="49" charset="0"/>
+                </a:rPr>
+                <a:t>setHeight(side : double): void</a:t>
+              </a:r>
+            </a:p>
+            <a:p>
+              <a:pPr indent="-56076">
+                <a:buFont typeface="Calibri" panose="020F0502020204030204" pitchFamily="34" charset="0"/>
+                <a:buChar char="+"/>
+              </a:pPr>
+              <a:r>
+                <a:rPr lang="en-US" sz="546" b="1">
+                  <a:solidFill>
+                    <a:schemeClr val="tx1"/>
+                  </a:solidFill>
+                  <a:latin typeface="Courier New" panose="02070309020205020404" pitchFamily="49" charset="0"/>
+                  <a:cs typeface="Courier New" panose="02070309020205020404" pitchFamily="49" charset="0"/>
+                </a:rPr>
+                <a:t>toString(): String (@override)</a:t>
+              </a:r>
+            </a:p>
+            <a:p>
+              <a:pPr indent="-56076">
+                <a:buFont typeface="Calibri" panose="020F0502020204030204" pitchFamily="34" charset="0"/>
+                <a:buChar char="+"/>
+              </a:pPr>
+              <a:r>
+                <a:rPr lang="en-US" sz="546" b="1">
+                  <a:solidFill>
+                    <a:schemeClr val="tx1"/>
+                  </a:solidFill>
+                  <a:latin typeface="Courier New" panose="02070309020205020404" pitchFamily="49" charset="0"/>
+                  <a:cs typeface="Courier New" panose="02070309020205020404" pitchFamily="49" charset="0"/>
+                </a:rPr>
+                <a:t>howToColor(): void (@override)</a:t>
+              </a:r>
+            </a:p>
+            <a:p>
+              <a:endParaRPr lang="en-US" sz="546" b="1">
+                <a:solidFill>
+                  <a:schemeClr val="tx1"/>
+                </a:solidFill>
+                <a:latin typeface="Courier New" panose="02070309020205020404" pitchFamily="49" charset="0"/>
+                <a:cs typeface="Courier New" panose="02070309020205020404" pitchFamily="49" charset="0"/>
+              </a:endParaRPr>
+            </a:p>
+          </p:txBody>
+        </p:sp>
+      </p:grpSp>
+      <p:cxnSp>
+        <p:nvCxnSpPr>
+          <p:cNvPr id="25" name="Connector: Elbow 24">
+            <a:extLst>
+              <a:ext uri="{FF2B5EF4-FFF2-40B4-BE49-F238E27FC236}">
+                <a16:creationId xmlns:a16="http://schemas.microsoft.com/office/drawing/2014/main" id="{0A83197D-6A96-4F16-9093-91BC667F640D}"/>
+              </a:ext>
+            </a:extLst>
+          </p:cNvPr>
+          <p:cNvCxnSpPr>
+            <a:cxnSpLocks/>
+            <a:stCxn id="22" idx="0"/>
+            <a:endCxn id="16" idx="2"/>
+          </p:cNvCxnSpPr>
+          <p:nvPr/>
+        </p:nvCxnSpPr>
+        <p:spPr>
+          <a:xfrm rot="16200000" flipV="1">
+            <a:off x="4546329" y="4230740"/>
+            <a:ext cx="361512" cy="320162"/>
+          </a:xfrm>
+          <a:prstGeom prst="bentConnector3">
+            <a:avLst>
+              <a:gd name="adj1" fmla="val 50000"/>
+            </a:avLst>
+          </a:prstGeom>
+          <a:ln>
+            <a:tailEnd type="triangle" w="lg" len="lg"/>
+          </a:ln>
+        </p:spPr>
+        <p:style>
+          <a:lnRef idx="1">
+            <a:schemeClr val="accent1"/>
+          </a:lnRef>
+          <a:fillRef idx="0">
+            <a:schemeClr val="accent1"/>
+          </a:fillRef>
+          <a:effectRef idx="0">
+            <a:schemeClr val="accent1"/>
+          </a:effectRef>
+          <a:fontRef idx="minor">
+            <a:schemeClr val="tx1"/>
+          </a:fontRef>
+        </p:style>
+      </p:cxnSp>
+      <p:grpSp>
+        <p:nvGrpSpPr>
+          <p:cNvPr id="26" name="Group 25">
+            <a:extLst>
+              <a:ext uri="{FF2B5EF4-FFF2-40B4-BE49-F238E27FC236}">
+                <a16:creationId xmlns:a16="http://schemas.microsoft.com/office/drawing/2014/main" id="{AA5C7BBF-3370-4842-BCA6-FFAA706184C4}"/>
+              </a:ext>
+            </a:extLst>
+          </p:cNvPr>
+          <p:cNvGrpSpPr/>
+          <p:nvPr/>
+        </p:nvGrpSpPr>
+        <p:grpSpPr>
+          <a:xfrm>
+            <a:off x="6004128" y="2315615"/>
+            <a:ext cx="1044371" cy="505475"/>
+            <a:chOff x="1571038" y="484816"/>
+            <a:chExt cx="2681840" cy="1298009"/>
+          </a:xfrm>
+        </p:grpSpPr>
+        <p:sp>
+          <p:nvSpPr>
+            <p:cNvPr id="27" name="Rectangle 26">
+              <a:extLst>
+                <a:ext uri="{FF2B5EF4-FFF2-40B4-BE49-F238E27FC236}">
+                  <a16:creationId xmlns:a16="http://schemas.microsoft.com/office/drawing/2014/main" id="{C00759E2-DD96-4271-BF01-1923CEC695B2}"/>
+                </a:ext>
+              </a:extLst>
+            </p:cNvPr>
+            <p:cNvSpPr/>
+            <p:nvPr/>
+          </p:nvSpPr>
+          <p:spPr>
+            <a:xfrm>
+              <a:off x="1571049" y="484816"/>
+              <a:ext cx="2681829" cy="472542"/>
+            </a:xfrm>
+            <a:prstGeom prst="rect">
+              <a:avLst/>
+            </a:prstGeom>
+            <a:ln/>
+          </p:spPr>
+          <p:style>
+            <a:lnRef idx="2">
+              <a:schemeClr val="dk1"/>
+            </a:lnRef>
+            <a:fillRef idx="1">
+              <a:schemeClr val="lt1"/>
+            </a:fillRef>
+            <a:effectRef idx="0">
+              <a:schemeClr val="dk1"/>
+            </a:effectRef>
+            <a:fontRef idx="minor">
+              <a:schemeClr val="dk1"/>
+            </a:fontRef>
+          </p:style>
+          <p:txBody>
+            <a:bodyPr rtlCol="0" anchor="ctr"/>
+            <a:lstStyle/>
+            <a:p>
+              <a:pPr algn="ctr"/>
+              <a:r>
+                <a:rPr lang="en-US" sz="900" b="1" i="0">
+                  <a:solidFill>
+                    <a:srgbClr val="202122"/>
+                  </a:solidFill>
+                  <a:effectLst/>
+                  <a:latin typeface="Arial" panose="020B0604020202020204" pitchFamily="34" charset="0"/>
+                </a:rPr>
+                <a:t>Ⓘ</a:t>
+              </a:r>
+              <a:r>
+                <a:rPr lang="en-US" sz="779" b="1"/>
+                <a:t> Colorable</a:t>
+              </a:r>
+            </a:p>
+          </p:txBody>
+        </p:sp>
+        <p:sp>
+          <p:nvSpPr>
+            <p:cNvPr id="28" name="Rectangle 27">
+              <a:extLst>
+                <a:ext uri="{FF2B5EF4-FFF2-40B4-BE49-F238E27FC236}">
+                  <a16:creationId xmlns:a16="http://schemas.microsoft.com/office/drawing/2014/main" id="{8FF1FA0E-5149-49B2-95DB-9365A44ABA7A}"/>
+                </a:ext>
+              </a:extLst>
+            </p:cNvPr>
+            <p:cNvSpPr/>
+            <p:nvPr/>
+          </p:nvSpPr>
+          <p:spPr>
+            <a:xfrm>
+              <a:off x="1571043" y="957361"/>
+              <a:ext cx="2681830" cy="352922"/>
+            </a:xfrm>
+            <a:prstGeom prst="rect">
+              <a:avLst/>
+            </a:prstGeom>
+            <a:ln/>
+          </p:spPr>
+          <p:style>
+            <a:lnRef idx="2">
+              <a:schemeClr val="dk1"/>
+            </a:lnRef>
+            <a:fillRef idx="1">
+              <a:schemeClr val="lt1"/>
+            </a:fillRef>
+            <a:effectRef idx="0">
+              <a:schemeClr val="dk1"/>
+            </a:effectRef>
+            <a:fontRef idx="minor">
+              <a:schemeClr val="dk1"/>
+            </a:fontRef>
+          </p:style>
+          <p:txBody>
+            <a:bodyPr rtlCol="0" anchor="t"/>
+            <a:lstStyle/>
+            <a:p>
+              <a:pPr indent="-56076">
+                <a:buFont typeface="Calibri" panose="020F0502020204030204" pitchFamily="34" charset="0"/>
+                <a:buChar char="-"/>
+              </a:pPr>
+              <a:endParaRPr lang="en-US" sz="546">
+                <a:solidFill>
+                  <a:schemeClr val="tx1"/>
+                </a:solidFill>
+                <a:latin typeface="Courier New" panose="02070309020205020404" pitchFamily="49" charset="0"/>
+                <a:cs typeface="Courier New" panose="02070309020205020404" pitchFamily="49" charset="0"/>
+              </a:endParaRPr>
+            </a:p>
+          </p:txBody>
+        </p:sp>
+        <p:sp>
+          <p:nvSpPr>
+            <p:cNvPr id="29" name="Rectangle 28">
+              <a:extLst>
+                <a:ext uri="{FF2B5EF4-FFF2-40B4-BE49-F238E27FC236}">
+                  <a16:creationId xmlns:a16="http://schemas.microsoft.com/office/drawing/2014/main" id="{DC3CFD50-9175-4536-AC26-BDC657D0508E}"/>
+                </a:ext>
+              </a:extLst>
+            </p:cNvPr>
+            <p:cNvSpPr/>
+            <p:nvPr/>
+          </p:nvSpPr>
+          <p:spPr>
+            <a:xfrm>
+              <a:off x="1571038" y="1310283"/>
+              <a:ext cx="2681830" cy="472542"/>
+            </a:xfrm>
+            <a:prstGeom prst="rect">
+              <a:avLst/>
+            </a:prstGeom>
+            <a:ln/>
+          </p:spPr>
+          <p:style>
+            <a:lnRef idx="2">
+              <a:schemeClr val="dk1"/>
+            </a:lnRef>
+            <a:fillRef idx="1">
+              <a:schemeClr val="lt1"/>
+            </a:fillRef>
+            <a:effectRef idx="0">
+              <a:schemeClr val="dk1"/>
+            </a:effectRef>
+            <a:fontRef idx="minor">
+              <a:schemeClr val="dk1"/>
+            </a:fontRef>
+          </p:style>
+          <p:txBody>
+            <a:bodyPr rtlCol="0" anchor="t"/>
+            <a:lstStyle/>
+            <a:p>
+              <a:pPr indent="-57322">
+                <a:buFont typeface="Courier New" panose="02070309020205020404" pitchFamily="49" charset="0"/>
+                <a:buChar char="○"/>
+              </a:pPr>
+              <a:r>
+                <a:rPr lang="en-US" sz="546">
+                  <a:solidFill>
+                    <a:schemeClr val="tx1"/>
+                  </a:solidFill>
+                  <a:latin typeface="Courier New" panose="02070309020205020404" pitchFamily="49" charset="0"/>
+                  <a:cs typeface="Courier New" panose="02070309020205020404" pitchFamily="49" charset="0"/>
+                </a:rPr>
+                <a:t>howToColor(): void</a:t>
+              </a:r>
+            </a:p>
+          </p:txBody>
+        </p:sp>
+      </p:grpSp>
+      <p:cxnSp>
+        <p:nvCxnSpPr>
+          <p:cNvPr id="30" name="Connector: Elbow 29">
+            <a:extLst>
+              <a:ext uri="{FF2B5EF4-FFF2-40B4-BE49-F238E27FC236}">
+                <a16:creationId xmlns:a16="http://schemas.microsoft.com/office/drawing/2014/main" id="{95769E64-B35E-4460-9193-D2A2C2C9821A}"/>
+              </a:ext>
+            </a:extLst>
+          </p:cNvPr>
+          <p:cNvCxnSpPr>
+            <a:cxnSpLocks/>
+            <a:endCxn id="29" idx="2"/>
+          </p:cNvCxnSpPr>
+          <p:nvPr/>
+        </p:nvCxnSpPr>
+        <p:spPr>
+          <a:xfrm rot="5400000" flipH="1" flipV="1">
+            <a:off x="4952576" y="2997842"/>
+            <a:ext cx="1750488" cy="1396984"/>
+          </a:xfrm>
+          <a:prstGeom prst="bentConnector3">
+            <a:avLst>
+              <a:gd name="adj1" fmla="val 10550"/>
+            </a:avLst>
+          </a:prstGeom>
+          <a:ln>
+            <a:prstDash val="lgDash"/>
+            <a:tailEnd type="triangle" w="lg" len="lg"/>
+          </a:ln>
+        </p:spPr>
+        <p:style>
+          <a:lnRef idx="1">
+            <a:schemeClr val="accent1"/>
+          </a:lnRef>
+          <a:fillRef idx="0">
+            <a:schemeClr val="accent1"/>
+          </a:fillRef>
+          <a:effectRef idx="0">
+            <a:schemeClr val="accent1"/>
+          </a:effectRef>
+          <a:fontRef idx="minor">
+            <a:schemeClr val="tx1"/>
+          </a:fontRef>
+        </p:style>
+      </p:cxnSp>
+    </p:spTree>
+    <p:extLst>
+      <p:ext uri="{BB962C8B-B14F-4D97-AF65-F5344CB8AC3E}">
+        <p14:creationId xmlns:p14="http://schemas.microsoft.com/office/powerpoint/2010/main" val="4097164699"/>
       </p:ext>
     </p:extLst>
   </p:cSld>

--- a/src/ss04_lop_doi_tuong_java/ve UML.pptx
+++ b/src/ss04_lop_doi_tuong_java/ve UML.pptx
@@ -10,6 +10,8 @@
     <p:sldId id="259" r:id="rId4"/>
     <p:sldId id="260" r:id="rId5"/>
     <p:sldId id="261" r:id="rId6"/>
+    <p:sldId id="262" r:id="rId7"/>
+    <p:sldId id="263" r:id="rId8"/>
   </p:sldIdLst>
   <p:sldSz cx="9906000" cy="6858000" type="A4"/>
   <p:notesSz cx="6858000" cy="9144000"/>
@@ -247,7 +249,7 @@
           <a:p>
             <a:fld id="{304DB6B7-848F-4A9B-8BD5-23855C3D30D0}" type="datetimeFigureOut">
               <a:rPr lang="en-US" smtClean="0"/>
-              <a:t>12-Jul-23</a:t>
+              <a:t>13-Jul-23</a:t>
             </a:fld>
             <a:endParaRPr lang="en-US"/>
           </a:p>
@@ -417,7 +419,7 @@
           <a:p>
             <a:fld id="{304DB6B7-848F-4A9B-8BD5-23855C3D30D0}" type="datetimeFigureOut">
               <a:rPr lang="en-US" smtClean="0"/>
-              <a:t>12-Jul-23</a:t>
+              <a:t>13-Jul-23</a:t>
             </a:fld>
             <a:endParaRPr lang="en-US"/>
           </a:p>
@@ -597,7 +599,7 @@
           <a:p>
             <a:fld id="{304DB6B7-848F-4A9B-8BD5-23855C3D30D0}" type="datetimeFigureOut">
               <a:rPr lang="en-US" smtClean="0"/>
-              <a:t>12-Jul-23</a:t>
+              <a:t>13-Jul-23</a:t>
             </a:fld>
             <a:endParaRPr lang="en-US"/>
           </a:p>
@@ -767,7 +769,7 @@
           <a:p>
             <a:fld id="{304DB6B7-848F-4A9B-8BD5-23855C3D30D0}" type="datetimeFigureOut">
               <a:rPr lang="en-US" smtClean="0"/>
-              <a:t>12-Jul-23</a:t>
+              <a:t>13-Jul-23</a:t>
             </a:fld>
             <a:endParaRPr lang="en-US"/>
           </a:p>
@@ -1011,7 +1013,7 @@
           <a:p>
             <a:fld id="{304DB6B7-848F-4A9B-8BD5-23855C3D30D0}" type="datetimeFigureOut">
               <a:rPr lang="en-US" smtClean="0"/>
-              <a:t>12-Jul-23</a:t>
+              <a:t>13-Jul-23</a:t>
             </a:fld>
             <a:endParaRPr lang="en-US"/>
           </a:p>
@@ -1243,7 +1245,7 @@
           <a:p>
             <a:fld id="{304DB6B7-848F-4A9B-8BD5-23855C3D30D0}" type="datetimeFigureOut">
               <a:rPr lang="en-US" smtClean="0"/>
-              <a:t>12-Jul-23</a:t>
+              <a:t>13-Jul-23</a:t>
             </a:fld>
             <a:endParaRPr lang="en-US"/>
           </a:p>
@@ -1610,7 +1612,7 @@
           <a:p>
             <a:fld id="{304DB6B7-848F-4A9B-8BD5-23855C3D30D0}" type="datetimeFigureOut">
               <a:rPr lang="en-US" smtClean="0"/>
-              <a:t>12-Jul-23</a:t>
+              <a:t>13-Jul-23</a:t>
             </a:fld>
             <a:endParaRPr lang="en-US"/>
           </a:p>
@@ -1728,7 +1730,7 @@
           <a:p>
             <a:fld id="{304DB6B7-848F-4A9B-8BD5-23855C3D30D0}" type="datetimeFigureOut">
               <a:rPr lang="en-US" smtClean="0"/>
-              <a:t>12-Jul-23</a:t>
+              <a:t>13-Jul-23</a:t>
             </a:fld>
             <a:endParaRPr lang="en-US"/>
           </a:p>
@@ -1823,7 +1825,7 @@
           <a:p>
             <a:fld id="{304DB6B7-848F-4A9B-8BD5-23855C3D30D0}" type="datetimeFigureOut">
               <a:rPr lang="en-US" smtClean="0"/>
-              <a:t>12-Jul-23</a:t>
+              <a:t>13-Jul-23</a:t>
             </a:fld>
             <a:endParaRPr lang="en-US"/>
           </a:p>
@@ -2100,7 +2102,7 @@
           <a:p>
             <a:fld id="{304DB6B7-848F-4A9B-8BD5-23855C3D30D0}" type="datetimeFigureOut">
               <a:rPr lang="en-US" smtClean="0"/>
-              <a:t>12-Jul-23</a:t>
+              <a:t>13-Jul-23</a:t>
             </a:fld>
             <a:endParaRPr lang="en-US"/>
           </a:p>
@@ -2357,7 +2359,7 @@
           <a:p>
             <a:fld id="{304DB6B7-848F-4A9B-8BD5-23855C3D30D0}" type="datetimeFigureOut">
               <a:rPr lang="en-US" smtClean="0"/>
-              <a:t>12-Jul-23</a:t>
+              <a:t>13-Jul-23</a:t>
             </a:fld>
             <a:endParaRPr lang="en-US"/>
           </a:p>
@@ -2570,7 +2572,7 @@
           <a:p>
             <a:fld id="{304DB6B7-848F-4A9B-8BD5-23855C3D30D0}" type="datetimeFigureOut">
               <a:rPr lang="en-US" smtClean="0"/>
-              <a:t>12-Jul-23</a:t>
+              <a:t>13-Jul-23</a:t>
             </a:fld>
             <a:endParaRPr lang="en-US"/>
           </a:p>
@@ -8988,6 +8990,1651 @@
 </p:sld>
 </file>
 
+<file path=ppt/slides/slide6.xml><?xml version="1.0" encoding="utf-8"?>
+<p:sld xmlns:a="http://schemas.openxmlformats.org/drawingml/2006/main" xmlns:r="http://schemas.openxmlformats.org/officeDocument/2006/relationships" xmlns:p="http://schemas.openxmlformats.org/presentationml/2006/main">
+  <p:cSld>
+    <p:spTree>
+      <p:nvGrpSpPr>
+        <p:cNvPr id="1" name=""/>
+        <p:cNvGrpSpPr/>
+        <p:nvPr/>
+      </p:nvGrpSpPr>
+      <p:grpSpPr>
+        <a:xfrm>
+          <a:off x="0" y="0"/>
+          <a:ext cx="0" cy="0"/>
+          <a:chOff x="0" y="0"/>
+          <a:chExt cx="0" cy="0"/>
+        </a:xfrm>
+      </p:grpSpPr>
+      <p:sp>
+        <p:nvSpPr>
+          <p:cNvPr id="4" name="Oval 3">
+            <a:extLst>
+              <a:ext uri="{FF2B5EF4-FFF2-40B4-BE49-F238E27FC236}">
+                <a16:creationId xmlns:a16="http://schemas.microsoft.com/office/drawing/2014/main" id="{B1B40F7C-C4B6-4353-99E6-B802E7CDF493}"/>
+              </a:ext>
+            </a:extLst>
+          </p:cNvPr>
+          <p:cNvSpPr/>
+          <p:nvPr/>
+        </p:nvSpPr>
+        <p:spPr>
+          <a:xfrm>
+            <a:off x="2704843" y="2532610"/>
+            <a:ext cx="1173173" cy="994180"/>
+          </a:xfrm>
+          <a:prstGeom prst="ellipse">
+            <a:avLst/>
+          </a:prstGeom>
+        </p:spPr>
+        <p:style>
+          <a:lnRef idx="2">
+            <a:schemeClr val="accent1">
+              <a:shade val="50000"/>
+            </a:schemeClr>
+          </a:lnRef>
+          <a:fillRef idx="1">
+            <a:schemeClr val="accent1"/>
+          </a:fillRef>
+          <a:effectRef idx="0">
+            <a:schemeClr val="accent1"/>
+          </a:effectRef>
+          <a:fontRef idx="minor">
+            <a:schemeClr val="lt1"/>
+          </a:fontRef>
+        </p:style>
+        <p:txBody>
+          <a:bodyPr rtlCol="0" anchor="ctr"/>
+          <a:lstStyle/>
+          <a:p>
+            <a:pPr algn="ctr"/>
+            <a:r>
+              <a:rPr lang="en-US" sz="7200"/>
+              <a:t>C</a:t>
+            </a:r>
+          </a:p>
+        </p:txBody>
+      </p:sp>
+      <p:sp>
+        <p:nvSpPr>
+          <p:cNvPr id="5" name="Oval 4">
+            <a:extLst>
+              <a:ext uri="{FF2B5EF4-FFF2-40B4-BE49-F238E27FC236}">
+                <a16:creationId xmlns:a16="http://schemas.microsoft.com/office/drawing/2014/main" id="{A57E5255-E73F-4243-8B5C-F78747A0A7BE}"/>
+              </a:ext>
+            </a:extLst>
+          </p:cNvPr>
+          <p:cNvSpPr/>
+          <p:nvPr/>
+        </p:nvSpPr>
+        <p:spPr>
+          <a:xfrm>
+            <a:off x="4378174" y="2236903"/>
+            <a:ext cx="1173173" cy="994180"/>
+          </a:xfrm>
+          <a:prstGeom prst="ellipse">
+            <a:avLst/>
+          </a:prstGeom>
+        </p:spPr>
+        <p:style>
+          <a:lnRef idx="2">
+            <a:schemeClr val="accent1">
+              <a:shade val="50000"/>
+            </a:schemeClr>
+          </a:lnRef>
+          <a:fillRef idx="1">
+            <a:schemeClr val="accent1"/>
+          </a:fillRef>
+          <a:effectRef idx="0">
+            <a:schemeClr val="accent1"/>
+          </a:effectRef>
+          <a:fontRef idx="minor">
+            <a:schemeClr val="lt1"/>
+          </a:fontRef>
+        </p:style>
+        <p:txBody>
+          <a:bodyPr rtlCol="0" anchor="ctr"/>
+          <a:lstStyle/>
+          <a:p>
+            <a:pPr algn="ctr"/>
+            <a:r>
+              <a:rPr lang="en-US" sz="7200"/>
+              <a:t>S</a:t>
+            </a:r>
+          </a:p>
+        </p:txBody>
+      </p:sp>
+      <p:sp>
+        <p:nvSpPr>
+          <p:cNvPr id="6" name="Oval 5">
+            <a:extLst>
+              <a:ext uri="{FF2B5EF4-FFF2-40B4-BE49-F238E27FC236}">
+                <a16:creationId xmlns:a16="http://schemas.microsoft.com/office/drawing/2014/main" id="{698A273F-0655-4C19-99B7-516BF4F4B68E}"/>
+              </a:ext>
+            </a:extLst>
+          </p:cNvPr>
+          <p:cNvSpPr/>
+          <p:nvPr/>
+        </p:nvSpPr>
+        <p:spPr>
+          <a:xfrm>
+            <a:off x="6051506" y="2532610"/>
+            <a:ext cx="1173173" cy="994180"/>
+          </a:xfrm>
+          <a:prstGeom prst="ellipse">
+            <a:avLst/>
+          </a:prstGeom>
+        </p:spPr>
+        <p:style>
+          <a:lnRef idx="2">
+            <a:schemeClr val="accent1">
+              <a:shade val="50000"/>
+            </a:schemeClr>
+          </a:lnRef>
+          <a:fillRef idx="1">
+            <a:schemeClr val="accent1"/>
+          </a:fillRef>
+          <a:effectRef idx="0">
+            <a:schemeClr val="accent1"/>
+          </a:effectRef>
+          <a:fontRef idx="minor">
+            <a:schemeClr val="lt1"/>
+          </a:fontRef>
+        </p:style>
+        <p:txBody>
+          <a:bodyPr rtlCol="0" anchor="ctr"/>
+          <a:lstStyle/>
+          <a:p>
+            <a:pPr algn="ctr"/>
+            <a:r>
+              <a:rPr lang="en-US" sz="7200"/>
+              <a:t>R</a:t>
+            </a:r>
+          </a:p>
+        </p:txBody>
+      </p:sp>
+      <p:sp>
+        <p:nvSpPr>
+          <p:cNvPr id="8" name="Smiley Face 7">
+            <a:extLst>
+              <a:ext uri="{FF2B5EF4-FFF2-40B4-BE49-F238E27FC236}">
+                <a16:creationId xmlns:a16="http://schemas.microsoft.com/office/drawing/2014/main" id="{5252F668-AE72-4CEA-A66F-4F5FF6AC7CC3}"/>
+              </a:ext>
+            </a:extLst>
+          </p:cNvPr>
+          <p:cNvSpPr/>
+          <p:nvPr/>
+        </p:nvSpPr>
+        <p:spPr>
+          <a:xfrm>
+            <a:off x="595280" y="2074275"/>
+            <a:ext cx="1319436" cy="1319436"/>
+          </a:xfrm>
+          <a:prstGeom prst="smileyFace">
+            <a:avLst/>
+          </a:prstGeom>
+          <a:solidFill>
+            <a:srgbClr val="FFFF00"/>
+          </a:solidFill>
+        </p:spPr>
+        <p:style>
+          <a:lnRef idx="2">
+            <a:schemeClr val="accent1">
+              <a:shade val="50000"/>
+            </a:schemeClr>
+          </a:lnRef>
+          <a:fillRef idx="1">
+            <a:schemeClr val="accent1"/>
+          </a:fillRef>
+          <a:effectRef idx="0">
+            <a:schemeClr val="accent1"/>
+          </a:effectRef>
+          <a:fontRef idx="minor">
+            <a:schemeClr val="lt1"/>
+          </a:fontRef>
+        </p:style>
+        <p:txBody>
+          <a:bodyPr rtlCol="0" anchor="ctr"/>
+          <a:lstStyle/>
+          <a:p>
+            <a:pPr algn="ctr"/>
+            <a:endParaRPr lang="en-US">
+              <a:solidFill>
+                <a:schemeClr val="tx1"/>
+              </a:solidFill>
+            </a:endParaRPr>
+          </a:p>
+          <a:p>
+            <a:pPr algn="ctr"/>
+            <a:r>
+              <a:rPr lang="en-US">
+                <a:solidFill>
+                  <a:schemeClr val="tx1"/>
+                </a:solidFill>
+              </a:rPr>
+              <a:t>Client</a:t>
+            </a:r>
+          </a:p>
+        </p:txBody>
+      </p:sp>
+      <p:sp>
+        <p:nvSpPr>
+          <p:cNvPr id="9" name="Flowchart: Magnetic Disk 8">
+            <a:extLst>
+              <a:ext uri="{FF2B5EF4-FFF2-40B4-BE49-F238E27FC236}">
+                <a16:creationId xmlns:a16="http://schemas.microsoft.com/office/drawing/2014/main" id="{787E6E13-0A83-4862-AD24-41B500052680}"/>
+              </a:ext>
+            </a:extLst>
+          </p:cNvPr>
+          <p:cNvSpPr/>
+          <p:nvPr/>
+        </p:nvSpPr>
+        <p:spPr>
+          <a:xfrm>
+            <a:off x="8014807" y="3393711"/>
+            <a:ext cx="1294888" cy="867575"/>
+          </a:xfrm>
+          <a:prstGeom prst="flowChartMagneticDisk">
+            <a:avLst/>
+          </a:prstGeom>
+          <a:solidFill>
+            <a:srgbClr val="92D050"/>
+          </a:solidFill>
+        </p:spPr>
+        <p:style>
+          <a:lnRef idx="2">
+            <a:schemeClr val="accent1">
+              <a:shade val="50000"/>
+            </a:schemeClr>
+          </a:lnRef>
+          <a:fillRef idx="1">
+            <a:schemeClr val="accent1"/>
+          </a:fillRef>
+          <a:effectRef idx="0">
+            <a:schemeClr val="accent1"/>
+          </a:effectRef>
+          <a:fontRef idx="minor">
+            <a:schemeClr val="lt1"/>
+          </a:fontRef>
+        </p:style>
+        <p:txBody>
+          <a:bodyPr rtlCol="0" anchor="ctr"/>
+          <a:lstStyle/>
+          <a:p>
+            <a:pPr algn="ctr"/>
+            <a:r>
+              <a:rPr lang="en-US"/>
+              <a:t>Database</a:t>
+            </a:r>
+          </a:p>
+        </p:txBody>
+      </p:sp>
+      <p:cxnSp>
+        <p:nvCxnSpPr>
+          <p:cNvPr id="11" name="Straight Arrow Connector 10">
+            <a:extLst>
+              <a:ext uri="{FF2B5EF4-FFF2-40B4-BE49-F238E27FC236}">
+                <a16:creationId xmlns:a16="http://schemas.microsoft.com/office/drawing/2014/main" id="{B0A766E5-BE42-4CC6-8512-4A484834FA1C}"/>
+              </a:ext>
+            </a:extLst>
+          </p:cNvPr>
+          <p:cNvCxnSpPr>
+            <a:cxnSpLocks/>
+            <a:stCxn id="8" idx="6"/>
+            <a:endCxn id="4" idx="2"/>
+          </p:cNvCxnSpPr>
+          <p:nvPr/>
+        </p:nvCxnSpPr>
+        <p:spPr>
+          <a:xfrm>
+            <a:off x="1914716" y="2733993"/>
+            <a:ext cx="790127" cy="295707"/>
+          </a:xfrm>
+          <a:prstGeom prst="straightConnector1">
+            <a:avLst/>
+          </a:prstGeom>
+          <a:ln>
+            <a:tailEnd type="triangle" w="lg" len="lg"/>
+          </a:ln>
+        </p:spPr>
+        <p:style>
+          <a:lnRef idx="1">
+            <a:schemeClr val="accent1"/>
+          </a:lnRef>
+          <a:fillRef idx="0">
+            <a:schemeClr val="accent1"/>
+          </a:fillRef>
+          <a:effectRef idx="0">
+            <a:schemeClr val="accent1"/>
+          </a:effectRef>
+          <a:fontRef idx="minor">
+            <a:schemeClr val="tx1"/>
+          </a:fontRef>
+        </p:style>
+      </p:cxnSp>
+      <p:cxnSp>
+        <p:nvCxnSpPr>
+          <p:cNvPr id="13" name="Straight Arrow Connector 12">
+            <a:extLst>
+              <a:ext uri="{FF2B5EF4-FFF2-40B4-BE49-F238E27FC236}">
+                <a16:creationId xmlns:a16="http://schemas.microsoft.com/office/drawing/2014/main" id="{7A97D266-86AD-4A11-BB4D-8990C881BEB3}"/>
+              </a:ext>
+            </a:extLst>
+          </p:cNvPr>
+          <p:cNvCxnSpPr>
+            <a:cxnSpLocks/>
+            <a:stCxn id="4" idx="6"/>
+            <a:endCxn id="5" idx="2"/>
+          </p:cNvCxnSpPr>
+          <p:nvPr/>
+        </p:nvCxnSpPr>
+        <p:spPr>
+          <a:xfrm flipV="1">
+            <a:off x="3878016" y="2733993"/>
+            <a:ext cx="500158" cy="295707"/>
+          </a:xfrm>
+          <a:prstGeom prst="straightConnector1">
+            <a:avLst/>
+          </a:prstGeom>
+          <a:ln>
+            <a:tailEnd type="triangle" w="lg" len="lg"/>
+          </a:ln>
+        </p:spPr>
+        <p:style>
+          <a:lnRef idx="1">
+            <a:schemeClr val="accent1"/>
+          </a:lnRef>
+          <a:fillRef idx="0">
+            <a:schemeClr val="accent1"/>
+          </a:fillRef>
+          <a:effectRef idx="0">
+            <a:schemeClr val="accent1"/>
+          </a:effectRef>
+          <a:fontRef idx="minor">
+            <a:schemeClr val="tx1"/>
+          </a:fontRef>
+        </p:style>
+      </p:cxnSp>
+      <p:cxnSp>
+        <p:nvCxnSpPr>
+          <p:cNvPr id="17" name="Straight Arrow Connector 16">
+            <a:extLst>
+              <a:ext uri="{FF2B5EF4-FFF2-40B4-BE49-F238E27FC236}">
+                <a16:creationId xmlns:a16="http://schemas.microsoft.com/office/drawing/2014/main" id="{3655CDA4-FF10-402B-8AD7-76224A34FA13}"/>
+              </a:ext>
+            </a:extLst>
+          </p:cNvPr>
+          <p:cNvCxnSpPr>
+            <a:cxnSpLocks/>
+            <a:stCxn id="5" idx="6"/>
+            <a:endCxn id="6" idx="2"/>
+          </p:cNvCxnSpPr>
+          <p:nvPr/>
+        </p:nvCxnSpPr>
+        <p:spPr>
+          <a:xfrm>
+            <a:off x="5551347" y="2733993"/>
+            <a:ext cx="500159" cy="295707"/>
+          </a:xfrm>
+          <a:prstGeom prst="straightConnector1">
+            <a:avLst/>
+          </a:prstGeom>
+          <a:ln>
+            <a:tailEnd type="triangle" w="lg" len="lg"/>
+          </a:ln>
+        </p:spPr>
+        <p:style>
+          <a:lnRef idx="1">
+            <a:schemeClr val="accent1"/>
+          </a:lnRef>
+          <a:fillRef idx="0">
+            <a:schemeClr val="accent1"/>
+          </a:fillRef>
+          <a:effectRef idx="0">
+            <a:schemeClr val="accent1"/>
+          </a:effectRef>
+          <a:fontRef idx="minor">
+            <a:schemeClr val="tx1"/>
+          </a:fontRef>
+        </p:style>
+      </p:cxnSp>
+      <p:cxnSp>
+        <p:nvCxnSpPr>
+          <p:cNvPr id="20" name="Straight Arrow Connector 19">
+            <a:extLst>
+              <a:ext uri="{FF2B5EF4-FFF2-40B4-BE49-F238E27FC236}">
+                <a16:creationId xmlns:a16="http://schemas.microsoft.com/office/drawing/2014/main" id="{A2C05EB4-90A0-4FC1-A069-6477B2F352E1}"/>
+              </a:ext>
+            </a:extLst>
+          </p:cNvPr>
+          <p:cNvCxnSpPr>
+            <a:cxnSpLocks/>
+            <a:stCxn id="6" idx="6"/>
+            <a:endCxn id="9" idx="2"/>
+          </p:cNvCxnSpPr>
+          <p:nvPr/>
+        </p:nvCxnSpPr>
+        <p:spPr>
+          <a:xfrm>
+            <a:off x="7224679" y="3029700"/>
+            <a:ext cx="790128" cy="797799"/>
+          </a:xfrm>
+          <a:prstGeom prst="straightConnector1">
+            <a:avLst/>
+          </a:prstGeom>
+          <a:ln>
+            <a:tailEnd type="triangle" w="lg" len="lg"/>
+          </a:ln>
+        </p:spPr>
+        <p:style>
+          <a:lnRef idx="1">
+            <a:schemeClr val="accent1"/>
+          </a:lnRef>
+          <a:fillRef idx="0">
+            <a:schemeClr val="accent1"/>
+          </a:fillRef>
+          <a:effectRef idx="0">
+            <a:schemeClr val="accent1"/>
+          </a:effectRef>
+          <a:fontRef idx="minor">
+            <a:schemeClr val="tx1"/>
+          </a:fontRef>
+        </p:style>
+      </p:cxnSp>
+      <p:cxnSp>
+        <p:nvCxnSpPr>
+          <p:cNvPr id="25" name="Connector: Curved 24">
+            <a:extLst>
+              <a:ext uri="{FF2B5EF4-FFF2-40B4-BE49-F238E27FC236}">
+                <a16:creationId xmlns:a16="http://schemas.microsoft.com/office/drawing/2014/main" id="{7AFB20BF-6382-46AC-9106-EDCF63118CAB}"/>
+              </a:ext>
+            </a:extLst>
+          </p:cNvPr>
+          <p:cNvCxnSpPr>
+            <a:cxnSpLocks/>
+            <a:stCxn id="9" idx="3"/>
+            <a:endCxn id="6" idx="4"/>
+          </p:cNvCxnSpPr>
+          <p:nvPr/>
+        </p:nvCxnSpPr>
+        <p:spPr>
+          <a:xfrm rot="5400000" flipH="1">
+            <a:off x="7282924" y="2881959"/>
+            <a:ext cx="734496" cy="2024158"/>
+          </a:xfrm>
+          <a:prstGeom prst="curvedConnector3">
+            <a:avLst>
+              <a:gd name="adj1" fmla="val -31123"/>
+            </a:avLst>
+          </a:prstGeom>
+          <a:ln>
+            <a:solidFill>
+              <a:srgbClr val="7030A0"/>
+            </a:solidFill>
+            <a:prstDash val="lgDashDot"/>
+            <a:tailEnd type="triangle" w="lg" len="lg"/>
+          </a:ln>
+        </p:spPr>
+        <p:style>
+          <a:lnRef idx="1">
+            <a:schemeClr val="accent1"/>
+          </a:lnRef>
+          <a:fillRef idx="0">
+            <a:schemeClr val="accent1"/>
+          </a:fillRef>
+          <a:effectRef idx="0">
+            <a:schemeClr val="accent1"/>
+          </a:effectRef>
+          <a:fontRef idx="minor">
+            <a:schemeClr val="tx1"/>
+          </a:fontRef>
+        </p:style>
+      </p:cxnSp>
+      <p:cxnSp>
+        <p:nvCxnSpPr>
+          <p:cNvPr id="33" name="Connector: Curved 32">
+            <a:extLst>
+              <a:ext uri="{FF2B5EF4-FFF2-40B4-BE49-F238E27FC236}">
+                <a16:creationId xmlns:a16="http://schemas.microsoft.com/office/drawing/2014/main" id="{BC4413E0-92B6-4C91-BEBD-02F3AB518796}"/>
+              </a:ext>
+            </a:extLst>
+          </p:cNvPr>
+          <p:cNvCxnSpPr>
+            <a:cxnSpLocks/>
+            <a:endCxn id="5" idx="5"/>
+          </p:cNvCxnSpPr>
+          <p:nvPr/>
+        </p:nvCxnSpPr>
+        <p:spPr>
+          <a:xfrm rot="10800000">
+            <a:off x="5379540" y="3085490"/>
+            <a:ext cx="1058082" cy="441305"/>
+          </a:xfrm>
+          <a:prstGeom prst="curvedConnector2">
+            <a:avLst/>
+          </a:prstGeom>
+          <a:ln>
+            <a:solidFill>
+              <a:srgbClr val="7030A0"/>
+            </a:solidFill>
+            <a:prstDash val="lgDashDot"/>
+            <a:tailEnd type="triangle" w="lg" len="lg"/>
+          </a:ln>
+        </p:spPr>
+        <p:style>
+          <a:lnRef idx="1">
+            <a:schemeClr val="accent1"/>
+          </a:lnRef>
+          <a:fillRef idx="0">
+            <a:schemeClr val="accent1"/>
+          </a:fillRef>
+          <a:effectRef idx="0">
+            <a:schemeClr val="accent1"/>
+          </a:effectRef>
+          <a:fontRef idx="minor">
+            <a:schemeClr val="tx1"/>
+          </a:fontRef>
+        </p:style>
+      </p:cxnSp>
+      <p:cxnSp>
+        <p:nvCxnSpPr>
+          <p:cNvPr id="37" name="Connector: Curved 36">
+            <a:extLst>
+              <a:ext uri="{FF2B5EF4-FFF2-40B4-BE49-F238E27FC236}">
+                <a16:creationId xmlns:a16="http://schemas.microsoft.com/office/drawing/2014/main" id="{1A34C0F0-74A8-4223-8E2C-E07888F6A583}"/>
+              </a:ext>
+            </a:extLst>
+          </p:cNvPr>
+          <p:cNvCxnSpPr>
+            <a:cxnSpLocks/>
+            <a:stCxn id="5" idx="4"/>
+            <a:endCxn id="4" idx="4"/>
+          </p:cNvCxnSpPr>
+          <p:nvPr/>
+        </p:nvCxnSpPr>
+        <p:spPr>
+          <a:xfrm rot="5400000">
+            <a:off x="3980243" y="2542271"/>
+            <a:ext cx="295707" cy="1673331"/>
+          </a:xfrm>
+          <a:prstGeom prst="curvedConnector3">
+            <a:avLst>
+              <a:gd name="adj1" fmla="val 177306"/>
+            </a:avLst>
+          </a:prstGeom>
+          <a:ln>
+            <a:solidFill>
+              <a:srgbClr val="7030A0"/>
+            </a:solidFill>
+            <a:prstDash val="lgDashDot"/>
+            <a:tailEnd type="triangle" w="lg" len="lg"/>
+          </a:ln>
+        </p:spPr>
+        <p:style>
+          <a:lnRef idx="1">
+            <a:schemeClr val="accent1"/>
+          </a:lnRef>
+          <a:fillRef idx="0">
+            <a:schemeClr val="accent1"/>
+          </a:fillRef>
+          <a:effectRef idx="0">
+            <a:schemeClr val="accent1"/>
+          </a:effectRef>
+          <a:fontRef idx="minor">
+            <a:schemeClr val="tx1"/>
+          </a:fontRef>
+        </p:style>
+      </p:cxnSp>
+      <p:cxnSp>
+        <p:nvCxnSpPr>
+          <p:cNvPr id="42" name="Connector: Curved 41">
+            <a:extLst>
+              <a:ext uri="{FF2B5EF4-FFF2-40B4-BE49-F238E27FC236}">
+                <a16:creationId xmlns:a16="http://schemas.microsoft.com/office/drawing/2014/main" id="{69055653-8C79-48CA-B768-C59C2A0592A3}"/>
+              </a:ext>
+            </a:extLst>
+          </p:cNvPr>
+          <p:cNvCxnSpPr>
+            <a:cxnSpLocks/>
+          </p:cNvCxnSpPr>
+          <p:nvPr/>
+        </p:nvCxnSpPr>
+        <p:spPr>
+          <a:xfrm rot="5400000">
+            <a:off x="2281628" y="3466299"/>
+            <a:ext cx="834155" cy="904573"/>
+          </a:xfrm>
+          <a:prstGeom prst="curvedConnector2">
+            <a:avLst/>
+          </a:prstGeom>
+          <a:ln>
+            <a:solidFill>
+              <a:srgbClr val="7030A0"/>
+            </a:solidFill>
+            <a:prstDash val="lgDashDot"/>
+            <a:tailEnd type="triangle" w="lg" len="lg"/>
+          </a:ln>
+        </p:spPr>
+        <p:style>
+          <a:lnRef idx="1">
+            <a:schemeClr val="accent1"/>
+          </a:lnRef>
+          <a:fillRef idx="0">
+            <a:schemeClr val="accent1"/>
+          </a:fillRef>
+          <a:effectRef idx="0">
+            <a:schemeClr val="accent1"/>
+          </a:effectRef>
+          <a:fontRef idx="minor">
+            <a:schemeClr val="tx1"/>
+          </a:fontRef>
+        </p:style>
+      </p:cxnSp>
+      <p:sp>
+        <p:nvSpPr>
+          <p:cNvPr id="43" name="Oval 42">
+            <a:extLst>
+              <a:ext uri="{FF2B5EF4-FFF2-40B4-BE49-F238E27FC236}">
+                <a16:creationId xmlns:a16="http://schemas.microsoft.com/office/drawing/2014/main" id="{DCD9035D-D36D-4337-85E8-2730B2FFE806}"/>
+              </a:ext>
+            </a:extLst>
+          </p:cNvPr>
+          <p:cNvSpPr/>
+          <p:nvPr/>
+        </p:nvSpPr>
+        <p:spPr>
+          <a:xfrm>
+            <a:off x="1605313" y="4360945"/>
+            <a:ext cx="1173173" cy="994180"/>
+          </a:xfrm>
+          <a:prstGeom prst="ellipse">
+            <a:avLst/>
+          </a:prstGeom>
+        </p:spPr>
+        <p:style>
+          <a:lnRef idx="2">
+            <a:schemeClr val="accent1">
+              <a:shade val="50000"/>
+            </a:schemeClr>
+          </a:lnRef>
+          <a:fillRef idx="1">
+            <a:schemeClr val="accent1"/>
+          </a:fillRef>
+          <a:effectRef idx="0">
+            <a:schemeClr val="accent1"/>
+          </a:effectRef>
+          <a:fontRef idx="minor">
+            <a:schemeClr val="lt1"/>
+          </a:fontRef>
+        </p:style>
+        <p:txBody>
+          <a:bodyPr rtlCol="0" anchor="ctr"/>
+          <a:lstStyle/>
+          <a:p>
+            <a:pPr algn="ctr"/>
+            <a:r>
+              <a:rPr lang="en-US" sz="7200"/>
+              <a:t>V</a:t>
+            </a:r>
+          </a:p>
+        </p:txBody>
+      </p:sp>
+      <p:cxnSp>
+        <p:nvCxnSpPr>
+          <p:cNvPr id="46" name="Connector: Curved 45">
+            <a:extLst>
+              <a:ext uri="{FF2B5EF4-FFF2-40B4-BE49-F238E27FC236}">
+                <a16:creationId xmlns:a16="http://schemas.microsoft.com/office/drawing/2014/main" id="{4B0FDD76-5F42-4902-98B1-353F08C9B604}"/>
+              </a:ext>
+            </a:extLst>
+          </p:cNvPr>
+          <p:cNvCxnSpPr>
+            <a:cxnSpLocks/>
+            <a:stCxn id="43" idx="2"/>
+            <a:endCxn id="8" idx="4"/>
+          </p:cNvCxnSpPr>
+          <p:nvPr/>
+        </p:nvCxnSpPr>
+        <p:spPr>
+          <a:xfrm rot="10800000">
+            <a:off x="1254999" y="3393711"/>
+            <a:ext cx="350315" cy="1464324"/>
+          </a:xfrm>
+          <a:prstGeom prst="curvedConnector2">
+            <a:avLst/>
+          </a:prstGeom>
+          <a:ln>
+            <a:solidFill>
+              <a:srgbClr val="7030A0"/>
+            </a:solidFill>
+            <a:prstDash val="lgDashDot"/>
+            <a:tailEnd type="triangle" w="lg" len="lg"/>
+          </a:ln>
+        </p:spPr>
+        <p:style>
+          <a:lnRef idx="1">
+            <a:schemeClr val="accent1"/>
+          </a:lnRef>
+          <a:fillRef idx="0">
+            <a:schemeClr val="accent1"/>
+          </a:fillRef>
+          <a:effectRef idx="0">
+            <a:schemeClr val="accent1"/>
+          </a:effectRef>
+          <a:fontRef idx="minor">
+            <a:schemeClr val="tx1"/>
+          </a:fontRef>
+        </p:style>
+      </p:cxnSp>
+      <p:sp>
+        <p:nvSpPr>
+          <p:cNvPr id="49" name="Rectangle: Rounded Corners 48">
+            <a:extLst>
+              <a:ext uri="{FF2B5EF4-FFF2-40B4-BE49-F238E27FC236}">
+                <a16:creationId xmlns:a16="http://schemas.microsoft.com/office/drawing/2014/main" id="{393ECEAC-066D-44A3-871D-53E539B1EB23}"/>
+              </a:ext>
+            </a:extLst>
+          </p:cNvPr>
+          <p:cNvSpPr/>
+          <p:nvPr/>
+        </p:nvSpPr>
+        <p:spPr>
+          <a:xfrm>
+            <a:off x="3419591" y="4335664"/>
+            <a:ext cx="2992769" cy="437189"/>
+          </a:xfrm>
+          <a:prstGeom prst="roundRect">
+            <a:avLst>
+              <a:gd name="adj" fmla="val 10785"/>
+            </a:avLst>
+          </a:prstGeom>
+        </p:spPr>
+        <p:style>
+          <a:lnRef idx="2">
+            <a:schemeClr val="accent6"/>
+          </a:lnRef>
+          <a:fillRef idx="1">
+            <a:schemeClr val="lt1"/>
+          </a:fillRef>
+          <a:effectRef idx="0">
+            <a:schemeClr val="accent6"/>
+          </a:effectRef>
+          <a:fontRef idx="minor">
+            <a:schemeClr val="dk1"/>
+          </a:fontRef>
+        </p:style>
+        <p:txBody>
+          <a:bodyPr rtlCol="0" anchor="ctr"/>
+          <a:lstStyle/>
+          <a:p>
+            <a:pPr algn="ctr"/>
+            <a:r>
+              <a:rPr lang="en-US" sz="2000"/>
+              <a:t>MODEL = S + R+ m (model)</a:t>
+            </a:r>
+          </a:p>
+        </p:txBody>
+      </p:sp>
+      <p:sp>
+        <p:nvSpPr>
+          <p:cNvPr id="50" name="Rectangle: Top Corners Rounded 49">
+            <a:extLst>
+              <a:ext uri="{FF2B5EF4-FFF2-40B4-BE49-F238E27FC236}">
+                <a16:creationId xmlns:a16="http://schemas.microsoft.com/office/drawing/2014/main" id="{C71FB338-0852-4D74-B399-2DDB14DAC367}"/>
+              </a:ext>
+            </a:extLst>
+          </p:cNvPr>
+          <p:cNvSpPr/>
+          <p:nvPr/>
+        </p:nvSpPr>
+        <p:spPr>
+          <a:xfrm>
+            <a:off x="2246419" y="674217"/>
+            <a:ext cx="5132194" cy="482348"/>
+          </a:xfrm>
+          <a:prstGeom prst="round2SameRect">
+            <a:avLst/>
+          </a:prstGeom>
+          <a:noFill/>
+        </p:spPr>
+        <p:style>
+          <a:lnRef idx="2">
+            <a:schemeClr val="accent1">
+              <a:shade val="50000"/>
+            </a:schemeClr>
+          </a:lnRef>
+          <a:fillRef idx="1">
+            <a:schemeClr val="accent1"/>
+          </a:fillRef>
+          <a:effectRef idx="0">
+            <a:schemeClr val="accent1"/>
+          </a:effectRef>
+          <a:fontRef idx="minor">
+            <a:schemeClr val="lt1"/>
+          </a:fontRef>
+        </p:style>
+        <p:txBody>
+          <a:bodyPr rtlCol="0" anchor="ctr"/>
+          <a:lstStyle/>
+          <a:p>
+            <a:pPr algn="ctr"/>
+            <a:r>
+              <a:rPr lang="en-US" sz="3200">
+                <a:solidFill>
+                  <a:schemeClr val="tx1"/>
+                </a:solidFill>
+              </a:rPr>
+              <a:t>Mô hình MCV</a:t>
+            </a:r>
+          </a:p>
+        </p:txBody>
+      </p:sp>
+      <p:sp>
+        <p:nvSpPr>
+          <p:cNvPr id="52" name="Oval 51">
+            <a:extLst>
+              <a:ext uri="{FF2B5EF4-FFF2-40B4-BE49-F238E27FC236}">
+                <a16:creationId xmlns:a16="http://schemas.microsoft.com/office/drawing/2014/main" id="{733B3A0F-26C6-4473-B853-01843C1217C2}"/>
+              </a:ext>
+            </a:extLst>
+          </p:cNvPr>
+          <p:cNvSpPr/>
+          <p:nvPr/>
+        </p:nvSpPr>
+        <p:spPr>
+          <a:xfrm>
+            <a:off x="6998947" y="4058974"/>
+            <a:ext cx="888676" cy="836809"/>
+          </a:xfrm>
+          <a:prstGeom prst="ellipse">
+            <a:avLst/>
+          </a:prstGeom>
+        </p:spPr>
+        <p:style>
+          <a:lnRef idx="2">
+            <a:schemeClr val="accent1">
+              <a:shade val="50000"/>
+            </a:schemeClr>
+          </a:lnRef>
+          <a:fillRef idx="1">
+            <a:schemeClr val="accent1"/>
+          </a:fillRef>
+          <a:effectRef idx="0">
+            <a:schemeClr val="accent1"/>
+          </a:effectRef>
+          <a:fontRef idx="minor">
+            <a:schemeClr val="lt1"/>
+          </a:fontRef>
+        </p:style>
+        <p:txBody>
+          <a:bodyPr rtlCol="0" anchor="ctr"/>
+          <a:lstStyle/>
+          <a:p>
+            <a:pPr algn="ctr"/>
+            <a:r>
+              <a:rPr lang="en-US" sz="7200"/>
+              <a:t>m</a:t>
+            </a:r>
+          </a:p>
+        </p:txBody>
+      </p:sp>
+    </p:spTree>
+    <p:extLst>
+      <p:ext uri="{BB962C8B-B14F-4D97-AF65-F5344CB8AC3E}">
+        <p14:creationId xmlns:p14="http://schemas.microsoft.com/office/powerpoint/2010/main" val="1864096029"/>
+      </p:ext>
+    </p:extLst>
+  </p:cSld>
+  <p:clrMapOvr>
+    <a:masterClrMapping/>
+  </p:clrMapOvr>
+</p:sld>
+</file>
+
+<file path=ppt/slides/slide7.xml><?xml version="1.0" encoding="utf-8"?>
+<p:sld xmlns:a="http://schemas.openxmlformats.org/drawingml/2006/main" xmlns:r="http://schemas.openxmlformats.org/officeDocument/2006/relationships" xmlns:p="http://schemas.openxmlformats.org/presentationml/2006/main">
+  <p:cSld>
+    <p:spTree>
+      <p:nvGrpSpPr>
+        <p:cNvPr id="1" name=""/>
+        <p:cNvGrpSpPr/>
+        <p:nvPr/>
+      </p:nvGrpSpPr>
+      <p:grpSpPr>
+        <a:xfrm>
+          <a:off x="0" y="0"/>
+          <a:ext cx="0" cy="0"/>
+          <a:chOff x="0" y="0"/>
+          <a:chExt cx="0" cy="0"/>
+        </a:xfrm>
+      </p:grpSpPr>
+      <p:sp>
+        <p:nvSpPr>
+          <p:cNvPr id="53" name="Oval 52">
+            <a:extLst>
+              <a:ext uri="{FF2B5EF4-FFF2-40B4-BE49-F238E27FC236}">
+                <a16:creationId xmlns:a16="http://schemas.microsoft.com/office/drawing/2014/main" id="{8FD7D4D9-9198-416E-A398-E579C4F0DBF1}"/>
+              </a:ext>
+            </a:extLst>
+          </p:cNvPr>
+          <p:cNvSpPr/>
+          <p:nvPr/>
+        </p:nvSpPr>
+        <p:spPr>
+          <a:xfrm>
+            <a:off x="847719" y="3867598"/>
+            <a:ext cx="623611" cy="645114"/>
+          </a:xfrm>
+          <a:prstGeom prst="ellipse">
+            <a:avLst/>
+          </a:prstGeom>
+        </p:spPr>
+        <p:style>
+          <a:lnRef idx="2">
+            <a:schemeClr val="accent1">
+              <a:shade val="50000"/>
+            </a:schemeClr>
+          </a:lnRef>
+          <a:fillRef idx="1">
+            <a:schemeClr val="accent1"/>
+          </a:fillRef>
+          <a:effectRef idx="0">
+            <a:schemeClr val="accent1"/>
+          </a:effectRef>
+          <a:fontRef idx="minor">
+            <a:schemeClr val="lt1"/>
+          </a:fontRef>
+        </p:style>
+        <p:txBody>
+          <a:bodyPr rtlCol="0" anchor="ctr"/>
+          <a:lstStyle/>
+          <a:p>
+            <a:pPr algn="ctr"/>
+            <a:r>
+              <a:rPr lang="en-US" sz="3600"/>
+              <a:t>S</a:t>
+            </a:r>
+          </a:p>
+        </p:txBody>
+      </p:sp>
+      <p:sp>
+        <p:nvSpPr>
+          <p:cNvPr id="54" name="Rectangle: Rounded Corners 53">
+            <a:extLst>
+              <a:ext uri="{FF2B5EF4-FFF2-40B4-BE49-F238E27FC236}">
+                <a16:creationId xmlns:a16="http://schemas.microsoft.com/office/drawing/2014/main" id="{65893671-7D64-4F4E-BB8C-0E95C93104BF}"/>
+              </a:ext>
+            </a:extLst>
+          </p:cNvPr>
+          <p:cNvSpPr/>
+          <p:nvPr/>
+        </p:nvSpPr>
+        <p:spPr>
+          <a:xfrm>
+            <a:off x="1617078" y="3988079"/>
+            <a:ext cx="3585495" cy="404153"/>
+          </a:xfrm>
+          <a:prstGeom prst="roundRect">
+            <a:avLst>
+              <a:gd name="adj" fmla="val 10785"/>
+            </a:avLst>
+          </a:prstGeom>
+          <a:ln>
+            <a:prstDash val="dash"/>
+          </a:ln>
+        </p:spPr>
+        <p:style>
+          <a:lnRef idx="2">
+            <a:schemeClr val="accent6"/>
+          </a:lnRef>
+          <a:fillRef idx="1">
+            <a:schemeClr val="lt1"/>
+          </a:fillRef>
+          <a:effectRef idx="0">
+            <a:schemeClr val="accent6"/>
+          </a:effectRef>
+          <a:fontRef idx="minor">
+            <a:schemeClr val="dk1"/>
+          </a:fontRef>
+        </p:style>
+        <p:txBody>
+          <a:bodyPr rtlCol="0" anchor="ctr"/>
+          <a:lstStyle/>
+          <a:p>
+            <a:r>
+              <a:rPr lang="en-US" sz="1400" b="1"/>
+              <a:t>B4</a:t>
+            </a:r>
+            <a:r>
+              <a:rPr lang="en-US" sz="1400"/>
+              <a:t>. Tạo một interface `IStudentService` </a:t>
+            </a:r>
+          </a:p>
+        </p:txBody>
+      </p:sp>
+      <p:sp>
+        <p:nvSpPr>
+          <p:cNvPr id="27" name="Oval 26">
+            <a:extLst>
+              <a:ext uri="{FF2B5EF4-FFF2-40B4-BE49-F238E27FC236}">
+                <a16:creationId xmlns:a16="http://schemas.microsoft.com/office/drawing/2014/main" id="{7E9A2E1E-D609-445B-B40F-180676C4783F}"/>
+              </a:ext>
+            </a:extLst>
+          </p:cNvPr>
+          <p:cNvSpPr/>
+          <p:nvPr/>
+        </p:nvSpPr>
+        <p:spPr>
+          <a:xfrm>
+            <a:off x="847719" y="4733419"/>
+            <a:ext cx="623611" cy="645114"/>
+          </a:xfrm>
+          <a:prstGeom prst="ellipse">
+            <a:avLst/>
+          </a:prstGeom>
+        </p:spPr>
+        <p:style>
+          <a:lnRef idx="2">
+            <a:schemeClr val="accent1">
+              <a:shade val="50000"/>
+            </a:schemeClr>
+          </a:lnRef>
+          <a:fillRef idx="1">
+            <a:schemeClr val="accent1"/>
+          </a:fillRef>
+          <a:effectRef idx="0">
+            <a:schemeClr val="accent1"/>
+          </a:effectRef>
+          <a:fontRef idx="minor">
+            <a:schemeClr val="lt1"/>
+          </a:fontRef>
+        </p:style>
+        <p:txBody>
+          <a:bodyPr rtlCol="0" anchor="ctr"/>
+          <a:lstStyle/>
+          <a:p>
+            <a:pPr algn="ctr"/>
+            <a:r>
+              <a:rPr lang="en-US" sz="3600"/>
+              <a:t>S</a:t>
+            </a:r>
+          </a:p>
+        </p:txBody>
+      </p:sp>
+      <p:sp>
+        <p:nvSpPr>
+          <p:cNvPr id="28" name="Rectangle: Rounded Corners 27">
+            <a:extLst>
+              <a:ext uri="{FF2B5EF4-FFF2-40B4-BE49-F238E27FC236}">
+                <a16:creationId xmlns:a16="http://schemas.microsoft.com/office/drawing/2014/main" id="{E20CB297-FF6F-4917-8026-54C34E3CAE09}"/>
+              </a:ext>
+            </a:extLst>
+          </p:cNvPr>
+          <p:cNvSpPr/>
+          <p:nvPr/>
+        </p:nvSpPr>
+        <p:spPr>
+          <a:xfrm>
+            <a:off x="1617078" y="4853900"/>
+            <a:ext cx="6225897" cy="404153"/>
+          </a:xfrm>
+          <a:prstGeom prst="roundRect">
+            <a:avLst>
+              <a:gd name="adj" fmla="val 10785"/>
+            </a:avLst>
+          </a:prstGeom>
+          <a:ln>
+            <a:prstDash val="dash"/>
+          </a:ln>
+        </p:spPr>
+        <p:style>
+          <a:lnRef idx="2">
+            <a:schemeClr val="accent6"/>
+          </a:lnRef>
+          <a:fillRef idx="1">
+            <a:schemeClr val="lt1"/>
+          </a:fillRef>
+          <a:effectRef idx="0">
+            <a:schemeClr val="accent6"/>
+          </a:effectRef>
+          <a:fontRef idx="minor">
+            <a:schemeClr val="dk1"/>
+          </a:fontRef>
+        </p:style>
+        <p:txBody>
+          <a:bodyPr rtlCol="0" anchor="ctr"/>
+          <a:lstStyle/>
+          <a:p>
+            <a:r>
+              <a:rPr lang="en-US" sz="1400" b="1"/>
+              <a:t>B5</a:t>
+            </a:r>
+            <a:r>
+              <a:rPr lang="en-US" sz="1400"/>
+              <a:t>. Tạo một class `IStudentServiceImpl` implement từ interface  ` IStudentService`</a:t>
+            </a:r>
+          </a:p>
+        </p:txBody>
+      </p:sp>
+      <p:sp>
+        <p:nvSpPr>
+          <p:cNvPr id="29" name="Oval 28">
+            <a:extLst>
+              <a:ext uri="{FF2B5EF4-FFF2-40B4-BE49-F238E27FC236}">
+                <a16:creationId xmlns:a16="http://schemas.microsoft.com/office/drawing/2014/main" id="{745A4E37-82EE-4194-A9C3-A8A419D3D3B0}"/>
+              </a:ext>
+            </a:extLst>
+          </p:cNvPr>
+          <p:cNvSpPr/>
+          <p:nvPr/>
+        </p:nvSpPr>
+        <p:spPr>
+          <a:xfrm>
+            <a:off x="847719" y="5599240"/>
+            <a:ext cx="623611" cy="645114"/>
+          </a:xfrm>
+          <a:prstGeom prst="ellipse">
+            <a:avLst/>
+          </a:prstGeom>
+        </p:spPr>
+        <p:style>
+          <a:lnRef idx="2">
+            <a:schemeClr val="accent1">
+              <a:shade val="50000"/>
+            </a:schemeClr>
+          </a:lnRef>
+          <a:fillRef idx="1">
+            <a:schemeClr val="accent1"/>
+          </a:fillRef>
+          <a:effectRef idx="0">
+            <a:schemeClr val="accent1"/>
+          </a:effectRef>
+          <a:fontRef idx="minor">
+            <a:schemeClr val="lt1"/>
+          </a:fontRef>
+        </p:style>
+        <p:txBody>
+          <a:bodyPr rtlCol="0" anchor="ctr"/>
+          <a:lstStyle/>
+          <a:p>
+            <a:pPr algn="ctr"/>
+            <a:r>
+              <a:rPr lang="en-US" sz="3600"/>
+              <a:t>C</a:t>
+            </a:r>
+          </a:p>
+        </p:txBody>
+      </p:sp>
+      <p:sp>
+        <p:nvSpPr>
+          <p:cNvPr id="30" name="Rectangle: Rounded Corners 29">
+            <a:extLst>
+              <a:ext uri="{FF2B5EF4-FFF2-40B4-BE49-F238E27FC236}">
+                <a16:creationId xmlns:a16="http://schemas.microsoft.com/office/drawing/2014/main" id="{20AA9085-D833-4DF1-A092-077C2471E508}"/>
+              </a:ext>
+            </a:extLst>
+          </p:cNvPr>
+          <p:cNvSpPr/>
+          <p:nvPr/>
+        </p:nvSpPr>
+        <p:spPr>
+          <a:xfrm>
+            <a:off x="1617079" y="5719721"/>
+            <a:ext cx="3016292" cy="404153"/>
+          </a:xfrm>
+          <a:prstGeom prst="roundRect">
+            <a:avLst>
+              <a:gd name="adj" fmla="val 10785"/>
+            </a:avLst>
+          </a:prstGeom>
+          <a:ln>
+            <a:prstDash val="dash"/>
+          </a:ln>
+        </p:spPr>
+        <p:style>
+          <a:lnRef idx="2">
+            <a:schemeClr val="accent6"/>
+          </a:lnRef>
+          <a:fillRef idx="1">
+            <a:schemeClr val="lt1"/>
+          </a:fillRef>
+          <a:effectRef idx="0">
+            <a:schemeClr val="accent6"/>
+          </a:effectRef>
+          <a:fontRef idx="minor">
+            <a:schemeClr val="dk1"/>
+          </a:fontRef>
+        </p:style>
+        <p:txBody>
+          <a:bodyPr rtlCol="0" anchor="ctr"/>
+          <a:lstStyle/>
+          <a:p>
+            <a:r>
+              <a:rPr lang="en-US" sz="1400" b="1"/>
+              <a:t>B6</a:t>
+            </a:r>
+            <a:r>
+              <a:rPr lang="en-US" sz="1400"/>
+              <a:t>. Tạo một class `StudentController`</a:t>
+            </a:r>
+          </a:p>
+        </p:txBody>
+      </p:sp>
+      <p:sp>
+        <p:nvSpPr>
+          <p:cNvPr id="31" name="Oval 30">
+            <a:extLst>
+              <a:ext uri="{FF2B5EF4-FFF2-40B4-BE49-F238E27FC236}">
+                <a16:creationId xmlns:a16="http://schemas.microsoft.com/office/drawing/2014/main" id="{4182E4FC-DBF2-4318-9678-92DF2EC68243}"/>
+              </a:ext>
+            </a:extLst>
+          </p:cNvPr>
+          <p:cNvSpPr/>
+          <p:nvPr/>
+        </p:nvSpPr>
+        <p:spPr>
+          <a:xfrm>
+            <a:off x="859993" y="1270135"/>
+            <a:ext cx="623611" cy="645114"/>
+          </a:xfrm>
+          <a:prstGeom prst="ellipse">
+            <a:avLst/>
+          </a:prstGeom>
+        </p:spPr>
+        <p:style>
+          <a:lnRef idx="2">
+            <a:schemeClr val="accent1">
+              <a:shade val="50000"/>
+            </a:schemeClr>
+          </a:lnRef>
+          <a:fillRef idx="1">
+            <a:schemeClr val="accent1"/>
+          </a:fillRef>
+          <a:effectRef idx="0">
+            <a:schemeClr val="accent1"/>
+          </a:effectRef>
+          <a:fontRef idx="minor">
+            <a:schemeClr val="lt1"/>
+          </a:fontRef>
+        </p:style>
+        <p:txBody>
+          <a:bodyPr rtlCol="0" anchor="ctr"/>
+          <a:lstStyle/>
+          <a:p>
+            <a:pPr algn="ctr"/>
+            <a:r>
+              <a:rPr lang="en-US" sz="3600"/>
+              <a:t>m</a:t>
+            </a:r>
+          </a:p>
+        </p:txBody>
+      </p:sp>
+      <p:sp>
+        <p:nvSpPr>
+          <p:cNvPr id="32" name="Rectangle: Rounded Corners 31">
+            <a:extLst>
+              <a:ext uri="{FF2B5EF4-FFF2-40B4-BE49-F238E27FC236}">
+                <a16:creationId xmlns:a16="http://schemas.microsoft.com/office/drawing/2014/main" id="{3FECCA4E-E232-4B1B-9D58-94184DEF0CB1}"/>
+              </a:ext>
+            </a:extLst>
+          </p:cNvPr>
+          <p:cNvSpPr/>
+          <p:nvPr/>
+        </p:nvSpPr>
+        <p:spPr>
+          <a:xfrm>
+            <a:off x="1617078" y="1390616"/>
+            <a:ext cx="3585495" cy="404153"/>
+          </a:xfrm>
+          <a:prstGeom prst="roundRect">
+            <a:avLst>
+              <a:gd name="adj" fmla="val 10785"/>
+            </a:avLst>
+          </a:prstGeom>
+          <a:ln>
+            <a:prstDash val="dash"/>
+          </a:ln>
+        </p:spPr>
+        <p:style>
+          <a:lnRef idx="2">
+            <a:schemeClr val="accent6"/>
+          </a:lnRef>
+          <a:fillRef idx="1">
+            <a:schemeClr val="lt1"/>
+          </a:fillRef>
+          <a:effectRef idx="0">
+            <a:schemeClr val="accent6"/>
+          </a:effectRef>
+          <a:fontRef idx="minor">
+            <a:schemeClr val="dk1"/>
+          </a:fontRef>
+        </p:style>
+        <p:txBody>
+          <a:bodyPr rtlCol="0" anchor="ctr"/>
+          <a:lstStyle/>
+          <a:p>
+            <a:r>
+              <a:rPr lang="en-US" sz="1400" b="1"/>
+              <a:t>B1</a:t>
+            </a:r>
+            <a:r>
+              <a:rPr lang="en-US" sz="1400"/>
+              <a:t>. Tạo một class `Student`</a:t>
+            </a:r>
+          </a:p>
+        </p:txBody>
+      </p:sp>
+      <p:sp>
+        <p:nvSpPr>
+          <p:cNvPr id="34" name="Oval 33">
+            <a:extLst>
+              <a:ext uri="{FF2B5EF4-FFF2-40B4-BE49-F238E27FC236}">
+                <a16:creationId xmlns:a16="http://schemas.microsoft.com/office/drawing/2014/main" id="{A790CEFA-B967-4BF1-B993-6CEF2E73BE34}"/>
+              </a:ext>
+            </a:extLst>
+          </p:cNvPr>
+          <p:cNvSpPr/>
+          <p:nvPr/>
+        </p:nvSpPr>
+        <p:spPr>
+          <a:xfrm>
+            <a:off x="862548" y="2135956"/>
+            <a:ext cx="623611" cy="645114"/>
+          </a:xfrm>
+          <a:prstGeom prst="ellipse">
+            <a:avLst/>
+          </a:prstGeom>
+        </p:spPr>
+        <p:style>
+          <a:lnRef idx="2">
+            <a:schemeClr val="accent1">
+              <a:shade val="50000"/>
+            </a:schemeClr>
+          </a:lnRef>
+          <a:fillRef idx="1">
+            <a:schemeClr val="accent1"/>
+          </a:fillRef>
+          <a:effectRef idx="0">
+            <a:schemeClr val="accent1"/>
+          </a:effectRef>
+          <a:fontRef idx="minor">
+            <a:schemeClr val="lt1"/>
+          </a:fontRef>
+        </p:style>
+        <p:txBody>
+          <a:bodyPr rtlCol="0" anchor="ctr"/>
+          <a:lstStyle/>
+          <a:p>
+            <a:pPr algn="ctr"/>
+            <a:r>
+              <a:rPr lang="en-US" sz="3600"/>
+              <a:t>R</a:t>
+            </a:r>
+          </a:p>
+        </p:txBody>
+      </p:sp>
+      <p:sp>
+        <p:nvSpPr>
+          <p:cNvPr id="35" name="Rectangle: Rounded Corners 34">
+            <a:extLst>
+              <a:ext uri="{FF2B5EF4-FFF2-40B4-BE49-F238E27FC236}">
+                <a16:creationId xmlns:a16="http://schemas.microsoft.com/office/drawing/2014/main" id="{C7A3CFA0-CBE3-4822-8362-4C02EBC9CD34}"/>
+              </a:ext>
+            </a:extLst>
+          </p:cNvPr>
+          <p:cNvSpPr/>
+          <p:nvPr/>
+        </p:nvSpPr>
+        <p:spPr>
+          <a:xfrm>
+            <a:off x="1619633" y="2256437"/>
+            <a:ext cx="5069603" cy="404153"/>
+          </a:xfrm>
+          <a:prstGeom prst="roundRect">
+            <a:avLst>
+              <a:gd name="adj" fmla="val 10785"/>
+            </a:avLst>
+          </a:prstGeom>
+          <a:ln>
+            <a:prstDash val="dash"/>
+          </a:ln>
+        </p:spPr>
+        <p:style>
+          <a:lnRef idx="2">
+            <a:schemeClr val="accent6"/>
+          </a:lnRef>
+          <a:fillRef idx="1">
+            <a:schemeClr val="lt1"/>
+          </a:fillRef>
+          <a:effectRef idx="0">
+            <a:schemeClr val="accent6"/>
+          </a:effectRef>
+          <a:fontRef idx="minor">
+            <a:schemeClr val="dk1"/>
+          </a:fontRef>
+        </p:style>
+        <p:txBody>
+          <a:bodyPr rtlCol="0" anchor="ctr"/>
+          <a:lstStyle/>
+          <a:p>
+            <a:r>
+              <a:rPr lang="en-US" sz="1400" b="1"/>
+              <a:t>B2</a:t>
+            </a:r>
+            <a:r>
+              <a:rPr lang="en-US" sz="1400"/>
+              <a:t>. Tạo một Interface `IStudentRepository`</a:t>
+            </a:r>
+          </a:p>
+        </p:txBody>
+      </p:sp>
+      <p:sp>
+        <p:nvSpPr>
+          <p:cNvPr id="36" name="Oval 35">
+            <a:extLst>
+              <a:ext uri="{FF2B5EF4-FFF2-40B4-BE49-F238E27FC236}">
+                <a16:creationId xmlns:a16="http://schemas.microsoft.com/office/drawing/2014/main" id="{0E2F691E-1B43-4228-8D41-9F0986CDE18C}"/>
+              </a:ext>
+            </a:extLst>
+          </p:cNvPr>
+          <p:cNvSpPr/>
+          <p:nvPr/>
+        </p:nvSpPr>
+        <p:spPr>
+          <a:xfrm>
+            <a:off x="859993" y="3001777"/>
+            <a:ext cx="623611" cy="645114"/>
+          </a:xfrm>
+          <a:prstGeom prst="ellipse">
+            <a:avLst/>
+          </a:prstGeom>
+        </p:spPr>
+        <p:style>
+          <a:lnRef idx="2">
+            <a:schemeClr val="accent1">
+              <a:shade val="50000"/>
+            </a:schemeClr>
+          </a:lnRef>
+          <a:fillRef idx="1">
+            <a:schemeClr val="accent1"/>
+          </a:fillRef>
+          <a:effectRef idx="0">
+            <a:schemeClr val="accent1"/>
+          </a:effectRef>
+          <a:fontRef idx="minor">
+            <a:schemeClr val="lt1"/>
+          </a:fontRef>
+        </p:style>
+        <p:txBody>
+          <a:bodyPr rtlCol="0" anchor="ctr"/>
+          <a:lstStyle/>
+          <a:p>
+            <a:pPr algn="ctr"/>
+            <a:r>
+              <a:rPr lang="en-US" sz="3600"/>
+              <a:t>R</a:t>
+            </a:r>
+          </a:p>
+        </p:txBody>
+      </p:sp>
+      <p:sp>
+        <p:nvSpPr>
+          <p:cNvPr id="38" name="Rectangle: Rounded Corners 37">
+            <a:extLst>
+              <a:ext uri="{FF2B5EF4-FFF2-40B4-BE49-F238E27FC236}">
+                <a16:creationId xmlns:a16="http://schemas.microsoft.com/office/drawing/2014/main" id="{7B3707FB-C6EF-4C93-ADC2-09E34260D6CB}"/>
+              </a:ext>
+            </a:extLst>
+          </p:cNvPr>
+          <p:cNvSpPr/>
+          <p:nvPr/>
+        </p:nvSpPr>
+        <p:spPr>
+          <a:xfrm>
+            <a:off x="1617078" y="3122258"/>
+            <a:ext cx="5969680" cy="404153"/>
+          </a:xfrm>
+          <a:prstGeom prst="roundRect">
+            <a:avLst>
+              <a:gd name="adj" fmla="val 10785"/>
+            </a:avLst>
+          </a:prstGeom>
+          <a:ln>
+            <a:prstDash val="dash"/>
+          </a:ln>
+        </p:spPr>
+        <p:style>
+          <a:lnRef idx="2">
+            <a:schemeClr val="accent6"/>
+          </a:lnRef>
+          <a:fillRef idx="1">
+            <a:schemeClr val="lt1"/>
+          </a:fillRef>
+          <a:effectRef idx="0">
+            <a:schemeClr val="accent6"/>
+          </a:effectRef>
+          <a:fontRef idx="minor">
+            <a:schemeClr val="dk1"/>
+          </a:fontRef>
+        </p:style>
+        <p:txBody>
+          <a:bodyPr rtlCol="0" anchor="ctr"/>
+          <a:lstStyle/>
+          <a:p>
+            <a:r>
+              <a:rPr lang="en-US" sz="1400" b="1"/>
+              <a:t>B3</a:t>
+            </a:r>
+            <a:r>
+              <a:rPr lang="en-US" sz="1400"/>
+              <a:t>. Tạo một class `StudentRepositoryImpl`  implement từ `IStudentRepository`</a:t>
+            </a:r>
+          </a:p>
+        </p:txBody>
+      </p:sp>
+      <p:sp>
+        <p:nvSpPr>
+          <p:cNvPr id="39" name="Rectangle: Top Corners Rounded 38">
+            <a:extLst>
+              <a:ext uri="{FF2B5EF4-FFF2-40B4-BE49-F238E27FC236}">
+                <a16:creationId xmlns:a16="http://schemas.microsoft.com/office/drawing/2014/main" id="{9DDEEFE8-4839-44F2-873E-F67D64B45DB4}"/>
+              </a:ext>
+            </a:extLst>
+          </p:cNvPr>
+          <p:cNvSpPr/>
+          <p:nvPr/>
+        </p:nvSpPr>
+        <p:spPr>
+          <a:xfrm>
+            <a:off x="2246419" y="297039"/>
+            <a:ext cx="5132194" cy="482348"/>
+          </a:xfrm>
+          <a:prstGeom prst="round2SameRect">
+            <a:avLst/>
+          </a:prstGeom>
+          <a:noFill/>
+        </p:spPr>
+        <p:style>
+          <a:lnRef idx="2">
+            <a:schemeClr val="accent1">
+              <a:shade val="50000"/>
+            </a:schemeClr>
+          </a:lnRef>
+          <a:fillRef idx="1">
+            <a:schemeClr val="accent1"/>
+          </a:fillRef>
+          <a:effectRef idx="0">
+            <a:schemeClr val="accent1"/>
+          </a:effectRef>
+          <a:fontRef idx="minor">
+            <a:schemeClr val="lt1"/>
+          </a:fontRef>
+        </p:style>
+        <p:txBody>
+          <a:bodyPr rtlCol="0" anchor="ctr"/>
+          <a:lstStyle/>
+          <a:p>
+            <a:pPr algn="ctr"/>
+            <a:r>
+              <a:rPr lang="en-US" sz="3200">
+                <a:solidFill>
+                  <a:schemeClr val="tx1"/>
+                </a:solidFill>
+              </a:rPr>
+              <a:t>1 ví dụ đơn giản</a:t>
+            </a:r>
+          </a:p>
+        </p:txBody>
+      </p:sp>
+      <p:sp>
+        <p:nvSpPr>
+          <p:cNvPr id="2" name="TextBox 1">
+            <a:extLst>
+              <a:ext uri="{FF2B5EF4-FFF2-40B4-BE49-F238E27FC236}">
+                <a16:creationId xmlns:a16="http://schemas.microsoft.com/office/drawing/2014/main" id="{F745BFFF-3710-46E0-A0A4-6E70BB093BEB}"/>
+              </a:ext>
+            </a:extLst>
+          </p:cNvPr>
+          <p:cNvSpPr txBox="1"/>
+          <p:nvPr/>
+        </p:nvSpPr>
+        <p:spPr>
+          <a:xfrm>
+            <a:off x="5621412" y="845663"/>
+            <a:ext cx="1757201" cy="307777"/>
+          </a:xfrm>
+          <a:prstGeom prst="rect">
+            <a:avLst/>
+          </a:prstGeom>
+          <a:noFill/>
+        </p:spPr>
+        <p:txBody>
+          <a:bodyPr wrap="square" rtlCol="0">
+            <a:spAutoFit/>
+          </a:bodyPr>
+          <a:lstStyle/>
+          <a:p>
+            <a:r>
+              <a:rPr lang="en-US" sz="1400"/>
+              <a:t>Quản lý sinh viên</a:t>
+            </a:r>
+          </a:p>
+        </p:txBody>
+      </p:sp>
+    </p:spTree>
+    <p:extLst>
+      <p:ext uri="{BB962C8B-B14F-4D97-AF65-F5344CB8AC3E}">
+        <p14:creationId xmlns:p14="http://schemas.microsoft.com/office/powerpoint/2010/main" val="3808995630"/>
+      </p:ext>
+    </p:extLst>
+  </p:cSld>
+  <p:clrMapOvr>
+    <a:masterClrMapping/>
+  </p:clrMapOvr>
+</p:sld>
+</file>
+
 <file path=ppt/theme/theme1.xml><?xml version="1.0" encoding="utf-8"?>
 <a:theme xmlns:a="http://schemas.openxmlformats.org/drawingml/2006/main" name="Office Theme">
   <a:themeElements>

--- a/src/ss04_lop_doi_tuong_java/ve UML.pptx
+++ b/src/ss04_lop_doi_tuong_java/ve UML.pptx
@@ -12,6 +12,7 @@
     <p:sldId id="261" r:id="rId6"/>
     <p:sldId id="262" r:id="rId7"/>
     <p:sldId id="263" r:id="rId8"/>
+    <p:sldId id="264" r:id="rId9"/>
   </p:sldIdLst>
   <p:sldSz cx="9906000" cy="6858000" type="A4"/>
   <p:notesSz cx="6858000" cy="9144000"/>
@@ -10635,6 +10636,749 @@
 </p:sld>
 </file>
 
+<file path=ppt/slides/slide8.xml><?xml version="1.0" encoding="utf-8"?>
+<p:sld xmlns:a="http://schemas.openxmlformats.org/drawingml/2006/main" xmlns:r="http://schemas.openxmlformats.org/officeDocument/2006/relationships" xmlns:p="http://schemas.openxmlformats.org/presentationml/2006/main">
+  <p:cSld>
+    <p:spTree>
+      <p:nvGrpSpPr>
+        <p:cNvPr id="1" name=""/>
+        <p:cNvGrpSpPr/>
+        <p:nvPr/>
+      </p:nvGrpSpPr>
+      <p:grpSpPr>
+        <a:xfrm>
+          <a:off x="0" y="0"/>
+          <a:ext cx="0" cy="0"/>
+          <a:chOff x="0" y="0"/>
+          <a:chExt cx="0" cy="0"/>
+        </a:xfrm>
+      </p:grpSpPr>
+      <p:sp>
+        <p:nvSpPr>
+          <p:cNvPr id="53" name="Oval 52">
+            <a:extLst>
+              <a:ext uri="{FF2B5EF4-FFF2-40B4-BE49-F238E27FC236}">
+                <a16:creationId xmlns:a16="http://schemas.microsoft.com/office/drawing/2014/main" id="{8FD7D4D9-9198-416E-A398-E579C4F0DBF1}"/>
+              </a:ext>
+            </a:extLst>
+          </p:cNvPr>
+          <p:cNvSpPr/>
+          <p:nvPr/>
+        </p:nvSpPr>
+        <p:spPr>
+          <a:xfrm>
+            <a:off x="847719" y="3867598"/>
+            <a:ext cx="623611" cy="645114"/>
+          </a:xfrm>
+          <a:prstGeom prst="ellipse">
+            <a:avLst/>
+          </a:prstGeom>
+        </p:spPr>
+        <p:style>
+          <a:lnRef idx="2">
+            <a:schemeClr val="accent1">
+              <a:shade val="50000"/>
+            </a:schemeClr>
+          </a:lnRef>
+          <a:fillRef idx="1">
+            <a:schemeClr val="accent1"/>
+          </a:fillRef>
+          <a:effectRef idx="0">
+            <a:schemeClr val="accent1"/>
+          </a:effectRef>
+          <a:fontRef idx="minor">
+            <a:schemeClr val="lt1"/>
+          </a:fontRef>
+        </p:style>
+        <p:txBody>
+          <a:bodyPr rtlCol="0" anchor="ctr"/>
+          <a:lstStyle/>
+          <a:p>
+            <a:pPr algn="ctr"/>
+            <a:r>
+              <a:rPr lang="en-US" sz="3600"/>
+              <a:t>S</a:t>
+            </a:r>
+          </a:p>
+        </p:txBody>
+      </p:sp>
+      <p:sp>
+        <p:nvSpPr>
+          <p:cNvPr id="54" name="Rectangle: Rounded Corners 53">
+            <a:extLst>
+              <a:ext uri="{FF2B5EF4-FFF2-40B4-BE49-F238E27FC236}">
+                <a16:creationId xmlns:a16="http://schemas.microsoft.com/office/drawing/2014/main" id="{65893671-7D64-4F4E-BB8C-0E95C93104BF}"/>
+              </a:ext>
+            </a:extLst>
+          </p:cNvPr>
+          <p:cNvSpPr/>
+          <p:nvPr/>
+        </p:nvSpPr>
+        <p:spPr>
+          <a:xfrm>
+            <a:off x="1617078" y="3988079"/>
+            <a:ext cx="3585495" cy="404153"/>
+          </a:xfrm>
+          <a:prstGeom prst="roundRect">
+            <a:avLst>
+              <a:gd name="adj" fmla="val 10785"/>
+            </a:avLst>
+          </a:prstGeom>
+          <a:ln>
+            <a:prstDash val="dash"/>
+          </a:ln>
+        </p:spPr>
+        <p:style>
+          <a:lnRef idx="2">
+            <a:schemeClr val="accent6"/>
+          </a:lnRef>
+          <a:fillRef idx="1">
+            <a:schemeClr val="lt1"/>
+          </a:fillRef>
+          <a:effectRef idx="0">
+            <a:schemeClr val="accent6"/>
+          </a:effectRef>
+          <a:fontRef idx="minor">
+            <a:schemeClr val="dk1"/>
+          </a:fontRef>
+        </p:style>
+        <p:txBody>
+          <a:bodyPr rtlCol="0" anchor="ctr"/>
+          <a:lstStyle/>
+          <a:p>
+            <a:r>
+              <a:rPr lang="en-US" sz="1400" b="1"/>
+              <a:t>B4</a:t>
+            </a:r>
+            <a:r>
+              <a:rPr lang="en-US" sz="1400"/>
+              <a:t>. Tạo một interface `ICustomerService` </a:t>
+            </a:r>
+          </a:p>
+        </p:txBody>
+      </p:sp>
+      <p:sp>
+        <p:nvSpPr>
+          <p:cNvPr id="27" name="Oval 26">
+            <a:extLst>
+              <a:ext uri="{FF2B5EF4-FFF2-40B4-BE49-F238E27FC236}">
+                <a16:creationId xmlns:a16="http://schemas.microsoft.com/office/drawing/2014/main" id="{7E9A2E1E-D609-445B-B40F-180676C4783F}"/>
+              </a:ext>
+            </a:extLst>
+          </p:cNvPr>
+          <p:cNvSpPr/>
+          <p:nvPr/>
+        </p:nvSpPr>
+        <p:spPr>
+          <a:xfrm>
+            <a:off x="847719" y="4733419"/>
+            <a:ext cx="623611" cy="645114"/>
+          </a:xfrm>
+          <a:prstGeom prst="ellipse">
+            <a:avLst/>
+          </a:prstGeom>
+        </p:spPr>
+        <p:style>
+          <a:lnRef idx="2">
+            <a:schemeClr val="accent1">
+              <a:shade val="50000"/>
+            </a:schemeClr>
+          </a:lnRef>
+          <a:fillRef idx="1">
+            <a:schemeClr val="accent1"/>
+          </a:fillRef>
+          <a:effectRef idx="0">
+            <a:schemeClr val="accent1"/>
+          </a:effectRef>
+          <a:fontRef idx="minor">
+            <a:schemeClr val="lt1"/>
+          </a:fontRef>
+        </p:style>
+        <p:txBody>
+          <a:bodyPr rtlCol="0" anchor="ctr"/>
+          <a:lstStyle/>
+          <a:p>
+            <a:pPr algn="ctr"/>
+            <a:r>
+              <a:rPr lang="en-US" sz="3600"/>
+              <a:t>S</a:t>
+            </a:r>
+          </a:p>
+        </p:txBody>
+      </p:sp>
+      <p:sp>
+        <p:nvSpPr>
+          <p:cNvPr id="28" name="Rectangle: Rounded Corners 27">
+            <a:extLst>
+              <a:ext uri="{FF2B5EF4-FFF2-40B4-BE49-F238E27FC236}">
+                <a16:creationId xmlns:a16="http://schemas.microsoft.com/office/drawing/2014/main" id="{E20CB297-FF6F-4917-8026-54C34E3CAE09}"/>
+              </a:ext>
+            </a:extLst>
+          </p:cNvPr>
+          <p:cNvSpPr/>
+          <p:nvPr/>
+        </p:nvSpPr>
+        <p:spPr>
+          <a:xfrm>
+            <a:off x="1617078" y="4853900"/>
+            <a:ext cx="6759808" cy="404153"/>
+          </a:xfrm>
+          <a:prstGeom prst="roundRect">
+            <a:avLst>
+              <a:gd name="adj" fmla="val 10785"/>
+            </a:avLst>
+          </a:prstGeom>
+          <a:ln>
+            <a:prstDash val="dash"/>
+          </a:ln>
+        </p:spPr>
+        <p:style>
+          <a:lnRef idx="2">
+            <a:schemeClr val="accent6"/>
+          </a:lnRef>
+          <a:fillRef idx="1">
+            <a:schemeClr val="lt1"/>
+          </a:fillRef>
+          <a:effectRef idx="0">
+            <a:schemeClr val="accent6"/>
+          </a:effectRef>
+          <a:fontRef idx="minor">
+            <a:schemeClr val="dk1"/>
+          </a:fontRef>
+        </p:style>
+        <p:txBody>
+          <a:bodyPr rtlCol="0" anchor="ctr"/>
+          <a:lstStyle/>
+          <a:p>
+            <a:r>
+              <a:rPr lang="en-US" sz="1400" b="1"/>
+              <a:t>B5</a:t>
+            </a:r>
+            <a:r>
+              <a:rPr lang="en-US" sz="1400"/>
+              <a:t>. Tạo một class `ICustomerServiceImpl` implement từ interface  ` ICustomerService`</a:t>
+            </a:r>
+          </a:p>
+        </p:txBody>
+      </p:sp>
+      <p:sp>
+        <p:nvSpPr>
+          <p:cNvPr id="29" name="Oval 28">
+            <a:extLst>
+              <a:ext uri="{FF2B5EF4-FFF2-40B4-BE49-F238E27FC236}">
+                <a16:creationId xmlns:a16="http://schemas.microsoft.com/office/drawing/2014/main" id="{745A4E37-82EE-4194-A9C3-A8A419D3D3B0}"/>
+              </a:ext>
+            </a:extLst>
+          </p:cNvPr>
+          <p:cNvSpPr/>
+          <p:nvPr/>
+        </p:nvSpPr>
+        <p:spPr>
+          <a:xfrm>
+            <a:off x="847719" y="5599240"/>
+            <a:ext cx="623611" cy="645114"/>
+          </a:xfrm>
+          <a:prstGeom prst="ellipse">
+            <a:avLst/>
+          </a:prstGeom>
+        </p:spPr>
+        <p:style>
+          <a:lnRef idx="2">
+            <a:schemeClr val="accent1">
+              <a:shade val="50000"/>
+            </a:schemeClr>
+          </a:lnRef>
+          <a:fillRef idx="1">
+            <a:schemeClr val="accent1"/>
+          </a:fillRef>
+          <a:effectRef idx="0">
+            <a:schemeClr val="accent1"/>
+          </a:effectRef>
+          <a:fontRef idx="minor">
+            <a:schemeClr val="lt1"/>
+          </a:fontRef>
+        </p:style>
+        <p:txBody>
+          <a:bodyPr rtlCol="0" anchor="ctr"/>
+          <a:lstStyle/>
+          <a:p>
+            <a:pPr algn="ctr"/>
+            <a:r>
+              <a:rPr lang="en-US" sz="3600"/>
+              <a:t>C</a:t>
+            </a:r>
+          </a:p>
+        </p:txBody>
+      </p:sp>
+      <p:sp>
+        <p:nvSpPr>
+          <p:cNvPr id="30" name="Rectangle: Rounded Corners 29">
+            <a:extLst>
+              <a:ext uri="{FF2B5EF4-FFF2-40B4-BE49-F238E27FC236}">
+                <a16:creationId xmlns:a16="http://schemas.microsoft.com/office/drawing/2014/main" id="{20AA9085-D833-4DF1-A092-077C2471E508}"/>
+              </a:ext>
+            </a:extLst>
+          </p:cNvPr>
+          <p:cNvSpPr/>
+          <p:nvPr/>
+        </p:nvSpPr>
+        <p:spPr>
+          <a:xfrm>
+            <a:off x="1617079" y="5719721"/>
+            <a:ext cx="3402916" cy="404153"/>
+          </a:xfrm>
+          <a:prstGeom prst="roundRect">
+            <a:avLst>
+              <a:gd name="adj" fmla="val 10785"/>
+            </a:avLst>
+          </a:prstGeom>
+          <a:ln>
+            <a:prstDash val="dash"/>
+          </a:ln>
+        </p:spPr>
+        <p:style>
+          <a:lnRef idx="2">
+            <a:schemeClr val="accent6"/>
+          </a:lnRef>
+          <a:fillRef idx="1">
+            <a:schemeClr val="lt1"/>
+          </a:fillRef>
+          <a:effectRef idx="0">
+            <a:schemeClr val="accent6"/>
+          </a:effectRef>
+          <a:fontRef idx="minor">
+            <a:schemeClr val="dk1"/>
+          </a:fontRef>
+        </p:style>
+        <p:txBody>
+          <a:bodyPr rtlCol="0" anchor="ctr"/>
+          <a:lstStyle/>
+          <a:p>
+            <a:r>
+              <a:rPr lang="en-US" sz="1400" b="1"/>
+              <a:t>B6</a:t>
+            </a:r>
+            <a:r>
+              <a:rPr lang="en-US" sz="1400"/>
+              <a:t>. Tạo một class `CustomerController`</a:t>
+            </a:r>
+          </a:p>
+        </p:txBody>
+      </p:sp>
+      <p:sp>
+        <p:nvSpPr>
+          <p:cNvPr id="31" name="Oval 30">
+            <a:extLst>
+              <a:ext uri="{FF2B5EF4-FFF2-40B4-BE49-F238E27FC236}">
+                <a16:creationId xmlns:a16="http://schemas.microsoft.com/office/drawing/2014/main" id="{4182E4FC-DBF2-4318-9678-92DF2EC68243}"/>
+              </a:ext>
+            </a:extLst>
+          </p:cNvPr>
+          <p:cNvSpPr/>
+          <p:nvPr/>
+        </p:nvSpPr>
+        <p:spPr>
+          <a:xfrm>
+            <a:off x="859993" y="1270135"/>
+            <a:ext cx="623611" cy="645114"/>
+          </a:xfrm>
+          <a:prstGeom prst="ellipse">
+            <a:avLst/>
+          </a:prstGeom>
+        </p:spPr>
+        <p:style>
+          <a:lnRef idx="2">
+            <a:schemeClr val="accent1">
+              <a:shade val="50000"/>
+            </a:schemeClr>
+          </a:lnRef>
+          <a:fillRef idx="1">
+            <a:schemeClr val="accent1"/>
+          </a:fillRef>
+          <a:effectRef idx="0">
+            <a:schemeClr val="accent1"/>
+          </a:effectRef>
+          <a:fontRef idx="minor">
+            <a:schemeClr val="lt1"/>
+          </a:fontRef>
+        </p:style>
+        <p:txBody>
+          <a:bodyPr rtlCol="0" anchor="ctr"/>
+          <a:lstStyle/>
+          <a:p>
+            <a:pPr algn="ctr"/>
+            <a:r>
+              <a:rPr lang="en-US" sz="3600"/>
+              <a:t>m</a:t>
+            </a:r>
+          </a:p>
+        </p:txBody>
+      </p:sp>
+      <p:sp>
+        <p:nvSpPr>
+          <p:cNvPr id="32" name="Rectangle: Rounded Corners 31">
+            <a:extLst>
+              <a:ext uri="{FF2B5EF4-FFF2-40B4-BE49-F238E27FC236}">
+                <a16:creationId xmlns:a16="http://schemas.microsoft.com/office/drawing/2014/main" id="{3FECCA4E-E232-4B1B-9D58-94184DEF0CB1}"/>
+              </a:ext>
+            </a:extLst>
+          </p:cNvPr>
+          <p:cNvSpPr/>
+          <p:nvPr/>
+        </p:nvSpPr>
+        <p:spPr>
+          <a:xfrm>
+            <a:off x="1617078" y="1390616"/>
+            <a:ext cx="3585495" cy="404153"/>
+          </a:xfrm>
+          <a:prstGeom prst="roundRect">
+            <a:avLst>
+              <a:gd name="adj" fmla="val 10785"/>
+            </a:avLst>
+          </a:prstGeom>
+          <a:ln>
+            <a:prstDash val="dash"/>
+          </a:ln>
+        </p:spPr>
+        <p:style>
+          <a:lnRef idx="2">
+            <a:schemeClr val="accent6"/>
+          </a:lnRef>
+          <a:fillRef idx="1">
+            <a:schemeClr val="lt1"/>
+          </a:fillRef>
+          <a:effectRef idx="0">
+            <a:schemeClr val="accent6"/>
+          </a:effectRef>
+          <a:fontRef idx="minor">
+            <a:schemeClr val="dk1"/>
+          </a:fontRef>
+        </p:style>
+        <p:txBody>
+          <a:bodyPr rtlCol="0" anchor="ctr"/>
+          <a:lstStyle/>
+          <a:p>
+            <a:r>
+              <a:rPr lang="en-US" sz="1400" b="1"/>
+              <a:t>B1</a:t>
+            </a:r>
+            <a:r>
+              <a:rPr lang="en-US" sz="1400"/>
+              <a:t>. Tạo một class `Customer`</a:t>
+            </a:r>
+          </a:p>
+        </p:txBody>
+      </p:sp>
+      <p:sp>
+        <p:nvSpPr>
+          <p:cNvPr id="34" name="Oval 33">
+            <a:extLst>
+              <a:ext uri="{FF2B5EF4-FFF2-40B4-BE49-F238E27FC236}">
+                <a16:creationId xmlns:a16="http://schemas.microsoft.com/office/drawing/2014/main" id="{A790CEFA-B967-4BF1-B993-6CEF2E73BE34}"/>
+              </a:ext>
+            </a:extLst>
+          </p:cNvPr>
+          <p:cNvSpPr/>
+          <p:nvPr/>
+        </p:nvSpPr>
+        <p:spPr>
+          <a:xfrm>
+            <a:off x="862548" y="2135956"/>
+            <a:ext cx="623611" cy="645114"/>
+          </a:xfrm>
+          <a:prstGeom prst="ellipse">
+            <a:avLst/>
+          </a:prstGeom>
+        </p:spPr>
+        <p:style>
+          <a:lnRef idx="2">
+            <a:schemeClr val="accent1">
+              <a:shade val="50000"/>
+            </a:schemeClr>
+          </a:lnRef>
+          <a:fillRef idx="1">
+            <a:schemeClr val="accent1"/>
+          </a:fillRef>
+          <a:effectRef idx="0">
+            <a:schemeClr val="accent1"/>
+          </a:effectRef>
+          <a:fontRef idx="minor">
+            <a:schemeClr val="lt1"/>
+          </a:fontRef>
+        </p:style>
+        <p:txBody>
+          <a:bodyPr rtlCol="0" anchor="ctr"/>
+          <a:lstStyle/>
+          <a:p>
+            <a:pPr algn="ctr"/>
+            <a:r>
+              <a:rPr lang="en-US" sz="3600"/>
+              <a:t>R</a:t>
+            </a:r>
+          </a:p>
+        </p:txBody>
+      </p:sp>
+      <p:sp>
+        <p:nvSpPr>
+          <p:cNvPr id="35" name="Rectangle: Rounded Corners 34">
+            <a:extLst>
+              <a:ext uri="{FF2B5EF4-FFF2-40B4-BE49-F238E27FC236}">
+                <a16:creationId xmlns:a16="http://schemas.microsoft.com/office/drawing/2014/main" id="{C7A3CFA0-CBE3-4822-8362-4C02EBC9CD34}"/>
+              </a:ext>
+            </a:extLst>
+          </p:cNvPr>
+          <p:cNvSpPr/>
+          <p:nvPr/>
+        </p:nvSpPr>
+        <p:spPr>
+          <a:xfrm>
+            <a:off x="1619633" y="2256437"/>
+            <a:ext cx="5069603" cy="404153"/>
+          </a:xfrm>
+          <a:prstGeom prst="roundRect">
+            <a:avLst>
+              <a:gd name="adj" fmla="val 10785"/>
+            </a:avLst>
+          </a:prstGeom>
+          <a:ln>
+            <a:prstDash val="dash"/>
+          </a:ln>
+        </p:spPr>
+        <p:style>
+          <a:lnRef idx="2">
+            <a:schemeClr val="accent6"/>
+          </a:lnRef>
+          <a:fillRef idx="1">
+            <a:schemeClr val="lt1"/>
+          </a:fillRef>
+          <a:effectRef idx="0">
+            <a:schemeClr val="accent6"/>
+          </a:effectRef>
+          <a:fontRef idx="minor">
+            <a:schemeClr val="dk1"/>
+          </a:fontRef>
+        </p:style>
+        <p:txBody>
+          <a:bodyPr rtlCol="0" anchor="ctr"/>
+          <a:lstStyle/>
+          <a:p>
+            <a:r>
+              <a:rPr lang="en-US" sz="1400" b="1"/>
+              <a:t>B2</a:t>
+            </a:r>
+            <a:r>
+              <a:rPr lang="en-US" sz="1400"/>
+              <a:t>. Tạo một Interface `ICustomerRepository`</a:t>
+            </a:r>
+          </a:p>
+        </p:txBody>
+      </p:sp>
+      <p:sp>
+        <p:nvSpPr>
+          <p:cNvPr id="36" name="Oval 35">
+            <a:extLst>
+              <a:ext uri="{FF2B5EF4-FFF2-40B4-BE49-F238E27FC236}">
+                <a16:creationId xmlns:a16="http://schemas.microsoft.com/office/drawing/2014/main" id="{0E2F691E-1B43-4228-8D41-9F0986CDE18C}"/>
+              </a:ext>
+            </a:extLst>
+          </p:cNvPr>
+          <p:cNvSpPr/>
+          <p:nvPr/>
+        </p:nvSpPr>
+        <p:spPr>
+          <a:xfrm>
+            <a:off x="859993" y="3001777"/>
+            <a:ext cx="623611" cy="645114"/>
+          </a:xfrm>
+          <a:prstGeom prst="ellipse">
+            <a:avLst/>
+          </a:prstGeom>
+        </p:spPr>
+        <p:style>
+          <a:lnRef idx="2">
+            <a:schemeClr val="accent1">
+              <a:shade val="50000"/>
+            </a:schemeClr>
+          </a:lnRef>
+          <a:fillRef idx="1">
+            <a:schemeClr val="accent1"/>
+          </a:fillRef>
+          <a:effectRef idx="0">
+            <a:schemeClr val="accent1"/>
+          </a:effectRef>
+          <a:fontRef idx="minor">
+            <a:schemeClr val="lt1"/>
+          </a:fontRef>
+        </p:style>
+        <p:txBody>
+          <a:bodyPr rtlCol="0" anchor="ctr"/>
+          <a:lstStyle/>
+          <a:p>
+            <a:pPr algn="ctr"/>
+            <a:r>
+              <a:rPr lang="en-US" sz="3600"/>
+              <a:t>R</a:t>
+            </a:r>
+          </a:p>
+        </p:txBody>
+      </p:sp>
+      <p:sp>
+        <p:nvSpPr>
+          <p:cNvPr id="38" name="Rectangle: Rounded Corners 37">
+            <a:extLst>
+              <a:ext uri="{FF2B5EF4-FFF2-40B4-BE49-F238E27FC236}">
+                <a16:creationId xmlns:a16="http://schemas.microsoft.com/office/drawing/2014/main" id="{7B3707FB-C6EF-4C93-ADC2-09E34260D6CB}"/>
+              </a:ext>
+            </a:extLst>
+          </p:cNvPr>
+          <p:cNvSpPr/>
+          <p:nvPr/>
+        </p:nvSpPr>
+        <p:spPr>
+          <a:xfrm>
+            <a:off x="1617078" y="3122258"/>
+            <a:ext cx="6422278" cy="404153"/>
+          </a:xfrm>
+          <a:prstGeom prst="roundRect">
+            <a:avLst>
+              <a:gd name="adj" fmla="val 10785"/>
+            </a:avLst>
+          </a:prstGeom>
+          <a:ln>
+            <a:prstDash val="dash"/>
+          </a:ln>
+        </p:spPr>
+        <p:style>
+          <a:lnRef idx="2">
+            <a:schemeClr val="accent6"/>
+          </a:lnRef>
+          <a:fillRef idx="1">
+            <a:schemeClr val="lt1"/>
+          </a:fillRef>
+          <a:effectRef idx="0">
+            <a:schemeClr val="accent6"/>
+          </a:effectRef>
+          <a:fontRef idx="minor">
+            <a:schemeClr val="dk1"/>
+          </a:fontRef>
+        </p:style>
+        <p:txBody>
+          <a:bodyPr rtlCol="0" anchor="ctr"/>
+          <a:lstStyle/>
+          <a:p>
+            <a:r>
+              <a:rPr lang="en-US" sz="1400" b="1"/>
+              <a:t>B3</a:t>
+            </a:r>
+            <a:r>
+              <a:rPr lang="en-US" sz="1400"/>
+              <a:t>. Tạo một class `CustomerRepositoryImpl`  implement từ `ICustomerRepository`</a:t>
+            </a:r>
+          </a:p>
+        </p:txBody>
+      </p:sp>
+      <p:sp>
+        <p:nvSpPr>
+          <p:cNvPr id="39" name="Rectangle: Top Corners Rounded 38">
+            <a:extLst>
+              <a:ext uri="{FF2B5EF4-FFF2-40B4-BE49-F238E27FC236}">
+                <a16:creationId xmlns:a16="http://schemas.microsoft.com/office/drawing/2014/main" id="{9DDEEFE8-4839-44F2-873E-F67D64B45DB4}"/>
+              </a:ext>
+            </a:extLst>
+          </p:cNvPr>
+          <p:cNvSpPr/>
+          <p:nvPr/>
+        </p:nvSpPr>
+        <p:spPr>
+          <a:xfrm>
+            <a:off x="2246419" y="297039"/>
+            <a:ext cx="5132194" cy="482348"/>
+          </a:xfrm>
+          <a:prstGeom prst="round2SameRect">
+            <a:avLst/>
+          </a:prstGeom>
+          <a:noFill/>
+        </p:spPr>
+        <p:style>
+          <a:lnRef idx="2">
+            <a:schemeClr val="accent1">
+              <a:shade val="50000"/>
+            </a:schemeClr>
+          </a:lnRef>
+          <a:fillRef idx="1">
+            <a:schemeClr val="accent1"/>
+          </a:fillRef>
+          <a:effectRef idx="0">
+            <a:schemeClr val="accent1"/>
+          </a:effectRef>
+          <a:fontRef idx="minor">
+            <a:schemeClr val="lt1"/>
+          </a:fontRef>
+        </p:style>
+        <p:txBody>
+          <a:bodyPr rtlCol="0" anchor="ctr"/>
+          <a:lstStyle/>
+          <a:p>
+            <a:pPr algn="ctr"/>
+            <a:r>
+              <a:rPr lang="en-US" sz="3200">
+                <a:solidFill>
+                  <a:schemeClr val="tx1"/>
+                </a:solidFill>
+              </a:rPr>
+              <a:t>2. ví dụ đơn giản</a:t>
+            </a:r>
+          </a:p>
+        </p:txBody>
+      </p:sp>
+      <p:sp>
+        <p:nvSpPr>
+          <p:cNvPr id="2" name="TextBox 1">
+            <a:extLst>
+              <a:ext uri="{FF2B5EF4-FFF2-40B4-BE49-F238E27FC236}">
+                <a16:creationId xmlns:a16="http://schemas.microsoft.com/office/drawing/2014/main" id="{F745BFFF-3710-46E0-A0A4-6E70BB093BEB}"/>
+              </a:ext>
+            </a:extLst>
+          </p:cNvPr>
+          <p:cNvSpPr txBox="1"/>
+          <p:nvPr/>
+        </p:nvSpPr>
+        <p:spPr>
+          <a:xfrm>
+            <a:off x="5621412" y="845663"/>
+            <a:ext cx="1757201" cy="307777"/>
+          </a:xfrm>
+          <a:prstGeom prst="rect">
+            <a:avLst/>
+          </a:prstGeom>
+          <a:noFill/>
+        </p:spPr>
+        <p:txBody>
+          <a:bodyPr wrap="square" rtlCol="0">
+            <a:spAutoFit/>
+          </a:bodyPr>
+          <a:lstStyle/>
+          <a:p>
+            <a:r>
+              <a:rPr lang="en-US" sz="1400"/>
+              <a:t>Quản lý khách hàng</a:t>
+            </a:r>
+          </a:p>
+        </p:txBody>
+      </p:sp>
+    </p:spTree>
+    <p:extLst>
+      <p:ext uri="{BB962C8B-B14F-4D97-AF65-F5344CB8AC3E}">
+        <p14:creationId xmlns:p14="http://schemas.microsoft.com/office/powerpoint/2010/main" val="3195754133"/>
+      </p:ext>
+    </p:extLst>
+  </p:cSld>
+  <p:clrMapOvr>
+    <a:masterClrMapping/>
+  </p:clrMapOvr>
+</p:sld>
+</file>
+
 <file path=ppt/theme/theme1.xml><?xml version="1.0" encoding="utf-8"?>
 <a:theme xmlns:a="http://schemas.openxmlformats.org/drawingml/2006/main" name="Office Theme">
   <a:themeElements>

--- a/src/ss04_lop_doi_tuong_java/ve UML.pptx
+++ b/src/ss04_lop_doi_tuong_java/ve UML.pptx
@@ -250,7 +250,7 @@
           <a:p>
             <a:fld id="{304DB6B7-848F-4A9B-8BD5-23855C3D30D0}" type="datetimeFigureOut">
               <a:rPr lang="en-US" smtClean="0"/>
-              <a:t>13-Jul-23</a:t>
+              <a:t>15-Jul-23</a:t>
             </a:fld>
             <a:endParaRPr lang="en-US"/>
           </a:p>
@@ -420,7 +420,7 @@
           <a:p>
             <a:fld id="{304DB6B7-848F-4A9B-8BD5-23855C3D30D0}" type="datetimeFigureOut">
               <a:rPr lang="en-US" smtClean="0"/>
-              <a:t>13-Jul-23</a:t>
+              <a:t>15-Jul-23</a:t>
             </a:fld>
             <a:endParaRPr lang="en-US"/>
           </a:p>
@@ -600,7 +600,7 @@
           <a:p>
             <a:fld id="{304DB6B7-848F-4A9B-8BD5-23855C3D30D0}" type="datetimeFigureOut">
               <a:rPr lang="en-US" smtClean="0"/>
-              <a:t>13-Jul-23</a:t>
+              <a:t>15-Jul-23</a:t>
             </a:fld>
             <a:endParaRPr lang="en-US"/>
           </a:p>
@@ -770,7 +770,7 @@
           <a:p>
             <a:fld id="{304DB6B7-848F-4A9B-8BD5-23855C3D30D0}" type="datetimeFigureOut">
               <a:rPr lang="en-US" smtClean="0"/>
-              <a:t>13-Jul-23</a:t>
+              <a:t>15-Jul-23</a:t>
             </a:fld>
             <a:endParaRPr lang="en-US"/>
           </a:p>
@@ -1014,7 +1014,7 @@
           <a:p>
             <a:fld id="{304DB6B7-848F-4A9B-8BD5-23855C3D30D0}" type="datetimeFigureOut">
               <a:rPr lang="en-US" smtClean="0"/>
-              <a:t>13-Jul-23</a:t>
+              <a:t>15-Jul-23</a:t>
             </a:fld>
             <a:endParaRPr lang="en-US"/>
           </a:p>
@@ -1246,7 +1246,7 @@
           <a:p>
             <a:fld id="{304DB6B7-848F-4A9B-8BD5-23855C3D30D0}" type="datetimeFigureOut">
               <a:rPr lang="en-US" smtClean="0"/>
-              <a:t>13-Jul-23</a:t>
+              <a:t>15-Jul-23</a:t>
             </a:fld>
             <a:endParaRPr lang="en-US"/>
           </a:p>
@@ -1613,7 +1613,7 @@
           <a:p>
             <a:fld id="{304DB6B7-848F-4A9B-8BD5-23855C3D30D0}" type="datetimeFigureOut">
               <a:rPr lang="en-US" smtClean="0"/>
-              <a:t>13-Jul-23</a:t>
+              <a:t>15-Jul-23</a:t>
             </a:fld>
             <a:endParaRPr lang="en-US"/>
           </a:p>
@@ -1731,7 +1731,7 @@
           <a:p>
             <a:fld id="{304DB6B7-848F-4A9B-8BD5-23855C3D30D0}" type="datetimeFigureOut">
               <a:rPr lang="en-US" smtClean="0"/>
-              <a:t>13-Jul-23</a:t>
+              <a:t>15-Jul-23</a:t>
             </a:fld>
             <a:endParaRPr lang="en-US"/>
           </a:p>
@@ -1826,7 +1826,7 @@
           <a:p>
             <a:fld id="{304DB6B7-848F-4A9B-8BD5-23855C3D30D0}" type="datetimeFigureOut">
               <a:rPr lang="en-US" smtClean="0"/>
-              <a:t>13-Jul-23</a:t>
+              <a:t>15-Jul-23</a:t>
             </a:fld>
             <a:endParaRPr lang="en-US"/>
           </a:p>
@@ -2103,7 +2103,7 @@
           <a:p>
             <a:fld id="{304DB6B7-848F-4A9B-8BD5-23855C3D30D0}" type="datetimeFigureOut">
               <a:rPr lang="en-US" smtClean="0"/>
-              <a:t>13-Jul-23</a:t>
+              <a:t>15-Jul-23</a:t>
             </a:fld>
             <a:endParaRPr lang="en-US"/>
           </a:p>
@@ -2360,7 +2360,7 @@
           <a:p>
             <a:fld id="{304DB6B7-848F-4A9B-8BD5-23855C3D30D0}" type="datetimeFigureOut">
               <a:rPr lang="en-US" smtClean="0"/>
-              <a:t>13-Jul-23</a:t>
+              <a:t>15-Jul-23</a:t>
             </a:fld>
             <a:endParaRPr lang="en-US"/>
           </a:p>
@@ -2573,7 +2573,7 @@
           <a:p>
             <a:fld id="{304DB6B7-848F-4A9B-8BD5-23855C3D30D0}" type="datetimeFigureOut">
               <a:rPr lang="en-US" smtClean="0"/>
-              <a:t>13-Jul-23</a:t>
+              <a:t>15-Jul-23</a:t>
             </a:fld>
             <a:endParaRPr lang="en-US"/>
           </a:p>
@@ -10856,7 +10856,7 @@
             </a:r>
             <a:r>
               <a:rPr lang="en-US" sz="1400"/>
-              <a:t>. Tạo một class `ICustomerServiceImpl` implement từ interface  ` ICustomerService`</a:t>
+              <a:t>. Tạo một class `CustomerServiceImpl` implement từ interface  ` ICustomerService`</a:t>
             </a:r>
           </a:p>
         </p:txBody>

--- a/src/ss04_lop_doi_tuong_java/ve UML.pptx
+++ b/src/ss04_lop_doi_tuong_java/ve UML.pptx
@@ -2,7 +2,7 @@
 <file path=ppt/presentation.xml><?xml version="1.0" encoding="utf-8"?>
 <p:presentation xmlns:a="http://schemas.openxmlformats.org/drawingml/2006/main" xmlns:r="http://schemas.openxmlformats.org/officeDocument/2006/relationships" xmlns:p="http://schemas.openxmlformats.org/presentationml/2006/main" saveSubsetFonts="1">
   <p:sldMasterIdLst>
-    <p:sldMasterId id="2147483684" r:id="rId1"/>
+    <p:sldMasterId id="2147483696" r:id="rId1"/>
   </p:sldMasterIdLst>
   <p:sldIdLst>
     <p:sldId id="257" r:id="rId2"/>
@@ -14,7 +14,7 @@
     <p:sldId id="263" r:id="rId8"/>
     <p:sldId id="264" r:id="rId9"/>
   </p:sldIdLst>
-  <p:sldSz cx="9906000" cy="6858000" type="A4"/>
+  <p:sldSz cx="6858000" cy="9906000" type="A4"/>
   <p:notesSz cx="6858000" cy="9144000"/>
   <p:defaultTextStyle>
     <a:defPPr>
@@ -148,15 +148,15 @@
         </p:nvSpPr>
         <p:spPr>
           <a:xfrm>
-            <a:off x="742950" y="1122363"/>
-            <a:ext cx="8420100" cy="2387600"/>
+            <a:off x="514350" y="1621191"/>
+            <a:ext cx="5829300" cy="3448756"/>
           </a:xfrm>
         </p:spPr>
         <p:txBody>
           <a:bodyPr anchor="b"/>
           <a:lstStyle>
             <a:lvl1pPr algn="ctr">
-              <a:defRPr sz="6000"/>
+              <a:defRPr sz="4500"/>
             </a:lvl1pPr>
           </a:lstStyle>
           <a:p>
@@ -180,8 +180,8 @@
         </p:nvSpPr>
         <p:spPr>
           <a:xfrm>
-            <a:off x="1238250" y="3602038"/>
-            <a:ext cx="7429500" cy="1655762"/>
+            <a:off x="857250" y="5202944"/>
+            <a:ext cx="5143500" cy="2391656"/>
           </a:xfrm>
         </p:spPr>
         <p:txBody>
@@ -189,39 +189,39 @@
           <a:lstStyle>
             <a:lvl1pPr marL="0" indent="0" algn="ctr">
               <a:buNone/>
-              <a:defRPr sz="2400"/>
+              <a:defRPr sz="1800"/>
             </a:lvl1pPr>
-            <a:lvl2pPr marL="457200" indent="0" algn="ctr">
+            <a:lvl2pPr marL="342900" indent="0" algn="ctr">
               <a:buNone/>
-              <a:defRPr sz="2000"/>
+              <a:defRPr sz="1500"/>
             </a:lvl2pPr>
-            <a:lvl3pPr marL="914400" indent="0" algn="ctr">
+            <a:lvl3pPr marL="685800" indent="0" algn="ctr">
               <a:buNone/>
-              <a:defRPr sz="1800"/>
+              <a:defRPr sz="1350"/>
             </a:lvl3pPr>
-            <a:lvl4pPr marL="1371600" indent="0" algn="ctr">
+            <a:lvl4pPr marL="1028700" indent="0" algn="ctr">
               <a:buNone/>
-              <a:defRPr sz="1600"/>
+              <a:defRPr sz="1200"/>
             </a:lvl4pPr>
-            <a:lvl5pPr marL="1828800" indent="0" algn="ctr">
+            <a:lvl5pPr marL="1371600" indent="0" algn="ctr">
               <a:buNone/>
-              <a:defRPr sz="1600"/>
+              <a:defRPr sz="1200"/>
             </a:lvl5pPr>
-            <a:lvl6pPr marL="2286000" indent="0" algn="ctr">
+            <a:lvl6pPr marL="1714500" indent="0" algn="ctr">
               <a:buNone/>
-              <a:defRPr sz="1600"/>
+              <a:defRPr sz="1200"/>
             </a:lvl6pPr>
-            <a:lvl7pPr marL="2743200" indent="0" algn="ctr">
+            <a:lvl7pPr marL="2057400" indent="0" algn="ctr">
               <a:buNone/>
-              <a:defRPr sz="1600"/>
+              <a:defRPr sz="1200"/>
             </a:lvl7pPr>
-            <a:lvl8pPr marL="3200400" indent="0" algn="ctr">
+            <a:lvl8pPr marL="2400300" indent="0" algn="ctr">
               <a:buNone/>
-              <a:defRPr sz="1600"/>
+              <a:defRPr sz="1200"/>
             </a:lvl8pPr>
-            <a:lvl9pPr marL="3657600" indent="0" algn="ctr">
+            <a:lvl9pPr marL="2743200" indent="0" algn="ctr">
               <a:buNone/>
-              <a:defRPr sz="1600"/>
+              <a:defRPr sz="1200"/>
             </a:lvl9pPr>
           </a:lstStyle>
           <a:p>
@@ -301,7 +301,7 @@
     </p:spTree>
     <p:extLst>
       <p:ext uri="{BB962C8B-B14F-4D97-AF65-F5344CB8AC3E}">
-        <p14:creationId xmlns:p14="http://schemas.microsoft.com/office/powerpoint/2010/main" val="1663180109"/>
+        <p14:creationId xmlns:p14="http://schemas.microsoft.com/office/powerpoint/2010/main" val="2884958969"/>
       </p:ext>
     </p:extLst>
   </p:cSld>
@@ -471,7 +471,7 @@
     </p:spTree>
     <p:extLst>
       <p:ext uri="{BB962C8B-B14F-4D97-AF65-F5344CB8AC3E}">
-        <p14:creationId xmlns:p14="http://schemas.microsoft.com/office/powerpoint/2010/main" val="1684382989"/>
+        <p14:creationId xmlns:p14="http://schemas.microsoft.com/office/powerpoint/2010/main" val="102978478"/>
       </p:ext>
     </p:extLst>
   </p:cSld>
@@ -510,8 +510,8 @@
         </p:nvSpPr>
         <p:spPr>
           <a:xfrm>
-            <a:off x="7088982" y="365125"/>
-            <a:ext cx="2135981" cy="5811838"/>
+            <a:off x="4907757" y="527403"/>
+            <a:ext cx="1478756" cy="8394877"/>
           </a:xfrm>
         </p:spPr>
         <p:txBody>
@@ -538,8 +538,8 @@
         </p:nvSpPr>
         <p:spPr>
           <a:xfrm>
-            <a:off x="681038" y="365125"/>
-            <a:ext cx="6284119" cy="5811838"/>
+            <a:off x="471488" y="527403"/>
+            <a:ext cx="4350544" cy="8394877"/>
           </a:xfrm>
         </p:spPr>
         <p:txBody>
@@ -651,7 +651,7 @@
     </p:spTree>
     <p:extLst>
       <p:ext uri="{BB962C8B-B14F-4D97-AF65-F5344CB8AC3E}">
-        <p14:creationId xmlns:p14="http://schemas.microsoft.com/office/powerpoint/2010/main" val="1434279234"/>
+        <p14:creationId xmlns:p14="http://schemas.microsoft.com/office/powerpoint/2010/main" val="2562446909"/>
       </p:ext>
     </p:extLst>
   </p:cSld>
@@ -821,7 +821,7 @@
     </p:spTree>
     <p:extLst>
       <p:ext uri="{BB962C8B-B14F-4D97-AF65-F5344CB8AC3E}">
-        <p14:creationId xmlns:p14="http://schemas.microsoft.com/office/powerpoint/2010/main" val="129831588"/>
+        <p14:creationId xmlns:p14="http://schemas.microsoft.com/office/powerpoint/2010/main" val="4289151715"/>
       </p:ext>
     </p:extLst>
   </p:cSld>
@@ -860,15 +860,15 @@
         </p:nvSpPr>
         <p:spPr>
           <a:xfrm>
-            <a:off x="675879" y="1709740"/>
-            <a:ext cx="8543925" cy="2852737"/>
+            <a:off x="467916" y="2469624"/>
+            <a:ext cx="5915025" cy="4120620"/>
           </a:xfrm>
         </p:spPr>
         <p:txBody>
           <a:bodyPr anchor="b"/>
           <a:lstStyle>
             <a:lvl1pPr>
-              <a:defRPr sz="6000"/>
+              <a:defRPr sz="4500"/>
             </a:lvl1pPr>
           </a:lstStyle>
           <a:p>
@@ -892,8 +892,8 @@
         </p:nvSpPr>
         <p:spPr>
           <a:xfrm>
-            <a:off x="675879" y="4589465"/>
-            <a:ext cx="8543925" cy="1500187"/>
+            <a:off x="467916" y="6629226"/>
+            <a:ext cx="5915025" cy="2166937"/>
           </a:xfrm>
         </p:spPr>
         <p:txBody>
@@ -901,15 +901,15 @@
           <a:lstStyle>
             <a:lvl1pPr marL="0" indent="0">
               <a:buNone/>
-              <a:defRPr sz="2400">
+              <a:defRPr sz="1800">
                 <a:solidFill>
                   <a:schemeClr val="tx1"/>
                 </a:solidFill>
               </a:defRPr>
             </a:lvl1pPr>
-            <a:lvl2pPr marL="457200" indent="0">
+            <a:lvl2pPr marL="342900" indent="0">
               <a:buNone/>
-              <a:defRPr sz="2000">
+              <a:defRPr sz="1500">
                 <a:solidFill>
                   <a:schemeClr val="tx1">
                     <a:tint val="75000"/>
@@ -917,9 +917,9 @@
                 </a:solidFill>
               </a:defRPr>
             </a:lvl2pPr>
-            <a:lvl3pPr marL="914400" indent="0">
+            <a:lvl3pPr marL="685800" indent="0">
               <a:buNone/>
-              <a:defRPr sz="1800">
+              <a:defRPr sz="1350">
                 <a:solidFill>
                   <a:schemeClr val="tx1">
                     <a:tint val="75000"/>
@@ -927,9 +927,9 @@
                 </a:solidFill>
               </a:defRPr>
             </a:lvl3pPr>
-            <a:lvl4pPr marL="1371600" indent="0">
+            <a:lvl4pPr marL="1028700" indent="0">
               <a:buNone/>
-              <a:defRPr sz="1600">
+              <a:defRPr sz="1200">
                 <a:solidFill>
                   <a:schemeClr val="tx1">
                     <a:tint val="75000"/>
@@ -937,9 +937,9 @@
                 </a:solidFill>
               </a:defRPr>
             </a:lvl4pPr>
-            <a:lvl5pPr marL="1828800" indent="0">
+            <a:lvl5pPr marL="1371600" indent="0">
               <a:buNone/>
-              <a:defRPr sz="1600">
+              <a:defRPr sz="1200">
                 <a:solidFill>
                   <a:schemeClr val="tx1">
                     <a:tint val="75000"/>
@@ -947,9 +947,9 @@
                 </a:solidFill>
               </a:defRPr>
             </a:lvl5pPr>
-            <a:lvl6pPr marL="2286000" indent="0">
+            <a:lvl6pPr marL="1714500" indent="0">
               <a:buNone/>
-              <a:defRPr sz="1600">
+              <a:defRPr sz="1200">
                 <a:solidFill>
                   <a:schemeClr val="tx1">
                     <a:tint val="75000"/>
@@ -957,9 +957,9 @@
                 </a:solidFill>
               </a:defRPr>
             </a:lvl6pPr>
-            <a:lvl7pPr marL="2743200" indent="0">
+            <a:lvl7pPr marL="2057400" indent="0">
               <a:buNone/>
-              <a:defRPr sz="1600">
+              <a:defRPr sz="1200">
                 <a:solidFill>
                   <a:schemeClr val="tx1">
                     <a:tint val="75000"/>
@@ -967,9 +967,9 @@
                 </a:solidFill>
               </a:defRPr>
             </a:lvl7pPr>
-            <a:lvl8pPr marL="3200400" indent="0">
+            <a:lvl8pPr marL="2400300" indent="0">
               <a:buNone/>
-              <a:defRPr sz="1600">
+              <a:defRPr sz="1200">
                 <a:solidFill>
                   <a:schemeClr val="tx1">
                     <a:tint val="75000"/>
@@ -977,9 +977,9 @@
                 </a:solidFill>
               </a:defRPr>
             </a:lvl8pPr>
-            <a:lvl9pPr marL="3657600" indent="0">
+            <a:lvl9pPr marL="2743200" indent="0">
               <a:buNone/>
-              <a:defRPr sz="1600">
+              <a:defRPr sz="1200">
                 <a:solidFill>
                   <a:schemeClr val="tx1">
                     <a:tint val="75000"/>
@@ -1065,7 +1065,7 @@
     </p:spTree>
     <p:extLst>
       <p:ext uri="{BB962C8B-B14F-4D97-AF65-F5344CB8AC3E}">
-        <p14:creationId xmlns:p14="http://schemas.microsoft.com/office/powerpoint/2010/main" val="463870910"/>
+        <p14:creationId xmlns:p14="http://schemas.microsoft.com/office/powerpoint/2010/main" val="383354963"/>
       </p:ext>
     </p:extLst>
   </p:cSld>
@@ -1127,8 +1127,8 @@
         </p:nvSpPr>
         <p:spPr>
           <a:xfrm>
-            <a:off x="681038" y="1825625"/>
-            <a:ext cx="4210050" cy="4351338"/>
+            <a:off x="471488" y="2637014"/>
+            <a:ext cx="2914650" cy="6285266"/>
           </a:xfrm>
         </p:spPr>
         <p:txBody>
@@ -1184,8 +1184,8 @@
         </p:nvSpPr>
         <p:spPr>
           <a:xfrm>
-            <a:off x="5014913" y="1825625"/>
-            <a:ext cx="4210050" cy="4351338"/>
+            <a:off x="3471863" y="2637014"/>
+            <a:ext cx="2914650" cy="6285266"/>
           </a:xfrm>
         </p:spPr>
         <p:txBody>
@@ -1297,7 +1297,7 @@
     </p:spTree>
     <p:extLst>
       <p:ext uri="{BB962C8B-B14F-4D97-AF65-F5344CB8AC3E}">
-        <p14:creationId xmlns:p14="http://schemas.microsoft.com/office/powerpoint/2010/main" val="350640673"/>
+        <p14:creationId xmlns:p14="http://schemas.microsoft.com/office/powerpoint/2010/main" val="2773797361"/>
       </p:ext>
     </p:extLst>
   </p:cSld>
@@ -1336,8 +1336,8 @@
         </p:nvSpPr>
         <p:spPr>
           <a:xfrm>
-            <a:off x="682328" y="365127"/>
-            <a:ext cx="8543925" cy="1325563"/>
+            <a:off x="472381" y="527405"/>
+            <a:ext cx="5915025" cy="1914702"/>
           </a:xfrm>
         </p:spPr>
         <p:txBody>
@@ -1364,8 +1364,8 @@
         </p:nvSpPr>
         <p:spPr>
           <a:xfrm>
-            <a:off x="682329" y="1681163"/>
-            <a:ext cx="4190702" cy="823912"/>
+            <a:off x="472381" y="2428347"/>
+            <a:ext cx="2901255" cy="1190095"/>
           </a:xfrm>
         </p:spPr>
         <p:txBody>
@@ -1373,39 +1373,39 @@
           <a:lstStyle>
             <a:lvl1pPr marL="0" indent="0">
               <a:buNone/>
-              <a:defRPr sz="2400" b="1"/>
+              <a:defRPr sz="1800" b="1"/>
             </a:lvl1pPr>
-            <a:lvl2pPr marL="457200" indent="0">
+            <a:lvl2pPr marL="342900" indent="0">
               <a:buNone/>
-              <a:defRPr sz="2000" b="1"/>
+              <a:defRPr sz="1500" b="1"/>
             </a:lvl2pPr>
-            <a:lvl3pPr marL="914400" indent="0">
+            <a:lvl3pPr marL="685800" indent="0">
               <a:buNone/>
-              <a:defRPr sz="1800" b="1"/>
+              <a:defRPr sz="1350" b="1"/>
             </a:lvl3pPr>
-            <a:lvl4pPr marL="1371600" indent="0">
+            <a:lvl4pPr marL="1028700" indent="0">
               <a:buNone/>
-              <a:defRPr sz="1600" b="1"/>
+              <a:defRPr sz="1200" b="1"/>
             </a:lvl4pPr>
-            <a:lvl5pPr marL="1828800" indent="0">
+            <a:lvl5pPr marL="1371600" indent="0">
               <a:buNone/>
-              <a:defRPr sz="1600" b="1"/>
+              <a:defRPr sz="1200" b="1"/>
             </a:lvl5pPr>
-            <a:lvl6pPr marL="2286000" indent="0">
+            <a:lvl6pPr marL="1714500" indent="0">
               <a:buNone/>
-              <a:defRPr sz="1600" b="1"/>
+              <a:defRPr sz="1200" b="1"/>
             </a:lvl6pPr>
-            <a:lvl7pPr marL="2743200" indent="0">
+            <a:lvl7pPr marL="2057400" indent="0">
               <a:buNone/>
-              <a:defRPr sz="1600" b="1"/>
+              <a:defRPr sz="1200" b="1"/>
             </a:lvl7pPr>
-            <a:lvl8pPr marL="3200400" indent="0">
+            <a:lvl8pPr marL="2400300" indent="0">
               <a:buNone/>
-              <a:defRPr sz="1600" b="1"/>
+              <a:defRPr sz="1200" b="1"/>
             </a:lvl8pPr>
-            <a:lvl9pPr marL="3657600" indent="0">
+            <a:lvl9pPr marL="2743200" indent="0">
               <a:buNone/>
-              <a:defRPr sz="1600" b="1"/>
+              <a:defRPr sz="1200" b="1"/>
             </a:lvl9pPr>
           </a:lstStyle>
           <a:p>
@@ -1429,8 +1429,8 @@
         </p:nvSpPr>
         <p:spPr>
           <a:xfrm>
-            <a:off x="682329" y="2505075"/>
-            <a:ext cx="4190702" cy="3684588"/>
+            <a:off x="472381" y="3618442"/>
+            <a:ext cx="2901255" cy="5322183"/>
           </a:xfrm>
         </p:spPr>
         <p:txBody>
@@ -1486,8 +1486,8 @@
         </p:nvSpPr>
         <p:spPr>
           <a:xfrm>
-            <a:off x="5014913" y="1681163"/>
-            <a:ext cx="4211340" cy="823912"/>
+            <a:off x="3471863" y="2428347"/>
+            <a:ext cx="2915543" cy="1190095"/>
           </a:xfrm>
         </p:spPr>
         <p:txBody>
@@ -1495,39 +1495,39 @@
           <a:lstStyle>
             <a:lvl1pPr marL="0" indent="0">
               <a:buNone/>
-              <a:defRPr sz="2400" b="1"/>
+              <a:defRPr sz="1800" b="1"/>
             </a:lvl1pPr>
-            <a:lvl2pPr marL="457200" indent="0">
+            <a:lvl2pPr marL="342900" indent="0">
               <a:buNone/>
-              <a:defRPr sz="2000" b="1"/>
+              <a:defRPr sz="1500" b="1"/>
             </a:lvl2pPr>
-            <a:lvl3pPr marL="914400" indent="0">
+            <a:lvl3pPr marL="685800" indent="0">
               <a:buNone/>
-              <a:defRPr sz="1800" b="1"/>
+              <a:defRPr sz="1350" b="1"/>
             </a:lvl3pPr>
-            <a:lvl4pPr marL="1371600" indent="0">
+            <a:lvl4pPr marL="1028700" indent="0">
               <a:buNone/>
-              <a:defRPr sz="1600" b="1"/>
+              <a:defRPr sz="1200" b="1"/>
             </a:lvl4pPr>
-            <a:lvl5pPr marL="1828800" indent="0">
+            <a:lvl5pPr marL="1371600" indent="0">
               <a:buNone/>
-              <a:defRPr sz="1600" b="1"/>
+              <a:defRPr sz="1200" b="1"/>
             </a:lvl5pPr>
-            <a:lvl6pPr marL="2286000" indent="0">
+            <a:lvl6pPr marL="1714500" indent="0">
               <a:buNone/>
-              <a:defRPr sz="1600" b="1"/>
+              <a:defRPr sz="1200" b="1"/>
             </a:lvl6pPr>
-            <a:lvl7pPr marL="2743200" indent="0">
+            <a:lvl7pPr marL="2057400" indent="0">
               <a:buNone/>
-              <a:defRPr sz="1600" b="1"/>
+              <a:defRPr sz="1200" b="1"/>
             </a:lvl7pPr>
-            <a:lvl8pPr marL="3200400" indent="0">
+            <a:lvl8pPr marL="2400300" indent="0">
               <a:buNone/>
-              <a:defRPr sz="1600" b="1"/>
+              <a:defRPr sz="1200" b="1"/>
             </a:lvl8pPr>
-            <a:lvl9pPr marL="3657600" indent="0">
+            <a:lvl9pPr marL="2743200" indent="0">
               <a:buNone/>
-              <a:defRPr sz="1600" b="1"/>
+              <a:defRPr sz="1200" b="1"/>
             </a:lvl9pPr>
           </a:lstStyle>
           <a:p>
@@ -1551,8 +1551,8 @@
         </p:nvSpPr>
         <p:spPr>
           <a:xfrm>
-            <a:off x="5014913" y="2505075"/>
-            <a:ext cx="4211340" cy="3684588"/>
+            <a:off x="3471863" y="3618442"/>
+            <a:ext cx="2915543" cy="5322183"/>
           </a:xfrm>
         </p:spPr>
         <p:txBody>
@@ -1664,7 +1664,7 @@
     </p:spTree>
     <p:extLst>
       <p:ext uri="{BB962C8B-B14F-4D97-AF65-F5344CB8AC3E}">
-        <p14:creationId xmlns:p14="http://schemas.microsoft.com/office/powerpoint/2010/main" val="2539679358"/>
+        <p14:creationId xmlns:p14="http://schemas.microsoft.com/office/powerpoint/2010/main" val="2712904111"/>
       </p:ext>
     </p:extLst>
   </p:cSld>
@@ -1782,7 +1782,7 @@
     </p:spTree>
     <p:extLst>
       <p:ext uri="{BB962C8B-B14F-4D97-AF65-F5344CB8AC3E}">
-        <p14:creationId xmlns:p14="http://schemas.microsoft.com/office/powerpoint/2010/main" val="3249640060"/>
+        <p14:creationId xmlns:p14="http://schemas.microsoft.com/office/powerpoint/2010/main" val="2649927177"/>
       </p:ext>
     </p:extLst>
   </p:cSld>
@@ -1877,7 +1877,7 @@
     </p:spTree>
     <p:extLst>
       <p:ext uri="{BB962C8B-B14F-4D97-AF65-F5344CB8AC3E}">
-        <p14:creationId xmlns:p14="http://schemas.microsoft.com/office/powerpoint/2010/main" val="805286773"/>
+        <p14:creationId xmlns:p14="http://schemas.microsoft.com/office/powerpoint/2010/main" val="1117098852"/>
       </p:ext>
     </p:extLst>
   </p:cSld>
@@ -1916,15 +1916,15 @@
         </p:nvSpPr>
         <p:spPr>
           <a:xfrm>
-            <a:off x="682328" y="457200"/>
-            <a:ext cx="3194943" cy="1600200"/>
+            <a:off x="472381" y="660400"/>
+            <a:ext cx="2211884" cy="2311400"/>
           </a:xfrm>
         </p:spPr>
         <p:txBody>
           <a:bodyPr anchor="b"/>
           <a:lstStyle>
             <a:lvl1pPr>
-              <a:defRPr sz="3200"/>
+              <a:defRPr sz="2400"/>
             </a:lvl1pPr>
           </a:lstStyle>
           <a:p>
@@ -1948,39 +1948,39 @@
         </p:nvSpPr>
         <p:spPr>
           <a:xfrm>
-            <a:off x="4211340" y="987427"/>
-            <a:ext cx="5014913" cy="4873625"/>
+            <a:off x="2915543" y="1426283"/>
+            <a:ext cx="3471863" cy="7039681"/>
           </a:xfrm>
         </p:spPr>
         <p:txBody>
           <a:bodyPr/>
           <a:lstStyle>
             <a:lvl1pPr>
-              <a:defRPr sz="3200"/>
+              <a:defRPr sz="2400"/>
             </a:lvl1pPr>
             <a:lvl2pPr>
-              <a:defRPr sz="2800"/>
+              <a:defRPr sz="2100"/>
             </a:lvl2pPr>
             <a:lvl3pPr>
-              <a:defRPr sz="2400"/>
+              <a:defRPr sz="1800"/>
             </a:lvl3pPr>
             <a:lvl4pPr>
-              <a:defRPr sz="2000"/>
+              <a:defRPr sz="1500"/>
             </a:lvl4pPr>
             <a:lvl5pPr>
-              <a:defRPr sz="2000"/>
+              <a:defRPr sz="1500"/>
             </a:lvl5pPr>
             <a:lvl6pPr>
-              <a:defRPr sz="2000"/>
+              <a:defRPr sz="1500"/>
             </a:lvl6pPr>
             <a:lvl7pPr>
-              <a:defRPr sz="2000"/>
+              <a:defRPr sz="1500"/>
             </a:lvl7pPr>
             <a:lvl8pPr>
-              <a:defRPr sz="2000"/>
+              <a:defRPr sz="1500"/>
             </a:lvl8pPr>
             <a:lvl9pPr>
-              <a:defRPr sz="2000"/>
+              <a:defRPr sz="1500"/>
             </a:lvl9pPr>
           </a:lstStyle>
           <a:p>
@@ -2033,8 +2033,8 @@
         </p:nvSpPr>
         <p:spPr>
           <a:xfrm>
-            <a:off x="682328" y="2057400"/>
-            <a:ext cx="3194943" cy="3811588"/>
+            <a:off x="472381" y="2971800"/>
+            <a:ext cx="2211884" cy="5505627"/>
           </a:xfrm>
         </p:spPr>
         <p:txBody>
@@ -2042,39 +2042,39 @@
           <a:lstStyle>
             <a:lvl1pPr marL="0" indent="0">
               <a:buNone/>
-              <a:defRPr sz="1600"/>
+              <a:defRPr sz="1200"/>
             </a:lvl1pPr>
-            <a:lvl2pPr marL="457200" indent="0">
+            <a:lvl2pPr marL="342900" indent="0">
               <a:buNone/>
-              <a:defRPr sz="1400"/>
+              <a:defRPr sz="1050"/>
             </a:lvl2pPr>
-            <a:lvl3pPr marL="914400" indent="0">
+            <a:lvl3pPr marL="685800" indent="0">
               <a:buNone/>
-              <a:defRPr sz="1200"/>
+              <a:defRPr sz="900"/>
             </a:lvl3pPr>
-            <a:lvl4pPr marL="1371600" indent="0">
+            <a:lvl4pPr marL="1028700" indent="0">
               <a:buNone/>
-              <a:defRPr sz="1000"/>
+              <a:defRPr sz="750"/>
             </a:lvl4pPr>
-            <a:lvl5pPr marL="1828800" indent="0">
+            <a:lvl5pPr marL="1371600" indent="0">
               <a:buNone/>
-              <a:defRPr sz="1000"/>
+              <a:defRPr sz="750"/>
             </a:lvl5pPr>
-            <a:lvl6pPr marL="2286000" indent="0">
+            <a:lvl6pPr marL="1714500" indent="0">
               <a:buNone/>
-              <a:defRPr sz="1000"/>
+              <a:defRPr sz="750"/>
             </a:lvl6pPr>
-            <a:lvl7pPr marL="2743200" indent="0">
+            <a:lvl7pPr marL="2057400" indent="0">
               <a:buNone/>
-              <a:defRPr sz="1000"/>
+              <a:defRPr sz="750"/>
             </a:lvl7pPr>
-            <a:lvl8pPr marL="3200400" indent="0">
+            <a:lvl8pPr marL="2400300" indent="0">
               <a:buNone/>
-              <a:defRPr sz="1000"/>
+              <a:defRPr sz="750"/>
             </a:lvl8pPr>
-            <a:lvl9pPr marL="3657600" indent="0">
+            <a:lvl9pPr marL="2743200" indent="0">
               <a:buNone/>
-              <a:defRPr sz="1000"/>
+              <a:defRPr sz="750"/>
             </a:lvl9pPr>
           </a:lstStyle>
           <a:p>
@@ -2154,7 +2154,7 @@
     </p:spTree>
     <p:extLst>
       <p:ext uri="{BB962C8B-B14F-4D97-AF65-F5344CB8AC3E}">
-        <p14:creationId xmlns:p14="http://schemas.microsoft.com/office/powerpoint/2010/main" val="3215792548"/>
+        <p14:creationId xmlns:p14="http://schemas.microsoft.com/office/powerpoint/2010/main" val="2123270055"/>
       </p:ext>
     </p:extLst>
   </p:cSld>
@@ -2193,15 +2193,15 @@
         </p:nvSpPr>
         <p:spPr>
           <a:xfrm>
-            <a:off x="682328" y="457200"/>
-            <a:ext cx="3194943" cy="1600200"/>
+            <a:off x="472381" y="660400"/>
+            <a:ext cx="2211884" cy="2311400"/>
           </a:xfrm>
         </p:spPr>
         <p:txBody>
           <a:bodyPr anchor="b"/>
           <a:lstStyle>
             <a:lvl1pPr>
-              <a:defRPr sz="3200"/>
+              <a:defRPr sz="2400"/>
             </a:lvl1pPr>
           </a:lstStyle>
           <a:p>
@@ -2225,8 +2225,8 @@
         </p:nvSpPr>
         <p:spPr>
           <a:xfrm>
-            <a:off x="4211340" y="987427"/>
-            <a:ext cx="5014913" cy="4873625"/>
+            <a:off x="2915543" y="1426283"/>
+            <a:ext cx="3471863" cy="7039681"/>
           </a:xfrm>
         </p:spPr>
         <p:txBody>
@@ -2234,39 +2234,39 @@
           <a:lstStyle>
             <a:lvl1pPr marL="0" indent="0">
               <a:buNone/>
-              <a:defRPr sz="3200"/>
+              <a:defRPr sz="2400"/>
             </a:lvl1pPr>
-            <a:lvl2pPr marL="457200" indent="0">
+            <a:lvl2pPr marL="342900" indent="0">
               <a:buNone/>
-              <a:defRPr sz="2800"/>
+              <a:defRPr sz="2100"/>
             </a:lvl2pPr>
-            <a:lvl3pPr marL="914400" indent="0">
+            <a:lvl3pPr marL="685800" indent="0">
               <a:buNone/>
-              <a:defRPr sz="2400"/>
+              <a:defRPr sz="1800"/>
             </a:lvl3pPr>
-            <a:lvl4pPr marL="1371600" indent="0">
+            <a:lvl4pPr marL="1028700" indent="0">
               <a:buNone/>
-              <a:defRPr sz="2000"/>
+              <a:defRPr sz="1500"/>
             </a:lvl4pPr>
-            <a:lvl5pPr marL="1828800" indent="0">
+            <a:lvl5pPr marL="1371600" indent="0">
               <a:buNone/>
-              <a:defRPr sz="2000"/>
+              <a:defRPr sz="1500"/>
             </a:lvl5pPr>
-            <a:lvl6pPr marL="2286000" indent="0">
+            <a:lvl6pPr marL="1714500" indent="0">
               <a:buNone/>
-              <a:defRPr sz="2000"/>
+              <a:defRPr sz="1500"/>
             </a:lvl6pPr>
-            <a:lvl7pPr marL="2743200" indent="0">
+            <a:lvl7pPr marL="2057400" indent="0">
               <a:buNone/>
-              <a:defRPr sz="2000"/>
+              <a:defRPr sz="1500"/>
             </a:lvl7pPr>
-            <a:lvl8pPr marL="3200400" indent="0">
+            <a:lvl8pPr marL="2400300" indent="0">
               <a:buNone/>
-              <a:defRPr sz="2000"/>
+              <a:defRPr sz="1500"/>
             </a:lvl8pPr>
-            <a:lvl9pPr marL="3657600" indent="0">
+            <a:lvl9pPr marL="2743200" indent="0">
               <a:buNone/>
-              <a:defRPr sz="2000"/>
+              <a:defRPr sz="1500"/>
             </a:lvl9pPr>
           </a:lstStyle>
           <a:p>
@@ -2290,8 +2290,8 @@
         </p:nvSpPr>
         <p:spPr>
           <a:xfrm>
-            <a:off x="682328" y="2057400"/>
-            <a:ext cx="3194943" cy="3811588"/>
+            <a:off x="472381" y="2971800"/>
+            <a:ext cx="2211884" cy="5505627"/>
           </a:xfrm>
         </p:spPr>
         <p:txBody>
@@ -2299,39 +2299,39 @@
           <a:lstStyle>
             <a:lvl1pPr marL="0" indent="0">
               <a:buNone/>
-              <a:defRPr sz="1600"/>
+              <a:defRPr sz="1200"/>
             </a:lvl1pPr>
-            <a:lvl2pPr marL="457200" indent="0">
+            <a:lvl2pPr marL="342900" indent="0">
               <a:buNone/>
-              <a:defRPr sz="1400"/>
+              <a:defRPr sz="1050"/>
             </a:lvl2pPr>
-            <a:lvl3pPr marL="914400" indent="0">
+            <a:lvl3pPr marL="685800" indent="0">
               <a:buNone/>
-              <a:defRPr sz="1200"/>
+              <a:defRPr sz="900"/>
             </a:lvl3pPr>
-            <a:lvl4pPr marL="1371600" indent="0">
+            <a:lvl4pPr marL="1028700" indent="0">
               <a:buNone/>
-              <a:defRPr sz="1000"/>
+              <a:defRPr sz="750"/>
             </a:lvl4pPr>
-            <a:lvl5pPr marL="1828800" indent="0">
+            <a:lvl5pPr marL="1371600" indent="0">
               <a:buNone/>
-              <a:defRPr sz="1000"/>
+              <a:defRPr sz="750"/>
             </a:lvl5pPr>
-            <a:lvl6pPr marL="2286000" indent="0">
+            <a:lvl6pPr marL="1714500" indent="0">
               <a:buNone/>
-              <a:defRPr sz="1000"/>
+              <a:defRPr sz="750"/>
             </a:lvl6pPr>
-            <a:lvl7pPr marL="2743200" indent="0">
+            <a:lvl7pPr marL="2057400" indent="0">
               <a:buNone/>
-              <a:defRPr sz="1000"/>
+              <a:defRPr sz="750"/>
             </a:lvl7pPr>
-            <a:lvl8pPr marL="3200400" indent="0">
+            <a:lvl8pPr marL="2400300" indent="0">
               <a:buNone/>
-              <a:defRPr sz="1000"/>
+              <a:defRPr sz="750"/>
             </a:lvl8pPr>
-            <a:lvl9pPr marL="3657600" indent="0">
+            <a:lvl9pPr marL="2743200" indent="0">
               <a:buNone/>
-              <a:defRPr sz="1000"/>
+              <a:defRPr sz="750"/>
             </a:lvl9pPr>
           </a:lstStyle>
           <a:p>
@@ -2411,7 +2411,7 @@
     </p:spTree>
     <p:extLst>
       <p:ext uri="{BB962C8B-B14F-4D97-AF65-F5344CB8AC3E}">
-        <p14:creationId xmlns:p14="http://schemas.microsoft.com/office/powerpoint/2010/main" val="3756917885"/>
+        <p14:creationId xmlns:p14="http://schemas.microsoft.com/office/powerpoint/2010/main" val="1612373746"/>
       </p:ext>
     </p:extLst>
   </p:cSld>
@@ -2455,8 +2455,8 @@
         </p:nvSpPr>
         <p:spPr>
           <a:xfrm>
-            <a:off x="681038" y="365127"/>
-            <a:ext cx="8543925" cy="1325563"/>
+            <a:off x="471488" y="527405"/>
+            <a:ext cx="5915025" cy="1914702"/>
           </a:xfrm>
           <a:prstGeom prst="rect">
             <a:avLst/>
@@ -2488,8 +2488,8 @@
         </p:nvSpPr>
         <p:spPr>
           <a:xfrm>
-            <a:off x="681038" y="1825625"/>
-            <a:ext cx="8543925" cy="4351338"/>
+            <a:off x="471488" y="2637014"/>
+            <a:ext cx="5915025" cy="6285266"/>
           </a:xfrm>
           <a:prstGeom prst="rect">
             <a:avLst/>
@@ -2550,8 +2550,8 @@
         </p:nvSpPr>
         <p:spPr>
           <a:xfrm>
-            <a:off x="681038" y="6356352"/>
-            <a:ext cx="2228850" cy="365125"/>
+            <a:off x="471488" y="9181397"/>
+            <a:ext cx="1543050" cy="527403"/>
           </a:xfrm>
           <a:prstGeom prst="rect">
             <a:avLst/>
@@ -2561,7 +2561,7 @@
           <a:bodyPr vert="horz" lIns="91440" tIns="45720" rIns="91440" bIns="45720" rtlCol="0" anchor="ctr"/>
           <a:lstStyle>
             <a:lvl1pPr algn="l">
-              <a:defRPr sz="1200">
+              <a:defRPr sz="900">
                 <a:solidFill>
                   <a:schemeClr val="tx1">
                     <a:tint val="75000"/>
@@ -2591,8 +2591,8 @@
         </p:nvSpPr>
         <p:spPr>
           <a:xfrm>
-            <a:off x="3281363" y="6356352"/>
-            <a:ext cx="3343275" cy="365125"/>
+            <a:off x="2271713" y="9181397"/>
+            <a:ext cx="2314575" cy="527403"/>
           </a:xfrm>
           <a:prstGeom prst="rect">
             <a:avLst/>
@@ -2602,7 +2602,7 @@
           <a:bodyPr vert="horz" lIns="91440" tIns="45720" rIns="91440" bIns="45720" rtlCol="0" anchor="ctr"/>
           <a:lstStyle>
             <a:lvl1pPr algn="ctr">
-              <a:defRPr sz="1200">
+              <a:defRPr sz="900">
                 <a:solidFill>
                   <a:schemeClr val="tx1">
                     <a:tint val="75000"/>
@@ -2628,8 +2628,8 @@
         </p:nvSpPr>
         <p:spPr>
           <a:xfrm>
-            <a:off x="6996113" y="6356352"/>
-            <a:ext cx="2228850" cy="365125"/>
+            <a:off x="4843463" y="9181397"/>
+            <a:ext cx="1543050" cy="527403"/>
           </a:xfrm>
           <a:prstGeom prst="rect">
             <a:avLst/>
@@ -2639,7 +2639,7 @@
           <a:bodyPr vert="horz" lIns="91440" tIns="45720" rIns="91440" bIns="45720" rtlCol="0" anchor="ctr"/>
           <a:lstStyle>
             <a:lvl1pPr algn="r">
-              <a:defRPr sz="1200">
+              <a:defRPr sz="900">
                 <a:solidFill>
                   <a:schemeClr val="tx1">
                     <a:tint val="75000"/>
@@ -2660,27 +2660,27 @@
     </p:spTree>
     <p:extLst>
       <p:ext uri="{BB962C8B-B14F-4D97-AF65-F5344CB8AC3E}">
-        <p14:creationId xmlns:p14="http://schemas.microsoft.com/office/powerpoint/2010/main" val="4285894527"/>
+        <p14:creationId xmlns:p14="http://schemas.microsoft.com/office/powerpoint/2010/main" val="3316806444"/>
       </p:ext>
     </p:extLst>
   </p:cSld>
   <p:clrMap bg1="lt1" tx1="dk1" bg2="lt2" tx2="dk2" accent1="accent1" accent2="accent2" accent3="accent3" accent4="accent4" accent5="accent5" accent6="accent6" hlink="hlink" folHlink="folHlink"/>
   <p:sldLayoutIdLst>
-    <p:sldLayoutId id="2147483685" r:id="rId1"/>
-    <p:sldLayoutId id="2147483686" r:id="rId2"/>
-    <p:sldLayoutId id="2147483687" r:id="rId3"/>
-    <p:sldLayoutId id="2147483688" r:id="rId4"/>
-    <p:sldLayoutId id="2147483689" r:id="rId5"/>
-    <p:sldLayoutId id="2147483690" r:id="rId6"/>
-    <p:sldLayoutId id="2147483691" r:id="rId7"/>
-    <p:sldLayoutId id="2147483692" r:id="rId8"/>
-    <p:sldLayoutId id="2147483693" r:id="rId9"/>
-    <p:sldLayoutId id="2147483694" r:id="rId10"/>
-    <p:sldLayoutId id="2147483695" r:id="rId11"/>
+    <p:sldLayoutId id="2147483697" r:id="rId1"/>
+    <p:sldLayoutId id="2147483698" r:id="rId2"/>
+    <p:sldLayoutId id="2147483699" r:id="rId3"/>
+    <p:sldLayoutId id="2147483700" r:id="rId4"/>
+    <p:sldLayoutId id="2147483701" r:id="rId5"/>
+    <p:sldLayoutId id="2147483702" r:id="rId6"/>
+    <p:sldLayoutId id="2147483703" r:id="rId7"/>
+    <p:sldLayoutId id="2147483704" r:id="rId8"/>
+    <p:sldLayoutId id="2147483705" r:id="rId9"/>
+    <p:sldLayoutId id="2147483706" r:id="rId10"/>
+    <p:sldLayoutId id="2147483707" r:id="rId11"/>
   </p:sldLayoutIdLst>
   <p:txStyles>
     <p:titleStyle>
-      <a:lvl1pPr algn="l" defTabSz="914400" rtl="0" eaLnBrk="1" latinLnBrk="0" hangingPunct="1">
+      <a:lvl1pPr algn="l" defTabSz="685800" rtl="0" eaLnBrk="1" latinLnBrk="0" hangingPunct="1">
         <a:lnSpc>
           <a:spcPct val="90000"/>
         </a:lnSpc>
@@ -2688,7 +2688,7 @@
           <a:spcPct val="0"/>
         </a:spcBef>
         <a:buNone/>
-        <a:defRPr sz="4400" kern="1200">
+        <a:defRPr sz="3300" kern="1200">
           <a:solidFill>
             <a:schemeClr val="tx1"/>
           </a:solidFill>
@@ -2699,16 +2699,16 @@
       </a:lvl1pPr>
     </p:titleStyle>
     <p:bodyStyle>
-      <a:lvl1pPr marL="228600" indent="-228600" algn="l" defTabSz="914400" rtl="0" eaLnBrk="1" latinLnBrk="0" hangingPunct="1">
+      <a:lvl1pPr marL="171450" indent="-171450" algn="l" defTabSz="685800" rtl="0" eaLnBrk="1" latinLnBrk="0" hangingPunct="1">
         <a:lnSpc>
           <a:spcPct val="90000"/>
         </a:lnSpc>
         <a:spcBef>
-          <a:spcPts val="1000"/>
+          <a:spcPts val="750"/>
         </a:spcBef>
         <a:buFont typeface="Arial" panose="020B0604020202020204" pitchFamily="34" charset="0"/>
         <a:buChar char="•"/>
-        <a:defRPr sz="2800" kern="1200">
+        <a:defRPr sz="2100" kern="1200">
           <a:solidFill>
             <a:schemeClr val="tx1"/>
           </a:solidFill>
@@ -2717,48 +2717,12 @@
           <a:cs typeface="+mn-cs"/>
         </a:defRPr>
       </a:lvl1pPr>
-      <a:lvl2pPr marL="685800" indent="-228600" algn="l" defTabSz="914400" rtl="0" eaLnBrk="1" latinLnBrk="0" hangingPunct="1">
+      <a:lvl2pPr marL="514350" indent="-171450" algn="l" defTabSz="685800" rtl="0" eaLnBrk="1" latinLnBrk="0" hangingPunct="1">
         <a:lnSpc>
           <a:spcPct val="90000"/>
         </a:lnSpc>
         <a:spcBef>
-          <a:spcPts val="500"/>
-        </a:spcBef>
-        <a:buFont typeface="Arial" panose="020B0604020202020204" pitchFamily="34" charset="0"/>
-        <a:buChar char="•"/>
-        <a:defRPr sz="2400" kern="1200">
-          <a:solidFill>
-            <a:schemeClr val="tx1"/>
-          </a:solidFill>
-          <a:latin typeface="+mn-lt"/>
-          <a:ea typeface="+mn-ea"/>
-          <a:cs typeface="+mn-cs"/>
-        </a:defRPr>
-      </a:lvl2pPr>
-      <a:lvl3pPr marL="1143000" indent="-228600" algn="l" defTabSz="914400" rtl="0" eaLnBrk="1" latinLnBrk="0" hangingPunct="1">
-        <a:lnSpc>
-          <a:spcPct val="90000"/>
-        </a:lnSpc>
-        <a:spcBef>
-          <a:spcPts val="500"/>
-        </a:spcBef>
-        <a:buFont typeface="Arial" panose="020B0604020202020204" pitchFamily="34" charset="0"/>
-        <a:buChar char="•"/>
-        <a:defRPr sz="2000" kern="1200">
-          <a:solidFill>
-            <a:schemeClr val="tx1"/>
-          </a:solidFill>
-          <a:latin typeface="+mn-lt"/>
-          <a:ea typeface="+mn-ea"/>
-          <a:cs typeface="+mn-cs"/>
-        </a:defRPr>
-      </a:lvl3pPr>
-      <a:lvl4pPr marL="1600200" indent="-228600" algn="l" defTabSz="914400" rtl="0" eaLnBrk="1" latinLnBrk="0" hangingPunct="1">
-        <a:lnSpc>
-          <a:spcPct val="90000"/>
-        </a:lnSpc>
-        <a:spcBef>
-          <a:spcPts val="500"/>
+          <a:spcPts val="375"/>
         </a:spcBef>
         <a:buFont typeface="Arial" panose="020B0604020202020204" pitchFamily="34" charset="0"/>
         <a:buChar char="•"/>
@@ -2770,17 +2734,53 @@
           <a:ea typeface="+mn-ea"/>
           <a:cs typeface="+mn-cs"/>
         </a:defRPr>
-      </a:lvl4pPr>
-      <a:lvl5pPr marL="2057400" indent="-228600" algn="l" defTabSz="914400" rtl="0" eaLnBrk="1" latinLnBrk="0" hangingPunct="1">
+      </a:lvl2pPr>
+      <a:lvl3pPr marL="857250" indent="-171450" algn="l" defTabSz="685800" rtl="0" eaLnBrk="1" latinLnBrk="0" hangingPunct="1">
         <a:lnSpc>
           <a:spcPct val="90000"/>
         </a:lnSpc>
         <a:spcBef>
-          <a:spcPts val="500"/>
+          <a:spcPts val="375"/>
         </a:spcBef>
         <a:buFont typeface="Arial" panose="020B0604020202020204" pitchFamily="34" charset="0"/>
         <a:buChar char="•"/>
-        <a:defRPr sz="1800" kern="1200">
+        <a:defRPr sz="1500" kern="1200">
+          <a:solidFill>
+            <a:schemeClr val="tx1"/>
+          </a:solidFill>
+          <a:latin typeface="+mn-lt"/>
+          <a:ea typeface="+mn-ea"/>
+          <a:cs typeface="+mn-cs"/>
+        </a:defRPr>
+      </a:lvl3pPr>
+      <a:lvl4pPr marL="1200150" indent="-171450" algn="l" defTabSz="685800" rtl="0" eaLnBrk="1" latinLnBrk="0" hangingPunct="1">
+        <a:lnSpc>
+          <a:spcPct val="90000"/>
+        </a:lnSpc>
+        <a:spcBef>
+          <a:spcPts val="375"/>
+        </a:spcBef>
+        <a:buFont typeface="Arial" panose="020B0604020202020204" pitchFamily="34" charset="0"/>
+        <a:buChar char="•"/>
+        <a:defRPr sz="1350" kern="1200">
+          <a:solidFill>
+            <a:schemeClr val="tx1"/>
+          </a:solidFill>
+          <a:latin typeface="+mn-lt"/>
+          <a:ea typeface="+mn-ea"/>
+          <a:cs typeface="+mn-cs"/>
+        </a:defRPr>
+      </a:lvl4pPr>
+      <a:lvl5pPr marL="1543050" indent="-171450" algn="l" defTabSz="685800" rtl="0" eaLnBrk="1" latinLnBrk="0" hangingPunct="1">
+        <a:lnSpc>
+          <a:spcPct val="90000"/>
+        </a:lnSpc>
+        <a:spcBef>
+          <a:spcPts val="375"/>
+        </a:spcBef>
+        <a:buFont typeface="Arial" panose="020B0604020202020204" pitchFamily="34" charset="0"/>
+        <a:buChar char="•"/>
+        <a:defRPr sz="1350" kern="1200">
           <a:solidFill>
             <a:schemeClr val="tx1"/>
           </a:solidFill>
@@ -2789,16 +2789,16 @@
           <a:cs typeface="+mn-cs"/>
         </a:defRPr>
       </a:lvl5pPr>
-      <a:lvl6pPr marL="2514600" indent="-228600" algn="l" defTabSz="914400" rtl="0" eaLnBrk="1" latinLnBrk="0" hangingPunct="1">
+      <a:lvl6pPr marL="1885950" indent="-171450" algn="l" defTabSz="685800" rtl="0" eaLnBrk="1" latinLnBrk="0" hangingPunct="1">
         <a:lnSpc>
           <a:spcPct val="90000"/>
         </a:lnSpc>
         <a:spcBef>
-          <a:spcPts val="500"/>
+          <a:spcPts val="375"/>
         </a:spcBef>
         <a:buFont typeface="Arial" panose="020B0604020202020204" pitchFamily="34" charset="0"/>
         <a:buChar char="•"/>
-        <a:defRPr sz="1800" kern="1200">
+        <a:defRPr sz="1350" kern="1200">
           <a:solidFill>
             <a:schemeClr val="tx1"/>
           </a:solidFill>
@@ -2807,16 +2807,16 @@
           <a:cs typeface="+mn-cs"/>
         </a:defRPr>
       </a:lvl6pPr>
-      <a:lvl7pPr marL="2971800" indent="-228600" algn="l" defTabSz="914400" rtl="0" eaLnBrk="1" latinLnBrk="0" hangingPunct="1">
+      <a:lvl7pPr marL="2228850" indent="-171450" algn="l" defTabSz="685800" rtl="0" eaLnBrk="1" latinLnBrk="0" hangingPunct="1">
         <a:lnSpc>
           <a:spcPct val="90000"/>
         </a:lnSpc>
         <a:spcBef>
-          <a:spcPts val="500"/>
+          <a:spcPts val="375"/>
         </a:spcBef>
         <a:buFont typeface="Arial" panose="020B0604020202020204" pitchFamily="34" charset="0"/>
         <a:buChar char="•"/>
-        <a:defRPr sz="1800" kern="1200">
+        <a:defRPr sz="1350" kern="1200">
           <a:solidFill>
             <a:schemeClr val="tx1"/>
           </a:solidFill>
@@ -2825,16 +2825,16 @@
           <a:cs typeface="+mn-cs"/>
         </a:defRPr>
       </a:lvl7pPr>
-      <a:lvl8pPr marL="3429000" indent="-228600" algn="l" defTabSz="914400" rtl="0" eaLnBrk="1" latinLnBrk="0" hangingPunct="1">
+      <a:lvl8pPr marL="2571750" indent="-171450" algn="l" defTabSz="685800" rtl="0" eaLnBrk="1" latinLnBrk="0" hangingPunct="1">
         <a:lnSpc>
           <a:spcPct val="90000"/>
         </a:lnSpc>
         <a:spcBef>
-          <a:spcPts val="500"/>
+          <a:spcPts val="375"/>
         </a:spcBef>
         <a:buFont typeface="Arial" panose="020B0604020202020204" pitchFamily="34" charset="0"/>
         <a:buChar char="•"/>
-        <a:defRPr sz="1800" kern="1200">
+        <a:defRPr sz="1350" kern="1200">
           <a:solidFill>
             <a:schemeClr val="tx1"/>
           </a:solidFill>
@@ -2843,16 +2843,16 @@
           <a:cs typeface="+mn-cs"/>
         </a:defRPr>
       </a:lvl8pPr>
-      <a:lvl9pPr marL="3886200" indent="-228600" algn="l" defTabSz="914400" rtl="0" eaLnBrk="1" latinLnBrk="0" hangingPunct="1">
+      <a:lvl9pPr marL="2914650" indent="-171450" algn="l" defTabSz="685800" rtl="0" eaLnBrk="1" latinLnBrk="0" hangingPunct="1">
         <a:lnSpc>
           <a:spcPct val="90000"/>
         </a:lnSpc>
         <a:spcBef>
-          <a:spcPts val="500"/>
+          <a:spcPts val="375"/>
         </a:spcBef>
         <a:buFont typeface="Arial" panose="020B0604020202020204" pitchFamily="34" charset="0"/>
         <a:buChar char="•"/>
-        <a:defRPr sz="1800" kern="1200">
+        <a:defRPr sz="1350" kern="1200">
           <a:solidFill>
             <a:schemeClr val="tx1"/>
           </a:solidFill>
@@ -2866,8 +2866,8 @@
       <a:defPPr>
         <a:defRPr lang="en-US"/>
       </a:defPPr>
-      <a:lvl1pPr marL="0" algn="l" defTabSz="914400" rtl="0" eaLnBrk="1" latinLnBrk="0" hangingPunct="1">
-        <a:defRPr sz="1800" kern="1200">
+      <a:lvl1pPr marL="0" algn="l" defTabSz="685800" rtl="0" eaLnBrk="1" latinLnBrk="0" hangingPunct="1">
+        <a:defRPr sz="1350" kern="1200">
           <a:solidFill>
             <a:schemeClr val="tx1"/>
           </a:solidFill>
@@ -2876,8 +2876,8 @@
           <a:cs typeface="+mn-cs"/>
         </a:defRPr>
       </a:lvl1pPr>
-      <a:lvl2pPr marL="457200" algn="l" defTabSz="914400" rtl="0" eaLnBrk="1" latinLnBrk="0" hangingPunct="1">
-        <a:defRPr sz="1800" kern="1200">
+      <a:lvl2pPr marL="342900" algn="l" defTabSz="685800" rtl="0" eaLnBrk="1" latinLnBrk="0" hangingPunct="1">
+        <a:defRPr sz="1350" kern="1200">
           <a:solidFill>
             <a:schemeClr val="tx1"/>
           </a:solidFill>
@@ -2886,8 +2886,8 @@
           <a:cs typeface="+mn-cs"/>
         </a:defRPr>
       </a:lvl2pPr>
-      <a:lvl3pPr marL="914400" algn="l" defTabSz="914400" rtl="0" eaLnBrk="1" latinLnBrk="0" hangingPunct="1">
-        <a:defRPr sz="1800" kern="1200">
+      <a:lvl3pPr marL="685800" algn="l" defTabSz="685800" rtl="0" eaLnBrk="1" latinLnBrk="0" hangingPunct="1">
+        <a:defRPr sz="1350" kern="1200">
           <a:solidFill>
             <a:schemeClr val="tx1"/>
           </a:solidFill>
@@ -2896,8 +2896,8 @@
           <a:cs typeface="+mn-cs"/>
         </a:defRPr>
       </a:lvl3pPr>
-      <a:lvl4pPr marL="1371600" algn="l" defTabSz="914400" rtl="0" eaLnBrk="1" latinLnBrk="0" hangingPunct="1">
-        <a:defRPr sz="1800" kern="1200">
+      <a:lvl4pPr marL="1028700" algn="l" defTabSz="685800" rtl="0" eaLnBrk="1" latinLnBrk="0" hangingPunct="1">
+        <a:defRPr sz="1350" kern="1200">
           <a:solidFill>
             <a:schemeClr val="tx1"/>
           </a:solidFill>
@@ -2906,8 +2906,8 @@
           <a:cs typeface="+mn-cs"/>
         </a:defRPr>
       </a:lvl4pPr>
-      <a:lvl5pPr marL="1828800" algn="l" defTabSz="914400" rtl="0" eaLnBrk="1" latinLnBrk="0" hangingPunct="1">
-        <a:defRPr sz="1800" kern="1200">
+      <a:lvl5pPr marL="1371600" algn="l" defTabSz="685800" rtl="0" eaLnBrk="1" latinLnBrk="0" hangingPunct="1">
+        <a:defRPr sz="1350" kern="1200">
           <a:solidFill>
             <a:schemeClr val="tx1"/>
           </a:solidFill>
@@ -2916,8 +2916,8 @@
           <a:cs typeface="+mn-cs"/>
         </a:defRPr>
       </a:lvl5pPr>
-      <a:lvl6pPr marL="2286000" algn="l" defTabSz="914400" rtl="0" eaLnBrk="1" latinLnBrk="0" hangingPunct="1">
-        <a:defRPr sz="1800" kern="1200">
+      <a:lvl6pPr marL="1714500" algn="l" defTabSz="685800" rtl="0" eaLnBrk="1" latinLnBrk="0" hangingPunct="1">
+        <a:defRPr sz="1350" kern="1200">
           <a:solidFill>
             <a:schemeClr val="tx1"/>
           </a:solidFill>
@@ -2926,8 +2926,8 @@
           <a:cs typeface="+mn-cs"/>
         </a:defRPr>
       </a:lvl6pPr>
-      <a:lvl7pPr marL="2743200" algn="l" defTabSz="914400" rtl="0" eaLnBrk="1" latinLnBrk="0" hangingPunct="1">
-        <a:defRPr sz="1800" kern="1200">
+      <a:lvl7pPr marL="2057400" algn="l" defTabSz="685800" rtl="0" eaLnBrk="1" latinLnBrk="0" hangingPunct="1">
+        <a:defRPr sz="1350" kern="1200">
           <a:solidFill>
             <a:schemeClr val="tx1"/>
           </a:solidFill>
@@ -2936,8 +2936,8 @@
           <a:cs typeface="+mn-cs"/>
         </a:defRPr>
       </a:lvl7pPr>
-      <a:lvl8pPr marL="3200400" algn="l" defTabSz="914400" rtl="0" eaLnBrk="1" latinLnBrk="0" hangingPunct="1">
-        <a:defRPr sz="1800" kern="1200">
+      <a:lvl8pPr marL="2400300" algn="l" defTabSz="685800" rtl="0" eaLnBrk="1" latinLnBrk="0" hangingPunct="1">
+        <a:defRPr sz="1350" kern="1200">
           <a:solidFill>
             <a:schemeClr val="tx1"/>
           </a:solidFill>
@@ -2946,8 +2946,8 @@
           <a:cs typeface="+mn-cs"/>
         </a:defRPr>
       </a:lvl8pPr>
-      <a:lvl9pPr marL="3657600" algn="l" defTabSz="914400" rtl="0" eaLnBrk="1" latinLnBrk="0" hangingPunct="1">
-        <a:defRPr sz="1800" kern="1200">
+      <a:lvl9pPr marL="2743200" algn="l" defTabSz="685800" rtl="0" eaLnBrk="1" latinLnBrk="0" hangingPunct="1">
+        <a:defRPr sz="1350" kern="1200">
           <a:solidFill>
             <a:schemeClr val="tx1"/>
           </a:solidFill>
@@ -2992,8 +2992,8 @@
         </p:nvGrpSpPr>
         <p:grpSpPr>
           <a:xfrm>
-            <a:off x="4148485" y="125443"/>
-            <a:ext cx="1762123" cy="1075435"/>
+            <a:off x="2872029" y="2665922"/>
+            <a:ext cx="1219931" cy="744532"/>
             <a:chOff x="1571043" y="484816"/>
             <a:chExt cx="4524957" cy="2761611"/>
           </a:xfrm>
@@ -3040,7 +3040,7 @@
             <a:p>
               <a:pPr algn="ctr"/>
               <a:r>
-                <a:rPr lang="en-US" sz="779" b="1"/>
+                <a:rPr lang="en-US" sz="539" b="1"/>
                 <a:t>Shape</a:t>
               </a:r>
             </a:p>
@@ -3086,12 +3086,12 @@
             <a:bodyPr rtlCol="0" anchor="t"/>
             <a:lstStyle/>
             <a:p>
-              <a:pPr indent="-56076">
+              <a:pPr indent="-38821">
                 <a:buFont typeface="Calibri" panose="020F0502020204030204" pitchFamily="34" charset="0"/>
                 <a:buChar char="-"/>
               </a:pPr>
               <a:r>
-                <a:rPr lang="en-US" sz="546">
+                <a:rPr lang="en-US" sz="378">
                   <a:solidFill>
                     <a:schemeClr val="tx1"/>
                   </a:solidFill>
@@ -3102,12 +3102,12 @@
               </a:r>
             </a:p>
             <a:p>
-              <a:pPr indent="-56076">
+              <a:pPr indent="-38821">
                 <a:buFont typeface="Calibri" panose="020F0502020204030204" pitchFamily="34" charset="0"/>
                 <a:buChar char="-"/>
               </a:pPr>
               <a:r>
-                <a:rPr lang="en-US" sz="546">
+                <a:rPr lang="en-US" sz="378">
                   <a:solidFill>
                     <a:schemeClr val="tx1"/>
                   </a:solidFill>
@@ -3159,12 +3159,12 @@
             <a:bodyPr rtlCol="0" anchor="t"/>
             <a:lstStyle/>
             <a:p>
-              <a:pPr indent="-56076">
+              <a:pPr indent="-38821">
                 <a:buFont typeface="Calibri" panose="020F0502020204030204" pitchFamily="34" charset="0"/>
                 <a:buChar char="+"/>
               </a:pPr>
               <a:r>
-                <a:rPr lang="en-US" sz="546">
+                <a:rPr lang="en-US" sz="378">
                   <a:solidFill>
                     <a:schemeClr val="tx1"/>
                   </a:solidFill>
@@ -3175,12 +3175,12 @@
               </a:r>
             </a:p>
             <a:p>
-              <a:pPr indent="-56076">
+              <a:pPr indent="-38821">
                 <a:buFont typeface="Calibri" panose="020F0502020204030204" pitchFamily="34" charset="0"/>
                 <a:buChar char="+"/>
               </a:pPr>
               <a:r>
-                <a:rPr lang="en-US" sz="546">
+                <a:rPr lang="en-US" sz="378">
                   <a:solidFill>
                     <a:schemeClr val="tx1"/>
                   </a:solidFill>
@@ -3191,12 +3191,12 @@
               </a:r>
             </a:p>
             <a:p>
-              <a:pPr indent="-56076">
+              <a:pPr indent="-38821">
                 <a:buFont typeface="Calibri" panose="020F0502020204030204" pitchFamily="34" charset="0"/>
                 <a:buChar char="+"/>
               </a:pPr>
               <a:r>
-                <a:rPr lang="en-US" sz="546">
+                <a:rPr lang="en-US" sz="378">
                   <a:solidFill>
                     <a:schemeClr val="tx1"/>
                   </a:solidFill>
@@ -3207,12 +3207,12 @@
               </a:r>
             </a:p>
             <a:p>
-              <a:pPr indent="-56076">
+              <a:pPr indent="-38821">
                 <a:buFont typeface="Calibri" panose="020F0502020204030204" pitchFamily="34" charset="0"/>
                 <a:buChar char="+"/>
               </a:pPr>
               <a:r>
-                <a:rPr lang="en-US" sz="546">
+                <a:rPr lang="en-US" sz="378">
                   <a:solidFill>
                     <a:schemeClr val="tx1"/>
                   </a:solidFill>
@@ -3223,12 +3223,12 @@
               </a:r>
             </a:p>
             <a:p>
-              <a:pPr indent="-56076">
+              <a:pPr indent="-38821">
                 <a:buFont typeface="Calibri" panose="020F0502020204030204" pitchFamily="34" charset="0"/>
                 <a:buChar char="+"/>
               </a:pPr>
               <a:r>
-                <a:rPr lang="en-US" sz="546">
+                <a:rPr lang="en-US" sz="378">
                   <a:solidFill>
                     <a:schemeClr val="tx1"/>
                   </a:solidFill>
@@ -3239,12 +3239,12 @@
               </a:r>
             </a:p>
             <a:p>
-              <a:pPr indent="-56076">
+              <a:pPr indent="-38821">
                 <a:buFont typeface="Calibri" panose="020F0502020204030204" pitchFamily="34" charset="0"/>
                 <a:buChar char="+"/>
               </a:pPr>
               <a:r>
-                <a:rPr lang="en-US" sz="546">
+                <a:rPr lang="en-US" sz="378">
                   <a:solidFill>
                     <a:schemeClr val="tx1"/>
                   </a:solidFill>
@@ -3255,12 +3255,12 @@
               </a:r>
             </a:p>
             <a:p>
-              <a:pPr indent="-56076">
+              <a:pPr indent="-38821">
                 <a:buFont typeface="Calibri" panose="020F0502020204030204" pitchFamily="34" charset="0"/>
                 <a:buChar char="+"/>
               </a:pPr>
               <a:r>
-                <a:rPr lang="en-US" sz="546" b="1">
+                <a:rPr lang="en-US" sz="378" b="1">
                   <a:solidFill>
                     <a:schemeClr val="tx1"/>
                   </a:solidFill>
@@ -3287,8 +3287,8 @@
         </p:nvGrpSpPr>
         <p:grpSpPr>
           <a:xfrm>
-            <a:off x="2781530" y="1584545"/>
-            <a:ext cx="1632262" cy="1156458"/>
+            <a:off x="1925674" y="3676070"/>
+            <a:ext cx="1130028" cy="800625"/>
             <a:chOff x="1566476" y="484816"/>
             <a:chExt cx="4191486" cy="2969671"/>
           </a:xfrm>
@@ -3335,7 +3335,7 @@
             <a:p>
               <a:pPr algn="ctr"/>
               <a:r>
-                <a:rPr lang="en-US" sz="779" b="1"/>
+                <a:rPr lang="en-US" sz="539" b="1"/>
                 <a:t>Circle</a:t>
               </a:r>
             </a:p>
@@ -3381,12 +3381,12 @@
             <a:bodyPr rtlCol="0" anchor="t"/>
             <a:lstStyle/>
             <a:p>
-              <a:pPr indent="-56076">
+              <a:pPr indent="-38821">
                 <a:buFont typeface="Calibri" panose="020F0502020204030204" pitchFamily="34" charset="0"/>
                 <a:buChar char="-"/>
               </a:pPr>
               <a:r>
-                <a:rPr lang="en-US" sz="546">
+                <a:rPr lang="en-US" sz="378">
                   <a:solidFill>
                     <a:schemeClr val="tx1"/>
                   </a:solidFill>
@@ -3438,12 +3438,12 @@
             <a:bodyPr rtlCol="0" anchor="t"/>
             <a:lstStyle/>
             <a:p>
-              <a:pPr indent="-56076">
+              <a:pPr indent="-38821">
                 <a:buFont typeface="Calibri" panose="020F0502020204030204" pitchFamily="34" charset="0"/>
                 <a:buChar char="+"/>
               </a:pPr>
               <a:r>
-                <a:rPr lang="en-US" sz="546">
+                <a:rPr lang="en-US" sz="378">
                   <a:solidFill>
                     <a:schemeClr val="tx1"/>
                   </a:solidFill>
@@ -3454,12 +3454,12 @@
               </a:r>
             </a:p>
             <a:p>
-              <a:pPr indent="-56076">
+              <a:pPr indent="-38821">
                 <a:buFont typeface="Calibri" panose="020F0502020204030204" pitchFamily="34" charset="0"/>
                 <a:buChar char="+"/>
               </a:pPr>
               <a:r>
-                <a:rPr lang="en-US" sz="546">
+                <a:rPr lang="en-US" sz="378">
                   <a:solidFill>
                     <a:schemeClr val="tx1"/>
                   </a:solidFill>
@@ -3470,12 +3470,12 @@
               </a:r>
             </a:p>
             <a:p>
-              <a:pPr indent="-56076">
+              <a:pPr indent="-38821">
                 <a:buFont typeface="Calibri" panose="020F0502020204030204" pitchFamily="34" charset="0"/>
                 <a:buChar char="+"/>
               </a:pPr>
               <a:r>
-                <a:rPr lang="en-US" sz="546">
+                <a:rPr lang="en-US" sz="378">
                   <a:solidFill>
                     <a:schemeClr val="tx1"/>
                   </a:solidFill>
@@ -3486,12 +3486,12 @@
               </a:r>
             </a:p>
             <a:p>
-              <a:pPr indent="-56076">
+              <a:pPr indent="-38821">
                 <a:buFont typeface="Calibri" panose="020F0502020204030204" pitchFamily="34" charset="0"/>
                 <a:buChar char="+"/>
               </a:pPr>
               <a:r>
-                <a:rPr lang="en-US" sz="546">
+                <a:rPr lang="en-US" sz="378">
                   <a:solidFill>
                     <a:schemeClr val="tx1"/>
                   </a:solidFill>
@@ -3502,12 +3502,12 @@
               </a:r>
             </a:p>
             <a:p>
-              <a:pPr indent="-56076">
+              <a:pPr indent="-38821">
                 <a:buFont typeface="Calibri" panose="020F0502020204030204" pitchFamily="34" charset="0"/>
                 <a:buChar char="+"/>
               </a:pPr>
               <a:r>
-                <a:rPr lang="en-US" sz="546">
+                <a:rPr lang="en-US" sz="378">
                   <a:solidFill>
                     <a:schemeClr val="tx1"/>
                   </a:solidFill>
@@ -3518,12 +3518,12 @@
               </a:r>
             </a:p>
             <a:p>
-              <a:pPr indent="-56076">
+              <a:pPr indent="-38821">
                 <a:buFont typeface="Calibri" panose="020F0502020204030204" pitchFamily="34" charset="0"/>
                 <a:buChar char="+"/>
               </a:pPr>
               <a:r>
-                <a:rPr lang="en-US" sz="546">
+                <a:rPr lang="en-US" sz="378">
                   <a:solidFill>
                     <a:schemeClr val="tx1"/>
                   </a:solidFill>
@@ -3534,12 +3534,12 @@
               </a:r>
             </a:p>
             <a:p>
-              <a:pPr indent="-56076">
+              <a:pPr indent="-38821">
                 <a:buFont typeface="Calibri" panose="020F0502020204030204" pitchFamily="34" charset="0"/>
                 <a:buChar char="+"/>
               </a:pPr>
               <a:r>
-                <a:rPr lang="en-US" sz="546">
+                <a:rPr lang="en-US" sz="378">
                   <a:solidFill>
                     <a:schemeClr val="tx1"/>
                   </a:solidFill>
@@ -3550,12 +3550,12 @@
               </a:r>
             </a:p>
             <a:p>
-              <a:pPr indent="-56076">
+              <a:pPr indent="-38821">
                 <a:buFont typeface="Calibri" panose="020F0502020204030204" pitchFamily="34" charset="0"/>
                 <a:buChar char="+"/>
               </a:pPr>
               <a:r>
-                <a:rPr lang="en-US" sz="546" b="1">
+                <a:rPr lang="en-US" sz="378" b="1">
                   <a:solidFill>
                     <a:schemeClr val="tx1"/>
                   </a:solidFill>
@@ -3586,8 +3586,8 @@
         </p:nvCxnSpPr>
         <p:spPr>
           <a:xfrm rot="5400000" flipH="1" flipV="1">
-            <a:off x="3975687" y="530686"/>
-            <a:ext cx="383667" cy="1724052"/>
+            <a:off x="2752399" y="2946475"/>
+            <a:ext cx="265616" cy="1193574"/>
           </a:xfrm>
           <a:prstGeom prst="bentConnector3">
             <a:avLst/>
@@ -3625,8 +3625,8 @@
         </p:nvGrpSpPr>
         <p:grpSpPr>
           <a:xfrm>
-            <a:off x="5124502" y="1584545"/>
-            <a:ext cx="2039597" cy="1448801"/>
+            <a:off x="3547732" y="3676070"/>
+            <a:ext cx="1412029" cy="1003016"/>
             <a:chOff x="1571045" y="484816"/>
             <a:chExt cx="4191486" cy="3720382"/>
           </a:xfrm>
@@ -3673,7 +3673,7 @@
             <a:p>
               <a:pPr algn="ctr"/>
               <a:r>
-                <a:rPr lang="en-US" sz="779" b="1"/>
+                <a:rPr lang="en-US" sz="539" b="1"/>
                 <a:t>Rectangle</a:t>
               </a:r>
             </a:p>
@@ -3719,12 +3719,12 @@
             <a:bodyPr rtlCol="0" anchor="t"/>
             <a:lstStyle/>
             <a:p>
-              <a:pPr indent="-56076">
+              <a:pPr indent="-38821">
                 <a:buFont typeface="Calibri" panose="020F0502020204030204" pitchFamily="34" charset="0"/>
                 <a:buChar char="-"/>
               </a:pPr>
               <a:r>
-                <a:rPr lang="en-US" sz="546">
+                <a:rPr lang="en-US" sz="378">
                   <a:solidFill>
                     <a:schemeClr val="tx1"/>
                   </a:solidFill>
@@ -3735,12 +3735,12 @@
               </a:r>
             </a:p>
             <a:p>
-              <a:pPr indent="-56076">
+              <a:pPr indent="-38821">
                 <a:buFont typeface="Calibri" panose="020F0502020204030204" pitchFamily="34" charset="0"/>
                 <a:buChar char="-"/>
               </a:pPr>
               <a:r>
-                <a:rPr lang="en-US" sz="546">
+                <a:rPr lang="en-US" sz="378">
                   <a:solidFill>
                     <a:schemeClr val="tx1"/>
                   </a:solidFill>
@@ -3792,12 +3792,12 @@
             <a:bodyPr rtlCol="0" anchor="t"/>
             <a:lstStyle/>
             <a:p>
-              <a:pPr indent="-56076">
+              <a:pPr indent="-38821">
                 <a:buFont typeface="Calibri" panose="020F0502020204030204" pitchFamily="34" charset="0"/>
                 <a:buChar char="+"/>
               </a:pPr>
               <a:r>
-                <a:rPr lang="en-US" sz="546">
+                <a:rPr lang="en-US" sz="378">
                   <a:solidFill>
                     <a:schemeClr val="tx1"/>
                   </a:solidFill>
@@ -3808,12 +3808,12 @@
               </a:r>
             </a:p>
             <a:p>
-              <a:pPr indent="-56076">
+              <a:pPr indent="-38821">
                 <a:buFont typeface="Calibri" panose="020F0502020204030204" pitchFamily="34" charset="0"/>
                 <a:buChar char="+"/>
               </a:pPr>
               <a:r>
-                <a:rPr lang="en-US" sz="546">
+                <a:rPr lang="en-US" sz="378">
                   <a:solidFill>
                     <a:schemeClr val="tx1"/>
                   </a:solidFill>
@@ -3824,12 +3824,12 @@
               </a:r>
             </a:p>
             <a:p>
-              <a:pPr indent="-56076">
+              <a:pPr indent="-38821">
                 <a:buFont typeface="Calibri" panose="020F0502020204030204" pitchFamily="34" charset="0"/>
                 <a:buChar char="+"/>
               </a:pPr>
               <a:r>
-                <a:rPr lang="en-US" sz="546">
+                <a:rPr lang="en-US" sz="378">
                   <a:solidFill>
                     <a:schemeClr val="tx1"/>
                   </a:solidFill>
@@ -3840,12 +3840,12 @@
               </a:r>
             </a:p>
             <a:p>
-              <a:pPr indent="-56076">
+              <a:pPr indent="-38821">
                 <a:buFont typeface="Calibri" panose="020F0502020204030204" pitchFamily="34" charset="0"/>
                 <a:buChar char="+"/>
               </a:pPr>
               <a:r>
-                <a:rPr lang="en-US" sz="546">
+                <a:rPr lang="en-US" sz="378">
                   <a:solidFill>
                     <a:schemeClr val="tx1"/>
                   </a:solidFill>
@@ -3856,12 +3856,12 @@
               </a:r>
             </a:p>
             <a:p>
-              <a:pPr indent="-56076">
+              <a:pPr indent="-38821">
                 <a:buFont typeface="Calibri" panose="020F0502020204030204" pitchFamily="34" charset="0"/>
                 <a:buChar char="+"/>
               </a:pPr>
               <a:r>
-                <a:rPr lang="en-US" sz="546">
+                <a:rPr lang="en-US" sz="378">
                   <a:solidFill>
                     <a:schemeClr val="tx1"/>
                   </a:solidFill>
@@ -3872,12 +3872,12 @@
               </a:r>
             </a:p>
             <a:p>
-              <a:pPr indent="-56076">
+              <a:pPr indent="-38821">
                 <a:buFont typeface="Calibri" panose="020F0502020204030204" pitchFamily="34" charset="0"/>
                 <a:buChar char="+"/>
               </a:pPr>
               <a:r>
-                <a:rPr lang="en-US" sz="546">
+                <a:rPr lang="en-US" sz="378">
                   <a:solidFill>
                     <a:schemeClr val="tx1"/>
                   </a:solidFill>
@@ -3888,12 +3888,12 @@
               </a:r>
             </a:p>
             <a:p>
-              <a:pPr indent="-56076">
+              <a:pPr indent="-38821">
                 <a:buFont typeface="Calibri" panose="020F0502020204030204" pitchFamily="34" charset="0"/>
                 <a:buChar char="+"/>
               </a:pPr>
               <a:r>
-                <a:rPr lang="en-US" sz="546">
+                <a:rPr lang="en-US" sz="378">
                   <a:solidFill>
                     <a:schemeClr val="tx1"/>
                   </a:solidFill>
@@ -3904,12 +3904,12 @@
               </a:r>
             </a:p>
             <a:p>
-              <a:pPr indent="-56076">
+              <a:pPr indent="-38821">
                 <a:buFont typeface="Calibri" panose="020F0502020204030204" pitchFamily="34" charset="0"/>
                 <a:buChar char="+"/>
               </a:pPr>
               <a:r>
-                <a:rPr lang="en-US" sz="546">
+                <a:rPr lang="en-US" sz="378">
                   <a:solidFill>
                     <a:schemeClr val="tx1"/>
                   </a:solidFill>
@@ -3920,12 +3920,12 @@
               </a:r>
             </a:p>
             <a:p>
-              <a:pPr indent="-56076">
+              <a:pPr indent="-38821">
                 <a:buFont typeface="Calibri" panose="020F0502020204030204" pitchFamily="34" charset="0"/>
                 <a:buChar char="+"/>
               </a:pPr>
               <a:r>
-                <a:rPr lang="en-US" sz="546">
+                <a:rPr lang="en-US" sz="378">
                   <a:solidFill>
                     <a:schemeClr val="tx1"/>
                   </a:solidFill>
@@ -3936,12 +3936,12 @@
               </a:r>
             </a:p>
             <a:p>
-              <a:pPr indent="-56076">
+              <a:pPr indent="-38821">
                 <a:buFont typeface="Calibri" panose="020F0502020204030204" pitchFamily="34" charset="0"/>
                 <a:buChar char="+"/>
               </a:pPr>
               <a:r>
-                <a:rPr lang="en-US" sz="546" b="1">
+                <a:rPr lang="en-US" sz="378" b="1">
                   <a:solidFill>
                     <a:schemeClr val="tx1"/>
                   </a:solidFill>
@@ -3972,8 +3972,8 @@
         </p:nvCxnSpPr>
         <p:spPr>
           <a:xfrm rot="16200000" flipV="1">
-            <a:off x="5211441" y="1018985"/>
-            <a:ext cx="383667" cy="747453"/>
+            <a:off x="3607921" y="3284529"/>
+            <a:ext cx="265616" cy="517467"/>
           </a:xfrm>
           <a:prstGeom prst="bentConnector3">
             <a:avLst>
@@ -4013,8 +4013,8 @@
         </p:nvGrpSpPr>
         <p:grpSpPr>
           <a:xfrm>
-            <a:off x="5124502" y="3362350"/>
-            <a:ext cx="2039597" cy="1182394"/>
+            <a:off x="3547732" y="4906858"/>
+            <a:ext cx="1412029" cy="818580"/>
             <a:chOff x="1571045" y="484816"/>
             <a:chExt cx="4191486" cy="3036273"/>
           </a:xfrm>
@@ -4061,7 +4061,7 @@
             <a:p>
               <a:pPr algn="ctr"/>
               <a:r>
-                <a:rPr lang="en-US" sz="779" b="1"/>
+                <a:rPr lang="en-US" sz="539" b="1"/>
                 <a:t>Square</a:t>
               </a:r>
             </a:p>
@@ -4108,7 +4108,7 @@
             <a:lstStyle/>
             <a:p>
               <a:r>
-                <a:rPr lang="en-US" sz="546">
+                <a:rPr lang="en-US" sz="378">
                   <a:solidFill>
                     <a:schemeClr val="tx1"/>
                   </a:solidFill>
@@ -4160,12 +4160,12 @@
             <a:bodyPr rtlCol="0" anchor="t"/>
             <a:lstStyle/>
             <a:p>
-              <a:pPr indent="-56076">
+              <a:pPr indent="-38821">
                 <a:buFont typeface="Calibri" panose="020F0502020204030204" pitchFamily="34" charset="0"/>
                 <a:buChar char="+"/>
               </a:pPr>
               <a:r>
-                <a:rPr lang="en-US" sz="546">
+                <a:rPr lang="en-US" sz="378">
                   <a:solidFill>
                     <a:schemeClr val="tx1"/>
                   </a:solidFill>
@@ -4176,12 +4176,12 @@
               </a:r>
             </a:p>
             <a:p>
-              <a:pPr indent="-56076">
+              <a:pPr indent="-38821">
                 <a:buFont typeface="Calibri" panose="020F0502020204030204" pitchFamily="34" charset="0"/>
                 <a:buChar char="+"/>
               </a:pPr>
               <a:r>
-                <a:rPr lang="en-US" sz="546">
+                <a:rPr lang="en-US" sz="378">
                   <a:solidFill>
                     <a:schemeClr val="tx1"/>
                   </a:solidFill>
@@ -4192,12 +4192,12 @@
               </a:r>
             </a:p>
             <a:p>
-              <a:pPr indent="-56076">
+              <a:pPr indent="-38821">
                 <a:buFont typeface="Calibri" panose="020F0502020204030204" pitchFamily="34" charset="0"/>
                 <a:buChar char="+"/>
               </a:pPr>
               <a:r>
-                <a:rPr lang="en-US" sz="546">
+                <a:rPr lang="en-US" sz="378">
                   <a:solidFill>
                     <a:schemeClr val="tx1"/>
                   </a:solidFill>
@@ -4208,12 +4208,12 @@
               </a:r>
             </a:p>
             <a:p>
-              <a:pPr indent="-56076">
+              <a:pPr indent="-38821">
                 <a:buFont typeface="Calibri" panose="020F0502020204030204" pitchFamily="34" charset="0"/>
                 <a:buChar char="+"/>
               </a:pPr>
               <a:r>
-                <a:rPr lang="en-US" sz="546">
+                <a:rPr lang="en-US" sz="378">
                   <a:solidFill>
                     <a:schemeClr val="tx1"/>
                   </a:solidFill>
@@ -4224,12 +4224,12 @@
               </a:r>
             </a:p>
             <a:p>
-              <a:pPr indent="-56076">
+              <a:pPr indent="-38821">
                 <a:buFont typeface="Calibri" panose="020F0502020204030204" pitchFamily="34" charset="0"/>
                 <a:buChar char="+"/>
               </a:pPr>
               <a:r>
-                <a:rPr lang="en-US" sz="546">
+                <a:rPr lang="en-US" sz="378">
                   <a:solidFill>
                     <a:schemeClr val="tx1"/>
                   </a:solidFill>
@@ -4240,12 +4240,12 @@
               </a:r>
             </a:p>
             <a:p>
-              <a:pPr indent="-56076">
+              <a:pPr indent="-38821">
                 <a:buFont typeface="Calibri" panose="020F0502020204030204" pitchFamily="34" charset="0"/>
                 <a:buChar char="+"/>
               </a:pPr>
               <a:r>
-                <a:rPr lang="en-US" sz="546">
+                <a:rPr lang="en-US" sz="378">
                   <a:solidFill>
                     <a:schemeClr val="tx1"/>
                   </a:solidFill>
@@ -4256,12 +4256,12 @@
               </a:r>
             </a:p>
             <a:p>
-              <a:pPr indent="-56076">
+              <a:pPr indent="-38821">
                 <a:buFont typeface="Calibri" panose="020F0502020204030204" pitchFamily="34" charset="0"/>
                 <a:buChar char="+"/>
               </a:pPr>
               <a:r>
-                <a:rPr lang="en-US" sz="546">
+                <a:rPr lang="en-US" sz="378">
                   <a:solidFill>
                     <a:schemeClr val="tx1"/>
                   </a:solidFill>
@@ -4272,12 +4272,12 @@
               </a:r>
             </a:p>
             <a:p>
-              <a:pPr indent="-56076">
+              <a:pPr indent="-38821">
                 <a:buFont typeface="Calibri" panose="020F0502020204030204" pitchFamily="34" charset="0"/>
                 <a:buChar char="+"/>
               </a:pPr>
               <a:r>
-                <a:rPr lang="en-US" sz="546" b="1">
+                <a:rPr lang="en-US" sz="378" b="1">
                   <a:solidFill>
                     <a:schemeClr val="tx1"/>
                   </a:solidFill>
@@ -4307,8 +4307,8 @@
         </p:nvCxnSpPr>
         <p:spPr>
           <a:xfrm rot="5400000" flipH="1" flipV="1">
-            <a:off x="5612498" y="3197848"/>
-            <a:ext cx="329004" cy="1"/>
+            <a:off x="3885576" y="4792972"/>
+            <a:ext cx="227772" cy="1"/>
           </a:xfrm>
           <a:prstGeom prst="bentConnector3">
             <a:avLst>
@@ -4378,8 +4378,8 @@
         </p:nvGrpSpPr>
         <p:grpSpPr>
           <a:xfrm>
-            <a:off x="4163872" y="1117428"/>
-            <a:ext cx="1762123" cy="1100432"/>
+            <a:off x="2882681" y="3352681"/>
+            <a:ext cx="1219931" cy="761838"/>
             <a:chOff x="1571045" y="484816"/>
             <a:chExt cx="4524957" cy="3266066"/>
           </a:xfrm>
@@ -4426,7 +4426,7 @@
             <a:p>
               <a:pPr algn="ctr"/>
               <a:r>
-                <a:rPr lang="en-US" sz="779" b="1"/>
+                <a:rPr lang="en-US" sz="539" b="1"/>
                 <a:t>Circle</a:t>
               </a:r>
             </a:p>
@@ -4472,12 +4472,12 @@
             <a:bodyPr rtlCol="0" anchor="t"/>
             <a:lstStyle/>
             <a:p>
-              <a:pPr indent="-56076">
+              <a:pPr indent="-38821">
                 <a:buFont typeface="Calibri" panose="020F0502020204030204" pitchFamily="34" charset="0"/>
                 <a:buChar char="-"/>
               </a:pPr>
               <a:r>
-                <a:rPr lang="en-US" sz="546">
+                <a:rPr lang="en-US" sz="378">
                   <a:solidFill>
                     <a:schemeClr val="tx1"/>
                   </a:solidFill>
@@ -4488,12 +4488,12 @@
               </a:r>
             </a:p>
             <a:p>
-              <a:pPr indent="-56076">
+              <a:pPr indent="-38821">
                 <a:buFont typeface="Calibri" panose="020F0502020204030204" pitchFamily="34" charset="0"/>
                 <a:buChar char="-"/>
               </a:pPr>
               <a:r>
-                <a:rPr lang="en-US" sz="546">
+                <a:rPr lang="en-US" sz="378">
                   <a:solidFill>
                     <a:schemeClr val="tx1"/>
                   </a:solidFill>
@@ -4545,12 +4545,12 @@
             <a:bodyPr rtlCol="0" anchor="t"/>
             <a:lstStyle/>
             <a:p>
-              <a:pPr indent="-56076">
+              <a:pPr indent="-38821">
                 <a:buFont typeface="Calibri" panose="020F0502020204030204" pitchFamily="34" charset="0"/>
                 <a:buChar char="+"/>
               </a:pPr>
               <a:r>
-                <a:rPr lang="en-US" sz="546">
+                <a:rPr lang="en-US" sz="378">
                   <a:solidFill>
                     <a:schemeClr val="tx1"/>
                   </a:solidFill>
@@ -4561,12 +4561,12 @@
               </a:r>
             </a:p>
             <a:p>
-              <a:pPr indent="-56076">
+              <a:pPr indent="-38821">
                 <a:buFont typeface="Calibri" panose="020F0502020204030204" pitchFamily="34" charset="0"/>
                 <a:buChar char="+"/>
               </a:pPr>
               <a:r>
-                <a:rPr lang="en-US" sz="546">
+                <a:rPr lang="en-US" sz="378">
                   <a:solidFill>
                     <a:schemeClr val="tx1"/>
                   </a:solidFill>
@@ -4577,12 +4577,12 @@
               </a:r>
             </a:p>
             <a:p>
-              <a:pPr indent="-56076">
+              <a:pPr indent="-38821">
                 <a:buFont typeface="Calibri" panose="020F0502020204030204" pitchFamily="34" charset="0"/>
                 <a:buChar char="+"/>
               </a:pPr>
               <a:r>
-                <a:rPr lang="en-US" sz="546">
+                <a:rPr lang="en-US" sz="378">
                   <a:solidFill>
                     <a:schemeClr val="tx1"/>
                   </a:solidFill>
@@ -4593,12 +4593,12 @@
               </a:r>
             </a:p>
             <a:p>
-              <a:pPr indent="-56076">
+              <a:pPr indent="-38821">
                 <a:buFont typeface="Calibri" panose="020F0502020204030204" pitchFamily="34" charset="0"/>
                 <a:buChar char="+"/>
               </a:pPr>
               <a:r>
-                <a:rPr lang="en-US" sz="546">
+                <a:rPr lang="en-US" sz="378">
                   <a:solidFill>
                     <a:schemeClr val="tx1"/>
                   </a:solidFill>
@@ -4609,12 +4609,12 @@
               </a:r>
             </a:p>
             <a:p>
-              <a:pPr indent="-56076">
+              <a:pPr indent="-38821">
                 <a:buFont typeface="Calibri" panose="020F0502020204030204" pitchFamily="34" charset="0"/>
                 <a:buChar char="+"/>
               </a:pPr>
               <a:r>
-                <a:rPr lang="en-US" sz="546">
+                <a:rPr lang="en-US" sz="378">
                   <a:solidFill>
                     <a:schemeClr val="tx1"/>
                   </a:solidFill>
@@ -4625,12 +4625,12 @@
               </a:r>
             </a:p>
             <a:p>
-              <a:pPr indent="-56076">
+              <a:pPr indent="-38821">
                 <a:buFont typeface="Calibri" panose="020F0502020204030204" pitchFamily="34" charset="0"/>
                 <a:buChar char="+"/>
               </a:pPr>
               <a:r>
-                <a:rPr lang="en-US" sz="546">
+                <a:rPr lang="en-US" sz="378">
                   <a:solidFill>
                     <a:schemeClr val="tx1"/>
                   </a:solidFill>
@@ -4641,12 +4641,12 @@
               </a:r>
             </a:p>
             <a:p>
-              <a:pPr indent="-56076">
+              <a:pPr indent="-38821">
                 <a:buFont typeface="Calibri" panose="020F0502020204030204" pitchFamily="34" charset="0"/>
                 <a:buChar char="+"/>
               </a:pPr>
               <a:r>
-                <a:rPr lang="en-US" sz="546">
+                <a:rPr lang="en-US" sz="378">
                   <a:solidFill>
                     <a:schemeClr val="tx1"/>
                   </a:solidFill>
@@ -4657,12 +4657,12 @@
               </a:r>
             </a:p>
             <a:p>
-              <a:pPr indent="-56076">
+              <a:pPr indent="-38821">
                 <a:buFont typeface="Calibri" panose="020F0502020204030204" pitchFamily="34" charset="0"/>
                 <a:buChar char="+"/>
               </a:pPr>
               <a:r>
-                <a:rPr lang="en-US" sz="546" b="1">
+                <a:rPr lang="en-US" sz="378" b="1">
                   <a:solidFill>
                     <a:schemeClr val="tx1"/>
                   </a:solidFill>
@@ -4689,8 +4689,8 @@
         </p:nvGrpSpPr>
         <p:grpSpPr>
           <a:xfrm>
-            <a:off x="4163871" y="2580902"/>
-            <a:ext cx="1762123" cy="1053838"/>
+            <a:off x="2882680" y="4365855"/>
+            <a:ext cx="1219931" cy="729580"/>
             <a:chOff x="1571045" y="484816"/>
             <a:chExt cx="4524957" cy="3127774"/>
           </a:xfrm>
@@ -4737,7 +4737,7 @@
             <a:p>
               <a:pPr algn="ctr"/>
               <a:r>
-                <a:rPr lang="en-US" sz="779" b="1"/>
+                <a:rPr lang="en-US" sz="539" b="1"/>
                 <a:t>Cylinder</a:t>
               </a:r>
             </a:p>
@@ -4783,12 +4783,12 @@
             <a:bodyPr rtlCol="0" anchor="t"/>
             <a:lstStyle/>
             <a:p>
-              <a:pPr indent="-56076">
+              <a:pPr indent="-38821">
                 <a:buFont typeface="Calibri" panose="020F0502020204030204" pitchFamily="34" charset="0"/>
                 <a:buChar char="-"/>
               </a:pPr>
               <a:r>
-                <a:rPr lang="en-US" sz="546">
+                <a:rPr lang="en-US" sz="378">
                   <a:solidFill>
                     <a:schemeClr val="tx1"/>
                   </a:solidFill>
@@ -4840,12 +4840,12 @@
             <a:bodyPr rtlCol="0" anchor="t"/>
             <a:lstStyle/>
             <a:p>
-              <a:pPr indent="-56076">
+              <a:pPr indent="-38821">
                 <a:buFont typeface="Calibri" panose="020F0502020204030204" pitchFamily="34" charset="0"/>
                 <a:buChar char="+"/>
               </a:pPr>
               <a:r>
-                <a:rPr lang="en-US" sz="546">
+                <a:rPr lang="en-US" sz="378">
                   <a:solidFill>
                     <a:schemeClr val="tx1"/>
                   </a:solidFill>
@@ -4856,12 +4856,12 @@
               </a:r>
             </a:p>
             <a:p>
-              <a:pPr indent="-56076">
+              <a:pPr indent="-38821">
                 <a:buFont typeface="Calibri" panose="020F0502020204030204" pitchFamily="34" charset="0"/>
                 <a:buChar char="+"/>
               </a:pPr>
               <a:r>
-                <a:rPr lang="en-US" sz="546">
+                <a:rPr lang="en-US" sz="378">
                   <a:solidFill>
                     <a:schemeClr val="tx1"/>
                   </a:solidFill>
@@ -4872,12 +4872,12 @@
               </a:r>
             </a:p>
             <a:p>
-              <a:pPr indent="-56076">
+              <a:pPr indent="-38821">
                 <a:buFont typeface="Calibri" panose="020F0502020204030204" pitchFamily="34" charset="0"/>
                 <a:buChar char="+"/>
               </a:pPr>
               <a:r>
-                <a:rPr lang="en-US" sz="546">
+                <a:rPr lang="en-US" sz="378">
                   <a:solidFill>
                     <a:schemeClr val="tx1"/>
                   </a:solidFill>
@@ -4888,12 +4888,12 @@
               </a:r>
             </a:p>
             <a:p>
-              <a:pPr indent="-56076">
+              <a:pPr indent="-38821">
                 <a:buFont typeface="Calibri" panose="020F0502020204030204" pitchFamily="34" charset="0"/>
                 <a:buChar char="+"/>
               </a:pPr>
               <a:r>
-                <a:rPr lang="en-US" sz="546">
+                <a:rPr lang="en-US" sz="378">
                   <a:solidFill>
                     <a:schemeClr val="tx1"/>
                   </a:solidFill>
@@ -4904,12 +4904,12 @@
               </a:r>
             </a:p>
             <a:p>
-              <a:pPr indent="-56076">
+              <a:pPr indent="-38821">
                 <a:buFont typeface="Calibri" panose="020F0502020204030204" pitchFamily="34" charset="0"/>
                 <a:buChar char="+"/>
               </a:pPr>
               <a:r>
-                <a:rPr lang="en-US" sz="546">
+                <a:rPr lang="en-US" sz="378">
                   <a:solidFill>
                     <a:schemeClr val="tx1"/>
                   </a:solidFill>
@@ -4920,12 +4920,12 @@
               </a:r>
             </a:p>
             <a:p>
-              <a:pPr indent="-56076">
+              <a:pPr indent="-38821">
                 <a:buFont typeface="Calibri" panose="020F0502020204030204" pitchFamily="34" charset="0"/>
                 <a:buChar char="+"/>
               </a:pPr>
               <a:r>
-                <a:rPr lang="en-US" sz="546">
+                <a:rPr lang="en-US" sz="378">
                   <a:solidFill>
                     <a:schemeClr val="tx1"/>
                   </a:solidFill>
@@ -4936,12 +4936,12 @@
               </a:r>
             </a:p>
             <a:p>
-              <a:pPr indent="-56076">
+              <a:pPr indent="-38821">
                 <a:buFont typeface="Calibri" panose="020F0502020204030204" pitchFamily="34" charset="0"/>
                 <a:buChar char="+"/>
               </a:pPr>
               <a:r>
-                <a:rPr lang="en-US" sz="546" b="1">
+                <a:rPr lang="en-US" sz="378" b="1">
                   <a:solidFill>
                     <a:schemeClr val="tx1"/>
                   </a:solidFill>
@@ -4972,8 +4972,8 @@
         </p:nvCxnSpPr>
         <p:spPr>
           <a:xfrm rot="5400000" flipH="1" flipV="1">
-            <a:off x="4683974" y="2219943"/>
-            <a:ext cx="363043" cy="358878"/>
+            <a:off x="3242752" y="4115961"/>
+            <a:ext cx="251337" cy="248454"/>
           </a:xfrm>
           <a:prstGeom prst="bentConnector3">
             <a:avLst>
@@ -5043,8 +5043,8 @@
         </p:nvGrpSpPr>
         <p:grpSpPr>
           <a:xfrm>
-            <a:off x="4032426" y="1829393"/>
-            <a:ext cx="1762123" cy="1075435"/>
+            <a:off x="2791680" y="3845580"/>
+            <a:ext cx="1219931" cy="744532"/>
             <a:chOff x="1571043" y="484816"/>
             <a:chExt cx="4524957" cy="2761611"/>
           </a:xfrm>
@@ -5091,7 +5091,7 @@
             <a:p>
               <a:pPr algn="ctr"/>
               <a:r>
-                <a:rPr lang="en-US" sz="779" b="1"/>
+                <a:rPr lang="en-US" sz="539" b="1"/>
                 <a:t>Shape</a:t>
               </a:r>
             </a:p>
@@ -5137,12 +5137,12 @@
             <a:bodyPr rtlCol="0" anchor="t"/>
             <a:lstStyle/>
             <a:p>
-              <a:pPr indent="-56076">
+              <a:pPr indent="-38821">
                 <a:buFont typeface="Calibri" panose="020F0502020204030204" pitchFamily="34" charset="0"/>
                 <a:buChar char="-"/>
               </a:pPr>
               <a:r>
-                <a:rPr lang="en-US" sz="546">
+                <a:rPr lang="en-US" sz="378">
                   <a:solidFill>
                     <a:schemeClr val="tx1"/>
                   </a:solidFill>
@@ -5153,12 +5153,12 @@
               </a:r>
             </a:p>
             <a:p>
-              <a:pPr indent="-56076">
+              <a:pPr indent="-38821">
                 <a:buFont typeface="Calibri" panose="020F0502020204030204" pitchFamily="34" charset="0"/>
                 <a:buChar char="-"/>
               </a:pPr>
               <a:r>
-                <a:rPr lang="en-US" sz="546">
+                <a:rPr lang="en-US" sz="378">
                   <a:solidFill>
                     <a:schemeClr val="tx1"/>
                   </a:solidFill>
@@ -5210,12 +5210,12 @@
             <a:bodyPr rtlCol="0" anchor="t"/>
             <a:lstStyle/>
             <a:p>
-              <a:pPr indent="-56076">
+              <a:pPr indent="-38821">
                 <a:buFont typeface="Calibri" panose="020F0502020204030204" pitchFamily="34" charset="0"/>
                 <a:buChar char="+"/>
               </a:pPr>
               <a:r>
-                <a:rPr lang="en-US" sz="546">
+                <a:rPr lang="en-US" sz="378">
                   <a:solidFill>
                     <a:schemeClr val="tx1"/>
                   </a:solidFill>
@@ -5226,12 +5226,12 @@
               </a:r>
             </a:p>
             <a:p>
-              <a:pPr indent="-56076">
+              <a:pPr indent="-38821">
                 <a:buFont typeface="Calibri" panose="020F0502020204030204" pitchFamily="34" charset="0"/>
                 <a:buChar char="+"/>
               </a:pPr>
               <a:r>
-                <a:rPr lang="en-US" sz="546">
+                <a:rPr lang="en-US" sz="378">
                   <a:solidFill>
                     <a:schemeClr val="tx1"/>
                   </a:solidFill>
@@ -5242,12 +5242,12 @@
               </a:r>
             </a:p>
             <a:p>
-              <a:pPr indent="-56076">
+              <a:pPr indent="-38821">
                 <a:buFont typeface="Calibri" panose="020F0502020204030204" pitchFamily="34" charset="0"/>
                 <a:buChar char="+"/>
               </a:pPr>
               <a:r>
-                <a:rPr lang="en-US" sz="546">
+                <a:rPr lang="en-US" sz="378">
                   <a:solidFill>
                     <a:schemeClr val="tx1"/>
                   </a:solidFill>
@@ -5258,12 +5258,12 @@
               </a:r>
             </a:p>
             <a:p>
-              <a:pPr indent="-56076">
+              <a:pPr indent="-38821">
                 <a:buFont typeface="Calibri" panose="020F0502020204030204" pitchFamily="34" charset="0"/>
                 <a:buChar char="+"/>
               </a:pPr>
               <a:r>
-                <a:rPr lang="en-US" sz="546">
+                <a:rPr lang="en-US" sz="378">
                   <a:solidFill>
                     <a:schemeClr val="tx1"/>
                   </a:solidFill>
@@ -5274,12 +5274,12 @@
               </a:r>
             </a:p>
             <a:p>
-              <a:pPr indent="-56076">
+              <a:pPr indent="-38821">
                 <a:buFont typeface="Calibri" panose="020F0502020204030204" pitchFamily="34" charset="0"/>
                 <a:buChar char="+"/>
               </a:pPr>
               <a:r>
-                <a:rPr lang="en-US" sz="546">
+                <a:rPr lang="en-US" sz="378">
                   <a:solidFill>
                     <a:schemeClr val="tx1"/>
                   </a:solidFill>
@@ -5290,12 +5290,12 @@
               </a:r>
             </a:p>
             <a:p>
-              <a:pPr indent="-56076">
+              <a:pPr indent="-38821">
                 <a:buFont typeface="Calibri" panose="020F0502020204030204" pitchFamily="34" charset="0"/>
                 <a:buChar char="+"/>
               </a:pPr>
               <a:r>
-                <a:rPr lang="en-US" sz="546">
+                <a:rPr lang="en-US" sz="378">
                   <a:solidFill>
                     <a:schemeClr val="tx1"/>
                   </a:solidFill>
@@ -5306,12 +5306,12 @@
               </a:r>
             </a:p>
             <a:p>
-              <a:pPr indent="-56076">
+              <a:pPr indent="-38821">
                 <a:buFont typeface="Calibri" panose="020F0502020204030204" pitchFamily="34" charset="0"/>
                 <a:buChar char="+"/>
               </a:pPr>
               <a:r>
-                <a:rPr lang="en-US" sz="546" b="1">
+                <a:rPr lang="en-US" sz="378" b="1">
                   <a:solidFill>
                     <a:schemeClr val="tx1"/>
                   </a:solidFill>
@@ -5338,8 +5338,8 @@
         </p:nvGrpSpPr>
         <p:grpSpPr>
           <a:xfrm>
-            <a:off x="4032426" y="3222552"/>
-            <a:ext cx="2039597" cy="1578048"/>
+            <a:off x="2791680" y="4810074"/>
+            <a:ext cx="1412029" cy="1092495"/>
             <a:chOff x="1571045" y="484816"/>
             <a:chExt cx="4191486" cy="4052277"/>
           </a:xfrm>
@@ -5386,7 +5386,7 @@
             <a:p>
               <a:pPr algn="ctr"/>
               <a:r>
-                <a:rPr lang="en-US" sz="779" b="1"/>
+                <a:rPr lang="en-US" sz="539" b="1"/>
                 <a:t>Triangle</a:t>
               </a:r>
             </a:p>
@@ -5432,12 +5432,12 @@
             <a:bodyPr rtlCol="0" anchor="t"/>
             <a:lstStyle/>
             <a:p>
-              <a:pPr indent="-56076">
+              <a:pPr indent="-38821">
                 <a:buFont typeface="Calibri" panose="020F0502020204030204" pitchFamily="34" charset="0"/>
                 <a:buChar char="-"/>
               </a:pPr>
               <a:r>
-                <a:rPr lang="en-US" sz="546">
+                <a:rPr lang="en-US" sz="378">
                   <a:solidFill>
                     <a:schemeClr val="tx1"/>
                   </a:solidFill>
@@ -5448,12 +5448,12 @@
               </a:r>
             </a:p>
             <a:p>
-              <a:pPr indent="-56076">
+              <a:pPr indent="-38821">
                 <a:buFont typeface="Calibri" panose="020F0502020204030204" pitchFamily="34" charset="0"/>
                 <a:buChar char="-"/>
               </a:pPr>
               <a:r>
-                <a:rPr lang="en-US" sz="546">
+                <a:rPr lang="en-US" sz="378">
                   <a:solidFill>
                     <a:schemeClr val="tx1"/>
                   </a:solidFill>
@@ -5464,12 +5464,12 @@
               </a:r>
             </a:p>
             <a:p>
-              <a:pPr indent="-56076">
+              <a:pPr indent="-38821">
                 <a:buFont typeface="Calibri" panose="020F0502020204030204" pitchFamily="34" charset="0"/>
                 <a:buChar char="-"/>
               </a:pPr>
               <a:r>
-                <a:rPr lang="en-US" sz="546">
+                <a:rPr lang="en-US" sz="378">
                   <a:solidFill>
                     <a:schemeClr val="tx1"/>
                   </a:solidFill>
@@ -5521,12 +5521,12 @@
             <a:bodyPr rtlCol="0" anchor="t"/>
             <a:lstStyle/>
             <a:p>
-              <a:pPr indent="-56076">
+              <a:pPr indent="-38821">
                 <a:buFont typeface="Calibri" panose="020F0502020204030204" pitchFamily="34" charset="0"/>
                 <a:buChar char="+"/>
               </a:pPr>
               <a:r>
-                <a:rPr lang="en-US" sz="546">
+                <a:rPr lang="en-US" sz="378">
                   <a:solidFill>
                     <a:schemeClr val="tx1"/>
                   </a:solidFill>
@@ -5537,12 +5537,12 @@
               </a:r>
             </a:p>
             <a:p>
-              <a:pPr indent="-56076">
+              <a:pPr indent="-38821">
                 <a:buFont typeface="Calibri" panose="020F0502020204030204" pitchFamily="34" charset="0"/>
                 <a:buChar char="+"/>
               </a:pPr>
               <a:r>
-                <a:rPr lang="en-US" sz="546">
+                <a:rPr lang="en-US" sz="378">
                   <a:solidFill>
                     <a:schemeClr val="tx1"/>
                   </a:solidFill>
@@ -5553,12 +5553,12 @@
               </a:r>
             </a:p>
             <a:p>
-              <a:pPr indent="-56076">
+              <a:pPr indent="-38821">
                 <a:buFont typeface="Calibri" panose="020F0502020204030204" pitchFamily="34" charset="0"/>
                 <a:buChar char="+"/>
               </a:pPr>
               <a:r>
-                <a:rPr lang="en-US" sz="546">
+                <a:rPr lang="en-US" sz="378">
                   <a:solidFill>
                     <a:schemeClr val="tx1"/>
                   </a:solidFill>
@@ -5569,12 +5569,12 @@
               </a:r>
             </a:p>
             <a:p>
-              <a:pPr indent="-56076">
+              <a:pPr indent="-38821">
                 <a:buFont typeface="Calibri" panose="020F0502020204030204" pitchFamily="34" charset="0"/>
                 <a:buChar char="+"/>
               </a:pPr>
               <a:r>
-                <a:rPr lang="en-US" sz="546">
+                <a:rPr lang="en-US" sz="378">
                   <a:solidFill>
                     <a:schemeClr val="tx1"/>
                   </a:solidFill>
@@ -5585,12 +5585,12 @@
               </a:r>
             </a:p>
             <a:p>
-              <a:pPr indent="-56076">
+              <a:pPr indent="-38821">
                 <a:buFont typeface="Calibri" panose="020F0502020204030204" pitchFamily="34" charset="0"/>
                 <a:buChar char="+"/>
               </a:pPr>
               <a:r>
-                <a:rPr lang="en-US" sz="546">
+                <a:rPr lang="en-US" sz="378">
                   <a:solidFill>
                     <a:schemeClr val="tx1"/>
                   </a:solidFill>
@@ -5601,12 +5601,12 @@
               </a:r>
             </a:p>
             <a:p>
-              <a:pPr indent="-56076">
+              <a:pPr indent="-38821">
                 <a:buFont typeface="Calibri" panose="020F0502020204030204" pitchFamily="34" charset="0"/>
                 <a:buChar char="+"/>
               </a:pPr>
               <a:r>
-                <a:rPr lang="en-US" sz="546">
+                <a:rPr lang="en-US" sz="378">
                   <a:solidFill>
                     <a:schemeClr val="tx1"/>
                   </a:solidFill>
@@ -5617,12 +5617,12 @@
               </a:r>
             </a:p>
             <a:p>
-              <a:pPr indent="-56076">
+              <a:pPr indent="-38821">
                 <a:buFont typeface="Calibri" panose="020F0502020204030204" pitchFamily="34" charset="0"/>
                 <a:buChar char="+"/>
               </a:pPr>
               <a:r>
-                <a:rPr lang="en-US" sz="546">
+                <a:rPr lang="en-US" sz="378">
                   <a:solidFill>
                     <a:schemeClr val="tx1"/>
                   </a:solidFill>
@@ -5633,12 +5633,12 @@
               </a:r>
             </a:p>
             <a:p>
-              <a:pPr indent="-56076">
+              <a:pPr indent="-38821">
                 <a:buFont typeface="Calibri" panose="020F0502020204030204" pitchFamily="34" charset="0"/>
                 <a:buChar char="+"/>
               </a:pPr>
               <a:r>
-                <a:rPr lang="en-US" sz="546" b="1">
+                <a:rPr lang="en-US" sz="378" b="1">
                   <a:solidFill>
                     <a:schemeClr val="tx1"/>
                   </a:solidFill>
@@ -5669,8 +5669,8 @@
         </p:nvCxnSpPr>
         <p:spPr>
           <a:xfrm rot="5400000" flipH="1" flipV="1">
-            <a:off x="4640344" y="2949408"/>
-            <a:ext cx="317724" cy="228565"/>
+            <a:off x="3212546" y="4620975"/>
+            <a:ext cx="219963" cy="158237"/>
           </a:xfrm>
           <a:prstGeom prst="bentConnector3">
             <a:avLst>
@@ -5740,8 +5740,8 @@
         </p:nvGrpSpPr>
         <p:grpSpPr>
           <a:xfrm>
-            <a:off x="5231014" y="775176"/>
-            <a:ext cx="1191762" cy="569754"/>
+            <a:off x="3621471" y="3115737"/>
+            <a:ext cx="825066" cy="394445"/>
             <a:chOff x="1571043" y="484816"/>
             <a:chExt cx="2681835" cy="1463072"/>
           </a:xfrm>
@@ -5788,7 +5788,7 @@
             <a:p>
               <a:pPr algn="ctr"/>
               <a:r>
-                <a:rPr lang="en-US" sz="779" b="1">
+                <a:rPr lang="en-US" sz="539" b="1">
                   <a:highlight>
                     <a:srgbClr val="008000"/>
                   </a:highlight>
@@ -5796,7 +5796,7 @@
                 <a:t>(A)</a:t>
               </a:r>
               <a:r>
-                <a:rPr lang="en-US" sz="779" b="1" i="1"/>
+                <a:rPr lang="en-US" sz="539" b="1" i="1"/>
                 <a:t> Animal</a:t>
               </a:r>
             </a:p>
@@ -5842,11 +5842,11 @@
             <a:bodyPr rtlCol="0" anchor="t"/>
             <a:lstStyle/>
             <a:p>
-              <a:pPr indent="-56076">
+              <a:pPr indent="-38821">
                 <a:buFont typeface="Calibri" panose="020F0502020204030204" pitchFamily="34" charset="0"/>
                 <a:buChar char="-"/>
               </a:pPr>
-              <a:endParaRPr lang="en-US" sz="546" i="1">
+              <a:endParaRPr lang="en-US" sz="378" i="1">
                 <a:solidFill>
                   <a:schemeClr val="tx1"/>
                 </a:solidFill>
@@ -5896,12 +5896,12 @@
             <a:bodyPr rtlCol="0" anchor="t"/>
             <a:lstStyle/>
             <a:p>
-              <a:pPr marL="62619" indent="-118695">
+              <a:pPr marL="43351" indent="-82173">
                 <a:buFont typeface="Courier New" panose="02070309020205020404" pitchFamily="49" charset="0"/>
                 <a:buChar char="o"/>
               </a:pPr>
               <a:r>
-                <a:rPr lang="en-US" sz="546" b="1" i="1">
+                <a:rPr lang="en-US" sz="378" b="1" i="1">
                   <a:solidFill>
                     <a:schemeClr val="tx1"/>
                   </a:solidFill>
@@ -5928,8 +5928,8 @@
         </p:nvGrpSpPr>
         <p:grpSpPr>
           <a:xfrm>
-            <a:off x="5870421" y="1813834"/>
-            <a:ext cx="698831" cy="471564"/>
+            <a:off x="4064138" y="3834808"/>
+            <a:ext cx="483806" cy="326467"/>
             <a:chOff x="1571043" y="484816"/>
             <a:chExt cx="2681835" cy="1210930"/>
           </a:xfrm>
@@ -5976,7 +5976,7 @@
             <a:p>
               <a:pPr algn="ctr"/>
               <a:r>
-                <a:rPr lang="en-US" sz="779" b="1">
+                <a:rPr lang="en-US" sz="539" b="1">
                   <a:highlight>
                     <a:srgbClr val="008000"/>
                   </a:highlight>
@@ -5984,7 +5984,7 @@
                 <a:t>(C)</a:t>
               </a:r>
               <a:r>
-                <a:rPr lang="en-US" sz="779" b="1" i="1"/>
+                <a:rPr lang="en-US" sz="539" b="1" i="1"/>
                 <a:t> Tiger</a:t>
               </a:r>
             </a:p>
@@ -6030,11 +6030,11 @@
             <a:bodyPr rtlCol="0" anchor="t"/>
             <a:lstStyle/>
             <a:p>
-              <a:pPr indent="-56076">
+              <a:pPr indent="-38821">
                 <a:buFont typeface="Calibri" panose="020F0502020204030204" pitchFamily="34" charset="0"/>
                 <a:buChar char="-"/>
               </a:pPr>
-              <a:endParaRPr lang="en-US" sz="546" i="1">
+              <a:endParaRPr lang="en-US" sz="378" i="1">
                 <a:solidFill>
                   <a:schemeClr val="tx1"/>
                 </a:solidFill>
@@ -6084,11 +6084,11 @@
             <a:bodyPr rtlCol="0" anchor="t"/>
             <a:lstStyle/>
             <a:p>
-              <a:pPr marL="62619" indent="-118695">
+              <a:pPr marL="43351" indent="-82173">
                 <a:buFont typeface="Courier New" panose="02070309020205020404" pitchFamily="49" charset="0"/>
                 <a:buChar char="o"/>
               </a:pPr>
-              <a:endParaRPr lang="en-US" sz="546" b="1" i="1">
+              <a:endParaRPr lang="en-US" sz="378" b="1" i="1">
                 <a:solidFill>
                   <a:schemeClr val="tx1"/>
                 </a:solidFill>
@@ -6113,8 +6113,8 @@
         </p:nvGrpSpPr>
         <p:grpSpPr>
           <a:xfrm>
-            <a:off x="5021740" y="1818402"/>
-            <a:ext cx="698830" cy="471564"/>
+            <a:off x="3476589" y="3837971"/>
+            <a:ext cx="483805" cy="326467"/>
             <a:chOff x="1571043" y="484816"/>
             <a:chExt cx="2681835" cy="1210930"/>
           </a:xfrm>
@@ -6161,7 +6161,7 @@
             <a:p>
               <a:pPr algn="ctr"/>
               <a:r>
-                <a:rPr lang="en-US" sz="779" b="1">
+                <a:rPr lang="en-US" sz="539" b="1">
                   <a:highlight>
                     <a:srgbClr val="008000"/>
                   </a:highlight>
@@ -6169,7 +6169,7 @@
                 <a:t>(C)</a:t>
               </a:r>
               <a:r>
-                <a:rPr lang="en-US" sz="779" b="1" i="1"/>
+                <a:rPr lang="en-US" sz="539" b="1" i="1"/>
                 <a:t> Chicken</a:t>
               </a:r>
             </a:p>
@@ -6215,11 +6215,11 @@
             <a:bodyPr rtlCol="0" anchor="t"/>
             <a:lstStyle/>
             <a:p>
-              <a:pPr indent="-56076">
+              <a:pPr indent="-38821">
                 <a:buFont typeface="Calibri" panose="020F0502020204030204" pitchFamily="34" charset="0"/>
                 <a:buChar char="-"/>
               </a:pPr>
-              <a:endParaRPr lang="en-US" sz="546" i="1">
+              <a:endParaRPr lang="en-US" sz="378" i="1">
                 <a:solidFill>
                   <a:schemeClr val="tx1"/>
                 </a:solidFill>
@@ -6269,11 +6269,11 @@
             <a:bodyPr rtlCol="0" anchor="t"/>
             <a:lstStyle/>
             <a:p>
-              <a:pPr marL="62619" indent="-118695">
+              <a:pPr marL="43351" indent="-82173">
                 <a:buFont typeface="Courier New" panose="02070309020205020404" pitchFamily="49" charset="0"/>
                 <a:buChar char="o"/>
               </a:pPr>
-              <a:endParaRPr lang="en-US" sz="546" b="1" i="1">
+              <a:endParaRPr lang="en-US" sz="378" b="1" i="1">
                 <a:solidFill>
                   <a:schemeClr val="tx1"/>
                 </a:solidFill>
@@ -6298,8 +6298,8 @@
         </p:nvGrpSpPr>
         <p:grpSpPr>
           <a:xfrm>
-            <a:off x="3761236" y="775176"/>
-            <a:ext cx="1191764" cy="569752"/>
+            <a:off x="2603933" y="3115737"/>
+            <a:ext cx="825067" cy="394444"/>
             <a:chOff x="1571043" y="484816"/>
             <a:chExt cx="2681835" cy="1463067"/>
           </a:xfrm>
@@ -6346,7 +6346,7 @@
             <a:p>
               <a:pPr algn="ctr"/>
               <a:r>
-                <a:rPr lang="en-US" sz="779" b="1">
+                <a:rPr lang="en-US" sz="539" b="1">
                   <a:highlight>
                     <a:srgbClr val="008000"/>
                   </a:highlight>
@@ -6354,7 +6354,7 @@
                 <a:t>(I)</a:t>
               </a:r>
               <a:r>
-                <a:rPr lang="en-US" sz="779" b="1" i="1"/>
+                <a:rPr lang="en-US" sz="539" b="1" i="1"/>
                 <a:t> Edible</a:t>
               </a:r>
             </a:p>
@@ -6400,11 +6400,11 @@
             <a:bodyPr rtlCol="0" anchor="t"/>
             <a:lstStyle/>
             <a:p>
-              <a:pPr indent="-56076">
+              <a:pPr indent="-38821">
                 <a:buFont typeface="Calibri" panose="020F0502020204030204" pitchFamily="34" charset="0"/>
                 <a:buChar char="-"/>
               </a:pPr>
-              <a:endParaRPr lang="en-US" sz="546" i="1">
+              <a:endParaRPr lang="en-US" sz="378" i="1">
                 <a:solidFill>
                   <a:schemeClr val="tx1"/>
                 </a:solidFill>
@@ -6454,12 +6454,12 @@
             <a:bodyPr rtlCol="0" anchor="t"/>
             <a:lstStyle/>
             <a:p>
-              <a:pPr marL="62619" indent="-118695">
+              <a:pPr marL="43351" indent="-82173">
                 <a:buFont typeface="Courier New" panose="02070309020205020404" pitchFamily="49" charset="0"/>
                 <a:buChar char="o"/>
               </a:pPr>
               <a:r>
-                <a:rPr lang="en-US" sz="546" b="1" i="1">
+                <a:rPr lang="en-US" sz="378" b="1" i="1">
                   <a:solidFill>
                     <a:schemeClr val="tx1"/>
                   </a:solidFill>
@@ -6486,8 +6486,8 @@
         </p:nvGrpSpPr>
         <p:grpSpPr>
           <a:xfrm>
-            <a:off x="3725889" y="1821606"/>
-            <a:ext cx="698831" cy="471564"/>
+            <a:off x="2579462" y="3840189"/>
+            <a:ext cx="483806" cy="326467"/>
             <a:chOff x="1571043" y="484816"/>
             <a:chExt cx="2681835" cy="1210930"/>
           </a:xfrm>
@@ -6534,7 +6534,7 @@
             <a:p>
               <a:pPr algn="ctr"/>
               <a:r>
-                <a:rPr lang="en-US" sz="779" b="1">
+                <a:rPr lang="en-US" sz="539" b="1">
                   <a:highlight>
                     <a:srgbClr val="008000"/>
                   </a:highlight>
@@ -6542,7 +6542,7 @@
                 <a:t>(A)</a:t>
               </a:r>
               <a:r>
-                <a:rPr lang="en-US" sz="779" b="1" i="1"/>
+                <a:rPr lang="en-US" sz="539" b="1" i="1"/>
                 <a:t> Fruit</a:t>
               </a:r>
             </a:p>
@@ -6588,11 +6588,11 @@
             <a:bodyPr rtlCol="0" anchor="t"/>
             <a:lstStyle/>
             <a:p>
-              <a:pPr indent="-56076">
+              <a:pPr indent="-38821">
                 <a:buFont typeface="Calibri" panose="020F0502020204030204" pitchFamily="34" charset="0"/>
                 <a:buChar char="-"/>
               </a:pPr>
-              <a:endParaRPr lang="en-US" sz="546" i="1">
+              <a:endParaRPr lang="en-US" sz="378" i="1">
                 <a:solidFill>
                   <a:schemeClr val="tx1"/>
                 </a:solidFill>
@@ -6642,11 +6642,11 @@
             <a:bodyPr rtlCol="0" anchor="t"/>
             <a:lstStyle/>
             <a:p>
-              <a:pPr marL="62619" indent="-118695">
+              <a:pPr marL="43351" indent="-82173">
                 <a:buFont typeface="Courier New" panose="02070309020205020404" pitchFamily="49" charset="0"/>
                 <a:buChar char="o"/>
               </a:pPr>
-              <a:endParaRPr lang="en-US" sz="546" b="1" i="1">
+              <a:endParaRPr lang="en-US" sz="378" b="1" i="1">
                 <a:solidFill>
                   <a:schemeClr val="tx1"/>
                 </a:solidFill>
@@ -6671,8 +6671,8 @@
         </p:nvGrpSpPr>
         <p:grpSpPr>
           <a:xfrm>
-            <a:off x="3206264" y="2573724"/>
-            <a:ext cx="698831" cy="471564"/>
+            <a:off x="2219722" y="4360886"/>
+            <a:ext cx="483806" cy="326467"/>
             <a:chOff x="1571043" y="484816"/>
             <a:chExt cx="2681835" cy="1210930"/>
           </a:xfrm>
@@ -6719,7 +6719,7 @@
             <a:p>
               <a:pPr algn="ctr"/>
               <a:r>
-                <a:rPr lang="en-US" sz="779" b="1">
+                <a:rPr lang="en-US" sz="539" b="1">
                   <a:highlight>
                     <a:srgbClr val="008000"/>
                   </a:highlight>
@@ -6727,7 +6727,7 @@
                 <a:t>(C)</a:t>
               </a:r>
               <a:r>
-                <a:rPr lang="en-US" sz="779" b="1" i="1"/>
+                <a:rPr lang="en-US" sz="539" b="1" i="1"/>
                 <a:t> Orange</a:t>
               </a:r>
             </a:p>
@@ -6773,11 +6773,11 @@
             <a:bodyPr rtlCol="0" anchor="t"/>
             <a:lstStyle/>
             <a:p>
-              <a:pPr indent="-56076">
+              <a:pPr indent="-38821">
                 <a:buFont typeface="Calibri" panose="020F0502020204030204" pitchFamily="34" charset="0"/>
                 <a:buChar char="-"/>
               </a:pPr>
-              <a:endParaRPr lang="en-US" sz="546" i="1">
+              <a:endParaRPr lang="en-US" sz="378" i="1">
                 <a:solidFill>
                   <a:schemeClr val="tx1"/>
                 </a:solidFill>
@@ -6827,11 +6827,11 @@
             <a:bodyPr rtlCol="0" anchor="t"/>
             <a:lstStyle/>
             <a:p>
-              <a:pPr marL="62619" indent="-118695">
+              <a:pPr marL="43351" indent="-82173">
                 <a:buFont typeface="Courier New" panose="02070309020205020404" pitchFamily="49" charset="0"/>
                 <a:buChar char="o"/>
               </a:pPr>
-              <a:endParaRPr lang="en-US" sz="546" b="1" i="1">
+              <a:endParaRPr lang="en-US" sz="378" b="1" i="1">
                 <a:solidFill>
                   <a:schemeClr val="tx1"/>
                 </a:solidFill>
@@ -6856,8 +6856,8 @@
         </p:nvGrpSpPr>
         <p:grpSpPr>
           <a:xfrm>
-            <a:off x="4021309" y="2573724"/>
-            <a:ext cx="698830" cy="471564"/>
+            <a:off x="2783983" y="4360886"/>
+            <a:ext cx="483805" cy="326467"/>
             <a:chOff x="1571043" y="484816"/>
             <a:chExt cx="2681835" cy="1210930"/>
           </a:xfrm>
@@ -6904,7 +6904,7 @@
             <a:p>
               <a:pPr algn="ctr"/>
               <a:r>
-                <a:rPr lang="en-US" sz="779" b="1">
+                <a:rPr lang="en-US" sz="539" b="1">
                   <a:highlight>
                     <a:srgbClr val="008000"/>
                   </a:highlight>
@@ -6912,7 +6912,7 @@
                 <a:t>(C)</a:t>
               </a:r>
               <a:r>
-                <a:rPr lang="en-US" sz="779" b="1" i="1"/>
+                <a:rPr lang="en-US" sz="539" b="1" i="1"/>
                 <a:t> Apple</a:t>
               </a:r>
             </a:p>
@@ -6958,11 +6958,11 @@
             <a:bodyPr rtlCol="0" anchor="t"/>
             <a:lstStyle/>
             <a:p>
-              <a:pPr indent="-56076">
+              <a:pPr indent="-38821">
                 <a:buFont typeface="Calibri" panose="020F0502020204030204" pitchFamily="34" charset="0"/>
                 <a:buChar char="-"/>
               </a:pPr>
-              <a:endParaRPr lang="en-US" sz="546" i="1">
+              <a:endParaRPr lang="en-US" sz="378" i="1">
                 <a:solidFill>
                   <a:schemeClr val="tx1"/>
                 </a:solidFill>
@@ -7012,11 +7012,11 @@
             <a:bodyPr rtlCol="0" anchor="t"/>
             <a:lstStyle/>
             <a:p>
-              <a:pPr marL="62619" indent="-118695">
+              <a:pPr marL="43351" indent="-82173">
                 <a:buFont typeface="Courier New" panose="02070309020205020404" pitchFamily="49" charset="0"/>
                 <a:buChar char="o"/>
               </a:pPr>
-              <a:endParaRPr lang="en-US" sz="546" b="1" i="1">
+              <a:endParaRPr lang="en-US" sz="378" b="1" i="1">
                 <a:solidFill>
                   <a:schemeClr val="tx1"/>
                 </a:solidFill>
@@ -7043,8 +7043,8 @@
         </p:nvCxnSpPr>
         <p:spPr>
           <a:xfrm flipV="1">
-            <a:off x="3966792" y="1393044"/>
-            <a:ext cx="116344" cy="428562"/>
+            <a:off x="2746241" y="3543492"/>
+            <a:ext cx="80546" cy="296697"/>
           </a:xfrm>
           <a:prstGeom prst="straightConnector1">
             <a:avLst/>
@@ -7086,8 +7086,8 @@
         </p:nvCxnSpPr>
         <p:spPr>
           <a:xfrm flipH="1" flipV="1">
-            <a:off x="4357117" y="1344928"/>
-            <a:ext cx="757555" cy="427889"/>
+            <a:off x="3016466" y="3510181"/>
+            <a:ext cx="524461" cy="296231"/>
           </a:xfrm>
           <a:prstGeom prst="straightConnector1">
             <a:avLst/>
@@ -7129,8 +7129,8 @@
         </p:nvCxnSpPr>
         <p:spPr>
           <a:xfrm flipV="1">
-            <a:off x="3555680" y="2289966"/>
-            <a:ext cx="411112" cy="283758"/>
+            <a:off x="2461625" y="4164438"/>
+            <a:ext cx="284616" cy="196448"/>
           </a:xfrm>
           <a:prstGeom prst="straightConnector1">
             <a:avLst/>
@@ -7171,8 +7171,8 @@
         </p:nvCxnSpPr>
         <p:spPr>
           <a:xfrm flipH="1" flipV="1">
-            <a:off x="4203896" y="2290603"/>
-            <a:ext cx="166828" cy="283121"/>
+            <a:off x="2910390" y="4164879"/>
+            <a:ext cx="115496" cy="196007"/>
           </a:xfrm>
           <a:prstGeom prst="straightConnector1">
             <a:avLst/>
@@ -7213,8 +7213,8 @@
         </p:nvCxnSpPr>
         <p:spPr>
           <a:xfrm flipH="1" flipV="1">
-            <a:off x="5928946" y="1398472"/>
-            <a:ext cx="290891" cy="415363"/>
+            <a:off x="4104655" y="3547250"/>
+            <a:ext cx="201386" cy="287559"/>
           </a:xfrm>
           <a:prstGeom prst="straightConnector1">
             <a:avLst/>
@@ -7254,8 +7254,8 @@
         </p:nvCxnSpPr>
         <p:spPr>
           <a:xfrm flipV="1">
-            <a:off x="5420873" y="1385945"/>
-            <a:ext cx="244462" cy="427889"/>
+            <a:off x="3752912" y="3538578"/>
+            <a:ext cx="169243" cy="296231"/>
           </a:xfrm>
           <a:prstGeom prst="straightConnector1">
             <a:avLst/>
@@ -7323,8 +7323,8 @@
         </p:nvGrpSpPr>
         <p:grpSpPr>
           <a:xfrm>
-            <a:off x="2038342" y="688195"/>
-            <a:ext cx="1762123" cy="1319802"/>
+            <a:off x="1411160" y="3055520"/>
+            <a:ext cx="1219931" cy="913709"/>
             <a:chOff x="1571043" y="484816"/>
             <a:chExt cx="4524957" cy="3389120"/>
           </a:xfrm>
@@ -7371,7 +7371,7 @@
             <a:p>
               <a:pPr algn="ctr"/>
               <a:r>
-                <a:rPr lang="en-US" sz="831" b="1">
+                <a:rPr lang="en-US" sz="575" b="1">
                   <a:solidFill>
                     <a:srgbClr val="202122"/>
                   </a:solidFill>
@@ -7380,7 +7380,7 @@
                 <a:t>Ⓐ</a:t>
               </a:r>
               <a:r>
-                <a:rPr lang="en-US" sz="779" b="1"/>
+                <a:rPr lang="en-US" sz="539" b="1"/>
                 <a:t> Shape</a:t>
               </a:r>
             </a:p>
@@ -7426,12 +7426,12 @@
             <a:bodyPr rtlCol="0" anchor="t"/>
             <a:lstStyle/>
             <a:p>
-              <a:pPr indent="-56076">
+              <a:pPr indent="-38821">
                 <a:buFont typeface="Calibri" panose="020F0502020204030204" pitchFamily="34" charset="0"/>
                 <a:buChar char="-"/>
               </a:pPr>
               <a:r>
-                <a:rPr lang="en-US" sz="546">
+                <a:rPr lang="en-US" sz="378">
                   <a:solidFill>
                     <a:schemeClr val="tx1"/>
                   </a:solidFill>
@@ -7442,12 +7442,12 @@
               </a:r>
             </a:p>
             <a:p>
-              <a:pPr indent="-56076">
+              <a:pPr indent="-38821">
                 <a:buFont typeface="Calibri" panose="020F0502020204030204" pitchFamily="34" charset="0"/>
                 <a:buChar char="-"/>
               </a:pPr>
               <a:r>
-                <a:rPr lang="en-US" sz="546">
+                <a:rPr lang="en-US" sz="378">
                   <a:solidFill>
                     <a:schemeClr val="tx1"/>
                   </a:solidFill>
@@ -7499,12 +7499,12 @@
             <a:bodyPr rtlCol="0" anchor="t"/>
             <a:lstStyle/>
             <a:p>
-              <a:pPr indent="-56076">
+              <a:pPr indent="-38821">
                 <a:buFont typeface="Calibri" panose="020F0502020204030204" pitchFamily="34" charset="0"/>
                 <a:buChar char="+"/>
               </a:pPr>
               <a:r>
-                <a:rPr lang="en-US" sz="546">
+                <a:rPr lang="en-US" sz="378">
                   <a:solidFill>
                     <a:schemeClr val="tx1"/>
                   </a:solidFill>
@@ -7515,12 +7515,12 @@
               </a:r>
             </a:p>
             <a:p>
-              <a:pPr indent="-56076">
+              <a:pPr indent="-38821">
                 <a:buFont typeface="Calibri" panose="020F0502020204030204" pitchFamily="34" charset="0"/>
                 <a:buChar char="+"/>
               </a:pPr>
               <a:r>
-                <a:rPr lang="en-US" sz="546">
+                <a:rPr lang="en-US" sz="378">
                   <a:solidFill>
                     <a:schemeClr val="tx1"/>
                   </a:solidFill>
@@ -7531,12 +7531,12 @@
               </a:r>
             </a:p>
             <a:p>
-              <a:pPr indent="-56076">
+              <a:pPr indent="-38821">
                 <a:buFont typeface="Calibri" panose="020F0502020204030204" pitchFamily="34" charset="0"/>
                 <a:buChar char="+"/>
               </a:pPr>
               <a:r>
-                <a:rPr lang="en-US" sz="546">
+                <a:rPr lang="en-US" sz="378">
                   <a:solidFill>
                     <a:schemeClr val="tx1"/>
                   </a:solidFill>
@@ -7547,12 +7547,12 @@
               </a:r>
             </a:p>
             <a:p>
-              <a:pPr indent="-56076">
+              <a:pPr indent="-38821">
                 <a:buFont typeface="Calibri" panose="020F0502020204030204" pitchFamily="34" charset="0"/>
                 <a:buChar char="+"/>
               </a:pPr>
               <a:r>
-                <a:rPr lang="en-US" sz="546">
+                <a:rPr lang="en-US" sz="378">
                   <a:solidFill>
                     <a:schemeClr val="tx1"/>
                   </a:solidFill>
@@ -7563,12 +7563,12 @@
               </a:r>
             </a:p>
             <a:p>
-              <a:pPr indent="-57322">
+              <a:pPr indent="-39684">
                 <a:buFont typeface="Courier New" panose="02070309020205020404" pitchFamily="49" charset="0"/>
                 <a:buChar char="○"/>
               </a:pPr>
               <a:r>
-                <a:rPr lang="en-US" sz="546">
+                <a:rPr lang="en-US" sz="378">
                   <a:solidFill>
                     <a:schemeClr val="tx1"/>
                   </a:solidFill>
@@ -7579,12 +7579,12 @@
               </a:r>
             </a:p>
             <a:p>
-              <a:pPr indent="-56076">
+              <a:pPr indent="-38821">
                 <a:buFont typeface="Calibri" panose="020F0502020204030204" pitchFamily="34" charset="0"/>
                 <a:buChar char="+"/>
               </a:pPr>
               <a:r>
-                <a:rPr lang="en-US" sz="546">
+                <a:rPr lang="en-US" sz="378">
                   <a:solidFill>
                     <a:schemeClr val="tx1"/>
                   </a:solidFill>
@@ -7595,12 +7595,12 @@
               </a:r>
             </a:p>
             <a:p>
-              <a:pPr indent="-56076">
+              <a:pPr indent="-38821">
                 <a:buFont typeface="Calibri" panose="020F0502020204030204" pitchFamily="34" charset="0"/>
                 <a:buChar char="+"/>
               </a:pPr>
               <a:r>
-                <a:rPr lang="en-US" sz="546">
+                <a:rPr lang="en-US" sz="378">
                   <a:solidFill>
                     <a:schemeClr val="tx1"/>
                   </a:solidFill>
@@ -7611,12 +7611,12 @@
               </a:r>
             </a:p>
             <a:p>
-              <a:pPr indent="-56076">
+              <a:pPr indent="-38821">
                 <a:buFont typeface="Calibri" panose="020F0502020204030204" pitchFamily="34" charset="0"/>
                 <a:buChar char="+"/>
               </a:pPr>
               <a:r>
-                <a:rPr lang="en-US" sz="546" b="1">
+                <a:rPr lang="en-US" sz="378" b="1">
                   <a:solidFill>
                     <a:schemeClr val="tx1"/>
                   </a:solidFill>
@@ -7643,8 +7643,8 @@
         </p:nvGrpSpPr>
         <p:grpSpPr>
           <a:xfrm>
-            <a:off x="1873257" y="2623232"/>
-            <a:ext cx="1632262" cy="1156458"/>
+            <a:off x="1296870" y="4395161"/>
+            <a:ext cx="1130028" cy="800625"/>
             <a:chOff x="1566476" y="484816"/>
             <a:chExt cx="4191486" cy="2969671"/>
           </a:xfrm>
@@ -7691,7 +7691,7 @@
             <a:p>
               <a:pPr algn="ctr"/>
               <a:r>
-                <a:rPr lang="en-US" sz="831" b="1">
+                <a:rPr lang="en-US" sz="575" b="1">
                   <a:solidFill>
                     <a:srgbClr val="202122"/>
                   </a:solidFill>
@@ -7700,7 +7700,7 @@
                 <a:t>Ⓒ </a:t>
               </a:r>
               <a:r>
-                <a:rPr lang="en-US" sz="779" b="1"/>
+                <a:rPr lang="en-US" sz="539" b="1"/>
                 <a:t>Circle</a:t>
               </a:r>
             </a:p>
@@ -7746,12 +7746,12 @@
             <a:bodyPr rtlCol="0" anchor="t"/>
             <a:lstStyle/>
             <a:p>
-              <a:pPr indent="-56076">
+              <a:pPr indent="-38821">
                 <a:buFont typeface="Calibri" panose="020F0502020204030204" pitchFamily="34" charset="0"/>
                 <a:buChar char="-"/>
               </a:pPr>
               <a:r>
-                <a:rPr lang="en-US" sz="546">
+                <a:rPr lang="en-US" sz="378">
                   <a:solidFill>
                     <a:schemeClr val="tx1"/>
                   </a:solidFill>
@@ -7803,12 +7803,12 @@
             <a:bodyPr rtlCol="0" anchor="t"/>
             <a:lstStyle/>
             <a:p>
-              <a:pPr indent="-56076">
+              <a:pPr indent="-38821">
                 <a:buFont typeface="Calibri" panose="020F0502020204030204" pitchFamily="34" charset="0"/>
                 <a:buChar char="+"/>
               </a:pPr>
               <a:r>
-                <a:rPr lang="en-US" sz="546">
+                <a:rPr lang="en-US" sz="378">
                   <a:solidFill>
                     <a:schemeClr val="tx1"/>
                   </a:solidFill>
@@ -7819,12 +7819,12 @@
               </a:r>
             </a:p>
             <a:p>
-              <a:pPr indent="-56076">
+              <a:pPr indent="-38821">
                 <a:buFont typeface="Calibri" panose="020F0502020204030204" pitchFamily="34" charset="0"/>
                 <a:buChar char="+"/>
               </a:pPr>
               <a:r>
-                <a:rPr lang="en-US" sz="546">
+                <a:rPr lang="en-US" sz="378">
                   <a:solidFill>
                     <a:schemeClr val="tx1"/>
                   </a:solidFill>
@@ -7835,12 +7835,12 @@
               </a:r>
             </a:p>
             <a:p>
-              <a:pPr indent="-56076">
+              <a:pPr indent="-38821">
                 <a:buFont typeface="Calibri" panose="020F0502020204030204" pitchFamily="34" charset="0"/>
                 <a:buChar char="+"/>
               </a:pPr>
               <a:r>
-                <a:rPr lang="en-US" sz="546">
+                <a:rPr lang="en-US" sz="378">
                   <a:solidFill>
                     <a:schemeClr val="tx1"/>
                   </a:solidFill>
@@ -7851,12 +7851,12 @@
               </a:r>
             </a:p>
             <a:p>
-              <a:pPr indent="-56076">
+              <a:pPr indent="-38821">
                 <a:buFont typeface="Calibri" panose="020F0502020204030204" pitchFamily="34" charset="0"/>
                 <a:buChar char="+"/>
               </a:pPr>
               <a:r>
-                <a:rPr lang="en-US" sz="546">
+                <a:rPr lang="en-US" sz="378">
                   <a:solidFill>
                     <a:schemeClr val="tx1"/>
                   </a:solidFill>
@@ -7867,12 +7867,12 @@
               </a:r>
             </a:p>
             <a:p>
-              <a:pPr indent="-56076">
+              <a:pPr indent="-38821">
                 <a:buFont typeface="Calibri" panose="020F0502020204030204" pitchFamily="34" charset="0"/>
                 <a:buChar char="+"/>
               </a:pPr>
               <a:r>
-                <a:rPr lang="en-US" sz="546">
+                <a:rPr lang="en-US" sz="378">
                   <a:solidFill>
                     <a:schemeClr val="tx1"/>
                   </a:solidFill>
@@ -7883,12 +7883,12 @@
               </a:r>
             </a:p>
             <a:p>
-              <a:pPr indent="-56076">
+              <a:pPr indent="-38821">
                 <a:buFont typeface="Calibri" panose="020F0502020204030204" pitchFamily="34" charset="0"/>
                 <a:buChar char="+"/>
               </a:pPr>
               <a:r>
-                <a:rPr lang="en-US" sz="546">
+                <a:rPr lang="en-US" sz="378">
                   <a:solidFill>
                     <a:schemeClr val="tx1"/>
                   </a:solidFill>
@@ -7899,12 +7899,12 @@
               </a:r>
             </a:p>
             <a:p>
-              <a:pPr indent="-56076">
+              <a:pPr indent="-38821">
                 <a:buFont typeface="Calibri" panose="020F0502020204030204" pitchFamily="34" charset="0"/>
                 <a:buChar char="+"/>
               </a:pPr>
               <a:r>
-                <a:rPr lang="en-US" sz="546">
+                <a:rPr lang="en-US" sz="378">
                   <a:solidFill>
                     <a:schemeClr val="tx1"/>
                   </a:solidFill>
@@ -7915,12 +7915,12 @@
               </a:r>
             </a:p>
             <a:p>
-              <a:pPr indent="-56076">
+              <a:pPr indent="-38821">
                 <a:buFont typeface="Calibri" panose="020F0502020204030204" pitchFamily="34" charset="0"/>
                 <a:buChar char="+"/>
               </a:pPr>
               <a:r>
-                <a:rPr lang="en-US" sz="546" b="1">
+                <a:rPr lang="en-US" sz="378" b="1">
                   <a:solidFill>
                     <a:schemeClr val="tx1"/>
                   </a:solidFill>
@@ -7951,8 +7951,8 @@
         </p:nvCxnSpPr>
         <p:spPr>
           <a:xfrm rot="5400000" flipH="1" flipV="1">
-            <a:off x="2350695" y="2054525"/>
-            <a:ext cx="615235" cy="522182"/>
+            <a:off x="1627405" y="4001440"/>
+            <a:ext cx="425932" cy="361511"/>
           </a:xfrm>
           <a:prstGeom prst="bentConnector3">
             <a:avLst/>
@@ -7990,8 +7990,8 @@
         </p:nvGrpSpPr>
         <p:grpSpPr>
           <a:xfrm>
-            <a:off x="3664928" y="2623233"/>
-            <a:ext cx="1804152" cy="1586832"/>
+            <a:off x="2537258" y="4395161"/>
+            <a:ext cx="1249028" cy="1098576"/>
             <a:chOff x="1571045" y="484816"/>
             <a:chExt cx="3707635" cy="4074832"/>
           </a:xfrm>
@@ -8038,7 +8038,7 @@
             <a:p>
               <a:pPr algn="ctr"/>
               <a:r>
-                <a:rPr lang="en-US" sz="831" b="1">
+                <a:rPr lang="en-US" sz="575" b="1">
                   <a:solidFill>
                     <a:srgbClr val="202122"/>
                   </a:solidFill>
@@ -8047,7 +8047,7 @@
                 <a:t>Ⓒ </a:t>
               </a:r>
               <a:r>
-                <a:rPr lang="en-US" sz="779" b="1"/>
+                <a:rPr lang="en-US" sz="539" b="1"/>
                 <a:t>Rectangle</a:t>
               </a:r>
             </a:p>
@@ -8093,12 +8093,12 @@
             <a:bodyPr rtlCol="0" anchor="t"/>
             <a:lstStyle/>
             <a:p>
-              <a:pPr indent="-56076">
+              <a:pPr indent="-38821">
                 <a:buFont typeface="Calibri" panose="020F0502020204030204" pitchFamily="34" charset="0"/>
                 <a:buChar char="-"/>
               </a:pPr>
               <a:r>
-                <a:rPr lang="en-US" sz="546">
+                <a:rPr lang="en-US" sz="378">
                   <a:solidFill>
                     <a:schemeClr val="tx1"/>
                   </a:solidFill>
@@ -8109,12 +8109,12 @@
               </a:r>
             </a:p>
             <a:p>
-              <a:pPr indent="-56076">
+              <a:pPr indent="-38821">
                 <a:buFont typeface="Calibri" panose="020F0502020204030204" pitchFamily="34" charset="0"/>
                 <a:buChar char="-"/>
               </a:pPr>
               <a:r>
-                <a:rPr lang="en-US" sz="546">
+                <a:rPr lang="en-US" sz="378">
                   <a:solidFill>
                     <a:schemeClr val="tx1"/>
                   </a:solidFill>
@@ -8166,12 +8166,12 @@
             <a:bodyPr rtlCol="0" anchor="t"/>
             <a:lstStyle/>
             <a:p>
-              <a:pPr indent="-56076">
+              <a:pPr indent="-38821">
                 <a:buFont typeface="Calibri" panose="020F0502020204030204" pitchFamily="34" charset="0"/>
                 <a:buChar char="+"/>
               </a:pPr>
               <a:r>
-                <a:rPr lang="en-US" sz="546">
+                <a:rPr lang="en-US" sz="378">
                   <a:solidFill>
                     <a:schemeClr val="tx1"/>
                   </a:solidFill>
@@ -8182,12 +8182,12 @@
               </a:r>
             </a:p>
             <a:p>
-              <a:pPr indent="-56076">
+              <a:pPr indent="-38821">
                 <a:buFont typeface="Calibri" panose="020F0502020204030204" pitchFamily="34" charset="0"/>
                 <a:buChar char="+"/>
               </a:pPr>
               <a:r>
-                <a:rPr lang="en-US" sz="546">
+                <a:rPr lang="en-US" sz="378">
                   <a:solidFill>
                     <a:schemeClr val="tx1"/>
                   </a:solidFill>
@@ -8198,12 +8198,12 @@
               </a:r>
             </a:p>
             <a:p>
-              <a:pPr indent="-56076">
+              <a:pPr indent="-38821">
                 <a:buFont typeface="Calibri" panose="020F0502020204030204" pitchFamily="34" charset="0"/>
                 <a:buChar char="+"/>
               </a:pPr>
               <a:r>
-                <a:rPr lang="en-US" sz="546">
+                <a:rPr lang="en-US" sz="378">
                   <a:solidFill>
                     <a:schemeClr val="tx1"/>
                   </a:solidFill>
@@ -8214,12 +8214,12 @@
               </a:r>
             </a:p>
             <a:p>
-              <a:pPr indent="-56076">
+              <a:pPr indent="-38821">
                 <a:buFont typeface="Calibri" panose="020F0502020204030204" pitchFamily="34" charset="0"/>
                 <a:buChar char="+"/>
               </a:pPr>
               <a:r>
-                <a:rPr lang="en-US" sz="546">
+                <a:rPr lang="en-US" sz="378">
                   <a:solidFill>
                     <a:schemeClr val="tx1"/>
                   </a:solidFill>
@@ -8230,12 +8230,12 @@
               </a:r>
             </a:p>
             <a:p>
-              <a:pPr indent="-56076">
+              <a:pPr indent="-38821">
                 <a:buFont typeface="Calibri" panose="020F0502020204030204" pitchFamily="34" charset="0"/>
                 <a:buChar char="+"/>
               </a:pPr>
               <a:r>
-                <a:rPr lang="en-US" sz="546">
+                <a:rPr lang="en-US" sz="378">
                   <a:solidFill>
                     <a:schemeClr val="tx1"/>
                   </a:solidFill>
@@ -8246,12 +8246,12 @@
               </a:r>
             </a:p>
             <a:p>
-              <a:pPr indent="-56076">
+              <a:pPr indent="-38821">
                 <a:buFont typeface="Calibri" panose="020F0502020204030204" pitchFamily="34" charset="0"/>
                 <a:buChar char="+"/>
               </a:pPr>
               <a:r>
-                <a:rPr lang="en-US" sz="546">
+                <a:rPr lang="en-US" sz="378">
                   <a:solidFill>
                     <a:schemeClr val="tx1"/>
                   </a:solidFill>
@@ -8262,12 +8262,12 @@
               </a:r>
             </a:p>
             <a:p>
-              <a:pPr indent="-56076">
+              <a:pPr indent="-38821">
                 <a:buFont typeface="Calibri" panose="020F0502020204030204" pitchFamily="34" charset="0"/>
                 <a:buChar char="+"/>
               </a:pPr>
               <a:r>
-                <a:rPr lang="en-US" sz="546">
+                <a:rPr lang="en-US" sz="378">
                   <a:solidFill>
                     <a:schemeClr val="tx1"/>
                   </a:solidFill>
@@ -8278,12 +8278,12 @@
               </a:r>
             </a:p>
             <a:p>
-              <a:pPr indent="-56076">
+              <a:pPr indent="-38821">
                 <a:buFont typeface="Calibri" panose="020F0502020204030204" pitchFamily="34" charset="0"/>
                 <a:buChar char="+"/>
               </a:pPr>
               <a:r>
-                <a:rPr lang="en-US" sz="546">
+                <a:rPr lang="en-US" sz="378">
                   <a:solidFill>
                     <a:schemeClr val="tx1"/>
                   </a:solidFill>
@@ -8294,12 +8294,12 @@
               </a:r>
             </a:p>
             <a:p>
-              <a:pPr indent="-56076">
+              <a:pPr indent="-38821">
                 <a:buFont typeface="Calibri" panose="020F0502020204030204" pitchFamily="34" charset="0"/>
                 <a:buChar char="+"/>
               </a:pPr>
               <a:r>
-                <a:rPr lang="en-US" sz="546">
+                <a:rPr lang="en-US" sz="378">
                   <a:solidFill>
                     <a:schemeClr val="tx1"/>
                   </a:solidFill>
@@ -8310,12 +8310,12 @@
               </a:r>
             </a:p>
             <a:p>
-              <a:pPr indent="-56076">
+              <a:pPr indent="-38821">
                 <a:buFont typeface="Calibri" panose="020F0502020204030204" pitchFamily="34" charset="0"/>
                 <a:buChar char="+"/>
               </a:pPr>
               <a:r>
-                <a:rPr lang="en-US" sz="546" b="1">
+                <a:rPr lang="en-US" sz="378" b="1">
                   <a:solidFill>
                     <a:schemeClr val="tx1"/>
                   </a:solidFill>
@@ -8346,8 +8346,8 @@
         </p:nvCxnSpPr>
         <p:spPr>
           <a:xfrm rot="16200000" flipV="1">
-            <a:off x="3310798" y="1616604"/>
-            <a:ext cx="615235" cy="1398022"/>
+            <a:off x="2292091" y="3698265"/>
+            <a:ext cx="425932" cy="967861"/>
           </a:xfrm>
           <a:prstGeom prst="bentConnector3">
             <a:avLst>
@@ -8387,8 +8387,8 @@
         </p:nvGrpSpPr>
         <p:grpSpPr>
           <a:xfrm>
-            <a:off x="4234668" y="4571577"/>
-            <a:ext cx="1683076" cy="1397423"/>
+            <a:off x="2931693" y="5744015"/>
+            <a:ext cx="1165206" cy="967447"/>
             <a:chOff x="1571045" y="484816"/>
             <a:chExt cx="3458816" cy="3203691"/>
           </a:xfrm>
@@ -8435,7 +8435,7 @@
             <a:p>
               <a:pPr algn="ctr"/>
               <a:r>
-                <a:rPr lang="en-US" sz="831" b="1">
+                <a:rPr lang="en-US" sz="575" b="1">
                   <a:solidFill>
                     <a:srgbClr val="202122"/>
                   </a:solidFill>
@@ -8444,7 +8444,7 @@
                 <a:t>Ⓒ </a:t>
               </a:r>
               <a:r>
-                <a:rPr lang="en-US" sz="779" b="1"/>
+                <a:rPr lang="en-US" sz="539" b="1"/>
                 <a:t>Square</a:t>
               </a:r>
             </a:p>
@@ -8491,7 +8491,7 @@
             <a:lstStyle/>
             <a:p>
               <a:r>
-                <a:rPr lang="en-US" sz="546">
+                <a:rPr lang="en-US" sz="378">
                   <a:solidFill>
                     <a:schemeClr val="tx1"/>
                   </a:solidFill>
@@ -8543,12 +8543,12 @@
             <a:bodyPr rtlCol="0" anchor="t"/>
             <a:lstStyle/>
             <a:p>
-              <a:pPr indent="-56076">
+              <a:pPr indent="-38821">
                 <a:buFont typeface="Calibri" panose="020F0502020204030204" pitchFamily="34" charset="0"/>
                 <a:buChar char="+"/>
               </a:pPr>
               <a:r>
-                <a:rPr lang="en-US" sz="546">
+                <a:rPr lang="en-US" sz="378">
                   <a:solidFill>
                     <a:schemeClr val="tx1"/>
                   </a:solidFill>
@@ -8559,12 +8559,12 @@
               </a:r>
             </a:p>
             <a:p>
-              <a:pPr indent="-56076">
+              <a:pPr indent="-38821">
                 <a:buFont typeface="Calibri" panose="020F0502020204030204" pitchFamily="34" charset="0"/>
                 <a:buChar char="+"/>
               </a:pPr>
               <a:r>
-                <a:rPr lang="en-US" sz="546">
+                <a:rPr lang="en-US" sz="378">
                   <a:solidFill>
                     <a:schemeClr val="tx1"/>
                   </a:solidFill>
@@ -8575,12 +8575,12 @@
               </a:r>
             </a:p>
             <a:p>
-              <a:pPr indent="-56076">
+              <a:pPr indent="-38821">
                 <a:buFont typeface="Calibri" panose="020F0502020204030204" pitchFamily="34" charset="0"/>
                 <a:buChar char="+"/>
               </a:pPr>
               <a:r>
-                <a:rPr lang="en-US" sz="546">
+                <a:rPr lang="en-US" sz="378">
                   <a:solidFill>
                     <a:schemeClr val="tx1"/>
                   </a:solidFill>
@@ -8591,12 +8591,12 @@
               </a:r>
             </a:p>
             <a:p>
-              <a:pPr indent="-56076">
+              <a:pPr indent="-38821">
                 <a:buFont typeface="Calibri" panose="020F0502020204030204" pitchFamily="34" charset="0"/>
                 <a:buChar char="+"/>
               </a:pPr>
               <a:r>
-                <a:rPr lang="en-US" sz="546">
+                <a:rPr lang="en-US" sz="378">
                   <a:solidFill>
                     <a:schemeClr val="tx1"/>
                   </a:solidFill>
@@ -8607,12 +8607,12 @@
               </a:r>
             </a:p>
             <a:p>
-              <a:pPr indent="-56076">
+              <a:pPr indent="-38821">
                 <a:buFont typeface="Calibri" panose="020F0502020204030204" pitchFamily="34" charset="0"/>
                 <a:buChar char="+"/>
               </a:pPr>
               <a:r>
-                <a:rPr lang="en-US" sz="546">
+                <a:rPr lang="en-US" sz="378">
                   <a:solidFill>
                     <a:schemeClr val="tx1"/>
                   </a:solidFill>
@@ -8623,12 +8623,12 @@
               </a:r>
             </a:p>
             <a:p>
-              <a:pPr indent="-56076">
+              <a:pPr indent="-38821">
                 <a:buFont typeface="Calibri" panose="020F0502020204030204" pitchFamily="34" charset="0"/>
                 <a:buChar char="+"/>
               </a:pPr>
               <a:r>
-                <a:rPr lang="en-US" sz="546">
+                <a:rPr lang="en-US" sz="378">
                   <a:solidFill>
                     <a:schemeClr val="tx1"/>
                   </a:solidFill>
@@ -8639,12 +8639,12 @@
               </a:r>
             </a:p>
             <a:p>
-              <a:pPr indent="-56076">
+              <a:pPr indent="-38821">
                 <a:buFont typeface="Calibri" panose="020F0502020204030204" pitchFamily="34" charset="0"/>
                 <a:buChar char="+"/>
               </a:pPr>
               <a:r>
-                <a:rPr lang="en-US" sz="546">
+                <a:rPr lang="en-US" sz="378">
                   <a:solidFill>
                     <a:schemeClr val="tx1"/>
                   </a:solidFill>
@@ -8655,12 +8655,12 @@
               </a:r>
             </a:p>
             <a:p>
-              <a:pPr indent="-56076">
+              <a:pPr indent="-38821">
                 <a:buFont typeface="Calibri" panose="020F0502020204030204" pitchFamily="34" charset="0"/>
                 <a:buChar char="+"/>
               </a:pPr>
               <a:r>
-                <a:rPr lang="en-US" sz="546" b="1">
+                <a:rPr lang="en-US" sz="378" b="1">
                   <a:solidFill>
                     <a:schemeClr val="tx1"/>
                   </a:solidFill>
@@ -8671,12 +8671,12 @@
               </a:r>
             </a:p>
             <a:p>
-              <a:pPr indent="-56076">
+              <a:pPr indent="-38821">
                 <a:buFont typeface="Calibri" panose="020F0502020204030204" pitchFamily="34" charset="0"/>
                 <a:buChar char="+"/>
               </a:pPr>
               <a:r>
-                <a:rPr lang="en-US" sz="546" b="1">
+                <a:rPr lang="en-US" sz="378" b="1">
                   <a:solidFill>
                     <a:schemeClr val="tx1"/>
                   </a:solidFill>
@@ -8687,7 +8687,7 @@
               </a:r>
             </a:p>
             <a:p>
-              <a:endParaRPr lang="en-US" sz="546" b="1">
+              <a:endParaRPr lang="en-US" sz="378" b="1">
                 <a:solidFill>
                   <a:schemeClr val="tx1"/>
                 </a:solidFill>
@@ -8716,8 +8716,8 @@
         </p:nvCxnSpPr>
         <p:spPr>
           <a:xfrm rot="16200000" flipV="1">
-            <a:off x="4546329" y="4230740"/>
-            <a:ext cx="361512" cy="320162"/>
+            <a:off x="3147458" y="5508051"/>
+            <a:ext cx="250278" cy="221651"/>
           </a:xfrm>
           <a:prstGeom prst="bentConnector3">
             <a:avLst>
@@ -8757,8 +8757,8 @@
         </p:nvGrpSpPr>
         <p:grpSpPr>
           <a:xfrm>
-            <a:off x="6004128" y="2315615"/>
-            <a:ext cx="1044371" cy="505475"/>
+            <a:off x="4156704" y="4182195"/>
+            <a:ext cx="723026" cy="349944"/>
             <a:chOff x="1571038" y="484816"/>
             <a:chExt cx="2681840" cy="1298009"/>
           </a:xfrm>
@@ -8805,17 +8805,16 @@
             <a:p>
               <a:pPr algn="ctr"/>
               <a:r>
-                <a:rPr lang="en-US" sz="900" b="1" i="0">
+                <a:rPr lang="en-US" sz="623" b="1">
                   <a:solidFill>
                     <a:srgbClr val="202122"/>
                   </a:solidFill>
-                  <a:effectLst/>
                   <a:latin typeface="Arial" panose="020B0604020202020204" pitchFamily="34" charset="0"/>
                 </a:rPr>
                 <a:t>Ⓘ</a:t>
               </a:r>
               <a:r>
-                <a:rPr lang="en-US" sz="779" b="1"/>
+                <a:rPr lang="en-US" sz="539" b="1"/>
                 <a:t> Colorable</a:t>
               </a:r>
             </a:p>
@@ -8861,11 +8860,11 @@
             <a:bodyPr rtlCol="0" anchor="t"/>
             <a:lstStyle/>
             <a:p>
-              <a:pPr indent="-56076">
+              <a:pPr indent="-38821">
                 <a:buFont typeface="Calibri" panose="020F0502020204030204" pitchFamily="34" charset="0"/>
                 <a:buChar char="-"/>
               </a:pPr>
-              <a:endParaRPr lang="en-US" sz="546">
+              <a:endParaRPr lang="en-US" sz="378">
                 <a:solidFill>
                   <a:schemeClr val="tx1"/>
                 </a:solidFill>
@@ -8915,12 +8914,12 @@
             <a:bodyPr rtlCol="0" anchor="t"/>
             <a:lstStyle/>
             <a:p>
-              <a:pPr indent="-57322">
+              <a:pPr indent="-39684">
                 <a:buFont typeface="Courier New" panose="02070309020205020404" pitchFamily="49" charset="0"/>
                 <a:buChar char="○"/>
               </a:pPr>
               <a:r>
-                <a:rPr lang="en-US" sz="546">
+                <a:rPr lang="en-US" sz="378">
                   <a:solidFill>
                     <a:schemeClr val="tx1"/>
                   </a:solidFill>
@@ -8950,8 +8949,8 @@
         </p:nvCxnSpPr>
         <p:spPr>
           <a:xfrm rot="5400000" flipH="1" flipV="1">
-            <a:off x="4952576" y="2997842"/>
-            <a:ext cx="1750488" cy="1396984"/>
+            <a:off x="3428707" y="4654506"/>
+            <a:ext cx="1211876" cy="967143"/>
           </a:xfrm>
           <a:prstGeom prst="bentConnector3">
             <a:avLst>
@@ -9022,8 +9021,8 @@
         </p:nvSpPr>
         <p:spPr>
           <a:xfrm>
-            <a:off x="2704843" y="2532610"/>
-            <a:ext cx="1173173" cy="994180"/>
+            <a:off x="1872584" y="4332423"/>
+            <a:ext cx="812197" cy="688278"/>
           </a:xfrm>
           <a:prstGeom prst="ellipse">
             <a:avLst/>
@@ -9051,7 +9050,7 @@
           <a:p>
             <a:pPr algn="ctr"/>
             <a:r>
-              <a:rPr lang="en-US" sz="7200"/>
+              <a:rPr lang="en-US" sz="4985"/>
               <a:t>C</a:t>
             </a:r>
           </a:p>
@@ -9071,8 +9070,8 @@
         </p:nvSpPr>
         <p:spPr>
           <a:xfrm>
-            <a:off x="4378174" y="2236903"/>
-            <a:ext cx="1173173" cy="994180"/>
+            <a:off x="3031044" y="4127702"/>
+            <a:ext cx="812197" cy="688278"/>
           </a:xfrm>
           <a:prstGeom prst="ellipse">
             <a:avLst/>
@@ -9100,7 +9099,7 @@
           <a:p>
             <a:pPr algn="ctr"/>
             <a:r>
-              <a:rPr lang="en-US" sz="7200"/>
+              <a:rPr lang="en-US" sz="4985"/>
               <a:t>S</a:t>
             </a:r>
           </a:p>
@@ -9120,8 +9119,8 @@
         </p:nvSpPr>
         <p:spPr>
           <a:xfrm>
-            <a:off x="6051506" y="2532610"/>
-            <a:ext cx="1173173" cy="994180"/>
+            <a:off x="4189504" y="4332423"/>
+            <a:ext cx="812197" cy="688278"/>
           </a:xfrm>
           <a:prstGeom prst="ellipse">
             <a:avLst/>
@@ -9149,7 +9148,7 @@
           <a:p>
             <a:pPr algn="ctr"/>
             <a:r>
-              <a:rPr lang="en-US" sz="7200"/>
+              <a:rPr lang="en-US" sz="4985"/>
               <a:t>R</a:t>
             </a:r>
           </a:p>
@@ -9169,8 +9168,8 @@
         </p:nvSpPr>
         <p:spPr>
           <a:xfrm>
-            <a:off x="595280" y="2074275"/>
-            <a:ext cx="1319436" cy="1319436"/>
+            <a:off x="412117" y="4015113"/>
+            <a:ext cx="913456" cy="913456"/>
           </a:xfrm>
           <a:prstGeom prst="smileyFace">
             <a:avLst/>
@@ -9200,7 +9199,7 @@
           <a:lstStyle/>
           <a:p>
             <a:pPr algn="ctr"/>
-            <a:endParaRPr lang="en-US">
+            <a:endParaRPr lang="en-US" sz="1246">
               <a:solidFill>
                 <a:schemeClr val="tx1"/>
               </a:solidFill>
@@ -9209,7 +9208,7 @@
           <a:p>
             <a:pPr algn="ctr"/>
             <a:r>
-              <a:rPr lang="en-US">
+              <a:rPr lang="en-US" sz="1246">
                 <a:solidFill>
                   <a:schemeClr val="tx1"/>
                 </a:solidFill>
@@ -9233,8 +9232,8 @@
         </p:nvSpPr>
         <p:spPr>
           <a:xfrm>
-            <a:off x="8014807" y="3393711"/>
-            <a:ext cx="1294888" cy="867575"/>
+            <a:off x="5548713" y="4928569"/>
+            <a:ext cx="896461" cy="600629"/>
           </a:xfrm>
           <a:prstGeom prst="flowChartMagneticDisk">
             <a:avLst/>
@@ -9265,7 +9264,7 @@
           <a:p>
             <a:pPr algn="ctr"/>
             <a:r>
-              <a:rPr lang="en-US"/>
+              <a:rPr lang="en-US" sz="1246"/>
               <a:t>Database</a:t>
             </a:r>
           </a:p>
@@ -9289,8 +9288,8 @@
         </p:nvCxnSpPr>
         <p:spPr>
           <a:xfrm>
-            <a:off x="1914716" y="2733993"/>
-            <a:ext cx="790127" cy="295707"/>
+            <a:off x="1325573" y="4471842"/>
+            <a:ext cx="547011" cy="204720"/>
           </a:xfrm>
           <a:prstGeom prst="straightConnector1">
             <a:avLst/>
@@ -9332,8 +9331,8 @@
         </p:nvCxnSpPr>
         <p:spPr>
           <a:xfrm flipV="1">
-            <a:off x="3878016" y="2733993"/>
-            <a:ext cx="500158" cy="295707"/>
+            <a:off x="2684780" y="4471842"/>
+            <a:ext cx="346263" cy="204720"/>
           </a:xfrm>
           <a:prstGeom prst="straightConnector1">
             <a:avLst/>
@@ -9375,8 +9374,8 @@
         </p:nvCxnSpPr>
         <p:spPr>
           <a:xfrm>
-            <a:off x="5551347" y="2733993"/>
-            <a:ext cx="500159" cy="295707"/>
+            <a:off x="3843241" y="4471842"/>
+            <a:ext cx="346264" cy="204720"/>
           </a:xfrm>
           <a:prstGeom prst="straightConnector1">
             <a:avLst/>
@@ -9418,8 +9417,8 @@
         </p:nvCxnSpPr>
         <p:spPr>
           <a:xfrm>
-            <a:off x="7224679" y="3029700"/>
-            <a:ext cx="790128" cy="797799"/>
+            <a:off x="5001701" y="4676562"/>
+            <a:ext cx="547012" cy="552322"/>
           </a:xfrm>
           <a:prstGeom prst="straightConnector1">
             <a:avLst/>
@@ -9461,8 +9460,8 @@
         </p:nvCxnSpPr>
         <p:spPr>
           <a:xfrm rot="5400000" flipH="1">
-            <a:off x="7282924" y="2881959"/>
-            <a:ext cx="734496" cy="2024158"/>
+            <a:off x="5042024" y="4574279"/>
+            <a:ext cx="508497" cy="1401340"/>
           </a:xfrm>
           <a:prstGeom prst="curvedConnector3">
             <a:avLst>
@@ -9509,8 +9508,8 @@
         </p:nvCxnSpPr>
         <p:spPr>
           <a:xfrm rot="10800000">
-            <a:off x="5379540" y="3085490"/>
-            <a:ext cx="1058082" cy="441305"/>
+            <a:off x="3724297" y="4715186"/>
+            <a:ext cx="732518" cy="305519"/>
           </a:xfrm>
           <a:prstGeom prst="curvedConnector2">
             <a:avLst/>
@@ -9556,8 +9555,8 @@
         </p:nvCxnSpPr>
         <p:spPr>
           <a:xfrm rot="5400000">
-            <a:off x="3980243" y="2542271"/>
-            <a:ext cx="295707" cy="1673331"/>
+            <a:off x="2755553" y="4339111"/>
+            <a:ext cx="204720" cy="1158460"/>
           </a:xfrm>
           <a:prstGeom prst="curvedConnector3">
             <a:avLst>
@@ -9603,8 +9602,8 @@
         </p:nvCxnSpPr>
         <p:spPr>
           <a:xfrm rot="5400000">
-            <a:off x="2281628" y="3466299"/>
-            <a:ext cx="834155" cy="904573"/>
+            <a:off x="1579589" y="4978823"/>
+            <a:ext cx="577492" cy="626243"/>
           </a:xfrm>
           <a:prstGeom prst="curvedConnector2">
             <a:avLst/>
@@ -9646,8 +9645,8 @@
         </p:nvSpPr>
         <p:spPr>
           <a:xfrm>
-            <a:off x="1605313" y="4360945"/>
-            <a:ext cx="1173173" cy="994180"/>
+            <a:off x="1111371" y="5598193"/>
+            <a:ext cx="812197" cy="688278"/>
           </a:xfrm>
           <a:prstGeom prst="ellipse">
             <a:avLst/>
@@ -9675,7 +9674,7 @@
           <a:p>
             <a:pPr algn="ctr"/>
             <a:r>
-              <a:rPr lang="en-US" sz="7200"/>
+              <a:rPr lang="en-US" sz="4985"/>
               <a:t>V</a:t>
             </a:r>
           </a:p>
@@ -9699,8 +9698,8 @@
         </p:nvCxnSpPr>
         <p:spPr>
           <a:xfrm rot="10800000">
-            <a:off x="1254999" y="3393711"/>
-            <a:ext cx="350315" cy="1464324"/>
+            <a:off x="868846" y="4928569"/>
+            <a:ext cx="242526" cy="1013763"/>
           </a:xfrm>
           <a:prstGeom prst="curvedConnector2">
             <a:avLst/>
@@ -9742,8 +9741,8 @@
         </p:nvSpPr>
         <p:spPr>
           <a:xfrm>
-            <a:off x="3419591" y="4335664"/>
-            <a:ext cx="2992769" cy="437189"/>
+            <a:off x="2367410" y="5580691"/>
+            <a:ext cx="2071917" cy="302669"/>
           </a:xfrm>
           <a:prstGeom prst="roundRect">
             <a:avLst>
@@ -9771,7 +9770,7 @@
           <a:p>
             <a:pPr algn="ctr"/>
             <a:r>
-              <a:rPr lang="en-US" sz="2000"/>
+              <a:rPr lang="en-US" sz="1385"/>
               <a:t>MODEL = S + R+ m (model)</a:t>
             </a:r>
           </a:p>
@@ -9791,8 +9790,8 @@
         </p:nvSpPr>
         <p:spPr>
           <a:xfrm>
-            <a:off x="2246419" y="674217"/>
-            <a:ext cx="5132194" cy="482348"/>
+            <a:off x="1555213" y="3045843"/>
+            <a:ext cx="3553057" cy="333933"/>
           </a:xfrm>
           <a:prstGeom prst="round2SameRect">
             <a:avLst/>
@@ -9821,7 +9820,7 @@
           <a:p>
             <a:pPr algn="ctr"/>
             <a:r>
-              <a:rPr lang="en-US" sz="3200">
+              <a:rPr lang="en-US" sz="2215">
                 <a:solidFill>
                   <a:schemeClr val="tx1"/>
                 </a:solidFill>
@@ -9845,8 +9844,8 @@
         </p:nvSpPr>
         <p:spPr>
           <a:xfrm>
-            <a:off x="6998947" y="4058974"/>
-            <a:ext cx="888676" cy="836809"/>
+            <a:off x="4845425" y="5389136"/>
+            <a:ext cx="615237" cy="579329"/>
           </a:xfrm>
           <a:prstGeom prst="ellipse">
             <a:avLst/>
@@ -9874,7 +9873,7 @@
           <a:p>
             <a:pPr algn="ctr"/>
             <a:r>
-              <a:rPr lang="en-US" sz="7200"/>
+              <a:rPr lang="en-US" sz="4985"/>
               <a:t>m</a:t>
             </a:r>
           </a:p>
@@ -9924,8 +9923,8 @@
         </p:nvSpPr>
         <p:spPr>
           <a:xfrm>
-            <a:off x="847719" y="3867598"/>
-            <a:ext cx="623611" cy="645114"/>
+            <a:off x="586883" y="5256645"/>
+            <a:ext cx="431731" cy="446617"/>
           </a:xfrm>
           <a:prstGeom prst="ellipse">
             <a:avLst/>
@@ -9953,7 +9952,7 @@
           <a:p>
             <a:pPr algn="ctr"/>
             <a:r>
-              <a:rPr lang="en-US" sz="3600"/>
+              <a:rPr lang="en-US" sz="2492"/>
               <a:t>S</a:t>
             </a:r>
           </a:p>
@@ -9973,8 +9972,8 @@
         </p:nvSpPr>
         <p:spPr>
           <a:xfrm>
-            <a:off x="1617078" y="3988079"/>
-            <a:ext cx="3585495" cy="404153"/>
+            <a:off x="1119516" y="5340055"/>
+            <a:ext cx="2482266" cy="279798"/>
           </a:xfrm>
           <a:prstGeom prst="roundRect">
             <a:avLst>
@@ -10004,11 +10003,11 @@
           <a:lstStyle/>
           <a:p>
             <a:r>
-              <a:rPr lang="en-US" sz="1400" b="1"/>
+              <a:rPr lang="en-US" sz="969" b="1"/>
               <a:t>B4</a:t>
             </a:r>
             <a:r>
-              <a:rPr lang="en-US" sz="1400"/>
+              <a:rPr lang="en-US" sz="969"/>
               <a:t>. Tạo một interface `IStudentService` </a:t>
             </a:r>
           </a:p>
@@ -10028,8 +10027,8 @@
         </p:nvSpPr>
         <p:spPr>
           <a:xfrm>
-            <a:off x="847719" y="4733419"/>
-            <a:ext cx="623611" cy="645114"/>
+            <a:off x="586883" y="5856060"/>
+            <a:ext cx="431731" cy="446617"/>
           </a:xfrm>
           <a:prstGeom prst="ellipse">
             <a:avLst/>
@@ -10057,7 +10056,7 @@
           <a:p>
             <a:pPr algn="ctr"/>
             <a:r>
-              <a:rPr lang="en-US" sz="3600"/>
+              <a:rPr lang="en-US" sz="2492"/>
               <a:t>S</a:t>
             </a:r>
           </a:p>
@@ -10077,8 +10076,8 @@
         </p:nvSpPr>
         <p:spPr>
           <a:xfrm>
-            <a:off x="1617078" y="4853900"/>
-            <a:ext cx="6225897" cy="404153"/>
+            <a:off x="1119516" y="5939470"/>
+            <a:ext cx="4310236" cy="279798"/>
           </a:xfrm>
           <a:prstGeom prst="roundRect">
             <a:avLst>
@@ -10108,11 +10107,11 @@
           <a:lstStyle/>
           <a:p>
             <a:r>
-              <a:rPr lang="en-US" sz="1400" b="1"/>
+              <a:rPr lang="en-US" sz="969" b="1"/>
               <a:t>B5</a:t>
             </a:r>
             <a:r>
-              <a:rPr lang="en-US" sz="1400"/>
+              <a:rPr lang="en-US" sz="969"/>
               <a:t>. Tạo một class `IStudentServiceImpl` implement từ interface  ` IStudentService`</a:t>
             </a:r>
           </a:p>
@@ -10132,8 +10131,8 @@
         </p:nvSpPr>
         <p:spPr>
           <a:xfrm>
-            <a:off x="847719" y="5599240"/>
-            <a:ext cx="623611" cy="645114"/>
+            <a:off x="586883" y="6455474"/>
+            <a:ext cx="431731" cy="446617"/>
           </a:xfrm>
           <a:prstGeom prst="ellipse">
             <a:avLst/>
@@ -10161,7 +10160,7 @@
           <a:p>
             <a:pPr algn="ctr"/>
             <a:r>
-              <a:rPr lang="en-US" sz="3600"/>
+              <a:rPr lang="en-US" sz="2492"/>
               <a:t>C</a:t>
             </a:r>
           </a:p>
@@ -10181,8 +10180,8 @@
         </p:nvSpPr>
         <p:spPr>
           <a:xfrm>
-            <a:off x="1617079" y="5719721"/>
-            <a:ext cx="3016292" cy="404153"/>
+            <a:off x="1119516" y="6538884"/>
+            <a:ext cx="2088202" cy="279798"/>
           </a:xfrm>
           <a:prstGeom prst="roundRect">
             <a:avLst>
@@ -10212,11 +10211,11 @@
           <a:lstStyle/>
           <a:p>
             <a:r>
-              <a:rPr lang="en-US" sz="1400" b="1"/>
+              <a:rPr lang="en-US" sz="969" b="1"/>
               <a:t>B6</a:t>
             </a:r>
             <a:r>
-              <a:rPr lang="en-US" sz="1400"/>
+              <a:rPr lang="en-US" sz="969"/>
               <a:t>. Tạo một class `StudentController`</a:t>
             </a:r>
           </a:p>
@@ -10236,8 +10235,8 @@
         </p:nvSpPr>
         <p:spPr>
           <a:xfrm>
-            <a:off x="859993" y="1270135"/>
-            <a:ext cx="623611" cy="645114"/>
+            <a:off x="595380" y="3458401"/>
+            <a:ext cx="431731" cy="446617"/>
           </a:xfrm>
           <a:prstGeom prst="ellipse">
             <a:avLst/>
@@ -10265,7 +10264,7 @@
           <a:p>
             <a:pPr algn="ctr"/>
             <a:r>
-              <a:rPr lang="en-US" sz="3600"/>
+              <a:rPr lang="en-US" sz="2492"/>
               <a:t>m</a:t>
             </a:r>
           </a:p>
@@ -10285,8 +10284,8 @@
         </p:nvSpPr>
         <p:spPr>
           <a:xfrm>
-            <a:off x="1617078" y="1390616"/>
-            <a:ext cx="3585495" cy="404153"/>
+            <a:off x="1119516" y="3541812"/>
+            <a:ext cx="2482266" cy="279798"/>
           </a:xfrm>
           <a:prstGeom prst="roundRect">
             <a:avLst>
@@ -10316,11 +10315,11 @@
           <a:lstStyle/>
           <a:p>
             <a:r>
-              <a:rPr lang="en-US" sz="1400" b="1"/>
+              <a:rPr lang="en-US" sz="969" b="1"/>
               <a:t>B1</a:t>
             </a:r>
             <a:r>
-              <a:rPr lang="en-US" sz="1400"/>
+              <a:rPr lang="en-US" sz="969"/>
               <a:t>. Tạo một class `Student`</a:t>
             </a:r>
           </a:p>
@@ -10340,8 +10339,8 @@
         </p:nvSpPr>
         <p:spPr>
           <a:xfrm>
-            <a:off x="862548" y="2135956"/>
-            <a:ext cx="623611" cy="645114"/>
+            <a:off x="597149" y="4057816"/>
+            <a:ext cx="431731" cy="446617"/>
           </a:xfrm>
           <a:prstGeom prst="ellipse">
             <a:avLst/>
@@ -10369,7 +10368,7 @@
           <a:p>
             <a:pPr algn="ctr"/>
             <a:r>
-              <a:rPr lang="en-US" sz="3600"/>
+              <a:rPr lang="en-US" sz="2492"/>
               <a:t>R</a:t>
             </a:r>
           </a:p>
@@ -10389,8 +10388,8 @@
         </p:nvSpPr>
         <p:spPr>
           <a:xfrm>
-            <a:off x="1619633" y="2256437"/>
-            <a:ext cx="5069603" cy="404153"/>
+            <a:off x="1121285" y="4141226"/>
+            <a:ext cx="3509725" cy="279798"/>
           </a:xfrm>
           <a:prstGeom prst="roundRect">
             <a:avLst>
@@ -10420,11 +10419,11 @@
           <a:lstStyle/>
           <a:p>
             <a:r>
-              <a:rPr lang="en-US" sz="1400" b="1"/>
+              <a:rPr lang="en-US" sz="969" b="1"/>
               <a:t>B2</a:t>
             </a:r>
             <a:r>
-              <a:rPr lang="en-US" sz="1400"/>
+              <a:rPr lang="en-US" sz="969"/>
               <a:t>. Tạo một Interface `IStudentRepository`</a:t>
             </a:r>
           </a:p>
@@ -10444,8 +10443,8 @@
         </p:nvSpPr>
         <p:spPr>
           <a:xfrm>
-            <a:off x="859993" y="3001777"/>
-            <a:ext cx="623611" cy="645114"/>
+            <a:off x="595380" y="4657230"/>
+            <a:ext cx="431731" cy="446617"/>
           </a:xfrm>
           <a:prstGeom prst="ellipse">
             <a:avLst/>
@@ -10473,7 +10472,7 @@
           <a:p>
             <a:pPr algn="ctr"/>
             <a:r>
-              <a:rPr lang="en-US" sz="3600"/>
+              <a:rPr lang="en-US" sz="2492"/>
               <a:t>R</a:t>
             </a:r>
           </a:p>
@@ -10493,8 +10492,8 @@
         </p:nvSpPr>
         <p:spPr>
           <a:xfrm>
-            <a:off x="1617078" y="3122258"/>
-            <a:ext cx="5969680" cy="404153"/>
+            <a:off x="1119516" y="4740641"/>
+            <a:ext cx="4132855" cy="279798"/>
           </a:xfrm>
           <a:prstGeom prst="roundRect">
             <a:avLst>
@@ -10524,11 +10523,11 @@
           <a:lstStyle/>
           <a:p>
             <a:r>
-              <a:rPr lang="en-US" sz="1400" b="1"/>
+              <a:rPr lang="en-US" sz="969" b="1"/>
               <a:t>B3</a:t>
             </a:r>
             <a:r>
-              <a:rPr lang="en-US" sz="1400"/>
+              <a:rPr lang="en-US" sz="969"/>
               <a:t>. Tạo một class `StudentRepositoryImpl`  implement từ `IStudentRepository`</a:t>
             </a:r>
           </a:p>
@@ -10548,8 +10547,8 @@
         </p:nvSpPr>
         <p:spPr>
           <a:xfrm>
-            <a:off x="2246419" y="297039"/>
-            <a:ext cx="5132194" cy="482348"/>
+            <a:off x="1555213" y="2784719"/>
+            <a:ext cx="3553057" cy="333933"/>
           </a:xfrm>
           <a:prstGeom prst="round2SameRect">
             <a:avLst/>
@@ -10578,7 +10577,7 @@
           <a:p>
             <a:pPr algn="ctr"/>
             <a:r>
-              <a:rPr lang="en-US" sz="3200">
+              <a:rPr lang="en-US" sz="2215">
                 <a:solidFill>
                   <a:schemeClr val="tx1"/>
                 </a:solidFill>
@@ -10602,8 +10601,8 @@
         </p:nvSpPr>
         <p:spPr>
           <a:xfrm>
-            <a:off x="5621412" y="845663"/>
-            <a:ext cx="1757201" cy="307777"/>
+            <a:off x="3891747" y="3164536"/>
+            <a:ext cx="1216524" cy="241476"/>
           </a:xfrm>
           <a:prstGeom prst="rect">
             <a:avLst/>
@@ -10617,7 +10616,7 @@
           <a:lstStyle/>
           <a:p>
             <a:r>
-              <a:rPr lang="en-US" sz="1400"/>
+              <a:rPr lang="en-US" sz="969"/>
               <a:t>Quản lý sinh viên</a:t>
             </a:r>
           </a:p>
@@ -10667,8 +10666,8 @@
         </p:nvSpPr>
         <p:spPr>
           <a:xfrm>
-            <a:off x="847719" y="3867598"/>
-            <a:ext cx="623611" cy="645114"/>
+            <a:off x="86263" y="6052033"/>
+            <a:ext cx="431731" cy="446617"/>
           </a:xfrm>
           <a:prstGeom prst="ellipse">
             <a:avLst/>
@@ -10696,7 +10695,7 @@
           <a:p>
             <a:pPr algn="ctr"/>
             <a:r>
-              <a:rPr lang="en-US" sz="3600"/>
+              <a:rPr lang="en-US" sz="2492"/>
               <a:t>S</a:t>
             </a:r>
           </a:p>
@@ -10716,8 +10715,8 @@
         </p:nvSpPr>
         <p:spPr>
           <a:xfrm>
-            <a:off x="1617078" y="3988079"/>
-            <a:ext cx="3585495" cy="404153"/>
+            <a:off x="618896" y="6135444"/>
+            <a:ext cx="2220707" cy="279798"/>
           </a:xfrm>
           <a:prstGeom prst="roundRect">
             <a:avLst>
@@ -10747,11 +10746,11 @@
           <a:lstStyle/>
           <a:p>
             <a:r>
-              <a:rPr lang="en-US" sz="1400" b="1"/>
-              <a:t>B4</a:t>
-            </a:r>
-            <a:r>
-              <a:rPr lang="en-US" sz="1400"/>
+              <a:rPr lang="en-US" sz="969" b="1"/>
+              <a:t>4</a:t>
+            </a:r>
+            <a:r>
+              <a:rPr lang="en-US" sz="969"/>
               <a:t>. Tạo một interface `ICustomerService` </a:t>
             </a:r>
           </a:p>
@@ -10771,8 +10770,8 @@
         </p:nvSpPr>
         <p:spPr>
           <a:xfrm>
-            <a:off x="847719" y="4733419"/>
-            <a:ext cx="623611" cy="645114"/>
+            <a:off x="77766" y="7830293"/>
+            <a:ext cx="431731" cy="446617"/>
           </a:xfrm>
           <a:prstGeom prst="ellipse">
             <a:avLst/>
@@ -10800,7 +10799,7 @@
           <a:p>
             <a:pPr algn="ctr"/>
             <a:r>
-              <a:rPr lang="en-US" sz="3600"/>
+              <a:rPr lang="en-US" sz="2492"/>
               <a:t>S</a:t>
             </a:r>
           </a:p>
@@ -10820,8 +10819,8 @@
         </p:nvSpPr>
         <p:spPr>
           <a:xfrm>
-            <a:off x="1617078" y="4853900"/>
-            <a:ext cx="6759808" cy="404153"/>
+            <a:off x="610399" y="7779138"/>
+            <a:ext cx="2355865" cy="548928"/>
           </a:xfrm>
           <a:prstGeom prst="roundRect">
             <a:avLst>
@@ -10851,11 +10850,11 @@
           <a:lstStyle/>
           <a:p>
             <a:r>
-              <a:rPr lang="en-US" sz="1400" b="1"/>
-              <a:t>B5</a:t>
-            </a:r>
-            <a:r>
-              <a:rPr lang="en-US" sz="1400"/>
+              <a:rPr lang="en-US" sz="969" b="1"/>
+              <a:t>5</a:t>
+            </a:r>
+            <a:r>
+              <a:rPr lang="en-US" sz="969"/>
               <a:t>. Tạo một class `CustomerServiceImpl` implement từ interface  ` ICustomerService`</a:t>
             </a:r>
           </a:p>
@@ -10875,8 +10874,8 @@
         </p:nvSpPr>
         <p:spPr>
           <a:xfrm>
-            <a:off x="847719" y="5599240"/>
-            <a:ext cx="623611" cy="645114"/>
+            <a:off x="77766" y="8695086"/>
+            <a:ext cx="431731" cy="446617"/>
           </a:xfrm>
           <a:prstGeom prst="ellipse">
             <a:avLst/>
@@ -10904,7 +10903,7 @@
           <a:p>
             <a:pPr algn="ctr"/>
             <a:r>
-              <a:rPr lang="en-US" sz="3600"/>
+              <a:rPr lang="en-US" sz="2492"/>
               <a:t>C</a:t>
             </a:r>
           </a:p>
@@ -10924,8 +10923,8 @@
         </p:nvSpPr>
         <p:spPr>
           <a:xfrm>
-            <a:off x="1617079" y="5719721"/>
-            <a:ext cx="3402916" cy="404153"/>
+            <a:off x="610399" y="8778497"/>
+            <a:ext cx="2355865" cy="279798"/>
           </a:xfrm>
           <a:prstGeom prst="roundRect">
             <a:avLst>
@@ -10955,11 +10954,11 @@
           <a:lstStyle/>
           <a:p>
             <a:r>
-              <a:rPr lang="en-US" sz="1400" b="1"/>
-              <a:t>B6</a:t>
-            </a:r>
-            <a:r>
-              <a:rPr lang="en-US" sz="1400"/>
+              <a:rPr lang="en-US" sz="969" b="1"/>
+              <a:t>6</a:t>
+            </a:r>
+            <a:r>
+              <a:rPr lang="en-US" sz="969"/>
               <a:t>. Tạo một class `CustomerController`</a:t>
             </a:r>
           </a:p>
@@ -10979,8 +10978,8 @@
         </p:nvSpPr>
         <p:spPr>
           <a:xfrm>
-            <a:off x="859993" y="1270135"/>
-            <a:ext cx="623611" cy="645114"/>
+            <a:off x="86263" y="563871"/>
+            <a:ext cx="431731" cy="446617"/>
           </a:xfrm>
           <a:prstGeom prst="ellipse">
             <a:avLst/>
@@ -11008,7 +11007,7 @@
           <a:p>
             <a:pPr algn="ctr"/>
             <a:r>
-              <a:rPr lang="en-US" sz="3600"/>
+              <a:rPr lang="en-US" sz="2492"/>
               <a:t>m</a:t>
             </a:r>
           </a:p>
@@ -11028,8 +11027,8 @@
         </p:nvSpPr>
         <p:spPr>
           <a:xfrm>
-            <a:off x="1617078" y="1390616"/>
-            <a:ext cx="3585495" cy="404153"/>
+            <a:off x="610399" y="647282"/>
+            <a:ext cx="1667587" cy="279798"/>
           </a:xfrm>
           <a:prstGeom prst="roundRect">
             <a:avLst>
@@ -11059,11 +11058,11 @@
           <a:lstStyle/>
           <a:p>
             <a:r>
-              <a:rPr lang="en-US" sz="1400" b="1"/>
-              <a:t>B1</a:t>
-            </a:r>
-            <a:r>
-              <a:rPr lang="en-US" sz="1400"/>
+              <a:rPr lang="en-US" sz="969" b="1"/>
+              <a:t>1</a:t>
+            </a:r>
+            <a:r>
+              <a:rPr lang="en-US" sz="969"/>
               <a:t>. Tạo một class `Customer`</a:t>
             </a:r>
           </a:p>
@@ -11083,8 +11082,8 @@
         </p:nvSpPr>
         <p:spPr>
           <a:xfrm>
-            <a:off x="862548" y="2135956"/>
-            <a:ext cx="623611" cy="645114"/>
+            <a:off x="88032" y="1355198"/>
+            <a:ext cx="431731" cy="446617"/>
           </a:xfrm>
           <a:prstGeom prst="ellipse">
             <a:avLst/>
@@ -11112,7 +11111,7 @@
           <a:p>
             <a:pPr algn="ctr"/>
             <a:r>
-              <a:rPr lang="en-US" sz="3600"/>
+              <a:rPr lang="en-US" sz="2492"/>
               <a:t>R</a:t>
             </a:r>
           </a:p>
@@ -11132,8 +11131,8 @@
         </p:nvSpPr>
         <p:spPr>
           <a:xfrm>
-            <a:off x="1619633" y="2256437"/>
-            <a:ext cx="5069603" cy="404153"/>
+            <a:off x="612168" y="1438608"/>
+            <a:ext cx="2447567" cy="279798"/>
           </a:xfrm>
           <a:prstGeom prst="roundRect">
             <a:avLst>
@@ -11163,11 +11162,11 @@
           <a:lstStyle/>
           <a:p>
             <a:r>
-              <a:rPr lang="en-US" sz="1400" b="1"/>
-              <a:t>B2</a:t>
-            </a:r>
-            <a:r>
-              <a:rPr lang="en-US" sz="1400"/>
+              <a:rPr lang="en-US" sz="969" b="1"/>
+              <a:t>2</a:t>
+            </a:r>
+            <a:r>
+              <a:rPr lang="en-US" sz="969"/>
               <a:t>. Tạo một Interface `ICustomerRepository`</a:t>
             </a:r>
           </a:p>
@@ -11187,8 +11186,8 @@
         </p:nvSpPr>
         <p:spPr>
           <a:xfrm>
-            <a:off x="859993" y="3001777"/>
-            <a:ext cx="623611" cy="645114"/>
+            <a:off x="86263" y="3246727"/>
+            <a:ext cx="431731" cy="446617"/>
           </a:xfrm>
           <a:prstGeom prst="ellipse">
             <a:avLst/>
@@ -11216,7 +11215,7 @@
           <a:p>
             <a:pPr algn="ctr"/>
             <a:r>
-              <a:rPr lang="en-US" sz="3600"/>
+              <a:rPr lang="en-US" sz="2492"/>
               <a:t>R</a:t>
             </a:r>
           </a:p>
@@ -11236,8 +11235,8 @@
         </p:nvSpPr>
         <p:spPr>
           <a:xfrm>
-            <a:off x="1617078" y="3122258"/>
-            <a:ext cx="6422278" cy="404153"/>
+            <a:off x="610399" y="3059775"/>
+            <a:ext cx="2229204" cy="550160"/>
           </a:xfrm>
           <a:prstGeom prst="roundRect">
             <a:avLst>
@@ -11267,11 +11266,11 @@
           <a:lstStyle/>
           <a:p>
             <a:r>
-              <a:rPr lang="en-US" sz="1400" b="1"/>
-              <a:t>B3</a:t>
-            </a:r>
-            <a:r>
-              <a:rPr lang="en-US" sz="1400"/>
+              <a:rPr lang="en-US" sz="969" b="1"/>
+              <a:t>3</a:t>
+            </a:r>
+            <a:r>
+              <a:rPr lang="en-US" sz="969"/>
               <a:t>. Tạo một class `CustomerRepositoryImpl`  implement từ `ICustomerRepository`</a:t>
             </a:r>
           </a:p>
@@ -11291,8 +11290,8 @@
         </p:nvSpPr>
         <p:spPr>
           <a:xfrm>
-            <a:off x="2246419" y="297039"/>
-            <a:ext cx="5132194" cy="482348"/>
+            <a:off x="1468127" y="82101"/>
+            <a:ext cx="3553057" cy="333933"/>
           </a:xfrm>
           <a:prstGeom prst="round2SameRect">
             <a:avLst/>
@@ -11321,7 +11320,7 @@
           <a:p>
             <a:pPr algn="ctr"/>
             <a:r>
-              <a:rPr lang="en-US" sz="3200">
+              <a:rPr lang="en-US" sz="2215">
                 <a:solidFill>
                   <a:schemeClr val="tx1"/>
                 </a:solidFill>
@@ -11345,8 +11344,8 @@
         </p:nvSpPr>
         <p:spPr>
           <a:xfrm>
-            <a:off x="5621412" y="845663"/>
-            <a:ext cx="1757201" cy="307777"/>
+            <a:off x="5321543" y="142529"/>
+            <a:ext cx="1216524" cy="241476"/>
           </a:xfrm>
           <a:prstGeom prst="rect">
             <a:avLst/>
@@ -11360,12 +11359,2065 @@
           <a:lstStyle/>
           <a:p>
             <a:r>
-              <a:rPr lang="en-US" sz="1400"/>
+              <a:rPr lang="en-US" sz="969"/>
               <a:t>Quản lý khách hàng</a:t>
             </a:r>
           </a:p>
         </p:txBody>
       </p:sp>
+      <p:sp>
+        <p:nvSpPr>
+          <p:cNvPr id="16" name="Rectangle: Rounded Corners 15">
+            <a:extLst>
+              <a:ext uri="{FF2B5EF4-FFF2-40B4-BE49-F238E27FC236}">
+                <a16:creationId xmlns:a16="http://schemas.microsoft.com/office/drawing/2014/main" id="{010900F8-D2C7-4C76-9F5C-C340AA81DD25}"/>
+              </a:ext>
+            </a:extLst>
+          </p:cNvPr>
+          <p:cNvSpPr/>
+          <p:nvPr/>
+        </p:nvSpPr>
+        <p:spPr>
+          <a:xfrm>
+            <a:off x="3682511" y="713753"/>
+            <a:ext cx="2088770" cy="213077"/>
+          </a:xfrm>
+          <a:prstGeom prst="roundRect">
+            <a:avLst>
+              <a:gd name="adj" fmla="val 10785"/>
+            </a:avLst>
+          </a:prstGeom>
+          <a:ln>
+            <a:prstDash val="dash"/>
+          </a:ln>
+        </p:spPr>
+        <p:style>
+          <a:lnRef idx="2">
+            <a:schemeClr val="accent6"/>
+          </a:lnRef>
+          <a:fillRef idx="1">
+            <a:schemeClr val="lt1"/>
+          </a:fillRef>
+          <a:effectRef idx="0">
+            <a:schemeClr val="accent6"/>
+          </a:effectRef>
+          <a:fontRef idx="minor">
+            <a:schemeClr val="dk1"/>
+          </a:fontRef>
+        </p:style>
+        <p:txBody>
+          <a:bodyPr rtlCol="0" anchor="ctr"/>
+          <a:lstStyle/>
+          <a:p>
+            <a:r>
+              <a:rPr lang="en-US" sz="900" b="1"/>
+              <a:t>2.1.</a:t>
+            </a:r>
+            <a:r>
+              <a:rPr lang="en-US" sz="900"/>
+              <a:t> ArrayList&lt;Customer&gt; displayAll() </a:t>
+            </a:r>
+          </a:p>
+        </p:txBody>
+      </p:sp>
+      <p:sp>
+        <p:nvSpPr>
+          <p:cNvPr id="19" name="Rectangle: Rounded Corners 18">
+            <a:extLst>
+              <a:ext uri="{FF2B5EF4-FFF2-40B4-BE49-F238E27FC236}">
+                <a16:creationId xmlns:a16="http://schemas.microsoft.com/office/drawing/2014/main" id="{8ACBCDF1-B32A-4C74-BE2C-48189AB306B5}"/>
+              </a:ext>
+            </a:extLst>
+          </p:cNvPr>
+          <p:cNvSpPr/>
+          <p:nvPr/>
+        </p:nvSpPr>
+        <p:spPr>
+          <a:xfrm>
+            <a:off x="3682511" y="1017850"/>
+            <a:ext cx="2088770" cy="213077"/>
+          </a:xfrm>
+          <a:prstGeom prst="roundRect">
+            <a:avLst>
+              <a:gd name="adj" fmla="val 10785"/>
+            </a:avLst>
+          </a:prstGeom>
+          <a:ln>
+            <a:prstDash val="dash"/>
+          </a:ln>
+        </p:spPr>
+        <p:style>
+          <a:lnRef idx="2">
+            <a:schemeClr val="accent6"/>
+          </a:lnRef>
+          <a:fillRef idx="1">
+            <a:schemeClr val="lt1"/>
+          </a:fillRef>
+          <a:effectRef idx="0">
+            <a:schemeClr val="accent6"/>
+          </a:effectRef>
+          <a:fontRef idx="minor">
+            <a:schemeClr val="dk1"/>
+          </a:fontRef>
+        </p:style>
+        <p:txBody>
+          <a:bodyPr rtlCol="0" anchor="ctr"/>
+          <a:lstStyle/>
+          <a:p>
+            <a:r>
+              <a:rPr lang="en-US" sz="900" b="1"/>
+              <a:t>2.2.</a:t>
+            </a:r>
+            <a:r>
+              <a:rPr lang="en-US" sz="900"/>
+              <a:t> void addCustommer(Customer e) </a:t>
+            </a:r>
+          </a:p>
+        </p:txBody>
+      </p:sp>
+      <p:sp>
+        <p:nvSpPr>
+          <p:cNvPr id="20" name="Rectangle: Rounded Corners 19">
+            <a:extLst>
+              <a:ext uri="{FF2B5EF4-FFF2-40B4-BE49-F238E27FC236}">
+                <a16:creationId xmlns:a16="http://schemas.microsoft.com/office/drawing/2014/main" id="{91CD6BAB-434E-481E-BA19-31C0E5861B93}"/>
+              </a:ext>
+            </a:extLst>
+          </p:cNvPr>
+          <p:cNvSpPr/>
+          <p:nvPr/>
+        </p:nvSpPr>
+        <p:spPr>
+          <a:xfrm>
+            <a:off x="3682511" y="1321947"/>
+            <a:ext cx="2088770" cy="213077"/>
+          </a:xfrm>
+          <a:prstGeom prst="roundRect">
+            <a:avLst>
+              <a:gd name="adj" fmla="val 10785"/>
+            </a:avLst>
+          </a:prstGeom>
+          <a:ln>
+            <a:prstDash val="dash"/>
+          </a:ln>
+        </p:spPr>
+        <p:style>
+          <a:lnRef idx="2">
+            <a:schemeClr val="accent6"/>
+          </a:lnRef>
+          <a:fillRef idx="1">
+            <a:schemeClr val="lt1"/>
+          </a:fillRef>
+          <a:effectRef idx="0">
+            <a:schemeClr val="accent6"/>
+          </a:effectRef>
+          <a:fontRef idx="minor">
+            <a:schemeClr val="dk1"/>
+          </a:fontRef>
+        </p:style>
+        <p:txBody>
+          <a:bodyPr rtlCol="0" anchor="ctr"/>
+          <a:lstStyle/>
+          <a:p>
+            <a:r>
+              <a:rPr lang="en-US" sz="900" b="1"/>
+              <a:t>2.3.</a:t>
+            </a:r>
+            <a:r>
+              <a:rPr lang="en-US" sz="900"/>
+              <a:t> void removeCustomer(int id)  </a:t>
+            </a:r>
+          </a:p>
+        </p:txBody>
+      </p:sp>
+      <p:sp>
+        <p:nvSpPr>
+          <p:cNvPr id="21" name="Rectangle: Rounded Corners 20">
+            <a:extLst>
+              <a:ext uri="{FF2B5EF4-FFF2-40B4-BE49-F238E27FC236}">
+                <a16:creationId xmlns:a16="http://schemas.microsoft.com/office/drawing/2014/main" id="{047CEC83-8191-4272-B266-C0CA260FA9F3}"/>
+              </a:ext>
+            </a:extLst>
+          </p:cNvPr>
+          <p:cNvSpPr/>
+          <p:nvPr/>
+        </p:nvSpPr>
+        <p:spPr>
+          <a:xfrm>
+            <a:off x="3682511" y="1626044"/>
+            <a:ext cx="3122149" cy="213077"/>
+          </a:xfrm>
+          <a:prstGeom prst="roundRect">
+            <a:avLst>
+              <a:gd name="adj" fmla="val 10785"/>
+            </a:avLst>
+          </a:prstGeom>
+          <a:ln>
+            <a:prstDash val="dash"/>
+          </a:ln>
+        </p:spPr>
+        <p:style>
+          <a:lnRef idx="2">
+            <a:schemeClr val="accent6"/>
+          </a:lnRef>
+          <a:fillRef idx="1">
+            <a:schemeClr val="lt1"/>
+          </a:fillRef>
+          <a:effectRef idx="0">
+            <a:schemeClr val="accent6"/>
+          </a:effectRef>
+          <a:fontRef idx="minor">
+            <a:schemeClr val="dk1"/>
+          </a:fontRef>
+        </p:style>
+        <p:txBody>
+          <a:bodyPr rtlCol="0" anchor="ctr"/>
+          <a:lstStyle/>
+          <a:p>
+            <a:r>
+              <a:rPr lang="en-US" sz="900" b="1"/>
+              <a:t>2.4.</a:t>
+            </a:r>
+            <a:r>
+              <a:rPr lang="en-US" sz="900"/>
+              <a:t> ArrayList&lt;Customer&gt; searchName(String searchName) </a:t>
+            </a:r>
+          </a:p>
+        </p:txBody>
+      </p:sp>
+      <p:sp>
+        <p:nvSpPr>
+          <p:cNvPr id="22" name="Rectangle: Rounded Corners 21">
+            <a:extLst>
+              <a:ext uri="{FF2B5EF4-FFF2-40B4-BE49-F238E27FC236}">
+                <a16:creationId xmlns:a16="http://schemas.microsoft.com/office/drawing/2014/main" id="{512B7C44-3554-4E4D-B408-9CD24AA6231A}"/>
+              </a:ext>
+            </a:extLst>
+          </p:cNvPr>
+          <p:cNvSpPr/>
+          <p:nvPr/>
+        </p:nvSpPr>
+        <p:spPr>
+          <a:xfrm>
+            <a:off x="3250235" y="1992769"/>
+            <a:ext cx="3554425" cy="353171"/>
+          </a:xfrm>
+          <a:prstGeom prst="roundRect">
+            <a:avLst>
+              <a:gd name="adj" fmla="val 10785"/>
+            </a:avLst>
+          </a:prstGeom>
+          <a:ln>
+            <a:prstDash val="dash"/>
+          </a:ln>
+        </p:spPr>
+        <p:style>
+          <a:lnRef idx="2">
+            <a:schemeClr val="accent6"/>
+          </a:lnRef>
+          <a:fillRef idx="1">
+            <a:schemeClr val="lt1"/>
+          </a:fillRef>
+          <a:effectRef idx="0">
+            <a:schemeClr val="accent6"/>
+          </a:effectRef>
+          <a:fontRef idx="minor">
+            <a:schemeClr val="dk1"/>
+          </a:fontRef>
+        </p:style>
+        <p:txBody>
+          <a:bodyPr rtlCol="0" anchor="ctr"/>
+          <a:lstStyle/>
+          <a:p>
+            <a:r>
+              <a:rPr lang="en-US" sz="900" b="1"/>
+              <a:t>3.1</a:t>
+            </a:r>
+            <a:r>
+              <a:rPr lang="en-US" sz="900"/>
+              <a:t>. private static ArrayList&lt;Customer&gt; customerArrayList = new ArrayList&lt;&gt;(10);</a:t>
+            </a:r>
+          </a:p>
+        </p:txBody>
+      </p:sp>
+      <p:sp>
+        <p:nvSpPr>
+          <p:cNvPr id="23" name="Rectangle: Rounded Corners 22">
+            <a:extLst>
+              <a:ext uri="{FF2B5EF4-FFF2-40B4-BE49-F238E27FC236}">
+                <a16:creationId xmlns:a16="http://schemas.microsoft.com/office/drawing/2014/main" id="{BDB42AFF-0351-435C-9F80-9B11C67C851B}"/>
+              </a:ext>
+            </a:extLst>
+          </p:cNvPr>
+          <p:cNvSpPr/>
+          <p:nvPr/>
+        </p:nvSpPr>
+        <p:spPr>
+          <a:xfrm>
+            <a:off x="3250235" y="2460699"/>
+            <a:ext cx="3554425" cy="616284"/>
+          </a:xfrm>
+          <a:prstGeom prst="roundRect">
+            <a:avLst>
+              <a:gd name="adj" fmla="val 10785"/>
+            </a:avLst>
+          </a:prstGeom>
+          <a:ln>
+            <a:prstDash val="dash"/>
+          </a:ln>
+        </p:spPr>
+        <p:style>
+          <a:lnRef idx="2">
+            <a:schemeClr val="accent6"/>
+          </a:lnRef>
+          <a:fillRef idx="1">
+            <a:schemeClr val="lt1"/>
+          </a:fillRef>
+          <a:effectRef idx="0">
+            <a:schemeClr val="accent6"/>
+          </a:effectRef>
+          <a:fontRef idx="minor">
+            <a:schemeClr val="dk1"/>
+          </a:fontRef>
+        </p:style>
+        <p:txBody>
+          <a:bodyPr rtlCol="0" anchor="ctr"/>
+          <a:lstStyle/>
+          <a:p>
+            <a:r>
+              <a:rPr lang="en-US" sz="900"/>
+              <a:t> static {</a:t>
+            </a:r>
+          </a:p>
+          <a:p>
+            <a:r>
+              <a:rPr lang="en-US" sz="900"/>
+              <a:t>        customerArrayList.add(0, new Customer(1, "Viên 1", 31, "VIP"));</a:t>
+            </a:r>
+          </a:p>
+          <a:p>
+            <a:r>
+              <a:rPr lang="en-US" sz="900"/>
+              <a:t>      ….</a:t>
+            </a:r>
+          </a:p>
+          <a:p>
+            <a:r>
+              <a:rPr lang="en-US" sz="900"/>
+              <a:t>    }</a:t>
+            </a:r>
+          </a:p>
+        </p:txBody>
+      </p:sp>
+      <p:sp>
+        <p:nvSpPr>
+          <p:cNvPr id="25" name="Rectangle: Rounded Corners 24">
+            <a:extLst>
+              <a:ext uri="{FF2B5EF4-FFF2-40B4-BE49-F238E27FC236}">
+                <a16:creationId xmlns:a16="http://schemas.microsoft.com/office/drawing/2014/main" id="{8CD2C42F-224B-4C0C-9F35-1047735EA0A5}"/>
+              </a:ext>
+            </a:extLst>
+          </p:cNvPr>
+          <p:cNvSpPr/>
+          <p:nvPr/>
+        </p:nvSpPr>
+        <p:spPr>
+          <a:xfrm>
+            <a:off x="3250235" y="3180138"/>
+            <a:ext cx="2499444" cy="373368"/>
+          </a:xfrm>
+          <a:prstGeom prst="roundRect">
+            <a:avLst>
+              <a:gd name="adj" fmla="val 10785"/>
+            </a:avLst>
+          </a:prstGeom>
+          <a:ln>
+            <a:prstDash val="dash"/>
+          </a:ln>
+        </p:spPr>
+        <p:style>
+          <a:lnRef idx="2">
+            <a:schemeClr val="accent6"/>
+          </a:lnRef>
+          <a:fillRef idx="1">
+            <a:schemeClr val="lt1"/>
+          </a:fillRef>
+          <a:effectRef idx="0">
+            <a:schemeClr val="accent6"/>
+          </a:effectRef>
+          <a:fontRef idx="minor">
+            <a:schemeClr val="dk1"/>
+          </a:fontRef>
+        </p:style>
+        <p:txBody>
+          <a:bodyPr rtlCol="0" anchor="ctr"/>
+          <a:lstStyle/>
+          <a:p>
+            <a:r>
+              <a:rPr lang="en-US" sz="900" b="1"/>
+              <a:t>3.2. </a:t>
+            </a:r>
+            <a:r>
+              <a:rPr lang="en-US" sz="900"/>
+              <a:t>@Override</a:t>
+            </a:r>
+          </a:p>
+          <a:p>
+            <a:r>
+              <a:rPr lang="en-US" sz="900"/>
+              <a:t>    public ArrayList&lt;Customer&gt; displayAll()  </a:t>
+            </a:r>
+          </a:p>
+        </p:txBody>
+      </p:sp>
+      <p:sp>
+        <p:nvSpPr>
+          <p:cNvPr id="26" name="Rectangle: Rounded Corners 25">
+            <a:extLst>
+              <a:ext uri="{FF2B5EF4-FFF2-40B4-BE49-F238E27FC236}">
+                <a16:creationId xmlns:a16="http://schemas.microsoft.com/office/drawing/2014/main" id="{734BD96D-2D8A-4D06-A4D2-033BBB6B0191}"/>
+              </a:ext>
+            </a:extLst>
+          </p:cNvPr>
+          <p:cNvSpPr/>
+          <p:nvPr/>
+        </p:nvSpPr>
+        <p:spPr>
+          <a:xfrm>
+            <a:off x="3250235" y="3640259"/>
+            <a:ext cx="2755278" cy="373368"/>
+          </a:xfrm>
+          <a:prstGeom prst="roundRect">
+            <a:avLst>
+              <a:gd name="adj" fmla="val 10785"/>
+            </a:avLst>
+          </a:prstGeom>
+          <a:ln>
+            <a:prstDash val="dash"/>
+          </a:ln>
+        </p:spPr>
+        <p:style>
+          <a:lnRef idx="2">
+            <a:schemeClr val="accent6"/>
+          </a:lnRef>
+          <a:fillRef idx="1">
+            <a:schemeClr val="lt1"/>
+          </a:fillRef>
+          <a:effectRef idx="0">
+            <a:schemeClr val="accent6"/>
+          </a:effectRef>
+          <a:fontRef idx="minor">
+            <a:schemeClr val="dk1"/>
+          </a:fontRef>
+        </p:style>
+        <p:txBody>
+          <a:bodyPr rtlCol="0" anchor="ctr"/>
+          <a:lstStyle/>
+          <a:p>
+            <a:r>
+              <a:rPr lang="en-US" sz="900" b="1"/>
+              <a:t>3.3.</a:t>
+            </a:r>
+            <a:r>
+              <a:rPr lang="en-US" sz="900"/>
+              <a:t> @Override</a:t>
+            </a:r>
+          </a:p>
+          <a:p>
+            <a:r>
+              <a:rPr lang="en-US" sz="900"/>
+              <a:t>    public void addCustommer(Customer e)</a:t>
+            </a:r>
+          </a:p>
+        </p:txBody>
+      </p:sp>
+      <p:sp>
+        <p:nvSpPr>
+          <p:cNvPr id="33" name="Rectangle: Rounded Corners 32">
+            <a:extLst>
+              <a:ext uri="{FF2B5EF4-FFF2-40B4-BE49-F238E27FC236}">
+                <a16:creationId xmlns:a16="http://schemas.microsoft.com/office/drawing/2014/main" id="{5043AEF0-528F-42FA-834E-F2EC19D92C15}"/>
+              </a:ext>
+            </a:extLst>
+          </p:cNvPr>
+          <p:cNvSpPr/>
+          <p:nvPr/>
+        </p:nvSpPr>
+        <p:spPr>
+          <a:xfrm>
+            <a:off x="3250235" y="4594763"/>
+            <a:ext cx="3479178" cy="373368"/>
+          </a:xfrm>
+          <a:prstGeom prst="roundRect">
+            <a:avLst>
+              <a:gd name="adj" fmla="val 10785"/>
+            </a:avLst>
+          </a:prstGeom>
+          <a:ln>
+            <a:prstDash val="dash"/>
+          </a:ln>
+        </p:spPr>
+        <p:style>
+          <a:lnRef idx="2">
+            <a:schemeClr val="accent6"/>
+          </a:lnRef>
+          <a:fillRef idx="1">
+            <a:schemeClr val="lt1"/>
+          </a:fillRef>
+          <a:effectRef idx="0">
+            <a:schemeClr val="accent6"/>
+          </a:effectRef>
+          <a:fontRef idx="minor">
+            <a:schemeClr val="dk1"/>
+          </a:fontRef>
+        </p:style>
+        <p:txBody>
+          <a:bodyPr rtlCol="0" anchor="ctr"/>
+          <a:lstStyle/>
+          <a:p>
+            <a:r>
+              <a:rPr lang="en-US" sz="900" b="1"/>
+              <a:t>3.5.</a:t>
+            </a:r>
+            <a:r>
+              <a:rPr lang="en-US" sz="900"/>
+              <a:t> @Override</a:t>
+            </a:r>
+          </a:p>
+          <a:p>
+            <a:r>
+              <a:rPr lang="en-US" sz="900"/>
+              <a:t>    public ArrayList&lt;Customer&gt; searchName(String searchName)</a:t>
+            </a:r>
+          </a:p>
+        </p:txBody>
+      </p:sp>
+      <p:sp>
+        <p:nvSpPr>
+          <p:cNvPr id="37" name="Rectangle: Rounded Corners 36">
+            <a:extLst>
+              <a:ext uri="{FF2B5EF4-FFF2-40B4-BE49-F238E27FC236}">
+                <a16:creationId xmlns:a16="http://schemas.microsoft.com/office/drawing/2014/main" id="{53D2C48E-B803-4907-AFEF-D9A604A02C97}"/>
+              </a:ext>
+            </a:extLst>
+          </p:cNvPr>
+          <p:cNvSpPr/>
+          <p:nvPr/>
+        </p:nvSpPr>
+        <p:spPr>
+          <a:xfrm>
+            <a:off x="3250235" y="5194342"/>
+            <a:ext cx="2088770" cy="213077"/>
+          </a:xfrm>
+          <a:prstGeom prst="roundRect">
+            <a:avLst>
+              <a:gd name="adj" fmla="val 10785"/>
+            </a:avLst>
+          </a:prstGeom>
+          <a:ln>
+            <a:prstDash val="dash"/>
+          </a:ln>
+        </p:spPr>
+        <p:style>
+          <a:lnRef idx="2">
+            <a:schemeClr val="accent6"/>
+          </a:lnRef>
+          <a:fillRef idx="1">
+            <a:schemeClr val="lt1"/>
+          </a:fillRef>
+          <a:effectRef idx="0">
+            <a:schemeClr val="accent6"/>
+          </a:effectRef>
+          <a:fontRef idx="minor">
+            <a:schemeClr val="dk1"/>
+          </a:fontRef>
+        </p:style>
+        <p:txBody>
+          <a:bodyPr rtlCol="0" anchor="ctr"/>
+          <a:lstStyle/>
+          <a:p>
+            <a:r>
+              <a:rPr lang="en-US" sz="900" b="1"/>
+              <a:t>4.1.</a:t>
+            </a:r>
+            <a:r>
+              <a:rPr lang="en-US" sz="900"/>
+              <a:t> ArrayList&lt;Customer&gt; displayAll() </a:t>
+            </a:r>
+          </a:p>
+        </p:txBody>
+      </p:sp>
+      <p:sp>
+        <p:nvSpPr>
+          <p:cNvPr id="40" name="Rectangle: Rounded Corners 39">
+            <a:extLst>
+              <a:ext uri="{FF2B5EF4-FFF2-40B4-BE49-F238E27FC236}">
+                <a16:creationId xmlns:a16="http://schemas.microsoft.com/office/drawing/2014/main" id="{3D47D388-38B5-498B-BD00-2220F16134AA}"/>
+              </a:ext>
+            </a:extLst>
+          </p:cNvPr>
+          <p:cNvSpPr/>
+          <p:nvPr/>
+        </p:nvSpPr>
+        <p:spPr>
+          <a:xfrm>
+            <a:off x="3250235" y="5498439"/>
+            <a:ext cx="2088770" cy="213077"/>
+          </a:xfrm>
+          <a:prstGeom prst="roundRect">
+            <a:avLst>
+              <a:gd name="adj" fmla="val 10785"/>
+            </a:avLst>
+          </a:prstGeom>
+          <a:ln>
+            <a:prstDash val="dash"/>
+          </a:ln>
+        </p:spPr>
+        <p:style>
+          <a:lnRef idx="2">
+            <a:schemeClr val="accent6"/>
+          </a:lnRef>
+          <a:fillRef idx="1">
+            <a:schemeClr val="lt1"/>
+          </a:fillRef>
+          <a:effectRef idx="0">
+            <a:schemeClr val="accent6"/>
+          </a:effectRef>
+          <a:fontRef idx="minor">
+            <a:schemeClr val="dk1"/>
+          </a:fontRef>
+        </p:style>
+        <p:txBody>
+          <a:bodyPr rtlCol="0" anchor="ctr"/>
+          <a:lstStyle/>
+          <a:p>
+            <a:r>
+              <a:rPr lang="en-US" sz="900" b="1"/>
+              <a:t>4.2.</a:t>
+            </a:r>
+            <a:r>
+              <a:rPr lang="en-US" sz="900"/>
+              <a:t> void addCustommer(Customer e) </a:t>
+            </a:r>
+          </a:p>
+        </p:txBody>
+      </p:sp>
+      <p:sp>
+        <p:nvSpPr>
+          <p:cNvPr id="41" name="Rectangle: Rounded Corners 40">
+            <a:extLst>
+              <a:ext uri="{FF2B5EF4-FFF2-40B4-BE49-F238E27FC236}">
+                <a16:creationId xmlns:a16="http://schemas.microsoft.com/office/drawing/2014/main" id="{05880F28-F68A-4970-90D2-0A275E3EB3BD}"/>
+              </a:ext>
+            </a:extLst>
+          </p:cNvPr>
+          <p:cNvSpPr/>
+          <p:nvPr/>
+        </p:nvSpPr>
+        <p:spPr>
+          <a:xfrm>
+            <a:off x="3250235" y="5802536"/>
+            <a:ext cx="2088770" cy="213077"/>
+          </a:xfrm>
+          <a:prstGeom prst="roundRect">
+            <a:avLst>
+              <a:gd name="adj" fmla="val 10785"/>
+            </a:avLst>
+          </a:prstGeom>
+          <a:ln>
+            <a:prstDash val="dash"/>
+          </a:ln>
+        </p:spPr>
+        <p:style>
+          <a:lnRef idx="2">
+            <a:schemeClr val="accent6"/>
+          </a:lnRef>
+          <a:fillRef idx="1">
+            <a:schemeClr val="lt1"/>
+          </a:fillRef>
+          <a:effectRef idx="0">
+            <a:schemeClr val="accent6"/>
+          </a:effectRef>
+          <a:fontRef idx="minor">
+            <a:schemeClr val="dk1"/>
+          </a:fontRef>
+        </p:style>
+        <p:txBody>
+          <a:bodyPr rtlCol="0" anchor="ctr"/>
+          <a:lstStyle/>
+          <a:p>
+            <a:r>
+              <a:rPr lang="en-US" sz="900" b="1"/>
+              <a:t>4.3.</a:t>
+            </a:r>
+            <a:r>
+              <a:rPr lang="en-US" sz="900"/>
+              <a:t> void removeCustomer(int id)  </a:t>
+            </a:r>
+          </a:p>
+        </p:txBody>
+      </p:sp>
+      <p:sp>
+        <p:nvSpPr>
+          <p:cNvPr id="42" name="Rectangle: Rounded Corners 41">
+            <a:extLst>
+              <a:ext uri="{FF2B5EF4-FFF2-40B4-BE49-F238E27FC236}">
+                <a16:creationId xmlns:a16="http://schemas.microsoft.com/office/drawing/2014/main" id="{513CA6A8-5FF4-45C1-B923-7DB24AD61398}"/>
+              </a:ext>
+            </a:extLst>
+          </p:cNvPr>
+          <p:cNvSpPr/>
+          <p:nvPr/>
+        </p:nvSpPr>
+        <p:spPr>
+          <a:xfrm>
+            <a:off x="3250235" y="6106633"/>
+            <a:ext cx="3252466" cy="213077"/>
+          </a:xfrm>
+          <a:prstGeom prst="roundRect">
+            <a:avLst>
+              <a:gd name="adj" fmla="val 10785"/>
+            </a:avLst>
+          </a:prstGeom>
+          <a:ln>
+            <a:prstDash val="dash"/>
+          </a:ln>
+        </p:spPr>
+        <p:style>
+          <a:lnRef idx="2">
+            <a:schemeClr val="accent6"/>
+          </a:lnRef>
+          <a:fillRef idx="1">
+            <a:schemeClr val="lt1"/>
+          </a:fillRef>
+          <a:effectRef idx="0">
+            <a:schemeClr val="accent6"/>
+          </a:effectRef>
+          <a:fontRef idx="minor">
+            <a:schemeClr val="dk1"/>
+          </a:fontRef>
+        </p:style>
+        <p:txBody>
+          <a:bodyPr rtlCol="0" anchor="ctr"/>
+          <a:lstStyle/>
+          <a:p>
+            <a:r>
+              <a:rPr lang="en-US" sz="900" b="1"/>
+              <a:t>4.4.</a:t>
+            </a:r>
+            <a:r>
+              <a:rPr lang="en-US" sz="900"/>
+              <a:t> ArrayList&lt;Customer&gt; searchName(String searchName) </a:t>
+            </a:r>
+          </a:p>
+        </p:txBody>
+      </p:sp>
+      <p:sp>
+        <p:nvSpPr>
+          <p:cNvPr id="43" name="Rectangle: Rounded Corners 42">
+            <a:extLst>
+              <a:ext uri="{FF2B5EF4-FFF2-40B4-BE49-F238E27FC236}">
+                <a16:creationId xmlns:a16="http://schemas.microsoft.com/office/drawing/2014/main" id="{9420C9AE-9482-47ED-B9AE-166C7861C179}"/>
+              </a:ext>
+            </a:extLst>
+          </p:cNvPr>
+          <p:cNvSpPr/>
+          <p:nvPr/>
+        </p:nvSpPr>
+        <p:spPr>
+          <a:xfrm>
+            <a:off x="3250235" y="4122437"/>
+            <a:ext cx="2755278" cy="373368"/>
+          </a:xfrm>
+          <a:prstGeom prst="roundRect">
+            <a:avLst>
+              <a:gd name="adj" fmla="val 10785"/>
+            </a:avLst>
+          </a:prstGeom>
+          <a:ln>
+            <a:prstDash val="dash"/>
+          </a:ln>
+        </p:spPr>
+        <p:style>
+          <a:lnRef idx="2">
+            <a:schemeClr val="accent6"/>
+          </a:lnRef>
+          <a:fillRef idx="1">
+            <a:schemeClr val="lt1"/>
+          </a:fillRef>
+          <a:effectRef idx="0">
+            <a:schemeClr val="accent6"/>
+          </a:effectRef>
+          <a:fontRef idx="minor">
+            <a:schemeClr val="dk1"/>
+          </a:fontRef>
+        </p:style>
+        <p:txBody>
+          <a:bodyPr rtlCol="0" anchor="ctr"/>
+          <a:lstStyle/>
+          <a:p>
+            <a:r>
+              <a:rPr lang="en-US" sz="900" b="1"/>
+              <a:t>3.4.</a:t>
+            </a:r>
+            <a:r>
+              <a:rPr lang="en-US" sz="900"/>
+              <a:t> @Override</a:t>
+            </a:r>
+          </a:p>
+          <a:p>
+            <a:r>
+              <a:rPr lang="en-US" sz="900"/>
+              <a:t>    public void removeCustommer(Customer e)</a:t>
+            </a:r>
+          </a:p>
+        </p:txBody>
+      </p:sp>
+      <p:sp>
+        <p:nvSpPr>
+          <p:cNvPr id="44" name="Rectangle: Rounded Corners 43">
+            <a:extLst>
+              <a:ext uri="{FF2B5EF4-FFF2-40B4-BE49-F238E27FC236}">
+                <a16:creationId xmlns:a16="http://schemas.microsoft.com/office/drawing/2014/main" id="{A4BF85EB-DF46-4674-B6B2-A5715BD78CCF}"/>
+              </a:ext>
+            </a:extLst>
+          </p:cNvPr>
+          <p:cNvSpPr/>
+          <p:nvPr/>
+        </p:nvSpPr>
+        <p:spPr>
+          <a:xfrm>
+            <a:off x="3250235" y="6488559"/>
+            <a:ext cx="3479178" cy="311760"/>
+          </a:xfrm>
+          <a:prstGeom prst="roundRect">
+            <a:avLst>
+              <a:gd name="adj" fmla="val 10785"/>
+            </a:avLst>
+          </a:prstGeom>
+          <a:ln>
+            <a:prstDash val="dash"/>
+          </a:ln>
+        </p:spPr>
+        <p:style>
+          <a:lnRef idx="2">
+            <a:schemeClr val="accent6"/>
+          </a:lnRef>
+          <a:fillRef idx="1">
+            <a:schemeClr val="lt1"/>
+          </a:fillRef>
+          <a:effectRef idx="0">
+            <a:schemeClr val="accent6"/>
+          </a:effectRef>
+          <a:fontRef idx="minor">
+            <a:schemeClr val="dk1"/>
+          </a:fontRef>
+        </p:style>
+        <p:txBody>
+          <a:bodyPr rtlCol="0" anchor="ctr"/>
+          <a:lstStyle/>
+          <a:p>
+            <a:r>
+              <a:rPr lang="en-US" sz="900" b="1"/>
+              <a:t>5.1.</a:t>
+            </a:r>
+            <a:r>
+              <a:rPr lang="en-US" sz="900"/>
+              <a:t> private ICustomerRepository repository = new CustomerRepositoryImpl(); </a:t>
+            </a:r>
+          </a:p>
+        </p:txBody>
+      </p:sp>
+      <p:sp>
+        <p:nvSpPr>
+          <p:cNvPr id="52" name="Rectangle: Rounded Corners 51">
+            <a:extLst>
+              <a:ext uri="{FF2B5EF4-FFF2-40B4-BE49-F238E27FC236}">
+                <a16:creationId xmlns:a16="http://schemas.microsoft.com/office/drawing/2014/main" id="{05AA4190-9BA1-498D-87CB-3770266711D9}"/>
+              </a:ext>
+            </a:extLst>
+          </p:cNvPr>
+          <p:cNvSpPr/>
+          <p:nvPr/>
+        </p:nvSpPr>
+        <p:spPr>
+          <a:xfrm>
+            <a:off x="3250235" y="6895655"/>
+            <a:ext cx="2289505" cy="599991"/>
+          </a:xfrm>
+          <a:prstGeom prst="roundRect">
+            <a:avLst>
+              <a:gd name="adj" fmla="val 10785"/>
+            </a:avLst>
+          </a:prstGeom>
+          <a:ln>
+            <a:prstDash val="dash"/>
+          </a:ln>
+        </p:spPr>
+        <p:style>
+          <a:lnRef idx="2">
+            <a:schemeClr val="accent6"/>
+          </a:lnRef>
+          <a:fillRef idx="1">
+            <a:schemeClr val="lt1"/>
+          </a:fillRef>
+          <a:effectRef idx="0">
+            <a:schemeClr val="accent6"/>
+          </a:effectRef>
+          <a:fontRef idx="minor">
+            <a:schemeClr val="dk1"/>
+          </a:fontRef>
+        </p:style>
+        <p:txBody>
+          <a:bodyPr rtlCol="0" anchor="ctr"/>
+          <a:lstStyle/>
+          <a:p>
+            <a:r>
+              <a:rPr lang="en-US" sz="900" b="1"/>
+              <a:t>5.2.</a:t>
+            </a:r>
+            <a:r>
+              <a:rPr lang="en-US" sz="900"/>
+              <a:t> @Override</a:t>
+            </a:r>
+          </a:p>
+          <a:p>
+            <a:r>
+              <a:rPr lang="en-US" sz="900"/>
+              <a:t>public ArrayList&lt;Customer&gt; displayAll() {</a:t>
+            </a:r>
+          </a:p>
+          <a:p>
+            <a:r>
+              <a:rPr lang="en-US" sz="900"/>
+              <a:t>        return repository.displayAll();</a:t>
+            </a:r>
+          </a:p>
+          <a:p>
+            <a:r>
+              <a:rPr lang="en-US" sz="900"/>
+              <a:t>    }</a:t>
+            </a:r>
+          </a:p>
+        </p:txBody>
+      </p:sp>
+      <p:sp>
+        <p:nvSpPr>
+          <p:cNvPr id="56" name="Rectangle: Rounded Corners 55">
+            <a:extLst>
+              <a:ext uri="{FF2B5EF4-FFF2-40B4-BE49-F238E27FC236}">
+                <a16:creationId xmlns:a16="http://schemas.microsoft.com/office/drawing/2014/main" id="{5476BD63-2832-4BFA-B736-5105B25D5B09}"/>
+              </a:ext>
+            </a:extLst>
+          </p:cNvPr>
+          <p:cNvSpPr/>
+          <p:nvPr/>
+        </p:nvSpPr>
+        <p:spPr>
+          <a:xfrm>
+            <a:off x="3250235" y="7584012"/>
+            <a:ext cx="2636215" cy="599991"/>
+          </a:xfrm>
+          <a:prstGeom prst="roundRect">
+            <a:avLst>
+              <a:gd name="adj" fmla="val 10785"/>
+            </a:avLst>
+          </a:prstGeom>
+          <a:ln>
+            <a:prstDash val="dash"/>
+          </a:ln>
+        </p:spPr>
+        <p:style>
+          <a:lnRef idx="2">
+            <a:schemeClr val="accent6"/>
+          </a:lnRef>
+          <a:fillRef idx="1">
+            <a:schemeClr val="lt1"/>
+          </a:fillRef>
+          <a:effectRef idx="0">
+            <a:schemeClr val="accent6"/>
+          </a:effectRef>
+          <a:fontRef idx="minor">
+            <a:schemeClr val="dk1"/>
+          </a:fontRef>
+        </p:style>
+        <p:txBody>
+          <a:bodyPr rtlCol="0" anchor="ctr"/>
+          <a:lstStyle/>
+          <a:p>
+            <a:r>
+              <a:rPr lang="en-US" sz="900" b="1"/>
+              <a:t>5.3.</a:t>
+            </a:r>
+            <a:r>
+              <a:rPr lang="en-US" sz="900"/>
+              <a:t> @Override</a:t>
+            </a:r>
+          </a:p>
+          <a:p>
+            <a:r>
+              <a:rPr lang="en-US" sz="900"/>
+              <a:t>    public void addCustommer(Customer e) {</a:t>
+            </a:r>
+          </a:p>
+          <a:p>
+            <a:r>
+              <a:rPr lang="en-US" sz="900"/>
+              <a:t>        repository.addCustommer(e);</a:t>
+            </a:r>
+          </a:p>
+          <a:p>
+            <a:r>
+              <a:rPr lang="en-US" sz="900"/>
+              <a:t>    }</a:t>
+            </a:r>
+          </a:p>
+        </p:txBody>
+      </p:sp>
+      <p:sp>
+        <p:nvSpPr>
+          <p:cNvPr id="57" name="Rectangle: Rounded Corners 56">
+            <a:extLst>
+              <a:ext uri="{FF2B5EF4-FFF2-40B4-BE49-F238E27FC236}">
+                <a16:creationId xmlns:a16="http://schemas.microsoft.com/office/drawing/2014/main" id="{7CFEF393-3154-4015-8DC4-E29C5BD4251A}"/>
+              </a:ext>
+            </a:extLst>
+          </p:cNvPr>
+          <p:cNvSpPr/>
+          <p:nvPr/>
+        </p:nvSpPr>
+        <p:spPr>
+          <a:xfrm>
+            <a:off x="3250235" y="8264874"/>
+            <a:ext cx="2636215" cy="599991"/>
+          </a:xfrm>
+          <a:prstGeom prst="roundRect">
+            <a:avLst>
+              <a:gd name="adj" fmla="val 10785"/>
+            </a:avLst>
+          </a:prstGeom>
+          <a:ln>
+            <a:prstDash val="dash"/>
+          </a:ln>
+        </p:spPr>
+        <p:style>
+          <a:lnRef idx="2">
+            <a:schemeClr val="accent6"/>
+          </a:lnRef>
+          <a:fillRef idx="1">
+            <a:schemeClr val="lt1"/>
+          </a:fillRef>
+          <a:effectRef idx="0">
+            <a:schemeClr val="accent6"/>
+          </a:effectRef>
+          <a:fontRef idx="minor">
+            <a:schemeClr val="dk1"/>
+          </a:fontRef>
+        </p:style>
+        <p:txBody>
+          <a:bodyPr rtlCol="0" anchor="ctr"/>
+          <a:lstStyle/>
+          <a:p>
+            <a:r>
+              <a:rPr lang="en-US" sz="900" b="1"/>
+              <a:t>5.4.</a:t>
+            </a:r>
+            <a:r>
+              <a:rPr lang="en-US" sz="900"/>
+              <a:t> @Override</a:t>
+            </a:r>
+          </a:p>
+          <a:p>
+            <a:r>
+              <a:rPr lang="en-US" sz="900"/>
+              <a:t>    public void removeCustomer(int id) {</a:t>
+            </a:r>
+          </a:p>
+          <a:p>
+            <a:r>
+              <a:rPr lang="en-US" sz="900"/>
+              <a:t>        repository.removeCustomer(id);</a:t>
+            </a:r>
+          </a:p>
+          <a:p>
+            <a:r>
+              <a:rPr lang="en-US" sz="900"/>
+              <a:t>    }</a:t>
+            </a:r>
+          </a:p>
+        </p:txBody>
+      </p:sp>
+      <p:cxnSp>
+        <p:nvCxnSpPr>
+          <p:cNvPr id="6" name="Straight Arrow Connector 5">
+            <a:extLst>
+              <a:ext uri="{FF2B5EF4-FFF2-40B4-BE49-F238E27FC236}">
+                <a16:creationId xmlns:a16="http://schemas.microsoft.com/office/drawing/2014/main" id="{3E0C0458-30B6-49E0-A05D-256CFD5C5BF0}"/>
+              </a:ext>
+            </a:extLst>
+          </p:cNvPr>
+          <p:cNvCxnSpPr>
+            <a:cxnSpLocks/>
+            <a:stCxn id="35" idx="3"/>
+            <a:endCxn id="16" idx="1"/>
+          </p:cNvCxnSpPr>
+          <p:nvPr/>
+        </p:nvCxnSpPr>
+        <p:spPr>
+          <a:xfrm flipV="1">
+            <a:off x="3059735" y="820292"/>
+            <a:ext cx="622776" cy="758215"/>
+          </a:xfrm>
+          <a:prstGeom prst="straightConnector1">
+            <a:avLst/>
+          </a:prstGeom>
+          <a:ln>
+            <a:tailEnd type="triangle"/>
+          </a:ln>
+        </p:spPr>
+        <p:style>
+          <a:lnRef idx="1">
+            <a:schemeClr val="accent1"/>
+          </a:lnRef>
+          <a:fillRef idx="0">
+            <a:schemeClr val="accent1"/>
+          </a:fillRef>
+          <a:effectRef idx="0">
+            <a:schemeClr val="accent1"/>
+          </a:effectRef>
+          <a:fontRef idx="minor">
+            <a:schemeClr val="tx1"/>
+          </a:fontRef>
+        </p:style>
+      </p:cxnSp>
+      <p:cxnSp>
+        <p:nvCxnSpPr>
+          <p:cNvPr id="59" name="Straight Arrow Connector 58">
+            <a:extLst>
+              <a:ext uri="{FF2B5EF4-FFF2-40B4-BE49-F238E27FC236}">
+                <a16:creationId xmlns:a16="http://schemas.microsoft.com/office/drawing/2014/main" id="{0AD236F1-33DF-4EDD-9D1B-D7F876E6251E}"/>
+              </a:ext>
+            </a:extLst>
+          </p:cNvPr>
+          <p:cNvCxnSpPr>
+            <a:cxnSpLocks/>
+            <a:stCxn id="35" idx="3"/>
+            <a:endCxn id="19" idx="1"/>
+          </p:cNvCxnSpPr>
+          <p:nvPr/>
+        </p:nvCxnSpPr>
+        <p:spPr>
+          <a:xfrm flipV="1">
+            <a:off x="3059735" y="1124389"/>
+            <a:ext cx="622776" cy="454118"/>
+          </a:xfrm>
+          <a:prstGeom prst="straightConnector1">
+            <a:avLst/>
+          </a:prstGeom>
+          <a:ln>
+            <a:tailEnd type="triangle"/>
+          </a:ln>
+        </p:spPr>
+        <p:style>
+          <a:lnRef idx="1">
+            <a:schemeClr val="accent1"/>
+          </a:lnRef>
+          <a:fillRef idx="0">
+            <a:schemeClr val="accent1"/>
+          </a:fillRef>
+          <a:effectRef idx="0">
+            <a:schemeClr val="accent1"/>
+          </a:effectRef>
+          <a:fontRef idx="minor">
+            <a:schemeClr val="tx1"/>
+          </a:fontRef>
+        </p:style>
+      </p:cxnSp>
+      <p:cxnSp>
+        <p:nvCxnSpPr>
+          <p:cNvPr id="60" name="Straight Arrow Connector 59">
+            <a:extLst>
+              <a:ext uri="{FF2B5EF4-FFF2-40B4-BE49-F238E27FC236}">
+                <a16:creationId xmlns:a16="http://schemas.microsoft.com/office/drawing/2014/main" id="{7E5C2CC4-5540-4190-ACD0-CB3F9F543739}"/>
+              </a:ext>
+            </a:extLst>
+          </p:cNvPr>
+          <p:cNvCxnSpPr>
+            <a:cxnSpLocks/>
+            <a:stCxn id="35" idx="3"/>
+            <a:endCxn id="21" idx="1"/>
+          </p:cNvCxnSpPr>
+          <p:nvPr/>
+        </p:nvCxnSpPr>
+        <p:spPr>
+          <a:xfrm>
+            <a:off x="3059735" y="1578507"/>
+            <a:ext cx="622776" cy="154076"/>
+          </a:xfrm>
+          <a:prstGeom prst="straightConnector1">
+            <a:avLst/>
+          </a:prstGeom>
+          <a:ln>
+            <a:tailEnd type="triangle"/>
+          </a:ln>
+        </p:spPr>
+        <p:style>
+          <a:lnRef idx="1">
+            <a:schemeClr val="accent1"/>
+          </a:lnRef>
+          <a:fillRef idx="0">
+            <a:schemeClr val="accent1"/>
+          </a:fillRef>
+          <a:effectRef idx="0">
+            <a:schemeClr val="accent1"/>
+          </a:effectRef>
+          <a:fontRef idx="minor">
+            <a:schemeClr val="tx1"/>
+          </a:fontRef>
+        </p:style>
+      </p:cxnSp>
+      <p:cxnSp>
+        <p:nvCxnSpPr>
+          <p:cNvPr id="61" name="Straight Arrow Connector 60">
+            <a:extLst>
+              <a:ext uri="{FF2B5EF4-FFF2-40B4-BE49-F238E27FC236}">
+                <a16:creationId xmlns:a16="http://schemas.microsoft.com/office/drawing/2014/main" id="{15DB18F6-2359-495F-A1CC-A191CDBE463F}"/>
+              </a:ext>
+            </a:extLst>
+          </p:cNvPr>
+          <p:cNvCxnSpPr>
+            <a:cxnSpLocks/>
+            <a:stCxn id="35" idx="3"/>
+            <a:endCxn id="20" idx="1"/>
+          </p:cNvCxnSpPr>
+          <p:nvPr/>
+        </p:nvCxnSpPr>
+        <p:spPr>
+          <a:xfrm flipV="1">
+            <a:off x="3059735" y="1428486"/>
+            <a:ext cx="622776" cy="150021"/>
+          </a:xfrm>
+          <a:prstGeom prst="straightConnector1">
+            <a:avLst/>
+          </a:prstGeom>
+          <a:ln>
+            <a:tailEnd type="triangle"/>
+          </a:ln>
+        </p:spPr>
+        <p:style>
+          <a:lnRef idx="1">
+            <a:schemeClr val="accent1"/>
+          </a:lnRef>
+          <a:fillRef idx="0">
+            <a:schemeClr val="accent1"/>
+          </a:fillRef>
+          <a:effectRef idx="0">
+            <a:schemeClr val="accent1"/>
+          </a:effectRef>
+          <a:fontRef idx="minor">
+            <a:schemeClr val="tx1"/>
+          </a:fontRef>
+        </p:style>
+      </p:cxnSp>
+      <p:cxnSp>
+        <p:nvCxnSpPr>
+          <p:cNvPr id="62" name="Straight Arrow Connector 61">
+            <a:extLst>
+              <a:ext uri="{FF2B5EF4-FFF2-40B4-BE49-F238E27FC236}">
+                <a16:creationId xmlns:a16="http://schemas.microsoft.com/office/drawing/2014/main" id="{29A3E6C7-AEC9-41FC-92FC-1869EBDFD610}"/>
+              </a:ext>
+            </a:extLst>
+          </p:cNvPr>
+          <p:cNvCxnSpPr>
+            <a:cxnSpLocks/>
+            <a:stCxn id="38" idx="3"/>
+            <a:endCxn id="23" idx="1"/>
+          </p:cNvCxnSpPr>
+          <p:nvPr/>
+        </p:nvCxnSpPr>
+        <p:spPr>
+          <a:xfrm flipV="1">
+            <a:off x="2839603" y="2768841"/>
+            <a:ext cx="410632" cy="566014"/>
+          </a:xfrm>
+          <a:prstGeom prst="straightConnector1">
+            <a:avLst/>
+          </a:prstGeom>
+          <a:ln>
+            <a:tailEnd type="triangle"/>
+          </a:ln>
+        </p:spPr>
+        <p:style>
+          <a:lnRef idx="1">
+            <a:schemeClr val="accent1"/>
+          </a:lnRef>
+          <a:fillRef idx="0">
+            <a:schemeClr val="accent1"/>
+          </a:fillRef>
+          <a:effectRef idx="0">
+            <a:schemeClr val="accent1"/>
+          </a:effectRef>
+          <a:fontRef idx="minor">
+            <a:schemeClr val="tx1"/>
+          </a:fontRef>
+        </p:style>
+      </p:cxnSp>
+      <p:cxnSp>
+        <p:nvCxnSpPr>
+          <p:cNvPr id="63" name="Straight Arrow Connector 62">
+            <a:extLst>
+              <a:ext uri="{FF2B5EF4-FFF2-40B4-BE49-F238E27FC236}">
+                <a16:creationId xmlns:a16="http://schemas.microsoft.com/office/drawing/2014/main" id="{C62A1021-9C5D-4F2B-A2E9-DD5914F7605C}"/>
+              </a:ext>
+            </a:extLst>
+          </p:cNvPr>
+          <p:cNvCxnSpPr>
+            <a:cxnSpLocks/>
+            <a:stCxn id="38" idx="3"/>
+            <a:endCxn id="25" idx="1"/>
+          </p:cNvCxnSpPr>
+          <p:nvPr/>
+        </p:nvCxnSpPr>
+        <p:spPr>
+          <a:xfrm>
+            <a:off x="2839603" y="3334855"/>
+            <a:ext cx="410632" cy="31967"/>
+          </a:xfrm>
+          <a:prstGeom prst="straightConnector1">
+            <a:avLst/>
+          </a:prstGeom>
+          <a:ln>
+            <a:tailEnd type="triangle"/>
+          </a:ln>
+        </p:spPr>
+        <p:style>
+          <a:lnRef idx="1">
+            <a:schemeClr val="accent1"/>
+          </a:lnRef>
+          <a:fillRef idx="0">
+            <a:schemeClr val="accent1"/>
+          </a:fillRef>
+          <a:effectRef idx="0">
+            <a:schemeClr val="accent1"/>
+          </a:effectRef>
+          <a:fontRef idx="minor">
+            <a:schemeClr val="tx1"/>
+          </a:fontRef>
+        </p:style>
+      </p:cxnSp>
+      <p:cxnSp>
+        <p:nvCxnSpPr>
+          <p:cNvPr id="64" name="Straight Arrow Connector 63">
+            <a:extLst>
+              <a:ext uri="{FF2B5EF4-FFF2-40B4-BE49-F238E27FC236}">
+                <a16:creationId xmlns:a16="http://schemas.microsoft.com/office/drawing/2014/main" id="{9746402D-FBC0-4760-9E2D-9FB6D5CDCB47}"/>
+              </a:ext>
+            </a:extLst>
+          </p:cNvPr>
+          <p:cNvCxnSpPr>
+            <a:cxnSpLocks/>
+            <a:stCxn id="38" idx="3"/>
+            <a:endCxn id="43" idx="1"/>
+          </p:cNvCxnSpPr>
+          <p:nvPr/>
+        </p:nvCxnSpPr>
+        <p:spPr>
+          <a:xfrm>
+            <a:off x="2839603" y="3334855"/>
+            <a:ext cx="410632" cy="974266"/>
+          </a:xfrm>
+          <a:prstGeom prst="straightConnector1">
+            <a:avLst/>
+          </a:prstGeom>
+          <a:ln>
+            <a:tailEnd type="triangle"/>
+          </a:ln>
+        </p:spPr>
+        <p:style>
+          <a:lnRef idx="1">
+            <a:schemeClr val="accent1"/>
+          </a:lnRef>
+          <a:fillRef idx="0">
+            <a:schemeClr val="accent1"/>
+          </a:fillRef>
+          <a:effectRef idx="0">
+            <a:schemeClr val="accent1"/>
+          </a:effectRef>
+          <a:fontRef idx="minor">
+            <a:schemeClr val="tx1"/>
+          </a:fontRef>
+        </p:style>
+      </p:cxnSp>
+      <p:cxnSp>
+        <p:nvCxnSpPr>
+          <p:cNvPr id="65" name="Straight Arrow Connector 64">
+            <a:extLst>
+              <a:ext uri="{FF2B5EF4-FFF2-40B4-BE49-F238E27FC236}">
+                <a16:creationId xmlns:a16="http://schemas.microsoft.com/office/drawing/2014/main" id="{5D37C746-DE83-42E2-9302-2AE47F22C37F}"/>
+              </a:ext>
+            </a:extLst>
+          </p:cNvPr>
+          <p:cNvCxnSpPr>
+            <a:cxnSpLocks/>
+            <a:stCxn id="38" idx="3"/>
+            <a:endCxn id="26" idx="1"/>
+          </p:cNvCxnSpPr>
+          <p:nvPr/>
+        </p:nvCxnSpPr>
+        <p:spPr>
+          <a:xfrm>
+            <a:off x="2839603" y="3334855"/>
+            <a:ext cx="410632" cy="492088"/>
+          </a:xfrm>
+          <a:prstGeom prst="straightConnector1">
+            <a:avLst/>
+          </a:prstGeom>
+          <a:ln>
+            <a:tailEnd type="triangle"/>
+          </a:ln>
+        </p:spPr>
+        <p:style>
+          <a:lnRef idx="1">
+            <a:schemeClr val="accent1"/>
+          </a:lnRef>
+          <a:fillRef idx="0">
+            <a:schemeClr val="accent1"/>
+          </a:fillRef>
+          <a:effectRef idx="0">
+            <a:schemeClr val="accent1"/>
+          </a:effectRef>
+          <a:fontRef idx="minor">
+            <a:schemeClr val="tx1"/>
+          </a:fontRef>
+        </p:style>
+      </p:cxnSp>
+      <p:cxnSp>
+        <p:nvCxnSpPr>
+          <p:cNvPr id="72" name="Straight Arrow Connector 71">
+            <a:extLst>
+              <a:ext uri="{FF2B5EF4-FFF2-40B4-BE49-F238E27FC236}">
+                <a16:creationId xmlns:a16="http://schemas.microsoft.com/office/drawing/2014/main" id="{C58C48DF-1669-47DD-8CE8-323AC5E49EF3}"/>
+              </a:ext>
+            </a:extLst>
+          </p:cNvPr>
+          <p:cNvCxnSpPr>
+            <a:cxnSpLocks/>
+            <a:stCxn id="38" idx="3"/>
+            <a:endCxn id="33" idx="1"/>
+          </p:cNvCxnSpPr>
+          <p:nvPr/>
+        </p:nvCxnSpPr>
+        <p:spPr>
+          <a:xfrm>
+            <a:off x="2839603" y="3334855"/>
+            <a:ext cx="410632" cy="1446592"/>
+          </a:xfrm>
+          <a:prstGeom prst="straightConnector1">
+            <a:avLst/>
+          </a:prstGeom>
+          <a:ln>
+            <a:tailEnd type="triangle"/>
+          </a:ln>
+        </p:spPr>
+        <p:style>
+          <a:lnRef idx="1">
+            <a:schemeClr val="accent1"/>
+          </a:lnRef>
+          <a:fillRef idx="0">
+            <a:schemeClr val="accent1"/>
+          </a:fillRef>
+          <a:effectRef idx="0">
+            <a:schemeClr val="accent1"/>
+          </a:effectRef>
+          <a:fontRef idx="minor">
+            <a:schemeClr val="tx1"/>
+          </a:fontRef>
+        </p:style>
+      </p:cxnSp>
+      <p:cxnSp>
+        <p:nvCxnSpPr>
+          <p:cNvPr id="75" name="Straight Arrow Connector 74">
+            <a:extLst>
+              <a:ext uri="{FF2B5EF4-FFF2-40B4-BE49-F238E27FC236}">
+                <a16:creationId xmlns:a16="http://schemas.microsoft.com/office/drawing/2014/main" id="{F80D53A2-6ADC-4379-BBB3-94544810046A}"/>
+              </a:ext>
+            </a:extLst>
+          </p:cNvPr>
+          <p:cNvCxnSpPr>
+            <a:cxnSpLocks/>
+            <a:stCxn id="54" idx="3"/>
+            <a:endCxn id="37" idx="1"/>
+          </p:cNvCxnSpPr>
+          <p:nvPr/>
+        </p:nvCxnSpPr>
+        <p:spPr>
+          <a:xfrm flipV="1">
+            <a:off x="2839603" y="5300881"/>
+            <a:ext cx="410632" cy="974462"/>
+          </a:xfrm>
+          <a:prstGeom prst="straightConnector1">
+            <a:avLst/>
+          </a:prstGeom>
+          <a:ln>
+            <a:tailEnd type="triangle"/>
+          </a:ln>
+        </p:spPr>
+        <p:style>
+          <a:lnRef idx="1">
+            <a:schemeClr val="accent1"/>
+          </a:lnRef>
+          <a:fillRef idx="0">
+            <a:schemeClr val="accent1"/>
+          </a:fillRef>
+          <a:effectRef idx="0">
+            <a:schemeClr val="accent1"/>
+          </a:effectRef>
+          <a:fontRef idx="minor">
+            <a:schemeClr val="tx1"/>
+          </a:fontRef>
+        </p:style>
+      </p:cxnSp>
+      <p:cxnSp>
+        <p:nvCxnSpPr>
+          <p:cNvPr id="76" name="Straight Arrow Connector 75">
+            <a:extLst>
+              <a:ext uri="{FF2B5EF4-FFF2-40B4-BE49-F238E27FC236}">
+                <a16:creationId xmlns:a16="http://schemas.microsoft.com/office/drawing/2014/main" id="{78A8AA5B-7FA8-4AD5-8878-2A6D0BE8F4F5}"/>
+              </a:ext>
+            </a:extLst>
+          </p:cNvPr>
+          <p:cNvCxnSpPr>
+            <a:cxnSpLocks/>
+            <a:stCxn id="54" idx="3"/>
+            <a:endCxn id="40" idx="1"/>
+          </p:cNvCxnSpPr>
+          <p:nvPr/>
+        </p:nvCxnSpPr>
+        <p:spPr>
+          <a:xfrm flipV="1">
+            <a:off x="2839603" y="5604978"/>
+            <a:ext cx="410632" cy="670365"/>
+          </a:xfrm>
+          <a:prstGeom prst="straightConnector1">
+            <a:avLst/>
+          </a:prstGeom>
+          <a:ln>
+            <a:tailEnd type="triangle"/>
+          </a:ln>
+        </p:spPr>
+        <p:style>
+          <a:lnRef idx="1">
+            <a:schemeClr val="accent1"/>
+          </a:lnRef>
+          <a:fillRef idx="0">
+            <a:schemeClr val="accent1"/>
+          </a:fillRef>
+          <a:effectRef idx="0">
+            <a:schemeClr val="accent1"/>
+          </a:effectRef>
+          <a:fontRef idx="minor">
+            <a:schemeClr val="tx1"/>
+          </a:fontRef>
+        </p:style>
+      </p:cxnSp>
+      <p:cxnSp>
+        <p:nvCxnSpPr>
+          <p:cNvPr id="77" name="Straight Arrow Connector 76">
+            <a:extLst>
+              <a:ext uri="{FF2B5EF4-FFF2-40B4-BE49-F238E27FC236}">
+                <a16:creationId xmlns:a16="http://schemas.microsoft.com/office/drawing/2014/main" id="{026353C0-3F2F-4012-8182-D3347DAC2701}"/>
+              </a:ext>
+            </a:extLst>
+          </p:cNvPr>
+          <p:cNvCxnSpPr>
+            <a:cxnSpLocks/>
+            <a:stCxn id="54" idx="3"/>
+            <a:endCxn id="42" idx="1"/>
+          </p:cNvCxnSpPr>
+          <p:nvPr/>
+        </p:nvCxnSpPr>
+        <p:spPr>
+          <a:xfrm flipV="1">
+            <a:off x="2839603" y="6213172"/>
+            <a:ext cx="410632" cy="62171"/>
+          </a:xfrm>
+          <a:prstGeom prst="straightConnector1">
+            <a:avLst/>
+          </a:prstGeom>
+          <a:ln>
+            <a:tailEnd type="triangle"/>
+          </a:ln>
+        </p:spPr>
+        <p:style>
+          <a:lnRef idx="1">
+            <a:schemeClr val="accent1"/>
+          </a:lnRef>
+          <a:fillRef idx="0">
+            <a:schemeClr val="accent1"/>
+          </a:fillRef>
+          <a:effectRef idx="0">
+            <a:schemeClr val="accent1"/>
+          </a:effectRef>
+          <a:fontRef idx="minor">
+            <a:schemeClr val="tx1"/>
+          </a:fontRef>
+        </p:style>
+      </p:cxnSp>
+      <p:cxnSp>
+        <p:nvCxnSpPr>
+          <p:cNvPr id="78" name="Straight Arrow Connector 77">
+            <a:extLst>
+              <a:ext uri="{FF2B5EF4-FFF2-40B4-BE49-F238E27FC236}">
+                <a16:creationId xmlns:a16="http://schemas.microsoft.com/office/drawing/2014/main" id="{607256FA-7CDF-4DE1-833F-BB51BA2AEE20}"/>
+              </a:ext>
+            </a:extLst>
+          </p:cNvPr>
+          <p:cNvCxnSpPr>
+            <a:cxnSpLocks/>
+            <a:stCxn id="54" idx="3"/>
+            <a:endCxn id="41" idx="1"/>
+          </p:cNvCxnSpPr>
+          <p:nvPr/>
+        </p:nvCxnSpPr>
+        <p:spPr>
+          <a:xfrm flipV="1">
+            <a:off x="2839603" y="5909075"/>
+            <a:ext cx="410632" cy="366268"/>
+          </a:xfrm>
+          <a:prstGeom prst="straightConnector1">
+            <a:avLst/>
+          </a:prstGeom>
+          <a:ln>
+            <a:tailEnd type="triangle"/>
+          </a:ln>
+        </p:spPr>
+        <p:style>
+          <a:lnRef idx="1">
+            <a:schemeClr val="accent1"/>
+          </a:lnRef>
+          <a:fillRef idx="0">
+            <a:schemeClr val="accent1"/>
+          </a:fillRef>
+          <a:effectRef idx="0">
+            <a:schemeClr val="accent1"/>
+          </a:effectRef>
+          <a:fontRef idx="minor">
+            <a:schemeClr val="tx1"/>
+          </a:fontRef>
+        </p:style>
+      </p:cxnSp>
+      <p:cxnSp>
+        <p:nvCxnSpPr>
+          <p:cNvPr id="79" name="Straight Arrow Connector 78">
+            <a:extLst>
+              <a:ext uri="{FF2B5EF4-FFF2-40B4-BE49-F238E27FC236}">
+                <a16:creationId xmlns:a16="http://schemas.microsoft.com/office/drawing/2014/main" id="{50E4192D-4A61-437E-A7EE-251A79C93751}"/>
+              </a:ext>
+            </a:extLst>
+          </p:cNvPr>
+          <p:cNvCxnSpPr>
+            <a:cxnSpLocks/>
+            <a:stCxn id="28" idx="3"/>
+            <a:endCxn id="44" idx="1"/>
+          </p:cNvCxnSpPr>
+          <p:nvPr/>
+        </p:nvCxnSpPr>
+        <p:spPr>
+          <a:xfrm flipV="1">
+            <a:off x="2966264" y="6644439"/>
+            <a:ext cx="283971" cy="1409163"/>
+          </a:xfrm>
+          <a:prstGeom prst="straightConnector1">
+            <a:avLst/>
+          </a:prstGeom>
+          <a:ln>
+            <a:tailEnd type="triangle"/>
+          </a:ln>
+        </p:spPr>
+        <p:style>
+          <a:lnRef idx="1">
+            <a:schemeClr val="accent1"/>
+          </a:lnRef>
+          <a:fillRef idx="0">
+            <a:schemeClr val="accent1"/>
+          </a:fillRef>
+          <a:effectRef idx="0">
+            <a:schemeClr val="accent1"/>
+          </a:effectRef>
+          <a:fontRef idx="minor">
+            <a:schemeClr val="tx1"/>
+          </a:fontRef>
+        </p:style>
+      </p:cxnSp>
+      <p:cxnSp>
+        <p:nvCxnSpPr>
+          <p:cNvPr id="91" name="Straight Arrow Connector 90">
+            <a:extLst>
+              <a:ext uri="{FF2B5EF4-FFF2-40B4-BE49-F238E27FC236}">
+                <a16:creationId xmlns:a16="http://schemas.microsoft.com/office/drawing/2014/main" id="{A20F8835-6880-460E-952B-0AE7958724DA}"/>
+              </a:ext>
+            </a:extLst>
+          </p:cNvPr>
+          <p:cNvCxnSpPr>
+            <a:cxnSpLocks/>
+            <a:stCxn id="28" idx="3"/>
+            <a:endCxn id="52" idx="1"/>
+          </p:cNvCxnSpPr>
+          <p:nvPr/>
+        </p:nvCxnSpPr>
+        <p:spPr>
+          <a:xfrm flipV="1">
+            <a:off x="2966264" y="7195651"/>
+            <a:ext cx="283971" cy="857951"/>
+          </a:xfrm>
+          <a:prstGeom prst="straightConnector1">
+            <a:avLst/>
+          </a:prstGeom>
+          <a:ln>
+            <a:tailEnd type="triangle"/>
+          </a:ln>
+        </p:spPr>
+        <p:style>
+          <a:lnRef idx="1">
+            <a:schemeClr val="accent1"/>
+          </a:lnRef>
+          <a:fillRef idx="0">
+            <a:schemeClr val="accent1"/>
+          </a:fillRef>
+          <a:effectRef idx="0">
+            <a:schemeClr val="accent1"/>
+          </a:effectRef>
+          <a:fontRef idx="minor">
+            <a:schemeClr val="tx1"/>
+          </a:fontRef>
+        </p:style>
+      </p:cxnSp>
+      <p:cxnSp>
+        <p:nvCxnSpPr>
+          <p:cNvPr id="94" name="Straight Arrow Connector 93">
+            <a:extLst>
+              <a:ext uri="{FF2B5EF4-FFF2-40B4-BE49-F238E27FC236}">
+                <a16:creationId xmlns:a16="http://schemas.microsoft.com/office/drawing/2014/main" id="{0F9D8BBD-8A77-4BC9-9AEF-E2B957BF6D73}"/>
+              </a:ext>
+            </a:extLst>
+          </p:cNvPr>
+          <p:cNvCxnSpPr>
+            <a:cxnSpLocks/>
+            <a:stCxn id="28" idx="3"/>
+            <a:endCxn id="56" idx="1"/>
+          </p:cNvCxnSpPr>
+          <p:nvPr/>
+        </p:nvCxnSpPr>
+        <p:spPr>
+          <a:xfrm flipV="1">
+            <a:off x="2966264" y="7884008"/>
+            <a:ext cx="283971" cy="169594"/>
+          </a:xfrm>
+          <a:prstGeom prst="straightConnector1">
+            <a:avLst/>
+          </a:prstGeom>
+          <a:ln>
+            <a:tailEnd type="triangle"/>
+          </a:ln>
+        </p:spPr>
+        <p:style>
+          <a:lnRef idx="1">
+            <a:schemeClr val="accent1"/>
+          </a:lnRef>
+          <a:fillRef idx="0">
+            <a:schemeClr val="accent1"/>
+          </a:fillRef>
+          <a:effectRef idx="0">
+            <a:schemeClr val="accent1"/>
+          </a:effectRef>
+          <a:fontRef idx="minor">
+            <a:schemeClr val="tx1"/>
+          </a:fontRef>
+        </p:style>
+      </p:cxnSp>
+      <p:cxnSp>
+        <p:nvCxnSpPr>
+          <p:cNvPr id="97" name="Straight Arrow Connector 96">
+            <a:extLst>
+              <a:ext uri="{FF2B5EF4-FFF2-40B4-BE49-F238E27FC236}">
+                <a16:creationId xmlns:a16="http://schemas.microsoft.com/office/drawing/2014/main" id="{310CB878-5636-4BF4-8D27-5E05DE7E293D}"/>
+              </a:ext>
+            </a:extLst>
+          </p:cNvPr>
+          <p:cNvCxnSpPr>
+            <a:cxnSpLocks/>
+            <a:stCxn id="28" idx="3"/>
+            <a:endCxn id="57" idx="1"/>
+          </p:cNvCxnSpPr>
+          <p:nvPr/>
+        </p:nvCxnSpPr>
+        <p:spPr>
+          <a:xfrm>
+            <a:off x="2966264" y="8053602"/>
+            <a:ext cx="283971" cy="511268"/>
+          </a:xfrm>
+          <a:prstGeom prst="straightConnector1">
+            <a:avLst/>
+          </a:prstGeom>
+          <a:ln>
+            <a:tailEnd type="triangle"/>
+          </a:ln>
+        </p:spPr>
+        <p:style>
+          <a:lnRef idx="1">
+            <a:schemeClr val="accent1"/>
+          </a:lnRef>
+          <a:fillRef idx="0">
+            <a:schemeClr val="accent1"/>
+          </a:fillRef>
+          <a:effectRef idx="0">
+            <a:schemeClr val="accent1"/>
+          </a:effectRef>
+          <a:fontRef idx="minor">
+            <a:schemeClr val="tx1"/>
+          </a:fontRef>
+        </p:style>
+      </p:cxnSp>
+      <p:sp>
+        <p:nvSpPr>
+          <p:cNvPr id="106" name="Rectangle: Rounded Corners 105">
+            <a:extLst>
+              <a:ext uri="{FF2B5EF4-FFF2-40B4-BE49-F238E27FC236}">
+                <a16:creationId xmlns:a16="http://schemas.microsoft.com/office/drawing/2014/main" id="{985EC071-32DB-4D56-83E6-1277E3F1FDA7}"/>
+              </a:ext>
+            </a:extLst>
+          </p:cNvPr>
+          <p:cNvSpPr/>
+          <p:nvPr/>
+        </p:nvSpPr>
+        <p:spPr>
+          <a:xfrm>
+            <a:off x="3244655" y="8963647"/>
+            <a:ext cx="3479178" cy="571224"/>
+          </a:xfrm>
+          <a:prstGeom prst="roundRect">
+            <a:avLst>
+              <a:gd name="adj" fmla="val 10785"/>
+            </a:avLst>
+          </a:prstGeom>
+          <a:ln>
+            <a:prstDash val="dash"/>
+          </a:ln>
+        </p:spPr>
+        <p:style>
+          <a:lnRef idx="2">
+            <a:schemeClr val="accent6"/>
+          </a:lnRef>
+          <a:fillRef idx="1">
+            <a:schemeClr val="lt1"/>
+          </a:fillRef>
+          <a:effectRef idx="0">
+            <a:schemeClr val="accent6"/>
+          </a:effectRef>
+          <a:fontRef idx="minor">
+            <a:schemeClr val="dk1"/>
+          </a:fontRef>
+        </p:style>
+        <p:txBody>
+          <a:bodyPr rtlCol="0" anchor="ctr"/>
+          <a:lstStyle/>
+          <a:p>
+            <a:r>
+              <a:rPr lang="en-US" sz="900" b="1"/>
+              <a:t>5.5.</a:t>
+            </a:r>
+            <a:r>
+              <a:rPr lang="en-US" sz="900"/>
+              <a:t> @Override</a:t>
+            </a:r>
+          </a:p>
+          <a:p>
+            <a:r>
+              <a:rPr lang="en-US" sz="900"/>
+              <a:t>    public ArrayList&lt;Customer&gt; searchName(String searchName) {</a:t>
+            </a:r>
+          </a:p>
+          <a:p>
+            <a:r>
+              <a:rPr lang="en-US" sz="900"/>
+              <a:t>        return repository.searchName(searchName);</a:t>
+            </a:r>
+          </a:p>
+          <a:p>
+            <a:r>
+              <a:rPr lang="en-US" sz="900"/>
+              <a:t>    }</a:t>
+            </a:r>
+          </a:p>
+        </p:txBody>
+      </p:sp>
+      <p:cxnSp>
+        <p:nvCxnSpPr>
+          <p:cNvPr id="108" name="Straight Arrow Connector 107">
+            <a:extLst>
+              <a:ext uri="{FF2B5EF4-FFF2-40B4-BE49-F238E27FC236}">
+                <a16:creationId xmlns:a16="http://schemas.microsoft.com/office/drawing/2014/main" id="{E3BF1EA6-4B71-4419-8012-E0C8F92CBB7D}"/>
+              </a:ext>
+            </a:extLst>
+          </p:cNvPr>
+          <p:cNvCxnSpPr>
+            <a:cxnSpLocks/>
+            <a:stCxn id="28" idx="3"/>
+            <a:endCxn id="106" idx="1"/>
+          </p:cNvCxnSpPr>
+          <p:nvPr/>
+        </p:nvCxnSpPr>
+        <p:spPr>
+          <a:xfrm>
+            <a:off x="2966264" y="8053602"/>
+            <a:ext cx="278391" cy="1195657"/>
+          </a:xfrm>
+          <a:prstGeom prst="straightConnector1">
+            <a:avLst/>
+          </a:prstGeom>
+          <a:ln>
+            <a:tailEnd type="triangle"/>
+          </a:ln>
+        </p:spPr>
+        <p:style>
+          <a:lnRef idx="1">
+            <a:schemeClr val="accent1"/>
+          </a:lnRef>
+          <a:fillRef idx="0">
+            <a:schemeClr val="accent1"/>
+          </a:fillRef>
+          <a:effectRef idx="0">
+            <a:schemeClr val="accent1"/>
+          </a:effectRef>
+          <a:fontRef idx="minor">
+            <a:schemeClr val="tx1"/>
+          </a:fontRef>
+        </p:style>
+      </p:cxnSp>
+      <p:sp>
+        <p:nvSpPr>
+          <p:cNvPr id="115" name="Rectangle: Rounded Corners 114">
+            <a:extLst>
+              <a:ext uri="{FF2B5EF4-FFF2-40B4-BE49-F238E27FC236}">
+                <a16:creationId xmlns:a16="http://schemas.microsoft.com/office/drawing/2014/main" id="{DE1508AE-F706-4F4F-BA3B-2EEA0CB9235C}"/>
+              </a:ext>
+            </a:extLst>
+          </p:cNvPr>
+          <p:cNvSpPr/>
+          <p:nvPr/>
+        </p:nvSpPr>
+        <p:spPr>
+          <a:xfrm>
+            <a:off x="134167" y="9284198"/>
+            <a:ext cx="2925568" cy="493215"/>
+          </a:xfrm>
+          <a:prstGeom prst="roundRect">
+            <a:avLst>
+              <a:gd name="adj" fmla="val 10785"/>
+            </a:avLst>
+          </a:prstGeom>
+          <a:ln>
+            <a:prstDash val="dash"/>
+          </a:ln>
+        </p:spPr>
+        <p:style>
+          <a:lnRef idx="2">
+            <a:schemeClr val="accent6"/>
+          </a:lnRef>
+          <a:fillRef idx="1">
+            <a:schemeClr val="lt1"/>
+          </a:fillRef>
+          <a:effectRef idx="0">
+            <a:schemeClr val="accent6"/>
+          </a:effectRef>
+          <a:fontRef idx="minor">
+            <a:schemeClr val="dk1"/>
+          </a:fontRef>
+        </p:style>
+        <p:txBody>
+          <a:bodyPr rtlCol="0" anchor="ctr"/>
+          <a:lstStyle/>
+          <a:p>
+            <a:r>
+              <a:rPr lang="en-US" sz="900"/>
+              <a:t> private static </a:t>
+            </a:r>
+            <a:r>
+              <a:rPr lang="en-US" sz="900" i="1"/>
+              <a:t>ICustomerService</a:t>
+            </a:r>
+            <a:r>
+              <a:rPr lang="en-US" sz="900"/>
+              <a:t> </a:t>
+            </a:r>
+            <a:r>
+              <a:rPr lang="en-US" sz="900" b="1"/>
+              <a:t>service</a:t>
+            </a:r>
+            <a:r>
+              <a:rPr lang="en-US" sz="900"/>
+              <a:t> = new </a:t>
+            </a:r>
+            <a:r>
+              <a:rPr lang="en-US" sz="900" i="1"/>
+              <a:t>CustomerServiceImpl</a:t>
+            </a:r>
+            <a:r>
+              <a:rPr lang="en-US" sz="900"/>
+              <a:t>();</a:t>
+            </a:r>
+          </a:p>
+          <a:p>
+            <a:r>
+              <a:rPr lang="en-US" sz="900"/>
+              <a:t>Và rồi làm tương tự như bước 5.</a:t>
+            </a:r>
+          </a:p>
+        </p:txBody>
+      </p:sp>
+      <p:cxnSp>
+        <p:nvCxnSpPr>
+          <p:cNvPr id="116" name="Straight Arrow Connector 115">
+            <a:extLst>
+              <a:ext uri="{FF2B5EF4-FFF2-40B4-BE49-F238E27FC236}">
+                <a16:creationId xmlns:a16="http://schemas.microsoft.com/office/drawing/2014/main" id="{F5288C48-4929-42ED-8963-C7DDF8F270F3}"/>
+              </a:ext>
+            </a:extLst>
+          </p:cNvPr>
+          <p:cNvCxnSpPr>
+            <a:cxnSpLocks/>
+            <a:stCxn id="30" idx="2"/>
+            <a:endCxn id="115" idx="0"/>
+          </p:cNvCxnSpPr>
+          <p:nvPr/>
+        </p:nvCxnSpPr>
+        <p:spPr>
+          <a:xfrm flipH="1">
+            <a:off x="1596951" y="9058295"/>
+            <a:ext cx="191381" cy="225903"/>
+          </a:xfrm>
+          <a:prstGeom prst="straightConnector1">
+            <a:avLst/>
+          </a:prstGeom>
+          <a:ln>
+            <a:tailEnd type="triangle"/>
+          </a:ln>
+        </p:spPr>
+        <p:style>
+          <a:lnRef idx="1">
+            <a:schemeClr val="accent1"/>
+          </a:lnRef>
+          <a:fillRef idx="0">
+            <a:schemeClr val="accent1"/>
+          </a:fillRef>
+          <a:effectRef idx="0">
+            <a:schemeClr val="accent1"/>
+          </a:effectRef>
+          <a:fontRef idx="minor">
+            <a:schemeClr val="tx1"/>
+          </a:fontRef>
+        </p:style>
+      </p:cxnSp>
     </p:spTree>
     <p:extLst>
       <p:ext uri="{BB962C8B-B14F-4D97-AF65-F5344CB8AC3E}">

--- a/src/ss04_lop_doi_tuong_java/ve UML.pptx
+++ b/src/ss04_lop_doi_tuong_java/ve UML.pptx
@@ -250,7 +250,7 @@
           <a:p>
             <a:fld id="{304DB6B7-848F-4A9B-8BD5-23855C3D30D0}" type="datetimeFigureOut">
               <a:rPr lang="en-US" smtClean="0"/>
-              <a:t>15-Jul-23</a:t>
+              <a:t>17-Jul-23</a:t>
             </a:fld>
             <a:endParaRPr lang="en-US"/>
           </a:p>
@@ -420,7 +420,7 @@
           <a:p>
             <a:fld id="{304DB6B7-848F-4A9B-8BD5-23855C3D30D0}" type="datetimeFigureOut">
               <a:rPr lang="en-US" smtClean="0"/>
-              <a:t>15-Jul-23</a:t>
+              <a:t>17-Jul-23</a:t>
             </a:fld>
             <a:endParaRPr lang="en-US"/>
           </a:p>
@@ -600,7 +600,7 @@
           <a:p>
             <a:fld id="{304DB6B7-848F-4A9B-8BD5-23855C3D30D0}" type="datetimeFigureOut">
               <a:rPr lang="en-US" smtClean="0"/>
-              <a:t>15-Jul-23</a:t>
+              <a:t>17-Jul-23</a:t>
             </a:fld>
             <a:endParaRPr lang="en-US"/>
           </a:p>
@@ -770,7 +770,7 @@
           <a:p>
             <a:fld id="{304DB6B7-848F-4A9B-8BD5-23855C3D30D0}" type="datetimeFigureOut">
               <a:rPr lang="en-US" smtClean="0"/>
-              <a:t>15-Jul-23</a:t>
+              <a:t>17-Jul-23</a:t>
             </a:fld>
             <a:endParaRPr lang="en-US"/>
           </a:p>
@@ -1014,7 +1014,7 @@
           <a:p>
             <a:fld id="{304DB6B7-848F-4A9B-8BD5-23855C3D30D0}" type="datetimeFigureOut">
               <a:rPr lang="en-US" smtClean="0"/>
-              <a:t>15-Jul-23</a:t>
+              <a:t>17-Jul-23</a:t>
             </a:fld>
             <a:endParaRPr lang="en-US"/>
           </a:p>
@@ -1246,7 +1246,7 @@
           <a:p>
             <a:fld id="{304DB6B7-848F-4A9B-8BD5-23855C3D30D0}" type="datetimeFigureOut">
               <a:rPr lang="en-US" smtClean="0"/>
-              <a:t>15-Jul-23</a:t>
+              <a:t>17-Jul-23</a:t>
             </a:fld>
             <a:endParaRPr lang="en-US"/>
           </a:p>
@@ -1613,7 +1613,7 @@
           <a:p>
             <a:fld id="{304DB6B7-848F-4A9B-8BD5-23855C3D30D0}" type="datetimeFigureOut">
               <a:rPr lang="en-US" smtClean="0"/>
-              <a:t>15-Jul-23</a:t>
+              <a:t>17-Jul-23</a:t>
             </a:fld>
             <a:endParaRPr lang="en-US"/>
           </a:p>
@@ -1731,7 +1731,7 @@
           <a:p>
             <a:fld id="{304DB6B7-848F-4A9B-8BD5-23855C3D30D0}" type="datetimeFigureOut">
               <a:rPr lang="en-US" smtClean="0"/>
-              <a:t>15-Jul-23</a:t>
+              <a:t>17-Jul-23</a:t>
             </a:fld>
             <a:endParaRPr lang="en-US"/>
           </a:p>
@@ -1826,7 +1826,7 @@
           <a:p>
             <a:fld id="{304DB6B7-848F-4A9B-8BD5-23855C3D30D0}" type="datetimeFigureOut">
               <a:rPr lang="en-US" smtClean="0"/>
-              <a:t>15-Jul-23</a:t>
+              <a:t>17-Jul-23</a:t>
             </a:fld>
             <a:endParaRPr lang="en-US"/>
           </a:p>
@@ -2103,7 +2103,7 @@
           <a:p>
             <a:fld id="{304DB6B7-848F-4A9B-8BD5-23855C3D30D0}" type="datetimeFigureOut">
               <a:rPr lang="en-US" smtClean="0"/>
-              <a:t>15-Jul-23</a:t>
+              <a:t>17-Jul-23</a:t>
             </a:fld>
             <a:endParaRPr lang="en-US"/>
           </a:p>
@@ -2360,7 +2360,7 @@
           <a:p>
             <a:fld id="{304DB6B7-848F-4A9B-8BD5-23855C3D30D0}" type="datetimeFigureOut">
               <a:rPr lang="en-US" smtClean="0"/>
-              <a:t>15-Jul-23</a:t>
+              <a:t>17-Jul-23</a:t>
             </a:fld>
             <a:endParaRPr lang="en-US"/>
           </a:p>
@@ -2573,7 +2573,7 @@
           <a:p>
             <a:fld id="{304DB6B7-848F-4A9B-8BD5-23855C3D30D0}" type="datetimeFigureOut">
               <a:rPr lang="en-US" smtClean="0"/>
-              <a:t>15-Jul-23</a:t>
+              <a:t>17-Jul-23</a:t>
             </a:fld>
             <a:endParaRPr lang="en-US"/>
           </a:p>

--- a/src/ss04_lop_doi_tuong_java/ve UML.pptx
+++ b/src/ss04_lop_doi_tuong_java/ve UML.pptx
@@ -13,6 +13,8 @@
     <p:sldId id="262" r:id="rId7"/>
     <p:sldId id="263" r:id="rId8"/>
     <p:sldId id="264" r:id="rId9"/>
+    <p:sldId id="265" r:id="rId10"/>
+    <p:sldId id="266" r:id="rId11"/>
   </p:sldIdLst>
   <p:sldSz cx="6858000" cy="9906000" type="A4"/>
   <p:notesSz cx="6858000" cy="9144000"/>
@@ -250,7 +252,7 @@
           <a:p>
             <a:fld id="{304DB6B7-848F-4A9B-8BD5-23855C3D30D0}" type="datetimeFigureOut">
               <a:rPr lang="en-US" smtClean="0"/>
-              <a:t>17-Jul-23</a:t>
+              <a:t>18-Jul-23</a:t>
             </a:fld>
             <a:endParaRPr lang="en-US"/>
           </a:p>
@@ -420,7 +422,7 @@
           <a:p>
             <a:fld id="{304DB6B7-848F-4A9B-8BD5-23855C3D30D0}" type="datetimeFigureOut">
               <a:rPr lang="en-US" smtClean="0"/>
-              <a:t>17-Jul-23</a:t>
+              <a:t>18-Jul-23</a:t>
             </a:fld>
             <a:endParaRPr lang="en-US"/>
           </a:p>
@@ -600,7 +602,7 @@
           <a:p>
             <a:fld id="{304DB6B7-848F-4A9B-8BD5-23855C3D30D0}" type="datetimeFigureOut">
               <a:rPr lang="en-US" smtClean="0"/>
-              <a:t>17-Jul-23</a:t>
+              <a:t>18-Jul-23</a:t>
             </a:fld>
             <a:endParaRPr lang="en-US"/>
           </a:p>
@@ -770,7 +772,7 @@
           <a:p>
             <a:fld id="{304DB6B7-848F-4A9B-8BD5-23855C3D30D0}" type="datetimeFigureOut">
               <a:rPr lang="en-US" smtClean="0"/>
-              <a:t>17-Jul-23</a:t>
+              <a:t>18-Jul-23</a:t>
             </a:fld>
             <a:endParaRPr lang="en-US"/>
           </a:p>
@@ -1014,7 +1016,7 @@
           <a:p>
             <a:fld id="{304DB6B7-848F-4A9B-8BD5-23855C3D30D0}" type="datetimeFigureOut">
               <a:rPr lang="en-US" smtClean="0"/>
-              <a:t>17-Jul-23</a:t>
+              <a:t>18-Jul-23</a:t>
             </a:fld>
             <a:endParaRPr lang="en-US"/>
           </a:p>
@@ -1246,7 +1248,7 @@
           <a:p>
             <a:fld id="{304DB6B7-848F-4A9B-8BD5-23855C3D30D0}" type="datetimeFigureOut">
               <a:rPr lang="en-US" smtClean="0"/>
-              <a:t>17-Jul-23</a:t>
+              <a:t>18-Jul-23</a:t>
             </a:fld>
             <a:endParaRPr lang="en-US"/>
           </a:p>
@@ -1613,7 +1615,7 @@
           <a:p>
             <a:fld id="{304DB6B7-848F-4A9B-8BD5-23855C3D30D0}" type="datetimeFigureOut">
               <a:rPr lang="en-US" smtClean="0"/>
-              <a:t>17-Jul-23</a:t>
+              <a:t>18-Jul-23</a:t>
             </a:fld>
             <a:endParaRPr lang="en-US"/>
           </a:p>
@@ -1731,7 +1733,7 @@
           <a:p>
             <a:fld id="{304DB6B7-848F-4A9B-8BD5-23855C3D30D0}" type="datetimeFigureOut">
               <a:rPr lang="en-US" smtClean="0"/>
-              <a:t>17-Jul-23</a:t>
+              <a:t>18-Jul-23</a:t>
             </a:fld>
             <a:endParaRPr lang="en-US"/>
           </a:p>
@@ -1826,7 +1828,7 @@
           <a:p>
             <a:fld id="{304DB6B7-848F-4A9B-8BD5-23855C3D30D0}" type="datetimeFigureOut">
               <a:rPr lang="en-US" smtClean="0"/>
-              <a:t>17-Jul-23</a:t>
+              <a:t>18-Jul-23</a:t>
             </a:fld>
             <a:endParaRPr lang="en-US"/>
           </a:p>
@@ -2103,7 +2105,7 @@
           <a:p>
             <a:fld id="{304DB6B7-848F-4A9B-8BD5-23855C3D30D0}" type="datetimeFigureOut">
               <a:rPr lang="en-US" smtClean="0"/>
-              <a:t>17-Jul-23</a:t>
+              <a:t>18-Jul-23</a:t>
             </a:fld>
             <a:endParaRPr lang="en-US"/>
           </a:p>
@@ -2360,7 +2362,7 @@
           <a:p>
             <a:fld id="{304DB6B7-848F-4A9B-8BD5-23855C3D30D0}" type="datetimeFigureOut">
               <a:rPr lang="en-US" smtClean="0"/>
-              <a:t>17-Jul-23</a:t>
+              <a:t>18-Jul-23</a:t>
             </a:fld>
             <a:endParaRPr lang="en-US"/>
           </a:p>
@@ -2573,7 +2575,7 @@
           <a:p>
             <a:fld id="{304DB6B7-848F-4A9B-8BD5-23855C3D30D0}" type="datetimeFigureOut">
               <a:rPr lang="en-US" smtClean="0"/>
-              <a:t>17-Jul-23</a:t>
+              <a:t>18-Jul-23</a:t>
             </a:fld>
             <a:endParaRPr lang="en-US"/>
           </a:p>
@@ -4347,6 +4349,1363 @@
 </p:sld>
 </file>
 
+<file path=ppt/slides/slide10.xml><?xml version="1.0" encoding="utf-8"?>
+<p:sld xmlns:a="http://schemas.openxmlformats.org/drawingml/2006/main" xmlns:r="http://schemas.openxmlformats.org/officeDocument/2006/relationships" xmlns:p="http://schemas.openxmlformats.org/presentationml/2006/main">
+  <p:cSld>
+    <p:spTree>
+      <p:nvGrpSpPr>
+        <p:cNvPr id="1" name=""/>
+        <p:cNvGrpSpPr/>
+        <p:nvPr/>
+      </p:nvGrpSpPr>
+      <p:grpSpPr>
+        <a:xfrm>
+          <a:off x="0" y="0"/>
+          <a:ext cx="0" cy="0"/>
+          <a:chOff x="0" y="0"/>
+          <a:chExt cx="0" cy="0"/>
+        </a:xfrm>
+      </p:grpSpPr>
+      <p:sp>
+        <p:nvSpPr>
+          <p:cNvPr id="31" name="Oval 30">
+            <a:extLst>
+              <a:ext uri="{FF2B5EF4-FFF2-40B4-BE49-F238E27FC236}">
+                <a16:creationId xmlns:a16="http://schemas.microsoft.com/office/drawing/2014/main" id="{4182E4FC-DBF2-4318-9678-92DF2EC68243}"/>
+              </a:ext>
+            </a:extLst>
+          </p:cNvPr>
+          <p:cNvSpPr/>
+          <p:nvPr/>
+        </p:nvSpPr>
+        <p:spPr>
+          <a:xfrm>
+            <a:off x="145413" y="1065895"/>
+            <a:ext cx="431731" cy="446617"/>
+          </a:xfrm>
+          <a:prstGeom prst="ellipse">
+            <a:avLst/>
+          </a:prstGeom>
+        </p:spPr>
+        <p:style>
+          <a:lnRef idx="2">
+            <a:schemeClr val="accent1">
+              <a:shade val="50000"/>
+            </a:schemeClr>
+          </a:lnRef>
+          <a:fillRef idx="1">
+            <a:schemeClr val="accent1"/>
+          </a:fillRef>
+          <a:effectRef idx="0">
+            <a:schemeClr val="accent1"/>
+          </a:effectRef>
+          <a:fontRef idx="minor">
+            <a:schemeClr val="lt1"/>
+          </a:fontRef>
+        </p:style>
+        <p:txBody>
+          <a:bodyPr rtlCol="0" anchor="ctr"/>
+          <a:lstStyle/>
+          <a:p>
+            <a:pPr algn="ctr"/>
+            <a:r>
+              <a:rPr lang="en-US" sz="2492"/>
+              <a:t>C</a:t>
+            </a:r>
+          </a:p>
+        </p:txBody>
+      </p:sp>
+      <p:sp>
+        <p:nvSpPr>
+          <p:cNvPr id="32" name="Rectangle: Rounded Corners 31">
+            <a:extLst>
+              <a:ext uri="{FF2B5EF4-FFF2-40B4-BE49-F238E27FC236}">
+                <a16:creationId xmlns:a16="http://schemas.microsoft.com/office/drawing/2014/main" id="{3FECCA4E-E232-4B1B-9D58-94184DEF0CB1}"/>
+              </a:ext>
+            </a:extLst>
+          </p:cNvPr>
+          <p:cNvSpPr/>
+          <p:nvPr/>
+        </p:nvSpPr>
+        <p:spPr>
+          <a:xfrm>
+            <a:off x="669549" y="1149306"/>
+            <a:ext cx="1683000" cy="279798"/>
+          </a:xfrm>
+          <a:prstGeom prst="roundRect">
+            <a:avLst>
+              <a:gd name="adj" fmla="val 10785"/>
+            </a:avLst>
+          </a:prstGeom>
+          <a:ln>
+            <a:prstDash val="dash"/>
+          </a:ln>
+        </p:spPr>
+        <p:style>
+          <a:lnRef idx="2">
+            <a:schemeClr val="accent6"/>
+          </a:lnRef>
+          <a:fillRef idx="1">
+            <a:schemeClr val="lt1"/>
+          </a:fillRef>
+          <a:effectRef idx="0">
+            <a:schemeClr val="accent6"/>
+          </a:effectRef>
+          <a:fontRef idx="minor">
+            <a:schemeClr val="dk1"/>
+          </a:fontRef>
+        </p:style>
+        <p:txBody>
+          <a:bodyPr rtlCol="0" anchor="ctr"/>
+          <a:lstStyle/>
+          <a:p>
+            <a:r>
+              <a:rPr lang="en-US" sz="969" b="1"/>
+              <a:t>B1</a:t>
+            </a:r>
+            <a:r>
+              <a:rPr lang="en-US" sz="969"/>
+              <a:t>. Tạo một class `Student`</a:t>
+            </a:r>
+          </a:p>
+        </p:txBody>
+      </p:sp>
+      <p:sp>
+        <p:nvSpPr>
+          <p:cNvPr id="39" name="Rectangle: Top Corners Rounded 38">
+            <a:extLst>
+              <a:ext uri="{FF2B5EF4-FFF2-40B4-BE49-F238E27FC236}">
+                <a16:creationId xmlns:a16="http://schemas.microsoft.com/office/drawing/2014/main" id="{9DDEEFE8-4839-44F2-873E-F67D64B45DB4}"/>
+              </a:ext>
+            </a:extLst>
+          </p:cNvPr>
+          <p:cNvSpPr/>
+          <p:nvPr/>
+        </p:nvSpPr>
+        <p:spPr>
+          <a:xfrm>
+            <a:off x="1776885" y="401737"/>
+            <a:ext cx="3553057" cy="333933"/>
+          </a:xfrm>
+          <a:prstGeom prst="round2SameRect">
+            <a:avLst/>
+          </a:prstGeom>
+          <a:noFill/>
+        </p:spPr>
+        <p:style>
+          <a:lnRef idx="2">
+            <a:schemeClr val="accent1">
+              <a:shade val="50000"/>
+            </a:schemeClr>
+          </a:lnRef>
+          <a:fillRef idx="1">
+            <a:schemeClr val="accent1"/>
+          </a:fillRef>
+          <a:effectRef idx="0">
+            <a:schemeClr val="accent1"/>
+          </a:effectRef>
+          <a:fontRef idx="minor">
+            <a:schemeClr val="lt1"/>
+          </a:fontRef>
+        </p:style>
+        <p:txBody>
+          <a:bodyPr rtlCol="0" anchor="ctr"/>
+          <a:lstStyle/>
+          <a:p>
+            <a:pPr algn="ctr"/>
+            <a:r>
+              <a:rPr lang="en-US" sz="2215">
+                <a:solidFill>
+                  <a:schemeClr val="tx1"/>
+                </a:solidFill>
+              </a:rPr>
+              <a:t>2. Triển khai Comparator</a:t>
+            </a:r>
+          </a:p>
+        </p:txBody>
+      </p:sp>
+      <p:sp>
+        <p:nvSpPr>
+          <p:cNvPr id="2" name="TextBox 1">
+            <a:extLst>
+              <a:ext uri="{FF2B5EF4-FFF2-40B4-BE49-F238E27FC236}">
+                <a16:creationId xmlns:a16="http://schemas.microsoft.com/office/drawing/2014/main" id="{F745BFFF-3710-46E0-A0A4-6E70BB093BEB}"/>
+              </a:ext>
+            </a:extLst>
+          </p:cNvPr>
+          <p:cNvSpPr txBox="1"/>
+          <p:nvPr/>
+        </p:nvSpPr>
+        <p:spPr>
+          <a:xfrm>
+            <a:off x="4113419" y="781554"/>
+            <a:ext cx="1216524" cy="241476"/>
+          </a:xfrm>
+          <a:prstGeom prst="rect">
+            <a:avLst/>
+          </a:prstGeom>
+          <a:noFill/>
+        </p:spPr>
+        <p:txBody>
+          <a:bodyPr wrap="square" rtlCol="0">
+            <a:spAutoFit/>
+          </a:bodyPr>
+          <a:lstStyle/>
+          <a:p>
+            <a:r>
+              <a:rPr lang="en-US" sz="969"/>
+              <a:t>Danh sách Sinh viên</a:t>
+            </a:r>
+          </a:p>
+        </p:txBody>
+      </p:sp>
+      <p:grpSp>
+        <p:nvGrpSpPr>
+          <p:cNvPr id="16" name="Group 15">
+            <a:extLst>
+              <a:ext uri="{FF2B5EF4-FFF2-40B4-BE49-F238E27FC236}">
+                <a16:creationId xmlns:a16="http://schemas.microsoft.com/office/drawing/2014/main" id="{D45176CE-A86F-4F24-A21E-E8A8A59599F0}"/>
+              </a:ext>
+            </a:extLst>
+          </p:cNvPr>
+          <p:cNvGrpSpPr/>
+          <p:nvPr/>
+        </p:nvGrpSpPr>
+        <p:grpSpPr>
+          <a:xfrm>
+            <a:off x="2843611" y="1149305"/>
+            <a:ext cx="3893032" cy="1866945"/>
+            <a:chOff x="1571044" y="484816"/>
+            <a:chExt cx="5944391" cy="3007778"/>
+          </a:xfrm>
+        </p:grpSpPr>
+        <p:sp>
+          <p:nvSpPr>
+            <p:cNvPr id="17" name="Rectangle 16">
+              <a:extLst>
+                <a:ext uri="{FF2B5EF4-FFF2-40B4-BE49-F238E27FC236}">
+                  <a16:creationId xmlns:a16="http://schemas.microsoft.com/office/drawing/2014/main" id="{1FFAF2C4-7578-46C8-853A-FAE8380BCC9F}"/>
+                </a:ext>
+              </a:extLst>
+            </p:cNvPr>
+            <p:cNvSpPr/>
+            <p:nvPr/>
+          </p:nvSpPr>
+          <p:spPr>
+            <a:xfrm>
+              <a:off x="1571047" y="484816"/>
+              <a:ext cx="4875783" cy="472541"/>
+            </a:xfrm>
+            <a:prstGeom prst="rect">
+              <a:avLst/>
+            </a:prstGeom>
+            <a:ln/>
+          </p:spPr>
+          <p:style>
+            <a:lnRef idx="2">
+              <a:schemeClr val="dk1"/>
+            </a:lnRef>
+            <a:fillRef idx="1">
+              <a:schemeClr val="lt1"/>
+            </a:fillRef>
+            <a:effectRef idx="0">
+              <a:schemeClr val="dk1"/>
+            </a:effectRef>
+            <a:fontRef idx="minor">
+              <a:schemeClr val="dk1"/>
+            </a:fontRef>
+          </p:style>
+          <p:txBody>
+            <a:bodyPr rtlCol="0" anchor="ctr"/>
+            <a:lstStyle/>
+            <a:p>
+              <a:pPr algn="ctr"/>
+              <a:r>
+                <a:rPr lang="en-US" sz="800" b="1"/>
+                <a:t>public class Student implements Comparable&lt;Student&gt;</a:t>
+              </a:r>
+            </a:p>
+          </p:txBody>
+        </p:sp>
+        <p:sp>
+          <p:nvSpPr>
+            <p:cNvPr id="18" name="Rectangle 17">
+              <a:extLst>
+                <a:ext uri="{FF2B5EF4-FFF2-40B4-BE49-F238E27FC236}">
+                  <a16:creationId xmlns:a16="http://schemas.microsoft.com/office/drawing/2014/main" id="{57229C0D-11D3-43F9-A09E-6A7B57AA21C0}"/>
+                </a:ext>
+              </a:extLst>
+            </p:cNvPr>
+            <p:cNvSpPr/>
+            <p:nvPr/>
+          </p:nvSpPr>
+          <p:spPr>
+            <a:xfrm>
+              <a:off x="1571046" y="957356"/>
+              <a:ext cx="2696227" cy="752297"/>
+            </a:xfrm>
+            <a:prstGeom prst="rect">
+              <a:avLst/>
+            </a:prstGeom>
+            <a:ln/>
+          </p:spPr>
+          <p:style>
+            <a:lnRef idx="2">
+              <a:schemeClr val="dk1"/>
+            </a:lnRef>
+            <a:fillRef idx="1">
+              <a:schemeClr val="lt1"/>
+            </a:fillRef>
+            <a:effectRef idx="0">
+              <a:schemeClr val="dk1"/>
+            </a:effectRef>
+            <a:fontRef idx="minor">
+              <a:schemeClr val="dk1"/>
+            </a:fontRef>
+          </p:style>
+          <p:txBody>
+            <a:bodyPr rtlCol="0" anchor="t"/>
+            <a:lstStyle/>
+            <a:p>
+              <a:pPr indent="-38821">
+                <a:buFont typeface="Calibri" panose="020F0502020204030204" pitchFamily="34" charset="0"/>
+                <a:buChar char="-"/>
+              </a:pPr>
+              <a:r>
+                <a:rPr lang="en-US" sz="800">
+                  <a:solidFill>
+                    <a:schemeClr val="tx1"/>
+                  </a:solidFill>
+                  <a:latin typeface="Courier New" panose="02070309020205020404" pitchFamily="49" charset="0"/>
+                  <a:cs typeface="Courier New" panose="02070309020205020404" pitchFamily="49" charset="0"/>
+                </a:rPr>
+                <a:t> private String name;</a:t>
+              </a:r>
+            </a:p>
+            <a:p>
+              <a:pPr indent="-38821">
+                <a:buFont typeface="Calibri" panose="020F0502020204030204" pitchFamily="34" charset="0"/>
+                <a:buChar char="-"/>
+              </a:pPr>
+              <a:r>
+                <a:rPr lang="en-US" sz="800">
+                  <a:solidFill>
+                    <a:schemeClr val="tx1"/>
+                  </a:solidFill>
+                  <a:latin typeface="Courier New" panose="02070309020205020404" pitchFamily="49" charset="0"/>
+                  <a:cs typeface="Courier New" panose="02070309020205020404" pitchFamily="49" charset="0"/>
+                </a:rPr>
+                <a:t> private Integer age;</a:t>
+              </a:r>
+            </a:p>
+            <a:p>
+              <a:pPr indent="-38821">
+                <a:buFont typeface="Calibri" panose="020F0502020204030204" pitchFamily="34" charset="0"/>
+                <a:buChar char="-"/>
+              </a:pPr>
+              <a:r>
+                <a:rPr lang="en-US" sz="800">
+                  <a:solidFill>
+                    <a:schemeClr val="tx1"/>
+                  </a:solidFill>
+                  <a:latin typeface="Courier New" panose="02070309020205020404" pitchFamily="49" charset="0"/>
+                  <a:cs typeface="Courier New" panose="02070309020205020404" pitchFamily="49" charset="0"/>
+                </a:rPr>
+                <a:t> private String address;</a:t>
+              </a:r>
+            </a:p>
+          </p:txBody>
+        </p:sp>
+        <p:sp>
+          <p:nvSpPr>
+            <p:cNvPr id="19" name="Rectangle 18">
+              <a:extLst>
+                <a:ext uri="{FF2B5EF4-FFF2-40B4-BE49-F238E27FC236}">
+                  <a16:creationId xmlns:a16="http://schemas.microsoft.com/office/drawing/2014/main" id="{CC26A5AB-79D3-4520-82D7-F5C4534C93D7}"/>
+                </a:ext>
+              </a:extLst>
+            </p:cNvPr>
+            <p:cNvSpPr/>
+            <p:nvPr/>
+          </p:nvSpPr>
+          <p:spPr>
+            <a:xfrm>
+              <a:off x="1571044" y="1710223"/>
+              <a:ext cx="5944391" cy="1782371"/>
+            </a:xfrm>
+            <a:prstGeom prst="rect">
+              <a:avLst/>
+            </a:prstGeom>
+            <a:ln/>
+          </p:spPr>
+          <p:style>
+            <a:lnRef idx="2">
+              <a:schemeClr val="dk1"/>
+            </a:lnRef>
+            <a:fillRef idx="1">
+              <a:schemeClr val="lt1"/>
+            </a:fillRef>
+            <a:effectRef idx="0">
+              <a:schemeClr val="dk1"/>
+            </a:effectRef>
+            <a:fontRef idx="minor">
+              <a:schemeClr val="dk1"/>
+            </a:fontRef>
+          </p:style>
+          <p:txBody>
+            <a:bodyPr rtlCol="0" anchor="t"/>
+            <a:lstStyle/>
+            <a:p>
+              <a:pPr indent="-38821">
+                <a:buFont typeface="Calibri" panose="020F0502020204030204" pitchFamily="34" charset="0"/>
+                <a:buChar char="+"/>
+              </a:pPr>
+              <a:r>
+                <a:rPr lang="en-US" sz="800">
+                  <a:solidFill>
+                    <a:schemeClr val="tx1"/>
+                  </a:solidFill>
+                  <a:latin typeface="Courier New" panose="02070309020205020404" pitchFamily="49" charset="0"/>
+                  <a:cs typeface="Courier New" panose="02070309020205020404" pitchFamily="49" charset="0"/>
+                </a:rPr>
+                <a:t>Student()</a:t>
+              </a:r>
+            </a:p>
+            <a:p>
+              <a:pPr indent="-38821">
+                <a:buFont typeface="Calibri" panose="020F0502020204030204" pitchFamily="34" charset="0"/>
+                <a:buChar char="+"/>
+              </a:pPr>
+              <a:r>
+                <a:rPr lang="en-US" sz="800">
+                  <a:solidFill>
+                    <a:schemeClr val="tx1"/>
+                  </a:solidFill>
+                  <a:latin typeface="Courier New" panose="02070309020205020404" pitchFamily="49" charset="0"/>
+                  <a:cs typeface="Courier New" panose="02070309020205020404" pitchFamily="49" charset="0"/>
+                </a:rPr>
+                <a:t>Student(name:String,age:Integer, address:String)</a:t>
+              </a:r>
+            </a:p>
+            <a:p>
+              <a:pPr indent="-38821">
+                <a:buFont typeface="Calibri" panose="020F0502020204030204" pitchFamily="34" charset="0"/>
+                <a:buChar char="+"/>
+              </a:pPr>
+              <a:r>
+                <a:rPr lang="en-US" sz="800">
+                  <a:solidFill>
+                    <a:schemeClr val="tx1"/>
+                  </a:solidFill>
+                  <a:latin typeface="Courier New" panose="02070309020205020404" pitchFamily="49" charset="0"/>
+                  <a:cs typeface="Courier New" panose="02070309020205020404" pitchFamily="49" charset="0"/>
+                </a:rPr>
+                <a:t>geter; setter;</a:t>
+              </a:r>
+            </a:p>
+            <a:p>
+              <a:pPr indent="-38821">
+                <a:buFont typeface="Calibri" panose="020F0502020204030204" pitchFamily="34" charset="0"/>
+                <a:buChar char="+"/>
+              </a:pPr>
+              <a:r>
+                <a:rPr lang="en-US" sz="800" b="1">
+                  <a:solidFill>
+                    <a:schemeClr val="tx1"/>
+                  </a:solidFill>
+                  <a:latin typeface="Courier New" panose="02070309020205020404" pitchFamily="49" charset="0"/>
+                  <a:cs typeface="Courier New" panose="02070309020205020404" pitchFamily="49" charset="0"/>
+                </a:rPr>
+                <a:t>toString(): @override</a:t>
+              </a:r>
+            </a:p>
+            <a:p>
+              <a:pPr indent="-38821">
+                <a:buFont typeface="Calibri" panose="020F0502020204030204" pitchFamily="34" charset="0"/>
+                <a:buChar char="+"/>
+              </a:pPr>
+              <a:r>
+                <a:rPr lang="en-US" sz="800">
+                  <a:solidFill>
+                    <a:schemeClr val="tx1"/>
+                  </a:solidFill>
+                  <a:latin typeface="Courier New" panose="02070309020205020404" pitchFamily="49" charset="0"/>
+                  <a:cs typeface="Courier New" panose="02070309020205020404" pitchFamily="49" charset="0"/>
+                </a:rPr>
+                <a:t>@</a:t>
+              </a:r>
+              <a:r>
+                <a:rPr lang="en-US" sz="800" b="1">
+                  <a:solidFill>
+                    <a:schemeClr val="tx1"/>
+                  </a:solidFill>
+                  <a:latin typeface="Courier New" panose="02070309020205020404" pitchFamily="49" charset="0"/>
+                  <a:cs typeface="Courier New" panose="02070309020205020404" pitchFamily="49" charset="0"/>
+                </a:rPr>
+                <a:t>Override</a:t>
+              </a:r>
+            </a:p>
+            <a:p>
+              <a:r>
+                <a:rPr lang="en-US" sz="800">
+                  <a:solidFill>
+                    <a:schemeClr val="tx1"/>
+                  </a:solidFill>
+                  <a:latin typeface="Courier New" panose="02070309020205020404" pitchFamily="49" charset="0"/>
+                  <a:cs typeface="Courier New" panose="02070309020205020404" pitchFamily="49" charset="0"/>
+                </a:rPr>
+                <a:t>    public int </a:t>
+              </a:r>
+              <a:r>
+                <a:rPr lang="en-US" sz="800" b="1">
+                  <a:solidFill>
+                    <a:schemeClr val="tx1"/>
+                  </a:solidFill>
+                  <a:latin typeface="Courier New" panose="02070309020205020404" pitchFamily="49" charset="0"/>
+                  <a:cs typeface="Courier New" panose="02070309020205020404" pitchFamily="49" charset="0"/>
+                </a:rPr>
+                <a:t>compareTo</a:t>
+              </a:r>
+              <a:r>
+                <a:rPr lang="en-US" sz="800">
+                  <a:solidFill>
+                    <a:schemeClr val="tx1"/>
+                  </a:solidFill>
+                  <a:latin typeface="Courier New" panose="02070309020205020404" pitchFamily="49" charset="0"/>
+                  <a:cs typeface="Courier New" panose="02070309020205020404" pitchFamily="49" charset="0"/>
+                </a:rPr>
+                <a:t>(Student student) {</a:t>
+              </a:r>
+            </a:p>
+            <a:p>
+              <a:r>
+                <a:rPr lang="en-US" sz="800">
+                  <a:solidFill>
+                    <a:schemeClr val="tx1"/>
+                  </a:solidFill>
+                  <a:latin typeface="Courier New" panose="02070309020205020404" pitchFamily="49" charset="0"/>
+                  <a:cs typeface="Courier New" panose="02070309020205020404" pitchFamily="49" charset="0"/>
+                </a:rPr>
+                <a:t>        return this.getName().</a:t>
+              </a:r>
+              <a:r>
+                <a:rPr lang="en-US" sz="800" b="1">
+                  <a:solidFill>
+                    <a:schemeClr val="tx1"/>
+                  </a:solidFill>
+                  <a:latin typeface="Courier New" panose="02070309020205020404" pitchFamily="49" charset="0"/>
+                  <a:cs typeface="Courier New" panose="02070309020205020404" pitchFamily="49" charset="0"/>
+                </a:rPr>
+                <a:t>compareTo</a:t>
+              </a:r>
+              <a:r>
+                <a:rPr lang="en-US" sz="800">
+                  <a:solidFill>
+                    <a:schemeClr val="tx1"/>
+                  </a:solidFill>
+                  <a:latin typeface="Courier New" panose="02070309020205020404" pitchFamily="49" charset="0"/>
+                  <a:cs typeface="Courier New" panose="02070309020205020404" pitchFamily="49" charset="0"/>
+                </a:rPr>
+                <a:t>(student.getName());</a:t>
+              </a:r>
+            </a:p>
+            <a:p>
+              <a:r>
+                <a:rPr lang="en-US" sz="800">
+                  <a:solidFill>
+                    <a:schemeClr val="tx1"/>
+                  </a:solidFill>
+                  <a:latin typeface="Courier New" panose="02070309020205020404" pitchFamily="49" charset="0"/>
+                  <a:cs typeface="Courier New" panose="02070309020205020404" pitchFamily="49" charset="0"/>
+                </a:rPr>
+                <a:t>    }</a:t>
+              </a:r>
+            </a:p>
+          </p:txBody>
+        </p:sp>
+      </p:grpSp>
+      <p:sp>
+        <p:nvSpPr>
+          <p:cNvPr id="20" name="Oval 19">
+            <a:extLst>
+              <a:ext uri="{FF2B5EF4-FFF2-40B4-BE49-F238E27FC236}">
+                <a16:creationId xmlns:a16="http://schemas.microsoft.com/office/drawing/2014/main" id="{04949F46-35FE-4B71-90D9-F59E882E4087}"/>
+              </a:ext>
+            </a:extLst>
+          </p:cNvPr>
+          <p:cNvSpPr/>
+          <p:nvPr/>
+        </p:nvSpPr>
+        <p:spPr>
+          <a:xfrm>
+            <a:off x="142128" y="5161473"/>
+            <a:ext cx="431731" cy="446617"/>
+          </a:xfrm>
+          <a:prstGeom prst="ellipse">
+            <a:avLst/>
+          </a:prstGeom>
+        </p:spPr>
+        <p:style>
+          <a:lnRef idx="2">
+            <a:schemeClr val="accent1">
+              <a:shade val="50000"/>
+            </a:schemeClr>
+          </a:lnRef>
+          <a:fillRef idx="1">
+            <a:schemeClr val="accent1"/>
+          </a:fillRef>
+          <a:effectRef idx="0">
+            <a:schemeClr val="accent1"/>
+          </a:effectRef>
+          <a:fontRef idx="minor">
+            <a:schemeClr val="lt1"/>
+          </a:fontRef>
+        </p:style>
+        <p:txBody>
+          <a:bodyPr rtlCol="0" anchor="ctr"/>
+          <a:lstStyle/>
+          <a:p>
+            <a:pPr algn="ctr"/>
+            <a:r>
+              <a:rPr lang="en-US" sz="2492"/>
+              <a:t>C</a:t>
+            </a:r>
+          </a:p>
+        </p:txBody>
+      </p:sp>
+      <p:sp>
+        <p:nvSpPr>
+          <p:cNvPr id="21" name="Rectangle: Rounded Corners 20">
+            <a:extLst>
+              <a:ext uri="{FF2B5EF4-FFF2-40B4-BE49-F238E27FC236}">
+                <a16:creationId xmlns:a16="http://schemas.microsoft.com/office/drawing/2014/main" id="{8EF8B44F-C77F-4AC6-8B00-B4D747017875}"/>
+              </a:ext>
+            </a:extLst>
+          </p:cNvPr>
+          <p:cNvSpPr/>
+          <p:nvPr/>
+        </p:nvSpPr>
+        <p:spPr>
+          <a:xfrm>
+            <a:off x="666264" y="5244884"/>
+            <a:ext cx="1683000" cy="279798"/>
+          </a:xfrm>
+          <a:prstGeom prst="roundRect">
+            <a:avLst>
+              <a:gd name="adj" fmla="val 10785"/>
+            </a:avLst>
+          </a:prstGeom>
+          <a:ln>
+            <a:prstDash val="dash"/>
+          </a:ln>
+        </p:spPr>
+        <p:style>
+          <a:lnRef idx="2">
+            <a:schemeClr val="accent6"/>
+          </a:lnRef>
+          <a:fillRef idx="1">
+            <a:schemeClr val="lt1"/>
+          </a:fillRef>
+          <a:effectRef idx="0">
+            <a:schemeClr val="accent6"/>
+          </a:effectRef>
+          <a:fontRef idx="minor">
+            <a:schemeClr val="dk1"/>
+          </a:fontRef>
+        </p:style>
+        <p:txBody>
+          <a:bodyPr rtlCol="0" anchor="ctr"/>
+          <a:lstStyle/>
+          <a:p>
+            <a:r>
+              <a:rPr lang="en-US" sz="969" b="1"/>
+              <a:t>B3</a:t>
+            </a:r>
+            <a:r>
+              <a:rPr lang="en-US" sz="969"/>
+              <a:t>. Tạo một class `Main`</a:t>
+            </a:r>
+          </a:p>
+        </p:txBody>
+      </p:sp>
+      <p:grpSp>
+        <p:nvGrpSpPr>
+          <p:cNvPr id="22" name="Group 21">
+            <a:extLst>
+              <a:ext uri="{FF2B5EF4-FFF2-40B4-BE49-F238E27FC236}">
+                <a16:creationId xmlns:a16="http://schemas.microsoft.com/office/drawing/2014/main" id="{68796E19-590A-4338-A611-4FD80FAA5782}"/>
+              </a:ext>
+            </a:extLst>
+          </p:cNvPr>
+          <p:cNvGrpSpPr/>
+          <p:nvPr/>
+        </p:nvGrpSpPr>
+        <p:grpSpPr>
+          <a:xfrm>
+            <a:off x="2742668" y="5244884"/>
+            <a:ext cx="3877855" cy="2043646"/>
+            <a:chOff x="1571044" y="484818"/>
+            <a:chExt cx="5921217" cy="3292456"/>
+          </a:xfrm>
+        </p:grpSpPr>
+        <p:sp>
+          <p:nvSpPr>
+            <p:cNvPr id="23" name="Rectangle 22">
+              <a:extLst>
+                <a:ext uri="{FF2B5EF4-FFF2-40B4-BE49-F238E27FC236}">
+                  <a16:creationId xmlns:a16="http://schemas.microsoft.com/office/drawing/2014/main" id="{E384DFDA-E122-411B-8722-A2A6290A58CA}"/>
+                </a:ext>
+              </a:extLst>
+            </p:cNvPr>
+            <p:cNvSpPr/>
+            <p:nvPr/>
+          </p:nvSpPr>
+          <p:spPr>
+            <a:xfrm>
+              <a:off x="1571047" y="484818"/>
+              <a:ext cx="3447665" cy="585150"/>
+            </a:xfrm>
+            <a:prstGeom prst="rect">
+              <a:avLst/>
+            </a:prstGeom>
+            <a:ln/>
+          </p:spPr>
+          <p:style>
+            <a:lnRef idx="2">
+              <a:schemeClr val="dk1"/>
+            </a:lnRef>
+            <a:fillRef idx="1">
+              <a:schemeClr val="lt1"/>
+            </a:fillRef>
+            <a:effectRef idx="0">
+              <a:schemeClr val="dk1"/>
+            </a:effectRef>
+            <a:fontRef idx="minor">
+              <a:schemeClr val="dk1"/>
+            </a:fontRef>
+          </p:style>
+          <p:txBody>
+            <a:bodyPr rtlCol="0" anchor="ctr"/>
+            <a:lstStyle/>
+            <a:p>
+              <a:pPr algn="ctr"/>
+              <a:r>
+                <a:rPr lang="en-US" sz="800" b="1"/>
+                <a:t>public class Main{</a:t>
+              </a:r>
+            </a:p>
+            <a:p>
+              <a:pPr algn="ctr"/>
+              <a:r>
+                <a:rPr lang="en-US" sz="800" b="1"/>
+                <a:t> public static void main(String[] args) {</a:t>
+              </a:r>
+            </a:p>
+          </p:txBody>
+        </p:sp>
+        <p:sp>
+          <p:nvSpPr>
+            <p:cNvPr id="24" name="Rectangle 23">
+              <a:extLst>
+                <a:ext uri="{FF2B5EF4-FFF2-40B4-BE49-F238E27FC236}">
+                  <a16:creationId xmlns:a16="http://schemas.microsoft.com/office/drawing/2014/main" id="{9595406A-4A6C-4607-9FF1-D7430FA63D73}"/>
+                </a:ext>
+              </a:extLst>
+            </p:cNvPr>
+            <p:cNvSpPr/>
+            <p:nvPr/>
+          </p:nvSpPr>
+          <p:spPr>
+            <a:xfrm>
+              <a:off x="1571044" y="1068263"/>
+              <a:ext cx="5921215" cy="1951630"/>
+            </a:xfrm>
+            <a:prstGeom prst="rect">
+              <a:avLst/>
+            </a:prstGeom>
+            <a:ln/>
+          </p:spPr>
+          <p:style>
+            <a:lnRef idx="2">
+              <a:schemeClr val="dk1"/>
+            </a:lnRef>
+            <a:fillRef idx="1">
+              <a:schemeClr val="lt1"/>
+            </a:fillRef>
+            <a:effectRef idx="0">
+              <a:schemeClr val="dk1"/>
+            </a:effectRef>
+            <a:fontRef idx="minor">
+              <a:schemeClr val="dk1"/>
+            </a:fontRef>
+          </p:style>
+          <p:txBody>
+            <a:bodyPr rtlCol="0" anchor="t"/>
+            <a:lstStyle/>
+            <a:p>
+              <a:r>
+                <a:rPr lang="en-US" sz="800">
+                  <a:solidFill>
+                    <a:schemeClr val="tx1"/>
+                  </a:solidFill>
+                  <a:latin typeface="Courier New" panose="02070309020205020404" pitchFamily="49" charset="0"/>
+                  <a:cs typeface="Courier New" panose="02070309020205020404" pitchFamily="49" charset="0"/>
+                </a:rPr>
+                <a:t>Student student1 = new Student("Kien", 30, "HT");</a:t>
+              </a:r>
+            </a:p>
+            <a:p>
+              <a:r>
+                <a:rPr lang="en-US" sz="800">
+                  <a:solidFill>
+                    <a:schemeClr val="tx1"/>
+                  </a:solidFill>
+                  <a:latin typeface="Courier New" panose="02070309020205020404" pitchFamily="49" charset="0"/>
+                  <a:cs typeface="Courier New" panose="02070309020205020404" pitchFamily="49" charset="0"/>
+                </a:rPr>
+                <a:t>Student student2 = new Student("Nam", 26, "HN");</a:t>
+              </a:r>
+            </a:p>
+            <a:p>
+              <a:r>
+                <a:rPr lang="en-US" sz="800">
+                  <a:solidFill>
+                    <a:schemeClr val="tx1"/>
+                  </a:solidFill>
+                  <a:latin typeface="Courier New" panose="02070309020205020404" pitchFamily="49" charset="0"/>
+                  <a:cs typeface="Courier New" panose="02070309020205020404" pitchFamily="49" charset="0"/>
+                </a:rPr>
+                <a:t>Student student3 = new Student("Anh", 38, "HT");</a:t>
+              </a:r>
+            </a:p>
+            <a:p>
+              <a:r>
+                <a:rPr lang="en-US" sz="800">
+                  <a:solidFill>
+                    <a:schemeClr val="tx1"/>
+                  </a:solidFill>
+                  <a:latin typeface="Courier New" panose="02070309020205020404" pitchFamily="49" charset="0"/>
+                  <a:cs typeface="Courier New" panose="02070309020205020404" pitchFamily="49" charset="0"/>
+                </a:rPr>
+                <a:t>Student student4 = new Student("Tung", 38, "HT");</a:t>
+              </a:r>
+            </a:p>
+            <a:p>
+              <a:r>
+                <a:rPr lang="en-US" sz="800">
+                  <a:solidFill>
+                    <a:schemeClr val="tx1"/>
+                  </a:solidFill>
+                  <a:latin typeface="Courier New" panose="02070309020205020404" pitchFamily="49" charset="0"/>
+                  <a:cs typeface="Courier New" panose="02070309020205020404" pitchFamily="49" charset="0"/>
+                </a:rPr>
+                <a:t>List&lt;Student&gt; studentList = new ArrayList&lt;&gt;();</a:t>
+              </a:r>
+            </a:p>
+            <a:p>
+              <a:r>
+                <a:rPr lang="en-US" sz="800">
+                  <a:solidFill>
+                    <a:schemeClr val="tx1"/>
+                  </a:solidFill>
+                  <a:latin typeface="Courier New" panose="02070309020205020404" pitchFamily="49" charset="0"/>
+                  <a:cs typeface="Courier New" panose="02070309020205020404" pitchFamily="49" charset="0"/>
+                </a:rPr>
+                <a:t>studentList.add(student1);</a:t>
+              </a:r>
+            </a:p>
+            <a:p>
+              <a:r>
+                <a:rPr lang="en-US" sz="800">
+                  <a:solidFill>
+                    <a:schemeClr val="tx1"/>
+                  </a:solidFill>
+                  <a:latin typeface="Courier New" panose="02070309020205020404" pitchFamily="49" charset="0"/>
+                  <a:cs typeface="Courier New" panose="02070309020205020404" pitchFamily="49" charset="0"/>
+                </a:rPr>
+                <a:t>studentList.add(student2);</a:t>
+              </a:r>
+            </a:p>
+            <a:p>
+              <a:r>
+                <a:rPr lang="en-US" sz="800">
+                  <a:solidFill>
+                    <a:schemeClr val="tx1"/>
+                  </a:solidFill>
+                  <a:latin typeface="Courier New" panose="02070309020205020404" pitchFamily="49" charset="0"/>
+                  <a:cs typeface="Courier New" panose="02070309020205020404" pitchFamily="49" charset="0"/>
+                </a:rPr>
+                <a:t>studentList.add(student3);</a:t>
+              </a:r>
+            </a:p>
+            <a:p>
+              <a:r>
+                <a:rPr lang="en-US" sz="800">
+                  <a:solidFill>
+                    <a:schemeClr val="tx1"/>
+                  </a:solidFill>
+                  <a:latin typeface="Courier New" panose="02070309020205020404" pitchFamily="49" charset="0"/>
+                  <a:cs typeface="Courier New" panose="02070309020205020404" pitchFamily="49" charset="0"/>
+                </a:rPr>
+                <a:t>studentList.add(student4);</a:t>
+              </a:r>
+            </a:p>
+          </p:txBody>
+        </p:sp>
+        <p:sp>
+          <p:nvSpPr>
+            <p:cNvPr id="25" name="Rectangle 24">
+              <a:extLst>
+                <a:ext uri="{FF2B5EF4-FFF2-40B4-BE49-F238E27FC236}">
+                  <a16:creationId xmlns:a16="http://schemas.microsoft.com/office/drawing/2014/main" id="{2B8D7B0E-F085-47CD-B0E0-7B508389508A}"/>
+                </a:ext>
+              </a:extLst>
+            </p:cNvPr>
+            <p:cNvSpPr/>
+            <p:nvPr/>
+          </p:nvSpPr>
+          <p:spPr>
+            <a:xfrm>
+              <a:off x="1571046" y="3009723"/>
+              <a:ext cx="5921215" cy="767551"/>
+            </a:xfrm>
+            <a:prstGeom prst="rect">
+              <a:avLst/>
+            </a:prstGeom>
+            <a:ln/>
+          </p:spPr>
+          <p:style>
+            <a:lnRef idx="2">
+              <a:schemeClr val="dk1"/>
+            </a:lnRef>
+            <a:fillRef idx="1">
+              <a:schemeClr val="lt1"/>
+            </a:fillRef>
+            <a:effectRef idx="0">
+              <a:schemeClr val="dk1"/>
+            </a:effectRef>
+            <a:fontRef idx="minor">
+              <a:schemeClr val="dk1"/>
+            </a:fontRef>
+          </p:style>
+          <p:txBody>
+            <a:bodyPr rtlCol="0" anchor="t"/>
+            <a:lstStyle/>
+            <a:p>
+              <a:r>
+                <a:rPr lang="en-US" sz="800">
+                  <a:solidFill>
+                    <a:schemeClr val="tx1"/>
+                  </a:solidFill>
+                  <a:latin typeface="Courier New" panose="02070309020205020404" pitchFamily="49" charset="0"/>
+                  <a:cs typeface="Courier New" panose="02070309020205020404" pitchFamily="49" charset="0"/>
+                </a:rPr>
+                <a:t>System.out.println("</a:t>
+              </a:r>
+              <a:r>
+                <a:rPr lang="en-US" sz="800" b="1" i="1">
+                  <a:solidFill>
+                    <a:schemeClr val="tx1"/>
+                  </a:solidFill>
+                  <a:latin typeface="Courier New" panose="02070309020205020404" pitchFamily="49" charset="0"/>
+                  <a:cs typeface="Courier New" panose="02070309020205020404" pitchFamily="49" charset="0"/>
+                </a:rPr>
+                <a:t>Kết quả sắp xếp:</a:t>
+              </a:r>
+              <a:r>
+                <a:rPr lang="en-US" sz="800">
+                  <a:solidFill>
+                    <a:schemeClr val="tx1"/>
+                  </a:solidFill>
+                  <a:latin typeface="Courier New" panose="02070309020205020404" pitchFamily="49" charset="0"/>
+                  <a:cs typeface="Courier New" panose="02070309020205020404" pitchFamily="49" charset="0"/>
+                </a:rPr>
+                <a:t>");</a:t>
+              </a:r>
+            </a:p>
+            <a:p>
+              <a:r>
+                <a:rPr lang="en-US" sz="800">
+                  <a:solidFill>
+                    <a:schemeClr val="tx1"/>
+                  </a:solidFill>
+                  <a:latin typeface="Courier New" panose="02070309020205020404" pitchFamily="49" charset="0"/>
+                  <a:cs typeface="Courier New" panose="02070309020205020404" pitchFamily="49" charset="0"/>
+                </a:rPr>
+                <a:t>AgeComparator ageComparator = new AgeComparator();</a:t>
+              </a:r>
+            </a:p>
+            <a:p>
+              <a:r>
+                <a:rPr lang="en-US" sz="800">
+                  <a:solidFill>
+                    <a:schemeClr val="tx1"/>
+                  </a:solidFill>
+                  <a:latin typeface="Courier New" panose="02070309020205020404" pitchFamily="49" charset="0"/>
+                  <a:cs typeface="Courier New" panose="02070309020205020404" pitchFamily="49" charset="0"/>
+                </a:rPr>
+                <a:t>Collections.sort(studentList, ageComparator);</a:t>
+              </a:r>
+              <a:endParaRPr lang="en-US" sz="800" b="1">
+                <a:solidFill>
+                  <a:schemeClr val="tx1"/>
+                </a:solidFill>
+                <a:latin typeface="Courier New" panose="02070309020205020404" pitchFamily="49" charset="0"/>
+                <a:cs typeface="Courier New" panose="02070309020205020404" pitchFamily="49" charset="0"/>
+              </a:endParaRPr>
+            </a:p>
+          </p:txBody>
+        </p:sp>
+      </p:grpSp>
+      <p:sp>
+        <p:nvSpPr>
+          <p:cNvPr id="26" name="Oval 25">
+            <a:extLst>
+              <a:ext uri="{FF2B5EF4-FFF2-40B4-BE49-F238E27FC236}">
+                <a16:creationId xmlns:a16="http://schemas.microsoft.com/office/drawing/2014/main" id="{BF1401B3-F09B-4419-8249-CF840320D277}"/>
+              </a:ext>
+            </a:extLst>
+          </p:cNvPr>
+          <p:cNvSpPr/>
+          <p:nvPr/>
+        </p:nvSpPr>
+        <p:spPr>
+          <a:xfrm>
+            <a:off x="145413" y="4159992"/>
+            <a:ext cx="431731" cy="446617"/>
+          </a:xfrm>
+          <a:prstGeom prst="ellipse">
+            <a:avLst/>
+          </a:prstGeom>
+        </p:spPr>
+        <p:style>
+          <a:lnRef idx="2">
+            <a:schemeClr val="accent1">
+              <a:shade val="50000"/>
+            </a:schemeClr>
+          </a:lnRef>
+          <a:fillRef idx="1">
+            <a:schemeClr val="accent1"/>
+          </a:fillRef>
+          <a:effectRef idx="0">
+            <a:schemeClr val="accent1"/>
+          </a:effectRef>
+          <a:fontRef idx="minor">
+            <a:schemeClr val="lt1"/>
+          </a:fontRef>
+        </p:style>
+        <p:txBody>
+          <a:bodyPr rtlCol="0" anchor="ctr"/>
+          <a:lstStyle/>
+          <a:p>
+            <a:pPr algn="ctr"/>
+            <a:r>
+              <a:rPr lang="en-US" sz="2492"/>
+              <a:t>C</a:t>
+            </a:r>
+          </a:p>
+        </p:txBody>
+      </p:sp>
+      <p:sp>
+        <p:nvSpPr>
+          <p:cNvPr id="27" name="Rectangle: Rounded Corners 26">
+            <a:extLst>
+              <a:ext uri="{FF2B5EF4-FFF2-40B4-BE49-F238E27FC236}">
+                <a16:creationId xmlns:a16="http://schemas.microsoft.com/office/drawing/2014/main" id="{8B04A21D-A32A-4EC8-8E4A-4352968D297C}"/>
+              </a:ext>
+            </a:extLst>
+          </p:cNvPr>
+          <p:cNvSpPr/>
+          <p:nvPr/>
+        </p:nvSpPr>
+        <p:spPr>
+          <a:xfrm>
+            <a:off x="669549" y="4243403"/>
+            <a:ext cx="2034024" cy="279798"/>
+          </a:xfrm>
+          <a:prstGeom prst="roundRect">
+            <a:avLst>
+              <a:gd name="adj" fmla="val 10785"/>
+            </a:avLst>
+          </a:prstGeom>
+          <a:ln>
+            <a:prstDash val="dash"/>
+          </a:ln>
+        </p:spPr>
+        <p:style>
+          <a:lnRef idx="2">
+            <a:schemeClr val="accent6"/>
+          </a:lnRef>
+          <a:fillRef idx="1">
+            <a:schemeClr val="lt1"/>
+          </a:fillRef>
+          <a:effectRef idx="0">
+            <a:schemeClr val="accent6"/>
+          </a:effectRef>
+          <a:fontRef idx="minor">
+            <a:schemeClr val="dk1"/>
+          </a:fontRef>
+        </p:style>
+        <p:txBody>
+          <a:bodyPr rtlCol="0" anchor="ctr"/>
+          <a:lstStyle/>
+          <a:p>
+            <a:r>
+              <a:rPr lang="en-US" sz="969" b="1"/>
+              <a:t>B2</a:t>
+            </a:r>
+            <a:r>
+              <a:rPr lang="en-US" sz="969"/>
+              <a:t>. Tạo một class `AgeComparator`</a:t>
+            </a:r>
+          </a:p>
+        </p:txBody>
+      </p:sp>
+      <p:grpSp>
+        <p:nvGrpSpPr>
+          <p:cNvPr id="28" name="Group 27">
+            <a:extLst>
+              <a:ext uri="{FF2B5EF4-FFF2-40B4-BE49-F238E27FC236}">
+                <a16:creationId xmlns:a16="http://schemas.microsoft.com/office/drawing/2014/main" id="{56EAFF97-A6E6-43BC-A4F5-7B04E3FA1527}"/>
+              </a:ext>
+            </a:extLst>
+          </p:cNvPr>
+          <p:cNvGrpSpPr/>
+          <p:nvPr/>
+        </p:nvGrpSpPr>
+        <p:grpSpPr>
+          <a:xfrm>
+            <a:off x="2836022" y="3671248"/>
+            <a:ext cx="3553057" cy="1113725"/>
+            <a:chOff x="1571044" y="484816"/>
+            <a:chExt cx="5425273" cy="1794289"/>
+          </a:xfrm>
+        </p:grpSpPr>
+        <p:sp>
+          <p:nvSpPr>
+            <p:cNvPr id="29" name="Rectangle 28">
+              <a:extLst>
+                <a:ext uri="{FF2B5EF4-FFF2-40B4-BE49-F238E27FC236}">
+                  <a16:creationId xmlns:a16="http://schemas.microsoft.com/office/drawing/2014/main" id="{76986298-4D34-4355-9D24-E21B9F16DDBB}"/>
+                </a:ext>
+              </a:extLst>
+            </p:cNvPr>
+            <p:cNvSpPr/>
+            <p:nvPr/>
+          </p:nvSpPr>
+          <p:spPr>
+            <a:xfrm>
+              <a:off x="1571047" y="484816"/>
+              <a:ext cx="4875783" cy="472541"/>
+            </a:xfrm>
+            <a:prstGeom prst="rect">
+              <a:avLst/>
+            </a:prstGeom>
+            <a:ln/>
+          </p:spPr>
+          <p:style>
+            <a:lnRef idx="2">
+              <a:schemeClr val="dk1"/>
+            </a:lnRef>
+            <a:fillRef idx="1">
+              <a:schemeClr val="lt1"/>
+            </a:fillRef>
+            <a:effectRef idx="0">
+              <a:schemeClr val="dk1"/>
+            </a:effectRef>
+            <a:fontRef idx="minor">
+              <a:schemeClr val="dk1"/>
+            </a:fontRef>
+          </p:style>
+          <p:txBody>
+            <a:bodyPr rtlCol="0" anchor="ctr"/>
+            <a:lstStyle/>
+            <a:p>
+              <a:pPr algn="ctr"/>
+              <a:r>
+                <a:rPr lang="en-US" sz="800" b="1"/>
+                <a:t>public class AgeComparator implements Comparator&lt;Student&gt;</a:t>
+              </a:r>
+            </a:p>
+          </p:txBody>
+        </p:sp>
+        <p:sp>
+          <p:nvSpPr>
+            <p:cNvPr id="30" name="Rectangle 29">
+              <a:extLst>
+                <a:ext uri="{FF2B5EF4-FFF2-40B4-BE49-F238E27FC236}">
+                  <a16:creationId xmlns:a16="http://schemas.microsoft.com/office/drawing/2014/main" id="{5EDE02D7-9E26-4C85-9027-928F3E5DAC98}"/>
+                </a:ext>
+              </a:extLst>
+            </p:cNvPr>
+            <p:cNvSpPr/>
+            <p:nvPr/>
+          </p:nvSpPr>
+          <p:spPr>
+            <a:xfrm>
+              <a:off x="1571046" y="957357"/>
+              <a:ext cx="2696227" cy="364013"/>
+            </a:xfrm>
+            <a:prstGeom prst="rect">
+              <a:avLst/>
+            </a:prstGeom>
+            <a:ln/>
+          </p:spPr>
+          <p:style>
+            <a:lnRef idx="2">
+              <a:schemeClr val="dk1"/>
+            </a:lnRef>
+            <a:fillRef idx="1">
+              <a:schemeClr val="lt1"/>
+            </a:fillRef>
+            <a:effectRef idx="0">
+              <a:schemeClr val="dk1"/>
+            </a:effectRef>
+            <a:fontRef idx="minor">
+              <a:schemeClr val="dk1"/>
+            </a:fontRef>
+          </p:style>
+          <p:txBody>
+            <a:bodyPr rtlCol="0" anchor="t"/>
+            <a:lstStyle/>
+            <a:p>
+              <a:endParaRPr lang="en-US" sz="800">
+                <a:solidFill>
+                  <a:schemeClr val="tx1"/>
+                </a:solidFill>
+                <a:latin typeface="Courier New" panose="02070309020205020404" pitchFamily="49" charset="0"/>
+                <a:cs typeface="Courier New" panose="02070309020205020404" pitchFamily="49" charset="0"/>
+              </a:endParaRPr>
+            </a:p>
+          </p:txBody>
+        </p:sp>
+        <p:sp>
+          <p:nvSpPr>
+            <p:cNvPr id="33" name="Rectangle 32">
+              <a:extLst>
+                <a:ext uri="{FF2B5EF4-FFF2-40B4-BE49-F238E27FC236}">
+                  <a16:creationId xmlns:a16="http://schemas.microsoft.com/office/drawing/2014/main" id="{C627DE83-3F9A-4D9A-A00E-44FC40ADB520}"/>
+                </a:ext>
+              </a:extLst>
+            </p:cNvPr>
+            <p:cNvSpPr/>
+            <p:nvPr/>
+          </p:nvSpPr>
+          <p:spPr>
+            <a:xfrm>
+              <a:off x="1571044" y="1321372"/>
+              <a:ext cx="5425273" cy="957733"/>
+            </a:xfrm>
+            <a:prstGeom prst="rect">
+              <a:avLst/>
+            </a:prstGeom>
+            <a:ln/>
+          </p:spPr>
+          <p:style>
+            <a:lnRef idx="2">
+              <a:schemeClr val="dk1"/>
+            </a:lnRef>
+            <a:fillRef idx="1">
+              <a:schemeClr val="lt1"/>
+            </a:fillRef>
+            <a:effectRef idx="0">
+              <a:schemeClr val="dk1"/>
+            </a:effectRef>
+            <a:fontRef idx="minor">
+              <a:schemeClr val="dk1"/>
+            </a:fontRef>
+          </p:style>
+          <p:txBody>
+            <a:bodyPr rtlCol="0" anchor="t"/>
+            <a:lstStyle/>
+            <a:p>
+              <a:pPr indent="-38821">
+                <a:buFont typeface="Calibri" panose="020F0502020204030204" pitchFamily="34" charset="0"/>
+                <a:buChar char="+"/>
+              </a:pPr>
+              <a:r>
+                <a:rPr lang="en-US" sz="800" b="1">
+                  <a:solidFill>
+                    <a:schemeClr val="tx1"/>
+                  </a:solidFill>
+                  <a:latin typeface="Courier New" panose="02070309020205020404" pitchFamily="49" charset="0"/>
+                  <a:cs typeface="Courier New" panose="02070309020205020404" pitchFamily="49" charset="0"/>
+                </a:rPr>
+                <a:t>@Override</a:t>
+              </a:r>
+            </a:p>
+            <a:p>
+              <a:r>
+                <a:rPr lang="en-US" sz="800">
+                  <a:solidFill>
+                    <a:schemeClr val="tx1"/>
+                  </a:solidFill>
+                  <a:latin typeface="Courier New" panose="02070309020205020404" pitchFamily="49" charset="0"/>
+                  <a:cs typeface="Courier New" panose="02070309020205020404" pitchFamily="49" charset="0"/>
+                </a:rPr>
+                <a:t>    public int </a:t>
+              </a:r>
+              <a:r>
+                <a:rPr lang="en-US" sz="800" b="1">
+                  <a:solidFill>
+                    <a:schemeClr val="tx1"/>
+                  </a:solidFill>
+                  <a:latin typeface="Courier New" panose="02070309020205020404" pitchFamily="49" charset="0"/>
+                  <a:cs typeface="Courier New" panose="02070309020205020404" pitchFamily="49" charset="0"/>
+                </a:rPr>
+                <a:t>compare</a:t>
+              </a:r>
+              <a:r>
+                <a:rPr lang="en-US" sz="800">
+                  <a:solidFill>
+                    <a:schemeClr val="tx1"/>
+                  </a:solidFill>
+                  <a:latin typeface="Courier New" panose="02070309020205020404" pitchFamily="49" charset="0"/>
+                  <a:cs typeface="Courier New" panose="02070309020205020404" pitchFamily="49" charset="0"/>
+                </a:rPr>
+                <a:t>(Student o1, Student o2) {</a:t>
+              </a:r>
+            </a:p>
+            <a:p>
+              <a:r>
+                <a:rPr lang="en-US" sz="800">
+                  <a:solidFill>
+                    <a:schemeClr val="tx1"/>
+                  </a:solidFill>
+                  <a:latin typeface="Courier New" panose="02070309020205020404" pitchFamily="49" charset="0"/>
+                  <a:cs typeface="Courier New" panose="02070309020205020404" pitchFamily="49" charset="0"/>
+                </a:rPr>
+                <a:t>        return o1.getAge() - o2.getAge();</a:t>
+              </a:r>
+            </a:p>
+            <a:p>
+              <a:r>
+                <a:rPr lang="en-US" sz="800">
+                  <a:solidFill>
+                    <a:schemeClr val="tx1"/>
+                  </a:solidFill>
+                  <a:latin typeface="Courier New" panose="02070309020205020404" pitchFamily="49" charset="0"/>
+                  <a:cs typeface="Courier New" panose="02070309020205020404" pitchFamily="49" charset="0"/>
+                </a:rPr>
+                <a:t>    }</a:t>
+              </a:r>
+            </a:p>
+          </p:txBody>
+        </p:sp>
+      </p:grpSp>
+    </p:spTree>
+    <p:extLst>
+      <p:ext uri="{BB962C8B-B14F-4D97-AF65-F5344CB8AC3E}">
+        <p14:creationId xmlns:p14="http://schemas.microsoft.com/office/powerpoint/2010/main" val="4196984062"/>
+      </p:ext>
+    </p:extLst>
+  </p:cSld>
+  <p:clrMapOvr>
+    <a:masterClrMapping/>
+  </p:clrMapOvr>
+</p:sld>
+</file>
+
 <file path=ppt/slides/slide2.xml><?xml version="1.0" encoding="utf-8"?>
 <p:sld xmlns:a="http://schemas.openxmlformats.org/drawingml/2006/main" xmlns:r="http://schemas.openxmlformats.org/officeDocument/2006/relationships" xmlns:p="http://schemas.openxmlformats.org/presentationml/2006/main">
   <p:cSld>
@@ -10666,7 +12025,7 @@
         </p:nvSpPr>
         <p:spPr>
           <a:xfrm>
-            <a:off x="86263" y="6052033"/>
+            <a:off x="86263" y="5036019"/>
             <a:ext cx="431731" cy="446617"/>
           </a:xfrm>
           <a:prstGeom prst="ellipse">
@@ -10715,7 +12074,7 @@
         </p:nvSpPr>
         <p:spPr>
           <a:xfrm>
-            <a:off x="618896" y="6135444"/>
+            <a:off x="618896" y="5119430"/>
             <a:ext cx="2220707" cy="279798"/>
           </a:xfrm>
           <a:prstGeom prst="roundRect">
@@ -10770,7 +12129,7 @@
         </p:nvSpPr>
         <p:spPr>
           <a:xfrm>
-            <a:off x="77766" y="7830293"/>
+            <a:off x="77766" y="6350743"/>
             <a:ext cx="431731" cy="446617"/>
           </a:xfrm>
           <a:prstGeom prst="ellipse">
@@ -10819,7 +12178,7 @@
         </p:nvSpPr>
         <p:spPr>
           <a:xfrm>
-            <a:off x="610399" y="7779138"/>
+            <a:off x="610399" y="6299588"/>
             <a:ext cx="2355865" cy="548928"/>
           </a:xfrm>
           <a:prstGeom prst="roundRect">
@@ -10874,7 +12233,7 @@
         </p:nvSpPr>
         <p:spPr>
           <a:xfrm>
-            <a:off x="77766" y="8695086"/>
+            <a:off x="77766" y="7018686"/>
             <a:ext cx="431731" cy="446617"/>
           </a:xfrm>
           <a:prstGeom prst="ellipse">
@@ -10923,7 +12282,7 @@
         </p:nvSpPr>
         <p:spPr>
           <a:xfrm>
-            <a:off x="610399" y="8778497"/>
+            <a:off x="610399" y="7102097"/>
             <a:ext cx="2355865" cy="279798"/>
           </a:xfrm>
           <a:prstGeom prst="roundRect">
@@ -11415,7 +12774,7 @@
             </a:r>
             <a:r>
               <a:rPr lang="en-US" sz="900"/>
-              <a:t> ArrayList&lt;Customer&gt; displayAll() </a:t>
+              <a:t> List&lt;Customer&gt; displayAll() </a:t>
             </a:r>
           </a:p>
         </p:txBody>
@@ -11580,7 +12939,7 @@
             </a:r>
             <a:r>
               <a:rPr lang="en-US" sz="900"/>
-              <a:t> ArrayList&lt;Customer&gt; searchName(String searchName) </a:t>
+              <a:t> List&lt;Customer&gt; searchName(String searchName) </a:t>
             </a:r>
           </a:p>
         </p:txBody>
@@ -11599,8 +12958,8 @@
         </p:nvSpPr>
         <p:spPr>
           <a:xfrm>
-            <a:off x="3250235" y="1992769"/>
-            <a:ext cx="3554425" cy="353171"/>
+            <a:off x="3250235" y="2127700"/>
+            <a:ext cx="3554425" cy="218240"/>
           </a:xfrm>
           <a:prstGeom prst="roundRect">
             <a:avLst>
@@ -11635,7 +12994,7 @@
             </a:r>
             <a:r>
               <a:rPr lang="en-US" sz="900"/>
-              <a:t>. private static ArrayList&lt;Customer&gt; customerArrayList = new ArrayList&lt;&gt;(10);</a:t>
+              <a:t>. private static List&lt;Customer&gt; customerList = new ArrayList&lt;&gt;(10);</a:t>
             </a:r>
           </a:p>
         </p:txBody>
@@ -11692,7 +13051,7 @@
           <a:p>
             <a:r>
               <a:rPr lang="en-US" sz="900"/>
-              <a:t>        customerArrayList.add(0, new Customer(1, "Viên 1", 31, "VIP"));</a:t>
+              <a:t>        customerList.add(0, new Customer(1, "Viên 1", 31, "VIP"));</a:t>
             </a:r>
           </a:p>
           <a:p>
@@ -11765,7 +13124,7 @@
           <a:p>
             <a:r>
               <a:rPr lang="en-US" sz="900"/>
-              <a:t>    public ArrayList&lt;Customer&gt; displayAll()  </a:t>
+              <a:t>    public List&lt;Customer&gt; displayAll()  </a:t>
             </a:r>
           </a:p>
         </p:txBody>
@@ -11887,7 +13246,7 @@
           <a:p>
             <a:r>
               <a:rPr lang="en-US" sz="900"/>
-              <a:t>    public ArrayList&lt;Customer&gt; searchName(String searchName)</a:t>
+              <a:t>    public List&lt;Customer&gt; searchName(String searchName)</a:t>
             </a:r>
           </a:p>
         </p:txBody>
@@ -11942,7 +13301,7 @@
             </a:r>
             <a:r>
               <a:rPr lang="en-US" sz="900"/>
-              <a:t> ArrayList&lt;Customer&gt; displayAll() </a:t>
+              <a:t> void displayAll() </a:t>
             </a:r>
           </a:p>
         </p:txBody>
@@ -12107,7 +13466,7 @@
             </a:r>
             <a:r>
               <a:rPr lang="en-US" sz="900"/>
-              <a:t> ArrayList&lt;Customer&gt; searchName(String searchName) </a:t>
+              <a:t> void searchName(String searchName) </a:t>
             </a:r>
           </a:p>
         </p:txBody>
@@ -12223,7 +13582,7 @@
             </a:r>
             <a:r>
               <a:rPr lang="en-US" sz="900"/>
-              <a:t> private ICustomerRepository repository = new CustomerRepositoryImpl(); </a:t>
+              <a:t> private ICustomerRepository customerRepository = new CustomerRepositoryImpl(); </a:t>
             </a:r>
           </a:p>
         </p:txBody>
@@ -12243,7 +13602,7 @@
         <p:spPr>
           <a:xfrm>
             <a:off x="3250235" y="6895655"/>
-            <a:ext cx="2289505" cy="599991"/>
+            <a:ext cx="3473598" cy="684308"/>
           </a:xfrm>
           <a:prstGeom prst="roundRect">
             <a:avLst>
@@ -12284,19 +13643,7 @@
           <a:p>
             <a:r>
               <a:rPr lang="en-US" sz="900"/>
-              <a:t>public ArrayList&lt;Customer&gt; displayAll() {</a:t>
-            </a:r>
-          </a:p>
-          <a:p>
-            <a:r>
-              <a:rPr lang="en-US" sz="900"/>
-              <a:t>        return repository.displayAll();</a:t>
-            </a:r>
-          </a:p>
-          <a:p>
-            <a:r>
-              <a:rPr lang="en-US" sz="900"/>
-              <a:t>    }</a:t>
+              <a:t>public void displayCustomers() { List&lt;Customer&gt; customerList = customerRepository.getAllCustomer(); for (Customer customer: customerList) { System.out.println(customer); }}</a:t>
             </a:r>
           </a:p>
         </p:txBody>
@@ -12315,8 +13662,8 @@
         </p:nvSpPr>
         <p:spPr>
           <a:xfrm>
-            <a:off x="3250235" y="7584012"/>
-            <a:ext cx="2636215" cy="599991"/>
+            <a:off x="3250235" y="7653966"/>
+            <a:ext cx="3529999" cy="1155370"/>
           </a:xfrm>
           <a:prstGeom prst="roundRect">
             <a:avLst>
@@ -12357,19 +13704,31 @@
           <a:p>
             <a:r>
               <a:rPr lang="en-US" sz="900"/>
-              <a:t>    public void addCustommer(Customer e) {</a:t>
+              <a:t>public void addCustomer() { Scanner scanner = new Scanner(System.in);</a:t>
             </a:r>
           </a:p>
           <a:p>
             <a:r>
               <a:rPr lang="en-US" sz="900"/>
-              <a:t>        repository.addCustommer(e);</a:t>
+              <a:t>System.out.print("Input Id: "); int id = Integer.parseInt(scanner.nextLine());</a:t>
             </a:r>
           </a:p>
           <a:p>
             <a:r>
               <a:rPr lang="en-US" sz="900"/>
-              <a:t>    }</a:t>
+              <a:t>...</a:t>
+            </a:r>
+          </a:p>
+          <a:p>
+            <a:r>
+              <a:rPr lang="en-US" sz="900"/>
+              <a:t>Customer customer = new Customer(id,name,age,customerType);</a:t>
+            </a:r>
+          </a:p>
+          <a:p>
+            <a:r>
+              <a:rPr lang="en-US" sz="900"/>
+              <a:t>customerRepository.add(customer); }</a:t>
             </a:r>
           </a:p>
         </p:txBody>
@@ -12388,8 +13747,8 @@
         </p:nvSpPr>
         <p:spPr>
           <a:xfrm>
-            <a:off x="3250235" y="8264874"/>
-            <a:ext cx="2636215" cy="599991"/>
+            <a:off x="3244655" y="8933360"/>
+            <a:ext cx="2636215" cy="385558"/>
           </a:xfrm>
           <a:prstGeom prst="roundRect">
             <a:avLst>
@@ -12430,19 +13789,7 @@
           <a:p>
             <a:r>
               <a:rPr lang="en-US" sz="900"/>
-              <a:t>    public void removeCustomer(int id) {</a:t>
-            </a:r>
-          </a:p>
-          <a:p>
-            <a:r>
-              <a:rPr lang="en-US" sz="900"/>
-              <a:t>        repository.removeCustomer(id);</a:t>
-            </a:r>
-          </a:p>
-          <a:p>
-            <a:r>
-              <a:rPr lang="en-US" sz="900"/>
-              <a:t>    }</a:t>
+              <a:t>    public void removeCustomer(int id) {   ….    }</a:t>
             </a:r>
           </a:p>
         </p:txBody>
@@ -12851,9 +14198,9 @@
           <p:nvPr/>
         </p:nvCxnSpPr>
         <p:spPr>
-          <a:xfrm flipV="1">
-            <a:off x="2839603" y="5300881"/>
-            <a:ext cx="410632" cy="974462"/>
+          <a:xfrm>
+            <a:off x="2839603" y="5259329"/>
+            <a:ext cx="410632" cy="41552"/>
           </a:xfrm>
           <a:prstGeom prst="straightConnector1">
             <a:avLst/>
@@ -12894,9 +14241,9 @@
           <p:nvPr/>
         </p:nvCxnSpPr>
         <p:spPr>
-          <a:xfrm flipV="1">
-            <a:off x="2839603" y="5604978"/>
-            <a:ext cx="410632" cy="670365"/>
+          <a:xfrm>
+            <a:off x="2839603" y="5259329"/>
+            <a:ext cx="410632" cy="345649"/>
           </a:xfrm>
           <a:prstGeom prst="straightConnector1">
             <a:avLst/>
@@ -12937,9 +14284,9 @@
           <p:nvPr/>
         </p:nvCxnSpPr>
         <p:spPr>
-          <a:xfrm flipV="1">
-            <a:off x="2839603" y="6213172"/>
-            <a:ext cx="410632" cy="62171"/>
+          <a:xfrm>
+            <a:off x="2839603" y="5259329"/>
+            <a:ext cx="410632" cy="953843"/>
           </a:xfrm>
           <a:prstGeom prst="straightConnector1">
             <a:avLst/>
@@ -12980,9 +14327,9 @@
           <p:nvPr/>
         </p:nvCxnSpPr>
         <p:spPr>
-          <a:xfrm flipV="1">
-            <a:off x="2839603" y="5909075"/>
-            <a:ext cx="410632" cy="366268"/>
+          <a:xfrm>
+            <a:off x="2839603" y="5259329"/>
+            <a:ext cx="410632" cy="649746"/>
           </a:xfrm>
           <a:prstGeom prst="straightConnector1">
             <a:avLst/>
@@ -13023,9 +14370,9 @@
           <p:nvPr/>
         </p:nvCxnSpPr>
         <p:spPr>
-          <a:xfrm flipV="1">
-            <a:off x="2966264" y="6644439"/>
-            <a:ext cx="283971" cy="1409163"/>
+          <a:xfrm>
+            <a:off x="2966264" y="6574052"/>
+            <a:ext cx="283971" cy="70387"/>
           </a:xfrm>
           <a:prstGeom prst="straightConnector1">
             <a:avLst/>
@@ -13066,9 +14413,9 @@
           <p:nvPr/>
         </p:nvCxnSpPr>
         <p:spPr>
-          <a:xfrm flipV="1">
-            <a:off x="2966264" y="7195651"/>
-            <a:ext cx="283971" cy="857951"/>
+          <a:xfrm>
+            <a:off x="2966264" y="6574052"/>
+            <a:ext cx="283971" cy="663757"/>
           </a:xfrm>
           <a:prstGeom prst="straightConnector1">
             <a:avLst/>
@@ -13109,9 +14456,9 @@
           <p:nvPr/>
         </p:nvCxnSpPr>
         <p:spPr>
-          <a:xfrm flipV="1">
-            <a:off x="2966264" y="7884008"/>
-            <a:ext cx="283971" cy="169594"/>
+          <a:xfrm>
+            <a:off x="2966264" y="6574052"/>
+            <a:ext cx="283971" cy="1657599"/>
           </a:xfrm>
           <a:prstGeom prst="straightConnector1">
             <a:avLst/>
@@ -13153,8 +14500,8 @@
         </p:nvCxnSpPr>
         <p:spPr>
           <a:xfrm>
-            <a:off x="2966264" y="8053602"/>
-            <a:ext cx="283971" cy="511268"/>
+            <a:off x="2966264" y="6574052"/>
+            <a:ext cx="278391" cy="2552087"/>
           </a:xfrm>
           <a:prstGeom prst="straightConnector1">
             <a:avLst/>
@@ -13192,8 +14539,8 @@
         </p:nvSpPr>
         <p:spPr>
           <a:xfrm>
-            <a:off x="3244655" y="8963647"/>
-            <a:ext cx="3479178" cy="571224"/>
+            <a:off x="3244655" y="9441704"/>
+            <a:ext cx="3397445" cy="334473"/>
           </a:xfrm>
           <a:prstGeom prst="roundRect">
             <a:avLst>
@@ -13234,19 +14581,7 @@
           <a:p>
             <a:r>
               <a:rPr lang="en-US" sz="900"/>
-              <a:t>    public ArrayList&lt;Customer&gt; searchName(String searchName) {</a:t>
-            </a:r>
-          </a:p>
-          <a:p>
-            <a:r>
-              <a:rPr lang="en-US" sz="900"/>
-              <a:t>        return repository.searchName(searchName);</a:t>
-            </a:r>
-          </a:p>
-          <a:p>
-            <a:r>
-              <a:rPr lang="en-US" sz="900"/>
-              <a:t>    }</a:t>
+              <a:t>    public List&lt;Customer&gt; searchName(String searchName) { …  }</a:t>
             </a:r>
           </a:p>
         </p:txBody>
@@ -13269,8 +14604,8 @@
         </p:nvCxnSpPr>
         <p:spPr>
           <a:xfrm>
-            <a:off x="2966264" y="8053602"/>
-            <a:ext cx="278391" cy="1195657"/>
+            <a:off x="2966264" y="6574052"/>
+            <a:ext cx="278391" cy="3034889"/>
           </a:xfrm>
           <a:prstGeom prst="straightConnector1">
             <a:avLst/>
@@ -13308,8 +14643,199 @@
         </p:nvSpPr>
         <p:spPr>
           <a:xfrm>
-            <a:off x="134167" y="9284198"/>
-            <a:ext cx="2925568" cy="493215"/>
+            <a:off x="134166" y="7578679"/>
+            <a:ext cx="2757623" cy="1480569"/>
+          </a:xfrm>
+          <a:prstGeom prst="roundRect">
+            <a:avLst>
+              <a:gd name="adj" fmla="val 6024"/>
+            </a:avLst>
+          </a:prstGeom>
+          <a:ln>
+            <a:prstDash val="dash"/>
+          </a:ln>
+        </p:spPr>
+        <p:style>
+          <a:lnRef idx="2">
+            <a:schemeClr val="accent6"/>
+          </a:lnRef>
+          <a:fillRef idx="1">
+            <a:schemeClr val="lt1"/>
+          </a:fillRef>
+          <a:effectRef idx="0">
+            <a:schemeClr val="accent6"/>
+          </a:effectRef>
+          <a:fontRef idx="minor">
+            <a:schemeClr val="dk1"/>
+          </a:fontRef>
+        </p:style>
+        <p:txBody>
+          <a:bodyPr rtlCol="0" anchor="ctr"/>
+          <a:lstStyle/>
+          <a:p>
+            <a:r>
+              <a:rPr lang="en-US" sz="900"/>
+              <a:t>public static void showMenu(){</a:t>
+            </a:r>
+          </a:p>
+          <a:p>
+            <a:r>
+              <a:rPr lang="en-US" sz="900"/>
+              <a:t>ICustomerService customerService = new CustomerServiceImpl();</a:t>
+            </a:r>
+          </a:p>
+          <a:p>
+            <a:r>
+              <a:rPr lang="en-US" sz="900"/>
+              <a:t>Scanner scanner = new Scanner(System.in);</a:t>
+            </a:r>
+          </a:p>
+          <a:p>
+            <a:r>
+              <a:rPr lang="en-US" sz="900"/>
+              <a:t>int select = 0;</a:t>
+            </a:r>
+          </a:p>
+          <a:p>
+            <a:r>
+              <a:rPr lang="en-US" sz="900"/>
+              <a:t>do {</a:t>
+            </a:r>
+          </a:p>
+          <a:p>
+            <a:r>
+              <a:rPr lang="en-US" sz="900"/>
+              <a:t>System.out.println("----- Customer Manager ------");</a:t>
+            </a:r>
+          </a:p>
+          <a:p>
+            <a:r>
+              <a:rPr lang="en-US" sz="900"/>
+              <a:t>  ...</a:t>
+            </a:r>
+          </a:p>
+          <a:p>
+            <a:r>
+              <a:rPr lang="en-US" sz="900"/>
+              <a:t>switch (select) {case 1,2, …case 7: System.exit(0); }</a:t>
+            </a:r>
+          </a:p>
+          <a:p>
+            <a:r>
+              <a:rPr lang="en-US" sz="900"/>
+              <a:t>} while (true);}</a:t>
+            </a:r>
+          </a:p>
+        </p:txBody>
+      </p:sp>
+      <p:cxnSp>
+        <p:nvCxnSpPr>
+          <p:cNvPr id="116" name="Straight Arrow Connector 115">
+            <a:extLst>
+              <a:ext uri="{FF2B5EF4-FFF2-40B4-BE49-F238E27FC236}">
+                <a16:creationId xmlns:a16="http://schemas.microsoft.com/office/drawing/2014/main" id="{F5288C48-4929-42ED-8963-C7DDF8F270F3}"/>
+              </a:ext>
+            </a:extLst>
+          </p:cNvPr>
+          <p:cNvCxnSpPr>
+            <a:cxnSpLocks/>
+            <a:stCxn id="30" idx="2"/>
+            <a:endCxn id="115" idx="0"/>
+          </p:cNvCxnSpPr>
+          <p:nvPr/>
+        </p:nvCxnSpPr>
+        <p:spPr>
+          <a:xfrm flipH="1">
+            <a:off x="1512978" y="7381895"/>
+            <a:ext cx="275354" cy="196784"/>
+          </a:xfrm>
+          <a:prstGeom prst="straightConnector1">
+            <a:avLst/>
+          </a:prstGeom>
+          <a:ln>
+            <a:tailEnd type="triangle"/>
+          </a:ln>
+        </p:spPr>
+        <p:style>
+          <a:lnRef idx="1">
+            <a:schemeClr val="accent1"/>
+          </a:lnRef>
+          <a:fillRef idx="0">
+            <a:schemeClr val="accent1"/>
+          </a:fillRef>
+          <a:effectRef idx="0">
+            <a:schemeClr val="accent1"/>
+          </a:effectRef>
+          <a:fontRef idx="minor">
+            <a:schemeClr val="tx1"/>
+          </a:fontRef>
+        </p:style>
+      </p:cxnSp>
+      <p:sp>
+        <p:nvSpPr>
+          <p:cNvPr id="82" name="Oval 81">
+            <a:extLst>
+              <a:ext uri="{FF2B5EF4-FFF2-40B4-BE49-F238E27FC236}">
+                <a16:creationId xmlns:a16="http://schemas.microsoft.com/office/drawing/2014/main" id="{A6B0A0C8-FA0D-4A45-9AE6-6B6A9A5FDF1C}"/>
+              </a:ext>
+            </a:extLst>
+          </p:cNvPr>
+          <p:cNvSpPr/>
+          <p:nvPr/>
+        </p:nvSpPr>
+        <p:spPr>
+          <a:xfrm>
+            <a:off x="92630" y="9092105"/>
+            <a:ext cx="431731" cy="446617"/>
+          </a:xfrm>
+          <a:prstGeom prst="ellipse">
+            <a:avLst/>
+          </a:prstGeom>
+        </p:spPr>
+        <p:style>
+          <a:lnRef idx="2">
+            <a:schemeClr val="accent1">
+              <a:shade val="50000"/>
+            </a:schemeClr>
+          </a:lnRef>
+          <a:fillRef idx="1">
+            <a:schemeClr val="accent1"/>
+          </a:fillRef>
+          <a:effectRef idx="0">
+            <a:schemeClr val="accent1"/>
+          </a:effectRef>
+          <a:fontRef idx="minor">
+            <a:schemeClr val="lt1"/>
+          </a:fontRef>
+        </p:style>
+        <p:txBody>
+          <a:bodyPr rtlCol="0" anchor="ctr"/>
+          <a:lstStyle/>
+          <a:p>
+            <a:pPr algn="ctr"/>
+            <a:r>
+              <a:rPr lang="en-US" sz="2492"/>
+              <a:t>V</a:t>
+            </a:r>
+          </a:p>
+        </p:txBody>
+      </p:sp>
+      <p:sp>
+        <p:nvSpPr>
+          <p:cNvPr id="83" name="Rectangle: Rounded Corners 82">
+            <a:extLst>
+              <a:ext uri="{FF2B5EF4-FFF2-40B4-BE49-F238E27FC236}">
+                <a16:creationId xmlns:a16="http://schemas.microsoft.com/office/drawing/2014/main" id="{213247DC-9BCE-4DF7-9CFA-9F26A3F79169}"/>
+              </a:ext>
+            </a:extLst>
+          </p:cNvPr>
+          <p:cNvSpPr/>
+          <p:nvPr/>
+        </p:nvSpPr>
+        <p:spPr>
+          <a:xfrm>
+            <a:off x="625263" y="9175516"/>
+            <a:ext cx="2355865" cy="546802"/>
           </a:xfrm>
           <a:prstGeom prst="roundRect">
             <a:avLst>
@@ -13339,89 +14865,1044 @@
           <a:lstStyle/>
           <a:p>
             <a:r>
-              <a:rPr lang="en-US" sz="900"/>
-              <a:t> private static </a:t>
-            </a:r>
-            <a:r>
-              <a:rPr lang="en-US" sz="900" i="1"/>
-              <a:t>ICustomerService</a:t>
-            </a:r>
-            <a:r>
-              <a:rPr lang="en-US" sz="900"/>
-              <a:t> </a:t>
-            </a:r>
-            <a:r>
-              <a:rPr lang="en-US" sz="900" b="1"/>
-              <a:t>service</a:t>
-            </a:r>
-            <a:r>
-              <a:rPr lang="en-US" sz="900"/>
-              <a:t> = new </a:t>
-            </a:r>
-            <a:r>
-              <a:rPr lang="en-US" sz="900" i="1"/>
-              <a:t>CustomerServiceImpl</a:t>
-            </a:r>
-            <a:r>
-              <a:rPr lang="en-US" sz="900"/>
-              <a:t>();</a:t>
-            </a:r>
-          </a:p>
-          <a:p>
-            <a:r>
-              <a:rPr lang="en-US" sz="900"/>
-              <a:t>Và rồi làm tương tự như bước 5.</a:t>
+              <a:rPr lang="en-US" sz="969" b="1"/>
+              <a:t>7</a:t>
+            </a:r>
+            <a:r>
+              <a:rPr lang="en-US" sz="969"/>
+              <a:t>. Tạo một class `View` </a:t>
+            </a:r>
+          </a:p>
+          <a:p>
+            <a:r>
+              <a:rPr lang="en-US" sz="969"/>
+              <a:t>public static void main(String[] args) {</a:t>
+            </a:r>
+          </a:p>
+          <a:p>
+            <a:r>
+              <a:rPr lang="en-US" sz="969"/>
+              <a:t>CustomerController.showMenu(); }</a:t>
             </a:r>
           </a:p>
         </p:txBody>
       </p:sp>
-      <p:cxnSp>
-        <p:nvCxnSpPr>
-          <p:cNvPr id="116" name="Straight Arrow Connector 115">
-            <a:extLst>
-              <a:ext uri="{FF2B5EF4-FFF2-40B4-BE49-F238E27FC236}">
-                <a16:creationId xmlns:a16="http://schemas.microsoft.com/office/drawing/2014/main" id="{F5288C48-4929-42ED-8963-C7DDF8F270F3}"/>
-              </a:ext>
-            </a:extLst>
-          </p:cNvPr>
-          <p:cNvCxnSpPr>
-            <a:cxnSpLocks/>
-            <a:stCxn id="30" idx="2"/>
-            <a:endCxn id="115" idx="0"/>
-          </p:cNvCxnSpPr>
-          <p:nvPr/>
-        </p:nvCxnSpPr>
-        <p:spPr>
-          <a:xfrm flipH="1">
-            <a:off x="1596951" y="9058295"/>
-            <a:ext cx="191381" cy="225903"/>
-          </a:xfrm>
-          <a:prstGeom prst="straightConnector1">
-            <a:avLst/>
-          </a:prstGeom>
-          <a:ln>
-            <a:tailEnd type="triangle"/>
-          </a:ln>
-        </p:spPr>
-        <p:style>
-          <a:lnRef idx="1">
-            <a:schemeClr val="accent1"/>
-          </a:lnRef>
-          <a:fillRef idx="0">
-            <a:schemeClr val="accent1"/>
-          </a:fillRef>
-          <a:effectRef idx="0">
-            <a:schemeClr val="accent1"/>
-          </a:effectRef>
-          <a:fontRef idx="minor">
-            <a:schemeClr val="tx1"/>
-          </a:fontRef>
-        </p:style>
-      </p:cxnSp>
     </p:spTree>
     <p:extLst>
       <p:ext uri="{BB962C8B-B14F-4D97-AF65-F5344CB8AC3E}">
         <p14:creationId xmlns:p14="http://schemas.microsoft.com/office/powerpoint/2010/main" val="3195754133"/>
+      </p:ext>
+    </p:extLst>
+  </p:cSld>
+  <p:clrMapOvr>
+    <a:masterClrMapping/>
+  </p:clrMapOvr>
+</p:sld>
+</file>
+
+<file path=ppt/slides/slide9.xml><?xml version="1.0" encoding="utf-8"?>
+<p:sld xmlns:a="http://schemas.openxmlformats.org/drawingml/2006/main" xmlns:r="http://schemas.openxmlformats.org/officeDocument/2006/relationships" xmlns:p="http://schemas.openxmlformats.org/presentationml/2006/main">
+  <p:cSld>
+    <p:spTree>
+      <p:nvGrpSpPr>
+        <p:cNvPr id="1" name=""/>
+        <p:cNvGrpSpPr/>
+        <p:nvPr/>
+      </p:nvGrpSpPr>
+      <p:grpSpPr>
+        <a:xfrm>
+          <a:off x="0" y="0"/>
+          <a:ext cx="0" cy="0"/>
+          <a:chOff x="0" y="0"/>
+          <a:chExt cx="0" cy="0"/>
+        </a:xfrm>
+      </p:grpSpPr>
+      <p:sp>
+        <p:nvSpPr>
+          <p:cNvPr id="31" name="Oval 30">
+            <a:extLst>
+              <a:ext uri="{FF2B5EF4-FFF2-40B4-BE49-F238E27FC236}">
+                <a16:creationId xmlns:a16="http://schemas.microsoft.com/office/drawing/2014/main" id="{4182E4FC-DBF2-4318-9678-92DF2EC68243}"/>
+              </a:ext>
+            </a:extLst>
+          </p:cNvPr>
+          <p:cNvSpPr/>
+          <p:nvPr/>
+        </p:nvSpPr>
+        <p:spPr>
+          <a:xfrm>
+            <a:off x="189803" y="1065895"/>
+            <a:ext cx="431731" cy="446617"/>
+          </a:xfrm>
+          <a:prstGeom prst="ellipse">
+            <a:avLst/>
+          </a:prstGeom>
+        </p:spPr>
+        <p:style>
+          <a:lnRef idx="2">
+            <a:schemeClr val="accent1">
+              <a:shade val="50000"/>
+            </a:schemeClr>
+          </a:lnRef>
+          <a:fillRef idx="1">
+            <a:schemeClr val="accent1"/>
+          </a:fillRef>
+          <a:effectRef idx="0">
+            <a:schemeClr val="accent1"/>
+          </a:effectRef>
+          <a:fontRef idx="minor">
+            <a:schemeClr val="lt1"/>
+          </a:fontRef>
+        </p:style>
+        <p:txBody>
+          <a:bodyPr rtlCol="0" anchor="ctr"/>
+          <a:lstStyle/>
+          <a:p>
+            <a:pPr algn="ctr"/>
+            <a:r>
+              <a:rPr lang="en-US" sz="2492"/>
+              <a:t>C</a:t>
+            </a:r>
+          </a:p>
+        </p:txBody>
+      </p:sp>
+      <p:sp>
+        <p:nvSpPr>
+          <p:cNvPr id="32" name="Rectangle: Rounded Corners 31">
+            <a:extLst>
+              <a:ext uri="{FF2B5EF4-FFF2-40B4-BE49-F238E27FC236}">
+                <a16:creationId xmlns:a16="http://schemas.microsoft.com/office/drawing/2014/main" id="{3FECCA4E-E232-4B1B-9D58-94184DEF0CB1}"/>
+              </a:ext>
+            </a:extLst>
+          </p:cNvPr>
+          <p:cNvSpPr/>
+          <p:nvPr/>
+        </p:nvSpPr>
+        <p:spPr>
+          <a:xfrm>
+            <a:off x="713939" y="1149306"/>
+            <a:ext cx="1683000" cy="279798"/>
+          </a:xfrm>
+          <a:prstGeom prst="roundRect">
+            <a:avLst>
+              <a:gd name="adj" fmla="val 10785"/>
+            </a:avLst>
+          </a:prstGeom>
+          <a:ln>
+            <a:prstDash val="dash"/>
+          </a:ln>
+        </p:spPr>
+        <p:style>
+          <a:lnRef idx="2">
+            <a:schemeClr val="accent6"/>
+          </a:lnRef>
+          <a:fillRef idx="1">
+            <a:schemeClr val="lt1"/>
+          </a:fillRef>
+          <a:effectRef idx="0">
+            <a:schemeClr val="accent6"/>
+          </a:effectRef>
+          <a:fontRef idx="minor">
+            <a:schemeClr val="dk1"/>
+          </a:fontRef>
+        </p:style>
+        <p:txBody>
+          <a:bodyPr rtlCol="0" anchor="ctr"/>
+          <a:lstStyle/>
+          <a:p>
+            <a:r>
+              <a:rPr lang="en-US" sz="969" b="1"/>
+              <a:t>B1</a:t>
+            </a:r>
+            <a:r>
+              <a:rPr lang="en-US" sz="969"/>
+              <a:t>. Tạo một class `Student`</a:t>
+            </a:r>
+          </a:p>
+        </p:txBody>
+      </p:sp>
+      <p:sp>
+        <p:nvSpPr>
+          <p:cNvPr id="39" name="Rectangle: Top Corners Rounded 38">
+            <a:extLst>
+              <a:ext uri="{FF2B5EF4-FFF2-40B4-BE49-F238E27FC236}">
+                <a16:creationId xmlns:a16="http://schemas.microsoft.com/office/drawing/2014/main" id="{9DDEEFE8-4839-44F2-873E-F67D64B45DB4}"/>
+              </a:ext>
+            </a:extLst>
+          </p:cNvPr>
+          <p:cNvSpPr/>
+          <p:nvPr/>
+        </p:nvSpPr>
+        <p:spPr>
+          <a:xfrm>
+            <a:off x="1776885" y="401737"/>
+            <a:ext cx="3553057" cy="333933"/>
+          </a:xfrm>
+          <a:prstGeom prst="round2SameRect">
+            <a:avLst/>
+          </a:prstGeom>
+          <a:noFill/>
+        </p:spPr>
+        <p:style>
+          <a:lnRef idx="2">
+            <a:schemeClr val="accent1">
+              <a:shade val="50000"/>
+            </a:schemeClr>
+          </a:lnRef>
+          <a:fillRef idx="1">
+            <a:schemeClr val="accent1"/>
+          </a:fillRef>
+          <a:effectRef idx="0">
+            <a:schemeClr val="accent1"/>
+          </a:effectRef>
+          <a:fontRef idx="minor">
+            <a:schemeClr val="lt1"/>
+          </a:fontRef>
+        </p:style>
+        <p:txBody>
+          <a:bodyPr rtlCol="0" anchor="ctr"/>
+          <a:lstStyle/>
+          <a:p>
+            <a:pPr algn="ctr"/>
+            <a:r>
+              <a:rPr lang="en-US" sz="2215">
+                <a:solidFill>
+                  <a:schemeClr val="tx1"/>
+                </a:solidFill>
+              </a:rPr>
+              <a:t>1. Triển khai Comparable</a:t>
+            </a:r>
+          </a:p>
+        </p:txBody>
+      </p:sp>
+      <p:sp>
+        <p:nvSpPr>
+          <p:cNvPr id="2" name="TextBox 1">
+            <a:extLst>
+              <a:ext uri="{FF2B5EF4-FFF2-40B4-BE49-F238E27FC236}">
+                <a16:creationId xmlns:a16="http://schemas.microsoft.com/office/drawing/2014/main" id="{F745BFFF-3710-46E0-A0A4-6E70BB093BEB}"/>
+              </a:ext>
+            </a:extLst>
+          </p:cNvPr>
+          <p:cNvSpPr txBox="1"/>
+          <p:nvPr/>
+        </p:nvSpPr>
+        <p:spPr>
+          <a:xfrm>
+            <a:off x="4113419" y="781554"/>
+            <a:ext cx="1216524" cy="241476"/>
+          </a:xfrm>
+          <a:prstGeom prst="rect">
+            <a:avLst/>
+          </a:prstGeom>
+          <a:noFill/>
+        </p:spPr>
+        <p:txBody>
+          <a:bodyPr wrap="square" rtlCol="0">
+            <a:spAutoFit/>
+          </a:bodyPr>
+          <a:lstStyle/>
+          <a:p>
+            <a:r>
+              <a:rPr lang="en-US" sz="969"/>
+              <a:t>Danh sách Sinh viên</a:t>
+            </a:r>
+          </a:p>
+        </p:txBody>
+      </p:sp>
+      <p:grpSp>
+        <p:nvGrpSpPr>
+          <p:cNvPr id="16" name="Group 15">
+            <a:extLst>
+              <a:ext uri="{FF2B5EF4-FFF2-40B4-BE49-F238E27FC236}">
+                <a16:creationId xmlns:a16="http://schemas.microsoft.com/office/drawing/2014/main" id="{D45176CE-A86F-4F24-A21E-E8A8A59599F0}"/>
+              </a:ext>
+            </a:extLst>
+          </p:cNvPr>
+          <p:cNvGrpSpPr/>
+          <p:nvPr/>
+        </p:nvGrpSpPr>
+        <p:grpSpPr>
+          <a:xfrm>
+            <a:off x="2790343" y="1149305"/>
+            <a:ext cx="3893032" cy="1866945"/>
+            <a:chOff x="1571044" y="484816"/>
+            <a:chExt cx="5944391" cy="3007778"/>
+          </a:xfrm>
+        </p:grpSpPr>
+        <p:sp>
+          <p:nvSpPr>
+            <p:cNvPr id="17" name="Rectangle 16">
+              <a:extLst>
+                <a:ext uri="{FF2B5EF4-FFF2-40B4-BE49-F238E27FC236}">
+                  <a16:creationId xmlns:a16="http://schemas.microsoft.com/office/drawing/2014/main" id="{1FFAF2C4-7578-46C8-853A-FAE8380BCC9F}"/>
+                </a:ext>
+              </a:extLst>
+            </p:cNvPr>
+            <p:cNvSpPr/>
+            <p:nvPr/>
+          </p:nvSpPr>
+          <p:spPr>
+            <a:xfrm>
+              <a:off x="1571047" y="484816"/>
+              <a:ext cx="4875783" cy="472541"/>
+            </a:xfrm>
+            <a:prstGeom prst="rect">
+              <a:avLst/>
+            </a:prstGeom>
+            <a:ln/>
+          </p:spPr>
+          <p:style>
+            <a:lnRef idx="2">
+              <a:schemeClr val="dk1"/>
+            </a:lnRef>
+            <a:fillRef idx="1">
+              <a:schemeClr val="lt1"/>
+            </a:fillRef>
+            <a:effectRef idx="0">
+              <a:schemeClr val="dk1"/>
+            </a:effectRef>
+            <a:fontRef idx="minor">
+              <a:schemeClr val="dk1"/>
+            </a:fontRef>
+          </p:style>
+          <p:txBody>
+            <a:bodyPr rtlCol="0" anchor="ctr"/>
+            <a:lstStyle/>
+            <a:p>
+              <a:pPr algn="ctr"/>
+              <a:r>
+                <a:rPr lang="en-US" sz="800" b="1"/>
+                <a:t>public class Student implements Comparable&lt;Student&gt;</a:t>
+              </a:r>
+            </a:p>
+          </p:txBody>
+        </p:sp>
+        <p:sp>
+          <p:nvSpPr>
+            <p:cNvPr id="18" name="Rectangle 17">
+              <a:extLst>
+                <a:ext uri="{FF2B5EF4-FFF2-40B4-BE49-F238E27FC236}">
+                  <a16:creationId xmlns:a16="http://schemas.microsoft.com/office/drawing/2014/main" id="{57229C0D-11D3-43F9-A09E-6A7B57AA21C0}"/>
+                </a:ext>
+              </a:extLst>
+            </p:cNvPr>
+            <p:cNvSpPr/>
+            <p:nvPr/>
+          </p:nvSpPr>
+          <p:spPr>
+            <a:xfrm>
+              <a:off x="1571046" y="957356"/>
+              <a:ext cx="2696227" cy="752297"/>
+            </a:xfrm>
+            <a:prstGeom prst="rect">
+              <a:avLst/>
+            </a:prstGeom>
+            <a:ln/>
+          </p:spPr>
+          <p:style>
+            <a:lnRef idx="2">
+              <a:schemeClr val="dk1"/>
+            </a:lnRef>
+            <a:fillRef idx="1">
+              <a:schemeClr val="lt1"/>
+            </a:fillRef>
+            <a:effectRef idx="0">
+              <a:schemeClr val="dk1"/>
+            </a:effectRef>
+            <a:fontRef idx="minor">
+              <a:schemeClr val="dk1"/>
+            </a:fontRef>
+          </p:style>
+          <p:txBody>
+            <a:bodyPr rtlCol="0" anchor="t"/>
+            <a:lstStyle/>
+            <a:p>
+              <a:pPr indent="-38821">
+                <a:buFont typeface="Calibri" panose="020F0502020204030204" pitchFamily="34" charset="0"/>
+                <a:buChar char="-"/>
+              </a:pPr>
+              <a:r>
+                <a:rPr lang="en-US" sz="800">
+                  <a:solidFill>
+                    <a:schemeClr val="tx1"/>
+                  </a:solidFill>
+                  <a:latin typeface="Courier New" panose="02070309020205020404" pitchFamily="49" charset="0"/>
+                  <a:cs typeface="Courier New" panose="02070309020205020404" pitchFamily="49" charset="0"/>
+                </a:rPr>
+                <a:t> private String name;</a:t>
+              </a:r>
+            </a:p>
+            <a:p>
+              <a:pPr indent="-38821">
+                <a:buFont typeface="Calibri" panose="020F0502020204030204" pitchFamily="34" charset="0"/>
+                <a:buChar char="-"/>
+              </a:pPr>
+              <a:r>
+                <a:rPr lang="en-US" sz="800">
+                  <a:solidFill>
+                    <a:schemeClr val="tx1"/>
+                  </a:solidFill>
+                  <a:latin typeface="Courier New" panose="02070309020205020404" pitchFamily="49" charset="0"/>
+                  <a:cs typeface="Courier New" panose="02070309020205020404" pitchFamily="49" charset="0"/>
+                </a:rPr>
+                <a:t> private Integer age;</a:t>
+              </a:r>
+            </a:p>
+            <a:p>
+              <a:pPr indent="-38821">
+                <a:buFont typeface="Calibri" panose="020F0502020204030204" pitchFamily="34" charset="0"/>
+                <a:buChar char="-"/>
+              </a:pPr>
+              <a:r>
+                <a:rPr lang="en-US" sz="800">
+                  <a:solidFill>
+                    <a:schemeClr val="tx1"/>
+                  </a:solidFill>
+                  <a:latin typeface="Courier New" panose="02070309020205020404" pitchFamily="49" charset="0"/>
+                  <a:cs typeface="Courier New" panose="02070309020205020404" pitchFamily="49" charset="0"/>
+                </a:rPr>
+                <a:t> private String address;</a:t>
+              </a:r>
+            </a:p>
+          </p:txBody>
+        </p:sp>
+        <p:sp>
+          <p:nvSpPr>
+            <p:cNvPr id="19" name="Rectangle 18">
+              <a:extLst>
+                <a:ext uri="{FF2B5EF4-FFF2-40B4-BE49-F238E27FC236}">
+                  <a16:creationId xmlns:a16="http://schemas.microsoft.com/office/drawing/2014/main" id="{CC26A5AB-79D3-4520-82D7-F5C4534C93D7}"/>
+                </a:ext>
+              </a:extLst>
+            </p:cNvPr>
+            <p:cNvSpPr/>
+            <p:nvPr/>
+          </p:nvSpPr>
+          <p:spPr>
+            <a:xfrm>
+              <a:off x="1571044" y="1710223"/>
+              <a:ext cx="5944391" cy="1782371"/>
+            </a:xfrm>
+            <a:prstGeom prst="rect">
+              <a:avLst/>
+            </a:prstGeom>
+            <a:ln/>
+          </p:spPr>
+          <p:style>
+            <a:lnRef idx="2">
+              <a:schemeClr val="dk1"/>
+            </a:lnRef>
+            <a:fillRef idx="1">
+              <a:schemeClr val="lt1"/>
+            </a:fillRef>
+            <a:effectRef idx="0">
+              <a:schemeClr val="dk1"/>
+            </a:effectRef>
+            <a:fontRef idx="minor">
+              <a:schemeClr val="dk1"/>
+            </a:fontRef>
+          </p:style>
+          <p:txBody>
+            <a:bodyPr rtlCol="0" anchor="t"/>
+            <a:lstStyle/>
+            <a:p>
+              <a:pPr indent="-38821">
+                <a:buFont typeface="Calibri" panose="020F0502020204030204" pitchFamily="34" charset="0"/>
+                <a:buChar char="+"/>
+              </a:pPr>
+              <a:r>
+                <a:rPr lang="en-US" sz="800">
+                  <a:solidFill>
+                    <a:schemeClr val="tx1"/>
+                  </a:solidFill>
+                  <a:latin typeface="Courier New" panose="02070309020205020404" pitchFamily="49" charset="0"/>
+                  <a:cs typeface="Courier New" panose="02070309020205020404" pitchFamily="49" charset="0"/>
+                </a:rPr>
+                <a:t>Student()</a:t>
+              </a:r>
+            </a:p>
+            <a:p>
+              <a:pPr indent="-38821">
+                <a:buFont typeface="Calibri" panose="020F0502020204030204" pitchFamily="34" charset="0"/>
+                <a:buChar char="+"/>
+              </a:pPr>
+              <a:r>
+                <a:rPr lang="en-US" sz="800">
+                  <a:solidFill>
+                    <a:schemeClr val="tx1"/>
+                  </a:solidFill>
+                  <a:latin typeface="Courier New" panose="02070309020205020404" pitchFamily="49" charset="0"/>
+                  <a:cs typeface="Courier New" panose="02070309020205020404" pitchFamily="49" charset="0"/>
+                </a:rPr>
+                <a:t>Student(name:String,age:Integer, address:String)</a:t>
+              </a:r>
+            </a:p>
+            <a:p>
+              <a:pPr indent="-38821">
+                <a:buFont typeface="Calibri" panose="020F0502020204030204" pitchFamily="34" charset="0"/>
+                <a:buChar char="+"/>
+              </a:pPr>
+              <a:r>
+                <a:rPr lang="en-US" sz="800">
+                  <a:solidFill>
+                    <a:schemeClr val="tx1"/>
+                  </a:solidFill>
+                  <a:latin typeface="Courier New" panose="02070309020205020404" pitchFamily="49" charset="0"/>
+                  <a:cs typeface="Courier New" panose="02070309020205020404" pitchFamily="49" charset="0"/>
+                </a:rPr>
+                <a:t>geter; setter;</a:t>
+              </a:r>
+            </a:p>
+            <a:p>
+              <a:pPr indent="-38821">
+                <a:buFont typeface="Calibri" panose="020F0502020204030204" pitchFamily="34" charset="0"/>
+                <a:buChar char="+"/>
+              </a:pPr>
+              <a:r>
+                <a:rPr lang="en-US" sz="800" b="1">
+                  <a:solidFill>
+                    <a:schemeClr val="tx1"/>
+                  </a:solidFill>
+                  <a:latin typeface="Courier New" panose="02070309020205020404" pitchFamily="49" charset="0"/>
+                  <a:cs typeface="Courier New" panose="02070309020205020404" pitchFamily="49" charset="0"/>
+                </a:rPr>
+                <a:t>toString(): @override</a:t>
+              </a:r>
+            </a:p>
+            <a:p>
+              <a:pPr indent="-38821">
+                <a:buFont typeface="Calibri" panose="020F0502020204030204" pitchFamily="34" charset="0"/>
+                <a:buChar char="+"/>
+              </a:pPr>
+              <a:r>
+                <a:rPr lang="en-US" sz="800">
+                  <a:solidFill>
+                    <a:schemeClr val="tx1"/>
+                  </a:solidFill>
+                  <a:latin typeface="Courier New" panose="02070309020205020404" pitchFamily="49" charset="0"/>
+                  <a:cs typeface="Courier New" panose="02070309020205020404" pitchFamily="49" charset="0"/>
+                </a:rPr>
+                <a:t>@</a:t>
+              </a:r>
+              <a:r>
+                <a:rPr lang="en-US" sz="800" b="1">
+                  <a:solidFill>
+                    <a:schemeClr val="tx1"/>
+                  </a:solidFill>
+                  <a:latin typeface="Courier New" panose="02070309020205020404" pitchFamily="49" charset="0"/>
+                  <a:cs typeface="Courier New" panose="02070309020205020404" pitchFamily="49" charset="0"/>
+                </a:rPr>
+                <a:t>Override</a:t>
+              </a:r>
+            </a:p>
+            <a:p>
+              <a:r>
+                <a:rPr lang="en-US" sz="800">
+                  <a:solidFill>
+                    <a:schemeClr val="tx1"/>
+                  </a:solidFill>
+                  <a:latin typeface="Courier New" panose="02070309020205020404" pitchFamily="49" charset="0"/>
+                  <a:cs typeface="Courier New" panose="02070309020205020404" pitchFamily="49" charset="0"/>
+                </a:rPr>
+                <a:t>    public int </a:t>
+              </a:r>
+              <a:r>
+                <a:rPr lang="en-US" sz="800" b="1">
+                  <a:solidFill>
+                    <a:schemeClr val="tx1"/>
+                  </a:solidFill>
+                  <a:latin typeface="Courier New" panose="02070309020205020404" pitchFamily="49" charset="0"/>
+                  <a:cs typeface="Courier New" panose="02070309020205020404" pitchFamily="49" charset="0"/>
+                </a:rPr>
+                <a:t>compareTo</a:t>
+              </a:r>
+              <a:r>
+                <a:rPr lang="en-US" sz="800">
+                  <a:solidFill>
+                    <a:schemeClr val="tx1"/>
+                  </a:solidFill>
+                  <a:latin typeface="Courier New" panose="02070309020205020404" pitchFamily="49" charset="0"/>
+                  <a:cs typeface="Courier New" panose="02070309020205020404" pitchFamily="49" charset="0"/>
+                </a:rPr>
+                <a:t>(Student student) {</a:t>
+              </a:r>
+            </a:p>
+            <a:p>
+              <a:r>
+                <a:rPr lang="en-US" sz="800">
+                  <a:solidFill>
+                    <a:schemeClr val="tx1"/>
+                  </a:solidFill>
+                  <a:latin typeface="Courier New" panose="02070309020205020404" pitchFamily="49" charset="0"/>
+                  <a:cs typeface="Courier New" panose="02070309020205020404" pitchFamily="49" charset="0"/>
+                </a:rPr>
+                <a:t>        return this.getName().</a:t>
+              </a:r>
+              <a:r>
+                <a:rPr lang="en-US" sz="800" b="1">
+                  <a:solidFill>
+                    <a:schemeClr val="tx1"/>
+                  </a:solidFill>
+                  <a:latin typeface="Courier New" panose="02070309020205020404" pitchFamily="49" charset="0"/>
+                  <a:cs typeface="Courier New" panose="02070309020205020404" pitchFamily="49" charset="0"/>
+                </a:rPr>
+                <a:t>compareTo</a:t>
+              </a:r>
+              <a:r>
+                <a:rPr lang="en-US" sz="800">
+                  <a:solidFill>
+                    <a:schemeClr val="tx1"/>
+                  </a:solidFill>
+                  <a:latin typeface="Courier New" panose="02070309020205020404" pitchFamily="49" charset="0"/>
+                  <a:cs typeface="Courier New" panose="02070309020205020404" pitchFamily="49" charset="0"/>
+                </a:rPr>
+                <a:t>(student.getName());</a:t>
+              </a:r>
+            </a:p>
+            <a:p>
+              <a:r>
+                <a:rPr lang="en-US" sz="800">
+                  <a:solidFill>
+                    <a:schemeClr val="tx1"/>
+                  </a:solidFill>
+                  <a:latin typeface="Courier New" panose="02070309020205020404" pitchFamily="49" charset="0"/>
+                  <a:cs typeface="Courier New" panose="02070309020205020404" pitchFamily="49" charset="0"/>
+                </a:rPr>
+                <a:t>    }</a:t>
+              </a:r>
+            </a:p>
+          </p:txBody>
+        </p:sp>
+      </p:grpSp>
+      <p:sp>
+        <p:nvSpPr>
+          <p:cNvPr id="20" name="Oval 19">
+            <a:extLst>
+              <a:ext uri="{FF2B5EF4-FFF2-40B4-BE49-F238E27FC236}">
+                <a16:creationId xmlns:a16="http://schemas.microsoft.com/office/drawing/2014/main" id="{04949F46-35FE-4B71-90D9-F59E882E4087}"/>
+              </a:ext>
+            </a:extLst>
+          </p:cNvPr>
+          <p:cNvSpPr/>
+          <p:nvPr/>
+        </p:nvSpPr>
+        <p:spPr>
+          <a:xfrm>
+            <a:off x="189803" y="3302365"/>
+            <a:ext cx="431731" cy="446617"/>
+          </a:xfrm>
+          <a:prstGeom prst="ellipse">
+            <a:avLst/>
+          </a:prstGeom>
+        </p:spPr>
+        <p:style>
+          <a:lnRef idx="2">
+            <a:schemeClr val="accent1">
+              <a:shade val="50000"/>
+            </a:schemeClr>
+          </a:lnRef>
+          <a:fillRef idx="1">
+            <a:schemeClr val="accent1"/>
+          </a:fillRef>
+          <a:effectRef idx="0">
+            <a:schemeClr val="accent1"/>
+          </a:effectRef>
+          <a:fontRef idx="minor">
+            <a:schemeClr val="lt1"/>
+          </a:fontRef>
+        </p:style>
+        <p:txBody>
+          <a:bodyPr rtlCol="0" anchor="ctr"/>
+          <a:lstStyle/>
+          <a:p>
+            <a:pPr algn="ctr"/>
+            <a:r>
+              <a:rPr lang="en-US" sz="2492"/>
+              <a:t>C</a:t>
+            </a:r>
+          </a:p>
+        </p:txBody>
+      </p:sp>
+      <p:sp>
+        <p:nvSpPr>
+          <p:cNvPr id="21" name="Rectangle: Rounded Corners 20">
+            <a:extLst>
+              <a:ext uri="{FF2B5EF4-FFF2-40B4-BE49-F238E27FC236}">
+                <a16:creationId xmlns:a16="http://schemas.microsoft.com/office/drawing/2014/main" id="{8EF8B44F-C77F-4AC6-8B00-B4D747017875}"/>
+              </a:ext>
+            </a:extLst>
+          </p:cNvPr>
+          <p:cNvSpPr/>
+          <p:nvPr/>
+        </p:nvSpPr>
+        <p:spPr>
+          <a:xfrm>
+            <a:off x="713939" y="3385776"/>
+            <a:ext cx="1683000" cy="279798"/>
+          </a:xfrm>
+          <a:prstGeom prst="roundRect">
+            <a:avLst>
+              <a:gd name="adj" fmla="val 10785"/>
+            </a:avLst>
+          </a:prstGeom>
+          <a:ln>
+            <a:prstDash val="dash"/>
+          </a:ln>
+        </p:spPr>
+        <p:style>
+          <a:lnRef idx="2">
+            <a:schemeClr val="accent6"/>
+          </a:lnRef>
+          <a:fillRef idx="1">
+            <a:schemeClr val="lt1"/>
+          </a:fillRef>
+          <a:effectRef idx="0">
+            <a:schemeClr val="accent6"/>
+          </a:effectRef>
+          <a:fontRef idx="minor">
+            <a:schemeClr val="dk1"/>
+          </a:fontRef>
+        </p:style>
+        <p:txBody>
+          <a:bodyPr rtlCol="0" anchor="ctr"/>
+          <a:lstStyle/>
+          <a:p>
+            <a:r>
+              <a:rPr lang="en-US" sz="969" b="1"/>
+              <a:t>B2</a:t>
+            </a:r>
+            <a:r>
+              <a:rPr lang="en-US" sz="969"/>
+              <a:t>. Tạo một class `Main`</a:t>
+            </a:r>
+          </a:p>
+        </p:txBody>
+      </p:sp>
+      <p:grpSp>
+        <p:nvGrpSpPr>
+          <p:cNvPr id="22" name="Group 21">
+            <a:extLst>
+              <a:ext uri="{FF2B5EF4-FFF2-40B4-BE49-F238E27FC236}">
+                <a16:creationId xmlns:a16="http://schemas.microsoft.com/office/drawing/2014/main" id="{68796E19-590A-4338-A611-4FD80FAA5782}"/>
+              </a:ext>
+            </a:extLst>
+          </p:cNvPr>
+          <p:cNvGrpSpPr/>
+          <p:nvPr/>
+        </p:nvGrpSpPr>
+        <p:grpSpPr>
+          <a:xfrm>
+            <a:off x="2790343" y="3385776"/>
+            <a:ext cx="3877855" cy="1930430"/>
+            <a:chOff x="1571044" y="484818"/>
+            <a:chExt cx="5921217" cy="3110057"/>
+          </a:xfrm>
+        </p:grpSpPr>
+        <p:sp>
+          <p:nvSpPr>
+            <p:cNvPr id="23" name="Rectangle 22">
+              <a:extLst>
+                <a:ext uri="{FF2B5EF4-FFF2-40B4-BE49-F238E27FC236}">
+                  <a16:creationId xmlns:a16="http://schemas.microsoft.com/office/drawing/2014/main" id="{E384DFDA-E122-411B-8722-A2A6290A58CA}"/>
+                </a:ext>
+              </a:extLst>
+            </p:cNvPr>
+            <p:cNvSpPr/>
+            <p:nvPr/>
+          </p:nvSpPr>
+          <p:spPr>
+            <a:xfrm>
+              <a:off x="1571047" y="484818"/>
+              <a:ext cx="3447665" cy="585150"/>
+            </a:xfrm>
+            <a:prstGeom prst="rect">
+              <a:avLst/>
+            </a:prstGeom>
+            <a:ln/>
+          </p:spPr>
+          <p:style>
+            <a:lnRef idx="2">
+              <a:schemeClr val="dk1"/>
+            </a:lnRef>
+            <a:fillRef idx="1">
+              <a:schemeClr val="lt1"/>
+            </a:fillRef>
+            <a:effectRef idx="0">
+              <a:schemeClr val="dk1"/>
+            </a:effectRef>
+            <a:fontRef idx="minor">
+              <a:schemeClr val="dk1"/>
+            </a:fontRef>
+          </p:style>
+          <p:txBody>
+            <a:bodyPr rtlCol="0" anchor="ctr"/>
+            <a:lstStyle/>
+            <a:p>
+              <a:pPr algn="ctr"/>
+              <a:r>
+                <a:rPr lang="en-US" sz="800" b="1"/>
+                <a:t>public class Main{</a:t>
+              </a:r>
+            </a:p>
+            <a:p>
+              <a:pPr algn="ctr"/>
+              <a:r>
+                <a:rPr lang="en-US" sz="800" b="1"/>
+                <a:t> public static void main(String[] args) {</a:t>
+              </a:r>
+            </a:p>
+          </p:txBody>
+        </p:sp>
+        <p:sp>
+          <p:nvSpPr>
+            <p:cNvPr id="24" name="Rectangle 23">
+              <a:extLst>
+                <a:ext uri="{FF2B5EF4-FFF2-40B4-BE49-F238E27FC236}">
+                  <a16:creationId xmlns:a16="http://schemas.microsoft.com/office/drawing/2014/main" id="{9595406A-4A6C-4607-9FF1-D7430FA63D73}"/>
+                </a:ext>
+              </a:extLst>
+            </p:cNvPr>
+            <p:cNvSpPr/>
+            <p:nvPr/>
+          </p:nvSpPr>
+          <p:spPr>
+            <a:xfrm>
+              <a:off x="1571044" y="1068263"/>
+              <a:ext cx="5921215" cy="1951630"/>
+            </a:xfrm>
+            <a:prstGeom prst="rect">
+              <a:avLst/>
+            </a:prstGeom>
+            <a:ln/>
+          </p:spPr>
+          <p:style>
+            <a:lnRef idx="2">
+              <a:schemeClr val="dk1"/>
+            </a:lnRef>
+            <a:fillRef idx="1">
+              <a:schemeClr val="lt1"/>
+            </a:fillRef>
+            <a:effectRef idx="0">
+              <a:schemeClr val="dk1"/>
+            </a:effectRef>
+            <a:fontRef idx="minor">
+              <a:schemeClr val="dk1"/>
+            </a:fontRef>
+          </p:style>
+          <p:txBody>
+            <a:bodyPr rtlCol="0" anchor="t"/>
+            <a:lstStyle/>
+            <a:p>
+              <a:r>
+                <a:rPr lang="en-US" sz="800">
+                  <a:solidFill>
+                    <a:schemeClr val="tx1"/>
+                  </a:solidFill>
+                  <a:latin typeface="Courier New" panose="02070309020205020404" pitchFamily="49" charset="0"/>
+                  <a:cs typeface="Courier New" panose="02070309020205020404" pitchFamily="49" charset="0"/>
+                </a:rPr>
+                <a:t>Student student1 = new Student("Kien", 30, "HT");</a:t>
+              </a:r>
+            </a:p>
+            <a:p>
+              <a:r>
+                <a:rPr lang="en-US" sz="800">
+                  <a:solidFill>
+                    <a:schemeClr val="tx1"/>
+                  </a:solidFill>
+                  <a:latin typeface="Courier New" panose="02070309020205020404" pitchFamily="49" charset="0"/>
+                  <a:cs typeface="Courier New" panose="02070309020205020404" pitchFamily="49" charset="0"/>
+                </a:rPr>
+                <a:t>Student student2 = new Student("Nam", 26, "HN");</a:t>
+              </a:r>
+            </a:p>
+            <a:p>
+              <a:r>
+                <a:rPr lang="en-US" sz="800">
+                  <a:solidFill>
+                    <a:schemeClr val="tx1"/>
+                  </a:solidFill>
+                  <a:latin typeface="Courier New" panose="02070309020205020404" pitchFamily="49" charset="0"/>
+                  <a:cs typeface="Courier New" panose="02070309020205020404" pitchFamily="49" charset="0"/>
+                </a:rPr>
+                <a:t>Student student3 = new Student("Anh", 38, "HT");</a:t>
+              </a:r>
+            </a:p>
+            <a:p>
+              <a:r>
+                <a:rPr lang="en-US" sz="800">
+                  <a:solidFill>
+                    <a:schemeClr val="tx1"/>
+                  </a:solidFill>
+                  <a:latin typeface="Courier New" panose="02070309020205020404" pitchFamily="49" charset="0"/>
+                  <a:cs typeface="Courier New" panose="02070309020205020404" pitchFamily="49" charset="0"/>
+                </a:rPr>
+                <a:t>Student student4 = new Student("Tung", 38, "HT");</a:t>
+              </a:r>
+            </a:p>
+            <a:p>
+              <a:r>
+                <a:rPr lang="en-US" sz="800">
+                  <a:solidFill>
+                    <a:schemeClr val="tx1"/>
+                  </a:solidFill>
+                  <a:latin typeface="Courier New" panose="02070309020205020404" pitchFamily="49" charset="0"/>
+                  <a:cs typeface="Courier New" panose="02070309020205020404" pitchFamily="49" charset="0"/>
+                </a:rPr>
+                <a:t>List&lt;Student&gt; studentList = new ArrayList&lt;&gt;();</a:t>
+              </a:r>
+            </a:p>
+            <a:p>
+              <a:r>
+                <a:rPr lang="en-US" sz="800">
+                  <a:solidFill>
+                    <a:schemeClr val="tx1"/>
+                  </a:solidFill>
+                  <a:latin typeface="Courier New" panose="02070309020205020404" pitchFamily="49" charset="0"/>
+                  <a:cs typeface="Courier New" panose="02070309020205020404" pitchFamily="49" charset="0"/>
+                </a:rPr>
+                <a:t>studentList.add(student1);</a:t>
+              </a:r>
+            </a:p>
+            <a:p>
+              <a:r>
+                <a:rPr lang="en-US" sz="800">
+                  <a:solidFill>
+                    <a:schemeClr val="tx1"/>
+                  </a:solidFill>
+                  <a:latin typeface="Courier New" panose="02070309020205020404" pitchFamily="49" charset="0"/>
+                  <a:cs typeface="Courier New" panose="02070309020205020404" pitchFamily="49" charset="0"/>
+                </a:rPr>
+                <a:t>studentList.add(student2);</a:t>
+              </a:r>
+            </a:p>
+            <a:p>
+              <a:r>
+                <a:rPr lang="en-US" sz="800">
+                  <a:solidFill>
+                    <a:schemeClr val="tx1"/>
+                  </a:solidFill>
+                  <a:latin typeface="Courier New" panose="02070309020205020404" pitchFamily="49" charset="0"/>
+                  <a:cs typeface="Courier New" panose="02070309020205020404" pitchFamily="49" charset="0"/>
+                </a:rPr>
+                <a:t>studentList.add(student3);</a:t>
+              </a:r>
+            </a:p>
+            <a:p>
+              <a:r>
+                <a:rPr lang="en-US" sz="800">
+                  <a:solidFill>
+                    <a:schemeClr val="tx1"/>
+                  </a:solidFill>
+                  <a:latin typeface="Courier New" panose="02070309020205020404" pitchFamily="49" charset="0"/>
+                  <a:cs typeface="Courier New" panose="02070309020205020404" pitchFamily="49" charset="0"/>
+                </a:rPr>
+                <a:t>studentList.add(student4);</a:t>
+              </a:r>
+            </a:p>
+          </p:txBody>
+        </p:sp>
+        <p:sp>
+          <p:nvSpPr>
+            <p:cNvPr id="25" name="Rectangle 24">
+              <a:extLst>
+                <a:ext uri="{FF2B5EF4-FFF2-40B4-BE49-F238E27FC236}">
+                  <a16:creationId xmlns:a16="http://schemas.microsoft.com/office/drawing/2014/main" id="{2B8D7B0E-F085-47CD-B0E0-7B508389508A}"/>
+                </a:ext>
+              </a:extLst>
+            </p:cNvPr>
+            <p:cNvSpPr/>
+            <p:nvPr/>
+          </p:nvSpPr>
+          <p:spPr>
+            <a:xfrm>
+              <a:off x="1571046" y="3009725"/>
+              <a:ext cx="5921215" cy="585150"/>
+            </a:xfrm>
+            <a:prstGeom prst="rect">
+              <a:avLst/>
+            </a:prstGeom>
+            <a:ln/>
+          </p:spPr>
+          <p:style>
+            <a:lnRef idx="2">
+              <a:schemeClr val="dk1"/>
+            </a:lnRef>
+            <a:fillRef idx="1">
+              <a:schemeClr val="lt1"/>
+            </a:fillRef>
+            <a:effectRef idx="0">
+              <a:schemeClr val="dk1"/>
+            </a:effectRef>
+            <a:fontRef idx="minor">
+              <a:schemeClr val="dk1"/>
+            </a:fontRef>
+          </p:style>
+          <p:txBody>
+            <a:bodyPr rtlCol="0" anchor="t"/>
+            <a:lstStyle/>
+            <a:p>
+              <a:r>
+                <a:rPr lang="en-US" sz="800">
+                  <a:solidFill>
+                    <a:schemeClr val="tx1"/>
+                  </a:solidFill>
+                  <a:latin typeface="Courier New" panose="02070309020205020404" pitchFamily="49" charset="0"/>
+                  <a:cs typeface="Courier New" panose="02070309020205020404" pitchFamily="49" charset="0"/>
+                </a:rPr>
+                <a:t>System.out.println("</a:t>
+              </a:r>
+              <a:r>
+                <a:rPr lang="en-US" sz="800" b="1" i="1">
+                  <a:solidFill>
+                    <a:schemeClr val="tx1"/>
+                  </a:solidFill>
+                  <a:latin typeface="Courier New" panose="02070309020205020404" pitchFamily="49" charset="0"/>
+                  <a:cs typeface="Courier New" panose="02070309020205020404" pitchFamily="49" charset="0"/>
+                </a:rPr>
+                <a:t>Kết quả sắp xếp:</a:t>
+              </a:r>
+              <a:r>
+                <a:rPr lang="en-US" sz="800">
+                  <a:solidFill>
+                    <a:schemeClr val="tx1"/>
+                  </a:solidFill>
+                  <a:latin typeface="Courier New" panose="02070309020205020404" pitchFamily="49" charset="0"/>
+                  <a:cs typeface="Courier New" panose="02070309020205020404" pitchFamily="49" charset="0"/>
+                </a:rPr>
+                <a:t>");</a:t>
+              </a:r>
+            </a:p>
+            <a:p>
+              <a:r>
+                <a:rPr lang="en-US" sz="800">
+                  <a:solidFill>
+                    <a:schemeClr val="tx1"/>
+                  </a:solidFill>
+                  <a:latin typeface="Courier New" panose="02070309020205020404" pitchFamily="49" charset="0"/>
+                  <a:cs typeface="Courier New" panose="02070309020205020404" pitchFamily="49" charset="0"/>
+                </a:rPr>
+                <a:t>Collections.sort(studentList); Sắp xếp sử dụng </a:t>
+              </a:r>
+              <a:r>
+                <a:rPr lang="en-US" sz="800" b="1">
+                  <a:solidFill>
+                    <a:schemeClr val="tx1"/>
+                  </a:solidFill>
+                  <a:latin typeface="Courier New" panose="02070309020205020404" pitchFamily="49" charset="0"/>
+                  <a:cs typeface="Courier New" panose="02070309020205020404" pitchFamily="49" charset="0"/>
+                </a:rPr>
+                <a:t>Comparable</a:t>
+              </a:r>
+            </a:p>
+          </p:txBody>
+        </p:sp>
+      </p:grpSp>
+    </p:spTree>
+    <p:extLst>
+      <p:ext uri="{BB962C8B-B14F-4D97-AF65-F5344CB8AC3E}">
+        <p14:creationId xmlns:p14="http://schemas.microsoft.com/office/powerpoint/2010/main" val="977861385"/>
       </p:ext>
     </p:extLst>
   </p:cSld>

--- a/src/ss04_lop_doi_tuong_java/ve UML.pptx
+++ b/src/ss04_lop_doi_tuong_java/ve UML.pptx
@@ -15,6 +15,7 @@
     <p:sldId id="264" r:id="rId9"/>
     <p:sldId id="265" r:id="rId10"/>
     <p:sldId id="266" r:id="rId11"/>
+    <p:sldId id="267" r:id="rId12"/>
   </p:sldIdLst>
   <p:sldSz cx="6858000" cy="9906000" type="A4"/>
   <p:notesSz cx="6858000" cy="9144000"/>
@@ -252,7 +253,7 @@
           <a:p>
             <a:fld id="{304DB6B7-848F-4A9B-8BD5-23855C3D30D0}" type="datetimeFigureOut">
               <a:rPr lang="en-US" smtClean="0"/>
-              <a:t>18-Jul-23</a:t>
+              <a:t>26-Jul-23</a:t>
             </a:fld>
             <a:endParaRPr lang="en-US"/>
           </a:p>
@@ -422,7 +423,7 @@
           <a:p>
             <a:fld id="{304DB6B7-848F-4A9B-8BD5-23855C3D30D0}" type="datetimeFigureOut">
               <a:rPr lang="en-US" smtClean="0"/>
-              <a:t>18-Jul-23</a:t>
+              <a:t>26-Jul-23</a:t>
             </a:fld>
             <a:endParaRPr lang="en-US"/>
           </a:p>
@@ -602,7 +603,7 @@
           <a:p>
             <a:fld id="{304DB6B7-848F-4A9B-8BD5-23855C3D30D0}" type="datetimeFigureOut">
               <a:rPr lang="en-US" smtClean="0"/>
-              <a:t>18-Jul-23</a:t>
+              <a:t>26-Jul-23</a:t>
             </a:fld>
             <a:endParaRPr lang="en-US"/>
           </a:p>
@@ -772,7 +773,7 @@
           <a:p>
             <a:fld id="{304DB6B7-848F-4A9B-8BD5-23855C3D30D0}" type="datetimeFigureOut">
               <a:rPr lang="en-US" smtClean="0"/>
-              <a:t>18-Jul-23</a:t>
+              <a:t>26-Jul-23</a:t>
             </a:fld>
             <a:endParaRPr lang="en-US"/>
           </a:p>
@@ -1016,7 +1017,7 @@
           <a:p>
             <a:fld id="{304DB6B7-848F-4A9B-8BD5-23855C3D30D0}" type="datetimeFigureOut">
               <a:rPr lang="en-US" smtClean="0"/>
-              <a:t>18-Jul-23</a:t>
+              <a:t>26-Jul-23</a:t>
             </a:fld>
             <a:endParaRPr lang="en-US"/>
           </a:p>
@@ -1248,7 +1249,7 @@
           <a:p>
             <a:fld id="{304DB6B7-848F-4A9B-8BD5-23855C3D30D0}" type="datetimeFigureOut">
               <a:rPr lang="en-US" smtClean="0"/>
-              <a:t>18-Jul-23</a:t>
+              <a:t>26-Jul-23</a:t>
             </a:fld>
             <a:endParaRPr lang="en-US"/>
           </a:p>
@@ -1615,7 +1616,7 @@
           <a:p>
             <a:fld id="{304DB6B7-848F-4A9B-8BD5-23855C3D30D0}" type="datetimeFigureOut">
               <a:rPr lang="en-US" smtClean="0"/>
-              <a:t>18-Jul-23</a:t>
+              <a:t>26-Jul-23</a:t>
             </a:fld>
             <a:endParaRPr lang="en-US"/>
           </a:p>
@@ -1733,7 +1734,7 @@
           <a:p>
             <a:fld id="{304DB6B7-848F-4A9B-8BD5-23855C3D30D0}" type="datetimeFigureOut">
               <a:rPr lang="en-US" smtClean="0"/>
-              <a:t>18-Jul-23</a:t>
+              <a:t>26-Jul-23</a:t>
             </a:fld>
             <a:endParaRPr lang="en-US"/>
           </a:p>
@@ -1828,7 +1829,7 @@
           <a:p>
             <a:fld id="{304DB6B7-848F-4A9B-8BD5-23855C3D30D0}" type="datetimeFigureOut">
               <a:rPr lang="en-US" smtClean="0"/>
-              <a:t>18-Jul-23</a:t>
+              <a:t>26-Jul-23</a:t>
             </a:fld>
             <a:endParaRPr lang="en-US"/>
           </a:p>
@@ -2105,7 +2106,7 @@
           <a:p>
             <a:fld id="{304DB6B7-848F-4A9B-8BD5-23855C3D30D0}" type="datetimeFigureOut">
               <a:rPr lang="en-US" smtClean="0"/>
-              <a:t>18-Jul-23</a:t>
+              <a:t>26-Jul-23</a:t>
             </a:fld>
             <a:endParaRPr lang="en-US"/>
           </a:p>
@@ -2362,7 +2363,7 @@
           <a:p>
             <a:fld id="{304DB6B7-848F-4A9B-8BD5-23855C3D30D0}" type="datetimeFigureOut">
               <a:rPr lang="en-US" smtClean="0"/>
-              <a:t>18-Jul-23</a:t>
+              <a:t>26-Jul-23</a:t>
             </a:fld>
             <a:endParaRPr lang="en-US"/>
           </a:p>
@@ -2575,7 +2576,7 @@
           <a:p>
             <a:fld id="{304DB6B7-848F-4A9B-8BD5-23855C3D30D0}" type="datetimeFigureOut">
               <a:rPr lang="en-US" smtClean="0"/>
-              <a:t>18-Jul-23</a:t>
+              <a:t>26-Jul-23</a:t>
             </a:fld>
             <a:endParaRPr lang="en-US"/>
           </a:p>
@@ -3014,8 +3015,8 @@
           </p:nvSpPr>
           <p:spPr>
             <a:xfrm>
-              <a:off x="1571049" y="484816"/>
-              <a:ext cx="2681829" cy="472542"/>
+              <a:off x="1571050" y="484816"/>
+              <a:ext cx="2681830" cy="472543"/>
             </a:xfrm>
             <a:prstGeom prst="rect">
               <a:avLst/>
@@ -3062,8 +3063,8 @@
           </p:nvSpPr>
           <p:spPr>
             <a:xfrm>
-              <a:off x="1571044" y="957358"/>
-              <a:ext cx="2681831" cy="718019"/>
+              <a:off x="1571043" y="957359"/>
+              <a:ext cx="2681830" cy="718018"/>
             </a:xfrm>
             <a:prstGeom prst="rect">
               <a:avLst/>
@@ -3310,7 +3311,7 @@
           <p:spPr>
             <a:xfrm>
               <a:off x="1571049" y="484816"/>
-              <a:ext cx="2681829" cy="472542"/>
+              <a:ext cx="2681828" cy="472544"/>
             </a:xfrm>
             <a:prstGeom prst="rect">
               <a:avLst/>
@@ -3357,8 +3358,8 @@
           </p:nvSpPr>
           <p:spPr>
             <a:xfrm>
-              <a:off x="1571045" y="957358"/>
-              <a:ext cx="2681830" cy="472542"/>
+              <a:off x="1571046" y="957359"/>
+              <a:ext cx="2681832" cy="472544"/>
             </a:xfrm>
             <a:prstGeom prst="rect">
               <a:avLst/>
@@ -3647,8 +3648,8 @@
           </p:nvSpPr>
           <p:spPr>
             <a:xfrm>
-              <a:off x="1571049" y="484816"/>
-              <a:ext cx="2681829" cy="472542"/>
+              <a:off x="1571048" y="484816"/>
+              <a:ext cx="2681828" cy="472540"/>
             </a:xfrm>
             <a:prstGeom prst="rect">
               <a:avLst/>
@@ -3695,8 +3696,8 @@
           </p:nvSpPr>
           <p:spPr>
             <a:xfrm>
-              <a:off x="1571045" y="957358"/>
-              <a:ext cx="2681830" cy="714610"/>
+              <a:off x="1571045" y="957356"/>
+              <a:ext cx="2681831" cy="714610"/>
             </a:xfrm>
             <a:prstGeom prst="rect">
               <a:avLst/>
@@ -3768,8 +3769,8 @@
           </p:nvSpPr>
           <p:spPr>
             <a:xfrm>
-              <a:off x="1571045" y="1671969"/>
-              <a:ext cx="4191486" cy="2533229"/>
+              <a:off x="1571045" y="1671970"/>
+              <a:ext cx="4191486" cy="2533228"/>
             </a:xfrm>
             <a:prstGeom prst="rect">
               <a:avLst/>
@@ -4035,8 +4036,8 @@
           </p:nvSpPr>
           <p:spPr>
             <a:xfrm>
-              <a:off x="1571049" y="484816"/>
-              <a:ext cx="2681829" cy="472542"/>
+              <a:off x="1571048" y="484816"/>
+              <a:ext cx="2681828" cy="472540"/>
             </a:xfrm>
             <a:prstGeom prst="rect">
               <a:avLst/>
@@ -4083,8 +4084,8 @@
           </p:nvSpPr>
           <p:spPr>
             <a:xfrm>
-              <a:off x="1571045" y="957359"/>
-              <a:ext cx="2681830" cy="472543"/>
+              <a:off x="1571045" y="957360"/>
+              <a:ext cx="2681831" cy="472544"/>
             </a:xfrm>
             <a:prstGeom prst="rect">
               <a:avLst/>
@@ -4136,8 +4137,8 @@
           </p:nvSpPr>
           <p:spPr>
             <a:xfrm>
-              <a:off x="1571045" y="1429901"/>
-              <a:ext cx="4191486" cy="2091188"/>
+              <a:off x="1571045" y="1429900"/>
+              <a:ext cx="4191486" cy="2091189"/>
             </a:xfrm>
             <a:prstGeom prst="rect">
               <a:avLst/>
@@ -5697,6 +5698,1367 @@
     <p:extLst>
       <p:ext uri="{BB962C8B-B14F-4D97-AF65-F5344CB8AC3E}">
         <p14:creationId xmlns:p14="http://schemas.microsoft.com/office/powerpoint/2010/main" val="4196984062"/>
+      </p:ext>
+    </p:extLst>
+  </p:cSld>
+  <p:clrMapOvr>
+    <a:masterClrMapping/>
+  </p:clrMapOvr>
+</p:sld>
+</file>
+
+<file path=ppt/slides/slide11.xml><?xml version="1.0" encoding="utf-8"?>
+<p:sld xmlns:a="http://schemas.openxmlformats.org/drawingml/2006/main" xmlns:r="http://schemas.openxmlformats.org/officeDocument/2006/relationships" xmlns:p="http://schemas.openxmlformats.org/presentationml/2006/main">
+  <p:cSld>
+    <p:spTree>
+      <p:nvGrpSpPr>
+        <p:cNvPr id="1" name=""/>
+        <p:cNvGrpSpPr/>
+        <p:nvPr/>
+      </p:nvGrpSpPr>
+      <p:grpSpPr>
+        <a:xfrm>
+          <a:off x="0" y="0"/>
+          <a:ext cx="0" cy="0"/>
+          <a:chOff x="0" y="0"/>
+          <a:chExt cx="0" cy="0"/>
+        </a:xfrm>
+      </p:grpSpPr>
+      <p:sp>
+        <p:nvSpPr>
+          <p:cNvPr id="31" name="Oval 30">
+            <a:extLst>
+              <a:ext uri="{FF2B5EF4-FFF2-40B4-BE49-F238E27FC236}">
+                <a16:creationId xmlns:a16="http://schemas.microsoft.com/office/drawing/2014/main" id="{4182E4FC-DBF2-4318-9678-92DF2EC68243}"/>
+              </a:ext>
+            </a:extLst>
+          </p:cNvPr>
+          <p:cNvSpPr/>
+          <p:nvPr/>
+        </p:nvSpPr>
+        <p:spPr>
+          <a:xfrm>
+            <a:off x="520525" y="1089953"/>
+            <a:ext cx="431731" cy="446617"/>
+          </a:xfrm>
+          <a:prstGeom prst="ellipse">
+            <a:avLst/>
+          </a:prstGeom>
+        </p:spPr>
+        <p:style>
+          <a:lnRef idx="2">
+            <a:schemeClr val="accent1">
+              <a:shade val="50000"/>
+            </a:schemeClr>
+          </a:lnRef>
+          <a:fillRef idx="1">
+            <a:schemeClr val="accent1"/>
+          </a:fillRef>
+          <a:effectRef idx="0">
+            <a:schemeClr val="accent1"/>
+          </a:effectRef>
+          <a:fontRef idx="minor">
+            <a:schemeClr val="lt1"/>
+          </a:fontRef>
+        </p:style>
+        <p:txBody>
+          <a:bodyPr rtlCol="0" anchor="ctr"/>
+          <a:lstStyle/>
+          <a:p>
+            <a:pPr algn="ctr"/>
+            <a:r>
+              <a:rPr lang="en-US" sz="2492"/>
+              <a:t>1</a:t>
+            </a:r>
+          </a:p>
+        </p:txBody>
+      </p:sp>
+      <p:sp>
+        <p:nvSpPr>
+          <p:cNvPr id="32" name="Rectangle: Rounded Corners 31">
+            <a:extLst>
+              <a:ext uri="{FF2B5EF4-FFF2-40B4-BE49-F238E27FC236}">
+                <a16:creationId xmlns:a16="http://schemas.microsoft.com/office/drawing/2014/main" id="{3FECCA4E-E232-4B1B-9D58-94184DEF0CB1}"/>
+              </a:ext>
+            </a:extLst>
+          </p:cNvPr>
+          <p:cNvSpPr/>
+          <p:nvPr/>
+        </p:nvSpPr>
+        <p:spPr>
+          <a:xfrm>
+            <a:off x="1044661" y="1173364"/>
+            <a:ext cx="2584364" cy="279798"/>
+          </a:xfrm>
+          <a:prstGeom prst="roundRect">
+            <a:avLst>
+              <a:gd name="adj" fmla="val 10785"/>
+            </a:avLst>
+          </a:prstGeom>
+          <a:ln>
+            <a:prstDash val="dash"/>
+          </a:ln>
+        </p:spPr>
+        <p:style>
+          <a:lnRef idx="2">
+            <a:schemeClr val="accent6"/>
+          </a:lnRef>
+          <a:fillRef idx="1">
+            <a:schemeClr val="lt1"/>
+          </a:fillRef>
+          <a:effectRef idx="0">
+            <a:schemeClr val="accent6"/>
+          </a:effectRef>
+          <a:fontRef idx="minor">
+            <a:schemeClr val="dk1"/>
+          </a:fontRef>
+        </p:style>
+        <p:txBody>
+          <a:bodyPr rtlCol="0" anchor="ctr"/>
+          <a:lstStyle/>
+          <a:p>
+            <a:r>
+              <a:rPr lang="en-US" sz="969" b="1"/>
+              <a:t>B1</a:t>
+            </a:r>
+            <a:r>
+              <a:rPr lang="en-US" sz="969"/>
+              <a:t>. Tạo một public class </a:t>
+            </a:r>
+            <a:r>
+              <a:rPr lang="en-US" sz="969" b="1"/>
+              <a:t>`ReadWirteData</a:t>
+            </a:r>
+            <a:r>
+              <a:rPr lang="en-US" sz="969"/>
+              <a:t>` {}</a:t>
+            </a:r>
+          </a:p>
+        </p:txBody>
+      </p:sp>
+      <p:sp>
+        <p:nvSpPr>
+          <p:cNvPr id="39" name="Rectangle: Top Corners Rounded 38">
+            <a:extLst>
+              <a:ext uri="{FF2B5EF4-FFF2-40B4-BE49-F238E27FC236}">
+                <a16:creationId xmlns:a16="http://schemas.microsoft.com/office/drawing/2014/main" id="{9DDEEFE8-4839-44F2-873E-F67D64B45DB4}"/>
+              </a:ext>
+            </a:extLst>
+          </p:cNvPr>
+          <p:cNvSpPr/>
+          <p:nvPr/>
+        </p:nvSpPr>
+        <p:spPr>
+          <a:xfrm>
+            <a:off x="1673221" y="199456"/>
+            <a:ext cx="4000028" cy="333933"/>
+          </a:xfrm>
+          <a:prstGeom prst="round2SameRect">
+            <a:avLst/>
+          </a:prstGeom>
+          <a:solidFill>
+            <a:srgbClr val="FFC000"/>
+          </a:solidFill>
+        </p:spPr>
+        <p:style>
+          <a:lnRef idx="2">
+            <a:schemeClr val="accent1">
+              <a:shade val="50000"/>
+            </a:schemeClr>
+          </a:lnRef>
+          <a:fillRef idx="1">
+            <a:schemeClr val="accent1"/>
+          </a:fillRef>
+          <a:effectRef idx="0">
+            <a:schemeClr val="accent1"/>
+          </a:effectRef>
+          <a:fontRef idx="minor">
+            <a:schemeClr val="lt1"/>
+          </a:fontRef>
+        </p:style>
+        <p:txBody>
+          <a:bodyPr rtlCol="0" anchor="ctr"/>
+          <a:lstStyle/>
+          <a:p>
+            <a:pPr algn="ctr"/>
+            <a:r>
+              <a:rPr lang="en-US" sz="2215">
+                <a:solidFill>
+                  <a:schemeClr val="tx1"/>
+                </a:solidFill>
+              </a:rPr>
+              <a:t>1. Quy trình đọc và ghi file CSV</a:t>
+            </a:r>
+          </a:p>
+        </p:txBody>
+      </p:sp>
+      <p:grpSp>
+        <p:nvGrpSpPr>
+          <p:cNvPr id="16" name="Group 15">
+            <a:extLst>
+              <a:ext uri="{FF2B5EF4-FFF2-40B4-BE49-F238E27FC236}">
+                <a16:creationId xmlns:a16="http://schemas.microsoft.com/office/drawing/2014/main" id="{D45176CE-A86F-4F24-A21E-E8A8A59599F0}"/>
+              </a:ext>
+            </a:extLst>
+          </p:cNvPr>
+          <p:cNvGrpSpPr/>
+          <p:nvPr/>
+        </p:nvGrpSpPr>
+        <p:grpSpPr>
+          <a:xfrm>
+            <a:off x="413657" y="2170555"/>
+            <a:ext cx="5971791" cy="2581446"/>
+            <a:chOff x="1571041" y="484816"/>
+            <a:chExt cx="5944394" cy="4158888"/>
+          </a:xfrm>
+        </p:grpSpPr>
+        <p:sp>
+          <p:nvSpPr>
+            <p:cNvPr id="17" name="Rectangle 16">
+              <a:extLst>
+                <a:ext uri="{FF2B5EF4-FFF2-40B4-BE49-F238E27FC236}">
+                  <a16:creationId xmlns:a16="http://schemas.microsoft.com/office/drawing/2014/main" id="{1FFAF2C4-7578-46C8-853A-FAE8380BCC9F}"/>
+                </a:ext>
+              </a:extLst>
+            </p:cNvPr>
+            <p:cNvSpPr/>
+            <p:nvPr/>
+          </p:nvSpPr>
+          <p:spPr>
+            <a:xfrm>
+              <a:off x="1571047" y="484816"/>
+              <a:ext cx="5944388" cy="472541"/>
+            </a:xfrm>
+            <a:prstGeom prst="rect">
+              <a:avLst/>
+            </a:prstGeom>
+            <a:ln/>
+          </p:spPr>
+          <p:style>
+            <a:lnRef idx="2">
+              <a:schemeClr val="dk1"/>
+            </a:lnRef>
+            <a:fillRef idx="1">
+              <a:schemeClr val="lt1"/>
+            </a:fillRef>
+            <a:effectRef idx="0">
+              <a:schemeClr val="dk1"/>
+            </a:effectRef>
+            <a:fontRef idx="minor">
+              <a:schemeClr val="dk1"/>
+            </a:fontRef>
+          </p:style>
+          <p:txBody>
+            <a:bodyPr rtlCol="0" anchor="ctr"/>
+            <a:lstStyle/>
+            <a:p>
+              <a:pPr algn="ctr"/>
+              <a:r>
+                <a:rPr lang="en-US" sz="800"/>
+                <a:t>public static void </a:t>
+              </a:r>
+              <a:r>
+                <a:rPr lang="en-US" sz="800" b="1"/>
+                <a:t>writeDataToFile</a:t>
+              </a:r>
+              <a:r>
+                <a:rPr lang="en-US" sz="800"/>
+                <a:t>(List&lt;Product&gt; productList, boolean append)</a:t>
+              </a:r>
+            </a:p>
+          </p:txBody>
+        </p:sp>
+        <p:sp>
+          <p:nvSpPr>
+            <p:cNvPr id="18" name="Rectangle 17">
+              <a:extLst>
+                <a:ext uri="{FF2B5EF4-FFF2-40B4-BE49-F238E27FC236}">
+                  <a16:creationId xmlns:a16="http://schemas.microsoft.com/office/drawing/2014/main" id="{57229C0D-11D3-43F9-A09E-6A7B57AA21C0}"/>
+                </a:ext>
+              </a:extLst>
+            </p:cNvPr>
+            <p:cNvSpPr/>
+            <p:nvPr/>
+          </p:nvSpPr>
+          <p:spPr>
+            <a:xfrm>
+              <a:off x="1571046" y="957357"/>
+              <a:ext cx="3095388" cy="359829"/>
+            </a:xfrm>
+            <a:prstGeom prst="rect">
+              <a:avLst/>
+            </a:prstGeom>
+            <a:ln/>
+          </p:spPr>
+          <p:style>
+            <a:lnRef idx="2">
+              <a:schemeClr val="dk1"/>
+            </a:lnRef>
+            <a:fillRef idx="1">
+              <a:schemeClr val="lt1"/>
+            </a:fillRef>
+            <a:effectRef idx="0">
+              <a:schemeClr val="dk1"/>
+            </a:effectRef>
+            <a:fontRef idx="minor">
+              <a:schemeClr val="dk1"/>
+            </a:fontRef>
+          </p:style>
+          <p:txBody>
+            <a:bodyPr rtlCol="0" anchor="t"/>
+            <a:lstStyle/>
+            <a:p>
+              <a:r>
+                <a:rPr lang="en-US" sz="800">
+                  <a:solidFill>
+                    <a:schemeClr val="tx1"/>
+                  </a:solidFill>
+                  <a:latin typeface="Courier New" panose="02070309020205020404" pitchFamily="49" charset="0"/>
+                  <a:cs typeface="Courier New" panose="02070309020205020404" pitchFamily="49" charset="0"/>
+                </a:rPr>
+                <a:t>String path=“</a:t>
+              </a:r>
+              <a:r>
+                <a:rPr lang="en-US" sz="800" b="1">
+                  <a:solidFill>
+                    <a:schemeClr val="tx1"/>
+                  </a:solidFill>
+                  <a:latin typeface="Courier New" panose="02070309020205020404" pitchFamily="49" charset="0"/>
+                  <a:cs typeface="Courier New" panose="02070309020205020404" pitchFamily="49" charset="0"/>
+                </a:rPr>
+                <a:t>productList</a:t>
+              </a:r>
+              <a:r>
+                <a:rPr lang="en-US" sz="800">
+                  <a:solidFill>
+                    <a:schemeClr val="tx1"/>
+                  </a:solidFill>
+                  <a:latin typeface="Courier New" panose="02070309020205020404" pitchFamily="49" charset="0"/>
+                  <a:cs typeface="Courier New" panose="02070309020205020404" pitchFamily="49" charset="0"/>
+                </a:rPr>
+                <a:t>.csv”;</a:t>
+              </a:r>
+            </a:p>
+          </p:txBody>
+        </p:sp>
+        <p:sp>
+          <p:nvSpPr>
+            <p:cNvPr id="19" name="Rectangle 18">
+              <a:extLst>
+                <a:ext uri="{FF2B5EF4-FFF2-40B4-BE49-F238E27FC236}">
+                  <a16:creationId xmlns:a16="http://schemas.microsoft.com/office/drawing/2014/main" id="{CC26A5AB-79D3-4520-82D7-F5C4534C93D7}"/>
+                </a:ext>
+              </a:extLst>
+            </p:cNvPr>
+            <p:cNvSpPr/>
+            <p:nvPr/>
+          </p:nvSpPr>
+          <p:spPr>
+            <a:xfrm>
+              <a:off x="1571041" y="1317188"/>
+              <a:ext cx="5944391" cy="3326516"/>
+            </a:xfrm>
+            <a:prstGeom prst="rect">
+              <a:avLst/>
+            </a:prstGeom>
+            <a:ln/>
+          </p:spPr>
+          <p:style>
+            <a:lnRef idx="2">
+              <a:schemeClr val="dk1"/>
+            </a:lnRef>
+            <a:fillRef idx="1">
+              <a:schemeClr val="lt1"/>
+            </a:fillRef>
+            <a:effectRef idx="0">
+              <a:schemeClr val="dk1"/>
+            </a:effectRef>
+            <a:fontRef idx="minor">
+              <a:schemeClr val="dk1"/>
+            </a:fontRef>
+          </p:style>
+          <p:txBody>
+            <a:bodyPr rtlCol="0" anchor="t"/>
+            <a:lstStyle/>
+            <a:p>
+              <a:r>
+                <a:rPr lang="en-US" sz="800">
+                  <a:solidFill>
+                    <a:schemeClr val="tx1"/>
+                  </a:solidFill>
+                  <a:latin typeface="Courier New" panose="02070309020205020404" pitchFamily="49" charset="0"/>
+                  <a:cs typeface="Courier New" panose="02070309020205020404" pitchFamily="49" charset="0"/>
+                </a:rPr>
+                <a:t> </a:t>
+              </a:r>
+              <a:r>
+                <a:rPr lang="en-US" sz="800" b="1">
+                  <a:solidFill>
+                    <a:schemeClr val="tx1"/>
+                  </a:solidFill>
+                  <a:latin typeface="Courier New" panose="02070309020205020404" pitchFamily="49" charset="0"/>
+                  <a:cs typeface="Courier New" panose="02070309020205020404" pitchFamily="49" charset="0"/>
+                </a:rPr>
+                <a:t>try</a:t>
+              </a:r>
+              <a:r>
+                <a:rPr lang="en-US" sz="800">
+                  <a:solidFill>
+                    <a:schemeClr val="tx1"/>
+                  </a:solidFill>
+                  <a:latin typeface="Courier New" panose="02070309020205020404" pitchFamily="49" charset="0"/>
+                  <a:cs typeface="Courier New" panose="02070309020205020404" pitchFamily="49" charset="0"/>
+                </a:rPr>
+                <a:t> {</a:t>
+              </a:r>
+            </a:p>
+            <a:p>
+              <a:r>
+                <a:rPr lang="en-US" sz="800">
+                  <a:solidFill>
+                    <a:schemeClr val="tx1"/>
+                  </a:solidFill>
+                  <a:latin typeface="Courier New" panose="02070309020205020404" pitchFamily="49" charset="0"/>
+                  <a:cs typeface="Courier New" panose="02070309020205020404" pitchFamily="49" charset="0"/>
+                </a:rPr>
+                <a:t>            File file = new File(path);</a:t>
+              </a:r>
+            </a:p>
+            <a:p>
+              <a:r>
+                <a:rPr lang="en-US" sz="800">
+                  <a:solidFill>
+                    <a:schemeClr val="tx1"/>
+                  </a:solidFill>
+                  <a:latin typeface="Courier New" panose="02070309020205020404" pitchFamily="49" charset="0"/>
+                  <a:cs typeface="Courier New" panose="02070309020205020404" pitchFamily="49" charset="0"/>
+                </a:rPr>
+                <a:t>            FileWriter fileWriter = new FileWriter(file,true);</a:t>
+              </a:r>
+            </a:p>
+            <a:p>
+              <a:r>
+                <a:rPr lang="en-US" sz="800">
+                  <a:solidFill>
+                    <a:schemeClr val="tx1"/>
+                  </a:solidFill>
+                  <a:latin typeface="Courier New" panose="02070309020205020404" pitchFamily="49" charset="0"/>
+                  <a:cs typeface="Courier New" panose="02070309020205020404" pitchFamily="49" charset="0"/>
+                </a:rPr>
+                <a:t>            BufferedWriter bufferedWriter = new BufferedWriter(fileWriter);</a:t>
+              </a:r>
+            </a:p>
+            <a:p>
+              <a:endParaRPr lang="en-US" sz="800">
+                <a:solidFill>
+                  <a:schemeClr val="tx1"/>
+                </a:solidFill>
+                <a:latin typeface="Courier New" panose="02070309020205020404" pitchFamily="49" charset="0"/>
+                <a:cs typeface="Courier New" panose="02070309020205020404" pitchFamily="49" charset="0"/>
+              </a:endParaRPr>
+            </a:p>
+            <a:p>
+              <a:r>
+                <a:rPr lang="en-US" sz="800">
+                  <a:solidFill>
+                    <a:schemeClr val="tx1"/>
+                  </a:solidFill>
+                  <a:latin typeface="Courier New" panose="02070309020205020404" pitchFamily="49" charset="0"/>
+                  <a:cs typeface="Courier New" panose="02070309020205020404" pitchFamily="49" charset="0"/>
+                </a:rPr>
+                <a:t>            for (Product product : productList) {</a:t>
+              </a:r>
+            </a:p>
+            <a:p>
+              <a:r>
+                <a:rPr lang="en-US" sz="800">
+                  <a:solidFill>
+                    <a:schemeClr val="tx1"/>
+                  </a:solidFill>
+                  <a:latin typeface="Courier New" panose="02070309020205020404" pitchFamily="49" charset="0"/>
+                  <a:cs typeface="Courier New" panose="02070309020205020404" pitchFamily="49" charset="0"/>
+                </a:rPr>
+                <a:t>                String line = product.getId() + "," + product.getName() + "," + product.getPrice()+ "," + product.getCompany()+ "," + product.getNote();</a:t>
+              </a:r>
+            </a:p>
+            <a:p>
+              <a:r>
+                <a:rPr lang="en-US" sz="800">
+                  <a:solidFill>
+                    <a:schemeClr val="tx1"/>
+                  </a:solidFill>
+                  <a:latin typeface="Courier New" panose="02070309020205020404" pitchFamily="49" charset="0"/>
+                  <a:cs typeface="Courier New" panose="02070309020205020404" pitchFamily="49" charset="0"/>
+                </a:rPr>
+                <a:t>                bufferedWriter.write(line);</a:t>
+              </a:r>
+            </a:p>
+            <a:p>
+              <a:r>
+                <a:rPr lang="en-US" sz="800">
+                  <a:solidFill>
+                    <a:schemeClr val="tx1"/>
+                  </a:solidFill>
+                  <a:latin typeface="Courier New" panose="02070309020205020404" pitchFamily="49" charset="0"/>
+                  <a:cs typeface="Courier New" panose="02070309020205020404" pitchFamily="49" charset="0"/>
+                </a:rPr>
+                <a:t>                bufferedWriter.newLine();</a:t>
+              </a:r>
+            </a:p>
+            <a:p>
+              <a:r>
+                <a:rPr lang="en-US" sz="800">
+                  <a:solidFill>
+                    <a:schemeClr val="tx1"/>
+                  </a:solidFill>
+                  <a:latin typeface="Courier New" panose="02070309020205020404" pitchFamily="49" charset="0"/>
+                  <a:cs typeface="Courier New" panose="02070309020205020404" pitchFamily="49" charset="0"/>
+                </a:rPr>
+                <a:t>            }</a:t>
+              </a:r>
+            </a:p>
+            <a:p>
+              <a:r>
+                <a:rPr lang="en-US" sz="800">
+                  <a:solidFill>
+                    <a:schemeClr val="tx1"/>
+                  </a:solidFill>
+                  <a:latin typeface="Courier New" panose="02070309020205020404" pitchFamily="49" charset="0"/>
+                  <a:cs typeface="Courier New" panose="02070309020205020404" pitchFamily="49" charset="0"/>
+                </a:rPr>
+                <a:t>            bufferedWriter.close();</a:t>
+              </a:r>
+            </a:p>
+            <a:p>
+              <a:r>
+                <a:rPr lang="en-US" sz="800">
+                  <a:solidFill>
+                    <a:schemeClr val="tx1"/>
+                  </a:solidFill>
+                  <a:latin typeface="Courier New" panose="02070309020205020404" pitchFamily="49" charset="0"/>
+                  <a:cs typeface="Courier New" panose="02070309020205020404" pitchFamily="49" charset="0"/>
+                </a:rPr>
+                <a:t>        } </a:t>
+              </a:r>
+              <a:r>
+                <a:rPr lang="en-US" sz="800" b="1">
+                  <a:solidFill>
+                    <a:schemeClr val="tx1"/>
+                  </a:solidFill>
+                  <a:latin typeface="Courier New" panose="02070309020205020404" pitchFamily="49" charset="0"/>
+                  <a:cs typeface="Courier New" panose="02070309020205020404" pitchFamily="49" charset="0"/>
+                </a:rPr>
+                <a:t>catch</a:t>
+              </a:r>
+              <a:r>
+                <a:rPr lang="en-US" sz="800">
+                  <a:solidFill>
+                    <a:schemeClr val="tx1"/>
+                  </a:solidFill>
+                  <a:latin typeface="Courier New" panose="02070309020205020404" pitchFamily="49" charset="0"/>
+                  <a:cs typeface="Courier New" panose="02070309020205020404" pitchFamily="49" charset="0"/>
+                </a:rPr>
+                <a:t> (IOException e) {</a:t>
+              </a:r>
+            </a:p>
+            <a:p>
+              <a:r>
+                <a:rPr lang="en-US" sz="800">
+                  <a:solidFill>
+                    <a:schemeClr val="tx1"/>
+                  </a:solidFill>
+                  <a:latin typeface="Courier New" panose="02070309020205020404" pitchFamily="49" charset="0"/>
+                  <a:cs typeface="Courier New" panose="02070309020205020404" pitchFamily="49" charset="0"/>
+                </a:rPr>
+                <a:t>            e.printStackTrace();</a:t>
+              </a:r>
+            </a:p>
+            <a:p>
+              <a:r>
+                <a:rPr lang="en-US" sz="800">
+                  <a:solidFill>
+                    <a:schemeClr val="tx1"/>
+                  </a:solidFill>
+                  <a:latin typeface="Courier New" panose="02070309020205020404" pitchFamily="49" charset="0"/>
+                  <a:cs typeface="Courier New" panose="02070309020205020404" pitchFamily="49" charset="0"/>
+                </a:rPr>
+                <a:t>        }</a:t>
+              </a:r>
+            </a:p>
+            <a:p>
+              <a:r>
+                <a:rPr lang="en-US" sz="800">
+                  <a:solidFill>
+                    <a:schemeClr val="tx1"/>
+                  </a:solidFill>
+                  <a:latin typeface="Courier New" panose="02070309020205020404" pitchFamily="49" charset="0"/>
+                  <a:cs typeface="Courier New" panose="02070309020205020404" pitchFamily="49" charset="0"/>
+                </a:rPr>
+                <a:t>    }</a:t>
+              </a:r>
+            </a:p>
+          </p:txBody>
+        </p:sp>
+      </p:grpSp>
+      <p:sp>
+        <p:nvSpPr>
+          <p:cNvPr id="27" name="Rectangle: Rounded Corners 26">
+            <a:extLst>
+              <a:ext uri="{FF2B5EF4-FFF2-40B4-BE49-F238E27FC236}">
+                <a16:creationId xmlns:a16="http://schemas.microsoft.com/office/drawing/2014/main" id="{32E37741-067B-4701-9E60-58BF0520989E}"/>
+              </a:ext>
+            </a:extLst>
+          </p:cNvPr>
+          <p:cNvSpPr/>
+          <p:nvPr/>
+        </p:nvSpPr>
+        <p:spPr>
+          <a:xfrm>
+            <a:off x="3662363" y="661594"/>
+            <a:ext cx="2010886" cy="233943"/>
+          </a:xfrm>
+          <a:prstGeom prst="roundRect">
+            <a:avLst>
+              <a:gd name="adj" fmla="val 10785"/>
+            </a:avLst>
+          </a:prstGeom>
+          <a:ln>
+            <a:prstDash val="dash"/>
+          </a:ln>
+        </p:spPr>
+        <p:style>
+          <a:lnRef idx="2">
+            <a:schemeClr val="accent6"/>
+          </a:lnRef>
+          <a:fillRef idx="1">
+            <a:schemeClr val="lt1"/>
+          </a:fillRef>
+          <a:effectRef idx="0">
+            <a:schemeClr val="accent6"/>
+          </a:effectRef>
+          <a:fontRef idx="minor">
+            <a:schemeClr val="dk1"/>
+          </a:fontRef>
+        </p:style>
+        <p:txBody>
+          <a:bodyPr rtlCol="0" anchor="ctr"/>
+          <a:lstStyle/>
+          <a:p>
+            <a:pPr algn="r"/>
+            <a:r>
+              <a:rPr lang="en-US" sz="969"/>
+              <a:t>Nên tạo một package để lưu giữ</a:t>
+            </a:r>
+          </a:p>
+        </p:txBody>
+      </p:sp>
+      <p:sp>
+        <p:nvSpPr>
+          <p:cNvPr id="28" name="Oval 27">
+            <a:extLst>
+              <a:ext uri="{FF2B5EF4-FFF2-40B4-BE49-F238E27FC236}">
+                <a16:creationId xmlns:a16="http://schemas.microsoft.com/office/drawing/2014/main" id="{42B6586D-0A7A-49CD-8D78-92A602AA53DA}"/>
+              </a:ext>
+            </a:extLst>
+          </p:cNvPr>
+          <p:cNvSpPr/>
+          <p:nvPr/>
+        </p:nvSpPr>
+        <p:spPr>
+          <a:xfrm>
+            <a:off x="520525" y="1666333"/>
+            <a:ext cx="431731" cy="446617"/>
+          </a:xfrm>
+          <a:prstGeom prst="ellipse">
+            <a:avLst/>
+          </a:prstGeom>
+        </p:spPr>
+        <p:style>
+          <a:lnRef idx="2">
+            <a:schemeClr val="accent1">
+              <a:shade val="50000"/>
+            </a:schemeClr>
+          </a:lnRef>
+          <a:fillRef idx="1">
+            <a:schemeClr val="accent1"/>
+          </a:fillRef>
+          <a:effectRef idx="0">
+            <a:schemeClr val="accent1"/>
+          </a:effectRef>
+          <a:fontRef idx="minor">
+            <a:schemeClr val="lt1"/>
+          </a:fontRef>
+        </p:style>
+        <p:txBody>
+          <a:bodyPr rtlCol="0" anchor="ctr"/>
+          <a:lstStyle/>
+          <a:p>
+            <a:pPr algn="ctr"/>
+            <a:r>
+              <a:rPr lang="en-US" sz="2492"/>
+              <a:t>2</a:t>
+            </a:r>
+          </a:p>
+        </p:txBody>
+      </p:sp>
+      <p:sp>
+        <p:nvSpPr>
+          <p:cNvPr id="29" name="Rectangle: Rounded Corners 28">
+            <a:extLst>
+              <a:ext uri="{FF2B5EF4-FFF2-40B4-BE49-F238E27FC236}">
+                <a16:creationId xmlns:a16="http://schemas.microsoft.com/office/drawing/2014/main" id="{BF104AB0-DCD2-4A4B-A87F-933547BEEE22}"/>
+              </a:ext>
+            </a:extLst>
+          </p:cNvPr>
+          <p:cNvSpPr/>
+          <p:nvPr/>
+        </p:nvSpPr>
+        <p:spPr>
+          <a:xfrm>
+            <a:off x="1044661" y="1749744"/>
+            <a:ext cx="1874752" cy="279798"/>
+          </a:xfrm>
+          <a:prstGeom prst="roundRect">
+            <a:avLst>
+              <a:gd name="adj" fmla="val 10785"/>
+            </a:avLst>
+          </a:prstGeom>
+          <a:ln>
+            <a:prstDash val="dash"/>
+          </a:ln>
+        </p:spPr>
+        <p:style>
+          <a:lnRef idx="2">
+            <a:schemeClr val="accent6"/>
+          </a:lnRef>
+          <a:fillRef idx="1">
+            <a:schemeClr val="lt1"/>
+          </a:fillRef>
+          <a:effectRef idx="0">
+            <a:schemeClr val="accent6"/>
+          </a:effectRef>
+          <a:fontRef idx="minor">
+            <a:schemeClr val="dk1"/>
+          </a:fontRef>
+        </p:style>
+        <p:txBody>
+          <a:bodyPr rtlCol="0" anchor="ctr"/>
+          <a:lstStyle/>
+          <a:p>
+            <a:r>
+              <a:rPr lang="en-US" sz="969" b="1"/>
+              <a:t>B2</a:t>
+            </a:r>
+            <a:r>
+              <a:rPr lang="en-US" sz="969"/>
+              <a:t>. Triển khai : `</a:t>
+            </a:r>
+            <a:r>
+              <a:rPr lang="en-US" sz="969" b="1"/>
+              <a:t>writeDataToFile</a:t>
+            </a:r>
+            <a:r>
+              <a:rPr lang="en-US" sz="969"/>
+              <a:t>`</a:t>
+            </a:r>
+          </a:p>
+        </p:txBody>
+      </p:sp>
+      <p:grpSp>
+        <p:nvGrpSpPr>
+          <p:cNvPr id="30" name="Group 29">
+            <a:extLst>
+              <a:ext uri="{FF2B5EF4-FFF2-40B4-BE49-F238E27FC236}">
+                <a16:creationId xmlns:a16="http://schemas.microsoft.com/office/drawing/2014/main" id="{123052C3-9FE0-44CF-AA64-11C67CA6A785}"/>
+              </a:ext>
+            </a:extLst>
+          </p:cNvPr>
+          <p:cNvGrpSpPr/>
+          <p:nvPr/>
+        </p:nvGrpSpPr>
+        <p:grpSpPr>
+          <a:xfrm>
+            <a:off x="413651" y="5958545"/>
+            <a:ext cx="5971791" cy="3579155"/>
+            <a:chOff x="1571038" y="484816"/>
+            <a:chExt cx="5944397" cy="5766267"/>
+          </a:xfrm>
+        </p:grpSpPr>
+        <p:sp>
+          <p:nvSpPr>
+            <p:cNvPr id="33" name="Rectangle 32">
+              <a:extLst>
+                <a:ext uri="{FF2B5EF4-FFF2-40B4-BE49-F238E27FC236}">
+                  <a16:creationId xmlns:a16="http://schemas.microsoft.com/office/drawing/2014/main" id="{2FB00405-AEC5-4F57-80FA-95FD40E74BC2}"/>
+                </a:ext>
+              </a:extLst>
+            </p:cNvPr>
+            <p:cNvSpPr/>
+            <p:nvPr/>
+          </p:nvSpPr>
+          <p:spPr>
+            <a:xfrm>
+              <a:off x="1571047" y="484816"/>
+              <a:ext cx="5944388" cy="472541"/>
+            </a:xfrm>
+            <a:prstGeom prst="rect">
+              <a:avLst/>
+            </a:prstGeom>
+            <a:ln/>
+          </p:spPr>
+          <p:style>
+            <a:lnRef idx="2">
+              <a:schemeClr val="dk1"/>
+            </a:lnRef>
+            <a:fillRef idx="1">
+              <a:schemeClr val="lt1"/>
+            </a:fillRef>
+            <a:effectRef idx="0">
+              <a:schemeClr val="dk1"/>
+            </a:effectRef>
+            <a:fontRef idx="minor">
+              <a:schemeClr val="dk1"/>
+            </a:fontRef>
+          </p:style>
+          <p:txBody>
+            <a:bodyPr rtlCol="0" anchor="ctr"/>
+            <a:lstStyle/>
+            <a:p>
+              <a:pPr algn="ctr"/>
+              <a:r>
+                <a:rPr lang="en-US" sz="800"/>
+                <a:t>public static List&lt;Product&gt; </a:t>
+              </a:r>
+              <a:r>
+                <a:rPr lang="en-US" sz="800" b="1"/>
+                <a:t>readDataFromFile </a:t>
+              </a:r>
+              <a:r>
+                <a:rPr lang="en-US" sz="800"/>
+                <a:t>()</a:t>
+              </a:r>
+            </a:p>
+          </p:txBody>
+        </p:sp>
+        <p:sp>
+          <p:nvSpPr>
+            <p:cNvPr id="34" name="Rectangle 33">
+              <a:extLst>
+                <a:ext uri="{FF2B5EF4-FFF2-40B4-BE49-F238E27FC236}">
+                  <a16:creationId xmlns:a16="http://schemas.microsoft.com/office/drawing/2014/main" id="{D85B9A13-7B89-426A-8C60-7ADEAC9CC725}"/>
+                </a:ext>
+              </a:extLst>
+            </p:cNvPr>
+            <p:cNvSpPr/>
+            <p:nvPr/>
+          </p:nvSpPr>
+          <p:spPr>
+            <a:xfrm>
+              <a:off x="1571044" y="957357"/>
+              <a:ext cx="3530199" cy="590959"/>
+            </a:xfrm>
+            <a:prstGeom prst="rect">
+              <a:avLst/>
+            </a:prstGeom>
+            <a:ln/>
+          </p:spPr>
+          <p:style>
+            <a:lnRef idx="2">
+              <a:schemeClr val="dk1"/>
+            </a:lnRef>
+            <a:fillRef idx="1">
+              <a:schemeClr val="lt1"/>
+            </a:fillRef>
+            <a:effectRef idx="0">
+              <a:schemeClr val="dk1"/>
+            </a:effectRef>
+            <a:fontRef idx="minor">
+              <a:schemeClr val="dk1"/>
+            </a:fontRef>
+          </p:style>
+          <p:txBody>
+            <a:bodyPr rtlCol="0" anchor="t"/>
+            <a:lstStyle/>
+            <a:p>
+              <a:r>
+                <a:rPr lang="en-US" sz="800">
+                  <a:solidFill>
+                    <a:schemeClr val="tx1"/>
+                  </a:solidFill>
+                  <a:latin typeface="Courier New" panose="02070309020205020404" pitchFamily="49" charset="0"/>
+                  <a:cs typeface="Courier New" panose="02070309020205020404" pitchFamily="49" charset="0"/>
+                </a:rPr>
+                <a:t>String path=“</a:t>
+              </a:r>
+              <a:r>
+                <a:rPr lang="en-US" sz="800" b="1">
+                  <a:solidFill>
+                    <a:schemeClr val="tx1"/>
+                  </a:solidFill>
+                  <a:latin typeface="Courier New" panose="02070309020205020404" pitchFamily="49" charset="0"/>
+                  <a:cs typeface="Courier New" panose="02070309020205020404" pitchFamily="49" charset="0"/>
+                </a:rPr>
+                <a:t>productList</a:t>
+              </a:r>
+              <a:r>
+                <a:rPr lang="en-US" sz="800">
+                  <a:solidFill>
+                    <a:schemeClr val="tx1"/>
+                  </a:solidFill>
+                  <a:latin typeface="Courier New" panose="02070309020205020404" pitchFamily="49" charset="0"/>
+                  <a:cs typeface="Courier New" panose="02070309020205020404" pitchFamily="49" charset="0"/>
+                </a:rPr>
+                <a:t>.csv”;</a:t>
+              </a:r>
+            </a:p>
+            <a:p>
+              <a:r>
+                <a:rPr lang="en-US" sz="800">
+                  <a:solidFill>
+                    <a:schemeClr val="tx1"/>
+                  </a:solidFill>
+                  <a:latin typeface="Courier New" panose="02070309020205020404" pitchFamily="49" charset="0"/>
+                  <a:cs typeface="Courier New" panose="02070309020205020404" pitchFamily="49" charset="0"/>
+                </a:rPr>
+                <a:t>List&lt;Product&gt; productList = new ArrayList&lt;&gt;()</a:t>
+              </a:r>
+            </a:p>
+          </p:txBody>
+        </p:sp>
+        <p:sp>
+          <p:nvSpPr>
+            <p:cNvPr id="35" name="Rectangle 34">
+              <a:extLst>
+                <a:ext uri="{FF2B5EF4-FFF2-40B4-BE49-F238E27FC236}">
+                  <a16:creationId xmlns:a16="http://schemas.microsoft.com/office/drawing/2014/main" id="{30071B73-724E-47A5-87D7-A677446D5230}"/>
+                </a:ext>
+              </a:extLst>
+            </p:cNvPr>
+            <p:cNvSpPr/>
+            <p:nvPr/>
+          </p:nvSpPr>
+          <p:spPr>
+            <a:xfrm>
+              <a:off x="1571038" y="1548317"/>
+              <a:ext cx="5944391" cy="4702766"/>
+            </a:xfrm>
+            <a:prstGeom prst="rect">
+              <a:avLst/>
+            </a:prstGeom>
+            <a:ln/>
+          </p:spPr>
+          <p:style>
+            <a:lnRef idx="2">
+              <a:schemeClr val="dk1"/>
+            </a:lnRef>
+            <a:fillRef idx="1">
+              <a:schemeClr val="lt1"/>
+            </a:fillRef>
+            <a:effectRef idx="0">
+              <a:schemeClr val="dk1"/>
+            </a:effectRef>
+            <a:fontRef idx="minor">
+              <a:schemeClr val="dk1"/>
+            </a:fontRef>
+          </p:style>
+          <p:txBody>
+            <a:bodyPr rtlCol="0" anchor="t"/>
+            <a:lstStyle/>
+            <a:p>
+              <a:r>
+                <a:rPr lang="en-US" sz="800">
+                  <a:solidFill>
+                    <a:schemeClr val="tx1"/>
+                  </a:solidFill>
+                  <a:latin typeface="Courier New" panose="02070309020205020404" pitchFamily="49" charset="0"/>
+                  <a:cs typeface="Courier New" panose="02070309020205020404" pitchFamily="49" charset="0"/>
+                </a:rPr>
+                <a:t> try {</a:t>
+              </a:r>
+            </a:p>
+            <a:p>
+              <a:r>
+                <a:rPr lang="en-US" sz="800">
+                  <a:solidFill>
+                    <a:schemeClr val="tx1"/>
+                  </a:solidFill>
+                  <a:latin typeface="Courier New" panose="02070309020205020404" pitchFamily="49" charset="0"/>
+                  <a:cs typeface="Courier New" panose="02070309020205020404" pitchFamily="49" charset="0"/>
+                </a:rPr>
+                <a:t>            File file = new File(path);</a:t>
+              </a:r>
+            </a:p>
+            <a:p>
+              <a:r>
+                <a:rPr lang="en-US" sz="800">
+                  <a:solidFill>
+                    <a:schemeClr val="tx1"/>
+                  </a:solidFill>
+                  <a:latin typeface="Courier New" panose="02070309020205020404" pitchFamily="49" charset="0"/>
+                  <a:cs typeface="Courier New" panose="02070309020205020404" pitchFamily="49" charset="0"/>
+                </a:rPr>
+                <a:t>            FileReader fileReader = new FileReader(file);</a:t>
+              </a:r>
+            </a:p>
+            <a:p>
+              <a:r>
+                <a:rPr lang="en-US" sz="800">
+                  <a:solidFill>
+                    <a:schemeClr val="tx1"/>
+                  </a:solidFill>
+                  <a:latin typeface="Courier New" panose="02070309020205020404" pitchFamily="49" charset="0"/>
+                  <a:cs typeface="Courier New" panose="02070309020205020404" pitchFamily="49" charset="0"/>
+                </a:rPr>
+                <a:t>            BufferedReader bufferedReader = new BufferedReader(fileReader);</a:t>
+              </a:r>
+            </a:p>
+            <a:p>
+              <a:r>
+                <a:rPr lang="en-US" sz="800">
+                  <a:solidFill>
+                    <a:schemeClr val="tx1"/>
+                  </a:solidFill>
+                  <a:latin typeface="Courier New" panose="02070309020205020404" pitchFamily="49" charset="0"/>
+                  <a:cs typeface="Courier New" panose="02070309020205020404" pitchFamily="49" charset="0"/>
+                </a:rPr>
+                <a:t>            String line;</a:t>
+              </a:r>
+            </a:p>
+            <a:p>
+              <a:r>
+                <a:rPr lang="en-US" sz="800">
+                  <a:solidFill>
+                    <a:schemeClr val="tx1"/>
+                  </a:solidFill>
+                  <a:latin typeface="Courier New" panose="02070309020205020404" pitchFamily="49" charset="0"/>
+                  <a:cs typeface="Courier New" panose="02070309020205020404" pitchFamily="49" charset="0"/>
+                </a:rPr>
+                <a:t>            while ((line = bufferedReader.readLine()) != null) {</a:t>
+              </a:r>
+            </a:p>
+            <a:p>
+              <a:r>
+                <a:rPr lang="en-US" sz="800">
+                  <a:solidFill>
+                    <a:schemeClr val="tx1"/>
+                  </a:solidFill>
+                  <a:latin typeface="Courier New" panose="02070309020205020404" pitchFamily="49" charset="0"/>
+                  <a:cs typeface="Courier New" panose="02070309020205020404" pitchFamily="49" charset="0"/>
+                </a:rPr>
+                <a:t>                String[] data = line.split(",");</a:t>
+              </a:r>
+            </a:p>
+            <a:p>
+              <a:r>
+                <a:rPr lang="en-US" sz="800">
+                  <a:solidFill>
+                    <a:schemeClr val="tx1"/>
+                  </a:solidFill>
+                  <a:latin typeface="Courier New" panose="02070309020205020404" pitchFamily="49" charset="0"/>
+                  <a:cs typeface="Courier New" panose="02070309020205020404" pitchFamily="49" charset="0"/>
+                </a:rPr>
+                <a:t>                if (data.length == 5) {</a:t>
+              </a:r>
+            </a:p>
+            <a:p>
+              <a:r>
+                <a:rPr lang="en-US" sz="800">
+                  <a:solidFill>
+                    <a:schemeClr val="tx1"/>
+                  </a:solidFill>
+                  <a:latin typeface="Courier New" panose="02070309020205020404" pitchFamily="49" charset="0"/>
+                  <a:cs typeface="Courier New" panose="02070309020205020404" pitchFamily="49" charset="0"/>
+                </a:rPr>
+                <a:t>                    int id = Integer.parseInt(data[0]);</a:t>
+              </a:r>
+            </a:p>
+            <a:p>
+              <a:r>
+                <a:rPr lang="en-US" sz="800">
+                  <a:solidFill>
+                    <a:schemeClr val="tx1"/>
+                  </a:solidFill>
+                  <a:latin typeface="Courier New" panose="02070309020205020404" pitchFamily="49" charset="0"/>
+                  <a:cs typeface="Courier New" panose="02070309020205020404" pitchFamily="49" charset="0"/>
+                </a:rPr>
+                <a:t>                    String name = data[1];</a:t>
+              </a:r>
+            </a:p>
+            <a:p>
+              <a:r>
+                <a:rPr lang="en-US" sz="800">
+                  <a:solidFill>
+                    <a:schemeClr val="tx1"/>
+                  </a:solidFill>
+                  <a:latin typeface="Courier New" panose="02070309020205020404" pitchFamily="49" charset="0"/>
+                  <a:cs typeface="Courier New" panose="02070309020205020404" pitchFamily="49" charset="0"/>
+                </a:rPr>
+                <a:t>                    double price = Double.parseDouble(data[2]);</a:t>
+              </a:r>
+            </a:p>
+            <a:p>
+              <a:r>
+                <a:rPr lang="en-US" sz="800">
+                  <a:solidFill>
+                    <a:schemeClr val="tx1"/>
+                  </a:solidFill>
+                  <a:latin typeface="Courier New" panose="02070309020205020404" pitchFamily="49" charset="0"/>
+                  <a:cs typeface="Courier New" panose="02070309020205020404" pitchFamily="49" charset="0"/>
+                </a:rPr>
+                <a:t>                    String company = data[3];</a:t>
+              </a:r>
+            </a:p>
+            <a:p>
+              <a:r>
+                <a:rPr lang="en-US" sz="800">
+                  <a:solidFill>
+                    <a:schemeClr val="tx1"/>
+                  </a:solidFill>
+                  <a:latin typeface="Courier New" panose="02070309020205020404" pitchFamily="49" charset="0"/>
+                  <a:cs typeface="Courier New" panose="02070309020205020404" pitchFamily="49" charset="0"/>
+                </a:rPr>
+                <a:t>                    String note = data[4];</a:t>
+              </a:r>
+            </a:p>
+            <a:p>
+              <a:r>
+                <a:rPr lang="en-US" sz="800">
+                  <a:solidFill>
+                    <a:schemeClr val="tx1"/>
+                  </a:solidFill>
+                  <a:latin typeface="Courier New" panose="02070309020205020404" pitchFamily="49" charset="0"/>
+                  <a:cs typeface="Courier New" panose="02070309020205020404" pitchFamily="49" charset="0"/>
+                </a:rPr>
+                <a:t>                    productList.add(new Product(id, name, price, company, note));</a:t>
+              </a:r>
+            </a:p>
+            <a:p>
+              <a:r>
+                <a:rPr lang="en-US" sz="800">
+                  <a:solidFill>
+                    <a:schemeClr val="tx1"/>
+                  </a:solidFill>
+                  <a:latin typeface="Courier New" panose="02070309020205020404" pitchFamily="49" charset="0"/>
+                  <a:cs typeface="Courier New" panose="02070309020205020404" pitchFamily="49" charset="0"/>
+                </a:rPr>
+                <a:t>                }</a:t>
+              </a:r>
+            </a:p>
+            <a:p>
+              <a:r>
+                <a:rPr lang="en-US" sz="800">
+                  <a:solidFill>
+                    <a:schemeClr val="tx1"/>
+                  </a:solidFill>
+                  <a:latin typeface="Courier New" panose="02070309020205020404" pitchFamily="49" charset="0"/>
+                  <a:cs typeface="Courier New" panose="02070309020205020404" pitchFamily="49" charset="0"/>
+                </a:rPr>
+                <a:t>            }</a:t>
+              </a:r>
+            </a:p>
+            <a:p>
+              <a:r>
+                <a:rPr lang="en-US" sz="800">
+                  <a:solidFill>
+                    <a:schemeClr val="tx1"/>
+                  </a:solidFill>
+                  <a:latin typeface="Courier New" panose="02070309020205020404" pitchFamily="49" charset="0"/>
+                  <a:cs typeface="Courier New" panose="02070309020205020404" pitchFamily="49" charset="0"/>
+                </a:rPr>
+                <a:t>            bufferedReader.close();</a:t>
+              </a:r>
+            </a:p>
+            <a:p>
+              <a:r>
+                <a:rPr lang="en-US" sz="800">
+                  <a:solidFill>
+                    <a:schemeClr val="tx1"/>
+                  </a:solidFill>
+                  <a:latin typeface="Courier New" panose="02070309020205020404" pitchFamily="49" charset="0"/>
+                  <a:cs typeface="Courier New" panose="02070309020205020404" pitchFamily="49" charset="0"/>
+                </a:rPr>
+                <a:t>        } catch (Exception ex) {</a:t>
+              </a:r>
+            </a:p>
+            <a:p>
+              <a:r>
+                <a:rPr lang="en-US" sz="800">
+                  <a:solidFill>
+                    <a:schemeClr val="tx1"/>
+                  </a:solidFill>
+                  <a:latin typeface="Courier New" panose="02070309020205020404" pitchFamily="49" charset="0"/>
+                  <a:cs typeface="Courier New" panose="02070309020205020404" pitchFamily="49" charset="0"/>
+                </a:rPr>
+                <a:t>            ex.printStackTrace();</a:t>
+              </a:r>
+            </a:p>
+            <a:p>
+              <a:r>
+                <a:rPr lang="en-US" sz="800">
+                  <a:solidFill>
+                    <a:schemeClr val="tx1"/>
+                  </a:solidFill>
+                  <a:latin typeface="Courier New" panose="02070309020205020404" pitchFamily="49" charset="0"/>
+                  <a:cs typeface="Courier New" panose="02070309020205020404" pitchFamily="49" charset="0"/>
+                </a:rPr>
+                <a:t>        }</a:t>
+              </a:r>
+            </a:p>
+            <a:p>
+              <a:r>
+                <a:rPr lang="en-US" sz="800">
+                  <a:solidFill>
+                    <a:schemeClr val="tx1"/>
+                  </a:solidFill>
+                  <a:latin typeface="Courier New" panose="02070309020205020404" pitchFamily="49" charset="0"/>
+                  <a:cs typeface="Courier New" panose="02070309020205020404" pitchFamily="49" charset="0"/>
+                </a:rPr>
+                <a:t>        return productList;</a:t>
+              </a:r>
+            </a:p>
+            <a:p>
+              <a:r>
+                <a:rPr lang="en-US" sz="800">
+                  <a:solidFill>
+                    <a:schemeClr val="tx1"/>
+                  </a:solidFill>
+                  <a:latin typeface="Courier New" panose="02070309020205020404" pitchFamily="49" charset="0"/>
+                  <a:cs typeface="Courier New" panose="02070309020205020404" pitchFamily="49" charset="0"/>
+                </a:rPr>
+                <a:t>    }    </a:t>
+              </a:r>
+            </a:p>
+            <a:p>
+              <a:r>
+                <a:rPr lang="en-US" sz="800">
+                  <a:solidFill>
+                    <a:schemeClr val="tx1"/>
+                  </a:solidFill>
+                  <a:latin typeface="Courier New" panose="02070309020205020404" pitchFamily="49" charset="0"/>
+                  <a:cs typeface="Courier New" panose="02070309020205020404" pitchFamily="49" charset="0"/>
+                </a:rPr>
+                <a:t>}</a:t>
+              </a:r>
+            </a:p>
+          </p:txBody>
+        </p:sp>
+      </p:grpSp>
+      <p:sp>
+        <p:nvSpPr>
+          <p:cNvPr id="36" name="Oval 35">
+            <a:extLst>
+              <a:ext uri="{FF2B5EF4-FFF2-40B4-BE49-F238E27FC236}">
+                <a16:creationId xmlns:a16="http://schemas.microsoft.com/office/drawing/2014/main" id="{14B98A8F-F1D3-4FD6-B614-01FA7144280B}"/>
+              </a:ext>
+            </a:extLst>
+          </p:cNvPr>
+          <p:cNvSpPr/>
+          <p:nvPr/>
+        </p:nvSpPr>
+        <p:spPr>
+          <a:xfrm>
+            <a:off x="520519" y="5282873"/>
+            <a:ext cx="431731" cy="446617"/>
+          </a:xfrm>
+          <a:prstGeom prst="ellipse">
+            <a:avLst/>
+          </a:prstGeom>
+        </p:spPr>
+        <p:style>
+          <a:lnRef idx="2">
+            <a:schemeClr val="accent1">
+              <a:shade val="50000"/>
+            </a:schemeClr>
+          </a:lnRef>
+          <a:fillRef idx="1">
+            <a:schemeClr val="accent1"/>
+          </a:fillRef>
+          <a:effectRef idx="0">
+            <a:schemeClr val="accent1"/>
+          </a:effectRef>
+          <a:fontRef idx="minor">
+            <a:schemeClr val="lt1"/>
+          </a:fontRef>
+        </p:style>
+        <p:txBody>
+          <a:bodyPr rtlCol="0" anchor="ctr"/>
+          <a:lstStyle/>
+          <a:p>
+            <a:pPr algn="ctr"/>
+            <a:r>
+              <a:rPr lang="en-US" sz="2492"/>
+              <a:t>3</a:t>
+            </a:r>
+          </a:p>
+        </p:txBody>
+      </p:sp>
+      <p:sp>
+        <p:nvSpPr>
+          <p:cNvPr id="37" name="Rectangle: Rounded Corners 36">
+            <a:extLst>
+              <a:ext uri="{FF2B5EF4-FFF2-40B4-BE49-F238E27FC236}">
+                <a16:creationId xmlns:a16="http://schemas.microsoft.com/office/drawing/2014/main" id="{79D92F02-FF0F-4E13-B666-2E8B1BFCE8B8}"/>
+              </a:ext>
+            </a:extLst>
+          </p:cNvPr>
+          <p:cNvSpPr/>
+          <p:nvPr/>
+        </p:nvSpPr>
+        <p:spPr>
+          <a:xfrm>
+            <a:off x="1044654" y="5366284"/>
+            <a:ext cx="2048583" cy="279798"/>
+          </a:xfrm>
+          <a:prstGeom prst="roundRect">
+            <a:avLst>
+              <a:gd name="adj" fmla="val 10785"/>
+            </a:avLst>
+          </a:prstGeom>
+          <a:ln>
+            <a:prstDash val="dash"/>
+          </a:ln>
+        </p:spPr>
+        <p:style>
+          <a:lnRef idx="2">
+            <a:schemeClr val="accent6"/>
+          </a:lnRef>
+          <a:fillRef idx="1">
+            <a:schemeClr val="lt1"/>
+          </a:fillRef>
+          <a:effectRef idx="0">
+            <a:schemeClr val="accent6"/>
+          </a:effectRef>
+          <a:fontRef idx="minor">
+            <a:schemeClr val="dk1"/>
+          </a:fontRef>
+        </p:style>
+        <p:txBody>
+          <a:bodyPr rtlCol="0" anchor="ctr"/>
+          <a:lstStyle/>
+          <a:p>
+            <a:r>
+              <a:rPr lang="en-US" sz="969" b="1"/>
+              <a:t>B2</a:t>
+            </a:r>
+            <a:r>
+              <a:rPr lang="en-US" sz="969"/>
+              <a:t>. Triển khai : `</a:t>
+            </a:r>
+            <a:r>
+              <a:rPr lang="en-US" sz="969" b="1"/>
+              <a:t>readDataFromFile</a:t>
+            </a:r>
+            <a:r>
+              <a:rPr lang="en-US" sz="969"/>
+              <a:t>`</a:t>
+            </a:r>
+          </a:p>
+        </p:txBody>
+      </p:sp>
+    </p:spTree>
+    <p:extLst>
+      <p:ext uri="{BB962C8B-B14F-4D97-AF65-F5344CB8AC3E}">
+        <p14:creationId xmlns:p14="http://schemas.microsoft.com/office/powerpoint/2010/main" val="3165432922"/>
       </p:ext>
     </p:extLst>
   </p:cSld>
